--- a/発表用スライド/1821144_卒研発表.pptx
+++ b/発表用スライド/1821144_卒研発表.pptx
@@ -13,8 +13,8 @@
     <p:sldId id="261" r:id="rId4"/>
     <p:sldId id="260" r:id="rId5"/>
     <p:sldId id="258" r:id="rId6"/>
-    <p:sldId id="275" r:id="rId7"/>
-    <p:sldId id="277" r:id="rId8"/>
+    <p:sldId id="277" r:id="rId7"/>
+    <p:sldId id="275" r:id="rId8"/>
     <p:sldId id="259" r:id="rId9"/>
     <p:sldId id="284" r:id="rId10"/>
     <p:sldId id="285" r:id="rId11"/>
@@ -3896,22 +3896,14 @@
             </a:r>
             <a:r>
               <a:rPr kumimoji="1" lang="ja-JP" altLang="en-US" dirty="0" smtClean="0"/>
-              <a:t>氏名：吉井  </a:t>
-            </a:r>
+              <a:t>氏名：吉井  智哉　</a:t>
+            </a:r>
+            <a:endParaRPr kumimoji="1" lang="en-US" altLang="ja-JP" dirty="0" smtClean="0"/>
+          </a:p>
+          <a:p>
             <a:r>
               <a:rPr kumimoji="1" lang="ja-JP" altLang="en-US" dirty="0" smtClean="0"/>
-              <a:t>智哉　</a:t>
-            </a:r>
-            <a:endParaRPr kumimoji="1" lang="en-US" altLang="ja-JP" dirty="0" smtClean="0"/>
-          </a:p>
-          <a:p>
-            <a:r>
-              <a:rPr kumimoji="1" lang="ja-JP" altLang="en-US" dirty="0" smtClean="0"/>
-              <a:t>指導</a:t>
-            </a:r>
-            <a:r>
-              <a:rPr kumimoji="1" lang="ja-JP" altLang="en-US" dirty="0" smtClean="0"/>
-              <a:t>教員：</a:t>
+              <a:t>指導教員：</a:t>
             </a:r>
             <a:r>
               <a:rPr lang="ja-JP" altLang="en-US" dirty="0" smtClean="0"/>
@@ -9449,11 +9441,7 @@
             </a:r>
             <a:r>
               <a:rPr lang="ja-JP" altLang="en-US" dirty="0" smtClean="0"/>
-              <a:t>も同様に発展を遂げた．</a:t>
-            </a:r>
-            <a:r>
-              <a:rPr lang="ja-JP" altLang="en-US" dirty="0" smtClean="0"/>
-              <a:t>そのため誰でも音楽を</a:t>
+              <a:t>も同様に発展を遂げた．そのため誰でも音楽を</a:t>
             </a:r>
             <a:r>
               <a:rPr lang="en-US" altLang="ja-JP" dirty="0" smtClean="0"/>
@@ -9978,38 +9966,56 @@
               <a:buAutoNum type="arabicPeriod"/>
             </a:pPr>
             <a:r>
-              <a:rPr lang="ja-JP" altLang="ja-JP" dirty="0"/>
+              <a:rPr lang="ja-JP" altLang="ja-JP" sz="2900" dirty="0">
+                <a:latin typeface="+mn-ea"/>
+              </a:rPr>
               <a:t>大野直樹，中村聡史，山本岳洋，後藤真孝，音楽動画への印象評価データセット構築とその特性の調査，情報処理学会 研究報告音楽情報科学， </a:t>
             </a:r>
             <a:r>
-              <a:rPr lang="en-US" altLang="ja-JP" dirty="0"/>
+              <a:rPr lang="en-US" altLang="ja-JP" sz="2900" dirty="0">
+                <a:latin typeface="+mn-ea"/>
+              </a:rPr>
               <a:t>2015</a:t>
             </a:r>
             <a:r>
-              <a:rPr lang="ja-JP" altLang="ja-JP" dirty="0"/>
+              <a:rPr lang="ja-JP" altLang="ja-JP" sz="2900" dirty="0">
+                <a:latin typeface="+mn-ea"/>
+              </a:rPr>
               <a:t>年</a:t>
             </a:r>
             <a:r>
-              <a:rPr lang="en-US" altLang="ja-JP" dirty="0"/>
+              <a:rPr lang="en-US" altLang="ja-JP" sz="2900" dirty="0">
+                <a:latin typeface="+mn-ea"/>
+              </a:rPr>
               <a:t>9</a:t>
             </a:r>
             <a:r>
-              <a:rPr lang="ja-JP" altLang="ja-JP" dirty="0"/>
+              <a:rPr lang="ja-JP" altLang="ja-JP" sz="2900" dirty="0">
+                <a:latin typeface="+mn-ea"/>
+              </a:rPr>
               <a:t>月</a:t>
             </a:r>
             <a:r>
-              <a:rPr lang="en-US" altLang="ja-JP" dirty="0"/>
+              <a:rPr lang="en-US" altLang="ja-JP" sz="2900" dirty="0">
+                <a:latin typeface="+mn-ea"/>
+              </a:rPr>
               <a:t>1</a:t>
             </a:r>
             <a:r>
-              <a:rPr lang="ja-JP" altLang="ja-JP" dirty="0"/>
+              <a:rPr lang="ja-JP" altLang="ja-JP" sz="2900" dirty="0">
+                <a:latin typeface="+mn-ea"/>
+              </a:rPr>
               <a:t>日，</a:t>
             </a:r>
             <a:r>
-              <a:rPr lang="en-US" altLang="ja-JP" dirty="0"/>
+              <a:rPr lang="en-US" altLang="ja-JP" sz="2900" dirty="0">
+                <a:latin typeface="+mn-ea"/>
+              </a:rPr>
               <a:t>pp1-9</a:t>
             </a:r>
-            <a:endParaRPr lang="ja-JP" altLang="ja-JP" dirty="0"/>
+            <a:endParaRPr lang="ja-JP" altLang="ja-JP" sz="2900" dirty="0">
+              <a:latin typeface="+mn-ea"/>
+            </a:endParaRPr>
           </a:p>
           <a:p>
             <a:pPr marL="514350" lvl="0" indent="-514350">
@@ -10017,74 +10023,110 @@
               <a:buAutoNum type="arabicPeriod"/>
             </a:pPr>
             <a:r>
-              <a:rPr lang="ja-JP" altLang="ja-JP" dirty="0"/>
+              <a:rPr lang="ja-JP" altLang="ja-JP" sz="2900" dirty="0">
+                <a:latin typeface="+mn-ea"/>
+              </a:rPr>
               <a:t>吉井和佳，</a:t>
             </a:r>
             <a:r>
-              <a:rPr lang="en-US" altLang="ja-JP" dirty="0"/>
+              <a:rPr lang="en-US" altLang="ja-JP" sz="2900" dirty="0">
+                <a:latin typeface="+mn-ea"/>
+              </a:rPr>
               <a:t>Advancing Information Sciences through Research on Music</a:t>
             </a:r>
             <a:r>
-              <a:rPr lang="ja-JP" altLang="ja-JP" dirty="0"/>
+              <a:rPr lang="ja-JP" altLang="ja-JP" sz="2900" dirty="0">
+                <a:latin typeface="+mn-ea"/>
+              </a:rPr>
               <a:t>：</a:t>
             </a:r>
             <a:r>
-              <a:rPr lang="en-US" altLang="ja-JP" dirty="0"/>
+              <a:rPr lang="en-US" altLang="ja-JP" sz="2900" dirty="0">
+                <a:latin typeface="+mn-ea"/>
+              </a:rPr>
               <a:t>5. Music and Machine Learning</a:t>
             </a:r>
             <a:r>
-              <a:rPr lang="ja-JP" altLang="ja-JP" dirty="0" err="1"/>
+              <a:rPr lang="ja-JP" altLang="ja-JP" sz="2900" dirty="0" err="1">
+                <a:latin typeface="+mn-ea"/>
+              </a:rPr>
               <a:t>，</a:t>
             </a:r>
             <a:r>
-              <a:rPr lang="ja-JP" altLang="ja-JP" dirty="0"/>
+              <a:rPr lang="ja-JP" altLang="ja-JP" sz="2900" dirty="0">
+                <a:latin typeface="+mn-ea"/>
+              </a:rPr>
               <a:t>情報処理，</a:t>
             </a:r>
             <a:r>
-              <a:rPr lang="en-US" altLang="ja-JP" dirty="0"/>
+              <a:rPr lang="en-US" altLang="ja-JP" sz="2900" dirty="0">
+                <a:latin typeface="+mn-ea"/>
+              </a:rPr>
               <a:t>2016</a:t>
             </a:r>
             <a:r>
-              <a:rPr lang="ja-JP" altLang="ja-JP" dirty="0"/>
+              <a:rPr lang="ja-JP" altLang="ja-JP" sz="2900" dirty="0">
+                <a:latin typeface="+mn-ea"/>
+              </a:rPr>
               <a:t>年</a:t>
             </a:r>
             <a:r>
-              <a:rPr lang="en-US" altLang="ja-JP" dirty="0"/>
+              <a:rPr lang="en-US" altLang="ja-JP" sz="2900" dirty="0">
+                <a:latin typeface="+mn-ea"/>
+              </a:rPr>
               <a:t>5</a:t>
             </a:r>
             <a:r>
-              <a:rPr lang="ja-JP" altLang="ja-JP" dirty="0"/>
+              <a:rPr lang="ja-JP" altLang="ja-JP" sz="2900" dirty="0">
+                <a:latin typeface="+mn-ea"/>
+              </a:rPr>
               <a:t>月</a:t>
             </a:r>
             <a:r>
-              <a:rPr lang="en-US" altLang="ja-JP" dirty="0"/>
+              <a:rPr lang="en-US" altLang="ja-JP" sz="2900" dirty="0">
+                <a:latin typeface="+mn-ea"/>
+              </a:rPr>
               <a:t>15</a:t>
             </a:r>
             <a:r>
-              <a:rPr lang="ja-JP" altLang="ja-JP" dirty="0"/>
+              <a:rPr lang="ja-JP" altLang="ja-JP" sz="2900" dirty="0">
+                <a:latin typeface="+mn-ea"/>
+              </a:rPr>
               <a:t>日，</a:t>
             </a:r>
             <a:r>
-              <a:rPr lang="en-US" altLang="ja-JP" dirty="0"/>
+              <a:rPr lang="en-US" altLang="ja-JP" sz="2900" dirty="0">
+                <a:latin typeface="+mn-ea"/>
+              </a:rPr>
               <a:t>57</a:t>
             </a:r>
             <a:r>
-              <a:rPr lang="ja-JP" altLang="ja-JP" dirty="0"/>
+              <a:rPr lang="ja-JP" altLang="ja-JP" sz="2900" dirty="0">
+                <a:latin typeface="+mn-ea"/>
+              </a:rPr>
               <a:t>巻，</a:t>
             </a:r>
             <a:r>
-              <a:rPr lang="en-US" altLang="ja-JP" dirty="0"/>
+              <a:rPr lang="en-US" altLang="ja-JP" sz="2900" dirty="0">
+                <a:latin typeface="+mn-ea"/>
+              </a:rPr>
               <a:t>6</a:t>
             </a:r>
             <a:r>
-              <a:rPr lang="ja-JP" altLang="ja-JP" dirty="0"/>
+              <a:rPr lang="ja-JP" altLang="ja-JP" sz="2900" dirty="0">
+                <a:latin typeface="+mn-ea"/>
+              </a:rPr>
               <a:t>号，</a:t>
             </a:r>
             <a:r>
-              <a:rPr lang="en-US" altLang="ja-JP" dirty="0"/>
+              <a:rPr lang="en-US" altLang="ja-JP" sz="2900" dirty="0">
+                <a:latin typeface="+mn-ea"/>
+              </a:rPr>
               <a:t>pp519-522 </a:t>
             </a:r>
-            <a:endParaRPr lang="ja-JP" altLang="ja-JP" dirty="0"/>
+            <a:endParaRPr lang="ja-JP" altLang="ja-JP" sz="2900" dirty="0">
+              <a:latin typeface="+mn-ea"/>
+            </a:endParaRPr>
           </a:p>
           <a:p>
             <a:pPr marL="514350" lvl="0" indent="-514350">
@@ -10092,66 +10134,98 @@
               <a:buAutoNum type="arabicPeriod"/>
             </a:pPr>
             <a:r>
-              <a:rPr lang="ja-JP" altLang="ja-JP" dirty="0"/>
+              <a:rPr lang="ja-JP" altLang="ja-JP" sz="2900" dirty="0">
+                <a:latin typeface="+mn-ea"/>
+              </a:rPr>
               <a:t>赤江直洋，木本雅也，清水忠昭，田中美栄子，ニューラルネットワークを用いた音楽の自動ジャンル分類，電気学会研究会資料</a:t>
             </a:r>
             <a:r>
-              <a:rPr lang="en-US" altLang="ja-JP" dirty="0"/>
+              <a:rPr lang="en-US" altLang="ja-JP" sz="2900" dirty="0">
+                <a:latin typeface="+mn-ea"/>
+              </a:rPr>
               <a:t>.IS</a:t>
             </a:r>
             <a:r>
-              <a:rPr lang="ja-JP" altLang="ja-JP" dirty="0" err="1"/>
+              <a:rPr lang="ja-JP" altLang="ja-JP" sz="2900" dirty="0" err="1">
+                <a:latin typeface="+mn-ea"/>
+              </a:rPr>
               <a:t>，</a:t>
             </a:r>
             <a:r>
-              <a:rPr lang="ja-JP" altLang="ja-JP" dirty="0"/>
+              <a:rPr lang="ja-JP" altLang="ja-JP" sz="2900" dirty="0">
+                <a:latin typeface="+mn-ea"/>
+              </a:rPr>
               <a:t>情報システム研究会，</a:t>
             </a:r>
             <a:r>
-              <a:rPr lang="en-US" altLang="ja-JP" dirty="0"/>
+              <a:rPr lang="en-US" altLang="ja-JP" sz="2900" dirty="0">
+                <a:latin typeface="+mn-ea"/>
+              </a:rPr>
               <a:t>2004</a:t>
             </a:r>
             <a:r>
-              <a:rPr lang="ja-JP" altLang="ja-JP" dirty="0"/>
+              <a:rPr lang="ja-JP" altLang="ja-JP" sz="2900" dirty="0">
+                <a:latin typeface="+mn-ea"/>
+              </a:rPr>
               <a:t>年</a:t>
             </a:r>
             <a:r>
-              <a:rPr lang="en-US" altLang="ja-JP" dirty="0"/>
+              <a:rPr lang="en-US" altLang="ja-JP" sz="2900" dirty="0">
+                <a:latin typeface="+mn-ea"/>
+              </a:rPr>
               <a:t>3</a:t>
             </a:r>
             <a:r>
-              <a:rPr lang="ja-JP" altLang="ja-JP" dirty="0"/>
+              <a:rPr lang="ja-JP" altLang="ja-JP" sz="2900" dirty="0">
+                <a:latin typeface="+mn-ea"/>
+              </a:rPr>
               <a:t>月</a:t>
             </a:r>
             <a:r>
-              <a:rPr lang="en-US" altLang="ja-JP" dirty="0"/>
+              <a:rPr lang="en-US" altLang="ja-JP" sz="2900" dirty="0">
+                <a:latin typeface="+mn-ea"/>
+              </a:rPr>
               <a:t>23</a:t>
             </a:r>
             <a:r>
-              <a:rPr lang="ja-JP" altLang="ja-JP" dirty="0"/>
+              <a:rPr lang="ja-JP" altLang="ja-JP" sz="2900" dirty="0">
+                <a:latin typeface="+mn-ea"/>
+              </a:rPr>
               <a:t>日，</a:t>
             </a:r>
             <a:r>
-              <a:rPr lang="en-US" altLang="ja-JP" dirty="0"/>
+              <a:rPr lang="en-US" altLang="ja-JP" sz="2900" dirty="0">
+                <a:latin typeface="+mn-ea"/>
+              </a:rPr>
               <a:t>2004</a:t>
             </a:r>
             <a:r>
-              <a:rPr lang="ja-JP" altLang="ja-JP" dirty="0"/>
+              <a:rPr lang="ja-JP" altLang="ja-JP" sz="2900" dirty="0">
+                <a:latin typeface="+mn-ea"/>
+              </a:rPr>
               <a:t>巻，</a:t>
             </a:r>
             <a:r>
-              <a:rPr lang="en-US" altLang="ja-JP" dirty="0"/>
+              <a:rPr lang="en-US" altLang="ja-JP" sz="2900" dirty="0">
+                <a:latin typeface="+mn-ea"/>
+              </a:rPr>
               <a:t>9</a:t>
             </a:r>
             <a:r>
-              <a:rPr lang="ja-JP" altLang="ja-JP" dirty="0"/>
+              <a:rPr lang="ja-JP" altLang="ja-JP" sz="2900" dirty="0">
+                <a:latin typeface="+mn-ea"/>
+              </a:rPr>
               <a:t>号，</a:t>
             </a:r>
             <a:r>
-              <a:rPr lang="en-US" altLang="ja-JP" dirty="0"/>
+              <a:rPr lang="en-US" altLang="ja-JP" sz="2900" dirty="0">
+                <a:latin typeface="+mn-ea"/>
+              </a:rPr>
               <a:t>pp 35-39</a:t>
             </a:r>
-            <a:endParaRPr lang="ja-JP" altLang="ja-JP" dirty="0"/>
+            <a:endParaRPr lang="ja-JP" altLang="ja-JP" sz="2900" dirty="0">
+              <a:latin typeface="+mn-ea"/>
+            </a:endParaRPr>
           </a:p>
           <a:p>
             <a:pPr marL="514350" lvl="0" indent="-514350">
@@ -10159,54 +10233,80 @@
               <a:buAutoNum type="arabicPeriod"/>
             </a:pPr>
             <a:r>
-              <a:rPr lang="ja-JP" altLang="ja-JP" dirty="0"/>
+              <a:rPr lang="ja-JP" altLang="ja-JP" sz="2900" dirty="0">
+                <a:latin typeface="+mn-ea"/>
+              </a:rPr>
               <a:t>小林 拓司，丸山 一貴，畳み込みニューラルネットワークを用いた</a:t>
             </a:r>
             <a:r>
-              <a:rPr lang="en-US" altLang="ja-JP" dirty="0"/>
+              <a:rPr lang="en-US" altLang="ja-JP" sz="2900" dirty="0">
+                <a:latin typeface="+mn-ea"/>
+              </a:rPr>
               <a:t>Hardcore techno</a:t>
             </a:r>
             <a:r>
-              <a:rPr lang="ja-JP" altLang="ja-JP" dirty="0"/>
+              <a:rPr lang="ja-JP" altLang="ja-JP" sz="2900" dirty="0">
+                <a:latin typeface="+mn-ea"/>
+              </a:rPr>
               <a:t>のサブジャンル分類，インタラクション</a:t>
             </a:r>
             <a:r>
-              <a:rPr lang="en-US" altLang="ja-JP" dirty="0"/>
+              <a:rPr lang="en-US" altLang="ja-JP" sz="2900" dirty="0">
+                <a:latin typeface="+mn-ea"/>
+              </a:rPr>
               <a:t>2019</a:t>
             </a:r>
             <a:r>
-              <a:rPr lang="ja-JP" altLang="ja-JP" dirty="0"/>
+              <a:rPr lang="ja-JP" altLang="ja-JP" sz="2900" dirty="0">
+                <a:latin typeface="+mn-ea"/>
+              </a:rPr>
               <a:t>論文集，</a:t>
             </a:r>
             <a:r>
-              <a:rPr lang="en-US" altLang="ja-JP" dirty="0"/>
+              <a:rPr lang="en-US" altLang="ja-JP" sz="2900" dirty="0">
+                <a:latin typeface="+mn-ea"/>
+              </a:rPr>
               <a:t>2019</a:t>
             </a:r>
             <a:r>
-              <a:rPr lang="ja-JP" altLang="ja-JP" dirty="0" err="1"/>
+              <a:rPr lang="ja-JP" altLang="ja-JP" sz="2900" dirty="0" err="1">
+                <a:latin typeface="+mn-ea"/>
+              </a:rPr>
               <a:t>，</a:t>
             </a:r>
             <a:r>
-              <a:rPr lang="en-US" altLang="ja-JP" dirty="0"/>
+              <a:rPr lang="en-US" altLang="ja-JP" sz="2900" dirty="0">
+                <a:latin typeface="+mn-ea"/>
+              </a:rPr>
               <a:t>2</a:t>
             </a:r>
             <a:r>
-              <a:rPr lang="ja-JP" altLang="ja-JP" dirty="0"/>
+              <a:rPr lang="ja-JP" altLang="ja-JP" sz="2900" dirty="0">
+                <a:latin typeface="+mn-ea"/>
+              </a:rPr>
               <a:t>月</a:t>
             </a:r>
             <a:r>
-              <a:rPr lang="en-US" altLang="ja-JP" dirty="0"/>
+              <a:rPr lang="en-US" altLang="ja-JP" sz="2900" dirty="0">
+                <a:latin typeface="+mn-ea"/>
+              </a:rPr>
               <a:t>27</a:t>
             </a:r>
             <a:r>
-              <a:rPr lang="ja-JP" altLang="ja-JP" dirty="0"/>
+              <a:rPr lang="ja-JP" altLang="ja-JP" sz="2900" dirty="0">
+                <a:latin typeface="+mn-ea"/>
+              </a:rPr>
               <a:t>日，</a:t>
             </a:r>
             <a:r>
-              <a:rPr lang="en-US" altLang="ja-JP" dirty="0"/>
+              <a:rPr lang="en-US" altLang="ja-JP" sz="2900" dirty="0">
+                <a:latin typeface="+mn-ea"/>
+              </a:rPr>
               <a:t>pp 245-248</a:t>
             </a:r>
-            <a:endParaRPr lang="ja-JP" altLang="ja-JP" dirty="0"/>
+            <a:endParaRPr lang="ja-JP" altLang="ja-JP" sz="2900" dirty="0">
+              <a:latin typeface="+mn-ea"/>
+            </a:endParaRPr>
           </a:p>
           <a:p>
             <a:pPr marL="514350" lvl="0" indent="-514350">
@@ -10214,70 +10314,104 @@
               <a:buAutoNum type="arabicPeriod"/>
             </a:pPr>
             <a:r>
-              <a:rPr lang="en-US" altLang="ja-JP" dirty="0"/>
+              <a:rPr lang="en-US" altLang="ja-JP" sz="2900" dirty="0">
+                <a:latin typeface="+mn-ea"/>
+              </a:rPr>
               <a:t>Hendrik </a:t>
             </a:r>
             <a:r>
-              <a:rPr lang="en-US" altLang="ja-JP" dirty="0" err="1"/>
+              <a:rPr lang="en-US" altLang="ja-JP" sz="2900" dirty="0" err="1">
+                <a:latin typeface="+mn-ea"/>
+              </a:rPr>
               <a:t>Purwins</a:t>
             </a:r>
             <a:r>
-              <a:rPr lang="en-US" altLang="ja-JP" dirty="0"/>
+              <a:rPr lang="en-US" altLang="ja-JP" sz="2900" dirty="0">
+                <a:latin typeface="+mn-ea"/>
+              </a:rPr>
               <a:t> , Bo Li , </a:t>
             </a:r>
             <a:r>
-              <a:rPr lang="en-US" altLang="ja-JP" dirty="0" err="1"/>
+              <a:rPr lang="en-US" altLang="ja-JP" sz="2900" dirty="0" err="1">
+                <a:latin typeface="+mn-ea"/>
+              </a:rPr>
               <a:t>Tuomas</a:t>
             </a:r>
             <a:r>
-              <a:rPr lang="en-US" altLang="ja-JP" dirty="0"/>
+              <a:rPr lang="en-US" altLang="ja-JP" sz="2900" dirty="0">
+                <a:latin typeface="+mn-ea"/>
+              </a:rPr>
               <a:t> Virtanen, Jan </a:t>
             </a:r>
             <a:r>
-              <a:rPr lang="en-US" altLang="ja-JP" dirty="0" err="1"/>
+              <a:rPr lang="en-US" altLang="ja-JP" sz="2900" dirty="0" err="1">
+                <a:latin typeface="+mn-ea"/>
+              </a:rPr>
               <a:t>Schlüter</a:t>
             </a:r>
             <a:r>
-              <a:rPr lang="en-US" altLang="ja-JP" dirty="0"/>
+              <a:rPr lang="en-US" altLang="ja-JP" sz="2900" dirty="0">
+                <a:latin typeface="+mn-ea"/>
+              </a:rPr>
               <a:t> , </a:t>
             </a:r>
             <a:r>
-              <a:rPr lang="en-US" altLang="ja-JP" dirty="0" err="1"/>
+              <a:rPr lang="en-US" altLang="ja-JP" sz="2900" dirty="0" err="1">
+                <a:latin typeface="+mn-ea"/>
+              </a:rPr>
               <a:t>Shuo-yiin</a:t>
             </a:r>
             <a:r>
-              <a:rPr lang="en-US" altLang="ja-JP" dirty="0"/>
+              <a:rPr lang="en-US" altLang="ja-JP" sz="2900" dirty="0">
+                <a:latin typeface="+mn-ea"/>
+              </a:rPr>
               <a:t> Chang, Tara </a:t>
             </a:r>
             <a:r>
-              <a:rPr lang="en-US" altLang="ja-JP" dirty="0" err="1"/>
+              <a:rPr lang="en-US" altLang="ja-JP" sz="2900" dirty="0" err="1">
+                <a:latin typeface="+mn-ea"/>
+              </a:rPr>
               <a:t>Sainath</a:t>
             </a:r>
             <a:r>
-              <a:rPr lang="ja-JP" altLang="ja-JP" dirty="0" err="1"/>
+              <a:rPr lang="ja-JP" altLang="ja-JP" sz="2900" dirty="0" err="1">
+                <a:latin typeface="+mn-ea"/>
+              </a:rPr>
               <a:t>，</a:t>
             </a:r>
             <a:r>
-              <a:rPr lang="en-US" altLang="ja-JP" dirty="0"/>
+              <a:rPr lang="en-US" altLang="ja-JP" sz="2900" dirty="0">
+                <a:latin typeface="+mn-ea"/>
+              </a:rPr>
               <a:t>Sound (cs.SD); Audio and Speech Processing (eess.AS); Machine Learning (stat.ML)</a:t>
             </a:r>
             <a:r>
-              <a:rPr lang="ja-JP" altLang="ja-JP" dirty="0" err="1"/>
+              <a:rPr lang="ja-JP" altLang="ja-JP" sz="2900" dirty="0" err="1">
+                <a:latin typeface="+mn-ea"/>
+              </a:rPr>
               <a:t>，</a:t>
             </a:r>
             <a:r>
-              <a:rPr lang="en-US" altLang="ja-JP" dirty="0"/>
+              <a:rPr lang="en-US" altLang="ja-JP" sz="2900" dirty="0">
+                <a:latin typeface="+mn-ea"/>
+              </a:rPr>
               <a:t>Journal of Selected Topics of Signal Processing 14, No. 8</a:t>
             </a:r>
             <a:r>
-              <a:rPr lang="ja-JP" altLang="ja-JP" dirty="0" err="1"/>
+              <a:rPr lang="ja-JP" altLang="ja-JP" sz="2900" dirty="0" err="1">
+                <a:latin typeface="+mn-ea"/>
+              </a:rPr>
               <a:t>，</a:t>
             </a:r>
             <a:r>
-              <a:rPr lang="en-US" altLang="ja-JP" dirty="0"/>
+              <a:rPr lang="en-US" altLang="ja-JP" sz="2900" dirty="0">
+                <a:latin typeface="+mn-ea"/>
+              </a:rPr>
               <a:t>pp 15 </a:t>
             </a:r>
-            <a:endParaRPr lang="ja-JP" altLang="ja-JP" dirty="0"/>
+            <a:endParaRPr lang="ja-JP" altLang="ja-JP" sz="2900" dirty="0">
+              <a:latin typeface="+mn-ea"/>
+            </a:endParaRPr>
           </a:p>
           <a:p>
             <a:pPr marL="514350" lvl="0" indent="-514350">
@@ -10285,28 +10419,39 @@
               <a:buAutoNum type="arabicPeriod"/>
             </a:pPr>
             <a:r>
-              <a:rPr lang="en-US" altLang="ja-JP" dirty="0"/>
+              <a:rPr lang="en-US" altLang="ja-JP" sz="2900" dirty="0">
+                <a:latin typeface="+mn-ea"/>
+              </a:rPr>
               <a:t>SOUNDCLOUD</a:t>
             </a:r>
             <a:r>
-              <a:rPr lang="ja-JP" altLang="ja-JP" dirty="0" err="1"/>
+              <a:rPr lang="ja-JP" altLang="ja-JP" sz="2900" dirty="0" err="1">
+                <a:latin typeface="+mn-ea"/>
+              </a:rPr>
               <a:t>，</a:t>
             </a:r>
             <a:r>
-              <a:rPr lang="en-US" altLang="ja-JP" dirty="0">
+              <a:rPr lang="en-US" altLang="ja-JP" sz="2900" dirty="0">
+                <a:latin typeface="+mn-ea"/>
                 <a:hlinkClick r:id="rId2"/>
               </a:rPr>
               <a:t>https://soundcloud.com/?utm_source=Partnerize</a:t>
             </a:r>
             <a:r>
-              <a:rPr lang="ja-JP" altLang="ja-JP" dirty="0" err="1"/>
+              <a:rPr lang="ja-JP" altLang="ja-JP" sz="2900" dirty="0" err="1">
+                <a:latin typeface="+mn-ea"/>
+              </a:rPr>
               <a:t>，</a:t>
             </a:r>
             <a:r>
-              <a:rPr lang="en-US" altLang="ja-JP" dirty="0"/>
+              <a:rPr lang="en-US" altLang="ja-JP" sz="2900" dirty="0">
+                <a:latin typeface="+mn-ea"/>
+              </a:rPr>
               <a:t>2021/12/20</a:t>
             </a:r>
-            <a:endParaRPr lang="ja-JP" altLang="ja-JP" dirty="0"/>
+            <a:endParaRPr lang="ja-JP" altLang="ja-JP" sz="2900" dirty="0">
+              <a:latin typeface="+mn-ea"/>
+            </a:endParaRPr>
           </a:p>
           <a:p>
             <a:pPr marL="514350" lvl="0" indent="-514350">
@@ -10314,20 +10459,27 @@
               <a:buAutoNum type="arabicPeriod"/>
             </a:pPr>
             <a:r>
-              <a:rPr lang="en-US" altLang="ja-JP" dirty="0"/>
+              <a:rPr lang="en-US" altLang="ja-JP" sz="2900" dirty="0">
+                <a:latin typeface="+mn-ea"/>
+              </a:rPr>
               <a:t>DOVA SYNDORME</a:t>
             </a:r>
             <a:r>
-              <a:rPr lang="ja-JP" altLang="ja-JP" dirty="0" err="1"/>
+              <a:rPr lang="ja-JP" altLang="ja-JP" sz="2900" dirty="0" err="1">
+                <a:latin typeface="+mn-ea"/>
+              </a:rPr>
               <a:t>，</a:t>
             </a:r>
             <a:r>
-              <a:rPr lang="en-US" altLang="ja-JP" dirty="0">
+              <a:rPr lang="en-US" altLang="ja-JP" sz="2900" dirty="0">
+                <a:latin typeface="+mn-ea"/>
                 <a:hlinkClick r:id="rId3"/>
               </a:rPr>
               <a:t>https://dova-s.jp/，2021/12/20</a:t>
             </a:r>
-            <a:endParaRPr lang="ja-JP" altLang="ja-JP" dirty="0"/>
+            <a:endParaRPr lang="ja-JP" altLang="ja-JP" sz="2900" dirty="0">
+              <a:latin typeface="+mn-ea"/>
+            </a:endParaRPr>
           </a:p>
           <a:p>
             <a:pPr marL="514350" lvl="0" indent="-514350">
@@ -10335,32 +10487,41 @@
               <a:buAutoNum type="arabicPeriod"/>
             </a:pPr>
             <a:r>
-              <a:rPr lang="en-US" altLang="ja-JP" dirty="0"/>
+              <a:rPr lang="en-US" altLang="ja-JP" sz="2900" dirty="0">
+                <a:latin typeface="+mn-ea"/>
+              </a:rPr>
               <a:t>FMA: A Dataset For Music Analysis</a:t>
             </a:r>
             <a:r>
-              <a:rPr lang="ja-JP" altLang="ja-JP" dirty="0" err="1"/>
+              <a:rPr lang="ja-JP" altLang="ja-JP" sz="2900" dirty="0" err="1">
+                <a:latin typeface="+mn-ea"/>
+              </a:rPr>
               <a:t>，</a:t>
             </a:r>
             <a:r>
-              <a:rPr lang="en-US" altLang="ja-JP" dirty="0">
+              <a:rPr lang="en-US" altLang="ja-JP" sz="2900" dirty="0">
+                <a:latin typeface="+mn-ea"/>
                 <a:hlinkClick r:id="rId4"/>
               </a:rPr>
               <a:t>https://github.com/</a:t>
             </a:r>
             <a:r>
-              <a:rPr lang="en-US" altLang="ja-JP" dirty="0" err="1">
+              <a:rPr lang="en-US" altLang="ja-JP" sz="2900" dirty="0" err="1">
+                <a:latin typeface="+mn-ea"/>
                 <a:hlinkClick r:id="rId4"/>
               </a:rPr>
               <a:t>mdeff</a:t>
             </a:r>
             <a:r>
-              <a:rPr lang="en-US" altLang="ja-JP" dirty="0">
+              <a:rPr lang="en-US" altLang="ja-JP" sz="2900" dirty="0">
+                <a:latin typeface="+mn-ea"/>
                 <a:hlinkClick r:id="rId4"/>
               </a:rPr>
               <a:t>/fma，2021/12/21</a:t>
             </a:r>
-            <a:endParaRPr lang="ja-JP" altLang="ja-JP" dirty="0"/>
+            <a:endParaRPr lang="ja-JP" altLang="ja-JP" sz="2900" dirty="0">
+              <a:latin typeface="+mn-ea"/>
+            </a:endParaRPr>
           </a:p>
           <a:p>
             <a:pPr marL="0" indent="0">
@@ -10664,12 +10825,6 @@
             <a:endParaRPr lang="en-US" altLang="ja-JP" dirty="0" smtClean="0"/>
           </a:p>
           <a:p>
-            <a:pPr marL="0" indent="0">
-              <a:buNone/>
-            </a:pPr>
-            <a:endParaRPr lang="en-US" altLang="ja-JP" dirty="0" smtClean="0"/>
-          </a:p>
-          <a:p>
             <a:endParaRPr lang="en-US" altLang="ja-JP" dirty="0"/>
           </a:p>
           <a:p>
@@ -10709,591 +10864,34 @@
           </a:p>
         </p:txBody>
       </p:sp>
-      <p:cxnSp>
-        <p:nvCxnSpPr>
-          <p:cNvPr id="43" name="直線矢印コネクタ 42"/>
-          <p:cNvCxnSpPr>
-            <a:stCxn id="30" idx="3"/>
-            <a:endCxn id="35" idx="1"/>
-          </p:cNvCxnSpPr>
+      <p:pic>
+        <p:nvPicPr>
+          <p:cNvPr id="22" name="図 21"/>
+          <p:cNvPicPr/>
           <p:nvPr/>
-        </p:nvCxnSpPr>
+        </p:nvPicPr>
+        <p:blipFill>
+          <a:blip r:embed="rId2">
+            <a:extLst>
+              <a:ext uri="{28A0092B-C50C-407E-A947-70E740481C1C}">
+                <a14:useLocalDpi xmlns:a14="http://schemas.microsoft.com/office/drawing/2010/main" val="0"/>
+              </a:ext>
+            </a:extLst>
+          </a:blip>
+          <a:stretch>
+            <a:fillRect/>
+          </a:stretch>
+        </p:blipFill>
         <p:spPr>
           <a:xfrm>
-            <a:off x="2629715" y="5317307"/>
-            <a:ext cx="1498878" cy="886664"/>
+            <a:off x="628649" y="4953355"/>
+            <a:ext cx="7592999" cy="1685983"/>
           </a:xfrm>
-          <a:prstGeom prst="straightConnector1">
+          <a:prstGeom prst="rect">
             <a:avLst/>
           </a:prstGeom>
-          <a:ln>
-            <a:tailEnd type="triangle"/>
-          </a:ln>
         </p:spPr>
-        <p:style>
-          <a:lnRef idx="1">
-            <a:schemeClr val="accent1"/>
-          </a:lnRef>
-          <a:fillRef idx="0">
-            <a:schemeClr val="accent1"/>
-          </a:fillRef>
-          <a:effectRef idx="0">
-            <a:schemeClr val="accent1"/>
-          </a:effectRef>
-          <a:fontRef idx="minor">
-            <a:schemeClr val="tx1"/>
-          </a:fontRef>
-        </p:style>
-      </p:cxnSp>
-      <p:grpSp>
-        <p:nvGrpSpPr>
-          <p:cNvPr id="5" name="グループ化 4"/>
-          <p:cNvGrpSpPr/>
-          <p:nvPr/>
-        </p:nvGrpSpPr>
-        <p:grpSpPr>
-          <a:xfrm>
-            <a:off x="466648" y="4830578"/>
-            <a:ext cx="8327992" cy="2024499"/>
-            <a:chOff x="466648" y="4802063"/>
-            <a:chExt cx="8327992" cy="2024499"/>
-          </a:xfrm>
-        </p:grpSpPr>
-        <p:sp>
-          <p:nvSpPr>
-            <p:cNvPr id="30" name="正方形/長方形 29"/>
-            <p:cNvSpPr/>
-            <p:nvPr/>
-          </p:nvSpPr>
-          <p:spPr>
-            <a:xfrm>
-              <a:off x="467336" y="5084290"/>
-              <a:ext cx="2162379" cy="409003"/>
-            </a:xfrm>
-            <a:prstGeom prst="rect">
-              <a:avLst/>
-            </a:prstGeom>
-          </p:spPr>
-          <p:style>
-            <a:lnRef idx="1">
-              <a:schemeClr val="accent5"/>
-            </a:lnRef>
-            <a:fillRef idx="2">
-              <a:schemeClr val="accent5"/>
-            </a:fillRef>
-            <a:effectRef idx="1">
-              <a:schemeClr val="accent5"/>
-            </a:effectRef>
-            <a:fontRef idx="minor">
-              <a:schemeClr val="dk1"/>
-            </a:fontRef>
-          </p:style>
-          <p:txBody>
-            <a:bodyPr rtlCol="0" anchor="ctr"/>
-            <a:lstStyle/>
-            <a:p>
-              <a:pPr algn="ctr"/>
-              <a:r>
-                <a:rPr kumimoji="1" lang="ja-JP" altLang="en-US" dirty="0" smtClean="0"/>
-                <a:t>大量の楽曲データ</a:t>
-              </a:r>
-              <a:endParaRPr kumimoji="1" lang="en-US" altLang="ja-JP" dirty="0" smtClean="0"/>
-            </a:p>
-          </p:txBody>
-        </p:sp>
-        <p:pic>
-          <p:nvPicPr>
-            <p:cNvPr id="32" name="図 31"/>
-            <p:cNvPicPr>
-              <a:picLocks noChangeAspect="1"/>
-            </p:cNvPicPr>
-            <p:nvPr/>
-          </p:nvPicPr>
-          <p:blipFill>
-            <a:blip r:embed="rId2" cstate="print">
-              <a:extLst>
-                <a:ext uri="{28A0092B-C50C-407E-A947-70E740481C1C}">
-                  <a14:useLocalDpi xmlns:a14="http://schemas.microsoft.com/office/drawing/2010/main" val="0"/>
-                </a:ext>
-              </a:extLst>
-            </a:blip>
-            <a:stretch>
-              <a:fillRect/>
-            </a:stretch>
-          </p:blipFill>
-          <p:spPr>
-            <a:xfrm>
-              <a:off x="4120641" y="4802063"/>
-              <a:ext cx="427506" cy="427506"/>
-            </a:xfrm>
-            <a:prstGeom prst="rect">
-              <a:avLst/>
-            </a:prstGeom>
-          </p:spPr>
-        </p:pic>
-        <p:pic>
-          <p:nvPicPr>
-            <p:cNvPr id="35" name="図 34"/>
-            <p:cNvPicPr>
-              <a:picLocks noChangeAspect="1"/>
-            </p:cNvPicPr>
-            <p:nvPr/>
-          </p:nvPicPr>
-          <p:blipFill>
-            <a:blip r:embed="rId2" cstate="print">
-              <a:extLst>
-                <a:ext uri="{28A0092B-C50C-407E-A947-70E740481C1C}">
-                  <a14:useLocalDpi xmlns:a14="http://schemas.microsoft.com/office/drawing/2010/main" val="0"/>
-                </a:ext>
-              </a:extLst>
-            </a:blip>
-            <a:stretch>
-              <a:fillRect/>
-            </a:stretch>
-          </p:blipFill>
-          <p:spPr>
-            <a:xfrm>
-              <a:off x="4128593" y="5961703"/>
-              <a:ext cx="427506" cy="427506"/>
-            </a:xfrm>
-            <a:prstGeom prst="rect">
-              <a:avLst/>
-            </a:prstGeom>
-          </p:spPr>
-        </p:pic>
-        <p:pic>
-          <p:nvPicPr>
-            <p:cNvPr id="36" name="図 35"/>
-            <p:cNvPicPr>
-              <a:picLocks noChangeAspect="1"/>
-            </p:cNvPicPr>
-            <p:nvPr/>
-          </p:nvPicPr>
-          <p:blipFill>
-            <a:blip r:embed="rId2" cstate="print">
-              <a:extLst>
-                <a:ext uri="{28A0092B-C50C-407E-A947-70E740481C1C}">
-                  <a14:useLocalDpi xmlns:a14="http://schemas.microsoft.com/office/drawing/2010/main" val="0"/>
-                </a:ext>
-              </a:extLst>
-            </a:blip>
-            <a:stretch>
-              <a:fillRect/>
-            </a:stretch>
-          </p:blipFill>
-          <p:spPr>
-            <a:xfrm>
-              <a:off x="4120641" y="5380328"/>
-              <a:ext cx="427506" cy="427506"/>
-            </a:xfrm>
-            <a:prstGeom prst="rect">
-              <a:avLst/>
-            </a:prstGeom>
-          </p:spPr>
-        </p:pic>
-        <p:sp>
-          <p:nvSpPr>
-            <p:cNvPr id="37" name="テキスト ボックス 36"/>
-            <p:cNvSpPr txBox="1"/>
-            <p:nvPr/>
-          </p:nvSpPr>
-          <p:spPr>
-            <a:xfrm>
-              <a:off x="3156668" y="6457230"/>
-              <a:ext cx="2671638" cy="369332"/>
-            </a:xfrm>
-            <a:prstGeom prst="rect">
-              <a:avLst/>
-            </a:prstGeom>
-            <a:noFill/>
-          </p:spPr>
-          <p:txBody>
-            <a:bodyPr wrap="square" rtlCol="0">
-              <a:spAutoFit/>
-            </a:bodyPr>
-            <a:lstStyle/>
-            <a:p>
-              <a:r>
-                <a:rPr kumimoji="1" lang="ja-JP" altLang="en-US" dirty="0" smtClean="0"/>
-                <a:t>処理を分散するサーバー</a:t>
-              </a:r>
-              <a:endParaRPr kumimoji="1" lang="ja-JP" altLang="en-US" dirty="0"/>
-            </a:p>
-          </p:txBody>
-        </p:sp>
-        <p:cxnSp>
-          <p:nvCxnSpPr>
-            <p:cNvPr id="39" name="直線矢印コネクタ 38"/>
-            <p:cNvCxnSpPr>
-              <a:stCxn id="30" idx="3"/>
-              <a:endCxn id="32" idx="1"/>
-            </p:cNvCxnSpPr>
-            <p:nvPr/>
-          </p:nvCxnSpPr>
-          <p:spPr>
-            <a:xfrm flipV="1">
-              <a:off x="2629715" y="5015816"/>
-              <a:ext cx="1490926" cy="272976"/>
-            </a:xfrm>
-            <a:prstGeom prst="straightConnector1">
-              <a:avLst/>
-            </a:prstGeom>
-            <a:ln>
-              <a:tailEnd type="triangle"/>
-            </a:ln>
-          </p:spPr>
-          <p:style>
-            <a:lnRef idx="1">
-              <a:schemeClr val="accent1"/>
-            </a:lnRef>
-            <a:fillRef idx="0">
-              <a:schemeClr val="accent1"/>
-            </a:fillRef>
-            <a:effectRef idx="0">
-              <a:schemeClr val="accent1"/>
-            </a:effectRef>
-            <a:fontRef idx="minor">
-              <a:schemeClr val="tx1"/>
-            </a:fontRef>
-          </p:style>
-        </p:cxnSp>
-        <p:cxnSp>
-          <p:nvCxnSpPr>
-            <p:cNvPr id="41" name="直線矢印コネクタ 40"/>
-            <p:cNvCxnSpPr>
-              <a:stCxn id="30" idx="3"/>
-              <a:endCxn id="36" idx="1"/>
-            </p:cNvCxnSpPr>
-            <p:nvPr/>
-          </p:nvCxnSpPr>
-          <p:spPr>
-            <a:xfrm>
-              <a:off x="2629715" y="5288792"/>
-              <a:ext cx="1490926" cy="305289"/>
-            </a:xfrm>
-            <a:prstGeom prst="straightConnector1">
-              <a:avLst/>
-            </a:prstGeom>
-            <a:ln>
-              <a:tailEnd type="triangle"/>
-            </a:ln>
-          </p:spPr>
-          <p:style>
-            <a:lnRef idx="1">
-              <a:schemeClr val="accent1"/>
-            </a:lnRef>
-            <a:fillRef idx="0">
-              <a:schemeClr val="accent1"/>
-            </a:fillRef>
-            <a:effectRef idx="0">
-              <a:schemeClr val="accent1"/>
-            </a:effectRef>
-            <a:fontRef idx="minor">
-              <a:schemeClr val="tx1"/>
-            </a:fontRef>
-          </p:style>
-        </p:cxnSp>
-        <p:sp>
-          <p:nvSpPr>
-            <p:cNvPr id="78" name="正方形/長方形 77"/>
-            <p:cNvSpPr/>
-            <p:nvPr/>
-          </p:nvSpPr>
-          <p:spPr>
-            <a:xfrm>
-              <a:off x="466648" y="5932829"/>
-              <a:ext cx="2162379" cy="409003"/>
-            </a:xfrm>
-            <a:prstGeom prst="rect">
-              <a:avLst/>
-            </a:prstGeom>
-          </p:spPr>
-          <p:style>
-            <a:lnRef idx="1">
-              <a:schemeClr val="accent4"/>
-            </a:lnRef>
-            <a:fillRef idx="2">
-              <a:schemeClr val="accent4"/>
-            </a:fillRef>
-            <a:effectRef idx="1">
-              <a:schemeClr val="accent4"/>
-            </a:effectRef>
-            <a:fontRef idx="minor">
-              <a:schemeClr val="dk1"/>
-            </a:fontRef>
-          </p:style>
-          <p:txBody>
-            <a:bodyPr rtlCol="0" anchor="ctr"/>
-            <a:lstStyle/>
-            <a:p>
-              <a:pPr algn="ctr"/>
-              <a:r>
-                <a:rPr kumimoji="1" lang="ja-JP" altLang="en-US" dirty="0" smtClean="0"/>
-                <a:t>大量の動画データ</a:t>
-              </a:r>
-              <a:endParaRPr kumimoji="1" lang="en-US" altLang="ja-JP" dirty="0" smtClean="0"/>
-            </a:p>
-          </p:txBody>
-        </p:sp>
-        <p:cxnSp>
-          <p:nvCxnSpPr>
-            <p:cNvPr id="80" name="直線矢印コネクタ 79"/>
-            <p:cNvCxnSpPr>
-              <a:stCxn id="78" idx="3"/>
-              <a:endCxn id="35" idx="1"/>
-            </p:cNvCxnSpPr>
-            <p:nvPr/>
-          </p:nvCxnSpPr>
-          <p:spPr>
-            <a:xfrm>
-              <a:off x="2629027" y="6137331"/>
-              <a:ext cx="1499566" cy="38125"/>
-            </a:xfrm>
-            <a:prstGeom prst="straightConnector1">
-              <a:avLst/>
-            </a:prstGeom>
-            <a:ln>
-              <a:tailEnd type="triangle"/>
-            </a:ln>
-          </p:spPr>
-          <p:style>
-            <a:lnRef idx="1">
-              <a:schemeClr val="accent2"/>
-            </a:lnRef>
-            <a:fillRef idx="0">
-              <a:schemeClr val="accent2"/>
-            </a:fillRef>
-            <a:effectRef idx="0">
-              <a:schemeClr val="accent2"/>
-            </a:effectRef>
-            <a:fontRef idx="minor">
-              <a:schemeClr val="tx1"/>
-            </a:fontRef>
-          </p:style>
-        </p:cxnSp>
-        <p:cxnSp>
-          <p:nvCxnSpPr>
-            <p:cNvPr id="81" name="直線矢印コネクタ 80"/>
-            <p:cNvCxnSpPr>
-              <a:stCxn id="78" idx="3"/>
-              <a:endCxn id="32" idx="1"/>
-            </p:cNvCxnSpPr>
-            <p:nvPr/>
-          </p:nvCxnSpPr>
-          <p:spPr>
-            <a:xfrm flipV="1">
-              <a:off x="2629027" y="5015816"/>
-              <a:ext cx="1491614" cy="1121515"/>
-            </a:xfrm>
-            <a:prstGeom prst="straightConnector1">
-              <a:avLst/>
-            </a:prstGeom>
-            <a:ln>
-              <a:tailEnd type="triangle"/>
-            </a:ln>
-          </p:spPr>
-          <p:style>
-            <a:lnRef idx="1">
-              <a:schemeClr val="accent2"/>
-            </a:lnRef>
-            <a:fillRef idx="0">
-              <a:schemeClr val="accent2"/>
-            </a:fillRef>
-            <a:effectRef idx="0">
-              <a:schemeClr val="accent2"/>
-            </a:effectRef>
-            <a:fontRef idx="minor">
-              <a:schemeClr val="tx1"/>
-            </a:fontRef>
-          </p:style>
-        </p:cxnSp>
-        <p:cxnSp>
-          <p:nvCxnSpPr>
-            <p:cNvPr id="82" name="直線矢印コネクタ 81"/>
-            <p:cNvCxnSpPr>
-              <a:stCxn id="78" idx="3"/>
-              <a:endCxn id="36" idx="1"/>
-            </p:cNvCxnSpPr>
-            <p:nvPr/>
-          </p:nvCxnSpPr>
-          <p:spPr>
-            <a:xfrm flipV="1">
-              <a:off x="2629027" y="5594081"/>
-              <a:ext cx="1491614" cy="543250"/>
-            </a:xfrm>
-            <a:prstGeom prst="straightConnector1">
-              <a:avLst/>
-            </a:prstGeom>
-            <a:ln>
-              <a:tailEnd type="triangle"/>
-            </a:ln>
-          </p:spPr>
-          <p:style>
-            <a:lnRef idx="1">
-              <a:schemeClr val="accent2"/>
-            </a:lnRef>
-            <a:fillRef idx="0">
-              <a:schemeClr val="accent2"/>
-            </a:fillRef>
-            <a:effectRef idx="0">
-              <a:schemeClr val="accent2"/>
-            </a:effectRef>
-            <a:fontRef idx="minor">
-              <a:schemeClr val="tx1"/>
-            </a:fontRef>
-          </p:style>
-        </p:cxnSp>
-        <p:sp>
-          <p:nvSpPr>
-            <p:cNvPr id="87" name="正方形/長方形 86"/>
-            <p:cNvSpPr/>
-            <p:nvPr/>
-          </p:nvSpPr>
-          <p:spPr>
-            <a:xfrm>
-              <a:off x="6178660" y="5337957"/>
-              <a:ext cx="2615980" cy="721564"/>
-            </a:xfrm>
-            <a:prstGeom prst="rect">
-              <a:avLst/>
-            </a:prstGeom>
-          </p:spPr>
-          <p:style>
-            <a:lnRef idx="1">
-              <a:schemeClr val="accent6"/>
-            </a:lnRef>
-            <a:fillRef idx="2">
-              <a:schemeClr val="accent6"/>
-            </a:fillRef>
-            <a:effectRef idx="1">
-              <a:schemeClr val="accent6"/>
-            </a:effectRef>
-            <a:fontRef idx="minor">
-              <a:schemeClr val="dk1"/>
-            </a:fontRef>
-          </p:style>
-          <p:txBody>
-            <a:bodyPr rtlCol="0" anchor="ctr"/>
-            <a:lstStyle/>
-            <a:p>
-              <a:pPr algn="ctr"/>
-              <a:r>
-                <a:rPr kumimoji="1" lang="ja-JP" altLang="en-US" dirty="0" smtClean="0"/>
-                <a:t>合成されたデータ</a:t>
-              </a:r>
-              <a:endParaRPr kumimoji="1" lang="ja-JP" altLang="en-US" dirty="0"/>
-            </a:p>
-          </p:txBody>
-        </p:sp>
-        <p:cxnSp>
-          <p:nvCxnSpPr>
-            <p:cNvPr id="95" name="直線矢印コネクタ 94"/>
-            <p:cNvCxnSpPr>
-              <a:stCxn id="32" idx="3"/>
-              <a:endCxn id="87" idx="1"/>
-            </p:cNvCxnSpPr>
-            <p:nvPr/>
-          </p:nvCxnSpPr>
-          <p:spPr>
-            <a:xfrm>
-              <a:off x="4548147" y="5015816"/>
-              <a:ext cx="1630513" cy="682923"/>
-            </a:xfrm>
-            <a:prstGeom prst="straightConnector1">
-              <a:avLst/>
-            </a:prstGeom>
-            <a:ln>
-              <a:tailEnd type="triangle"/>
-            </a:ln>
-          </p:spPr>
-          <p:style>
-            <a:lnRef idx="1">
-              <a:schemeClr val="accent6"/>
-            </a:lnRef>
-            <a:fillRef idx="0">
-              <a:schemeClr val="accent6"/>
-            </a:fillRef>
-            <a:effectRef idx="0">
-              <a:schemeClr val="accent6"/>
-            </a:effectRef>
-            <a:fontRef idx="minor">
-              <a:schemeClr val="tx1"/>
-            </a:fontRef>
-          </p:style>
-        </p:cxnSp>
-        <p:cxnSp>
-          <p:nvCxnSpPr>
-            <p:cNvPr id="96" name="直線矢印コネクタ 95"/>
-            <p:cNvCxnSpPr>
-              <a:stCxn id="36" idx="3"/>
-              <a:endCxn id="87" idx="1"/>
-            </p:cNvCxnSpPr>
-            <p:nvPr/>
-          </p:nvCxnSpPr>
-          <p:spPr>
-            <a:xfrm>
-              <a:off x="4548147" y="5594081"/>
-              <a:ext cx="1630513" cy="104658"/>
-            </a:xfrm>
-            <a:prstGeom prst="straightConnector1">
-              <a:avLst/>
-            </a:prstGeom>
-            <a:ln>
-              <a:tailEnd type="triangle"/>
-            </a:ln>
-          </p:spPr>
-          <p:style>
-            <a:lnRef idx="1">
-              <a:schemeClr val="accent6"/>
-            </a:lnRef>
-            <a:fillRef idx="0">
-              <a:schemeClr val="accent6"/>
-            </a:fillRef>
-            <a:effectRef idx="0">
-              <a:schemeClr val="accent6"/>
-            </a:effectRef>
-            <a:fontRef idx="minor">
-              <a:schemeClr val="tx1"/>
-            </a:fontRef>
-          </p:style>
-        </p:cxnSp>
-        <p:cxnSp>
-          <p:nvCxnSpPr>
-            <p:cNvPr id="97" name="直線矢印コネクタ 96"/>
-            <p:cNvCxnSpPr>
-              <a:stCxn id="35" idx="3"/>
-              <a:endCxn id="87" idx="1"/>
-            </p:cNvCxnSpPr>
-            <p:nvPr/>
-          </p:nvCxnSpPr>
-          <p:spPr>
-            <a:xfrm flipV="1">
-              <a:off x="4556099" y="5698739"/>
-              <a:ext cx="1622561" cy="476717"/>
-            </a:xfrm>
-            <a:prstGeom prst="straightConnector1">
-              <a:avLst/>
-            </a:prstGeom>
-            <a:ln>
-              <a:tailEnd type="triangle"/>
-            </a:ln>
-          </p:spPr>
-          <p:style>
-            <a:lnRef idx="1">
-              <a:schemeClr val="accent6"/>
-            </a:lnRef>
-            <a:fillRef idx="0">
-              <a:schemeClr val="accent6"/>
-            </a:fillRef>
-            <a:effectRef idx="0">
-              <a:schemeClr val="accent6"/>
-            </a:effectRef>
-            <a:fontRef idx="minor">
-              <a:schemeClr val="tx1"/>
-            </a:fontRef>
-          </p:style>
-        </p:cxnSp>
-      </p:grpSp>
+      </p:pic>
     </p:spTree>
     <p:extLst>
       <p:ext uri="{BB962C8B-B14F-4D97-AF65-F5344CB8AC3E}">
@@ -11769,6 +11367,138 @@
       </p:grpSpPr>
       <p:sp>
         <p:nvSpPr>
+          <p:cNvPr id="2" name="タイトル 1"/>
+          <p:cNvSpPr>
+            <a:spLocks noGrp="1"/>
+          </p:cNvSpPr>
+          <p:nvPr>
+            <p:ph type="title"/>
+          </p:nvPr>
+        </p:nvSpPr>
+        <p:spPr/>
+        <p:txBody>
+          <a:bodyPr/>
+          <a:lstStyle/>
+          <a:p>
+            <a:r>
+              <a:rPr lang="ja-JP" altLang="en-US" dirty="0" smtClean="0"/>
+              <a:t>提案システム</a:t>
+            </a:r>
+            <a:endParaRPr kumimoji="1" lang="ja-JP" altLang="en-US" dirty="0"/>
+          </a:p>
+        </p:txBody>
+      </p:sp>
+      <p:sp>
+        <p:nvSpPr>
+          <p:cNvPr id="3" name="コンテンツ プレースホルダー 2"/>
+          <p:cNvSpPr>
+            <a:spLocks noGrp="1"/>
+          </p:cNvSpPr>
+          <p:nvPr>
+            <p:ph idx="1"/>
+          </p:nvPr>
+        </p:nvSpPr>
+        <p:spPr/>
+        <p:txBody>
+          <a:bodyPr>
+            <a:normAutofit/>
+          </a:bodyPr>
+          <a:lstStyle/>
+          <a:p>
+            <a:pPr marL="514350" indent="-514350">
+              <a:buFont typeface="+mj-lt"/>
+              <a:buAutoNum type="arabicPeriod"/>
+            </a:pPr>
+            <a:r>
+              <a:rPr lang="ja-JP" altLang="en-US" dirty="0"/>
+              <a:t>楽曲</a:t>
+            </a:r>
+            <a:r>
+              <a:rPr lang="ja-JP" altLang="en-US" dirty="0" smtClean="0"/>
+              <a:t>投稿型</a:t>
+            </a:r>
+            <a:r>
+              <a:rPr lang="en-US" altLang="ja-JP" dirty="0" smtClean="0"/>
+              <a:t>SNS</a:t>
+            </a:r>
+            <a:r>
+              <a:rPr lang="ja-JP" altLang="en-US" dirty="0" smtClean="0"/>
+              <a:t>に投稿された</a:t>
+            </a:r>
+            <a:r>
+              <a:rPr lang="en-US" altLang="ja-JP" dirty="0" smtClean="0"/>
+              <a:t>SNS</a:t>
+            </a:r>
+            <a:r>
+              <a:rPr lang="ja-JP" altLang="en-US" dirty="0" smtClean="0"/>
+              <a:t>を保存</a:t>
+            </a:r>
+            <a:endParaRPr lang="en-US" altLang="ja-JP" dirty="0" smtClean="0"/>
+          </a:p>
+          <a:p>
+            <a:pPr marL="514350" indent="-514350">
+              <a:buFont typeface="+mj-lt"/>
+              <a:buAutoNum type="arabicPeriod"/>
+            </a:pPr>
+            <a:endParaRPr lang="en-US" altLang="ja-JP" dirty="0"/>
+          </a:p>
+          <a:p>
+            <a:pPr marL="514350" indent="-514350">
+              <a:buFont typeface="+mj-lt"/>
+              <a:buAutoNum type="arabicPeriod"/>
+            </a:pPr>
+            <a:r>
+              <a:rPr lang="ja-JP" altLang="en-US" dirty="0" smtClean="0"/>
+              <a:t>楽曲から分析した周波数をスペクトログラムとして可視化</a:t>
+            </a:r>
+            <a:endParaRPr lang="en-US" altLang="ja-JP" dirty="0" smtClean="0"/>
+          </a:p>
+          <a:p>
+            <a:pPr marL="514350" indent="-514350">
+              <a:buFont typeface="+mj-lt"/>
+              <a:buAutoNum type="arabicPeriod"/>
+            </a:pPr>
+            <a:endParaRPr lang="en-US" altLang="ja-JP" dirty="0"/>
+          </a:p>
+          <a:p>
+            <a:pPr marL="514350" indent="-514350">
+              <a:buFont typeface="+mj-lt"/>
+              <a:buAutoNum type="arabicPeriod"/>
+            </a:pPr>
+            <a:r>
+              <a:rPr lang="ja-JP" altLang="en-US" dirty="0" smtClean="0"/>
+              <a:t>楽曲から特徴を抽出，機械学習しジャンルを推定</a:t>
+            </a:r>
+            <a:endParaRPr lang="en-US" altLang="ja-JP" dirty="0" smtClean="0"/>
+          </a:p>
+          <a:p>
+            <a:pPr marL="514350" indent="-514350">
+              <a:buFont typeface="+mj-lt"/>
+              <a:buAutoNum type="arabicPeriod"/>
+            </a:pPr>
+            <a:endParaRPr lang="en-US" altLang="ja-JP" dirty="0" smtClean="0"/>
+          </a:p>
+          <a:p>
+            <a:pPr marL="514350" indent="-514350">
+              <a:buFont typeface="+mj-lt"/>
+              <a:buAutoNum type="arabicPeriod"/>
+            </a:pPr>
+            <a:r>
+              <a:rPr lang="ja-JP" altLang="en-US" dirty="0" smtClean="0"/>
+              <a:t>１～３を複数のサーバで実行</a:t>
+            </a:r>
+            <a:endParaRPr lang="en-US" altLang="ja-JP" dirty="0" smtClean="0"/>
+          </a:p>
+          <a:p>
+            <a:pPr marL="0" indent="0">
+              <a:buNone/>
+            </a:pPr>
+            <a:endParaRPr lang="en-US" altLang="ja-JP" dirty="0" smtClean="0"/>
+          </a:p>
+        </p:txBody>
+      </p:sp>
+      <p:sp>
+        <p:nvSpPr>
           <p:cNvPr id="4" name="スライド番号プレースホルダー 3"/>
           <p:cNvSpPr>
             <a:spLocks noGrp="1"/>
@@ -11791,1177 +11521,16 @@
           </a:p>
         </p:txBody>
       </p:sp>
-      <p:grpSp>
-        <p:nvGrpSpPr>
-          <p:cNvPr id="5" name="グループ化 4"/>
-          <p:cNvGrpSpPr/>
-          <p:nvPr/>
-        </p:nvGrpSpPr>
-        <p:grpSpPr>
-          <a:xfrm>
-            <a:off x="175365" y="871011"/>
-            <a:ext cx="8339985" cy="5332572"/>
-            <a:chOff x="-7018" y="420074"/>
-            <a:chExt cx="8339985" cy="5332572"/>
-          </a:xfrm>
-        </p:grpSpPr>
-        <p:sp>
-          <p:nvSpPr>
-            <p:cNvPr id="59" name="フローチャート: 磁気ディスク 58"/>
-            <p:cNvSpPr/>
-            <p:nvPr/>
-          </p:nvSpPr>
-          <p:spPr>
-            <a:xfrm>
-              <a:off x="5050011" y="4416827"/>
-              <a:ext cx="3163686" cy="1335819"/>
-            </a:xfrm>
-            <a:prstGeom prst="flowChartMagneticDisk">
-              <a:avLst/>
-            </a:prstGeom>
-          </p:spPr>
-          <p:style>
-            <a:lnRef idx="3">
-              <a:schemeClr val="lt1"/>
-            </a:lnRef>
-            <a:fillRef idx="1">
-              <a:schemeClr val="accent2"/>
-            </a:fillRef>
-            <a:effectRef idx="1">
-              <a:schemeClr val="accent2"/>
-            </a:effectRef>
-            <a:fontRef idx="minor">
-              <a:schemeClr val="lt1"/>
-            </a:fontRef>
-          </p:style>
-          <p:txBody>
-            <a:bodyPr rtlCol="0" anchor="ctr"/>
-            <a:lstStyle/>
-            <a:p>
-              <a:pPr algn="ctr"/>
-              <a:r>
-                <a:rPr kumimoji="1" lang="en-US" altLang="ja-JP" dirty="0" smtClean="0"/>
-                <a:t>BGM</a:t>
-              </a:r>
-              <a:r>
-                <a:rPr kumimoji="1" lang="ja-JP" altLang="en-US" dirty="0" smtClean="0"/>
-                <a:t>付き動画</a:t>
-              </a:r>
-              <a:endParaRPr kumimoji="1" lang="ja-JP" altLang="en-US" dirty="0"/>
-            </a:p>
-          </p:txBody>
-        </p:sp>
-        <p:grpSp>
-          <p:nvGrpSpPr>
-            <p:cNvPr id="3" name="グループ化 2"/>
-            <p:cNvGrpSpPr/>
-            <p:nvPr/>
-          </p:nvGrpSpPr>
-          <p:grpSpPr>
-            <a:xfrm>
-              <a:off x="-7018" y="420074"/>
-              <a:ext cx="8339985" cy="4420686"/>
-              <a:chOff x="-7018" y="420074"/>
-              <a:chExt cx="8339985" cy="4420686"/>
-            </a:xfrm>
-          </p:grpSpPr>
-          <p:grpSp>
-            <p:nvGrpSpPr>
-              <p:cNvPr id="16" name="グループ化 15"/>
-              <p:cNvGrpSpPr/>
-              <p:nvPr/>
-            </p:nvGrpSpPr>
-            <p:grpSpPr>
-              <a:xfrm>
-                <a:off x="-7018" y="1365954"/>
-                <a:ext cx="1243054" cy="1744335"/>
-                <a:chOff x="-7018" y="1365954"/>
-                <a:chExt cx="1243054" cy="1744335"/>
-              </a:xfrm>
-            </p:grpSpPr>
-            <p:pic>
-              <p:nvPicPr>
-                <p:cNvPr id="6" name="図 5"/>
-                <p:cNvPicPr>
-                  <a:picLocks noChangeAspect="1"/>
-                </p:cNvPicPr>
-                <p:nvPr/>
-              </p:nvPicPr>
-              <p:blipFill rotWithShape="1">
-                <a:blip r:embed="rId2">
-                  <a:extLst>
-                    <a:ext uri="{28A0092B-C50C-407E-A947-70E740481C1C}">
-                      <a14:useLocalDpi xmlns:a14="http://schemas.microsoft.com/office/drawing/2010/main" val="0"/>
-                    </a:ext>
-                  </a:extLst>
-                </a:blip>
-                <a:srcRect l="38483" t="32680" r="38103" b="35667"/>
-                <a:stretch/>
-              </p:blipFill>
-              <p:spPr>
-                <a:xfrm>
-                  <a:off x="446207" y="1365954"/>
-                  <a:ext cx="365760" cy="421419"/>
-                </a:xfrm>
-                <a:prstGeom prst="rect">
-                  <a:avLst/>
-                </a:prstGeom>
-              </p:spPr>
-            </p:pic>
-            <p:pic>
-              <p:nvPicPr>
-                <p:cNvPr id="7" name="図 6"/>
-                <p:cNvPicPr>
-                  <a:picLocks noChangeAspect="1"/>
-                </p:cNvPicPr>
-                <p:nvPr/>
-              </p:nvPicPr>
-              <p:blipFill rotWithShape="1">
-                <a:blip r:embed="rId2">
-                  <a:extLst>
-                    <a:ext uri="{28A0092B-C50C-407E-A947-70E740481C1C}">
-                      <a14:useLocalDpi xmlns:a14="http://schemas.microsoft.com/office/drawing/2010/main" val="0"/>
-                    </a:ext>
-                  </a:extLst>
-                </a:blip>
-                <a:srcRect l="38483" t="32680" r="38103" b="35667"/>
-                <a:stretch/>
-              </p:blipFill>
-              <p:spPr>
-                <a:xfrm>
-                  <a:off x="684746" y="1861096"/>
-                  <a:ext cx="365760" cy="421419"/>
-                </a:xfrm>
-                <a:prstGeom prst="rect">
-                  <a:avLst/>
-                </a:prstGeom>
-              </p:spPr>
-            </p:pic>
-            <p:pic>
-              <p:nvPicPr>
-                <p:cNvPr id="8" name="図 7"/>
-                <p:cNvPicPr>
-                  <a:picLocks noChangeAspect="1"/>
-                </p:cNvPicPr>
-                <p:nvPr/>
-              </p:nvPicPr>
-              <p:blipFill rotWithShape="1">
-                <a:blip r:embed="rId2">
-                  <a:extLst>
-                    <a:ext uri="{28A0092B-C50C-407E-A947-70E740481C1C}">
-                      <a14:useLocalDpi xmlns:a14="http://schemas.microsoft.com/office/drawing/2010/main" val="0"/>
-                    </a:ext>
-                  </a:extLst>
-                </a:blip>
-                <a:srcRect l="38483" t="32680" r="38103" b="35667"/>
-                <a:stretch/>
-              </p:blipFill>
-              <p:spPr>
-                <a:xfrm>
-                  <a:off x="159493" y="1861095"/>
-                  <a:ext cx="365760" cy="421419"/>
-                </a:xfrm>
-                <a:prstGeom prst="rect">
-                  <a:avLst/>
-                </a:prstGeom>
-              </p:spPr>
-            </p:pic>
-            <p:sp>
-              <p:nvSpPr>
-                <p:cNvPr id="11" name="テキスト ボックス 10"/>
-                <p:cNvSpPr txBox="1"/>
-                <p:nvPr/>
-              </p:nvSpPr>
-              <p:spPr>
-                <a:xfrm>
-                  <a:off x="-7018" y="2525514"/>
-                  <a:ext cx="1243054" cy="584775"/>
-                </a:xfrm>
-                <a:prstGeom prst="rect">
-                  <a:avLst/>
-                </a:prstGeom>
-                <a:noFill/>
-              </p:spPr>
-              <p:txBody>
-                <a:bodyPr wrap="square" rtlCol="0">
-                  <a:spAutoFit/>
-                </a:bodyPr>
-                <a:lstStyle/>
-                <a:p>
-                  <a:pPr algn="ctr"/>
-                  <a:r>
-                    <a:rPr lang="ja-JP" altLang="en-US" sz="1600" dirty="0"/>
-                    <a:t>楽曲</a:t>
-                  </a:r>
-                  <a:r>
-                    <a:rPr lang="ja-JP" altLang="en-US" sz="1600" dirty="0" smtClean="0"/>
-                    <a:t>投稿型</a:t>
-                  </a:r>
-                  <a:r>
-                    <a:rPr lang="en-US" altLang="ja-JP" sz="1600" dirty="0" smtClean="0"/>
-                    <a:t>SNS</a:t>
-                  </a:r>
-                  <a:endParaRPr kumimoji="1" lang="ja-JP" altLang="en-US" sz="1600" dirty="0"/>
-                </a:p>
-              </p:txBody>
-            </p:sp>
-          </p:grpSp>
-          <p:pic>
-            <p:nvPicPr>
-              <p:cNvPr id="13" name="図 12"/>
-              <p:cNvPicPr>
-                <a:picLocks noChangeAspect="1"/>
-              </p:cNvPicPr>
-              <p:nvPr/>
-            </p:nvPicPr>
-            <p:blipFill>
-              <a:blip r:embed="rId3" cstate="print">
-                <a:extLst>
-                  <a:ext uri="{28A0092B-C50C-407E-A947-70E740481C1C}">
-                    <a14:useLocalDpi xmlns:a14="http://schemas.microsoft.com/office/drawing/2010/main" val="0"/>
-                  </a:ext>
-                </a:extLst>
-              </a:blip>
-              <a:stretch>
-                <a:fillRect/>
-              </a:stretch>
-            </p:blipFill>
-            <p:spPr>
-              <a:xfrm>
-                <a:off x="2227298" y="980654"/>
-                <a:ext cx="427506" cy="427506"/>
-              </a:xfrm>
-              <a:prstGeom prst="rect">
-                <a:avLst/>
-              </a:prstGeom>
-            </p:spPr>
-          </p:pic>
-          <p:pic>
-            <p:nvPicPr>
-              <p:cNvPr id="14" name="図 13"/>
-              <p:cNvPicPr>
-                <a:picLocks noChangeAspect="1"/>
-              </p:cNvPicPr>
-              <p:nvPr/>
-            </p:nvPicPr>
-            <p:blipFill>
-              <a:blip r:embed="rId3" cstate="print">
-                <a:extLst>
-                  <a:ext uri="{28A0092B-C50C-407E-A947-70E740481C1C}">
-                    <a14:useLocalDpi xmlns:a14="http://schemas.microsoft.com/office/drawing/2010/main" val="0"/>
-                  </a:ext>
-                </a:extLst>
-              </a:blip>
-              <a:stretch>
-                <a:fillRect/>
-              </a:stretch>
-            </p:blipFill>
-            <p:spPr>
-              <a:xfrm>
-                <a:off x="2227298" y="1631584"/>
-                <a:ext cx="427506" cy="427506"/>
-              </a:xfrm>
-              <a:prstGeom prst="rect">
-                <a:avLst/>
-              </a:prstGeom>
-            </p:spPr>
-          </p:pic>
-          <p:pic>
-            <p:nvPicPr>
-              <p:cNvPr id="15" name="図 14"/>
-              <p:cNvPicPr>
-                <a:picLocks noChangeAspect="1"/>
-              </p:cNvPicPr>
-              <p:nvPr/>
-            </p:nvPicPr>
-            <p:blipFill>
-              <a:blip r:embed="rId3" cstate="print">
-                <a:extLst>
-                  <a:ext uri="{28A0092B-C50C-407E-A947-70E740481C1C}">
-                    <a14:useLocalDpi xmlns:a14="http://schemas.microsoft.com/office/drawing/2010/main" val="0"/>
-                  </a:ext>
-                </a:extLst>
-              </a:blip>
-              <a:stretch>
-                <a:fillRect/>
-              </a:stretch>
-            </p:blipFill>
-            <p:spPr>
-              <a:xfrm>
-                <a:off x="2227298" y="2282514"/>
-                <a:ext cx="427506" cy="427506"/>
-              </a:xfrm>
-              <a:prstGeom prst="rect">
-                <a:avLst/>
-              </a:prstGeom>
-            </p:spPr>
-          </p:pic>
-          <p:cxnSp>
-            <p:nvCxnSpPr>
-              <p:cNvPr id="18" name="直線矢印コネクタ 17"/>
-              <p:cNvCxnSpPr>
-                <a:endCxn id="13" idx="1"/>
-              </p:cNvCxnSpPr>
-              <p:nvPr/>
-            </p:nvCxnSpPr>
-            <p:spPr>
-              <a:xfrm flipV="1">
-                <a:off x="1129085" y="1194407"/>
-                <a:ext cx="1098213" cy="592966"/>
-              </a:xfrm>
-              <a:prstGeom prst="straightConnector1">
-                <a:avLst/>
-              </a:prstGeom>
-              <a:ln>
-                <a:tailEnd type="triangle"/>
-              </a:ln>
-            </p:spPr>
-            <p:style>
-              <a:lnRef idx="1">
-                <a:schemeClr val="dk1"/>
-              </a:lnRef>
-              <a:fillRef idx="0">
-                <a:schemeClr val="dk1"/>
-              </a:fillRef>
-              <a:effectRef idx="0">
-                <a:schemeClr val="dk1"/>
-              </a:effectRef>
-              <a:fontRef idx="minor">
-                <a:schemeClr val="tx1"/>
-              </a:fontRef>
-            </p:style>
-          </p:cxnSp>
-          <p:cxnSp>
-            <p:nvCxnSpPr>
-              <p:cNvPr id="19" name="直線矢印コネクタ 18"/>
-              <p:cNvCxnSpPr>
-                <a:endCxn id="14" idx="1"/>
-              </p:cNvCxnSpPr>
-              <p:nvPr/>
-            </p:nvCxnSpPr>
-            <p:spPr>
-              <a:xfrm flipV="1">
-                <a:off x="1236036" y="1845337"/>
-                <a:ext cx="991262" cy="6530"/>
-              </a:xfrm>
-              <a:prstGeom prst="straightConnector1">
-                <a:avLst/>
-              </a:prstGeom>
-              <a:ln>
-                <a:tailEnd type="triangle"/>
-              </a:ln>
-            </p:spPr>
-            <p:style>
-              <a:lnRef idx="1">
-                <a:schemeClr val="dk1"/>
-              </a:lnRef>
-              <a:fillRef idx="0">
-                <a:schemeClr val="dk1"/>
-              </a:fillRef>
-              <a:effectRef idx="0">
-                <a:schemeClr val="dk1"/>
-              </a:effectRef>
-              <a:fontRef idx="minor">
-                <a:schemeClr val="tx1"/>
-              </a:fontRef>
-            </p:style>
-          </p:cxnSp>
-          <p:cxnSp>
-            <p:nvCxnSpPr>
-              <p:cNvPr id="22" name="直線矢印コネクタ 21"/>
-              <p:cNvCxnSpPr>
-                <a:endCxn id="15" idx="1"/>
-              </p:cNvCxnSpPr>
-              <p:nvPr/>
-            </p:nvCxnSpPr>
-            <p:spPr>
-              <a:xfrm>
-                <a:off x="1165995" y="1996167"/>
-                <a:ext cx="1061303" cy="500100"/>
-              </a:xfrm>
-              <a:prstGeom prst="straightConnector1">
-                <a:avLst/>
-              </a:prstGeom>
-              <a:ln>
-                <a:tailEnd type="triangle"/>
-              </a:ln>
-            </p:spPr>
-            <p:style>
-              <a:lnRef idx="1">
-                <a:schemeClr val="dk1"/>
-              </a:lnRef>
-              <a:fillRef idx="0">
-                <a:schemeClr val="dk1"/>
-              </a:fillRef>
-              <a:effectRef idx="0">
-                <a:schemeClr val="dk1"/>
-              </a:effectRef>
-              <a:fontRef idx="minor">
-                <a:schemeClr val="tx1"/>
-              </a:fontRef>
-            </p:style>
-          </p:cxnSp>
-          <p:sp>
-            <p:nvSpPr>
-              <p:cNvPr id="25" name="テキスト ボックス 24"/>
-              <p:cNvSpPr txBox="1"/>
-              <p:nvPr/>
-            </p:nvSpPr>
-            <p:spPr>
-              <a:xfrm>
-                <a:off x="1479470" y="2817901"/>
-                <a:ext cx="2189529" cy="923330"/>
-              </a:xfrm>
-              <a:prstGeom prst="rect">
-                <a:avLst/>
-              </a:prstGeom>
-              <a:noFill/>
-            </p:spPr>
-            <p:txBody>
-              <a:bodyPr wrap="square" rtlCol="0">
-                <a:spAutoFit/>
-              </a:bodyPr>
-              <a:lstStyle/>
-              <a:p>
-                <a:r>
-                  <a:rPr kumimoji="1" lang="en-US" altLang="ja-JP" dirty="0" smtClean="0"/>
-                  <a:t>1</a:t>
-                </a:r>
-                <a:r>
-                  <a:rPr kumimoji="1" lang="ja-JP" altLang="en-US" dirty="0" err="1" smtClean="0"/>
-                  <a:t>．</a:t>
-                </a:r>
-                <a:r>
-                  <a:rPr kumimoji="1" lang="ja-JP" altLang="en-US" dirty="0" smtClean="0"/>
-                  <a:t>複数のサーバーで</a:t>
-                </a:r>
-                <a:r>
-                  <a:rPr kumimoji="1" lang="en-US" altLang="ja-JP" dirty="0" smtClean="0"/>
-                  <a:t>CNN</a:t>
-                </a:r>
-                <a:r>
-                  <a:rPr kumimoji="1" lang="ja-JP" altLang="en-US" dirty="0" smtClean="0"/>
-                  <a:t>を利用し楽曲をジャンル分け</a:t>
-                </a:r>
-                <a:endParaRPr kumimoji="1" lang="ja-JP" altLang="en-US" dirty="0"/>
-              </a:p>
-            </p:txBody>
-          </p:sp>
-          <p:sp>
-            <p:nvSpPr>
-              <p:cNvPr id="26" name="フローチャート: 磁気ディスク 25"/>
-              <p:cNvSpPr/>
-              <p:nvPr/>
-            </p:nvSpPr>
-            <p:spPr>
-              <a:xfrm>
-                <a:off x="4691269" y="1066405"/>
-                <a:ext cx="1144990" cy="1643615"/>
-              </a:xfrm>
-              <a:prstGeom prst="flowChartMagneticDisk">
-                <a:avLst/>
-              </a:prstGeom>
-            </p:spPr>
-            <p:style>
-              <a:lnRef idx="3">
-                <a:schemeClr val="lt1"/>
-              </a:lnRef>
-              <a:fillRef idx="1">
-                <a:schemeClr val="accent5"/>
-              </a:fillRef>
-              <a:effectRef idx="1">
-                <a:schemeClr val="accent5"/>
-              </a:effectRef>
-              <a:fontRef idx="minor">
-                <a:schemeClr val="lt1"/>
-              </a:fontRef>
-            </p:style>
-            <p:txBody>
-              <a:bodyPr rtlCol="0" anchor="ctr"/>
-              <a:lstStyle/>
-              <a:p>
-                <a:pPr algn="ctr"/>
-                <a:r>
-                  <a:rPr kumimoji="1" lang="ja-JP" altLang="en-US" dirty="0" smtClean="0"/>
-                  <a:t>楽曲</a:t>
-                </a:r>
-                <a:endParaRPr kumimoji="1" lang="en-US" altLang="ja-JP" dirty="0" smtClean="0"/>
-              </a:p>
-              <a:p>
-                <a:pPr algn="ctr"/>
-                <a:r>
-                  <a:rPr kumimoji="1" lang="ja-JP" altLang="en-US" dirty="0" smtClean="0"/>
-                  <a:t>データベース</a:t>
-                </a:r>
-                <a:endParaRPr kumimoji="1" lang="ja-JP" altLang="en-US" dirty="0"/>
-              </a:p>
-            </p:txBody>
-          </p:sp>
-          <p:cxnSp>
-            <p:nvCxnSpPr>
-              <p:cNvPr id="27" name="直線矢印コネクタ 26"/>
-              <p:cNvCxnSpPr/>
-              <p:nvPr/>
-            </p:nvCxnSpPr>
-            <p:spPr>
-              <a:xfrm flipV="1">
-                <a:off x="2682388" y="1982175"/>
-                <a:ext cx="1841904" cy="542882"/>
-              </a:xfrm>
-              <a:prstGeom prst="straightConnector1">
-                <a:avLst/>
-              </a:prstGeom>
-              <a:ln>
-                <a:tailEnd type="triangle"/>
-              </a:ln>
-            </p:spPr>
-            <p:style>
-              <a:lnRef idx="1">
-                <a:schemeClr val="dk1"/>
-              </a:lnRef>
-              <a:fillRef idx="0">
-                <a:schemeClr val="dk1"/>
-              </a:fillRef>
-              <a:effectRef idx="0">
-                <a:schemeClr val="dk1"/>
-              </a:effectRef>
-              <a:fontRef idx="minor">
-                <a:schemeClr val="tx1"/>
-              </a:fontRef>
-            </p:style>
-          </p:cxnSp>
-          <p:cxnSp>
-            <p:nvCxnSpPr>
-              <p:cNvPr id="29" name="直線矢印コネクタ 28"/>
-              <p:cNvCxnSpPr/>
-              <p:nvPr/>
-            </p:nvCxnSpPr>
-            <p:spPr>
-              <a:xfrm flipV="1">
-                <a:off x="2710463" y="1770046"/>
-                <a:ext cx="1869488" cy="81821"/>
-              </a:xfrm>
-              <a:prstGeom prst="straightConnector1">
-                <a:avLst/>
-              </a:prstGeom>
-              <a:ln>
-                <a:tailEnd type="triangle"/>
-              </a:ln>
-            </p:spPr>
-            <p:style>
-              <a:lnRef idx="1">
-                <a:schemeClr val="dk1"/>
-              </a:lnRef>
-              <a:fillRef idx="0">
-                <a:schemeClr val="dk1"/>
-              </a:fillRef>
-              <a:effectRef idx="0">
-                <a:schemeClr val="dk1"/>
-              </a:effectRef>
-              <a:fontRef idx="minor">
-                <a:schemeClr val="tx1"/>
-              </a:fontRef>
-            </p:style>
-          </p:cxnSp>
-          <p:cxnSp>
-            <p:nvCxnSpPr>
-              <p:cNvPr id="31" name="直線矢印コネクタ 30"/>
-              <p:cNvCxnSpPr/>
-              <p:nvPr/>
-            </p:nvCxnSpPr>
-            <p:spPr>
-              <a:xfrm>
-                <a:off x="2680987" y="1196713"/>
-                <a:ext cx="1898964" cy="443025"/>
-              </a:xfrm>
-              <a:prstGeom prst="straightConnector1">
-                <a:avLst/>
-              </a:prstGeom>
-              <a:ln>
-                <a:tailEnd type="triangle"/>
-              </a:ln>
-            </p:spPr>
-            <p:style>
-              <a:lnRef idx="1">
-                <a:schemeClr val="dk1"/>
-              </a:lnRef>
-              <a:fillRef idx="0">
-                <a:schemeClr val="dk1"/>
-              </a:fillRef>
-              <a:effectRef idx="0">
-                <a:schemeClr val="dk1"/>
-              </a:effectRef>
-              <a:fontRef idx="minor">
-                <a:schemeClr val="tx1"/>
-              </a:fontRef>
-            </p:style>
-          </p:cxnSp>
-          <p:sp>
-            <p:nvSpPr>
-              <p:cNvPr id="34" name="テキスト ボックス 33"/>
-              <p:cNvSpPr txBox="1"/>
-              <p:nvPr/>
-            </p:nvSpPr>
-            <p:spPr>
-              <a:xfrm>
-                <a:off x="4424901" y="420074"/>
-                <a:ext cx="1677726" cy="646331"/>
-              </a:xfrm>
-              <a:prstGeom prst="rect">
-                <a:avLst/>
-              </a:prstGeom>
-              <a:noFill/>
-            </p:spPr>
-            <p:txBody>
-              <a:bodyPr wrap="square" rtlCol="0">
-                <a:spAutoFit/>
-              </a:bodyPr>
-              <a:lstStyle/>
-              <a:p>
-                <a:pPr algn="ctr"/>
-                <a:r>
-                  <a:rPr kumimoji="1" lang="ja-JP" altLang="en-US" dirty="0" smtClean="0"/>
-                  <a:t>２．データベースに保存</a:t>
-                </a:r>
-                <a:endParaRPr kumimoji="1" lang="ja-JP" altLang="en-US" dirty="0"/>
-              </a:p>
-            </p:txBody>
-          </p:sp>
-          <p:sp>
-            <p:nvSpPr>
-              <p:cNvPr id="37" name="フローチャート: 磁気ディスク 36"/>
-              <p:cNvSpPr/>
-              <p:nvPr/>
-            </p:nvSpPr>
-            <p:spPr>
-              <a:xfrm>
-                <a:off x="7211833" y="1066405"/>
-                <a:ext cx="1121134" cy="1643615"/>
-              </a:xfrm>
-              <a:prstGeom prst="flowChartMagneticDisk">
-                <a:avLst/>
-              </a:prstGeom>
-            </p:spPr>
-            <p:style>
-              <a:lnRef idx="3">
-                <a:schemeClr val="lt1"/>
-              </a:lnRef>
-              <a:fillRef idx="1">
-                <a:schemeClr val="accent6"/>
-              </a:fillRef>
-              <a:effectRef idx="1">
-                <a:schemeClr val="accent6"/>
-              </a:effectRef>
-              <a:fontRef idx="minor">
-                <a:schemeClr val="lt1"/>
-              </a:fontRef>
-            </p:style>
-            <p:txBody>
-              <a:bodyPr rtlCol="0" anchor="ctr"/>
-              <a:lstStyle/>
-              <a:p>
-                <a:pPr algn="ctr"/>
-                <a:r>
-                  <a:rPr kumimoji="1" lang="ja-JP" altLang="en-US" dirty="0" smtClean="0"/>
-                  <a:t>動画</a:t>
-                </a:r>
-                <a:r>
-                  <a:rPr lang="ja-JP" altLang="en-US" dirty="0"/>
-                  <a:t>データベース</a:t>
-                </a:r>
-                <a:endParaRPr kumimoji="1" lang="ja-JP" altLang="en-US" dirty="0"/>
-              </a:p>
-            </p:txBody>
-          </p:sp>
-          <p:pic>
-            <p:nvPicPr>
-              <p:cNvPr id="38" name="図 37"/>
-              <p:cNvPicPr>
-                <a:picLocks noChangeAspect="1"/>
-              </p:cNvPicPr>
-              <p:nvPr/>
-            </p:nvPicPr>
-            <p:blipFill>
-              <a:blip r:embed="rId3" cstate="print">
-                <a:extLst>
-                  <a:ext uri="{28A0092B-C50C-407E-A947-70E740481C1C}">
-                    <a14:useLocalDpi xmlns:a14="http://schemas.microsoft.com/office/drawing/2010/main" val="0"/>
-                  </a:ext>
-                </a:extLst>
-              </a:blip>
-              <a:stretch>
-                <a:fillRect/>
-              </a:stretch>
-            </p:blipFill>
-            <p:spPr>
-              <a:xfrm>
-                <a:off x="7558647" y="3295564"/>
-                <a:ext cx="427506" cy="427506"/>
-              </a:xfrm>
-              <a:prstGeom prst="rect">
-                <a:avLst/>
-              </a:prstGeom>
-            </p:spPr>
-          </p:pic>
-          <p:pic>
-            <p:nvPicPr>
-              <p:cNvPr id="39" name="図 38"/>
-              <p:cNvPicPr>
-                <a:picLocks noChangeAspect="1"/>
-              </p:cNvPicPr>
-              <p:nvPr/>
-            </p:nvPicPr>
-            <p:blipFill>
-              <a:blip r:embed="rId3" cstate="print">
-                <a:extLst>
-                  <a:ext uri="{28A0092B-C50C-407E-A947-70E740481C1C}">
-                    <a14:useLocalDpi xmlns:a14="http://schemas.microsoft.com/office/drawing/2010/main" val="0"/>
-                  </a:ext>
-                </a:extLst>
-              </a:blip>
-              <a:stretch>
-                <a:fillRect/>
-              </a:stretch>
-            </p:blipFill>
-            <p:spPr>
-              <a:xfrm>
-                <a:off x="6304329" y="3313725"/>
-                <a:ext cx="427506" cy="427506"/>
-              </a:xfrm>
-              <a:prstGeom prst="rect">
-                <a:avLst/>
-              </a:prstGeom>
-            </p:spPr>
-          </p:pic>
-          <p:pic>
-            <p:nvPicPr>
-              <p:cNvPr id="40" name="図 39"/>
-              <p:cNvPicPr>
-                <a:picLocks noChangeAspect="1"/>
-              </p:cNvPicPr>
-              <p:nvPr/>
-            </p:nvPicPr>
-            <p:blipFill>
-              <a:blip r:embed="rId3" cstate="print">
-                <a:extLst>
-                  <a:ext uri="{28A0092B-C50C-407E-A947-70E740481C1C}">
-                    <a14:useLocalDpi xmlns:a14="http://schemas.microsoft.com/office/drawing/2010/main" val="0"/>
-                  </a:ext>
-                </a:extLst>
-              </a:blip>
-              <a:stretch>
-                <a:fillRect/>
-              </a:stretch>
-            </p:blipFill>
-            <p:spPr>
-              <a:xfrm>
-                <a:off x="5050011" y="3313725"/>
-                <a:ext cx="427506" cy="427506"/>
-              </a:xfrm>
-              <a:prstGeom prst="rect">
-                <a:avLst/>
-              </a:prstGeom>
-            </p:spPr>
-          </p:pic>
-          <p:cxnSp>
-            <p:nvCxnSpPr>
-              <p:cNvPr id="42" name="直線矢印コネクタ 41"/>
-              <p:cNvCxnSpPr>
-                <a:endCxn id="40" idx="0"/>
-              </p:cNvCxnSpPr>
-              <p:nvPr/>
-            </p:nvCxnSpPr>
-            <p:spPr>
-              <a:xfrm flipH="1">
-                <a:off x="5263764" y="2710020"/>
-                <a:ext cx="933" cy="603705"/>
-              </a:xfrm>
-              <a:prstGeom prst="straightConnector1">
-                <a:avLst/>
-              </a:prstGeom>
-              <a:ln>
-                <a:tailEnd type="triangle"/>
-              </a:ln>
-            </p:spPr>
-            <p:style>
-              <a:lnRef idx="1">
-                <a:schemeClr val="accent1"/>
-              </a:lnRef>
-              <a:fillRef idx="0">
-                <a:schemeClr val="accent1"/>
-              </a:fillRef>
-              <a:effectRef idx="0">
-                <a:schemeClr val="accent1"/>
-              </a:effectRef>
-              <a:fontRef idx="minor">
-                <a:schemeClr val="tx1"/>
-              </a:fontRef>
-            </p:style>
-          </p:cxnSp>
-          <p:cxnSp>
-            <p:nvCxnSpPr>
-              <p:cNvPr id="44" name="直線矢印コネクタ 43"/>
-              <p:cNvCxnSpPr>
-                <a:stCxn id="26" idx="3"/>
-                <a:endCxn id="39" idx="0"/>
-              </p:cNvCxnSpPr>
-              <p:nvPr/>
-            </p:nvCxnSpPr>
-            <p:spPr>
-              <a:xfrm>
-                <a:off x="5263764" y="2710020"/>
-                <a:ext cx="1254318" cy="603705"/>
-              </a:xfrm>
-              <a:prstGeom prst="straightConnector1">
-                <a:avLst/>
-              </a:prstGeom>
-              <a:ln>
-                <a:tailEnd type="triangle"/>
-              </a:ln>
-            </p:spPr>
-            <p:style>
-              <a:lnRef idx="1">
-                <a:schemeClr val="accent1"/>
-              </a:lnRef>
-              <a:fillRef idx="0">
-                <a:schemeClr val="accent1"/>
-              </a:fillRef>
-              <a:effectRef idx="0">
-                <a:schemeClr val="accent1"/>
-              </a:effectRef>
-              <a:fontRef idx="minor">
-                <a:schemeClr val="tx1"/>
-              </a:fontRef>
-            </p:style>
-          </p:cxnSp>
-          <p:cxnSp>
-            <p:nvCxnSpPr>
-              <p:cNvPr id="45" name="直線矢印コネクタ 44"/>
-              <p:cNvCxnSpPr>
-                <a:stCxn id="26" idx="3"/>
-                <a:endCxn id="38" idx="0"/>
-              </p:cNvCxnSpPr>
-              <p:nvPr/>
-            </p:nvCxnSpPr>
-            <p:spPr>
-              <a:xfrm>
-                <a:off x="5263764" y="2710020"/>
-                <a:ext cx="2508636" cy="585544"/>
-              </a:xfrm>
-              <a:prstGeom prst="straightConnector1">
-                <a:avLst/>
-              </a:prstGeom>
-              <a:ln>
-                <a:tailEnd type="triangle"/>
-              </a:ln>
-            </p:spPr>
-            <p:style>
-              <a:lnRef idx="1">
-                <a:schemeClr val="accent1"/>
-              </a:lnRef>
-              <a:fillRef idx="0">
-                <a:schemeClr val="accent1"/>
-              </a:fillRef>
-              <a:effectRef idx="0">
-                <a:schemeClr val="accent1"/>
-              </a:effectRef>
-              <a:fontRef idx="minor">
-                <a:schemeClr val="tx1"/>
-              </a:fontRef>
-            </p:style>
-          </p:cxnSp>
-          <p:cxnSp>
-            <p:nvCxnSpPr>
-              <p:cNvPr id="50" name="直線矢印コネクタ 49"/>
-              <p:cNvCxnSpPr>
-                <a:stCxn id="37" idx="3"/>
-                <a:endCxn id="38" idx="0"/>
-              </p:cNvCxnSpPr>
-              <p:nvPr/>
-            </p:nvCxnSpPr>
-            <p:spPr>
-              <a:xfrm>
-                <a:off x="7772400" y="2710020"/>
-                <a:ext cx="0" cy="585544"/>
-              </a:xfrm>
-              <a:prstGeom prst="straightConnector1">
-                <a:avLst/>
-              </a:prstGeom>
-              <a:ln>
-                <a:tailEnd type="triangle"/>
-              </a:ln>
-            </p:spPr>
-            <p:style>
-              <a:lnRef idx="2">
-                <a:schemeClr val="accent6"/>
-              </a:lnRef>
-              <a:fillRef idx="0">
-                <a:schemeClr val="accent6"/>
-              </a:fillRef>
-              <a:effectRef idx="1">
-                <a:schemeClr val="accent6"/>
-              </a:effectRef>
-              <a:fontRef idx="minor">
-                <a:schemeClr val="tx1"/>
-              </a:fontRef>
-            </p:style>
-          </p:cxnSp>
-          <p:cxnSp>
-            <p:nvCxnSpPr>
-              <p:cNvPr id="53" name="直線矢印コネクタ 52"/>
-              <p:cNvCxnSpPr>
-                <a:stCxn id="37" idx="3"/>
-                <a:endCxn id="39" idx="0"/>
-              </p:cNvCxnSpPr>
-              <p:nvPr/>
-            </p:nvCxnSpPr>
-            <p:spPr>
-              <a:xfrm flipH="1">
-                <a:off x="6518082" y="2710020"/>
-                <a:ext cx="1254318" cy="603705"/>
-              </a:xfrm>
-              <a:prstGeom prst="straightConnector1">
-                <a:avLst/>
-              </a:prstGeom>
-              <a:ln>
-                <a:tailEnd type="triangle"/>
-              </a:ln>
-            </p:spPr>
-            <p:style>
-              <a:lnRef idx="2">
-                <a:schemeClr val="accent6"/>
-              </a:lnRef>
-              <a:fillRef idx="0">
-                <a:schemeClr val="accent6"/>
-              </a:fillRef>
-              <a:effectRef idx="1">
-                <a:schemeClr val="accent6"/>
-              </a:effectRef>
-              <a:fontRef idx="minor">
-                <a:schemeClr val="tx1"/>
-              </a:fontRef>
-            </p:style>
-          </p:cxnSp>
-          <p:cxnSp>
-            <p:nvCxnSpPr>
-              <p:cNvPr id="54" name="直線矢印コネクタ 53"/>
-              <p:cNvCxnSpPr>
-                <a:stCxn id="37" idx="3"/>
-                <a:endCxn id="40" idx="0"/>
-              </p:cNvCxnSpPr>
-              <p:nvPr/>
-            </p:nvCxnSpPr>
-            <p:spPr>
-              <a:xfrm flipH="1">
-                <a:off x="5263764" y="2710020"/>
-                <a:ext cx="2508636" cy="603705"/>
-              </a:xfrm>
-              <a:prstGeom prst="straightConnector1">
-                <a:avLst/>
-              </a:prstGeom>
-              <a:ln>
-                <a:tailEnd type="triangle"/>
-              </a:ln>
-            </p:spPr>
-            <p:style>
-              <a:lnRef idx="2">
-                <a:schemeClr val="accent6"/>
-              </a:lnRef>
-              <a:fillRef idx="0">
-                <a:schemeClr val="accent6"/>
-              </a:fillRef>
-              <a:effectRef idx="1">
-                <a:schemeClr val="accent6"/>
-              </a:effectRef>
-              <a:fontRef idx="minor">
-                <a:schemeClr val="tx1"/>
-              </a:fontRef>
-            </p:style>
-          </p:cxnSp>
-          <p:cxnSp>
-            <p:nvCxnSpPr>
-              <p:cNvPr id="61" name="直線矢印コネクタ 60"/>
-              <p:cNvCxnSpPr>
-                <a:stCxn id="40" idx="2"/>
-              </p:cNvCxnSpPr>
-              <p:nvPr/>
-            </p:nvCxnSpPr>
-            <p:spPr>
-              <a:xfrm>
-                <a:off x="5263764" y="3741231"/>
-                <a:ext cx="213753" cy="693757"/>
-              </a:xfrm>
-              <a:prstGeom prst="straightConnector1">
-                <a:avLst/>
-              </a:prstGeom>
-              <a:ln>
-                <a:tailEnd type="triangle"/>
-              </a:ln>
-            </p:spPr>
-            <p:style>
-              <a:lnRef idx="1">
-                <a:schemeClr val="accent2"/>
-              </a:lnRef>
-              <a:fillRef idx="0">
-                <a:schemeClr val="accent2"/>
-              </a:fillRef>
-              <a:effectRef idx="0">
-                <a:schemeClr val="accent2"/>
-              </a:effectRef>
-              <a:fontRef idx="minor">
-                <a:schemeClr val="tx1"/>
-              </a:fontRef>
-            </p:style>
-          </p:cxnSp>
-          <p:cxnSp>
-            <p:nvCxnSpPr>
-              <p:cNvPr id="62" name="直線矢印コネクタ 61"/>
-              <p:cNvCxnSpPr>
-                <a:stCxn id="39" idx="2"/>
-              </p:cNvCxnSpPr>
-              <p:nvPr/>
-            </p:nvCxnSpPr>
-            <p:spPr>
-              <a:xfrm>
-                <a:off x="6518082" y="3741231"/>
-                <a:ext cx="0" cy="603705"/>
-              </a:xfrm>
-              <a:prstGeom prst="straightConnector1">
-                <a:avLst/>
-              </a:prstGeom>
-              <a:ln>
-                <a:tailEnd type="triangle"/>
-              </a:ln>
-            </p:spPr>
-            <p:style>
-              <a:lnRef idx="1">
-                <a:schemeClr val="accent2"/>
-              </a:lnRef>
-              <a:fillRef idx="0">
-                <a:schemeClr val="accent2"/>
-              </a:fillRef>
-              <a:effectRef idx="0">
-                <a:schemeClr val="accent2"/>
-              </a:effectRef>
-              <a:fontRef idx="minor">
-                <a:schemeClr val="tx1"/>
-              </a:fontRef>
-            </p:style>
-          </p:cxnSp>
-          <p:cxnSp>
-            <p:nvCxnSpPr>
-              <p:cNvPr id="65" name="直線矢印コネクタ 64"/>
-              <p:cNvCxnSpPr>
-                <a:stCxn id="38" idx="2"/>
-              </p:cNvCxnSpPr>
-              <p:nvPr/>
-            </p:nvCxnSpPr>
-            <p:spPr>
-              <a:xfrm flipH="1">
-                <a:off x="7672419" y="3723070"/>
-                <a:ext cx="99981" cy="693757"/>
-              </a:xfrm>
-              <a:prstGeom prst="straightConnector1">
-                <a:avLst/>
-              </a:prstGeom>
-              <a:ln>
-                <a:tailEnd type="triangle"/>
-              </a:ln>
-            </p:spPr>
-            <p:style>
-              <a:lnRef idx="1">
-                <a:schemeClr val="accent2"/>
-              </a:lnRef>
-              <a:fillRef idx="0">
-                <a:schemeClr val="accent2"/>
-              </a:fillRef>
-              <a:effectRef idx="0">
-                <a:schemeClr val="accent2"/>
-              </a:effectRef>
-              <a:fontRef idx="minor">
-                <a:schemeClr val="tx1"/>
-              </a:fontRef>
-            </p:style>
-          </p:cxnSp>
-          <p:sp>
-            <p:nvSpPr>
-              <p:cNvPr id="71" name="テキスト ボックス 70"/>
-              <p:cNvSpPr txBox="1"/>
-              <p:nvPr/>
-            </p:nvSpPr>
-            <p:spPr>
-              <a:xfrm>
-                <a:off x="3218352" y="3917430"/>
-                <a:ext cx="2413098" cy="923330"/>
-              </a:xfrm>
-              <a:prstGeom prst="rect">
-                <a:avLst/>
-              </a:prstGeom>
-              <a:noFill/>
-            </p:spPr>
-            <p:txBody>
-              <a:bodyPr wrap="square" rtlCol="0">
-                <a:spAutoFit/>
-              </a:bodyPr>
-              <a:lstStyle/>
-              <a:p>
-                <a:r>
-                  <a:rPr kumimoji="1" lang="ja-JP" altLang="en-US" dirty="0" smtClean="0"/>
-                  <a:t>３．動画と楽曲を複数のサーバーでマッチング処理</a:t>
-                </a:r>
-                <a:endParaRPr kumimoji="1" lang="ja-JP" altLang="en-US" dirty="0"/>
-              </a:p>
-            </p:txBody>
-          </p:sp>
-        </p:grpSp>
-      </p:grpSp>
-      <p:sp>
-        <p:nvSpPr>
-          <p:cNvPr id="2" name="テキスト ボックス 1"/>
-          <p:cNvSpPr txBox="1"/>
-          <p:nvPr/>
-        </p:nvSpPr>
-        <p:spPr>
-          <a:xfrm>
-            <a:off x="370201" y="182126"/>
-            <a:ext cx="2615979" cy="584775"/>
-          </a:xfrm>
-          <a:prstGeom prst="rect">
-            <a:avLst/>
-          </a:prstGeom>
-          <a:noFill/>
-        </p:spPr>
-        <p:txBody>
-          <a:bodyPr wrap="square" rtlCol="0">
-            <a:spAutoFit/>
-          </a:bodyPr>
-          <a:lstStyle/>
-          <a:p>
-            <a:r>
-              <a:rPr kumimoji="1" lang="ja-JP" altLang="en-US" sz="3200" dirty="0" smtClean="0"/>
-              <a:t>提案システム</a:t>
-            </a:r>
-            <a:endParaRPr kumimoji="1" lang="ja-JP" altLang="en-US" sz="3200" dirty="0"/>
-          </a:p>
-        </p:txBody>
-      </p:sp>
     </p:spTree>
     <p:extLst>
       <p:ext uri="{BB962C8B-B14F-4D97-AF65-F5344CB8AC3E}">
-        <p14:creationId xmlns:p14="http://schemas.microsoft.com/office/powerpoint/2010/main" val="2414674720"/>
+        <p14:creationId xmlns:p14="http://schemas.microsoft.com/office/powerpoint/2010/main" val="1631647955"/>
       </p:ext>
     </p:extLst>
   </p:cSld>
   <p:clrMapOvr>
     <a:masterClrMapping/>
   </p:clrMapOvr>
-  <p:timing>
-    <p:tnLst>
-      <p:par>
-        <p:cTn id="1" dur="indefinite" restart="never" nodeType="tmRoot"/>
-      </p:par>
-    </p:tnLst>
-  </p:timing>
 </p:sld>
 </file>
 
@@ -12984,132 +11553,6 @@
       </p:grpSpPr>
       <p:sp>
         <p:nvSpPr>
-          <p:cNvPr id="2" name="タイトル 1"/>
-          <p:cNvSpPr>
-            <a:spLocks noGrp="1"/>
-          </p:cNvSpPr>
-          <p:nvPr>
-            <p:ph type="title"/>
-          </p:nvPr>
-        </p:nvSpPr>
-        <p:spPr/>
-        <p:txBody>
-          <a:bodyPr/>
-          <a:lstStyle/>
-          <a:p>
-            <a:r>
-              <a:rPr lang="ja-JP" altLang="en-US" dirty="0" smtClean="0"/>
-              <a:t>提案システム</a:t>
-            </a:r>
-            <a:endParaRPr kumimoji="1" lang="ja-JP" altLang="en-US" dirty="0"/>
-          </a:p>
-        </p:txBody>
-      </p:sp>
-      <p:sp>
-        <p:nvSpPr>
-          <p:cNvPr id="3" name="コンテンツ プレースホルダー 2"/>
-          <p:cNvSpPr>
-            <a:spLocks noGrp="1"/>
-          </p:cNvSpPr>
-          <p:nvPr>
-            <p:ph idx="1"/>
-          </p:nvPr>
-        </p:nvSpPr>
-        <p:spPr/>
-        <p:txBody>
-          <a:bodyPr/>
-          <a:lstStyle/>
-          <a:p>
-            <a:pPr marL="514350" indent="-514350">
-              <a:buFont typeface="+mj-lt"/>
-              <a:buAutoNum type="arabicPeriod"/>
-            </a:pPr>
-            <a:r>
-              <a:rPr kumimoji="1" lang="ja-JP" altLang="en-US" dirty="0" smtClean="0"/>
-              <a:t>ユーザからアップロードされた楽曲を</a:t>
-            </a:r>
-            <a:r>
-              <a:rPr lang="en-US" altLang="ja-JP" dirty="0"/>
-              <a:t>CNN(Convolutional Neural </a:t>
-            </a:r>
-            <a:r>
-              <a:rPr lang="en-US" altLang="ja-JP" dirty="0" smtClean="0"/>
-              <a:t>Network)</a:t>
-            </a:r>
-            <a:r>
-              <a:rPr lang="ja-JP" altLang="en-US" dirty="0" smtClean="0"/>
-              <a:t>を利用し，</a:t>
-            </a:r>
-            <a:r>
-              <a:rPr lang="en-US" altLang="ja-JP" dirty="0"/>
-              <a:t/>
-            </a:r>
-            <a:br>
-              <a:rPr lang="en-US" altLang="ja-JP" dirty="0"/>
-            </a:br>
-            <a:r>
-              <a:rPr lang="ja-JP" altLang="en-US" dirty="0" smtClean="0"/>
-              <a:t>複数のサーバーで楽曲をジャンル推定</a:t>
-            </a:r>
-            <a:endParaRPr lang="en-US" altLang="ja-JP" dirty="0" smtClean="0"/>
-          </a:p>
-          <a:p>
-            <a:pPr marL="514350" indent="-514350">
-              <a:buFont typeface="+mj-lt"/>
-              <a:buAutoNum type="arabicPeriod"/>
-            </a:pPr>
-            <a:endParaRPr lang="en-US" altLang="ja-JP" dirty="0" smtClean="0"/>
-          </a:p>
-          <a:p>
-            <a:pPr marL="514350" indent="-514350">
-              <a:buFont typeface="+mj-lt"/>
-              <a:buAutoNum type="arabicPeriod"/>
-            </a:pPr>
-            <a:r>
-              <a:rPr lang="ja-JP" altLang="en-US" dirty="0" smtClean="0"/>
-              <a:t>ジャンル推定した楽曲を楽曲データベースに</a:t>
-            </a:r>
-            <a:r>
-              <a:rPr lang="en-US" altLang="ja-JP" dirty="0" smtClean="0"/>
-              <a:t/>
-            </a:r>
-            <a:br>
-              <a:rPr lang="en-US" altLang="ja-JP" dirty="0" smtClean="0"/>
-            </a:br>
-            <a:r>
-              <a:rPr lang="ja-JP" altLang="en-US" dirty="0" smtClean="0"/>
-              <a:t>保存</a:t>
-            </a:r>
-            <a:endParaRPr lang="en-US" altLang="ja-JP" dirty="0" smtClean="0"/>
-          </a:p>
-          <a:p>
-            <a:pPr marL="514350" indent="-514350">
-              <a:buFont typeface="+mj-lt"/>
-              <a:buAutoNum type="arabicPeriod"/>
-            </a:pPr>
-            <a:endParaRPr lang="en-US" altLang="ja-JP" dirty="0" smtClean="0"/>
-          </a:p>
-          <a:p>
-            <a:pPr marL="514350" indent="-514350">
-              <a:buFont typeface="+mj-lt"/>
-              <a:buAutoNum type="arabicPeriod"/>
-            </a:pPr>
-            <a:r>
-              <a:rPr lang="ja-JP" altLang="en-US" dirty="0" smtClean="0"/>
-              <a:t>動画と楽曲を複数のサーバーでマッチング処理</a:t>
-            </a:r>
-            <a:endParaRPr lang="en-US" altLang="ja-JP" dirty="0" smtClean="0"/>
-          </a:p>
-          <a:p>
-            <a:pPr marL="0" indent="0">
-              <a:buNone/>
-            </a:pPr>
-            <a:endParaRPr lang="en-US" altLang="ja-JP" dirty="0" smtClean="0"/>
-          </a:p>
-        </p:txBody>
-      </p:sp>
-      <p:sp>
-        <p:nvSpPr>
           <p:cNvPr id="4" name="スライド番号プレースホルダー 3"/>
           <p:cNvSpPr>
             <a:spLocks noGrp="1"/>
@@ -13132,16 +11575,674 @@
           </a:p>
         </p:txBody>
       </p:sp>
+      <p:sp>
+        <p:nvSpPr>
+          <p:cNvPr id="2" name="テキスト ボックス 1"/>
+          <p:cNvSpPr txBox="1"/>
+          <p:nvPr/>
+        </p:nvSpPr>
+        <p:spPr>
+          <a:xfrm>
+            <a:off x="282736" y="535849"/>
+            <a:ext cx="7183538" cy="584775"/>
+          </a:xfrm>
+          <a:prstGeom prst="rect">
+            <a:avLst/>
+          </a:prstGeom>
+          <a:noFill/>
+        </p:spPr>
+        <p:txBody>
+          <a:bodyPr wrap="square" rtlCol="0">
+            <a:spAutoFit/>
+          </a:bodyPr>
+          <a:lstStyle/>
+          <a:p>
+            <a:r>
+              <a:rPr kumimoji="1" lang="ja-JP" altLang="en-US" sz="3200" dirty="0" smtClean="0"/>
+              <a:t>提案システム</a:t>
+            </a:r>
+            <a:endParaRPr kumimoji="1" lang="ja-JP" altLang="en-US" sz="3200" dirty="0"/>
+          </a:p>
+        </p:txBody>
+      </p:sp>
+      <p:grpSp>
+        <p:nvGrpSpPr>
+          <p:cNvPr id="41" name="グループ化 40"/>
+          <p:cNvGrpSpPr/>
+          <p:nvPr/>
+        </p:nvGrpSpPr>
+        <p:grpSpPr>
+          <a:xfrm>
+            <a:off x="175365" y="2361287"/>
+            <a:ext cx="8614520" cy="2690071"/>
+            <a:chOff x="175365" y="1494595"/>
+            <a:chExt cx="8614520" cy="2690071"/>
+          </a:xfrm>
+        </p:grpSpPr>
+        <p:grpSp>
+          <p:nvGrpSpPr>
+            <p:cNvPr id="43" name="グループ化 42"/>
+            <p:cNvGrpSpPr/>
+            <p:nvPr/>
+          </p:nvGrpSpPr>
+          <p:grpSpPr>
+            <a:xfrm>
+              <a:off x="175365" y="1923200"/>
+              <a:ext cx="1811795" cy="1940386"/>
+              <a:chOff x="-7018" y="1365954"/>
+              <a:chExt cx="1243054" cy="1744335"/>
+            </a:xfrm>
+          </p:grpSpPr>
+          <p:pic>
+            <p:nvPicPr>
+              <p:cNvPr id="67" name="図 66"/>
+              <p:cNvPicPr>
+                <a:picLocks noChangeAspect="1"/>
+              </p:cNvPicPr>
+              <p:nvPr/>
+            </p:nvPicPr>
+            <p:blipFill rotWithShape="1">
+              <a:blip r:embed="rId2">
+                <a:extLst>
+                  <a:ext uri="{28A0092B-C50C-407E-A947-70E740481C1C}">
+                    <a14:useLocalDpi xmlns:a14="http://schemas.microsoft.com/office/drawing/2010/main" val="0"/>
+                  </a:ext>
+                </a:extLst>
+              </a:blip>
+              <a:srcRect l="38483" t="32680" r="38103" b="35667"/>
+              <a:stretch/>
+            </p:blipFill>
+            <p:spPr>
+              <a:xfrm>
+                <a:off x="446207" y="1365954"/>
+                <a:ext cx="365760" cy="421419"/>
+              </a:xfrm>
+              <a:prstGeom prst="rect">
+                <a:avLst/>
+              </a:prstGeom>
+            </p:spPr>
+          </p:pic>
+          <p:pic>
+            <p:nvPicPr>
+              <p:cNvPr id="68" name="図 67"/>
+              <p:cNvPicPr>
+                <a:picLocks noChangeAspect="1"/>
+              </p:cNvPicPr>
+              <p:nvPr/>
+            </p:nvPicPr>
+            <p:blipFill rotWithShape="1">
+              <a:blip r:embed="rId2">
+                <a:extLst>
+                  <a:ext uri="{28A0092B-C50C-407E-A947-70E740481C1C}">
+                    <a14:useLocalDpi xmlns:a14="http://schemas.microsoft.com/office/drawing/2010/main" val="0"/>
+                  </a:ext>
+                </a:extLst>
+              </a:blip>
+              <a:srcRect l="38483" t="32680" r="38103" b="35667"/>
+              <a:stretch/>
+            </p:blipFill>
+            <p:spPr>
+              <a:xfrm>
+                <a:off x="684746" y="1861096"/>
+                <a:ext cx="365760" cy="421419"/>
+              </a:xfrm>
+              <a:prstGeom prst="rect">
+                <a:avLst/>
+              </a:prstGeom>
+            </p:spPr>
+          </p:pic>
+          <p:pic>
+            <p:nvPicPr>
+              <p:cNvPr id="69" name="図 68"/>
+              <p:cNvPicPr>
+                <a:picLocks noChangeAspect="1"/>
+              </p:cNvPicPr>
+              <p:nvPr/>
+            </p:nvPicPr>
+            <p:blipFill rotWithShape="1">
+              <a:blip r:embed="rId2">
+                <a:extLst>
+                  <a:ext uri="{28A0092B-C50C-407E-A947-70E740481C1C}">
+                    <a14:useLocalDpi xmlns:a14="http://schemas.microsoft.com/office/drawing/2010/main" val="0"/>
+                  </a:ext>
+                </a:extLst>
+              </a:blip>
+              <a:srcRect l="38483" t="32680" r="38103" b="35667"/>
+              <a:stretch/>
+            </p:blipFill>
+            <p:spPr>
+              <a:xfrm>
+                <a:off x="159493" y="1861095"/>
+                <a:ext cx="365760" cy="421419"/>
+              </a:xfrm>
+              <a:prstGeom prst="rect">
+                <a:avLst/>
+              </a:prstGeom>
+            </p:spPr>
+          </p:pic>
+          <p:sp>
+            <p:nvSpPr>
+              <p:cNvPr id="70" name="テキスト ボックス 69"/>
+              <p:cNvSpPr txBox="1"/>
+              <p:nvPr/>
+            </p:nvSpPr>
+            <p:spPr>
+              <a:xfrm>
+                <a:off x="-7018" y="2525514"/>
+                <a:ext cx="1243054" cy="584775"/>
+              </a:xfrm>
+              <a:prstGeom prst="rect">
+                <a:avLst/>
+              </a:prstGeom>
+              <a:noFill/>
+            </p:spPr>
+            <p:txBody>
+              <a:bodyPr wrap="square" rtlCol="0">
+                <a:spAutoFit/>
+              </a:bodyPr>
+              <a:lstStyle/>
+              <a:p>
+                <a:pPr algn="ctr"/>
+                <a:r>
+                  <a:rPr lang="ja-JP" altLang="en-US" sz="1600" dirty="0"/>
+                  <a:t>楽曲</a:t>
+                </a:r>
+                <a:r>
+                  <a:rPr lang="ja-JP" altLang="en-US" sz="1600" dirty="0" smtClean="0"/>
+                  <a:t>投稿型</a:t>
+                </a:r>
+                <a:r>
+                  <a:rPr lang="en-US" altLang="ja-JP" sz="1600" dirty="0" smtClean="0"/>
+                  <a:t>SNS</a:t>
+                </a:r>
+                <a:endParaRPr kumimoji="1" lang="ja-JP" altLang="en-US" sz="1600" dirty="0"/>
+              </a:p>
+            </p:txBody>
+          </p:sp>
+        </p:grpSp>
+        <p:pic>
+          <p:nvPicPr>
+            <p:cNvPr id="46" name="図 45"/>
+            <p:cNvPicPr>
+              <a:picLocks noChangeAspect="1"/>
+            </p:cNvPicPr>
+            <p:nvPr/>
+          </p:nvPicPr>
+          <p:blipFill>
+            <a:blip r:embed="rId3" cstate="print">
+              <a:extLst>
+                <a:ext uri="{28A0092B-C50C-407E-A947-70E740481C1C}">
+                  <a14:useLocalDpi xmlns:a14="http://schemas.microsoft.com/office/drawing/2010/main" val="0"/>
+                </a:ext>
+              </a:extLst>
+            </a:blip>
+            <a:stretch>
+              <a:fillRect/>
+            </a:stretch>
+          </p:blipFill>
+          <p:spPr>
+            <a:xfrm>
+              <a:off x="3431960" y="1494595"/>
+              <a:ext cx="623105" cy="475555"/>
+            </a:xfrm>
+            <a:prstGeom prst="rect">
+              <a:avLst/>
+            </a:prstGeom>
+          </p:spPr>
+        </p:pic>
+        <p:pic>
+          <p:nvPicPr>
+            <p:cNvPr id="47" name="図 46"/>
+            <p:cNvPicPr>
+              <a:picLocks noChangeAspect="1"/>
+            </p:cNvPicPr>
+            <p:nvPr/>
+          </p:nvPicPr>
+          <p:blipFill>
+            <a:blip r:embed="rId3" cstate="print">
+              <a:extLst>
+                <a:ext uri="{28A0092B-C50C-407E-A947-70E740481C1C}">
+                  <a14:useLocalDpi xmlns:a14="http://schemas.microsoft.com/office/drawing/2010/main" val="0"/>
+                </a:ext>
+              </a:extLst>
+            </a:blip>
+            <a:stretch>
+              <a:fillRect/>
+            </a:stretch>
+          </p:blipFill>
+          <p:spPr>
+            <a:xfrm>
+              <a:off x="3431960" y="2218685"/>
+              <a:ext cx="623105" cy="475555"/>
+            </a:xfrm>
+            <a:prstGeom prst="rect">
+              <a:avLst/>
+            </a:prstGeom>
+          </p:spPr>
+        </p:pic>
+        <p:pic>
+          <p:nvPicPr>
+            <p:cNvPr id="48" name="図 47"/>
+            <p:cNvPicPr>
+              <a:picLocks noChangeAspect="1"/>
+            </p:cNvPicPr>
+            <p:nvPr/>
+          </p:nvPicPr>
+          <p:blipFill>
+            <a:blip r:embed="rId3" cstate="print">
+              <a:extLst>
+                <a:ext uri="{28A0092B-C50C-407E-A947-70E740481C1C}">
+                  <a14:useLocalDpi xmlns:a14="http://schemas.microsoft.com/office/drawing/2010/main" val="0"/>
+                </a:ext>
+              </a:extLst>
+            </a:blip>
+            <a:stretch>
+              <a:fillRect/>
+            </a:stretch>
+          </p:blipFill>
+          <p:spPr>
+            <a:xfrm>
+              <a:off x="3431960" y="2942775"/>
+              <a:ext cx="623105" cy="475555"/>
+            </a:xfrm>
+            <a:prstGeom prst="rect">
+              <a:avLst/>
+            </a:prstGeom>
+          </p:spPr>
+        </p:pic>
+        <p:cxnSp>
+          <p:nvCxnSpPr>
+            <p:cNvPr id="49" name="直線矢印コネクタ 48"/>
+            <p:cNvCxnSpPr>
+              <a:endCxn id="46" idx="1"/>
+            </p:cNvCxnSpPr>
+            <p:nvPr/>
+          </p:nvCxnSpPr>
+          <p:spPr>
+            <a:xfrm flipV="1">
+              <a:off x="1831276" y="1732372"/>
+              <a:ext cx="1600685" cy="659611"/>
+            </a:xfrm>
+            <a:prstGeom prst="straightConnector1">
+              <a:avLst/>
+            </a:prstGeom>
+            <a:ln>
+              <a:tailEnd type="triangle"/>
+            </a:ln>
+          </p:spPr>
+          <p:style>
+            <a:lnRef idx="1">
+              <a:schemeClr val="dk1"/>
+            </a:lnRef>
+            <a:fillRef idx="0">
+              <a:schemeClr val="dk1"/>
+            </a:fillRef>
+            <a:effectRef idx="0">
+              <a:schemeClr val="dk1"/>
+            </a:effectRef>
+            <a:fontRef idx="minor">
+              <a:schemeClr val="tx1"/>
+            </a:fontRef>
+          </p:style>
+        </p:cxnSp>
+        <p:cxnSp>
+          <p:nvCxnSpPr>
+            <p:cNvPr id="51" name="直線矢印コネクタ 50"/>
+            <p:cNvCxnSpPr>
+              <a:endCxn id="47" idx="1"/>
+            </p:cNvCxnSpPr>
+            <p:nvPr/>
+          </p:nvCxnSpPr>
+          <p:spPr>
+            <a:xfrm flipV="1">
+              <a:off x="1987160" y="2456462"/>
+              <a:ext cx="1444800" cy="7264"/>
+            </a:xfrm>
+            <a:prstGeom prst="straightConnector1">
+              <a:avLst/>
+            </a:prstGeom>
+            <a:ln>
+              <a:tailEnd type="triangle"/>
+            </a:ln>
+          </p:spPr>
+          <p:style>
+            <a:lnRef idx="1">
+              <a:schemeClr val="dk1"/>
+            </a:lnRef>
+            <a:fillRef idx="0">
+              <a:schemeClr val="dk1"/>
+            </a:fillRef>
+            <a:effectRef idx="0">
+              <a:schemeClr val="dk1"/>
+            </a:effectRef>
+            <a:fontRef idx="minor">
+              <a:schemeClr val="tx1"/>
+            </a:fontRef>
+          </p:style>
+        </p:cxnSp>
+        <p:cxnSp>
+          <p:nvCxnSpPr>
+            <p:cNvPr id="52" name="直線矢印コネクタ 51"/>
+            <p:cNvCxnSpPr>
+              <a:endCxn id="48" idx="1"/>
+            </p:cNvCxnSpPr>
+            <p:nvPr/>
+          </p:nvCxnSpPr>
+          <p:spPr>
+            <a:xfrm>
+              <a:off x="1885073" y="2624244"/>
+              <a:ext cx="1546887" cy="556308"/>
+            </a:xfrm>
+            <a:prstGeom prst="straightConnector1">
+              <a:avLst/>
+            </a:prstGeom>
+            <a:ln>
+              <a:tailEnd type="triangle"/>
+            </a:ln>
+          </p:spPr>
+          <p:style>
+            <a:lnRef idx="1">
+              <a:schemeClr val="dk1"/>
+            </a:lnRef>
+            <a:fillRef idx="0">
+              <a:schemeClr val="dk1"/>
+            </a:fillRef>
+            <a:effectRef idx="0">
+              <a:schemeClr val="dk1"/>
+            </a:effectRef>
+            <a:fontRef idx="minor">
+              <a:schemeClr val="tx1"/>
+            </a:fontRef>
+          </p:style>
+        </p:cxnSp>
+        <p:sp>
+          <p:nvSpPr>
+            <p:cNvPr id="55" name="テキスト ボックス 54"/>
+            <p:cNvSpPr txBox="1"/>
+            <p:nvPr/>
+          </p:nvSpPr>
+          <p:spPr>
+            <a:xfrm>
+              <a:off x="2341974" y="3538335"/>
+              <a:ext cx="3191316" cy="646331"/>
+            </a:xfrm>
+            <a:prstGeom prst="rect">
+              <a:avLst/>
+            </a:prstGeom>
+            <a:noFill/>
+          </p:spPr>
+          <p:txBody>
+            <a:bodyPr wrap="square" rtlCol="0">
+              <a:spAutoFit/>
+            </a:bodyPr>
+            <a:lstStyle/>
+            <a:p>
+              <a:r>
+                <a:rPr kumimoji="1" lang="ja-JP" altLang="en-US" dirty="0" smtClean="0"/>
+                <a:t>複数のサーバーで</a:t>
+              </a:r>
+              <a:r>
+                <a:rPr lang="ja-JP" altLang="en-US" dirty="0"/>
+                <a:t>機械</a:t>
+              </a:r>
+              <a:r>
+                <a:rPr lang="ja-JP" altLang="en-US" dirty="0" smtClean="0"/>
+                <a:t>学習</a:t>
+              </a:r>
+              <a:endParaRPr lang="en-US" altLang="ja-JP" smtClean="0"/>
+            </a:p>
+            <a:p>
+              <a:r>
+                <a:rPr kumimoji="1" lang="ja-JP" altLang="en-US" smtClean="0"/>
+                <a:t>を</a:t>
+              </a:r>
+              <a:r>
+                <a:rPr kumimoji="1" lang="ja-JP" altLang="en-US" dirty="0" smtClean="0"/>
+                <a:t>利用し楽曲をジャンル分け</a:t>
+              </a:r>
+              <a:endParaRPr kumimoji="1" lang="ja-JP" altLang="en-US" dirty="0"/>
+            </a:p>
+          </p:txBody>
+        </p:sp>
+        <p:cxnSp>
+          <p:nvCxnSpPr>
+            <p:cNvPr id="56" name="直線矢印コネクタ 55"/>
+            <p:cNvCxnSpPr/>
+            <p:nvPr/>
+          </p:nvCxnSpPr>
+          <p:spPr>
+            <a:xfrm flipV="1">
+              <a:off x="4095270" y="2608680"/>
+              <a:ext cx="2684641" cy="603898"/>
+            </a:xfrm>
+            <a:prstGeom prst="straightConnector1">
+              <a:avLst/>
+            </a:prstGeom>
+            <a:ln>
+              <a:tailEnd type="triangle"/>
+            </a:ln>
+          </p:spPr>
+          <p:style>
+            <a:lnRef idx="1">
+              <a:schemeClr val="dk1"/>
+            </a:lnRef>
+            <a:fillRef idx="0">
+              <a:schemeClr val="dk1"/>
+            </a:fillRef>
+            <a:effectRef idx="0">
+              <a:schemeClr val="dk1"/>
+            </a:effectRef>
+            <a:fontRef idx="minor">
+              <a:schemeClr val="tx1"/>
+            </a:fontRef>
+          </p:style>
+        </p:cxnSp>
+        <p:cxnSp>
+          <p:nvCxnSpPr>
+            <p:cNvPr id="57" name="直線矢印コネクタ 56"/>
+            <p:cNvCxnSpPr/>
+            <p:nvPr/>
+          </p:nvCxnSpPr>
+          <p:spPr>
+            <a:xfrm flipV="1">
+              <a:off x="4136190" y="2372709"/>
+              <a:ext cx="2724845" cy="91017"/>
+            </a:xfrm>
+            <a:prstGeom prst="straightConnector1">
+              <a:avLst/>
+            </a:prstGeom>
+            <a:ln>
+              <a:tailEnd type="triangle"/>
+            </a:ln>
+          </p:spPr>
+          <p:style>
+            <a:lnRef idx="1">
+              <a:schemeClr val="dk1"/>
+            </a:lnRef>
+            <a:fillRef idx="0">
+              <a:schemeClr val="dk1"/>
+            </a:fillRef>
+            <a:effectRef idx="0">
+              <a:schemeClr val="dk1"/>
+            </a:effectRef>
+            <a:fontRef idx="minor">
+              <a:schemeClr val="tx1"/>
+            </a:fontRef>
+          </p:style>
+        </p:cxnSp>
+        <p:cxnSp>
+          <p:nvCxnSpPr>
+            <p:cNvPr id="58" name="直線矢印コネクタ 57"/>
+            <p:cNvCxnSpPr/>
+            <p:nvPr/>
+          </p:nvCxnSpPr>
+          <p:spPr>
+            <a:xfrm>
+              <a:off x="4093228" y="1734938"/>
+              <a:ext cx="2767808" cy="492818"/>
+            </a:xfrm>
+            <a:prstGeom prst="straightConnector1">
+              <a:avLst/>
+            </a:prstGeom>
+            <a:ln>
+              <a:tailEnd type="triangle"/>
+            </a:ln>
+          </p:spPr>
+          <p:style>
+            <a:lnRef idx="1">
+              <a:schemeClr val="dk1"/>
+            </a:lnRef>
+            <a:fillRef idx="0">
+              <a:schemeClr val="dk1"/>
+            </a:fillRef>
+            <a:effectRef idx="0">
+              <a:schemeClr val="dk1"/>
+            </a:effectRef>
+            <a:fontRef idx="minor">
+              <a:schemeClr val="tx1"/>
+            </a:fontRef>
+          </p:style>
+        </p:cxnSp>
+        <p:pic>
+          <p:nvPicPr>
+            <p:cNvPr id="60" name="図 59"/>
+            <p:cNvPicPr>
+              <a:picLocks noChangeAspect="1"/>
+            </p:cNvPicPr>
+            <p:nvPr/>
+          </p:nvPicPr>
+          <p:blipFill rotWithShape="1">
+            <a:blip r:embed="rId2">
+              <a:extLst>
+                <a:ext uri="{28A0092B-C50C-407E-A947-70E740481C1C}">
+                  <a14:useLocalDpi xmlns:a14="http://schemas.microsoft.com/office/drawing/2010/main" val="0"/>
+                </a:ext>
+              </a:extLst>
+            </a:blip>
+            <a:srcRect l="38483" t="32680" r="38103" b="35667"/>
+            <a:stretch/>
+          </p:blipFill>
+          <p:spPr>
+            <a:xfrm>
+              <a:off x="7638681" y="1597949"/>
+              <a:ext cx="533108" cy="468784"/>
+            </a:xfrm>
+            <a:prstGeom prst="rect">
+              <a:avLst/>
+            </a:prstGeom>
+          </p:spPr>
+        </p:pic>
+        <p:pic>
+          <p:nvPicPr>
+            <p:cNvPr id="63" name="図 62"/>
+            <p:cNvPicPr>
+              <a:picLocks noChangeAspect="1"/>
+            </p:cNvPicPr>
+            <p:nvPr/>
+          </p:nvPicPr>
+          <p:blipFill rotWithShape="1">
+            <a:blip r:embed="rId2">
+              <a:extLst>
+                <a:ext uri="{28A0092B-C50C-407E-A947-70E740481C1C}">
+                  <a14:useLocalDpi xmlns:a14="http://schemas.microsoft.com/office/drawing/2010/main" val="0"/>
+                </a:ext>
+              </a:extLst>
+            </a:blip>
+            <a:srcRect l="38483" t="32680" r="38103" b="35667"/>
+            <a:stretch/>
+          </p:blipFill>
+          <p:spPr>
+            <a:xfrm>
+              <a:off x="7986360" y="2148741"/>
+              <a:ext cx="533108" cy="468784"/>
+            </a:xfrm>
+            <a:prstGeom prst="rect">
+              <a:avLst/>
+            </a:prstGeom>
+          </p:spPr>
+        </p:pic>
+        <p:pic>
+          <p:nvPicPr>
+            <p:cNvPr id="64" name="図 63"/>
+            <p:cNvPicPr>
+              <a:picLocks noChangeAspect="1"/>
+            </p:cNvPicPr>
+            <p:nvPr/>
+          </p:nvPicPr>
+          <p:blipFill rotWithShape="1">
+            <a:blip r:embed="rId2">
+              <a:extLst>
+                <a:ext uri="{28A0092B-C50C-407E-A947-70E740481C1C}">
+                  <a14:useLocalDpi xmlns:a14="http://schemas.microsoft.com/office/drawing/2010/main" val="0"/>
+                </a:ext>
+              </a:extLst>
+            </a:blip>
+            <a:srcRect l="38483" t="32680" r="38103" b="35667"/>
+            <a:stretch/>
+          </p:blipFill>
+          <p:spPr>
+            <a:xfrm>
+              <a:off x="7220786" y="2148740"/>
+              <a:ext cx="533108" cy="468784"/>
+            </a:xfrm>
+            <a:prstGeom prst="rect">
+              <a:avLst/>
+            </a:prstGeom>
+          </p:spPr>
+        </p:pic>
+        <p:sp>
+          <p:nvSpPr>
+            <p:cNvPr id="66" name="テキスト ボックス 65"/>
+            <p:cNvSpPr txBox="1"/>
+            <p:nvPr/>
+          </p:nvSpPr>
+          <p:spPr>
+            <a:xfrm>
+              <a:off x="6978090" y="2887835"/>
+              <a:ext cx="1811795" cy="830997"/>
+            </a:xfrm>
+            <a:prstGeom prst="rect">
+              <a:avLst/>
+            </a:prstGeom>
+            <a:noFill/>
+          </p:spPr>
+          <p:txBody>
+            <a:bodyPr wrap="square" rtlCol="0">
+              <a:spAutoFit/>
+            </a:bodyPr>
+            <a:lstStyle/>
+            <a:p>
+              <a:pPr algn="ctr"/>
+              <a:r>
+                <a:rPr lang="ja-JP" altLang="en-US" sz="1600" dirty="0"/>
+                <a:t>ユーザ</a:t>
+              </a:r>
+              <a:r>
+                <a:rPr lang="ja-JP" altLang="en-US" sz="1600" dirty="0" smtClean="0"/>
+                <a:t>にジャンル分類精度と推定ジャンルを提示．</a:t>
+              </a:r>
+              <a:endParaRPr kumimoji="1" lang="ja-JP" altLang="en-US" sz="1600" dirty="0"/>
+            </a:p>
+          </p:txBody>
+        </p:sp>
+      </p:grpSp>
     </p:spTree>
     <p:extLst>
       <p:ext uri="{BB962C8B-B14F-4D97-AF65-F5344CB8AC3E}">
-        <p14:creationId xmlns:p14="http://schemas.microsoft.com/office/powerpoint/2010/main" val="1631647955"/>
+        <p14:creationId xmlns:p14="http://schemas.microsoft.com/office/powerpoint/2010/main" val="2414674720"/>
       </p:ext>
     </p:extLst>
   </p:cSld>
   <p:clrMapOvr>
     <a:masterClrMapping/>
   </p:clrMapOvr>
+  <p:timing>
+    <p:tnLst>
+      <p:par>
+        <p:cTn id="1" dur="indefinite" restart="never" nodeType="tmRoot"/>
+      </p:par>
+    </p:tnLst>
+  </p:timing>
 </p:sld>
 </file>
 
@@ -13659,129 +12760,101 @@
           <a:bodyPr/>
           <a:lstStyle/>
           <a:p>
+            <a:pPr marL="0" indent="0">
+              <a:lnSpc>
+                <a:spcPct val="100000"/>
+              </a:lnSpc>
+              <a:buNone/>
+            </a:pPr>
             <a:r>
               <a:rPr lang="ja-JP" altLang="ja-JP" dirty="0"/>
-              <a:t>楽曲ジャンルのジャンル推定については，幅広い動画コンテンツに対応するために</a:t>
+              <a:t>楽曲ジャンルのジャンル推定については</a:t>
+            </a:r>
+            <a:r>
+              <a:rPr lang="ja-JP" altLang="ja-JP" dirty="0" smtClean="0"/>
+              <a:t>，</a:t>
+            </a:r>
+            <a:endParaRPr lang="en-US" altLang="ja-JP" dirty="0" smtClean="0"/>
+          </a:p>
+          <a:p>
+            <a:pPr marL="0" indent="0">
+              <a:lnSpc>
+                <a:spcPct val="100000"/>
+              </a:lnSpc>
+              <a:buNone/>
+            </a:pPr>
+            <a:r>
+              <a:rPr lang="ja-JP" altLang="ja-JP" dirty="0" smtClean="0"/>
+              <a:t>幅広い</a:t>
+            </a:r>
+            <a:r>
+              <a:rPr lang="ja-JP" altLang="ja-JP" dirty="0"/>
+              <a:t>動画コンテンツに対応するため</a:t>
+            </a:r>
+            <a:r>
+              <a:rPr lang="ja-JP" altLang="ja-JP" dirty="0" smtClean="0"/>
+              <a:t>に</a:t>
+            </a:r>
+            <a:r>
+              <a:rPr lang="en-US" altLang="ja-JP" dirty="0" smtClean="0"/>
+              <a:t>10</a:t>
+            </a:r>
+            <a:r>
+              <a:rPr lang="ja-JP" altLang="ja-JP" dirty="0"/>
+              <a:t>ジャンルでジャンル推定を行う．</a:t>
             </a:r>
             <a:r>
               <a:rPr lang="en-US" altLang="ja-JP" dirty="0"/>
-              <a:t>Electric</a:t>
-            </a:r>
-            <a:r>
-              <a:rPr lang="ja-JP" altLang="ja-JP" dirty="0" err="1"/>
-              <a:t>，</a:t>
+              <a:t>Rock</a:t>
+            </a:r>
+            <a:r>
+              <a:rPr lang="ja-JP" altLang="ja-JP" dirty="0"/>
+              <a:t>や</a:t>
+            </a:r>
+            <a:r>
+              <a:rPr lang="en-US" altLang="ja-JP" dirty="0"/>
+              <a:t>Metal</a:t>
+            </a:r>
+            <a:r>
+              <a:rPr lang="ja-JP" altLang="ja-JP" dirty="0"/>
+              <a:t>といった早めのテンポと推定できる曲と</a:t>
             </a:r>
             <a:r>
               <a:rPr lang="en-US" altLang="ja-JP" dirty="0"/>
               <a:t>Folk</a:t>
             </a:r>
             <a:r>
-              <a:rPr lang="ja-JP" altLang="ja-JP" dirty="0" err="1"/>
-              <a:t>，</a:t>
-            </a:r>
-            <a:r>
-              <a:rPr lang="en-US" altLang="ja-JP" dirty="0"/>
-              <a:t>Hip-Hop</a:t>
-            </a:r>
-            <a:r>
-              <a:rPr lang="ja-JP" altLang="ja-JP" dirty="0" err="1"/>
-              <a:t>，</a:t>
-            </a:r>
-            <a:r>
-              <a:rPr lang="en-US" altLang="ja-JP" dirty="0"/>
-              <a:t>international</a:t>
-            </a:r>
-            <a:r>
-              <a:rPr lang="ja-JP" altLang="ja-JP" dirty="0" err="1"/>
-              <a:t>，</a:t>
-            </a:r>
-            <a:r>
-              <a:rPr lang="en-US" altLang="ja-JP" dirty="0"/>
-              <a:t>Latin</a:t>
-            </a:r>
-            <a:r>
-              <a:rPr lang="ja-JP" altLang="ja-JP" dirty="0" err="1"/>
-              <a:t>，</a:t>
-            </a:r>
-            <a:r>
-              <a:rPr lang="en-US" altLang="ja-JP" dirty="0"/>
-              <a:t>Metal</a:t>
-            </a:r>
-            <a:r>
-              <a:rPr lang="ja-JP" altLang="ja-JP" dirty="0" err="1"/>
-              <a:t>，</a:t>
-            </a:r>
-            <a:r>
-              <a:rPr lang="en-US" altLang="ja-JP" dirty="0"/>
-              <a:t>Noise</a:t>
-            </a:r>
-            <a:r>
-              <a:rPr lang="ja-JP" altLang="ja-JP" dirty="0" err="1"/>
-              <a:t>，</a:t>
-            </a:r>
-            <a:r>
-              <a:rPr lang="en-US" altLang="ja-JP" dirty="0"/>
-              <a:t>Pop</a:t>
-            </a:r>
-            <a:r>
-              <a:rPr lang="ja-JP" altLang="ja-JP" dirty="0" err="1"/>
-              <a:t>，</a:t>
-            </a:r>
-            <a:r>
-              <a:rPr lang="en-US" altLang="ja-JP" dirty="0"/>
-              <a:t>Rock</a:t>
-            </a:r>
-            <a:r>
-              <a:rPr lang="ja-JP" altLang="ja-JP" dirty="0" err="1"/>
-              <a:t>，</a:t>
-            </a:r>
-            <a:r>
-              <a:rPr lang="en-US" altLang="ja-JP" dirty="0"/>
-              <a:t>Punk</a:t>
-            </a:r>
-            <a:r>
-              <a:rPr lang="ja-JP" altLang="ja-JP" dirty="0"/>
-              <a:t>以上の</a:t>
-            </a:r>
-            <a:r>
-              <a:rPr lang="en-US" altLang="ja-JP" dirty="0"/>
-              <a:t>10</a:t>
-            </a:r>
-            <a:r>
-              <a:rPr lang="ja-JP" altLang="ja-JP" dirty="0"/>
-              <a:t>ジャンルでジャンル推定を行う．</a:t>
-            </a:r>
-            <a:r>
-              <a:rPr lang="en-US" altLang="ja-JP" dirty="0"/>
-              <a:t>Rock</a:t>
-            </a:r>
-            <a:r>
               <a:rPr lang="ja-JP" altLang="ja-JP" dirty="0"/>
               <a:t>や</a:t>
             </a:r>
             <a:r>
               <a:rPr lang="en-US" altLang="ja-JP" dirty="0"/>
-              <a:t>Metal</a:t>
+              <a:t>International</a:t>
             </a:r>
             <a:r>
               <a:rPr lang="ja-JP" altLang="ja-JP" dirty="0"/>
-              <a:t>といった早めのテンポと推定できる曲と</a:t>
-            </a:r>
-            <a:r>
-              <a:rPr lang="en-US" altLang="ja-JP" dirty="0"/>
-              <a:t>Folk</a:t>
+              <a:t>といったテンポが遅いと推定できる曲でジャンル推定を行う</a:t>
+            </a:r>
+            <a:r>
+              <a:rPr lang="ja-JP" altLang="ja-JP" dirty="0" smtClean="0"/>
+              <a:t>．</a:t>
+            </a:r>
+            <a:endParaRPr lang="en-US" altLang="ja-JP" dirty="0" smtClean="0"/>
+          </a:p>
+          <a:p>
+            <a:pPr marL="0" indent="0">
+              <a:lnSpc>
+                <a:spcPct val="100000"/>
+              </a:lnSpc>
+              <a:buNone/>
+            </a:pPr>
+            <a:r>
+              <a:rPr lang="ja-JP" altLang="ja-JP" dirty="0" smtClean="0"/>
+              <a:t>また</a:t>
             </a:r>
             <a:r>
               <a:rPr lang="ja-JP" altLang="ja-JP" dirty="0"/>
-              <a:t>や</a:t>
-            </a:r>
-            <a:r>
-              <a:rPr lang="en-US" altLang="ja-JP" dirty="0"/>
-              <a:t>International</a:t>
-            </a:r>
-            <a:r>
-              <a:rPr lang="ja-JP" altLang="ja-JP" dirty="0"/>
-              <a:t>といったテンポが遅いと推定できる曲でジャンル推定を行う．またジャンル推定モデルの作成では楽曲からメル周波数ケプストラム係数</a:t>
+              <a:t>ジャンル推定モデルの作成では楽曲からメル周波数ケプストラム係数</a:t>
             </a:r>
             <a:r>
               <a:rPr lang="en-US" altLang="ja-JP" dirty="0"/>

--- a/発表用スライド/1821144_卒研発表.pptx
+++ b/発表用スライド/1821144_卒研発表.pptx
@@ -5,29 +5,28 @@
     <p:sldMasterId id="2147483660" r:id="rId1"/>
   </p:sldMasterIdLst>
   <p:notesMasterIdLst>
-    <p:notesMasterId r:id="rId22"/>
+    <p:notesMasterId r:id="rId21"/>
   </p:notesMasterIdLst>
   <p:sldIdLst>
     <p:sldId id="270" r:id="rId2"/>
     <p:sldId id="257" r:id="rId3"/>
-    <p:sldId id="261" r:id="rId4"/>
+    <p:sldId id="258" r:id="rId4"/>
     <p:sldId id="260" r:id="rId5"/>
-    <p:sldId id="258" r:id="rId6"/>
-    <p:sldId id="277" r:id="rId7"/>
-    <p:sldId id="275" r:id="rId8"/>
-    <p:sldId id="259" r:id="rId9"/>
-    <p:sldId id="284" r:id="rId10"/>
-    <p:sldId id="285" r:id="rId11"/>
-    <p:sldId id="286" r:id="rId12"/>
-    <p:sldId id="287" r:id="rId13"/>
+    <p:sldId id="261" r:id="rId6"/>
+    <p:sldId id="275" r:id="rId7"/>
+    <p:sldId id="284" r:id="rId8"/>
+    <p:sldId id="285" r:id="rId9"/>
+    <p:sldId id="286" r:id="rId10"/>
+    <p:sldId id="287" r:id="rId11"/>
+    <p:sldId id="296" r:id="rId12"/>
+    <p:sldId id="289" r:id="rId13"/>
     <p:sldId id="288" r:id="rId14"/>
-    <p:sldId id="289" r:id="rId15"/>
-    <p:sldId id="290" r:id="rId16"/>
-    <p:sldId id="291" r:id="rId17"/>
-    <p:sldId id="292" r:id="rId18"/>
-    <p:sldId id="293" r:id="rId19"/>
-    <p:sldId id="294" r:id="rId20"/>
-    <p:sldId id="295" r:id="rId21"/>
+    <p:sldId id="290" r:id="rId15"/>
+    <p:sldId id="291" r:id="rId16"/>
+    <p:sldId id="292" r:id="rId17"/>
+    <p:sldId id="293" r:id="rId18"/>
+    <p:sldId id="294" r:id="rId19"/>
+    <p:sldId id="295" r:id="rId20"/>
   </p:sldIdLst>
   <p:sldSz cx="9144000" cy="6858000" type="screen4x3"/>
   <p:notesSz cx="6858000" cy="9144000"/>
@@ -245,7 +244,7 @@
           <a:p>
             <a:fld id="{27571B5F-C8EC-4379-AD76-80FD414F3861}" type="datetimeFigureOut">
               <a:rPr kumimoji="1" lang="ja-JP" altLang="en-US" smtClean="0"/>
-              <a:t>2022/1/12</a:t>
+              <a:t>2022/1/19</a:t>
             </a:fld>
             <a:endParaRPr kumimoji="1" lang="ja-JP" altLang="en-US"/>
           </a:p>
@@ -609,7 +608,7 @@
           <a:p>
             <a:fld id="{9D828324-DCC9-430F-AD2C-1DD1805E2C40}" type="slidenum">
               <a:rPr kumimoji="1" lang="ja-JP" altLang="en-US" smtClean="0"/>
-              <a:t>8</a:t>
+              <a:t>1</a:t>
             </a:fld>
             <a:endParaRPr kumimoji="1" lang="ja-JP" altLang="en-US"/>
           </a:p>
@@ -618,7 +617,508 @@
     </p:spTree>
     <p:extLst>
       <p:ext uri="{BB962C8B-B14F-4D97-AF65-F5344CB8AC3E}">
-        <p14:creationId xmlns:p14="http://schemas.microsoft.com/office/powerpoint/2010/main" val="836512062"/>
+        <p14:creationId xmlns:p14="http://schemas.microsoft.com/office/powerpoint/2010/main" val="324642178"/>
+      </p:ext>
+    </p:extLst>
+  </p:cSld>
+  <p:clrMapOvr>
+    <a:masterClrMapping/>
+  </p:clrMapOvr>
+</p:notes>
+</file>
+
+<file path=ppt/notesSlides/notesSlide2.xml><?xml version="1.0" encoding="utf-8"?>
+<p:notes xmlns:a="http://schemas.openxmlformats.org/drawingml/2006/main" xmlns:r="http://schemas.openxmlformats.org/officeDocument/2006/relationships" xmlns:p="http://schemas.openxmlformats.org/presentationml/2006/main">
+  <p:cSld>
+    <p:spTree>
+      <p:nvGrpSpPr>
+        <p:cNvPr id="1" name=""/>
+        <p:cNvGrpSpPr/>
+        <p:nvPr/>
+      </p:nvGrpSpPr>
+      <p:grpSpPr>
+        <a:xfrm>
+          <a:off x="0" y="0"/>
+          <a:ext cx="0" cy="0"/>
+          <a:chOff x="0" y="0"/>
+          <a:chExt cx="0" cy="0"/>
+        </a:xfrm>
+      </p:grpSpPr>
+      <p:sp>
+        <p:nvSpPr>
+          <p:cNvPr id="2" name="スライド イメージ プレースホルダー 1"/>
+          <p:cNvSpPr>
+            <a:spLocks noGrp="1" noRot="1" noChangeAspect="1"/>
+          </p:cNvSpPr>
+          <p:nvPr>
+            <p:ph type="sldImg"/>
+          </p:nvPr>
+        </p:nvSpPr>
+        <p:spPr/>
+      </p:sp>
+      <p:sp>
+        <p:nvSpPr>
+          <p:cNvPr id="3" name="ノート プレースホルダー 2"/>
+          <p:cNvSpPr>
+            <a:spLocks noGrp="1"/>
+          </p:cNvSpPr>
+          <p:nvPr>
+            <p:ph type="body" idx="1"/>
+          </p:nvPr>
+        </p:nvSpPr>
+        <p:spPr/>
+        <p:txBody>
+          <a:bodyPr/>
+          <a:lstStyle/>
+          <a:p>
+            <a:pPr marL="0" marR="0" indent="0" algn="l" defTabSz="914400" rtl="0" eaLnBrk="1" fontAlgn="auto" latinLnBrk="0" hangingPunct="1">
+              <a:lnSpc>
+                <a:spcPct val="100000"/>
+              </a:lnSpc>
+              <a:spcBef>
+                <a:spcPts val="0"/>
+              </a:spcBef>
+              <a:spcAft>
+                <a:spcPts val="0"/>
+              </a:spcAft>
+              <a:buClrTx/>
+              <a:buSzTx/>
+              <a:buFontTx/>
+              <a:buNone/>
+              <a:tabLst/>
+              <a:defRPr/>
+            </a:pPr>
+            <a:r>
+              <a:rPr lang="ja-JP" altLang="en-US" smtClean="0"/>
+              <a:t>そのため誰でも音楽を</a:t>
+            </a:r>
+            <a:r>
+              <a:rPr lang="en-US" altLang="ja-JP" smtClean="0"/>
+              <a:t>SNS</a:t>
+            </a:r>
+            <a:r>
+              <a:rPr lang="ja-JP" altLang="en-US" smtClean="0"/>
+              <a:t>などに投稿できるようになっているため</a:t>
+            </a:r>
+            <a:r>
+              <a:rPr lang="en-US" altLang="ja-JP" smtClean="0"/>
+              <a:t>SNS</a:t>
+            </a:r>
+            <a:r>
+              <a:rPr lang="ja-JP" altLang="en-US" smtClean="0"/>
+              <a:t>などに投稿される楽曲が莫大な量になってきている．</a:t>
+            </a:r>
+            <a:endParaRPr lang="en-US" altLang="ja-JP" smtClean="0"/>
+          </a:p>
+          <a:p>
+            <a:endParaRPr kumimoji="1" lang="ja-JP" altLang="en-US" dirty="0"/>
+          </a:p>
+        </p:txBody>
+      </p:sp>
+      <p:sp>
+        <p:nvSpPr>
+          <p:cNvPr id="4" name="スライド番号プレースホルダー 3"/>
+          <p:cNvSpPr>
+            <a:spLocks noGrp="1"/>
+          </p:cNvSpPr>
+          <p:nvPr>
+            <p:ph type="sldNum" sz="quarter" idx="10"/>
+          </p:nvPr>
+        </p:nvSpPr>
+        <p:spPr/>
+        <p:txBody>
+          <a:bodyPr/>
+          <a:lstStyle/>
+          <a:p>
+            <a:fld id="{9D828324-DCC9-430F-AD2C-1DD1805E2C40}" type="slidenum">
+              <a:rPr kumimoji="1" lang="ja-JP" altLang="en-US" smtClean="0"/>
+              <a:t>2</a:t>
+            </a:fld>
+            <a:endParaRPr kumimoji="1" lang="ja-JP" altLang="en-US"/>
+          </a:p>
+        </p:txBody>
+      </p:sp>
+    </p:spTree>
+    <p:extLst>
+      <p:ext uri="{BB962C8B-B14F-4D97-AF65-F5344CB8AC3E}">
+        <p14:creationId xmlns:p14="http://schemas.microsoft.com/office/powerpoint/2010/main" val="1876663379"/>
+      </p:ext>
+    </p:extLst>
+  </p:cSld>
+  <p:clrMapOvr>
+    <a:masterClrMapping/>
+  </p:clrMapOvr>
+</p:notes>
+</file>
+
+<file path=ppt/notesSlides/notesSlide3.xml><?xml version="1.0" encoding="utf-8"?>
+<p:notes xmlns:a="http://schemas.openxmlformats.org/drawingml/2006/main" xmlns:r="http://schemas.openxmlformats.org/officeDocument/2006/relationships" xmlns:p="http://schemas.openxmlformats.org/presentationml/2006/main">
+  <p:cSld>
+    <p:spTree>
+      <p:nvGrpSpPr>
+        <p:cNvPr id="1" name=""/>
+        <p:cNvGrpSpPr/>
+        <p:nvPr/>
+      </p:nvGrpSpPr>
+      <p:grpSpPr>
+        <a:xfrm>
+          <a:off x="0" y="0"/>
+          <a:ext cx="0" cy="0"/>
+          <a:chOff x="0" y="0"/>
+          <a:chExt cx="0" cy="0"/>
+        </a:xfrm>
+      </p:grpSpPr>
+      <p:sp>
+        <p:nvSpPr>
+          <p:cNvPr id="2" name="スライド イメージ プレースホルダー 1"/>
+          <p:cNvSpPr>
+            <a:spLocks noGrp="1" noRot="1" noChangeAspect="1"/>
+          </p:cNvSpPr>
+          <p:nvPr>
+            <p:ph type="sldImg"/>
+          </p:nvPr>
+        </p:nvSpPr>
+        <p:spPr/>
+      </p:sp>
+      <p:sp>
+        <p:nvSpPr>
+          <p:cNvPr id="3" name="ノート プレースホルダー 2"/>
+          <p:cNvSpPr>
+            <a:spLocks noGrp="1"/>
+          </p:cNvSpPr>
+          <p:nvPr>
+            <p:ph type="body" idx="1"/>
+          </p:nvPr>
+        </p:nvSpPr>
+        <p:spPr/>
+        <p:txBody>
+          <a:bodyPr/>
+          <a:lstStyle/>
+          <a:p>
+            <a:pPr marL="514350" indent="-514350">
+              <a:buFont typeface="+mj-lt"/>
+              <a:buAutoNum type="arabicPeriod"/>
+            </a:pPr>
+            <a:r>
+              <a:rPr lang="ja-JP" altLang="en-US" dirty="0" smtClean="0"/>
+              <a:t>楽曲投稿型</a:t>
+            </a:r>
+            <a:r>
+              <a:rPr lang="en-US" altLang="ja-JP" dirty="0" smtClean="0"/>
+              <a:t>SNS</a:t>
+            </a:r>
+            <a:r>
+              <a:rPr lang="ja-JP" altLang="en-US" dirty="0" smtClean="0"/>
+              <a:t>に投稿された楽曲を保存</a:t>
+            </a:r>
+            <a:endParaRPr lang="en-US" altLang="ja-JP" dirty="0" smtClean="0"/>
+          </a:p>
+          <a:p>
+            <a:pPr marL="514350" indent="-514350">
+              <a:buFont typeface="+mj-lt"/>
+              <a:buAutoNum type="arabicPeriod"/>
+            </a:pPr>
+            <a:endParaRPr lang="en-US" altLang="ja-JP" dirty="0" smtClean="0"/>
+          </a:p>
+          <a:p>
+            <a:pPr marL="514350" indent="-514350">
+              <a:buFont typeface="+mj-lt"/>
+              <a:buAutoNum type="arabicPeriod"/>
+            </a:pPr>
+            <a:r>
+              <a:rPr lang="ja-JP" altLang="en-US" dirty="0" smtClean="0"/>
+              <a:t>楽曲から分析した周波数をスペクトログラムとして可視化</a:t>
+            </a:r>
+            <a:endParaRPr lang="en-US" altLang="ja-JP" dirty="0" smtClean="0"/>
+          </a:p>
+          <a:p>
+            <a:pPr marL="514350" indent="-514350">
+              <a:buFont typeface="+mj-lt"/>
+              <a:buAutoNum type="arabicPeriod"/>
+            </a:pPr>
+            <a:endParaRPr lang="en-US" altLang="ja-JP" dirty="0" smtClean="0"/>
+          </a:p>
+          <a:p>
+            <a:pPr marL="514350" indent="-514350">
+              <a:buFont typeface="+mj-lt"/>
+              <a:buAutoNum type="arabicPeriod"/>
+            </a:pPr>
+            <a:r>
+              <a:rPr lang="ja-JP" altLang="en-US" dirty="0" smtClean="0"/>
+              <a:t>楽曲から特徴を抽出，機械学習しジャンルを推定</a:t>
+            </a:r>
+            <a:endParaRPr lang="en-US" altLang="ja-JP" dirty="0" smtClean="0"/>
+          </a:p>
+          <a:p>
+            <a:pPr marL="514350" indent="-514350">
+              <a:buFont typeface="+mj-lt"/>
+              <a:buAutoNum type="arabicPeriod"/>
+            </a:pPr>
+            <a:endParaRPr lang="en-US" altLang="ja-JP" dirty="0" smtClean="0"/>
+          </a:p>
+          <a:p>
+            <a:pPr marL="514350" indent="-514350">
+              <a:buFont typeface="+mj-lt"/>
+              <a:buAutoNum type="arabicPeriod"/>
+            </a:pPr>
+            <a:r>
+              <a:rPr lang="ja-JP" altLang="en-US" dirty="0" smtClean="0"/>
+              <a:t>１～３を複数のサーバで実行</a:t>
+            </a:r>
+            <a:endParaRPr lang="en-US" altLang="ja-JP" dirty="0" smtClean="0"/>
+          </a:p>
+          <a:p>
+            <a:endParaRPr kumimoji="1" lang="ja-JP" altLang="en-US" dirty="0"/>
+          </a:p>
+        </p:txBody>
+      </p:sp>
+      <p:sp>
+        <p:nvSpPr>
+          <p:cNvPr id="4" name="スライド番号プレースホルダー 3"/>
+          <p:cNvSpPr>
+            <a:spLocks noGrp="1"/>
+          </p:cNvSpPr>
+          <p:nvPr>
+            <p:ph type="sldNum" sz="quarter" idx="10"/>
+          </p:nvPr>
+        </p:nvSpPr>
+        <p:spPr/>
+        <p:txBody>
+          <a:bodyPr/>
+          <a:lstStyle/>
+          <a:p>
+            <a:fld id="{9D828324-DCC9-430F-AD2C-1DD1805E2C40}" type="slidenum">
+              <a:rPr kumimoji="1" lang="ja-JP" altLang="en-US" smtClean="0"/>
+              <a:t>6</a:t>
+            </a:fld>
+            <a:endParaRPr kumimoji="1" lang="ja-JP" altLang="en-US"/>
+          </a:p>
+        </p:txBody>
+      </p:sp>
+    </p:spTree>
+    <p:extLst>
+      <p:ext uri="{BB962C8B-B14F-4D97-AF65-F5344CB8AC3E}">
+        <p14:creationId xmlns:p14="http://schemas.microsoft.com/office/powerpoint/2010/main" val="1079542753"/>
+      </p:ext>
+    </p:extLst>
+  </p:cSld>
+  <p:clrMapOvr>
+    <a:masterClrMapping/>
+  </p:clrMapOvr>
+</p:notes>
+</file>
+
+<file path=ppt/notesSlides/notesSlide4.xml><?xml version="1.0" encoding="utf-8"?>
+<p:notes xmlns:a="http://schemas.openxmlformats.org/drawingml/2006/main" xmlns:r="http://schemas.openxmlformats.org/officeDocument/2006/relationships" xmlns:p="http://schemas.openxmlformats.org/presentationml/2006/main">
+  <p:cSld>
+    <p:spTree>
+      <p:nvGrpSpPr>
+        <p:cNvPr id="1" name=""/>
+        <p:cNvGrpSpPr/>
+        <p:nvPr/>
+      </p:nvGrpSpPr>
+      <p:grpSpPr>
+        <a:xfrm>
+          <a:off x="0" y="0"/>
+          <a:ext cx="0" cy="0"/>
+          <a:chOff x="0" y="0"/>
+          <a:chExt cx="0" cy="0"/>
+        </a:xfrm>
+      </p:grpSpPr>
+      <p:sp>
+        <p:nvSpPr>
+          <p:cNvPr id="2" name="スライド イメージ プレースホルダー 1"/>
+          <p:cNvSpPr>
+            <a:spLocks noGrp="1" noRot="1" noChangeAspect="1"/>
+          </p:cNvSpPr>
+          <p:nvPr>
+            <p:ph type="sldImg"/>
+          </p:nvPr>
+        </p:nvSpPr>
+        <p:spPr/>
+      </p:sp>
+      <p:sp>
+        <p:nvSpPr>
+          <p:cNvPr id="3" name="ノート プレースホルダー 2"/>
+          <p:cNvSpPr>
+            <a:spLocks noGrp="1"/>
+          </p:cNvSpPr>
+          <p:nvPr>
+            <p:ph type="body" idx="1"/>
+          </p:nvPr>
+        </p:nvSpPr>
+        <p:spPr/>
+        <p:txBody>
+          <a:bodyPr/>
+          <a:lstStyle/>
+          <a:p>
+            <a:pPr marL="0" marR="0" indent="0" algn="l" defTabSz="914400" rtl="0" eaLnBrk="1" fontAlgn="auto" latinLnBrk="0" hangingPunct="1">
+              <a:lnSpc>
+                <a:spcPct val="100000"/>
+              </a:lnSpc>
+              <a:spcBef>
+                <a:spcPts val="0"/>
+              </a:spcBef>
+              <a:spcAft>
+                <a:spcPts val="0"/>
+              </a:spcAft>
+              <a:buClrTx/>
+              <a:buSzTx/>
+              <a:buFontTx/>
+              <a:buNone/>
+              <a:tabLst/>
+              <a:defRPr/>
+            </a:pPr>
+            <a:r>
+              <a:rPr lang="en-US" altLang="ja-JP" dirty="0" smtClean="0"/>
+              <a:t>Rock</a:t>
+            </a:r>
+            <a:r>
+              <a:rPr lang="ja-JP" altLang="ja-JP" dirty="0" smtClean="0"/>
+              <a:t>や</a:t>
+            </a:r>
+            <a:r>
+              <a:rPr lang="en-US" altLang="ja-JP" dirty="0" smtClean="0"/>
+              <a:t>Metal</a:t>
+            </a:r>
+            <a:r>
+              <a:rPr lang="ja-JP" altLang="ja-JP" dirty="0" smtClean="0"/>
+              <a:t>といった早めのテンポと推定できる曲と</a:t>
+            </a:r>
+            <a:r>
+              <a:rPr lang="en-US" altLang="ja-JP" dirty="0" smtClean="0"/>
+              <a:t>Folk</a:t>
+            </a:r>
+            <a:r>
+              <a:rPr lang="ja-JP" altLang="ja-JP" dirty="0" smtClean="0"/>
+              <a:t>や</a:t>
+            </a:r>
+            <a:r>
+              <a:rPr lang="en-US" altLang="ja-JP" dirty="0" smtClean="0"/>
+              <a:t>International</a:t>
+            </a:r>
+            <a:r>
+              <a:rPr lang="ja-JP" altLang="ja-JP" dirty="0" smtClean="0"/>
+              <a:t>といったテンポが遅いと推定できる曲でジャンル推定を行う．</a:t>
+            </a:r>
+            <a:endParaRPr lang="en-US" altLang="ja-JP" dirty="0" smtClean="0"/>
+          </a:p>
+          <a:p>
+            <a:endParaRPr kumimoji="1" lang="ja-JP" altLang="en-US" dirty="0"/>
+          </a:p>
+        </p:txBody>
+      </p:sp>
+      <p:sp>
+        <p:nvSpPr>
+          <p:cNvPr id="4" name="スライド番号プレースホルダー 3"/>
+          <p:cNvSpPr>
+            <a:spLocks noGrp="1"/>
+          </p:cNvSpPr>
+          <p:nvPr>
+            <p:ph type="sldNum" sz="quarter" idx="10"/>
+          </p:nvPr>
+        </p:nvSpPr>
+        <p:spPr/>
+        <p:txBody>
+          <a:bodyPr/>
+          <a:lstStyle/>
+          <a:p>
+            <a:fld id="{9D828324-DCC9-430F-AD2C-1DD1805E2C40}" type="slidenum">
+              <a:rPr kumimoji="1" lang="ja-JP" altLang="en-US" smtClean="0"/>
+              <a:t>7</a:t>
+            </a:fld>
+            <a:endParaRPr kumimoji="1" lang="ja-JP" altLang="en-US"/>
+          </a:p>
+        </p:txBody>
+      </p:sp>
+    </p:spTree>
+    <p:extLst>
+      <p:ext uri="{BB962C8B-B14F-4D97-AF65-F5344CB8AC3E}">
+        <p14:creationId xmlns:p14="http://schemas.microsoft.com/office/powerpoint/2010/main" val="2642148864"/>
+      </p:ext>
+    </p:extLst>
+  </p:cSld>
+  <p:clrMapOvr>
+    <a:masterClrMapping/>
+  </p:clrMapOvr>
+</p:notes>
+</file>
+
+<file path=ppt/notesSlides/notesSlide5.xml><?xml version="1.0" encoding="utf-8"?>
+<p:notes xmlns:a="http://schemas.openxmlformats.org/drawingml/2006/main" xmlns:r="http://schemas.openxmlformats.org/officeDocument/2006/relationships" xmlns:p="http://schemas.openxmlformats.org/presentationml/2006/main">
+  <p:cSld>
+    <p:spTree>
+      <p:nvGrpSpPr>
+        <p:cNvPr id="1" name=""/>
+        <p:cNvGrpSpPr/>
+        <p:nvPr/>
+      </p:nvGrpSpPr>
+      <p:grpSpPr>
+        <a:xfrm>
+          <a:off x="0" y="0"/>
+          <a:ext cx="0" cy="0"/>
+          <a:chOff x="0" y="0"/>
+          <a:chExt cx="0" cy="0"/>
+        </a:xfrm>
+      </p:grpSpPr>
+      <p:sp>
+        <p:nvSpPr>
+          <p:cNvPr id="2" name="スライド イメージ プレースホルダー 1"/>
+          <p:cNvSpPr>
+            <a:spLocks noGrp="1" noRot="1" noChangeAspect="1"/>
+          </p:cNvSpPr>
+          <p:nvPr>
+            <p:ph type="sldImg"/>
+          </p:nvPr>
+        </p:nvSpPr>
+        <p:spPr/>
+      </p:sp>
+      <p:sp>
+        <p:nvSpPr>
+          <p:cNvPr id="3" name="ノート プレースホルダー 2"/>
+          <p:cNvSpPr>
+            <a:spLocks noGrp="1"/>
+          </p:cNvSpPr>
+          <p:nvPr>
+            <p:ph type="body" idx="1"/>
+          </p:nvPr>
+        </p:nvSpPr>
+        <p:spPr/>
+        <p:txBody>
+          <a:bodyPr/>
+          <a:lstStyle/>
+          <a:p>
+            <a:endParaRPr kumimoji="1" lang="ja-JP" altLang="en-US" dirty="0"/>
+          </a:p>
+        </p:txBody>
+      </p:sp>
+      <p:sp>
+        <p:nvSpPr>
+          <p:cNvPr id="4" name="スライド番号プレースホルダー 3"/>
+          <p:cNvSpPr>
+            <a:spLocks noGrp="1"/>
+          </p:cNvSpPr>
+          <p:nvPr>
+            <p:ph type="sldNum" sz="quarter" idx="10"/>
+          </p:nvPr>
+        </p:nvSpPr>
+        <p:spPr/>
+        <p:txBody>
+          <a:bodyPr/>
+          <a:lstStyle/>
+          <a:p>
+            <a:fld id="{9D828324-DCC9-430F-AD2C-1DD1805E2C40}" type="slidenum">
+              <a:rPr kumimoji="1" lang="ja-JP" altLang="en-US" smtClean="0"/>
+              <a:t>18</a:t>
+            </a:fld>
+            <a:endParaRPr kumimoji="1" lang="ja-JP" altLang="en-US"/>
+          </a:p>
+        </p:txBody>
+      </p:sp>
+    </p:spTree>
+    <p:extLst>
+      <p:ext uri="{BB962C8B-B14F-4D97-AF65-F5344CB8AC3E}">
+        <p14:creationId xmlns:p14="http://schemas.microsoft.com/office/powerpoint/2010/main" val="3654753847"/>
       </p:ext>
     </p:extLst>
   </p:cSld>
@@ -759,7 +1259,7 @@
           <a:p>
             <a:fld id="{22C6F9C5-C6AA-409B-AF03-98D7346F1423}" type="datetime1">
               <a:rPr kumimoji="1" lang="ja-JP" altLang="en-US" smtClean="0"/>
-              <a:t>2022/1/12</a:t>
+              <a:t>2022/1/19</a:t>
             </a:fld>
             <a:endParaRPr kumimoji="1" lang="ja-JP" altLang="en-US"/>
           </a:p>
@@ -962,7 +1462,7 @@
           <a:p>
             <a:fld id="{22E0F957-B7A6-49B1-8F7C-E83B3F2002DA}" type="datetime1">
               <a:rPr kumimoji="1" lang="ja-JP" altLang="en-US" smtClean="0"/>
-              <a:t>2022/1/12</a:t>
+              <a:t>2022/1/19</a:t>
             </a:fld>
             <a:endParaRPr kumimoji="1" lang="ja-JP" altLang="en-US"/>
           </a:p>
@@ -1175,7 +1675,7 @@
           <a:p>
             <a:fld id="{DE6F7DB3-2648-413C-8B2E-93728F539CCD}" type="datetime1">
               <a:rPr kumimoji="1" lang="ja-JP" altLang="en-US" smtClean="0"/>
-              <a:t>2022/1/12</a:t>
+              <a:t>2022/1/19</a:t>
             </a:fld>
             <a:endParaRPr kumimoji="1" lang="ja-JP" altLang="en-US"/>
           </a:p>
@@ -1378,7 +1878,7 @@
           <a:p>
             <a:fld id="{A2D1DE2A-14E7-4A39-B37E-D38A93E354FC}" type="datetime1">
               <a:rPr kumimoji="1" lang="ja-JP" altLang="en-US" smtClean="0"/>
-              <a:t>2022/1/12</a:t>
+              <a:t>2022/1/19</a:t>
             </a:fld>
             <a:endParaRPr kumimoji="1" lang="ja-JP" altLang="en-US"/>
           </a:p>
@@ -1627,7 +2127,7 @@
           <a:p>
             <a:fld id="{991EEB29-6570-4D17-BF07-A0C0B34BA0FB}" type="datetime1">
               <a:rPr kumimoji="1" lang="ja-JP" altLang="en-US" smtClean="0"/>
-              <a:t>2022/1/12</a:t>
+              <a:t>2022/1/19</a:t>
             </a:fld>
             <a:endParaRPr kumimoji="1" lang="ja-JP" altLang="en-US"/>
           </a:p>
@@ -1924,7 +2424,7 @@
           <a:p>
             <a:fld id="{892B6420-66A4-43C3-BA46-EBDFB60516F0}" type="datetime1">
               <a:rPr kumimoji="1" lang="ja-JP" altLang="en-US" smtClean="0"/>
-              <a:t>2022/1/12</a:t>
+              <a:t>2022/1/19</a:t>
             </a:fld>
             <a:endParaRPr kumimoji="1" lang="ja-JP" altLang="en-US"/>
           </a:p>
@@ -2356,7 +2856,7 @@
           <a:p>
             <a:fld id="{5BE63C90-8833-49EB-8DFB-3A87587C56DF}" type="datetime1">
               <a:rPr kumimoji="1" lang="ja-JP" altLang="en-US" smtClean="0"/>
-              <a:t>2022/1/12</a:t>
+              <a:t>2022/1/19</a:t>
             </a:fld>
             <a:endParaRPr kumimoji="1" lang="ja-JP" altLang="en-US"/>
           </a:p>
@@ -2475,7 +2975,7 @@
           <a:p>
             <a:fld id="{FDB7B118-9258-4B93-98B1-2227223B18EF}" type="datetime1">
               <a:rPr kumimoji="1" lang="ja-JP" altLang="en-US" smtClean="0"/>
-              <a:t>2022/1/12</a:t>
+              <a:t>2022/1/19</a:t>
             </a:fld>
             <a:endParaRPr kumimoji="1" lang="ja-JP" altLang="en-US"/>
           </a:p>
@@ -2571,7 +3071,7 @@
           <a:p>
             <a:fld id="{9C334A37-8FFC-49D6-A0F3-FC06101E023C}" type="datetime1">
               <a:rPr kumimoji="1" lang="ja-JP" altLang="en-US" smtClean="0"/>
-              <a:t>2022/1/12</a:t>
+              <a:t>2022/1/19</a:t>
             </a:fld>
             <a:endParaRPr kumimoji="1" lang="ja-JP" altLang="en-US"/>
           </a:p>
@@ -2881,7 +3381,7 @@
           <a:p>
             <a:fld id="{0FAD949F-32A5-4343-9078-C3A89D3064D3}" type="datetime1">
               <a:rPr kumimoji="1" lang="ja-JP" altLang="en-US" smtClean="0"/>
-              <a:t>2022/1/12</a:t>
+              <a:t>2022/1/19</a:t>
             </a:fld>
             <a:endParaRPr kumimoji="1" lang="ja-JP" altLang="en-US"/>
           </a:p>
@@ -3139,7 +3639,7 @@
           <a:p>
             <a:fld id="{58C4534D-9999-497B-9C6B-5769B1D800E5}" type="datetime1">
               <a:rPr kumimoji="1" lang="ja-JP" altLang="en-US" smtClean="0"/>
-              <a:t>2022/1/12</a:t>
+              <a:t>2022/1/19</a:t>
             </a:fld>
             <a:endParaRPr kumimoji="1" lang="ja-JP" altLang="en-US"/>
           </a:p>
@@ -3385,7 +3885,7 @@
           <a:p>
             <a:fld id="{D73E1257-0E7D-4620-84B9-7FC7BB2FC946}" type="datetime1">
               <a:rPr kumimoji="1" lang="ja-JP" altLang="en-US" smtClean="0"/>
-              <a:t>2022/1/12</a:t>
+              <a:t>2022/1/19</a:t>
             </a:fld>
             <a:endParaRPr kumimoji="1" lang="ja-JP" altLang="en-US"/>
           </a:p>
@@ -3996,20 +4496,19 @@
           <a:lstStyle/>
           <a:p>
             <a:r>
-              <a:rPr lang="ja-JP" altLang="en-US" dirty="0"/>
-              <a:t>楽曲ジャンル推定モデルの</a:t>
-            </a:r>
-            <a:r>
               <a:rPr lang="ja-JP" altLang="en-US" dirty="0" smtClean="0"/>
-              <a:t>作成（</a:t>
+              <a:t>ラウンドロビン方式を導入した</a:t>
             </a:r>
             <a:r>
               <a:rPr lang="en-US" altLang="ja-JP" dirty="0" smtClean="0"/>
-              <a:t>MFCC</a:t>
-            </a:r>
+              <a:t/>
+            </a:r>
+            <a:br>
+              <a:rPr lang="en-US" altLang="ja-JP" dirty="0" smtClean="0"/>
+            </a:br>
             <a:r>
               <a:rPr lang="ja-JP" altLang="en-US" dirty="0" smtClean="0"/>
-              <a:t>データの例）</a:t>
+              <a:t>負荷分散システム</a:t>
             </a:r>
             <a:endParaRPr kumimoji="1" lang="ja-JP" altLang="en-US" dirty="0"/>
           </a:p>
@@ -4025,1318 +4524,7 @@
             <p:ph idx="1"/>
             <p:extLst>
               <p:ext uri="{D42A27DB-BD31-4B8C-83A1-F6EECF244321}">
-                <p14:modId xmlns:p14="http://schemas.microsoft.com/office/powerpoint/2010/main" val="3012308231"/>
-              </p:ext>
-            </p:extLst>
-          </p:nvPr>
-        </p:nvGraphicFramePr>
-        <p:xfrm>
-          <a:off x="513168" y="2191730"/>
-          <a:ext cx="8002182" cy="1348260"/>
-        </p:xfrm>
-        <a:graphic>
-          <a:graphicData uri="http://schemas.openxmlformats.org/drawingml/2006/table">
-            <a:tbl>
-              <a:tblPr firstRow="1" firstCol="1" bandRow="1">
-                <a:tableStyleId>{5940675A-B579-460E-94D1-54222C63F5DA}</a:tableStyleId>
-              </a:tblPr>
-              <a:tblGrid>
-                <a:gridCol w="1013976">
-                  <a:extLst>
-                    <a:ext uri="{9D8B030D-6E8A-4147-A177-3AD203B41FA5}">
-                      <a16:colId xmlns:a16="http://schemas.microsoft.com/office/drawing/2014/main" val="282352161"/>
-                    </a:ext>
-                  </a:extLst>
-                </a:gridCol>
-                <a:gridCol w="1396784">
-                  <a:extLst>
-                    <a:ext uri="{9D8B030D-6E8A-4147-A177-3AD203B41FA5}">
-                      <a16:colId xmlns:a16="http://schemas.microsoft.com/office/drawing/2014/main" val="2638188281"/>
-                    </a:ext>
-                  </a:extLst>
-                </a:gridCol>
-                <a:gridCol w="1594614">
-                  <a:extLst>
-                    <a:ext uri="{9D8B030D-6E8A-4147-A177-3AD203B41FA5}">
-                      <a16:colId xmlns:a16="http://schemas.microsoft.com/office/drawing/2014/main" val="3808555121"/>
-                    </a:ext>
-                  </a:extLst>
-                </a:gridCol>
-                <a:gridCol w="967730">
-                  <a:extLst>
-                    <a:ext uri="{9D8B030D-6E8A-4147-A177-3AD203B41FA5}">
-                      <a16:colId xmlns:a16="http://schemas.microsoft.com/office/drawing/2014/main" val="1857992042"/>
-                    </a:ext>
-                  </a:extLst>
-                </a:gridCol>
-                <a:gridCol w="1309432">
-                  <a:extLst>
-                    <a:ext uri="{9D8B030D-6E8A-4147-A177-3AD203B41FA5}">
-                      <a16:colId xmlns:a16="http://schemas.microsoft.com/office/drawing/2014/main" val="2924608123"/>
-                    </a:ext>
-                  </a:extLst>
-                </a:gridCol>
-                <a:gridCol w="792721">
-                  <a:extLst>
-                    <a:ext uri="{9D8B030D-6E8A-4147-A177-3AD203B41FA5}">
-                      <a16:colId xmlns:a16="http://schemas.microsoft.com/office/drawing/2014/main" val="134785144"/>
-                    </a:ext>
-                  </a:extLst>
-                </a:gridCol>
-                <a:gridCol w="926925">
-                  <a:extLst>
-                    <a:ext uri="{9D8B030D-6E8A-4147-A177-3AD203B41FA5}">
-                      <a16:colId xmlns:a16="http://schemas.microsoft.com/office/drawing/2014/main" val="2244061553"/>
-                    </a:ext>
-                  </a:extLst>
-                </a:gridCol>
-              </a:tblGrid>
-              <a:tr h="674130">
-                <a:tc>
-                  <a:txBody>
-                    <a:bodyPr/>
-                    <a:lstStyle/>
-                    <a:p>
-                      <a:pPr algn="l">
-                        <a:spcAft>
-                          <a:spcPts val="0"/>
-                        </a:spcAft>
-                      </a:pPr>
-                      <a:r>
-                        <a:rPr lang="en-US" sz="1600" kern="0" dirty="0" err="1">
-                          <a:effectLst/>
-                        </a:rPr>
-                        <a:t>chroma</a:t>
-                      </a:r>
-                      <a:r>
-                        <a:rPr lang="en-US" sz="1600" kern="0" dirty="0">
-                          <a:effectLst/>
-                        </a:rPr>
-                        <a:t> </a:t>
-                      </a:r>
-                      <a:r>
-                        <a:rPr lang="en-US" sz="1600" kern="0" dirty="0" err="1">
-                          <a:effectLst/>
-                        </a:rPr>
-                        <a:t>stft</a:t>
-                      </a:r>
-                      <a:endParaRPr lang="ja-JP" sz="1600" kern="100" dirty="0">
-                        <a:effectLst/>
-                        <a:latin typeface="Century" panose="02040604050505020304" pitchFamily="18" charset="0"/>
-                        <a:ea typeface="ＭＳ 明朝" panose="02020609040205080304" pitchFamily="17" charset="-128"/>
-                        <a:cs typeface="Times New Roman" panose="02020603050405020304" pitchFamily="18" charset="0"/>
-                      </a:endParaRPr>
-                    </a:p>
-                  </a:txBody>
-                  <a:tcPr marL="62865" marR="62865" marT="0" marB="0" anchor="ctr"/>
-                </a:tc>
-                <a:tc>
-                  <a:txBody>
-                    <a:bodyPr/>
-                    <a:lstStyle/>
-                    <a:p>
-                      <a:pPr algn="l">
-                        <a:spcAft>
-                          <a:spcPts val="0"/>
-                        </a:spcAft>
-                      </a:pPr>
-                      <a:r>
-                        <a:rPr lang="en-US" sz="1600" kern="0" dirty="0">
-                          <a:effectLst/>
-                        </a:rPr>
-                        <a:t>spectral centroid</a:t>
-                      </a:r>
-                      <a:endParaRPr lang="ja-JP" sz="1600" kern="100" dirty="0">
-                        <a:effectLst/>
-                        <a:latin typeface="Century" panose="02040604050505020304" pitchFamily="18" charset="0"/>
-                        <a:ea typeface="ＭＳ 明朝" panose="02020609040205080304" pitchFamily="17" charset="-128"/>
-                        <a:cs typeface="Times New Roman" panose="02020603050405020304" pitchFamily="18" charset="0"/>
-                      </a:endParaRPr>
-                    </a:p>
-                  </a:txBody>
-                  <a:tcPr marL="62865" marR="62865" marT="0" marB="0" anchor="ctr"/>
-                </a:tc>
-                <a:tc>
-                  <a:txBody>
-                    <a:bodyPr/>
-                    <a:lstStyle/>
-                    <a:p>
-                      <a:pPr algn="l">
-                        <a:spcAft>
-                          <a:spcPts val="0"/>
-                        </a:spcAft>
-                      </a:pPr>
-                      <a:r>
-                        <a:rPr lang="en-US" sz="1600" kern="0" dirty="0">
-                          <a:effectLst/>
-                        </a:rPr>
-                        <a:t>spectral bandwidth</a:t>
-                      </a:r>
-                      <a:endParaRPr lang="ja-JP" sz="1600" kern="100" dirty="0">
-                        <a:effectLst/>
-                        <a:latin typeface="Century" panose="02040604050505020304" pitchFamily="18" charset="0"/>
-                        <a:ea typeface="ＭＳ 明朝" panose="02020609040205080304" pitchFamily="17" charset="-128"/>
-                        <a:cs typeface="Times New Roman" panose="02020603050405020304" pitchFamily="18" charset="0"/>
-                      </a:endParaRPr>
-                    </a:p>
-                  </a:txBody>
-                  <a:tcPr marL="62865" marR="62865" marT="0" marB="0" anchor="ctr"/>
-                </a:tc>
-                <a:tc>
-                  <a:txBody>
-                    <a:bodyPr/>
-                    <a:lstStyle/>
-                    <a:p>
-                      <a:pPr algn="l">
-                        <a:spcAft>
-                          <a:spcPts val="0"/>
-                        </a:spcAft>
-                      </a:pPr>
-                      <a:r>
-                        <a:rPr lang="en-US" sz="1600" kern="0" dirty="0" err="1">
-                          <a:effectLst/>
-                        </a:rPr>
-                        <a:t>rolloff</a:t>
-                      </a:r>
-                      <a:endParaRPr lang="ja-JP" sz="1600" kern="100" dirty="0">
-                        <a:effectLst/>
-                        <a:latin typeface="Century" panose="02040604050505020304" pitchFamily="18" charset="0"/>
-                        <a:ea typeface="ＭＳ 明朝" panose="02020609040205080304" pitchFamily="17" charset="-128"/>
-                        <a:cs typeface="Times New Roman" panose="02020603050405020304" pitchFamily="18" charset="0"/>
-                      </a:endParaRPr>
-                    </a:p>
-                  </a:txBody>
-                  <a:tcPr marL="62865" marR="62865" marT="0" marB="0" anchor="ctr"/>
-                </a:tc>
-                <a:tc>
-                  <a:txBody>
-                    <a:bodyPr/>
-                    <a:lstStyle/>
-                    <a:p>
-                      <a:pPr algn="l">
-                        <a:spcAft>
-                          <a:spcPts val="0"/>
-                        </a:spcAft>
-                      </a:pPr>
-                      <a:r>
-                        <a:rPr lang="en-US" sz="1600" kern="0" dirty="0">
-                          <a:effectLst/>
-                        </a:rPr>
-                        <a:t>zero crossing rate</a:t>
-                      </a:r>
-                      <a:endParaRPr lang="ja-JP" sz="1600" kern="100" dirty="0">
-                        <a:effectLst/>
-                        <a:latin typeface="Century" panose="02040604050505020304" pitchFamily="18" charset="0"/>
-                        <a:ea typeface="ＭＳ 明朝" panose="02020609040205080304" pitchFamily="17" charset="-128"/>
-                        <a:cs typeface="Times New Roman" panose="02020603050405020304" pitchFamily="18" charset="0"/>
-                      </a:endParaRPr>
-                    </a:p>
-                  </a:txBody>
-                  <a:tcPr marL="62865" marR="62865" marT="0" marB="0" anchor="ctr"/>
-                </a:tc>
-                <a:tc>
-                  <a:txBody>
-                    <a:bodyPr/>
-                    <a:lstStyle/>
-                    <a:p>
-                      <a:pPr algn="l">
-                        <a:spcAft>
-                          <a:spcPts val="0"/>
-                        </a:spcAft>
-                      </a:pPr>
-                      <a:r>
-                        <a:rPr lang="en-US" sz="1600" kern="0">
-                          <a:effectLst/>
-                        </a:rPr>
-                        <a:t>mfcc1</a:t>
-                      </a:r>
-                      <a:endParaRPr lang="ja-JP" sz="1600" kern="100">
-                        <a:effectLst/>
-                        <a:latin typeface="Century" panose="02040604050505020304" pitchFamily="18" charset="0"/>
-                        <a:ea typeface="ＭＳ 明朝" panose="02020609040205080304" pitchFamily="17" charset="-128"/>
-                        <a:cs typeface="Times New Roman" panose="02020603050405020304" pitchFamily="18" charset="0"/>
-                      </a:endParaRPr>
-                    </a:p>
-                  </a:txBody>
-                  <a:tcPr marL="62865" marR="62865" marT="0" marB="0" anchor="ctr"/>
-                </a:tc>
-                <a:tc>
-                  <a:txBody>
-                    <a:bodyPr/>
-                    <a:lstStyle/>
-                    <a:p>
-                      <a:pPr algn="l">
-                        <a:spcAft>
-                          <a:spcPts val="0"/>
-                        </a:spcAft>
-                      </a:pPr>
-                      <a:r>
-                        <a:rPr lang="en-US" sz="1600" kern="0">
-                          <a:effectLst/>
-                        </a:rPr>
-                        <a:t>mfcc2</a:t>
-                      </a:r>
-                      <a:endParaRPr lang="ja-JP" sz="1600" kern="100">
-                        <a:effectLst/>
-                        <a:latin typeface="Century" panose="02040604050505020304" pitchFamily="18" charset="0"/>
-                        <a:ea typeface="ＭＳ 明朝" panose="02020609040205080304" pitchFamily="17" charset="-128"/>
-                        <a:cs typeface="Times New Roman" panose="02020603050405020304" pitchFamily="18" charset="0"/>
-                      </a:endParaRPr>
-                    </a:p>
-                  </a:txBody>
-                  <a:tcPr marL="62865" marR="62865" marT="0" marB="0" anchor="ctr"/>
-                </a:tc>
-                <a:extLst>
-                  <a:ext uri="{0D108BD9-81ED-4DB2-BD59-A6C34878D82A}">
-                    <a16:rowId xmlns:a16="http://schemas.microsoft.com/office/drawing/2014/main" val="287867914"/>
-                  </a:ext>
-                </a:extLst>
-              </a:tr>
-              <a:tr h="674130">
-                <a:tc>
-                  <a:txBody>
-                    <a:bodyPr/>
-                    <a:lstStyle/>
-                    <a:p>
-                      <a:pPr algn="r">
-                        <a:spcAft>
-                          <a:spcPts val="0"/>
-                        </a:spcAft>
-                      </a:pPr>
-                      <a:r>
-                        <a:rPr lang="en-US" sz="1600" kern="0">
-                          <a:effectLst/>
-                        </a:rPr>
-                        <a:t>0.234048</a:t>
-                      </a:r>
-                      <a:endParaRPr lang="ja-JP" sz="1600" kern="100">
-                        <a:effectLst/>
-                        <a:latin typeface="Century" panose="02040604050505020304" pitchFamily="18" charset="0"/>
-                        <a:ea typeface="ＭＳ 明朝" panose="02020609040205080304" pitchFamily="17" charset="-128"/>
-                        <a:cs typeface="Times New Roman" panose="02020603050405020304" pitchFamily="18" charset="0"/>
-                      </a:endParaRPr>
-                    </a:p>
-                  </a:txBody>
-                  <a:tcPr marL="62865" marR="62865" marT="0" marB="0" anchor="ctr"/>
-                </a:tc>
-                <a:tc>
-                  <a:txBody>
-                    <a:bodyPr/>
-                    <a:lstStyle/>
-                    <a:p>
-                      <a:pPr algn="r">
-                        <a:spcAft>
-                          <a:spcPts val="0"/>
-                        </a:spcAft>
-                      </a:pPr>
-                      <a:r>
-                        <a:rPr lang="en-US" sz="1600" kern="0" dirty="0">
-                          <a:effectLst/>
-                        </a:rPr>
-                        <a:t>396.7286</a:t>
-                      </a:r>
-                      <a:endParaRPr lang="ja-JP" sz="1600" kern="100" dirty="0">
-                        <a:effectLst/>
-                        <a:latin typeface="Century" panose="02040604050505020304" pitchFamily="18" charset="0"/>
-                        <a:ea typeface="ＭＳ 明朝" panose="02020609040205080304" pitchFamily="17" charset="-128"/>
-                        <a:cs typeface="Times New Roman" panose="02020603050405020304" pitchFamily="18" charset="0"/>
-                      </a:endParaRPr>
-                    </a:p>
-                  </a:txBody>
-                  <a:tcPr marL="62865" marR="62865" marT="0" marB="0" anchor="ctr"/>
-                </a:tc>
-                <a:tc>
-                  <a:txBody>
-                    <a:bodyPr/>
-                    <a:lstStyle/>
-                    <a:p>
-                      <a:pPr algn="r">
-                        <a:spcAft>
-                          <a:spcPts val="0"/>
-                        </a:spcAft>
-                      </a:pPr>
-                      <a:r>
-                        <a:rPr lang="en-US" sz="1600" kern="0" dirty="0">
-                          <a:effectLst/>
-                        </a:rPr>
-                        <a:t>809.0714</a:t>
-                      </a:r>
-                      <a:endParaRPr lang="ja-JP" sz="1600" kern="100" dirty="0">
-                        <a:effectLst/>
-                        <a:latin typeface="Century" panose="02040604050505020304" pitchFamily="18" charset="0"/>
-                        <a:ea typeface="ＭＳ 明朝" panose="02020609040205080304" pitchFamily="17" charset="-128"/>
-                        <a:cs typeface="Times New Roman" panose="02020603050405020304" pitchFamily="18" charset="0"/>
-                      </a:endParaRPr>
-                    </a:p>
-                  </a:txBody>
-                  <a:tcPr marL="62865" marR="62865" marT="0" marB="0" anchor="ctr"/>
-                </a:tc>
-                <a:tc>
-                  <a:txBody>
-                    <a:bodyPr/>
-                    <a:lstStyle/>
-                    <a:p>
-                      <a:pPr algn="r">
-                        <a:spcAft>
-                          <a:spcPts val="0"/>
-                        </a:spcAft>
-                      </a:pPr>
-                      <a:r>
-                        <a:rPr lang="en-US" sz="1600" kern="0" dirty="0">
-                          <a:effectLst/>
-                        </a:rPr>
-                        <a:t>467.7305</a:t>
-                      </a:r>
-                      <a:endParaRPr lang="ja-JP" sz="1600" kern="100" dirty="0">
-                        <a:effectLst/>
-                        <a:latin typeface="Century" panose="02040604050505020304" pitchFamily="18" charset="0"/>
-                        <a:ea typeface="ＭＳ 明朝" panose="02020609040205080304" pitchFamily="17" charset="-128"/>
-                        <a:cs typeface="Times New Roman" panose="02020603050405020304" pitchFamily="18" charset="0"/>
-                      </a:endParaRPr>
-                    </a:p>
-                  </a:txBody>
-                  <a:tcPr marL="62865" marR="62865" marT="0" marB="0" anchor="ctr"/>
-                </a:tc>
-                <a:tc>
-                  <a:txBody>
-                    <a:bodyPr/>
-                    <a:lstStyle/>
-                    <a:p>
-                      <a:pPr algn="r">
-                        <a:spcAft>
-                          <a:spcPts val="0"/>
-                        </a:spcAft>
-                      </a:pPr>
-                      <a:r>
-                        <a:rPr lang="en-US" sz="1600" kern="0" dirty="0">
-                          <a:effectLst/>
-                        </a:rPr>
-                        <a:t>0.018924</a:t>
-                      </a:r>
-                      <a:endParaRPr lang="ja-JP" sz="1600" kern="100" dirty="0">
-                        <a:effectLst/>
-                        <a:latin typeface="Century" panose="02040604050505020304" pitchFamily="18" charset="0"/>
-                        <a:ea typeface="ＭＳ 明朝" panose="02020609040205080304" pitchFamily="17" charset="-128"/>
-                        <a:cs typeface="Times New Roman" panose="02020603050405020304" pitchFamily="18" charset="0"/>
-                      </a:endParaRPr>
-                    </a:p>
-                  </a:txBody>
-                  <a:tcPr marL="62865" marR="62865" marT="0" marB="0" anchor="ctr"/>
-                </a:tc>
-                <a:tc>
-                  <a:txBody>
-                    <a:bodyPr/>
-                    <a:lstStyle/>
-                    <a:p>
-                      <a:pPr algn="r">
-                        <a:spcAft>
-                          <a:spcPts val="0"/>
-                        </a:spcAft>
-                      </a:pPr>
-                      <a:r>
-                        <a:rPr lang="en-US" sz="1600" kern="0" dirty="0">
-                          <a:effectLst/>
-                        </a:rPr>
-                        <a:t>-447.37</a:t>
-                      </a:r>
-                      <a:endParaRPr lang="ja-JP" sz="1600" kern="100" dirty="0">
-                        <a:effectLst/>
-                        <a:latin typeface="Century" panose="02040604050505020304" pitchFamily="18" charset="0"/>
-                        <a:ea typeface="ＭＳ 明朝" panose="02020609040205080304" pitchFamily="17" charset="-128"/>
-                        <a:cs typeface="Times New Roman" panose="02020603050405020304" pitchFamily="18" charset="0"/>
-                      </a:endParaRPr>
-                    </a:p>
-                  </a:txBody>
-                  <a:tcPr marL="62865" marR="62865" marT="0" marB="0" anchor="ctr"/>
-                </a:tc>
-                <a:tc>
-                  <a:txBody>
-                    <a:bodyPr/>
-                    <a:lstStyle/>
-                    <a:p>
-                      <a:pPr algn="r">
-                        <a:spcAft>
-                          <a:spcPts val="0"/>
-                        </a:spcAft>
-                      </a:pPr>
-                      <a:r>
-                        <a:rPr lang="en-US" sz="1600" kern="0" dirty="0">
-                          <a:effectLst/>
-                        </a:rPr>
-                        <a:t>198.0197</a:t>
-                      </a:r>
-                      <a:endParaRPr lang="ja-JP" sz="1600" kern="100" dirty="0">
-                        <a:effectLst/>
-                        <a:latin typeface="Century" panose="02040604050505020304" pitchFamily="18" charset="0"/>
-                        <a:ea typeface="ＭＳ 明朝" panose="02020609040205080304" pitchFamily="17" charset="-128"/>
-                        <a:cs typeface="Times New Roman" panose="02020603050405020304" pitchFamily="18" charset="0"/>
-                      </a:endParaRPr>
-                    </a:p>
-                  </a:txBody>
-                  <a:tcPr marL="62865" marR="62865" marT="0" marB="0" anchor="ctr"/>
-                </a:tc>
-                <a:extLst>
-                  <a:ext uri="{0D108BD9-81ED-4DB2-BD59-A6C34878D82A}">
-                    <a16:rowId xmlns:a16="http://schemas.microsoft.com/office/drawing/2014/main" val="1786988279"/>
-                  </a:ext>
-                </a:extLst>
-              </a:tr>
-            </a:tbl>
-          </a:graphicData>
-        </a:graphic>
-      </p:graphicFrame>
-      <p:sp>
-        <p:nvSpPr>
-          <p:cNvPr id="4" name="スライド番号プレースホルダー 3"/>
-          <p:cNvSpPr>
-            <a:spLocks noGrp="1"/>
-          </p:cNvSpPr>
-          <p:nvPr>
-            <p:ph type="sldNum" sz="quarter" idx="12"/>
-          </p:nvPr>
-        </p:nvSpPr>
-        <p:spPr/>
-        <p:txBody>
-          <a:bodyPr/>
-          <a:lstStyle/>
-          <a:p>
-            <a:fld id="{B4451160-128F-4DAD-AE29-4A8CC0E7B9E9}" type="slidenum">
-              <a:rPr lang="ja-JP" altLang="en-US" smtClean="0"/>
-              <a:pPr/>
-              <a:t>10</a:t>
-            </a:fld>
-            <a:endParaRPr lang="ja-JP" altLang="en-US" dirty="0"/>
-          </a:p>
-        </p:txBody>
-      </p:sp>
-      <p:pic>
-        <p:nvPicPr>
-          <p:cNvPr id="6" name="図 5"/>
-          <p:cNvPicPr/>
-          <p:nvPr/>
-        </p:nvPicPr>
-        <p:blipFill>
-          <a:blip r:embed="rId2">
-            <a:extLst>
-              <a:ext uri="{28A0092B-C50C-407E-A947-70E740481C1C}">
-                <a14:useLocalDpi xmlns:a14="http://schemas.microsoft.com/office/drawing/2010/main" val="0"/>
-              </a:ext>
-            </a:extLst>
-          </a:blip>
-          <a:stretch>
-            <a:fillRect/>
-          </a:stretch>
-        </p:blipFill>
-        <p:spPr>
-          <a:xfrm>
-            <a:off x="424659" y="3710144"/>
-            <a:ext cx="8255878" cy="2515292"/>
-          </a:xfrm>
-          <a:prstGeom prst="rect">
-            <a:avLst/>
-          </a:prstGeom>
-        </p:spPr>
-      </p:pic>
-      <p:sp>
-        <p:nvSpPr>
-          <p:cNvPr id="7" name="テキスト ボックス 6"/>
-          <p:cNvSpPr txBox="1"/>
-          <p:nvPr/>
-        </p:nvSpPr>
-        <p:spPr>
-          <a:xfrm>
-            <a:off x="513168" y="1633876"/>
-            <a:ext cx="8002182" cy="369332"/>
-          </a:xfrm>
-          <a:prstGeom prst="rect">
-            <a:avLst/>
-          </a:prstGeom>
-          <a:noFill/>
-        </p:spPr>
-        <p:txBody>
-          <a:bodyPr wrap="square" rtlCol="0">
-            <a:spAutoFit/>
-          </a:bodyPr>
-          <a:lstStyle/>
-          <a:p>
-            <a:r>
-              <a:rPr kumimoji="1" lang="ja-JP" altLang="en-US" dirty="0" smtClean="0"/>
-              <a:t>実験では</a:t>
-            </a:r>
-            <a:r>
-              <a:rPr kumimoji="1" lang="en-US" altLang="ja-JP" dirty="0" smtClean="0"/>
-              <a:t>MFCC</a:t>
-            </a:r>
-            <a:r>
-              <a:rPr kumimoji="1" lang="ja-JP" altLang="en-US" dirty="0" smtClean="0"/>
-              <a:t>係数は</a:t>
-            </a:r>
-            <a:r>
-              <a:rPr kumimoji="1" lang="en-US" altLang="ja-JP" dirty="0" smtClean="0"/>
-              <a:t>20</a:t>
-            </a:r>
-            <a:r>
-              <a:rPr kumimoji="1" lang="ja-JP" altLang="en-US" dirty="0" smtClean="0"/>
-              <a:t>件使用しているがここでは例として</a:t>
-            </a:r>
-            <a:r>
-              <a:rPr kumimoji="1" lang="en-US" altLang="ja-JP" dirty="0" smtClean="0"/>
-              <a:t>20</a:t>
-            </a:r>
-            <a:r>
-              <a:rPr kumimoji="1" lang="ja-JP" altLang="en-US" dirty="0" smtClean="0"/>
-              <a:t>個出している</a:t>
-            </a:r>
-            <a:endParaRPr kumimoji="1" lang="ja-JP" altLang="en-US" dirty="0"/>
-          </a:p>
-        </p:txBody>
-      </p:sp>
-    </p:spTree>
-    <p:extLst>
-      <p:ext uri="{BB962C8B-B14F-4D97-AF65-F5344CB8AC3E}">
-        <p14:creationId xmlns:p14="http://schemas.microsoft.com/office/powerpoint/2010/main" val="1306279678"/>
-      </p:ext>
-    </p:extLst>
-  </p:cSld>
-  <p:clrMapOvr>
-    <a:masterClrMapping/>
-  </p:clrMapOvr>
-</p:sld>
-</file>
-
-<file path=ppt/slides/slide11.xml><?xml version="1.0" encoding="utf-8"?>
-<p:sld xmlns:a="http://schemas.openxmlformats.org/drawingml/2006/main" xmlns:r="http://schemas.openxmlformats.org/officeDocument/2006/relationships" xmlns:p="http://schemas.openxmlformats.org/presentationml/2006/main">
-  <p:cSld>
-    <p:spTree>
-      <p:nvGrpSpPr>
-        <p:cNvPr id="1" name=""/>
-        <p:cNvGrpSpPr/>
-        <p:nvPr/>
-      </p:nvGrpSpPr>
-      <p:grpSpPr>
-        <a:xfrm>
-          <a:off x="0" y="0"/>
-          <a:ext cx="0" cy="0"/>
-          <a:chOff x="0" y="0"/>
-          <a:chExt cx="0" cy="0"/>
-        </a:xfrm>
-      </p:grpSpPr>
-      <p:sp>
-        <p:nvSpPr>
-          <p:cNvPr id="2" name="タイトル 1"/>
-          <p:cNvSpPr>
-            <a:spLocks noGrp="1"/>
-          </p:cNvSpPr>
-          <p:nvPr>
-            <p:ph type="title"/>
-          </p:nvPr>
-        </p:nvSpPr>
-        <p:spPr/>
-        <p:txBody>
-          <a:bodyPr/>
-          <a:lstStyle/>
-          <a:p>
-            <a:r>
-              <a:rPr lang="ja-JP" altLang="en-US" dirty="0"/>
-              <a:t>楽曲ジャンル推定モデルの作成</a:t>
-            </a:r>
-            <a:endParaRPr kumimoji="1" lang="ja-JP" altLang="en-US" dirty="0"/>
-          </a:p>
-        </p:txBody>
-      </p:sp>
-      <p:sp>
-        <p:nvSpPr>
-          <p:cNvPr id="3" name="コンテンツ プレースホルダー 2"/>
-          <p:cNvSpPr>
-            <a:spLocks noGrp="1"/>
-          </p:cNvSpPr>
-          <p:nvPr>
-            <p:ph idx="1"/>
-          </p:nvPr>
-        </p:nvSpPr>
-        <p:spPr>
-          <a:xfrm>
-            <a:off x="187889" y="1340285"/>
-            <a:ext cx="8630433" cy="4836678"/>
-          </a:xfrm>
-        </p:spPr>
-        <p:txBody>
-          <a:bodyPr/>
-          <a:lstStyle/>
-          <a:p>
-            <a:pPr marL="0" indent="0">
-              <a:buNone/>
-            </a:pPr>
-            <a:r>
-              <a:rPr kumimoji="1" lang="ja-JP" altLang="en-US" dirty="0" smtClean="0"/>
-              <a:t>ジャンル推定モデルに使用したデータセット：</a:t>
-            </a:r>
-            <a:r>
-              <a:rPr lang="en-US" altLang="ja-JP" dirty="0" smtClean="0"/>
-              <a:t>FMA_SMALL</a:t>
-            </a:r>
-            <a:endParaRPr kumimoji="1" lang="en-US" altLang="ja-JP" dirty="0" smtClean="0"/>
-          </a:p>
-          <a:p>
-            <a:pPr marL="0" indent="0">
-              <a:buNone/>
-            </a:pPr>
-            <a:r>
-              <a:rPr kumimoji="1" lang="ja-JP" altLang="en-US" dirty="0" smtClean="0"/>
-              <a:t>実際に作成したモデル</a:t>
-            </a:r>
-            <a:endParaRPr kumimoji="1" lang="en-US" altLang="ja-JP" dirty="0" smtClean="0"/>
-          </a:p>
-          <a:p>
-            <a:pPr marL="0" indent="0">
-              <a:buNone/>
-            </a:pPr>
-            <a:endParaRPr kumimoji="1" lang="ja-JP" altLang="en-US" dirty="0"/>
-          </a:p>
-        </p:txBody>
-      </p:sp>
-      <p:sp>
-        <p:nvSpPr>
-          <p:cNvPr id="4" name="スライド番号プレースホルダー 3"/>
-          <p:cNvSpPr>
-            <a:spLocks noGrp="1"/>
-          </p:cNvSpPr>
-          <p:nvPr>
-            <p:ph type="sldNum" sz="quarter" idx="12"/>
-          </p:nvPr>
-        </p:nvSpPr>
-        <p:spPr/>
-        <p:txBody>
-          <a:bodyPr/>
-          <a:lstStyle/>
-          <a:p>
-            <a:fld id="{B4451160-128F-4DAD-AE29-4A8CC0E7B9E9}" type="slidenum">
-              <a:rPr lang="ja-JP" altLang="en-US" smtClean="0"/>
-              <a:pPr/>
-              <a:t>11</a:t>
-            </a:fld>
-            <a:endParaRPr lang="ja-JP" altLang="en-US" dirty="0"/>
-          </a:p>
-        </p:txBody>
-      </p:sp>
-      <p:graphicFrame>
-        <p:nvGraphicFramePr>
-          <p:cNvPr id="7" name="表 6"/>
-          <p:cNvGraphicFramePr>
-            <a:graphicFrameLocks noGrp="1"/>
-          </p:cNvGraphicFramePr>
-          <p:nvPr>
-            <p:extLst>
-              <p:ext uri="{D42A27DB-BD31-4B8C-83A1-F6EECF244321}">
-                <p14:modId xmlns:p14="http://schemas.microsoft.com/office/powerpoint/2010/main" val="2366269612"/>
-              </p:ext>
-            </p:extLst>
-          </p:nvPr>
-        </p:nvGraphicFramePr>
-        <p:xfrm>
-          <a:off x="187889" y="2379945"/>
-          <a:ext cx="8189673" cy="3976406"/>
-        </p:xfrm>
-        <a:graphic>
-          <a:graphicData uri="http://schemas.openxmlformats.org/drawingml/2006/table">
-            <a:tbl>
-              <a:tblPr firstRow="1" firstCol="1" bandRow="1">
-                <a:tableStyleId>{5C22544A-7EE6-4342-B048-85BDC9FD1C3A}</a:tableStyleId>
-              </a:tblPr>
-              <a:tblGrid>
-                <a:gridCol w="8189673">
-                  <a:extLst>
-                    <a:ext uri="{9D8B030D-6E8A-4147-A177-3AD203B41FA5}">
-                      <a16:colId xmlns:a16="http://schemas.microsoft.com/office/drawing/2014/main" val="3110637914"/>
-                    </a:ext>
-                  </a:extLst>
-                </a:gridCol>
-              </a:tblGrid>
-              <a:tr h="3976406">
-                <a:tc>
-                  <a:txBody>
-                    <a:bodyPr/>
-                    <a:lstStyle/>
-                    <a:p>
-                      <a:pPr algn="just">
-                        <a:lnSpc>
-                          <a:spcPts val="1200"/>
-                        </a:lnSpc>
-                        <a:spcAft>
-                          <a:spcPts val="0"/>
-                        </a:spcAft>
-                      </a:pPr>
-                      <a:endParaRPr lang="en-US" sz="2000" kern="100" dirty="0" smtClean="0">
-                        <a:effectLst/>
-                      </a:endParaRPr>
-                    </a:p>
-                    <a:p>
-                      <a:pPr algn="just">
-                        <a:lnSpc>
-                          <a:spcPts val="1200"/>
-                        </a:lnSpc>
-                        <a:spcAft>
-                          <a:spcPts val="0"/>
-                        </a:spcAft>
-                      </a:pPr>
-                      <a:r>
-                        <a:rPr lang="en-US" sz="2000" kern="100" dirty="0" smtClean="0">
-                          <a:effectLst/>
-                        </a:rPr>
-                        <a:t>Model</a:t>
-                      </a:r>
-                      <a:r>
-                        <a:rPr lang="en-US" sz="2000" kern="100" dirty="0">
-                          <a:effectLst/>
-                        </a:rPr>
-                        <a:t>: "</a:t>
-                      </a:r>
-                      <a:r>
-                        <a:rPr lang="en-US" sz="2000" kern="100" dirty="0" smtClean="0">
-                          <a:effectLst/>
-                        </a:rPr>
-                        <a:t>sequential”</a:t>
-                      </a:r>
-                    </a:p>
-                    <a:p>
-                      <a:pPr algn="just">
-                        <a:lnSpc>
-                          <a:spcPts val="1200"/>
-                        </a:lnSpc>
-                        <a:spcAft>
-                          <a:spcPts val="0"/>
-                        </a:spcAft>
-                      </a:pPr>
-                      <a:endParaRPr lang="en-US" sz="2000" kern="100" dirty="0" smtClean="0">
-                        <a:effectLst/>
-                      </a:endParaRPr>
-                    </a:p>
-                    <a:p>
-                      <a:pPr algn="just">
-                        <a:lnSpc>
-                          <a:spcPts val="1200"/>
-                        </a:lnSpc>
-                        <a:spcAft>
-                          <a:spcPts val="0"/>
-                        </a:spcAft>
-                      </a:pPr>
-                      <a:r>
-                        <a:rPr lang="en-US" sz="2000" kern="100" dirty="0" smtClean="0">
-                          <a:effectLst/>
-                        </a:rPr>
-                        <a:t>Layer </a:t>
-                      </a:r>
-                      <a:r>
-                        <a:rPr lang="en-US" sz="2000" kern="100" dirty="0">
-                          <a:effectLst/>
-                        </a:rPr>
-                        <a:t>(type)                Output Shape              </a:t>
-                      </a:r>
-                      <a:r>
-                        <a:rPr lang="en-US" sz="2000" kern="100" dirty="0" err="1">
-                          <a:effectLst/>
-                        </a:rPr>
-                        <a:t>Param</a:t>
-                      </a:r>
-                      <a:r>
-                        <a:rPr lang="en-US" sz="2000" kern="100" dirty="0">
-                          <a:effectLst/>
-                        </a:rPr>
-                        <a:t> </a:t>
-                      </a:r>
-                      <a:r>
-                        <a:rPr lang="en-US" sz="2000" kern="100" dirty="0" smtClean="0">
-                          <a:effectLst/>
-                        </a:rPr>
-                        <a:t>#  </a:t>
-                      </a:r>
-                    </a:p>
-                    <a:p>
-                      <a:pPr algn="just">
-                        <a:lnSpc>
-                          <a:spcPts val="1200"/>
-                        </a:lnSpc>
-                        <a:spcAft>
-                          <a:spcPts val="0"/>
-                        </a:spcAft>
-                      </a:pPr>
-                      <a:r>
-                        <a:rPr lang="en-US" sz="2000" kern="100" dirty="0" smtClean="0">
-                          <a:effectLst/>
-                        </a:rPr>
-                        <a:t> ===============================================================</a:t>
-                      </a:r>
-                    </a:p>
-                    <a:p>
-                      <a:pPr algn="just">
-                        <a:lnSpc>
-                          <a:spcPts val="1200"/>
-                        </a:lnSpc>
-                        <a:spcAft>
-                          <a:spcPts val="0"/>
-                        </a:spcAft>
-                      </a:pPr>
-                      <a:endParaRPr lang="en-US" sz="2000" kern="100" dirty="0" smtClean="0">
-                        <a:effectLst/>
-                      </a:endParaRPr>
-                    </a:p>
-                    <a:p>
-                      <a:pPr algn="just">
-                        <a:lnSpc>
-                          <a:spcPts val="1200"/>
-                        </a:lnSpc>
-                        <a:spcAft>
-                          <a:spcPts val="0"/>
-                        </a:spcAft>
-                      </a:pPr>
-                      <a:r>
-                        <a:rPr lang="en-US" sz="2000" kern="100" dirty="0" smtClean="0">
-                          <a:effectLst/>
-                        </a:rPr>
-                        <a:t>dense </a:t>
-                      </a:r>
-                      <a:r>
-                        <a:rPr lang="en-US" sz="2000" kern="100" dirty="0">
-                          <a:effectLst/>
-                        </a:rPr>
-                        <a:t>(Dense)               (None, 256)               6656             </a:t>
-                      </a:r>
-                      <a:endParaRPr lang="en-US" sz="2000" kern="100" dirty="0" smtClean="0">
-                        <a:effectLst/>
-                      </a:endParaRPr>
-                    </a:p>
-                    <a:p>
-                      <a:pPr algn="just">
-                        <a:lnSpc>
-                          <a:spcPts val="1200"/>
-                        </a:lnSpc>
-                        <a:spcAft>
-                          <a:spcPts val="0"/>
-                        </a:spcAft>
-                      </a:pPr>
-                      <a:r>
-                        <a:rPr lang="en-US" sz="2000" kern="100" dirty="0" smtClean="0">
-                          <a:effectLst/>
-                        </a:rPr>
-                        <a:t>                                                           </a:t>
-                      </a:r>
-                    </a:p>
-                    <a:p>
-                      <a:pPr algn="just">
-                        <a:lnSpc>
-                          <a:spcPts val="1200"/>
-                        </a:lnSpc>
-                        <a:spcAft>
-                          <a:spcPts val="0"/>
-                        </a:spcAft>
-                      </a:pPr>
-                      <a:r>
-                        <a:rPr lang="en-US" sz="2000" kern="100" dirty="0" smtClean="0">
-                          <a:effectLst/>
-                        </a:rPr>
-                        <a:t>dense_1 </a:t>
-                      </a:r>
-                      <a:r>
-                        <a:rPr lang="en-US" sz="2000" kern="100" dirty="0">
-                          <a:effectLst/>
-                        </a:rPr>
-                        <a:t>(Dense)             (None, 128)               32896                                                                       </a:t>
-                      </a:r>
-                      <a:endParaRPr lang="en-US" sz="2000" kern="100" dirty="0" smtClean="0">
-                        <a:effectLst/>
-                      </a:endParaRPr>
-                    </a:p>
-                    <a:p>
-                      <a:pPr algn="just">
-                        <a:lnSpc>
-                          <a:spcPts val="1200"/>
-                        </a:lnSpc>
-                        <a:spcAft>
-                          <a:spcPts val="0"/>
-                        </a:spcAft>
-                      </a:pPr>
-                      <a:endParaRPr lang="en-US" sz="2000" kern="100" dirty="0" smtClean="0">
-                        <a:effectLst/>
-                      </a:endParaRPr>
-                    </a:p>
-                    <a:p>
-                      <a:pPr algn="just">
-                        <a:lnSpc>
-                          <a:spcPts val="1200"/>
-                        </a:lnSpc>
-                        <a:spcAft>
-                          <a:spcPts val="0"/>
-                        </a:spcAft>
-                      </a:pPr>
-                      <a:r>
-                        <a:rPr lang="en-US" sz="2000" kern="100" dirty="0" smtClean="0">
-                          <a:effectLst/>
-                        </a:rPr>
-                        <a:t>dense_2 </a:t>
-                      </a:r>
-                      <a:r>
-                        <a:rPr lang="en-US" sz="2000" kern="100" dirty="0">
-                          <a:effectLst/>
-                        </a:rPr>
-                        <a:t>(Dense)             (None, 64)                8256                                                                        </a:t>
-                      </a:r>
-                      <a:endParaRPr lang="en-US" sz="2000" kern="100" dirty="0" smtClean="0">
-                        <a:effectLst/>
-                      </a:endParaRPr>
-                    </a:p>
-                    <a:p>
-                      <a:pPr algn="just">
-                        <a:lnSpc>
-                          <a:spcPts val="1200"/>
-                        </a:lnSpc>
-                        <a:spcAft>
-                          <a:spcPts val="0"/>
-                        </a:spcAft>
-                      </a:pPr>
-                      <a:endParaRPr lang="en-US" sz="2000" kern="100" dirty="0" smtClean="0">
-                        <a:effectLst/>
-                      </a:endParaRPr>
-                    </a:p>
-                    <a:p>
-                      <a:pPr algn="just">
-                        <a:lnSpc>
-                          <a:spcPts val="1200"/>
-                        </a:lnSpc>
-                        <a:spcAft>
-                          <a:spcPts val="0"/>
-                        </a:spcAft>
-                      </a:pPr>
-                      <a:r>
-                        <a:rPr lang="en-US" sz="2000" kern="100" dirty="0" smtClean="0">
-                          <a:effectLst/>
-                        </a:rPr>
-                        <a:t>dense_3 </a:t>
-                      </a:r>
-                      <a:r>
-                        <a:rPr lang="en-US" sz="2000" kern="100" dirty="0">
-                          <a:effectLst/>
-                        </a:rPr>
-                        <a:t>(Dense)             (None, 10)                </a:t>
-                      </a:r>
-                      <a:r>
-                        <a:rPr lang="en-US" sz="2000" kern="100" dirty="0" smtClean="0">
-                          <a:effectLst/>
-                        </a:rPr>
-                        <a:t>650</a:t>
-                      </a:r>
-                    </a:p>
-                    <a:p>
-                      <a:pPr algn="just">
-                        <a:lnSpc>
-                          <a:spcPts val="1200"/>
-                        </a:lnSpc>
-                        <a:spcAft>
-                          <a:spcPts val="0"/>
-                        </a:spcAft>
-                      </a:pPr>
-                      <a:endParaRPr lang="en-US" sz="2000" kern="100" dirty="0" smtClean="0">
-                        <a:effectLst/>
-                      </a:endParaRPr>
-                    </a:p>
-                    <a:p>
-                      <a:pPr algn="just">
-                        <a:lnSpc>
-                          <a:spcPts val="1200"/>
-                        </a:lnSpc>
-                        <a:spcAft>
-                          <a:spcPts val="0"/>
-                        </a:spcAft>
-                      </a:pPr>
-                      <a:r>
-                        <a:rPr lang="en-US" sz="2000" kern="100" dirty="0" smtClean="0">
-                          <a:effectLst/>
-                        </a:rPr>
-                        <a:t>===============================================================</a:t>
-                      </a:r>
-                    </a:p>
-                    <a:p>
-                      <a:pPr algn="just">
-                        <a:lnSpc>
-                          <a:spcPts val="1200"/>
-                        </a:lnSpc>
-                        <a:spcAft>
-                          <a:spcPts val="0"/>
-                        </a:spcAft>
-                      </a:pPr>
-                      <a:endParaRPr lang="en-US" sz="2000" kern="100" dirty="0" smtClean="0">
-                        <a:effectLst/>
-                      </a:endParaRPr>
-                    </a:p>
-                    <a:p>
-                      <a:pPr algn="just">
-                        <a:lnSpc>
-                          <a:spcPts val="1200"/>
-                        </a:lnSpc>
-                        <a:spcAft>
-                          <a:spcPts val="0"/>
-                        </a:spcAft>
-                      </a:pPr>
-                      <a:r>
-                        <a:rPr lang="en-US" sz="2000" kern="100" dirty="0" smtClean="0">
-                          <a:effectLst/>
-                        </a:rPr>
-                        <a:t>Total </a:t>
-                      </a:r>
-                      <a:r>
-                        <a:rPr lang="en-US" sz="2000" kern="100" dirty="0" err="1">
-                          <a:effectLst/>
-                        </a:rPr>
-                        <a:t>params</a:t>
-                      </a:r>
-                      <a:r>
-                        <a:rPr lang="en-US" sz="2000" kern="100" dirty="0">
-                          <a:effectLst/>
-                        </a:rPr>
-                        <a:t>: </a:t>
-                      </a:r>
-                      <a:r>
-                        <a:rPr lang="en-US" sz="2000" kern="100" dirty="0" smtClean="0">
-                          <a:effectLst/>
-                        </a:rPr>
-                        <a:t>48,458</a:t>
-                      </a:r>
-                    </a:p>
-                    <a:p>
-                      <a:pPr algn="just">
-                        <a:lnSpc>
-                          <a:spcPts val="1200"/>
-                        </a:lnSpc>
-                        <a:spcAft>
-                          <a:spcPts val="0"/>
-                        </a:spcAft>
-                      </a:pPr>
-                      <a:endParaRPr lang="en-US" sz="2000" kern="100" dirty="0" smtClean="0">
-                        <a:effectLst/>
-                      </a:endParaRPr>
-                    </a:p>
-                    <a:p>
-                      <a:pPr algn="just">
-                        <a:lnSpc>
-                          <a:spcPts val="1200"/>
-                        </a:lnSpc>
-                        <a:spcAft>
-                          <a:spcPts val="0"/>
-                        </a:spcAft>
-                      </a:pPr>
-                      <a:r>
-                        <a:rPr lang="en-US" sz="2000" kern="100" dirty="0" smtClean="0">
-                          <a:effectLst/>
-                        </a:rPr>
-                        <a:t>Trainable </a:t>
-                      </a:r>
-                      <a:r>
-                        <a:rPr lang="en-US" sz="2000" kern="100" dirty="0" err="1">
-                          <a:effectLst/>
-                        </a:rPr>
-                        <a:t>params</a:t>
-                      </a:r>
-                      <a:r>
-                        <a:rPr lang="en-US" sz="2000" kern="100" dirty="0">
-                          <a:effectLst/>
-                        </a:rPr>
-                        <a:t>: </a:t>
-                      </a:r>
-                      <a:r>
-                        <a:rPr lang="en-US" sz="2000" kern="100" dirty="0" smtClean="0">
-                          <a:effectLst/>
-                        </a:rPr>
-                        <a:t>48,458</a:t>
-                      </a:r>
-                    </a:p>
-                    <a:p>
-                      <a:pPr algn="just">
-                        <a:lnSpc>
-                          <a:spcPts val="1200"/>
-                        </a:lnSpc>
-                        <a:spcAft>
-                          <a:spcPts val="0"/>
-                        </a:spcAft>
-                      </a:pPr>
-                      <a:endParaRPr lang="en-US" sz="2000" kern="100" dirty="0" smtClean="0">
-                        <a:effectLst/>
-                      </a:endParaRPr>
-                    </a:p>
-                    <a:p>
-                      <a:pPr algn="just">
-                        <a:lnSpc>
-                          <a:spcPts val="1200"/>
-                        </a:lnSpc>
-                        <a:spcAft>
-                          <a:spcPts val="0"/>
-                        </a:spcAft>
-                      </a:pPr>
-                      <a:r>
-                        <a:rPr lang="en-US" sz="2000" kern="100" dirty="0" smtClean="0">
-                          <a:effectLst/>
-                        </a:rPr>
-                        <a:t>Non-trainable </a:t>
-                      </a:r>
-                      <a:r>
-                        <a:rPr lang="en-US" sz="2000" kern="100" dirty="0" err="1">
-                          <a:effectLst/>
-                        </a:rPr>
-                        <a:t>params</a:t>
-                      </a:r>
-                      <a:r>
-                        <a:rPr lang="en-US" sz="2000" kern="100" dirty="0">
-                          <a:effectLst/>
-                        </a:rPr>
-                        <a:t>: </a:t>
-                      </a:r>
-                      <a:r>
-                        <a:rPr lang="en-US" sz="2000" kern="100" dirty="0" smtClean="0">
-                          <a:effectLst/>
-                        </a:rPr>
-                        <a:t>0</a:t>
-                      </a:r>
-                    </a:p>
-                    <a:p>
-                      <a:pPr algn="just">
-                        <a:lnSpc>
-                          <a:spcPts val="1200"/>
-                        </a:lnSpc>
-                        <a:spcAft>
-                          <a:spcPts val="0"/>
-                        </a:spcAft>
-                      </a:pPr>
-                      <a:endParaRPr lang="en-US" sz="2000" kern="100" dirty="0" smtClean="0">
-                        <a:effectLst/>
-                      </a:endParaRPr>
-                    </a:p>
-                    <a:p>
-                      <a:pPr algn="just">
-                        <a:lnSpc>
-                          <a:spcPts val="1200"/>
-                        </a:lnSpc>
-                        <a:spcAft>
-                          <a:spcPts val="0"/>
-                        </a:spcAft>
-                      </a:pPr>
-                      <a:endParaRPr lang="en-US" sz="2000" kern="100" dirty="0" smtClean="0">
-                        <a:effectLst/>
-                      </a:endParaRPr>
-                    </a:p>
-                    <a:p>
-                      <a:pPr algn="just">
-                        <a:lnSpc>
-                          <a:spcPts val="1200"/>
-                        </a:lnSpc>
-                        <a:spcAft>
-                          <a:spcPts val="0"/>
-                        </a:spcAft>
-                      </a:pPr>
-                      <a:r>
-                        <a:rPr lang="en-US" sz="2000" kern="100" dirty="0" smtClean="0">
-                          <a:effectLst/>
-                        </a:rPr>
-                        <a:t>None</a:t>
-                      </a:r>
-                      <a:r>
-                        <a:rPr lang="en-US" sz="2000" kern="100" dirty="0">
-                          <a:effectLst/>
-                        </a:rPr>
-                        <a:t> </a:t>
-                      </a:r>
-                      <a:endParaRPr lang="ja-JP" sz="2000" kern="100" dirty="0">
-                        <a:effectLst/>
-                        <a:latin typeface="Century" panose="02040604050505020304" pitchFamily="18" charset="0"/>
-                        <a:ea typeface="ＭＳ 明朝" panose="02020609040205080304" pitchFamily="17" charset="-128"/>
-                        <a:cs typeface="Times New Roman" panose="02020603050405020304" pitchFamily="18" charset="0"/>
-                      </a:endParaRPr>
-                    </a:p>
-                  </a:txBody>
-                  <a:tcPr marL="68580" marR="68580" marT="0" marB="0"/>
-                </a:tc>
-                <a:extLst>
-                  <a:ext uri="{0D108BD9-81ED-4DB2-BD59-A6C34878D82A}">
-                    <a16:rowId xmlns:a16="http://schemas.microsoft.com/office/drawing/2014/main" val="2891460085"/>
-                  </a:ext>
-                </a:extLst>
-              </a:tr>
-            </a:tbl>
-          </a:graphicData>
-        </a:graphic>
-      </p:graphicFrame>
-    </p:spTree>
-    <p:extLst>
-      <p:ext uri="{BB962C8B-B14F-4D97-AF65-F5344CB8AC3E}">
-        <p14:creationId xmlns:p14="http://schemas.microsoft.com/office/powerpoint/2010/main" val="1905092805"/>
-      </p:ext>
-    </p:extLst>
-  </p:cSld>
-  <p:clrMapOvr>
-    <a:masterClrMapping/>
-  </p:clrMapOvr>
-</p:sld>
-</file>
-
-<file path=ppt/slides/slide12.xml><?xml version="1.0" encoding="utf-8"?>
-<p:sld xmlns:a="http://schemas.openxmlformats.org/drawingml/2006/main" xmlns:r="http://schemas.openxmlformats.org/officeDocument/2006/relationships" xmlns:p="http://schemas.openxmlformats.org/presentationml/2006/main">
-  <p:cSld>
-    <p:spTree>
-      <p:nvGrpSpPr>
-        <p:cNvPr id="1" name=""/>
-        <p:cNvGrpSpPr/>
-        <p:nvPr/>
-      </p:nvGrpSpPr>
-      <p:grpSpPr>
-        <a:xfrm>
-          <a:off x="0" y="0"/>
-          <a:ext cx="0" cy="0"/>
-          <a:chOff x="0" y="0"/>
-          <a:chExt cx="0" cy="0"/>
-        </a:xfrm>
-      </p:grpSpPr>
-      <p:sp>
-        <p:nvSpPr>
-          <p:cNvPr id="2" name="タイトル 1"/>
-          <p:cNvSpPr>
-            <a:spLocks noGrp="1"/>
-          </p:cNvSpPr>
-          <p:nvPr>
-            <p:ph type="title"/>
-          </p:nvPr>
-        </p:nvSpPr>
-        <p:spPr/>
-        <p:txBody>
-          <a:bodyPr/>
-          <a:lstStyle/>
-          <a:p>
-            <a:r>
-              <a:rPr lang="ja-JP" altLang="en-US" dirty="0" smtClean="0"/>
-              <a:t>ラウンドロビン方式を導入した</a:t>
-            </a:r>
-            <a:r>
-              <a:rPr lang="en-US" altLang="ja-JP" dirty="0" smtClean="0"/>
-              <a:t/>
-            </a:r>
-            <a:br>
-              <a:rPr lang="en-US" altLang="ja-JP" dirty="0" smtClean="0"/>
-            </a:br>
-            <a:r>
-              <a:rPr lang="ja-JP" altLang="en-US" dirty="0" smtClean="0"/>
-              <a:t>負荷分散システム</a:t>
-            </a:r>
-            <a:endParaRPr kumimoji="1" lang="ja-JP" altLang="en-US" dirty="0"/>
-          </a:p>
-        </p:txBody>
-      </p:sp>
-      <p:graphicFrame>
-        <p:nvGraphicFramePr>
-          <p:cNvPr id="5" name="コンテンツ プレースホルダー 4"/>
-          <p:cNvGraphicFramePr>
-            <a:graphicFrameLocks noGrp="1"/>
-          </p:cNvGraphicFramePr>
-          <p:nvPr>
-            <p:ph idx="1"/>
-            <p:extLst>
-              <p:ext uri="{D42A27DB-BD31-4B8C-83A1-F6EECF244321}">
-                <p14:modId xmlns:p14="http://schemas.microsoft.com/office/powerpoint/2010/main" val="1161598586"/>
+                <p14:modId xmlns:p14="http://schemas.microsoft.com/office/powerpoint/2010/main" val="1422427880"/>
               </p:ext>
             </p:extLst>
           </p:nvPr>
@@ -5349,7 +4537,7 @@
           <a:graphicData uri="http://schemas.openxmlformats.org/drawingml/2006/table">
             <a:tbl>
               <a:tblPr firstRow="1" firstCol="1" bandRow="1">
-                <a:tableStyleId>{5C22544A-7EE6-4342-B048-85BDC9FD1C3A}</a:tableStyleId>
+                <a:tableStyleId>{912C8C85-51F0-491E-9774-3900AFEF0FD7}</a:tableStyleId>
               </a:tblPr>
               <a:tblGrid>
                 <a:gridCol w="4000461">
@@ -5407,27 +4595,18 @@
                       <a:r>
                         <a:rPr lang="ja-JP" altLang="en-US" sz="2400" kern="100" dirty="0" smtClean="0">
                           <a:effectLst/>
-                          <a:latin typeface="+mn-lt"/>
-                          <a:ea typeface="+mn-ea"/>
-                          <a:cs typeface="+mn-cs"/>
                         </a:rPr>
                         <a:t>使用する</a:t>
                       </a:r>
                       <a:r>
                         <a:rPr lang="en-US" altLang="ja-JP" sz="2400" kern="100" dirty="0" smtClean="0">
                           <a:effectLst/>
-                          <a:latin typeface="+mn-lt"/>
-                          <a:ea typeface="+mn-ea"/>
-                          <a:cs typeface="+mn-cs"/>
                         </a:rPr>
                         <a:t>Web</a:t>
                       </a:r>
                       <a:r>
                         <a:rPr lang="ja-JP" altLang="en-US" sz="2400" kern="100" dirty="0" smtClean="0">
                           <a:effectLst/>
-                          <a:latin typeface="+mn-lt"/>
-                          <a:ea typeface="+mn-ea"/>
-                          <a:cs typeface="+mn-cs"/>
                         </a:rPr>
                         <a:t>サーバ</a:t>
                       </a:r>
@@ -5487,9 +4666,6 @@
                       <a:r>
                         <a:rPr lang="en-US" altLang="ja-JP" sz="2400" kern="100" dirty="0" smtClean="0">
                           <a:effectLst/>
-                          <a:latin typeface="Century" panose="02040604050505020304" pitchFamily="18" charset="0"/>
-                          <a:ea typeface="ＭＳ 明朝" panose="02020609040205080304" pitchFamily="17" charset="-128"/>
-                          <a:cs typeface="Times New Roman" panose="02020603050405020304" pitchFamily="18" charset="0"/>
                         </a:rPr>
                         <a:t>Nginx</a:t>
                       </a:r>
@@ -5549,9 +4725,6 @@
                       <a:r>
                         <a:rPr lang="en-US" altLang="ja-JP" sz="2400" kern="100" dirty="0" smtClean="0">
                           <a:effectLst/>
-                          <a:latin typeface="+mn-lt"/>
-                          <a:ea typeface="+mn-ea"/>
-                          <a:cs typeface="+mn-cs"/>
                         </a:rPr>
                         <a:t>Apache</a:t>
                       </a:r>
@@ -5611,9 +4784,6 @@
                       <a:r>
                         <a:rPr lang="en-US" altLang="ja-JP" sz="2400" kern="100" dirty="0" smtClean="0">
                           <a:effectLst/>
-                          <a:latin typeface="+mn-lt"/>
-                          <a:ea typeface="+mn-ea"/>
-                          <a:cs typeface="+mn-cs"/>
                         </a:rPr>
                         <a:t>Apache</a:t>
                       </a:r>
@@ -5673,9 +4843,6 @@
                       <a:r>
                         <a:rPr lang="en-US" altLang="ja-JP" sz="2400" kern="100" dirty="0" smtClean="0">
                           <a:effectLst/>
-                          <a:latin typeface="+mn-lt"/>
-                          <a:ea typeface="+mn-ea"/>
-                          <a:cs typeface="+mn-cs"/>
                         </a:rPr>
                         <a:t>Apache</a:t>
                       </a:r>
@@ -5717,7 +4884,7 @@
             <a:fld id="{B4451160-128F-4DAD-AE29-4A8CC0E7B9E9}" type="slidenum">
               <a:rPr lang="ja-JP" altLang="en-US" smtClean="0"/>
               <a:pPr/>
-              <a:t>12</a:t>
+              <a:t>10</a:t>
             </a:fld>
             <a:endParaRPr lang="ja-JP" altLang="en-US" dirty="0"/>
           </a:p>
@@ -5828,10 +4995,17 @@
   <p:clrMapOvr>
     <a:masterClrMapping/>
   </p:clrMapOvr>
+  <p:timing>
+    <p:tnLst>
+      <p:par>
+        <p:cTn id="1" dur="indefinite" restart="never" nodeType="tmRoot"/>
+      </p:par>
+    </p:tnLst>
+  </p:timing>
 </p:sld>
 </file>
 
-<file path=ppt/slides/slide13.xml><?xml version="1.0" encoding="utf-8"?>
+<file path=ppt/slides/slide11.xml><?xml version="1.0" encoding="utf-8"?>
 <p:sld xmlns:a="http://schemas.openxmlformats.org/drawingml/2006/main" xmlns:r="http://schemas.openxmlformats.org/officeDocument/2006/relationships" xmlns:p="http://schemas.openxmlformats.org/presentationml/2006/main">
   <p:cSld>
     <p:spTree>
@@ -5865,7 +5039,7 @@
           <a:p>
             <a:r>
               <a:rPr kumimoji="1" lang="ja-JP" altLang="en-US" dirty="0" smtClean="0"/>
-              <a:t>実験</a:t>
+              <a:t>実験目的</a:t>
             </a:r>
             <a:endParaRPr kumimoji="1" lang="ja-JP" altLang="en-US" dirty="0"/>
           </a:p>
@@ -5886,76 +5060,15 @@
           <a:bodyPr/>
           <a:lstStyle/>
           <a:p>
-            <a:pPr marL="0" indent="0">
-              <a:buNone/>
-            </a:pPr>
-            <a:r>
-              <a:rPr lang="en-US" altLang="ja-JP" dirty="0" smtClean="0"/>
-              <a:t>200</a:t>
-            </a:r>
-            <a:r>
-              <a:rPr lang="ja-JP" altLang="en-US" dirty="0" smtClean="0"/>
-              <a:t>件ほどの楽曲データを用意し</a:t>
-            </a:r>
-            <a:r>
-              <a:rPr lang="en-US" altLang="ja-JP" dirty="0" smtClean="0"/>
-              <a:t>1</a:t>
-            </a:r>
-            <a:r>
-              <a:rPr lang="ja-JP" altLang="en-US" dirty="0" smtClean="0"/>
-              <a:t>台の</a:t>
-            </a:r>
-            <a:r>
-              <a:rPr lang="en-US" altLang="ja-JP" dirty="0" err="1" smtClean="0"/>
-              <a:t>RaspberryPi</a:t>
-            </a:r>
-            <a:r>
-              <a:rPr lang="ja-JP" altLang="en-US" dirty="0" smtClean="0"/>
-              <a:t>でジャンル推定処理を</a:t>
-            </a:r>
-            <a:r>
-              <a:rPr lang="en-US" altLang="ja-JP" dirty="0" smtClean="0"/>
-              <a:t>3</a:t>
-            </a:r>
-            <a:r>
-              <a:rPr lang="ja-JP" altLang="en-US" dirty="0" smtClean="0"/>
-              <a:t>回行い処理にかかった時間の合計とジャンル推定の分類精度を計測する．</a:t>
-            </a:r>
-            <a:endParaRPr lang="en-US" altLang="ja-JP" dirty="0" smtClean="0"/>
-          </a:p>
-          <a:p>
-            <a:pPr marL="0" indent="0">
-              <a:buNone/>
-            </a:pPr>
-            <a:r>
-              <a:rPr lang="ja-JP" altLang="en-US" dirty="0" smtClean="0"/>
-              <a:t>その後３台の</a:t>
-            </a:r>
-            <a:r>
-              <a:rPr lang="en-US" altLang="ja-JP" dirty="0" err="1" smtClean="0"/>
-              <a:t>RaspberryPi</a:t>
-            </a:r>
-            <a:r>
-              <a:rPr lang="ja-JP" altLang="en-US" dirty="0" smtClean="0"/>
-              <a:t>に</a:t>
-            </a:r>
-            <a:r>
-              <a:rPr lang="en-US" altLang="ja-JP" dirty="0" smtClean="0"/>
-              <a:t>3</a:t>
-            </a:r>
-            <a:r>
-              <a:rPr lang="ja-JP" altLang="en-US" dirty="0" smtClean="0"/>
-              <a:t>回の処理を分散して行い</a:t>
-            </a:r>
-            <a:r>
-              <a:rPr lang="ja-JP" altLang="en-US" dirty="0"/>
-              <a:t>処理にかかった</a:t>
-            </a:r>
-            <a:r>
-              <a:rPr lang="ja-JP" altLang="en-US" dirty="0" smtClean="0"/>
-              <a:t>時間の合計と分類精度を計測したものをそれぞれ比較する．</a:t>
-            </a:r>
-            <a:endParaRPr lang="en-US" altLang="ja-JP" dirty="0" smtClean="0"/>
+            <a:r>
+              <a:rPr kumimoji="1" lang="ja-JP" altLang="en-US" dirty="0" smtClean="0"/>
+              <a:t>単機サーバと複数サーバでジャンル推定処理を行い．その処理にかかった時間と分類精度を</a:t>
+            </a:r>
+            <a:r>
+              <a:rPr kumimoji="1" lang="ja-JP" altLang="en-US" smtClean="0"/>
+              <a:t>比較することで実現可能性を検証する．</a:t>
+            </a:r>
+            <a:endParaRPr kumimoji="1" lang="ja-JP" altLang="en-US" dirty="0"/>
           </a:p>
         </p:txBody>
       </p:sp>
@@ -5977,7 +5090,7 @@
             <a:fld id="{B4451160-128F-4DAD-AE29-4A8CC0E7B9E9}" type="slidenum">
               <a:rPr lang="ja-JP" altLang="en-US" smtClean="0"/>
               <a:pPr/>
-              <a:t>13</a:t>
+              <a:t>11</a:t>
             </a:fld>
             <a:endParaRPr lang="ja-JP" altLang="en-US" dirty="0"/>
           </a:p>
@@ -5986,7 +5099,7 @@
     </p:spTree>
     <p:extLst>
       <p:ext uri="{BB962C8B-B14F-4D97-AF65-F5344CB8AC3E}">
-        <p14:creationId xmlns:p14="http://schemas.microsoft.com/office/powerpoint/2010/main" val="2779179843"/>
+        <p14:creationId xmlns:p14="http://schemas.microsoft.com/office/powerpoint/2010/main" val="636665"/>
       </p:ext>
     </p:extLst>
   </p:cSld>
@@ -5996,7 +5109,7 @@
 </p:sld>
 </file>
 
-<file path=ppt/slides/slide14.xml><?xml version="1.0" encoding="utf-8"?>
+<file path=ppt/slides/slide12.xml><?xml version="1.0" encoding="utf-8"?>
 <p:sld xmlns:a="http://schemas.openxmlformats.org/drawingml/2006/main" xmlns:r="http://schemas.openxmlformats.org/officeDocument/2006/relationships" xmlns:p="http://schemas.openxmlformats.org/presentationml/2006/main">
   <p:cSld>
     <p:spTree>
@@ -6066,7 +5179,7 @@
             <a:fld id="{B4451160-128F-4DAD-AE29-4A8CC0E7B9E9}" type="slidenum">
               <a:rPr lang="ja-JP" altLang="en-US" smtClean="0"/>
               <a:pPr/>
-              <a:t>14</a:t>
+              <a:t>12</a:t>
             </a:fld>
             <a:endParaRPr lang="ja-JP" altLang="en-US" dirty="0"/>
           </a:p>
@@ -6082,14 +5195,14 @@
             <p:ph idx="1"/>
             <p:extLst>
               <p:ext uri="{D42A27DB-BD31-4B8C-83A1-F6EECF244321}">
-                <p14:modId xmlns:p14="http://schemas.microsoft.com/office/powerpoint/2010/main" val="3904735676"/>
+                <p14:modId xmlns:p14="http://schemas.microsoft.com/office/powerpoint/2010/main" val="986496615"/>
               </p:ext>
             </p:extLst>
           </p:nvPr>
         </p:nvGraphicFramePr>
         <p:xfrm>
-          <a:off x="839244" y="2279737"/>
-          <a:ext cx="7553193" cy="2956142"/>
+          <a:off x="628650" y="1550989"/>
+          <a:ext cx="7886700" cy="2162477"/>
         </p:xfrm>
         <a:graphic>
           <a:graphicData uri="http://schemas.openxmlformats.org/drawingml/2006/table">
@@ -6098,21 +5211,21 @@
                 <a:tableStyleId>{5C22544A-7EE6-4342-B048-85BDC9FD1C3A}</a:tableStyleId>
               </a:tblPr>
               <a:tblGrid>
-                <a:gridCol w="2517369">
+                <a:gridCol w="3056097">
                   <a:extLst>
                     <a:ext uri="{9D8B030D-6E8A-4147-A177-3AD203B41FA5}">
                       <a16:colId xmlns:a16="http://schemas.microsoft.com/office/drawing/2014/main" val="3501669275"/>
                     </a:ext>
                   </a:extLst>
                 </a:gridCol>
-                <a:gridCol w="2517912">
+                <a:gridCol w="2201514">
                   <a:extLst>
                     <a:ext uri="{9D8B030D-6E8A-4147-A177-3AD203B41FA5}">
                       <a16:colId xmlns:a16="http://schemas.microsoft.com/office/drawing/2014/main" val="2777403952"/>
                     </a:ext>
                   </a:extLst>
                 </a:gridCol>
-                <a:gridCol w="2517912">
+                <a:gridCol w="2629089">
                   <a:extLst>
                     <a:ext uri="{9D8B030D-6E8A-4147-A177-3AD203B41FA5}">
                       <a16:colId xmlns:a16="http://schemas.microsoft.com/office/drawing/2014/main" val="581025790"/>
@@ -6120,7 +5233,7 @@
                   </a:extLst>
                 </a:gridCol>
               </a:tblGrid>
-              <a:tr h="607750">
+              <a:tr h="444581">
                 <a:tc>
                   <a:txBody>
                     <a:bodyPr/>
@@ -6132,10 +5245,269 @@
                         </a:spcAft>
                       </a:pPr>
                       <a:r>
-                        <a:rPr lang="ja-JP" sz="2400" kern="100">
+                        <a:rPr lang="ja-JP" sz="2400" kern="100" dirty="0">
                           <a:effectLst/>
                         </a:rPr>
                         <a:t>機器名</a:t>
+                      </a:r>
+                      <a:endParaRPr lang="ja-JP" sz="2400" kern="100" dirty="0">
+                        <a:effectLst/>
+                        <a:latin typeface="Century" panose="02040604050505020304" pitchFamily="18" charset="0"/>
+                        <a:ea typeface="ＭＳ 明朝" panose="02020609040205080304" pitchFamily="17" charset="-128"/>
+                        <a:cs typeface="Times New Roman" panose="02020603050405020304" pitchFamily="18" charset="0"/>
+                      </a:endParaRPr>
+                    </a:p>
+                  </a:txBody>
+                  <a:tcPr marL="68580" marR="68580" marT="0" marB="0"/>
+                </a:tc>
+                <a:tc>
+                  <a:txBody>
+                    <a:bodyPr/>
+                    <a:lstStyle/>
+                    <a:p>
+                      <a:pPr algn="just">
+                        <a:spcAft>
+                          <a:spcPts val="0"/>
+                        </a:spcAft>
+                      </a:pPr>
+                      <a:r>
+                        <a:rPr lang="en-US" sz="2400" kern="100" dirty="0">
+                          <a:effectLst/>
+                        </a:rPr>
+                        <a:t>IP</a:t>
+                      </a:r>
+                      <a:r>
+                        <a:rPr lang="ja-JP" sz="2400" kern="100" dirty="0">
+                          <a:effectLst/>
+                        </a:rPr>
+                        <a:t>アドレス</a:t>
+                      </a:r>
+                      <a:endParaRPr lang="ja-JP" sz="2400" kern="100" dirty="0">
+                        <a:effectLst/>
+                        <a:latin typeface="Century" panose="02040604050505020304" pitchFamily="18" charset="0"/>
+                        <a:ea typeface="ＭＳ 明朝" panose="02020609040205080304" pitchFamily="17" charset="-128"/>
+                        <a:cs typeface="Times New Roman" panose="02020603050405020304" pitchFamily="18" charset="0"/>
+                      </a:endParaRPr>
+                    </a:p>
+                  </a:txBody>
+                  <a:tcPr marL="68580" marR="68580" marT="0" marB="0"/>
+                </a:tc>
+                <a:tc>
+                  <a:txBody>
+                    <a:bodyPr/>
+                    <a:lstStyle/>
+                    <a:p>
+                      <a:pPr algn="just">
+                        <a:spcAft>
+                          <a:spcPts val="0"/>
+                        </a:spcAft>
+                      </a:pPr>
+                      <a:r>
+                        <a:rPr lang="en-US" altLang="ja-JP" sz="2400" kern="100" dirty="0" smtClean="0">
+                          <a:effectLst/>
+                          <a:latin typeface="Century" panose="02040604050505020304" pitchFamily="18" charset="0"/>
+                          <a:ea typeface="ＭＳ 明朝" panose="02020609040205080304" pitchFamily="17" charset="-128"/>
+                          <a:cs typeface="Times New Roman" panose="02020603050405020304" pitchFamily="18" charset="0"/>
+                        </a:rPr>
+                        <a:t>Web</a:t>
+                      </a:r>
+                      <a:r>
+                        <a:rPr lang="ja-JP" altLang="en-US" sz="2400" kern="100" dirty="0" smtClean="0">
+                          <a:effectLst/>
+                          <a:latin typeface="Century" panose="02040604050505020304" pitchFamily="18" charset="0"/>
+                          <a:ea typeface="ＭＳ 明朝" panose="02020609040205080304" pitchFamily="17" charset="-128"/>
+                          <a:cs typeface="Times New Roman" panose="02020603050405020304" pitchFamily="18" charset="0"/>
+                        </a:rPr>
+                        <a:t>サーバ</a:t>
+                      </a:r>
+                      <a:endParaRPr lang="ja-JP" sz="2400" kern="100" dirty="0">
+                        <a:effectLst/>
+                        <a:latin typeface="Century" panose="02040604050505020304" pitchFamily="18" charset="0"/>
+                        <a:ea typeface="ＭＳ 明朝" panose="02020609040205080304" pitchFamily="17" charset="-128"/>
+                        <a:cs typeface="Times New Roman" panose="02020603050405020304" pitchFamily="18" charset="0"/>
+                      </a:endParaRPr>
+                    </a:p>
+                  </a:txBody>
+                  <a:tcPr marL="68580" marR="68580" marT="0" marB="0"/>
+                </a:tc>
+                <a:extLst>
+                  <a:ext uri="{0D108BD9-81ED-4DB2-BD59-A6C34878D82A}">
+                    <a16:rowId xmlns:a16="http://schemas.microsoft.com/office/drawing/2014/main" val="2827563333"/>
+                  </a:ext>
+                </a:extLst>
+              </a:tr>
+              <a:tr h="429474">
+                <a:tc>
+                  <a:txBody>
+                    <a:bodyPr/>
+                    <a:lstStyle/>
+                    <a:p>
+                      <a:pPr algn="just">
+                        <a:spcAft>
+                          <a:spcPts val="0"/>
+                        </a:spcAft>
+                      </a:pPr>
+                      <a:r>
+                        <a:rPr lang="en-US" sz="2400" kern="100" dirty="0">
+                          <a:effectLst/>
+                        </a:rPr>
+                        <a:t>Raspberry </a:t>
+                      </a:r>
+                      <a:r>
+                        <a:rPr lang="en-US" sz="2400" kern="100" dirty="0" smtClean="0">
+                          <a:effectLst/>
+                        </a:rPr>
+                        <a:t>Pi1(</a:t>
+                      </a:r>
+                      <a:r>
+                        <a:rPr lang="en-US" altLang="ja-JP" sz="2400" kern="100" dirty="0" smtClean="0">
+                          <a:effectLst/>
+                        </a:rPr>
+                        <a:t>1</a:t>
+                      </a:r>
+                      <a:r>
+                        <a:rPr lang="ja-JP" altLang="en-US" sz="2400" kern="100" dirty="0" smtClean="0">
+                          <a:effectLst/>
+                        </a:rPr>
+                        <a:t>号機</a:t>
+                      </a:r>
+                      <a:r>
+                        <a:rPr lang="en-US" sz="2400" kern="100" dirty="0" smtClean="0">
+                          <a:effectLst/>
+                        </a:rPr>
+                        <a:t>)</a:t>
+                      </a:r>
+                      <a:endParaRPr lang="ja-JP" sz="2400" kern="100" dirty="0">
+                        <a:effectLst/>
+                        <a:latin typeface="Century" panose="02040604050505020304" pitchFamily="18" charset="0"/>
+                        <a:ea typeface="ＭＳ 明朝" panose="02020609040205080304" pitchFamily="17" charset="-128"/>
+                        <a:cs typeface="Times New Roman" panose="02020603050405020304" pitchFamily="18" charset="0"/>
+                      </a:endParaRPr>
+                    </a:p>
+                  </a:txBody>
+                  <a:tcPr marL="68580" marR="68580" marT="0" marB="0"/>
+                </a:tc>
+                <a:tc>
+                  <a:txBody>
+                    <a:bodyPr/>
+                    <a:lstStyle/>
+                    <a:p>
+                      <a:pPr algn="just">
+                        <a:spcAft>
+                          <a:spcPts val="0"/>
+                        </a:spcAft>
+                      </a:pPr>
+                      <a:r>
+                        <a:rPr lang="en-US" sz="2400" kern="100" dirty="0" smtClean="0">
+                          <a:effectLst/>
+                        </a:rPr>
+                        <a:t>192.168.5.1</a:t>
+                      </a:r>
+                      <a:endParaRPr lang="ja-JP" sz="2400" kern="100" dirty="0">
+                        <a:effectLst/>
+                        <a:latin typeface="Century" panose="02040604050505020304" pitchFamily="18" charset="0"/>
+                        <a:ea typeface="ＭＳ 明朝" panose="02020609040205080304" pitchFamily="17" charset="-128"/>
+                        <a:cs typeface="Times New Roman" panose="02020603050405020304" pitchFamily="18" charset="0"/>
+                      </a:endParaRPr>
+                    </a:p>
+                  </a:txBody>
+                  <a:tcPr marL="68580" marR="68580" marT="0" marB="0"/>
+                </a:tc>
+                <a:tc>
+                  <a:txBody>
+                    <a:bodyPr/>
+                    <a:lstStyle/>
+                    <a:p>
+                      <a:pPr algn="just">
+                        <a:spcAft>
+                          <a:spcPts val="0"/>
+                        </a:spcAft>
+                      </a:pPr>
+                      <a:r>
+                        <a:rPr lang="en-US" altLang="ja-JP" sz="2400" kern="100" dirty="0" smtClean="0">
+                          <a:effectLst/>
+                          <a:latin typeface="Century" panose="02040604050505020304" pitchFamily="18" charset="0"/>
+                          <a:ea typeface="ＭＳ 明朝" panose="02020609040205080304" pitchFamily="17" charset="-128"/>
+                          <a:cs typeface="Times New Roman" panose="02020603050405020304" pitchFamily="18" charset="0"/>
+                        </a:rPr>
+                        <a:t>Nginx</a:t>
+                      </a:r>
+                      <a:endParaRPr lang="ja-JP" sz="2400" kern="100" dirty="0">
+                        <a:effectLst/>
+                        <a:latin typeface="Century" panose="02040604050505020304" pitchFamily="18" charset="0"/>
+                        <a:ea typeface="ＭＳ 明朝" panose="02020609040205080304" pitchFamily="17" charset="-128"/>
+                        <a:cs typeface="Times New Roman" panose="02020603050405020304" pitchFamily="18" charset="0"/>
+                      </a:endParaRPr>
+                    </a:p>
+                  </a:txBody>
+                  <a:tcPr marL="68580" marR="68580" marT="0" marB="0"/>
+                </a:tc>
+                <a:extLst>
+                  <a:ext uri="{0D108BD9-81ED-4DB2-BD59-A6C34878D82A}">
+                    <a16:rowId xmlns:a16="http://schemas.microsoft.com/office/drawing/2014/main" val="586865223"/>
+                  </a:ext>
+                </a:extLst>
+              </a:tr>
+              <a:tr h="429474">
+                <a:tc>
+                  <a:txBody>
+                    <a:bodyPr/>
+                    <a:lstStyle/>
+                    <a:p>
+                      <a:pPr algn="just">
+                        <a:spcAft>
+                          <a:spcPts val="0"/>
+                        </a:spcAft>
+                      </a:pPr>
+                      <a:r>
+                        <a:rPr lang="en-US" sz="2400" kern="100" dirty="0">
+                          <a:effectLst/>
+                        </a:rPr>
+                        <a:t>Raspberry </a:t>
+                      </a:r>
+                      <a:r>
+                        <a:rPr lang="en-US" sz="2400" kern="100" dirty="0" smtClean="0">
+                          <a:effectLst/>
+                        </a:rPr>
+                        <a:t>Pi2(2</a:t>
+                      </a:r>
+                      <a:r>
+                        <a:rPr lang="ja-JP" altLang="en-US" sz="2400" kern="100" dirty="0" smtClean="0">
+                          <a:effectLst/>
+                        </a:rPr>
+                        <a:t>号機</a:t>
+                      </a:r>
+                      <a:r>
+                        <a:rPr lang="en-US" sz="2400" kern="100" dirty="0" smtClean="0">
+                          <a:effectLst/>
+                        </a:rPr>
+                        <a:t>)</a:t>
+                      </a:r>
+                      <a:endParaRPr lang="ja-JP" sz="2400" kern="100" dirty="0">
+                        <a:effectLst/>
+                        <a:latin typeface="Century" panose="02040604050505020304" pitchFamily="18" charset="0"/>
+                        <a:ea typeface="ＭＳ 明朝" panose="02020609040205080304" pitchFamily="17" charset="-128"/>
+                        <a:cs typeface="Times New Roman" panose="02020603050405020304" pitchFamily="18" charset="0"/>
+                      </a:endParaRPr>
+                    </a:p>
+                  </a:txBody>
+                  <a:tcPr marL="68580" marR="68580" marT="0" marB="0"/>
+                </a:tc>
+                <a:tc>
+                  <a:txBody>
+                    <a:bodyPr/>
+                    <a:lstStyle/>
+                    <a:p>
+                      <a:pPr algn="just">
+                        <a:spcAft>
+                          <a:spcPts val="0"/>
+                        </a:spcAft>
+                      </a:pPr>
+                      <a:r>
+                        <a:rPr lang="en-US" sz="2400" kern="100">
+                          <a:effectLst/>
+                        </a:rPr>
+                        <a:t>192.168.5.2</a:t>
                       </a:r>
                       <a:endParaRPr lang="ja-JP" sz="2400" kern="100">
                         <a:effectLst/>
@@ -6158,16 +5530,64 @@
                         </a:spcAft>
                       </a:pPr>
                       <a:r>
+                        <a:rPr lang="en-US" altLang="ja-JP" sz="2400" kern="100" dirty="0" smtClean="0">
+                          <a:effectLst/>
+                          <a:latin typeface="Century" panose="02040604050505020304" pitchFamily="18" charset="0"/>
+                          <a:ea typeface="ＭＳ 明朝" panose="02020609040205080304" pitchFamily="17" charset="-128"/>
+                          <a:cs typeface="Times New Roman" panose="02020603050405020304" pitchFamily="18" charset="0"/>
+                        </a:rPr>
+                        <a:t>Apache</a:t>
+                      </a:r>
+                      <a:endParaRPr lang="ja-JP" sz="2400" kern="100" dirty="0">
+                        <a:effectLst/>
+                        <a:latin typeface="Century" panose="02040604050505020304" pitchFamily="18" charset="0"/>
+                        <a:ea typeface="ＭＳ 明朝" panose="02020609040205080304" pitchFamily="17" charset="-128"/>
+                        <a:cs typeface="Times New Roman" panose="02020603050405020304" pitchFamily="18" charset="0"/>
+                      </a:endParaRPr>
+                    </a:p>
+                  </a:txBody>
+                  <a:tcPr marL="68580" marR="68580" marT="0" marB="0"/>
+                </a:tc>
+                <a:extLst>
+                  <a:ext uri="{0D108BD9-81ED-4DB2-BD59-A6C34878D82A}">
+                    <a16:rowId xmlns:a16="http://schemas.microsoft.com/office/drawing/2014/main" val="578745927"/>
+                  </a:ext>
+                </a:extLst>
+              </a:tr>
+              <a:tr h="429474">
+                <a:tc>
+                  <a:txBody>
+                    <a:bodyPr/>
+                    <a:lstStyle/>
+                    <a:p>
+                      <a:pPr algn="just">
+                        <a:spcAft>
+                          <a:spcPts val="0"/>
+                        </a:spcAft>
+                      </a:pPr>
+                      <a:r>
                         <a:rPr lang="en-US" sz="2400" kern="100" dirty="0">
                           <a:effectLst/>
                         </a:rPr>
-                        <a:t>IP</a:t>
-                      </a:r>
-                      <a:r>
-                        <a:rPr lang="ja-JP" sz="2400" kern="100" dirty="0">
-                          <a:effectLst/>
-                        </a:rPr>
-                        <a:t>アドレス</a:t>
+                        <a:t>Raspberry </a:t>
+                      </a:r>
+                      <a:r>
+                        <a:rPr lang="en-US" sz="2400" kern="100" dirty="0" smtClean="0">
+                          <a:effectLst/>
+                        </a:rPr>
+                        <a:t>Pi3(3</a:t>
+                      </a:r>
+                      <a:r>
+                        <a:rPr lang="ja-JP" altLang="en-US" sz="2400" kern="100" dirty="0" smtClean="0">
+                          <a:effectLst/>
+                        </a:rPr>
+                        <a:t>号機</a:t>
+                      </a:r>
+                      <a:r>
+                        <a:rPr lang="en-US" sz="2400" kern="100" dirty="0" smtClean="0">
+                          <a:effectLst/>
+                        </a:rPr>
+                        <a:t>)</a:t>
                       </a:r>
                       <a:endParaRPr lang="ja-JP" sz="2400" kern="100" dirty="0">
                         <a:effectLst/>
@@ -6190,55 +5610,10 @@
                         </a:spcAft>
                       </a:pPr>
                       <a:r>
-                        <a:rPr lang="en-US" altLang="ja-JP" sz="2400" kern="100" dirty="0" smtClean="0">
-                          <a:effectLst/>
-                          <a:latin typeface="Century" panose="02040604050505020304" pitchFamily="18" charset="0"/>
-                          <a:ea typeface="ＭＳ 明朝" panose="02020609040205080304" pitchFamily="17" charset="-128"/>
-                          <a:cs typeface="Times New Roman" panose="02020603050405020304" pitchFamily="18" charset="0"/>
-                        </a:rPr>
-                        <a:t>Web</a:t>
-                      </a:r>
-                      <a:r>
-                        <a:rPr lang="ja-JP" altLang="en-US" sz="2400" kern="100" dirty="0" smtClean="0">
-                          <a:effectLst/>
-                          <a:latin typeface="Century" panose="02040604050505020304" pitchFamily="18" charset="0"/>
-                          <a:ea typeface="ＭＳ 明朝" panose="02020609040205080304" pitchFamily="17" charset="-128"/>
-                          <a:cs typeface="Times New Roman" panose="02020603050405020304" pitchFamily="18" charset="0"/>
-                        </a:rPr>
-                        <a:t>サーバ</a:t>
-                      </a:r>
-                      <a:endParaRPr lang="ja-JP" sz="2400" kern="100" dirty="0">
-                        <a:effectLst/>
-                        <a:latin typeface="Century" panose="02040604050505020304" pitchFamily="18" charset="0"/>
-                        <a:ea typeface="ＭＳ 明朝" panose="02020609040205080304" pitchFamily="17" charset="-128"/>
-                        <a:cs typeface="Times New Roman" panose="02020603050405020304" pitchFamily="18" charset="0"/>
-                      </a:endParaRPr>
-                    </a:p>
-                  </a:txBody>
-                  <a:tcPr marL="68580" marR="68580" marT="0" marB="0"/>
-                </a:tc>
-                <a:extLst>
-                  <a:ext uri="{0D108BD9-81ED-4DB2-BD59-A6C34878D82A}">
-                    <a16:rowId xmlns:a16="http://schemas.microsoft.com/office/drawing/2014/main" val="2827563333"/>
-                  </a:ext>
-                </a:extLst>
-              </a:tr>
-              <a:tr h="587098">
-                <a:tc>
-                  <a:txBody>
-                    <a:bodyPr/>
-                    <a:lstStyle/>
-                    <a:p>
-                      <a:pPr algn="just">
-                        <a:spcAft>
-                          <a:spcPts val="0"/>
-                        </a:spcAft>
-                      </a:pPr>
-                      <a:r>
                         <a:rPr lang="en-US" sz="2400" kern="100">
                           <a:effectLst/>
                         </a:rPr>
-                        <a:t>Raspberry Pi1</a:t>
+                        <a:t>192.168.5.3</a:t>
                       </a:r>
                       <a:endParaRPr lang="ja-JP" sz="2400" kern="100">
                         <a:effectLst/>
@@ -6261,208 +5636,6 @@
                         </a:spcAft>
                       </a:pPr>
                       <a:r>
-                        <a:rPr lang="en-US" sz="2400" kern="100">
-                          <a:effectLst/>
-                        </a:rPr>
-                        <a:t>192.168.5.1</a:t>
-                      </a:r>
-                      <a:endParaRPr lang="ja-JP" sz="2400" kern="100">
-                        <a:effectLst/>
-                        <a:latin typeface="Century" panose="02040604050505020304" pitchFamily="18" charset="0"/>
-                        <a:ea typeface="ＭＳ 明朝" panose="02020609040205080304" pitchFamily="17" charset="-128"/>
-                        <a:cs typeface="Times New Roman" panose="02020603050405020304" pitchFamily="18" charset="0"/>
-                      </a:endParaRPr>
-                    </a:p>
-                  </a:txBody>
-                  <a:tcPr marL="68580" marR="68580" marT="0" marB="0"/>
-                </a:tc>
-                <a:tc>
-                  <a:txBody>
-                    <a:bodyPr/>
-                    <a:lstStyle/>
-                    <a:p>
-                      <a:pPr algn="just">
-                        <a:spcAft>
-                          <a:spcPts val="0"/>
-                        </a:spcAft>
-                      </a:pPr>
-                      <a:r>
-                        <a:rPr lang="en-US" altLang="ja-JP" sz="2400" kern="100" dirty="0" smtClean="0">
-                          <a:effectLst/>
-                          <a:latin typeface="Century" panose="02040604050505020304" pitchFamily="18" charset="0"/>
-                          <a:ea typeface="ＭＳ 明朝" panose="02020609040205080304" pitchFamily="17" charset="-128"/>
-                          <a:cs typeface="Times New Roman" panose="02020603050405020304" pitchFamily="18" charset="0"/>
-                        </a:rPr>
-                        <a:t>Nginx</a:t>
-                      </a:r>
-                      <a:endParaRPr lang="ja-JP" sz="2400" kern="100" dirty="0">
-                        <a:effectLst/>
-                        <a:latin typeface="Century" panose="02040604050505020304" pitchFamily="18" charset="0"/>
-                        <a:ea typeface="ＭＳ 明朝" panose="02020609040205080304" pitchFamily="17" charset="-128"/>
-                        <a:cs typeface="Times New Roman" panose="02020603050405020304" pitchFamily="18" charset="0"/>
-                      </a:endParaRPr>
-                    </a:p>
-                  </a:txBody>
-                  <a:tcPr marL="68580" marR="68580" marT="0" marB="0"/>
-                </a:tc>
-                <a:extLst>
-                  <a:ext uri="{0D108BD9-81ED-4DB2-BD59-A6C34878D82A}">
-                    <a16:rowId xmlns:a16="http://schemas.microsoft.com/office/drawing/2014/main" val="586865223"/>
-                  </a:ext>
-                </a:extLst>
-              </a:tr>
-              <a:tr h="587098">
-                <a:tc>
-                  <a:txBody>
-                    <a:bodyPr/>
-                    <a:lstStyle/>
-                    <a:p>
-                      <a:pPr algn="just">
-                        <a:spcAft>
-                          <a:spcPts val="0"/>
-                        </a:spcAft>
-                      </a:pPr>
-                      <a:r>
-                        <a:rPr lang="en-US" sz="2400" kern="100">
-                          <a:effectLst/>
-                        </a:rPr>
-                        <a:t>Raspberry Pi2</a:t>
-                      </a:r>
-                      <a:endParaRPr lang="ja-JP" sz="2400" kern="100">
-                        <a:effectLst/>
-                        <a:latin typeface="Century" panose="02040604050505020304" pitchFamily="18" charset="0"/>
-                        <a:ea typeface="ＭＳ 明朝" panose="02020609040205080304" pitchFamily="17" charset="-128"/>
-                        <a:cs typeface="Times New Roman" panose="02020603050405020304" pitchFamily="18" charset="0"/>
-                      </a:endParaRPr>
-                    </a:p>
-                  </a:txBody>
-                  <a:tcPr marL="68580" marR="68580" marT="0" marB="0"/>
-                </a:tc>
-                <a:tc>
-                  <a:txBody>
-                    <a:bodyPr/>
-                    <a:lstStyle/>
-                    <a:p>
-                      <a:pPr algn="just">
-                        <a:spcAft>
-                          <a:spcPts val="0"/>
-                        </a:spcAft>
-                      </a:pPr>
-                      <a:r>
-                        <a:rPr lang="en-US" sz="2400" kern="100">
-                          <a:effectLst/>
-                        </a:rPr>
-                        <a:t>192.168.5.2</a:t>
-                      </a:r>
-                      <a:endParaRPr lang="ja-JP" sz="2400" kern="100">
-                        <a:effectLst/>
-                        <a:latin typeface="Century" panose="02040604050505020304" pitchFamily="18" charset="0"/>
-                        <a:ea typeface="ＭＳ 明朝" panose="02020609040205080304" pitchFamily="17" charset="-128"/>
-                        <a:cs typeface="Times New Roman" panose="02020603050405020304" pitchFamily="18" charset="0"/>
-                      </a:endParaRPr>
-                    </a:p>
-                  </a:txBody>
-                  <a:tcPr marL="68580" marR="68580" marT="0" marB="0"/>
-                </a:tc>
-                <a:tc>
-                  <a:txBody>
-                    <a:bodyPr/>
-                    <a:lstStyle/>
-                    <a:p>
-                      <a:pPr algn="just">
-                        <a:spcAft>
-                          <a:spcPts val="0"/>
-                        </a:spcAft>
-                      </a:pPr>
-                      <a:r>
-                        <a:rPr lang="en-US" altLang="ja-JP" sz="2400" kern="100" dirty="0" smtClean="0">
-                          <a:effectLst/>
-                          <a:latin typeface="Century" panose="02040604050505020304" pitchFamily="18" charset="0"/>
-                          <a:ea typeface="ＭＳ 明朝" panose="02020609040205080304" pitchFamily="17" charset="-128"/>
-                          <a:cs typeface="Times New Roman" panose="02020603050405020304" pitchFamily="18" charset="0"/>
-                        </a:rPr>
-                        <a:t>Apache</a:t>
-                      </a:r>
-                      <a:endParaRPr lang="ja-JP" sz="2400" kern="100" dirty="0">
-                        <a:effectLst/>
-                        <a:latin typeface="Century" panose="02040604050505020304" pitchFamily="18" charset="0"/>
-                        <a:ea typeface="ＭＳ 明朝" panose="02020609040205080304" pitchFamily="17" charset="-128"/>
-                        <a:cs typeface="Times New Roman" panose="02020603050405020304" pitchFamily="18" charset="0"/>
-                      </a:endParaRPr>
-                    </a:p>
-                  </a:txBody>
-                  <a:tcPr marL="68580" marR="68580" marT="0" marB="0"/>
-                </a:tc>
-                <a:extLst>
-                  <a:ext uri="{0D108BD9-81ED-4DB2-BD59-A6C34878D82A}">
-                    <a16:rowId xmlns:a16="http://schemas.microsoft.com/office/drawing/2014/main" val="578745927"/>
-                  </a:ext>
-                </a:extLst>
-              </a:tr>
-              <a:tr h="587098">
-                <a:tc>
-                  <a:txBody>
-                    <a:bodyPr/>
-                    <a:lstStyle/>
-                    <a:p>
-                      <a:pPr algn="just">
-                        <a:spcAft>
-                          <a:spcPts val="0"/>
-                        </a:spcAft>
-                      </a:pPr>
-                      <a:r>
-                        <a:rPr lang="en-US" sz="2400" kern="100">
-                          <a:effectLst/>
-                        </a:rPr>
-                        <a:t>Raspberry Pi3</a:t>
-                      </a:r>
-                      <a:endParaRPr lang="ja-JP" sz="2400" kern="100">
-                        <a:effectLst/>
-                        <a:latin typeface="Century" panose="02040604050505020304" pitchFamily="18" charset="0"/>
-                        <a:ea typeface="ＭＳ 明朝" panose="02020609040205080304" pitchFamily="17" charset="-128"/>
-                        <a:cs typeface="Times New Roman" panose="02020603050405020304" pitchFamily="18" charset="0"/>
-                      </a:endParaRPr>
-                    </a:p>
-                  </a:txBody>
-                  <a:tcPr marL="68580" marR="68580" marT="0" marB="0"/>
-                </a:tc>
-                <a:tc>
-                  <a:txBody>
-                    <a:bodyPr/>
-                    <a:lstStyle/>
-                    <a:p>
-                      <a:pPr algn="just">
-                        <a:spcAft>
-                          <a:spcPts val="0"/>
-                        </a:spcAft>
-                      </a:pPr>
-                      <a:r>
-                        <a:rPr lang="en-US" sz="2400" kern="100">
-                          <a:effectLst/>
-                        </a:rPr>
-                        <a:t>192.168.5.3</a:t>
-                      </a:r>
-                      <a:endParaRPr lang="ja-JP" sz="2400" kern="100">
-                        <a:effectLst/>
-                        <a:latin typeface="Century" panose="02040604050505020304" pitchFamily="18" charset="0"/>
-                        <a:ea typeface="ＭＳ 明朝" panose="02020609040205080304" pitchFamily="17" charset="-128"/>
-                        <a:cs typeface="Times New Roman" panose="02020603050405020304" pitchFamily="18" charset="0"/>
-                      </a:endParaRPr>
-                    </a:p>
-                  </a:txBody>
-                  <a:tcPr marL="68580" marR="68580" marT="0" marB="0"/>
-                </a:tc>
-                <a:tc>
-                  <a:txBody>
-                    <a:bodyPr/>
-                    <a:lstStyle/>
-                    <a:p>
-                      <a:pPr algn="just">
-                        <a:spcAft>
-                          <a:spcPts val="0"/>
-                        </a:spcAft>
-                      </a:pPr>
-                      <a:r>
                         <a:rPr lang="en-US" altLang="ja-JP" sz="2400" kern="100" dirty="0" smtClean="0">
                           <a:effectLst/>
                           <a:latin typeface="Century" panose="02040604050505020304" pitchFamily="18" charset="0"/>
@@ -6487,7 +5660,7 @@
                   </a:ext>
                 </a:extLst>
               </a:tr>
-              <a:tr h="587098">
+              <a:tr h="429474">
                 <a:tc>
                   <a:txBody>
                     <a:bodyPr/>
@@ -6499,12 +5672,30 @@
                         </a:spcAft>
                       </a:pPr>
                       <a:r>
-                        <a:rPr lang="en-US" sz="2400" kern="100">
-                          <a:effectLst/>
-                        </a:rPr>
-                        <a:t>Raspberry Pi4</a:t>
-                      </a:r>
-                      <a:endParaRPr lang="ja-JP" sz="2400" kern="100">
+                        <a:rPr lang="en-US" sz="2400" kern="100" dirty="0">
+                          <a:effectLst/>
+                        </a:rPr>
+                        <a:t>Raspberry </a:t>
+                      </a:r>
+                      <a:r>
+                        <a:rPr lang="en-US" sz="2400" kern="100" dirty="0" smtClean="0">
+                          <a:effectLst/>
+                        </a:rPr>
+                        <a:t>Pi4(4</a:t>
+                      </a:r>
+                      <a:r>
+                        <a:rPr lang="ja-JP" altLang="en-US" sz="2400" kern="100" dirty="0" smtClean="0">
+                          <a:effectLst/>
+                        </a:rPr>
+                        <a:t>号機</a:t>
+                      </a:r>
+                      <a:r>
+                        <a:rPr lang="en-US" sz="2400" kern="100" dirty="0" smtClean="0">
+                          <a:effectLst/>
+                        </a:rPr>
+                        <a:t>)</a:t>
+                      </a:r>
+                      <a:endParaRPr lang="ja-JP" sz="2400" kern="100" dirty="0">
                         <a:effectLst/>
                         <a:latin typeface="Century" panose="02040604050505020304" pitchFamily="18" charset="0"/>
                         <a:ea typeface="ＭＳ 明朝" panose="02020609040205080304" pitchFamily="17" charset="-128"/>
@@ -6589,10 +5780,17 @@
   <p:clrMapOvr>
     <a:masterClrMapping/>
   </p:clrMapOvr>
+  <p:timing>
+    <p:tnLst>
+      <p:par>
+        <p:cTn id="1" dur="indefinite" restart="never" nodeType="tmRoot"/>
+      </p:par>
+    </p:tnLst>
+  </p:timing>
 </p:sld>
 </file>
 
-<file path=ppt/slides/slide15.xml><?xml version="1.0" encoding="utf-8"?>
+<file path=ppt/slides/slide13.xml><?xml version="1.0" encoding="utf-8"?>
 <p:sld xmlns:a="http://schemas.openxmlformats.org/drawingml/2006/main" xmlns:r="http://schemas.openxmlformats.org/officeDocument/2006/relationships" xmlns:p="http://schemas.openxmlformats.org/presentationml/2006/main">
   <p:cSld>
     <p:spTree>
@@ -6626,6 +5824,234 @@
           <a:p>
             <a:r>
               <a:rPr kumimoji="1" lang="ja-JP" altLang="en-US" dirty="0" smtClean="0"/>
+              <a:t>実験方法</a:t>
+            </a:r>
+            <a:endParaRPr kumimoji="1" lang="ja-JP" altLang="en-US" dirty="0"/>
+          </a:p>
+        </p:txBody>
+      </p:sp>
+      <p:sp>
+        <p:nvSpPr>
+          <p:cNvPr id="3" name="コンテンツ プレースホルダー 2"/>
+          <p:cNvSpPr>
+            <a:spLocks noGrp="1"/>
+          </p:cNvSpPr>
+          <p:nvPr>
+            <p:ph idx="1"/>
+          </p:nvPr>
+        </p:nvSpPr>
+        <p:spPr/>
+        <p:txBody>
+          <a:bodyPr/>
+          <a:lstStyle/>
+          <a:p>
+            <a:pPr marL="0" indent="0">
+              <a:buNone/>
+            </a:pPr>
+            <a:r>
+              <a:rPr lang="ja-JP" altLang="en-US" dirty="0" smtClean="0"/>
+              <a:t>提案システムの分散処理の構成で</a:t>
+            </a:r>
+            <a:r>
+              <a:rPr lang="en-US" altLang="ja-JP" dirty="0" smtClean="0"/>
+              <a:t>200</a:t>
+            </a:r>
+            <a:r>
+              <a:rPr lang="ja-JP" altLang="en-US" dirty="0" smtClean="0"/>
+              <a:t>件ほどの楽曲データを用意し，</a:t>
+            </a:r>
+            <a:r>
+              <a:rPr lang="en-US" altLang="ja-JP" dirty="0" smtClean="0"/>
+              <a:t>1</a:t>
+            </a:r>
+            <a:r>
+              <a:rPr lang="ja-JP" altLang="en-US" dirty="0" smtClean="0"/>
+              <a:t>台の</a:t>
+            </a:r>
+            <a:r>
+              <a:rPr lang="en-US" altLang="ja-JP" dirty="0" smtClean="0"/>
+              <a:t>Raspberry Pi</a:t>
+            </a:r>
+            <a:r>
+              <a:rPr lang="ja-JP" altLang="en-US" dirty="0" smtClean="0"/>
+              <a:t>でジャンル推定処理を</a:t>
+            </a:r>
+            <a:r>
+              <a:rPr lang="en-US" altLang="ja-JP" dirty="0" smtClean="0"/>
+              <a:t>3</a:t>
+            </a:r>
+            <a:r>
+              <a:rPr lang="ja-JP" altLang="en-US" dirty="0" smtClean="0"/>
+              <a:t>回行い処理にかかった時間の合計とジャンル推定の分類精度を計測する．</a:t>
+            </a:r>
+            <a:endParaRPr lang="en-US" altLang="ja-JP" dirty="0" smtClean="0"/>
+          </a:p>
+          <a:p>
+            <a:pPr marL="0" indent="0">
+              <a:buNone/>
+            </a:pPr>
+            <a:r>
+              <a:rPr lang="ja-JP" altLang="en-US" dirty="0" smtClean="0"/>
+              <a:t>その後</a:t>
+            </a:r>
+            <a:r>
+              <a:rPr lang="ja-JP" altLang="en-US" dirty="0"/>
+              <a:t>、</a:t>
+            </a:r>
+            <a:r>
+              <a:rPr lang="ja-JP" altLang="en-US" dirty="0" smtClean="0"/>
+              <a:t>３台</a:t>
+            </a:r>
+            <a:r>
+              <a:rPr lang="ja-JP" altLang="en-US" dirty="0" smtClean="0"/>
+              <a:t>の</a:t>
+            </a:r>
+            <a:r>
+              <a:rPr lang="en-US" altLang="ja-JP" dirty="0" smtClean="0"/>
+              <a:t>Raspberry</a:t>
+            </a:r>
+            <a:r>
+              <a:rPr lang="ja-JP" altLang="en-US" dirty="0"/>
+              <a:t> </a:t>
+            </a:r>
+            <a:r>
+              <a:rPr lang="en-US" altLang="ja-JP" dirty="0" smtClean="0"/>
+              <a:t>Pi</a:t>
+            </a:r>
+            <a:r>
+              <a:rPr lang="ja-JP" altLang="en-US" dirty="0" smtClean="0"/>
+              <a:t>に</a:t>
+            </a:r>
+            <a:r>
+              <a:rPr lang="en-US" altLang="ja-JP" dirty="0" smtClean="0"/>
+              <a:t>3</a:t>
+            </a:r>
+            <a:r>
+              <a:rPr lang="ja-JP" altLang="en-US" dirty="0" smtClean="0"/>
+              <a:t>回</a:t>
+            </a:r>
+            <a:r>
+              <a:rPr lang="ja-JP" altLang="en-US" dirty="0" smtClean="0"/>
+              <a:t>の</a:t>
+            </a:r>
+            <a:r>
+              <a:rPr lang="ja-JP" altLang="en-US" dirty="0"/>
+              <a:t>分散</a:t>
+            </a:r>
+            <a:r>
+              <a:rPr lang="ja-JP" altLang="en-US" dirty="0" smtClean="0"/>
+              <a:t>処理を</a:t>
+            </a:r>
+            <a:r>
+              <a:rPr lang="ja-JP" altLang="en-US" dirty="0" smtClean="0"/>
+              <a:t>行い処理</a:t>
+            </a:r>
+            <a:r>
+              <a:rPr lang="ja-JP" altLang="en-US" dirty="0"/>
+              <a:t>にかかった</a:t>
+            </a:r>
+            <a:r>
+              <a:rPr lang="ja-JP" altLang="en-US" dirty="0" smtClean="0"/>
+              <a:t>時間の合計と分類精度</a:t>
+            </a:r>
+            <a:r>
+              <a:rPr lang="ja-JP" altLang="en-US" dirty="0" smtClean="0"/>
+              <a:t>を計測</a:t>
+            </a:r>
+            <a:r>
+              <a:rPr lang="ja-JP" altLang="en-US" dirty="0" smtClean="0"/>
+              <a:t>した</a:t>
+            </a:r>
+            <a:r>
+              <a:rPr lang="ja-JP" altLang="en-US" dirty="0" smtClean="0"/>
+              <a:t>ものを</a:t>
+            </a:r>
+            <a:r>
+              <a:rPr lang="ja-JP" altLang="en-US" dirty="0" smtClean="0"/>
+              <a:t>それぞれ比較する．</a:t>
+            </a:r>
+            <a:endParaRPr lang="en-US" altLang="ja-JP" dirty="0" smtClean="0"/>
+          </a:p>
+        </p:txBody>
+      </p:sp>
+      <p:sp>
+        <p:nvSpPr>
+          <p:cNvPr id="4" name="スライド番号プレースホルダー 3"/>
+          <p:cNvSpPr>
+            <a:spLocks noGrp="1"/>
+          </p:cNvSpPr>
+          <p:nvPr>
+            <p:ph type="sldNum" sz="quarter" idx="12"/>
+          </p:nvPr>
+        </p:nvSpPr>
+        <p:spPr/>
+        <p:txBody>
+          <a:bodyPr/>
+          <a:lstStyle/>
+          <a:p>
+            <a:fld id="{B4451160-128F-4DAD-AE29-4A8CC0E7B9E9}" type="slidenum">
+              <a:rPr lang="ja-JP" altLang="en-US" smtClean="0"/>
+              <a:pPr/>
+              <a:t>13</a:t>
+            </a:fld>
+            <a:endParaRPr lang="ja-JP" altLang="en-US" dirty="0"/>
+          </a:p>
+        </p:txBody>
+      </p:sp>
+    </p:spTree>
+    <p:extLst>
+      <p:ext uri="{BB962C8B-B14F-4D97-AF65-F5344CB8AC3E}">
+        <p14:creationId xmlns:p14="http://schemas.microsoft.com/office/powerpoint/2010/main" val="2779179843"/>
+      </p:ext>
+    </p:extLst>
+  </p:cSld>
+  <p:clrMapOvr>
+    <a:masterClrMapping/>
+  </p:clrMapOvr>
+  <p:timing>
+    <p:tnLst>
+      <p:par>
+        <p:cTn id="1" dur="indefinite" restart="never" nodeType="tmRoot"/>
+      </p:par>
+    </p:tnLst>
+  </p:timing>
+</p:sld>
+</file>
+
+<file path=ppt/slides/slide14.xml><?xml version="1.0" encoding="utf-8"?>
+<p:sld xmlns:a="http://schemas.openxmlformats.org/drawingml/2006/main" xmlns:r="http://schemas.openxmlformats.org/officeDocument/2006/relationships" xmlns:p="http://schemas.openxmlformats.org/presentationml/2006/main">
+  <p:cSld>
+    <p:spTree>
+      <p:nvGrpSpPr>
+        <p:cNvPr id="1" name=""/>
+        <p:cNvGrpSpPr/>
+        <p:nvPr/>
+      </p:nvGrpSpPr>
+      <p:grpSpPr>
+        <a:xfrm>
+          <a:off x="0" y="0"/>
+          <a:ext cx="0" cy="0"/>
+          <a:chOff x="0" y="0"/>
+          <a:chExt cx="0" cy="0"/>
+        </a:xfrm>
+      </p:grpSpPr>
+      <p:sp>
+        <p:nvSpPr>
+          <p:cNvPr id="2" name="タイトル 1"/>
+          <p:cNvSpPr>
+            <a:spLocks noGrp="1"/>
+          </p:cNvSpPr>
+          <p:nvPr>
+            <p:ph type="title"/>
+          </p:nvPr>
+        </p:nvSpPr>
+        <p:spPr/>
+        <p:txBody>
+          <a:bodyPr/>
+          <a:lstStyle/>
+          <a:p>
+            <a:r>
+              <a:rPr kumimoji="1" lang="ja-JP" altLang="en-US" dirty="0" smtClean="0"/>
               <a:t>実験結果（処理速度）</a:t>
             </a:r>
             <a:endParaRPr kumimoji="1" lang="ja-JP" altLang="en-US" dirty="0"/>
@@ -6642,14 +6068,14 @@
             <p:ph idx="1"/>
             <p:extLst>
               <p:ext uri="{D42A27DB-BD31-4B8C-83A1-F6EECF244321}">
-                <p14:modId xmlns:p14="http://schemas.microsoft.com/office/powerpoint/2010/main" val="1700340154"/>
+                <p14:modId xmlns:p14="http://schemas.microsoft.com/office/powerpoint/2010/main" val="2605421130"/>
               </p:ext>
             </p:extLst>
           </p:nvPr>
         </p:nvGraphicFramePr>
         <p:xfrm>
           <a:off x="753826" y="1913361"/>
-          <a:ext cx="7450721" cy="1185792"/>
+          <a:ext cx="7450721" cy="1101694"/>
         </p:xfrm>
         <a:graphic>
           <a:graphicData uri="http://schemas.openxmlformats.org/drawingml/2006/table">
@@ -6694,7 +6120,7 @@
                   </a:extLst>
                 </a:gridCol>
               </a:tblGrid>
-              <a:tr h="504168">
+              <a:tr h="520625">
                 <a:tc>
                   <a:txBody>
                     <a:bodyPr/>
@@ -6855,7 +6281,7 @@
                   </a:ext>
                 </a:extLst>
               </a:tr>
-              <a:tr h="576192">
+              <a:tr h="492094">
                 <a:tc>
                   <a:txBody>
                     <a:bodyPr/>
@@ -6930,12 +6356,12 @@
                         </a:tabLst>
                       </a:pPr>
                       <a:r>
-                        <a:rPr lang="en-US" sz="2400" kern="0">
+                        <a:rPr lang="en-US" sz="2400" kern="0" dirty="0">
                           <a:effectLst/>
                         </a:rPr>
                         <a:t>735.569</a:t>
                       </a:r>
-                      <a:endParaRPr lang="ja-JP" sz="2400" kern="100">
+                      <a:endParaRPr lang="ja-JP" sz="2400" kern="100" dirty="0">
                         <a:effectLst/>
                         <a:latin typeface="Century" panose="02040604050505020304" pitchFamily="18" charset="0"/>
                         <a:ea typeface="ＭＳ 明朝" panose="02020609040205080304" pitchFamily="17" charset="-128"/>
@@ -7043,7 +6469,7 @@
             <a:fld id="{B4451160-128F-4DAD-AE29-4A8CC0E7B9E9}" type="slidenum">
               <a:rPr lang="ja-JP" altLang="en-US" smtClean="0"/>
               <a:pPr/>
-              <a:t>15</a:t>
+              <a:t>14</a:t>
             </a:fld>
             <a:endParaRPr lang="ja-JP" altLang="en-US" dirty="0"/>
           </a:p>
@@ -7107,7 +6533,7 @@
           <a:p>
             <a:r>
               <a:rPr kumimoji="1" lang="ja-JP" altLang="en-US" dirty="0" smtClean="0"/>
-              <a:t>複数台での処理</a:t>
+              <a:t>複数台での分散処理</a:t>
             </a:r>
             <a:endParaRPr kumimoji="1" lang="ja-JP" altLang="en-US" dirty="0"/>
           </a:p>
@@ -7122,14 +6548,14 @@
           <p:nvPr>
             <p:extLst>
               <p:ext uri="{D42A27DB-BD31-4B8C-83A1-F6EECF244321}">
-                <p14:modId xmlns:p14="http://schemas.microsoft.com/office/powerpoint/2010/main" val="2878183722"/>
+                <p14:modId xmlns:p14="http://schemas.microsoft.com/office/powerpoint/2010/main" val="294567388"/>
               </p:ext>
             </p:extLst>
           </p:nvPr>
         </p:nvGraphicFramePr>
         <p:xfrm>
           <a:off x="753820" y="4057324"/>
-          <a:ext cx="8064502" cy="1823466"/>
+          <a:ext cx="7450729" cy="1823466"/>
         </p:xfrm>
         <a:graphic>
           <a:graphicData uri="http://schemas.openxmlformats.org/drawingml/2006/table">
@@ -7138,35 +6564,35 @@
                 <a:tableStyleId>{5C22544A-7EE6-4342-B048-85BDC9FD1C3A}</a:tableStyleId>
               </a:tblPr>
               <a:tblGrid>
-                <a:gridCol w="1612210">
+                <a:gridCol w="1778814">
                   <a:extLst>
                     <a:ext uri="{9D8B030D-6E8A-4147-A177-3AD203B41FA5}">
                       <a16:colId xmlns:a16="http://schemas.microsoft.com/office/drawing/2014/main" val="1582752862"/>
                     </a:ext>
                   </a:extLst>
                 </a:gridCol>
-                <a:gridCol w="1613073">
+                <a:gridCol w="1352296">
                   <a:extLst>
                     <a:ext uri="{9D8B030D-6E8A-4147-A177-3AD203B41FA5}">
                       <a16:colId xmlns:a16="http://schemas.microsoft.com/office/drawing/2014/main" val="427413075"/>
                     </a:ext>
                   </a:extLst>
                 </a:gridCol>
-                <a:gridCol w="1319407">
+                <a:gridCol w="1282750">
                   <a:extLst>
                     <a:ext uri="{9D8B030D-6E8A-4147-A177-3AD203B41FA5}">
                       <a16:colId xmlns:a16="http://schemas.microsoft.com/office/drawing/2014/main" val="2399693937"/>
                     </a:ext>
                   </a:extLst>
                 </a:gridCol>
-                <a:gridCol w="1365337">
+                <a:gridCol w="1233120">
                   <a:extLst>
                     <a:ext uri="{9D8B030D-6E8A-4147-A177-3AD203B41FA5}">
                       <a16:colId xmlns:a16="http://schemas.microsoft.com/office/drawing/2014/main" val="2358766874"/>
                     </a:ext>
                   </a:extLst>
                 </a:gridCol>
-                <a:gridCol w="2154475">
+                <a:gridCol w="1803749">
                   <a:extLst>
                     <a:ext uri="{9D8B030D-6E8A-4147-A177-3AD203B41FA5}">
                       <a16:colId xmlns:a16="http://schemas.microsoft.com/office/drawing/2014/main" val="1414655726"/>
@@ -7314,10 +6740,28 @@
                         </a:spcAft>
                       </a:pPr>
                       <a:r>
+                        <a:rPr lang="ja-JP" sz="2000" kern="100" dirty="0" smtClean="0">
+                          <a:effectLst/>
+                        </a:rPr>
+                        <a:t>全体</a:t>
+                      </a:r>
+                      <a:r>
+                        <a:rPr lang="ja-JP" altLang="en-US" sz="2000" kern="100" dirty="0" smtClean="0">
+                          <a:effectLst/>
+                        </a:rPr>
+                        <a:t>で</a:t>
+                      </a:r>
+                      <a:r>
+                        <a:rPr lang="ja-JP" sz="2000" kern="100" dirty="0" smtClean="0">
+                          <a:effectLst/>
+                        </a:rPr>
+                        <a:t>かかった</a:t>
+                      </a:r>
+                      <a:r>
                         <a:rPr lang="ja-JP" sz="2000" kern="100" dirty="0">
                           <a:effectLst/>
                         </a:rPr>
-                        <a:t>システム処理全体にかかった時間</a:t>
+                        <a:t>時間</a:t>
                       </a:r>
                       <a:endParaRPr lang="ja-JP" sz="2000" kern="100" dirty="0">
                         <a:effectLst/>
@@ -7739,10 +7183,17 @@
   <p:clrMapOvr>
     <a:masterClrMapping/>
   </p:clrMapOvr>
+  <p:timing>
+    <p:tnLst>
+      <p:par>
+        <p:cTn id="1" dur="indefinite" restart="never" nodeType="tmRoot"/>
+      </p:par>
+    </p:tnLst>
+  </p:timing>
 </p:sld>
 </file>
 
-<file path=ppt/slides/slide16.xml><?xml version="1.0" encoding="utf-8"?>
+<file path=ppt/slides/slide15.xml><?xml version="1.0" encoding="utf-8"?>
 <p:sld xmlns:a="http://schemas.openxmlformats.org/drawingml/2006/main" xmlns:r="http://schemas.openxmlformats.org/officeDocument/2006/relationships" xmlns:p="http://schemas.openxmlformats.org/presentationml/2006/main">
   <p:cSld>
     <p:spTree>
@@ -7784,7 +7235,7 @@
             </a:r>
             <a:r>
               <a:rPr kumimoji="1" lang="ja-JP" altLang="en-US" dirty="0" smtClean="0"/>
-              <a:t>分類精度１</a:t>
+              <a:t>分類精度</a:t>
             </a:r>
             <a:r>
               <a:rPr kumimoji="1" lang="en-US" altLang="ja-JP" dirty="0" smtClean="0"/>
@@ -7882,7 +7333,7 @@
             <a:fld id="{B4451160-128F-4DAD-AE29-4A8CC0E7B9E9}" type="slidenum">
               <a:rPr lang="ja-JP" altLang="en-US" smtClean="0"/>
               <a:pPr/>
-              <a:t>16</a:t>
+              <a:t>15</a:t>
             </a:fld>
             <a:endParaRPr lang="ja-JP" altLang="en-US" dirty="0"/>
           </a:p>
@@ -8544,12 +7995,12 @@
                     <a:lstStyle/>
                     <a:p>
                       <a:r>
-                        <a:rPr lang="en-US" sz="2400" kern="100">
+                        <a:rPr lang="en-US" sz="2400" kern="100" dirty="0">
                           <a:effectLst/>
                         </a:rPr>
                         <a:t> </a:t>
                       </a:r>
-                      <a:endParaRPr lang="ja-JP" sz="2400" kern="100">
+                      <a:endParaRPr lang="ja-JP" sz="2400" kern="100" dirty="0">
                         <a:effectLst/>
                         <a:latin typeface="Century" panose="02040604050505020304" pitchFamily="18" charset="0"/>
                       </a:endParaRPr>
@@ -8672,12 +8123,12 @@
                         </a:spcAft>
                       </a:pPr>
                       <a:r>
-                        <a:rPr lang="en-US" sz="2400" kern="100">
+                        <a:rPr lang="en-US" sz="2400" kern="100" dirty="0">
                           <a:effectLst/>
                         </a:rPr>
                         <a:t> </a:t>
                       </a:r>
-                      <a:endParaRPr lang="ja-JP" sz="2400" kern="100">
+                      <a:endParaRPr lang="ja-JP" sz="2400" kern="100" dirty="0">
                         <a:effectLst/>
                         <a:latin typeface="Century" panose="02040604050505020304" pitchFamily="18" charset="0"/>
                         <a:ea typeface="ＭＳ 明朝" panose="02020609040205080304" pitchFamily="17" charset="-128"/>
@@ -8802,12 +8253,12 @@
                         </a:spcAft>
                       </a:pPr>
                       <a:r>
-                        <a:rPr lang="en-US" sz="2400" kern="100">
+                        <a:rPr lang="en-US" sz="2400" kern="100" dirty="0">
                           <a:effectLst/>
                         </a:rPr>
                         <a:t>41.7</a:t>
                       </a:r>
-                      <a:endParaRPr lang="ja-JP" sz="2400" kern="100">
+                      <a:endParaRPr lang="ja-JP" sz="2400" kern="100" dirty="0">
                         <a:effectLst/>
                         <a:latin typeface="Century" panose="02040604050505020304" pitchFamily="18" charset="0"/>
                         <a:ea typeface="ＭＳ 明朝" panose="02020609040205080304" pitchFamily="17" charset="-128"/>
@@ -8863,6 +8314,161 @@
   <p:clrMapOvr>
     <a:masterClrMapping/>
   </p:clrMapOvr>
+  <p:timing>
+    <p:tnLst>
+      <p:par>
+        <p:cTn id="1" dur="indefinite" restart="never" nodeType="tmRoot"/>
+      </p:par>
+    </p:tnLst>
+  </p:timing>
+</p:sld>
+</file>
+
+<file path=ppt/slides/slide16.xml><?xml version="1.0" encoding="utf-8"?>
+<p:sld xmlns:a="http://schemas.openxmlformats.org/drawingml/2006/main" xmlns:r="http://schemas.openxmlformats.org/officeDocument/2006/relationships" xmlns:p="http://schemas.openxmlformats.org/presentationml/2006/main">
+  <p:cSld>
+    <p:spTree>
+      <p:nvGrpSpPr>
+        <p:cNvPr id="1" name=""/>
+        <p:cNvGrpSpPr/>
+        <p:nvPr/>
+      </p:nvGrpSpPr>
+      <p:grpSpPr>
+        <a:xfrm>
+          <a:off x="0" y="0"/>
+          <a:ext cx="0" cy="0"/>
+          <a:chOff x="0" y="0"/>
+          <a:chExt cx="0" cy="0"/>
+        </a:xfrm>
+      </p:grpSpPr>
+      <p:sp>
+        <p:nvSpPr>
+          <p:cNvPr id="2" name="タイトル 1"/>
+          <p:cNvSpPr>
+            <a:spLocks noGrp="1"/>
+          </p:cNvSpPr>
+          <p:nvPr>
+            <p:ph type="title"/>
+          </p:nvPr>
+        </p:nvSpPr>
+        <p:spPr/>
+        <p:txBody>
+          <a:bodyPr/>
+          <a:lstStyle/>
+          <a:p>
+            <a:r>
+              <a:rPr lang="ja-JP" altLang="en-US" dirty="0"/>
+              <a:t>実験結果</a:t>
+            </a:r>
+            <a:endParaRPr kumimoji="1" lang="ja-JP" altLang="en-US" dirty="0"/>
+          </a:p>
+        </p:txBody>
+      </p:sp>
+      <p:sp>
+        <p:nvSpPr>
+          <p:cNvPr id="3" name="コンテンツ プレースホルダー 2"/>
+          <p:cNvSpPr>
+            <a:spLocks noGrp="1"/>
+          </p:cNvSpPr>
+          <p:nvPr>
+            <p:ph idx="1"/>
+          </p:nvPr>
+        </p:nvSpPr>
+        <p:spPr/>
+        <p:txBody>
+          <a:bodyPr/>
+          <a:lstStyle/>
+          <a:p>
+            <a:pPr marL="0" indent="0">
+              <a:buNone/>
+            </a:pPr>
+            <a:r>
+              <a:rPr lang="ja-JP" altLang="en-US" dirty="0"/>
+              <a:t>実験では</a:t>
+            </a:r>
+            <a:r>
+              <a:rPr lang="ja-JP" altLang="ja-JP" dirty="0" smtClean="0"/>
+              <a:t>本システム</a:t>
+            </a:r>
+            <a:r>
+              <a:rPr lang="ja-JP" altLang="ja-JP" dirty="0"/>
+              <a:t>を導入することで楽曲ジャンル推定モデルの作成及びジャンル推定処理を行うことでかかる全体の処理時間は大幅に減少したことが確認できた</a:t>
+            </a:r>
+            <a:r>
+              <a:rPr lang="ja-JP" altLang="ja-JP" dirty="0" smtClean="0"/>
+              <a:t>．</a:t>
+            </a:r>
+            <a:endParaRPr lang="en-US" altLang="ja-JP" dirty="0" smtClean="0"/>
+          </a:p>
+          <a:p>
+            <a:pPr marL="0" indent="0">
+              <a:buNone/>
+            </a:pPr>
+            <a:r>
+              <a:rPr lang="ja-JP" altLang="ja-JP" dirty="0" smtClean="0"/>
+              <a:t>しかし</a:t>
+            </a:r>
+            <a:r>
+              <a:rPr lang="ja-JP" altLang="ja-JP" dirty="0"/>
+              <a:t>，ジャンル分類精度に関して</a:t>
+            </a:r>
+            <a:r>
+              <a:rPr lang="ja-JP" altLang="ja-JP" dirty="0" smtClean="0"/>
+              <a:t>は向上</a:t>
+            </a:r>
+            <a:r>
+              <a:rPr lang="ja-JP" altLang="ja-JP" dirty="0"/>
+              <a:t>したというような結果は得ることができなかった</a:t>
+            </a:r>
+            <a:r>
+              <a:rPr lang="ja-JP" altLang="ja-JP" dirty="0" smtClean="0"/>
+              <a:t>．</a:t>
+            </a:r>
+            <a:endParaRPr kumimoji="1" lang="ja-JP" altLang="en-US" dirty="0"/>
+          </a:p>
+        </p:txBody>
+      </p:sp>
+      <p:sp>
+        <p:nvSpPr>
+          <p:cNvPr id="4" name="スライド番号プレースホルダー 3"/>
+          <p:cNvSpPr>
+            <a:spLocks noGrp="1"/>
+          </p:cNvSpPr>
+          <p:nvPr>
+            <p:ph type="sldNum" sz="quarter" idx="12"/>
+          </p:nvPr>
+        </p:nvSpPr>
+        <p:spPr/>
+        <p:txBody>
+          <a:bodyPr/>
+          <a:lstStyle/>
+          <a:p>
+            <a:fld id="{B4451160-128F-4DAD-AE29-4A8CC0E7B9E9}" type="slidenum">
+              <a:rPr lang="ja-JP" altLang="en-US" smtClean="0"/>
+              <a:pPr/>
+              <a:t>16</a:t>
+            </a:fld>
+            <a:endParaRPr lang="ja-JP" altLang="en-US" dirty="0"/>
+          </a:p>
+        </p:txBody>
+      </p:sp>
+    </p:spTree>
+    <p:extLst>
+      <p:ext uri="{BB962C8B-B14F-4D97-AF65-F5344CB8AC3E}">
+        <p14:creationId xmlns:p14="http://schemas.microsoft.com/office/powerpoint/2010/main" val="1415367311"/>
+      </p:ext>
+    </p:extLst>
+  </p:cSld>
+  <p:clrMapOvr>
+    <a:masterClrMapping/>
+  </p:clrMapOvr>
+  <p:timing>
+    <p:tnLst>
+      <p:par>
+        <p:cTn id="1" dur="indefinite" restart="never" nodeType="tmRoot"/>
+      </p:par>
+    </p:tnLst>
+  </p:timing>
 </p:sld>
 </file>
 
@@ -8900,7 +8506,15 @@
           <a:p>
             <a:r>
               <a:rPr lang="ja-JP" altLang="en-US" dirty="0"/>
-              <a:t>実験結果</a:t>
+              <a:t>実験</a:t>
+            </a:r>
+            <a:r>
+              <a:rPr lang="ja-JP" altLang="en-US" dirty="0" smtClean="0"/>
+              <a:t>の</a:t>
+            </a:r>
+            <a:r>
+              <a:rPr lang="ja-JP" altLang="en-US" dirty="0"/>
+              <a:t>考察</a:t>
             </a:r>
             <a:endParaRPr kumimoji="1" lang="ja-JP" altLang="en-US" dirty="0"/>
           </a:p>
@@ -8925,16 +8539,32 @@
               <a:buNone/>
             </a:pPr>
             <a:r>
+              <a:rPr lang="en-US" altLang="ja-JP" dirty="0"/>
+              <a:t>IP</a:t>
+            </a:r>
+            <a:r>
+              <a:rPr lang="ja-JP" altLang="ja-JP" dirty="0"/>
+              <a:t>アドレス</a:t>
+            </a:r>
+            <a:r>
+              <a:rPr lang="ja-JP" altLang="ja-JP" dirty="0" smtClean="0"/>
+              <a:t>が</a:t>
+            </a:r>
+            <a:r>
+              <a:rPr lang="en-US" altLang="ja-JP" dirty="0"/>
+              <a:t>3</a:t>
+            </a:r>
+            <a:r>
               <a:rPr lang="ja-JP" altLang="en-US" dirty="0"/>
-              <a:t>実験では</a:t>
+              <a:t>号機</a:t>
             </a:r>
             <a:r>
               <a:rPr lang="ja-JP" altLang="ja-JP" dirty="0" smtClean="0"/>
-              <a:t>本システム</a:t>
+              <a:t>の</a:t>
             </a:r>
             <a:r>
               <a:rPr lang="ja-JP" altLang="ja-JP" dirty="0"/>
-              <a:t>を導入することで楽曲ジャンル推定モデルの作成及びジャンル推定処理を行うことでかかる全体の処理時間は大幅に減少したことが確認できた</a:t>
+              <a:t>ものだけ分類精度が比較的高いと思われる</a:t>
             </a:r>
             <a:r>
               <a:rPr lang="ja-JP" altLang="ja-JP" dirty="0" smtClean="0"/>
@@ -8948,15 +8578,105 @@
             </a:pPr>
             <a:r>
               <a:rPr lang="ja-JP" altLang="ja-JP" dirty="0" smtClean="0"/>
-              <a:t>しかし</a:t>
+              <a:t>その</a:t>
             </a:r>
             <a:r>
               <a:rPr lang="ja-JP" altLang="ja-JP" dirty="0"/>
-              <a:t>，ジャンル分類精度に関しては特に向上したというような結果は得ることができなかった</a:t>
+              <a:t>ため</a:t>
+            </a:r>
+            <a:r>
+              <a:rPr lang="en-US" altLang="ja-JP" dirty="0"/>
+              <a:t>1</a:t>
+            </a:r>
+            <a:r>
+              <a:rPr lang="ja-JP" altLang="ja-JP" dirty="0"/>
+              <a:t>機のみでの処理を行った場合に使用</a:t>
+            </a:r>
+            <a:r>
+              <a:rPr lang="ja-JP" altLang="ja-JP" dirty="0" smtClean="0"/>
+              <a:t>した</a:t>
+            </a:r>
+            <a:r>
+              <a:rPr lang="en-US" altLang="ja-JP" dirty="0"/>
+              <a:t>3</a:t>
+            </a:r>
+            <a:r>
+              <a:rPr lang="ja-JP" altLang="en-US" dirty="0"/>
+              <a:t>号機</a:t>
+            </a:r>
+            <a:r>
+              <a:rPr lang="ja-JP" altLang="ja-JP" dirty="0" smtClean="0"/>
+              <a:t>も</a:t>
+            </a:r>
+            <a:r>
+              <a:rPr lang="en-US" altLang="ja-JP" dirty="0"/>
+              <a:t>2</a:t>
+            </a:r>
+            <a:r>
+              <a:rPr lang="ja-JP" altLang="en-US" dirty="0"/>
+              <a:t>号機</a:t>
+            </a:r>
+            <a:r>
+              <a:rPr lang="ja-JP" altLang="ja-JP" dirty="0" smtClean="0"/>
+              <a:t>や</a:t>
+            </a:r>
+            <a:r>
+              <a:rPr lang="en-US" altLang="ja-JP" dirty="0"/>
+              <a:t>4</a:t>
+            </a:r>
+            <a:r>
+              <a:rPr lang="ja-JP" altLang="en-US" dirty="0"/>
+              <a:t>号機</a:t>
+            </a:r>
+            <a:r>
+              <a:rPr lang="ja-JP" altLang="ja-JP" dirty="0" smtClean="0"/>
+              <a:t>より</a:t>
+            </a:r>
+            <a:r>
+              <a:rPr lang="ja-JP" altLang="ja-JP" dirty="0"/>
+              <a:t>も比較的，分類精度が良いと思われる</a:t>
             </a:r>
             <a:r>
               <a:rPr lang="ja-JP" altLang="ja-JP" dirty="0" smtClean="0"/>
               <a:t>．</a:t>
+            </a:r>
+            <a:endParaRPr lang="en-US" altLang="ja-JP" dirty="0" smtClean="0"/>
+          </a:p>
+          <a:p>
+            <a:pPr marL="0" indent="0">
+              <a:buNone/>
+            </a:pPr>
+            <a:r>
+              <a:rPr lang="ja-JP" altLang="ja-JP" dirty="0" smtClean="0"/>
+              <a:t>この</a:t>
+            </a:r>
+            <a:r>
+              <a:rPr lang="ja-JP" altLang="ja-JP" dirty="0"/>
+              <a:t>分類精度の違いは個体差である可能性も考えられるため，</a:t>
+            </a:r>
+            <a:r>
+              <a:rPr lang="en-US" altLang="ja-JP" dirty="0"/>
+              <a:t>1</a:t>
+            </a:r>
+            <a:r>
+              <a:rPr lang="ja-JP" altLang="ja-JP" dirty="0"/>
+              <a:t>機のみでの処理は</a:t>
+            </a:r>
+            <a:r>
+              <a:rPr lang="en-US" altLang="ja-JP" dirty="0"/>
+              <a:t>3</a:t>
+            </a:r>
+            <a:r>
+              <a:rPr lang="ja-JP" altLang="ja-JP" dirty="0"/>
+              <a:t>台それぞれで</a:t>
+            </a:r>
+            <a:r>
+              <a:rPr lang="en-US" altLang="ja-JP" dirty="0"/>
+              <a:t>3</a:t>
+            </a:r>
+            <a:r>
+              <a:rPr lang="ja-JP" altLang="ja-JP" dirty="0"/>
+              <a:t>回行ったデータを取るべきであった．</a:t>
             </a:r>
             <a:endParaRPr kumimoji="1" lang="ja-JP" altLang="en-US" dirty="0"/>
           </a:p>
@@ -8989,13 +8709,20 @@
     </p:spTree>
     <p:extLst>
       <p:ext uri="{BB962C8B-B14F-4D97-AF65-F5344CB8AC3E}">
-        <p14:creationId xmlns:p14="http://schemas.microsoft.com/office/powerpoint/2010/main" val="1415367311"/>
+        <p14:creationId xmlns:p14="http://schemas.microsoft.com/office/powerpoint/2010/main" val="499033867"/>
       </p:ext>
     </p:extLst>
   </p:cSld>
   <p:clrMapOvr>
     <a:masterClrMapping/>
   </p:clrMapOvr>
+  <p:timing>
+    <p:tnLst>
+      <p:par>
+        <p:cTn id="1" dur="indefinite" restart="never" nodeType="tmRoot"/>
+      </p:par>
+    </p:tnLst>
+  </p:timing>
 </p:sld>
 </file>
 
@@ -9032,8 +8759,8 @@
           <a:lstStyle/>
           <a:p>
             <a:r>
-              <a:rPr lang="ja-JP" altLang="en-US" dirty="0"/>
-              <a:t>実験のまとめ</a:t>
+              <a:rPr kumimoji="1" lang="ja-JP" altLang="en-US" dirty="0" smtClean="0"/>
+              <a:t>今後の展望</a:t>
             </a:r>
             <a:endParaRPr kumimoji="1" lang="ja-JP" altLang="en-US" dirty="0"/>
           </a:p>
@@ -9054,118 +8781,28 @@
           <a:bodyPr/>
           <a:lstStyle/>
           <a:p>
+            <a:r>
+              <a:rPr lang="ja-JP" altLang="ja-JP" dirty="0"/>
+              <a:t>今後の展望としては，本システムでジャンル推定のできた楽曲コンテンツと動画コンテンツとをジャンルマッチングすることで付加価値の高い動画</a:t>
+            </a:r>
+            <a:r>
+              <a:rPr lang="ja-JP" altLang="ja-JP" dirty="0" smtClean="0"/>
+              <a:t>コ</a:t>
+            </a:r>
+            <a:r>
+              <a:rPr lang="ja-JP" altLang="en-US" dirty="0" smtClean="0"/>
+              <a:t>ンテンツを提供するシステムの実現．</a:t>
+            </a:r>
+            <a:endParaRPr lang="en-US" altLang="ja-JP" dirty="0" smtClean="0"/>
+          </a:p>
+          <a:p>
+            <a:endParaRPr lang="en-US" altLang="ja-JP" dirty="0"/>
+          </a:p>
+          <a:p>
             <a:pPr marL="0" indent="0">
               <a:buNone/>
             </a:pPr>
-            <a:r>
-              <a:rPr lang="en-US" altLang="ja-JP" dirty="0"/>
-              <a:t>IP</a:t>
-            </a:r>
-            <a:r>
-              <a:rPr lang="ja-JP" altLang="ja-JP" dirty="0"/>
-              <a:t>アドレスが</a:t>
-            </a:r>
-            <a:r>
-              <a:rPr lang="en-US" altLang="ja-JP" dirty="0"/>
-              <a:t>192.168.5.3</a:t>
-            </a:r>
-            <a:r>
-              <a:rPr lang="ja-JP" altLang="ja-JP" dirty="0"/>
-              <a:t>のものだけ分類精度が比較的高いと思われる</a:t>
-            </a:r>
-            <a:r>
-              <a:rPr lang="ja-JP" altLang="ja-JP" dirty="0" smtClean="0"/>
-              <a:t>．</a:t>
-            </a:r>
             <a:endParaRPr lang="en-US" altLang="ja-JP" dirty="0" smtClean="0"/>
-          </a:p>
-          <a:p>
-            <a:pPr marL="0" indent="0">
-              <a:buNone/>
-            </a:pPr>
-            <a:r>
-              <a:rPr lang="ja-JP" altLang="ja-JP" dirty="0" smtClean="0"/>
-              <a:t>その</a:t>
-            </a:r>
-            <a:r>
-              <a:rPr lang="ja-JP" altLang="ja-JP" dirty="0"/>
-              <a:t>ため</a:t>
-            </a:r>
-            <a:r>
-              <a:rPr lang="en-US" altLang="ja-JP" dirty="0"/>
-              <a:t>1</a:t>
-            </a:r>
-            <a:r>
-              <a:rPr lang="ja-JP" altLang="ja-JP" dirty="0"/>
-              <a:t>機のみでの処理を行った場合に使用した</a:t>
-            </a:r>
-            <a:r>
-              <a:rPr lang="en-US" altLang="ja-JP" dirty="0"/>
-              <a:t>192.168.5.3</a:t>
-            </a:r>
-            <a:r>
-              <a:rPr lang="ja-JP" altLang="ja-JP" dirty="0"/>
-              <a:t>も</a:t>
-            </a:r>
-            <a:r>
-              <a:rPr lang="en-US" altLang="ja-JP" dirty="0"/>
-              <a:t>192.168.5.2</a:t>
-            </a:r>
-            <a:r>
-              <a:rPr lang="ja-JP" altLang="ja-JP" dirty="0"/>
-              <a:t>や</a:t>
-            </a:r>
-            <a:r>
-              <a:rPr lang="en-US" altLang="ja-JP" dirty="0"/>
-              <a:t>192.168.5.4</a:t>
-            </a:r>
-            <a:r>
-              <a:rPr lang="ja-JP" altLang="ja-JP" dirty="0"/>
-              <a:t>よりも比較的，分類精度が良いと思われる</a:t>
-            </a:r>
-            <a:r>
-              <a:rPr lang="ja-JP" altLang="ja-JP" dirty="0" smtClean="0"/>
-              <a:t>．</a:t>
-            </a:r>
-            <a:endParaRPr lang="en-US" altLang="ja-JP" dirty="0" smtClean="0"/>
-          </a:p>
-          <a:p>
-            <a:pPr marL="0" indent="0">
-              <a:buNone/>
-            </a:pPr>
-            <a:r>
-              <a:rPr lang="ja-JP" altLang="ja-JP" dirty="0" smtClean="0"/>
-              <a:t>この</a:t>
-            </a:r>
-            <a:r>
-              <a:rPr lang="ja-JP" altLang="ja-JP" dirty="0"/>
-              <a:t>分類精度の違いは個体差である可能性も考えられるため，</a:t>
-            </a:r>
-            <a:r>
-              <a:rPr lang="en-US" altLang="ja-JP" dirty="0"/>
-              <a:t>1</a:t>
-            </a:r>
-            <a:r>
-              <a:rPr lang="ja-JP" altLang="ja-JP" dirty="0"/>
-              <a:t>機のみでの処理は</a:t>
-            </a:r>
-            <a:r>
-              <a:rPr lang="en-US" altLang="ja-JP" dirty="0"/>
-              <a:t>3</a:t>
-            </a:r>
-            <a:r>
-              <a:rPr lang="ja-JP" altLang="ja-JP" dirty="0"/>
-              <a:t>台それぞれで</a:t>
-            </a:r>
-            <a:r>
-              <a:rPr lang="en-US" altLang="ja-JP" dirty="0"/>
-              <a:t>3</a:t>
-            </a:r>
-            <a:r>
-              <a:rPr lang="ja-JP" altLang="ja-JP" dirty="0"/>
-              <a:t>回行ったデータを取るべきであった．</a:t>
-            </a:r>
-            <a:endParaRPr kumimoji="1" lang="ja-JP" altLang="en-US" dirty="0"/>
           </a:p>
         </p:txBody>
       </p:sp>
@@ -9196,13 +8833,20 @@
     </p:spTree>
     <p:extLst>
       <p:ext uri="{BB962C8B-B14F-4D97-AF65-F5344CB8AC3E}">
-        <p14:creationId xmlns:p14="http://schemas.microsoft.com/office/powerpoint/2010/main" val="499033867"/>
+        <p14:creationId xmlns:p14="http://schemas.microsoft.com/office/powerpoint/2010/main" val="1800454056"/>
       </p:ext>
     </p:extLst>
   </p:cSld>
   <p:clrMapOvr>
     <a:masterClrMapping/>
   </p:clrMapOvr>
+  <p:timing>
+    <p:tnLst>
+      <p:par>
+        <p:cTn id="1" dur="indefinite" restart="never" nodeType="tmRoot"/>
+      </p:par>
+    </p:tnLst>
+  </p:timing>
 </p:sld>
 </file>
 
@@ -9240,7 +8884,11 @@
           <a:p>
             <a:r>
               <a:rPr kumimoji="1" lang="ja-JP" altLang="en-US" dirty="0" smtClean="0"/>
-              <a:t>今後の展望</a:t>
+              <a:t>参考文献</a:t>
+            </a:r>
+            <a:r>
+              <a:rPr kumimoji="1" lang="en-US" altLang="ja-JP" dirty="0" smtClean="0"/>
+              <a:t>	</a:t>
             </a:r>
             <a:endParaRPr kumimoji="1" lang="ja-JP" altLang="en-US" dirty="0"/>
           </a:p>
@@ -9258,40 +8906,578 @@
         </p:nvSpPr>
         <p:spPr/>
         <p:txBody>
-          <a:bodyPr/>
+          <a:bodyPr>
+            <a:normAutofit fontScale="55000" lnSpcReduction="20000"/>
+          </a:bodyPr>
           <a:lstStyle/>
           <a:p>
-            <a:r>
-              <a:rPr lang="ja-JP" altLang="ja-JP" dirty="0"/>
-              <a:t>今後の展望としては，本システムでジャンル推定のできた楽曲コンテンツと動画コンテンツとをジャンルマッチングすることで付加価値の高い動画</a:t>
-            </a:r>
-            <a:r>
-              <a:rPr lang="ja-JP" altLang="ja-JP" dirty="0" smtClean="0"/>
-              <a:t>コ</a:t>
-            </a:r>
-            <a:r>
-              <a:rPr lang="ja-JP" altLang="en-US" dirty="0" smtClean="0"/>
-              <a:t>ンテンツを提供するシステムの実現．</a:t>
-            </a:r>
-            <a:endParaRPr lang="en-US" altLang="ja-JP" dirty="0" smtClean="0"/>
-          </a:p>
-          <a:p>
-            <a:endParaRPr lang="en-US" altLang="ja-JP" dirty="0"/>
-          </a:p>
-          <a:p>
-            <a:r>
-              <a:rPr lang="ja-JP" altLang="en-US" dirty="0" smtClean="0"/>
-              <a:t>ジャンル推定モデルの作成に</a:t>
-            </a:r>
-            <a:r>
-              <a:rPr lang="en-US" altLang="ja-JP" dirty="0" smtClean="0"/>
-              <a:t>CNN</a:t>
-            </a:r>
-            <a:r>
-              <a:rPr lang="ja-JP" altLang="en-US" dirty="0" smtClean="0"/>
-              <a:t>を利用することでジャンル推定精度の向上を実現できると考えた．</a:t>
-            </a:r>
-            <a:endParaRPr lang="en-US" altLang="ja-JP" dirty="0" smtClean="0"/>
+            <a:pPr marL="514350" lvl="0" indent="-514350">
+              <a:buFont typeface="+mj-lt"/>
+              <a:buAutoNum type="arabicPeriod"/>
+            </a:pPr>
+            <a:r>
+              <a:rPr lang="ja-JP" altLang="ja-JP" sz="2900" dirty="0">
+                <a:latin typeface="+mn-ea"/>
+              </a:rPr>
+              <a:t>大野直樹，中村聡史，山本岳洋，後藤真孝，音楽動画への印象評価データセット構築とその特性の調査，情報処理学会 研究報告音楽情報科学， </a:t>
+            </a:r>
+            <a:r>
+              <a:rPr lang="en-US" altLang="ja-JP" sz="2900" dirty="0">
+                <a:latin typeface="+mn-ea"/>
+              </a:rPr>
+              <a:t>2015</a:t>
+            </a:r>
+            <a:r>
+              <a:rPr lang="ja-JP" altLang="ja-JP" sz="2900" dirty="0">
+                <a:latin typeface="+mn-ea"/>
+              </a:rPr>
+              <a:t>年</a:t>
+            </a:r>
+            <a:r>
+              <a:rPr lang="en-US" altLang="ja-JP" sz="2900" dirty="0">
+                <a:latin typeface="+mn-ea"/>
+              </a:rPr>
+              <a:t>9</a:t>
+            </a:r>
+            <a:r>
+              <a:rPr lang="ja-JP" altLang="ja-JP" sz="2900" dirty="0">
+                <a:latin typeface="+mn-ea"/>
+              </a:rPr>
+              <a:t>月</a:t>
+            </a:r>
+            <a:r>
+              <a:rPr lang="en-US" altLang="ja-JP" sz="2900" dirty="0">
+                <a:latin typeface="+mn-ea"/>
+              </a:rPr>
+              <a:t>1</a:t>
+            </a:r>
+            <a:r>
+              <a:rPr lang="ja-JP" altLang="ja-JP" sz="2900" dirty="0">
+                <a:latin typeface="+mn-ea"/>
+              </a:rPr>
+              <a:t>日，</a:t>
+            </a:r>
+            <a:r>
+              <a:rPr lang="en-US" altLang="ja-JP" sz="2900" dirty="0">
+                <a:latin typeface="+mn-ea"/>
+              </a:rPr>
+              <a:t>pp1-9</a:t>
+            </a:r>
+            <a:endParaRPr lang="ja-JP" altLang="ja-JP" sz="2900" dirty="0">
+              <a:latin typeface="+mn-ea"/>
+            </a:endParaRPr>
+          </a:p>
+          <a:p>
+            <a:pPr marL="514350" lvl="0" indent="-514350">
+              <a:buFont typeface="+mj-lt"/>
+              <a:buAutoNum type="arabicPeriod"/>
+            </a:pPr>
+            <a:r>
+              <a:rPr lang="ja-JP" altLang="ja-JP" sz="2900" dirty="0">
+                <a:latin typeface="+mn-ea"/>
+              </a:rPr>
+              <a:t>吉井和佳，</a:t>
+            </a:r>
+            <a:r>
+              <a:rPr lang="en-US" altLang="ja-JP" sz="2900" dirty="0">
+                <a:latin typeface="+mn-ea"/>
+              </a:rPr>
+              <a:t>Advancing Information Sciences through Research on Music</a:t>
+            </a:r>
+            <a:r>
+              <a:rPr lang="ja-JP" altLang="ja-JP" sz="2900" dirty="0">
+                <a:latin typeface="+mn-ea"/>
+              </a:rPr>
+              <a:t>：</a:t>
+            </a:r>
+            <a:r>
+              <a:rPr lang="en-US" altLang="ja-JP" sz="2900" dirty="0">
+                <a:latin typeface="+mn-ea"/>
+              </a:rPr>
+              <a:t>5. Music and Machine Learning</a:t>
+            </a:r>
+            <a:r>
+              <a:rPr lang="ja-JP" altLang="ja-JP" sz="2900" dirty="0" err="1">
+                <a:latin typeface="+mn-ea"/>
+              </a:rPr>
+              <a:t>，</a:t>
+            </a:r>
+            <a:r>
+              <a:rPr lang="ja-JP" altLang="ja-JP" sz="2900" dirty="0">
+                <a:latin typeface="+mn-ea"/>
+              </a:rPr>
+              <a:t>情報処理，</a:t>
+            </a:r>
+            <a:r>
+              <a:rPr lang="en-US" altLang="ja-JP" sz="2900" dirty="0">
+                <a:latin typeface="+mn-ea"/>
+              </a:rPr>
+              <a:t>2016</a:t>
+            </a:r>
+            <a:r>
+              <a:rPr lang="ja-JP" altLang="ja-JP" sz="2900" dirty="0">
+                <a:latin typeface="+mn-ea"/>
+              </a:rPr>
+              <a:t>年</a:t>
+            </a:r>
+            <a:r>
+              <a:rPr lang="en-US" altLang="ja-JP" sz="2900" dirty="0">
+                <a:latin typeface="+mn-ea"/>
+              </a:rPr>
+              <a:t>5</a:t>
+            </a:r>
+            <a:r>
+              <a:rPr lang="ja-JP" altLang="ja-JP" sz="2900" dirty="0">
+                <a:latin typeface="+mn-ea"/>
+              </a:rPr>
+              <a:t>月</a:t>
+            </a:r>
+            <a:r>
+              <a:rPr lang="en-US" altLang="ja-JP" sz="2900" dirty="0">
+                <a:latin typeface="+mn-ea"/>
+              </a:rPr>
+              <a:t>15</a:t>
+            </a:r>
+            <a:r>
+              <a:rPr lang="ja-JP" altLang="ja-JP" sz="2900" dirty="0">
+                <a:latin typeface="+mn-ea"/>
+              </a:rPr>
+              <a:t>日，</a:t>
+            </a:r>
+            <a:r>
+              <a:rPr lang="en-US" altLang="ja-JP" sz="2900" dirty="0">
+                <a:latin typeface="+mn-ea"/>
+              </a:rPr>
+              <a:t>57</a:t>
+            </a:r>
+            <a:r>
+              <a:rPr lang="ja-JP" altLang="ja-JP" sz="2900" dirty="0">
+                <a:latin typeface="+mn-ea"/>
+              </a:rPr>
+              <a:t>巻，</a:t>
+            </a:r>
+            <a:r>
+              <a:rPr lang="en-US" altLang="ja-JP" sz="2900" dirty="0">
+                <a:latin typeface="+mn-ea"/>
+              </a:rPr>
+              <a:t>6</a:t>
+            </a:r>
+            <a:r>
+              <a:rPr lang="ja-JP" altLang="ja-JP" sz="2900" dirty="0">
+                <a:latin typeface="+mn-ea"/>
+              </a:rPr>
+              <a:t>号，</a:t>
+            </a:r>
+            <a:r>
+              <a:rPr lang="en-US" altLang="ja-JP" sz="2900" dirty="0">
+                <a:latin typeface="+mn-ea"/>
+              </a:rPr>
+              <a:t>pp519-522 </a:t>
+            </a:r>
+            <a:endParaRPr lang="ja-JP" altLang="ja-JP" sz="2900" dirty="0">
+              <a:latin typeface="+mn-ea"/>
+            </a:endParaRPr>
+          </a:p>
+          <a:p>
+            <a:pPr marL="514350" lvl="0" indent="-514350">
+              <a:buFont typeface="+mj-lt"/>
+              <a:buAutoNum type="arabicPeriod"/>
+            </a:pPr>
+            <a:r>
+              <a:rPr lang="ja-JP" altLang="ja-JP" sz="2900" dirty="0">
+                <a:latin typeface="+mn-ea"/>
+              </a:rPr>
+              <a:t>赤江直洋，木本雅也，清水忠昭，田中美栄子，ニューラルネットワークを用いた音楽の自動ジャンル分類，電気学会研究会資料</a:t>
+            </a:r>
+            <a:r>
+              <a:rPr lang="en-US" altLang="ja-JP" sz="2900" dirty="0">
+                <a:latin typeface="+mn-ea"/>
+              </a:rPr>
+              <a:t>.IS</a:t>
+            </a:r>
+            <a:r>
+              <a:rPr lang="ja-JP" altLang="ja-JP" sz="2900" dirty="0" err="1">
+                <a:latin typeface="+mn-ea"/>
+              </a:rPr>
+              <a:t>，</a:t>
+            </a:r>
+            <a:r>
+              <a:rPr lang="ja-JP" altLang="ja-JP" sz="2900" dirty="0">
+                <a:latin typeface="+mn-ea"/>
+              </a:rPr>
+              <a:t>情報システム研究会，</a:t>
+            </a:r>
+            <a:r>
+              <a:rPr lang="en-US" altLang="ja-JP" sz="2900" dirty="0">
+                <a:latin typeface="+mn-ea"/>
+              </a:rPr>
+              <a:t>2004</a:t>
+            </a:r>
+            <a:r>
+              <a:rPr lang="ja-JP" altLang="ja-JP" sz="2900" dirty="0">
+                <a:latin typeface="+mn-ea"/>
+              </a:rPr>
+              <a:t>年</a:t>
+            </a:r>
+            <a:r>
+              <a:rPr lang="en-US" altLang="ja-JP" sz="2900" dirty="0">
+                <a:latin typeface="+mn-ea"/>
+              </a:rPr>
+              <a:t>3</a:t>
+            </a:r>
+            <a:r>
+              <a:rPr lang="ja-JP" altLang="ja-JP" sz="2900" dirty="0">
+                <a:latin typeface="+mn-ea"/>
+              </a:rPr>
+              <a:t>月</a:t>
+            </a:r>
+            <a:r>
+              <a:rPr lang="en-US" altLang="ja-JP" sz="2900" dirty="0">
+                <a:latin typeface="+mn-ea"/>
+              </a:rPr>
+              <a:t>23</a:t>
+            </a:r>
+            <a:r>
+              <a:rPr lang="ja-JP" altLang="ja-JP" sz="2900" dirty="0">
+                <a:latin typeface="+mn-ea"/>
+              </a:rPr>
+              <a:t>日，</a:t>
+            </a:r>
+            <a:r>
+              <a:rPr lang="en-US" altLang="ja-JP" sz="2900" dirty="0">
+                <a:latin typeface="+mn-ea"/>
+              </a:rPr>
+              <a:t>2004</a:t>
+            </a:r>
+            <a:r>
+              <a:rPr lang="ja-JP" altLang="ja-JP" sz="2900" dirty="0">
+                <a:latin typeface="+mn-ea"/>
+              </a:rPr>
+              <a:t>巻，</a:t>
+            </a:r>
+            <a:r>
+              <a:rPr lang="en-US" altLang="ja-JP" sz="2900" dirty="0">
+                <a:latin typeface="+mn-ea"/>
+              </a:rPr>
+              <a:t>9</a:t>
+            </a:r>
+            <a:r>
+              <a:rPr lang="ja-JP" altLang="ja-JP" sz="2900" dirty="0">
+                <a:latin typeface="+mn-ea"/>
+              </a:rPr>
+              <a:t>号，</a:t>
+            </a:r>
+            <a:r>
+              <a:rPr lang="en-US" altLang="ja-JP" sz="2900" dirty="0">
+                <a:latin typeface="+mn-ea"/>
+              </a:rPr>
+              <a:t>pp 35-39</a:t>
+            </a:r>
+            <a:endParaRPr lang="ja-JP" altLang="ja-JP" sz="2900" dirty="0">
+              <a:latin typeface="+mn-ea"/>
+            </a:endParaRPr>
+          </a:p>
+          <a:p>
+            <a:pPr marL="514350" lvl="0" indent="-514350">
+              <a:buFont typeface="+mj-lt"/>
+              <a:buAutoNum type="arabicPeriod"/>
+            </a:pPr>
+            <a:r>
+              <a:rPr lang="ja-JP" altLang="ja-JP" sz="2900" dirty="0">
+                <a:latin typeface="+mn-ea"/>
+              </a:rPr>
+              <a:t>小林 拓司，丸山 一貴，畳み込みニューラルネットワークを用いた</a:t>
+            </a:r>
+            <a:r>
+              <a:rPr lang="en-US" altLang="ja-JP" sz="2900" dirty="0">
+                <a:latin typeface="+mn-ea"/>
+              </a:rPr>
+              <a:t>Hardcore techno</a:t>
+            </a:r>
+            <a:r>
+              <a:rPr lang="ja-JP" altLang="ja-JP" sz="2900" dirty="0">
+                <a:latin typeface="+mn-ea"/>
+              </a:rPr>
+              <a:t>のサブジャンル分類，インタラクション</a:t>
+            </a:r>
+            <a:r>
+              <a:rPr lang="en-US" altLang="ja-JP" sz="2900" dirty="0">
+                <a:latin typeface="+mn-ea"/>
+              </a:rPr>
+              <a:t>2019</a:t>
+            </a:r>
+            <a:r>
+              <a:rPr lang="ja-JP" altLang="ja-JP" sz="2900" dirty="0">
+                <a:latin typeface="+mn-ea"/>
+              </a:rPr>
+              <a:t>論文集，</a:t>
+            </a:r>
+            <a:r>
+              <a:rPr lang="en-US" altLang="ja-JP" sz="2900" dirty="0">
+                <a:latin typeface="+mn-ea"/>
+              </a:rPr>
+              <a:t>2019</a:t>
+            </a:r>
+            <a:r>
+              <a:rPr lang="ja-JP" altLang="ja-JP" sz="2900" dirty="0" err="1">
+                <a:latin typeface="+mn-ea"/>
+              </a:rPr>
+              <a:t>，</a:t>
+            </a:r>
+            <a:r>
+              <a:rPr lang="en-US" altLang="ja-JP" sz="2900" dirty="0">
+                <a:latin typeface="+mn-ea"/>
+              </a:rPr>
+              <a:t>2</a:t>
+            </a:r>
+            <a:r>
+              <a:rPr lang="ja-JP" altLang="ja-JP" sz="2900" dirty="0">
+                <a:latin typeface="+mn-ea"/>
+              </a:rPr>
+              <a:t>月</a:t>
+            </a:r>
+            <a:r>
+              <a:rPr lang="en-US" altLang="ja-JP" sz="2900" dirty="0">
+                <a:latin typeface="+mn-ea"/>
+              </a:rPr>
+              <a:t>27</a:t>
+            </a:r>
+            <a:r>
+              <a:rPr lang="ja-JP" altLang="ja-JP" sz="2900" dirty="0">
+                <a:latin typeface="+mn-ea"/>
+              </a:rPr>
+              <a:t>日，</a:t>
+            </a:r>
+            <a:r>
+              <a:rPr lang="en-US" altLang="ja-JP" sz="2900" dirty="0">
+                <a:latin typeface="+mn-ea"/>
+              </a:rPr>
+              <a:t>pp 245-248</a:t>
+            </a:r>
+            <a:endParaRPr lang="ja-JP" altLang="ja-JP" sz="2900" dirty="0">
+              <a:latin typeface="+mn-ea"/>
+            </a:endParaRPr>
+          </a:p>
+          <a:p>
+            <a:pPr marL="514350" lvl="0" indent="-514350">
+              <a:buFont typeface="+mj-lt"/>
+              <a:buAutoNum type="arabicPeriod"/>
+            </a:pPr>
+            <a:r>
+              <a:rPr lang="en-US" altLang="ja-JP" sz="2900" dirty="0">
+                <a:latin typeface="+mn-ea"/>
+              </a:rPr>
+              <a:t>Hendrik </a:t>
+            </a:r>
+            <a:r>
+              <a:rPr lang="en-US" altLang="ja-JP" sz="2900" dirty="0" err="1">
+                <a:latin typeface="+mn-ea"/>
+              </a:rPr>
+              <a:t>Purwins</a:t>
+            </a:r>
+            <a:r>
+              <a:rPr lang="en-US" altLang="ja-JP" sz="2900" dirty="0">
+                <a:latin typeface="+mn-ea"/>
+              </a:rPr>
+              <a:t> , Bo Li , </a:t>
+            </a:r>
+            <a:r>
+              <a:rPr lang="en-US" altLang="ja-JP" sz="2900" dirty="0" err="1">
+                <a:latin typeface="+mn-ea"/>
+              </a:rPr>
+              <a:t>Tuomas</a:t>
+            </a:r>
+            <a:r>
+              <a:rPr lang="en-US" altLang="ja-JP" sz="2900" dirty="0">
+                <a:latin typeface="+mn-ea"/>
+              </a:rPr>
+              <a:t> Virtanen, Jan </a:t>
+            </a:r>
+            <a:r>
+              <a:rPr lang="en-US" altLang="ja-JP" sz="2900" dirty="0" err="1">
+                <a:latin typeface="+mn-ea"/>
+              </a:rPr>
+              <a:t>Schlüter</a:t>
+            </a:r>
+            <a:r>
+              <a:rPr lang="en-US" altLang="ja-JP" sz="2900" dirty="0">
+                <a:latin typeface="+mn-ea"/>
+              </a:rPr>
+              <a:t> , </a:t>
+            </a:r>
+            <a:r>
+              <a:rPr lang="en-US" altLang="ja-JP" sz="2900" dirty="0" err="1">
+                <a:latin typeface="+mn-ea"/>
+              </a:rPr>
+              <a:t>Shuo-yiin</a:t>
+            </a:r>
+            <a:r>
+              <a:rPr lang="en-US" altLang="ja-JP" sz="2900" dirty="0">
+                <a:latin typeface="+mn-ea"/>
+              </a:rPr>
+              <a:t> Chang, Tara </a:t>
+            </a:r>
+            <a:r>
+              <a:rPr lang="en-US" altLang="ja-JP" sz="2900" dirty="0" err="1">
+                <a:latin typeface="+mn-ea"/>
+              </a:rPr>
+              <a:t>Sainath</a:t>
+            </a:r>
+            <a:r>
+              <a:rPr lang="ja-JP" altLang="ja-JP" sz="2900" dirty="0" err="1">
+                <a:latin typeface="+mn-ea"/>
+              </a:rPr>
+              <a:t>，</a:t>
+            </a:r>
+            <a:r>
+              <a:rPr lang="en-US" altLang="ja-JP" sz="2900" dirty="0">
+                <a:latin typeface="+mn-ea"/>
+              </a:rPr>
+              <a:t>Sound (cs.SD); Audio and Speech Processing (eess.AS); Machine Learning (stat.ML)</a:t>
+            </a:r>
+            <a:r>
+              <a:rPr lang="ja-JP" altLang="ja-JP" sz="2900" dirty="0" err="1">
+                <a:latin typeface="+mn-ea"/>
+              </a:rPr>
+              <a:t>，</a:t>
+            </a:r>
+            <a:r>
+              <a:rPr lang="en-US" altLang="ja-JP" sz="2900" dirty="0">
+                <a:latin typeface="+mn-ea"/>
+              </a:rPr>
+              <a:t>Journal of Selected Topics of Signal Processing 14, No. 8</a:t>
+            </a:r>
+            <a:r>
+              <a:rPr lang="ja-JP" altLang="ja-JP" sz="2900" dirty="0" err="1">
+                <a:latin typeface="+mn-ea"/>
+              </a:rPr>
+              <a:t>，</a:t>
+            </a:r>
+            <a:r>
+              <a:rPr lang="en-US" altLang="ja-JP" sz="2900" dirty="0">
+                <a:latin typeface="+mn-ea"/>
+              </a:rPr>
+              <a:t>pp 15 </a:t>
+            </a:r>
+            <a:endParaRPr lang="ja-JP" altLang="ja-JP" sz="2900" dirty="0">
+              <a:latin typeface="+mn-ea"/>
+            </a:endParaRPr>
+          </a:p>
+          <a:p>
+            <a:pPr marL="514350" lvl="0" indent="-514350">
+              <a:buFont typeface="+mj-lt"/>
+              <a:buAutoNum type="arabicPeriod"/>
+            </a:pPr>
+            <a:r>
+              <a:rPr lang="en-US" altLang="ja-JP" sz="2900" dirty="0">
+                <a:latin typeface="+mn-ea"/>
+              </a:rPr>
+              <a:t>SOUNDCLOUD</a:t>
+            </a:r>
+            <a:r>
+              <a:rPr lang="ja-JP" altLang="ja-JP" sz="2900" dirty="0" err="1">
+                <a:latin typeface="+mn-ea"/>
+              </a:rPr>
+              <a:t>，</a:t>
+            </a:r>
+            <a:r>
+              <a:rPr lang="en-US" altLang="ja-JP" sz="2900" dirty="0">
+                <a:latin typeface="+mn-ea"/>
+                <a:hlinkClick r:id="rId2"/>
+              </a:rPr>
+              <a:t>https://soundcloud.com/?utm_source=Partnerize</a:t>
+            </a:r>
+            <a:r>
+              <a:rPr lang="ja-JP" altLang="ja-JP" sz="2900" dirty="0" err="1">
+                <a:latin typeface="+mn-ea"/>
+              </a:rPr>
+              <a:t>，</a:t>
+            </a:r>
+            <a:r>
+              <a:rPr lang="en-US" altLang="ja-JP" sz="2900" dirty="0">
+                <a:latin typeface="+mn-ea"/>
+              </a:rPr>
+              <a:t>2021/12/20</a:t>
+            </a:r>
+            <a:endParaRPr lang="ja-JP" altLang="ja-JP" sz="2900" dirty="0">
+              <a:latin typeface="+mn-ea"/>
+            </a:endParaRPr>
+          </a:p>
+          <a:p>
+            <a:pPr marL="514350" lvl="0" indent="-514350">
+              <a:buFont typeface="+mj-lt"/>
+              <a:buAutoNum type="arabicPeriod"/>
+            </a:pPr>
+            <a:r>
+              <a:rPr lang="en-US" altLang="ja-JP" sz="2900" dirty="0">
+                <a:latin typeface="+mn-ea"/>
+              </a:rPr>
+              <a:t>DOVA SYNDORME</a:t>
+            </a:r>
+            <a:r>
+              <a:rPr lang="ja-JP" altLang="ja-JP" sz="2900" dirty="0" err="1">
+                <a:latin typeface="+mn-ea"/>
+              </a:rPr>
+              <a:t>，</a:t>
+            </a:r>
+            <a:r>
+              <a:rPr lang="en-US" altLang="ja-JP" sz="2900" dirty="0">
+                <a:latin typeface="+mn-ea"/>
+                <a:hlinkClick r:id="rId3"/>
+              </a:rPr>
+              <a:t>https://dova-s.jp/，2021/12/20</a:t>
+            </a:r>
+            <a:endParaRPr lang="ja-JP" altLang="ja-JP" sz="2900" dirty="0">
+              <a:latin typeface="+mn-ea"/>
+            </a:endParaRPr>
+          </a:p>
+          <a:p>
+            <a:pPr marL="514350" lvl="0" indent="-514350">
+              <a:buFont typeface="+mj-lt"/>
+              <a:buAutoNum type="arabicPeriod"/>
+            </a:pPr>
+            <a:r>
+              <a:rPr lang="en-US" altLang="ja-JP" sz="2900" dirty="0">
+                <a:latin typeface="+mn-ea"/>
+              </a:rPr>
+              <a:t>FMA: A Dataset For Music Analysis</a:t>
+            </a:r>
+            <a:r>
+              <a:rPr lang="ja-JP" altLang="ja-JP" sz="2900" dirty="0" err="1">
+                <a:latin typeface="+mn-ea"/>
+              </a:rPr>
+              <a:t>，</a:t>
+            </a:r>
+            <a:r>
+              <a:rPr lang="en-US" altLang="ja-JP" sz="2900" dirty="0">
+                <a:latin typeface="+mn-ea"/>
+                <a:hlinkClick r:id="rId4"/>
+              </a:rPr>
+              <a:t>https://github.com/</a:t>
+            </a:r>
+            <a:r>
+              <a:rPr lang="en-US" altLang="ja-JP" sz="2900" dirty="0" err="1">
+                <a:latin typeface="+mn-ea"/>
+                <a:hlinkClick r:id="rId4"/>
+              </a:rPr>
+              <a:t>mdeff</a:t>
+            </a:r>
+            <a:r>
+              <a:rPr lang="en-US" altLang="ja-JP" sz="2900" dirty="0">
+                <a:latin typeface="+mn-ea"/>
+                <a:hlinkClick r:id="rId4"/>
+              </a:rPr>
+              <a:t>/fma，2021/12/21</a:t>
+            </a:r>
+            <a:endParaRPr lang="ja-JP" altLang="ja-JP" sz="2900" dirty="0">
+              <a:latin typeface="+mn-ea"/>
+            </a:endParaRPr>
+          </a:p>
+          <a:p>
+            <a:pPr marL="0" indent="0">
+              <a:buNone/>
+            </a:pPr>
+            <a:endParaRPr kumimoji="1" lang="ja-JP" altLang="en-US" dirty="0"/>
           </a:p>
         </p:txBody>
       </p:sp>
@@ -9322,13 +9508,20 @@
     </p:spTree>
     <p:extLst>
       <p:ext uri="{BB962C8B-B14F-4D97-AF65-F5344CB8AC3E}">
-        <p14:creationId xmlns:p14="http://schemas.microsoft.com/office/powerpoint/2010/main" val="1800454056"/>
+        <p14:creationId xmlns:p14="http://schemas.microsoft.com/office/powerpoint/2010/main" val="1105084530"/>
       </p:ext>
     </p:extLst>
   </p:cSld>
   <p:clrMapOvr>
     <a:masterClrMapping/>
   </p:clrMapOvr>
+  <p:timing>
+    <p:tnLst>
+      <p:par>
+        <p:cTn id="1" dur="indefinite" restart="never" nodeType="tmRoot"/>
+      </p:par>
+    </p:tnLst>
+  </p:timing>
 </p:sld>
 </file>
 
@@ -9441,7 +9634,15 @@
             </a:r>
             <a:r>
               <a:rPr lang="ja-JP" altLang="en-US" dirty="0" smtClean="0"/>
-              <a:t>も同様に発展を遂げた．そのため誰でも音楽を</a:t>
+              <a:t>も同様に発展を遂げた</a:t>
+            </a:r>
+            <a:r>
+              <a:rPr lang="ja-JP" altLang="en-US" dirty="0" smtClean="0"/>
+              <a:t>．その</a:t>
+            </a:r>
+            <a:r>
+              <a:rPr lang="ja-JP" altLang="en-US" dirty="0" smtClean="0"/>
+              <a:t>ため誰でも音楽を</a:t>
             </a:r>
             <a:r>
               <a:rPr lang="en-US" altLang="ja-JP" dirty="0" smtClean="0"/>
@@ -9588,7 +9789,7 @@
             <p:nvPr/>
           </p:nvPicPr>
           <p:blipFill>
-            <a:blip r:embed="rId2">
+            <a:blip r:embed="rId3">
               <a:extLst>
                 <a:ext uri="{28A0092B-C50C-407E-A947-70E740481C1C}">
                   <a14:useLocalDpi xmlns:a14="http://schemas.microsoft.com/office/drawing/2010/main" val="0"/>
@@ -9648,7 +9849,7 @@
             <p:nvPr/>
           </p:nvPicPr>
           <p:blipFill>
-            <a:blip r:embed="rId3" cstate="print">
+            <a:blip r:embed="rId4" cstate="print">
               <a:extLst>
                 <a:ext uri="{28A0092B-C50C-407E-A947-70E740481C1C}">
                   <a14:useLocalDpi xmlns:a14="http://schemas.microsoft.com/office/drawing/2010/main" val="0"/>
@@ -9678,7 +9879,7 @@
             <p:nvPr/>
           </p:nvPicPr>
           <p:blipFill>
-            <a:blip r:embed="rId3" cstate="print">
+            <a:blip r:embed="rId4" cstate="print">
               <a:extLst>
                 <a:ext uri="{28A0092B-C50C-407E-A947-70E740481C1C}">
                   <a14:useLocalDpi xmlns:a14="http://schemas.microsoft.com/office/drawing/2010/main" val="0"/>
@@ -9708,7 +9909,7 @@
             <p:nvPr/>
           </p:nvPicPr>
           <p:blipFill>
-            <a:blip r:embed="rId4">
+            <a:blip r:embed="rId5">
               <a:extLst>
                 <a:ext uri="{28A0092B-C50C-407E-A947-70E740481C1C}">
                   <a14:useLocalDpi xmlns:a14="http://schemas.microsoft.com/office/drawing/2010/main" val="0"/>
@@ -9728,7 +9929,7 @@
               <a:avLst/>
             </a:prstGeom>
             <a:blipFill dpi="0" rotWithShape="1">
-              <a:blip r:embed="rId5"/>
+              <a:blip r:embed="rId6"/>
               <a:srcRect/>
               <a:stretch>
                 <a:fillRect/>
@@ -9900,674 +10101,6 @@
 </p:sld>
 </file>
 
-<file path=ppt/slides/slide20.xml><?xml version="1.0" encoding="utf-8"?>
-<p:sld xmlns:a="http://schemas.openxmlformats.org/drawingml/2006/main" xmlns:r="http://schemas.openxmlformats.org/officeDocument/2006/relationships" xmlns:p="http://schemas.openxmlformats.org/presentationml/2006/main">
-  <p:cSld>
-    <p:spTree>
-      <p:nvGrpSpPr>
-        <p:cNvPr id="1" name=""/>
-        <p:cNvGrpSpPr/>
-        <p:nvPr/>
-      </p:nvGrpSpPr>
-      <p:grpSpPr>
-        <a:xfrm>
-          <a:off x="0" y="0"/>
-          <a:ext cx="0" cy="0"/>
-          <a:chOff x="0" y="0"/>
-          <a:chExt cx="0" cy="0"/>
-        </a:xfrm>
-      </p:grpSpPr>
-      <p:sp>
-        <p:nvSpPr>
-          <p:cNvPr id="2" name="タイトル 1"/>
-          <p:cNvSpPr>
-            <a:spLocks noGrp="1"/>
-          </p:cNvSpPr>
-          <p:nvPr>
-            <p:ph type="title"/>
-          </p:nvPr>
-        </p:nvSpPr>
-        <p:spPr/>
-        <p:txBody>
-          <a:bodyPr/>
-          <a:lstStyle/>
-          <a:p>
-            <a:r>
-              <a:rPr kumimoji="1" lang="ja-JP" altLang="en-US" dirty="0" smtClean="0"/>
-              <a:t>参考文献</a:t>
-            </a:r>
-            <a:r>
-              <a:rPr kumimoji="1" lang="en-US" altLang="ja-JP" dirty="0" smtClean="0"/>
-              <a:t>	</a:t>
-            </a:r>
-            <a:endParaRPr kumimoji="1" lang="ja-JP" altLang="en-US" dirty="0"/>
-          </a:p>
-        </p:txBody>
-      </p:sp>
-      <p:sp>
-        <p:nvSpPr>
-          <p:cNvPr id="3" name="コンテンツ プレースホルダー 2"/>
-          <p:cNvSpPr>
-            <a:spLocks noGrp="1"/>
-          </p:cNvSpPr>
-          <p:nvPr>
-            <p:ph idx="1"/>
-          </p:nvPr>
-        </p:nvSpPr>
-        <p:spPr/>
-        <p:txBody>
-          <a:bodyPr>
-            <a:normAutofit fontScale="55000" lnSpcReduction="20000"/>
-          </a:bodyPr>
-          <a:lstStyle/>
-          <a:p>
-            <a:pPr marL="514350" lvl="0" indent="-514350">
-              <a:buFont typeface="+mj-lt"/>
-              <a:buAutoNum type="arabicPeriod"/>
-            </a:pPr>
-            <a:r>
-              <a:rPr lang="ja-JP" altLang="ja-JP" sz="2900" dirty="0">
-                <a:latin typeface="+mn-ea"/>
-              </a:rPr>
-              <a:t>大野直樹，中村聡史，山本岳洋，後藤真孝，音楽動画への印象評価データセット構築とその特性の調査，情報処理学会 研究報告音楽情報科学， </a:t>
-            </a:r>
-            <a:r>
-              <a:rPr lang="en-US" altLang="ja-JP" sz="2900" dirty="0">
-                <a:latin typeface="+mn-ea"/>
-              </a:rPr>
-              <a:t>2015</a:t>
-            </a:r>
-            <a:r>
-              <a:rPr lang="ja-JP" altLang="ja-JP" sz="2900" dirty="0">
-                <a:latin typeface="+mn-ea"/>
-              </a:rPr>
-              <a:t>年</a:t>
-            </a:r>
-            <a:r>
-              <a:rPr lang="en-US" altLang="ja-JP" sz="2900" dirty="0">
-                <a:latin typeface="+mn-ea"/>
-              </a:rPr>
-              <a:t>9</a:t>
-            </a:r>
-            <a:r>
-              <a:rPr lang="ja-JP" altLang="ja-JP" sz="2900" dirty="0">
-                <a:latin typeface="+mn-ea"/>
-              </a:rPr>
-              <a:t>月</a:t>
-            </a:r>
-            <a:r>
-              <a:rPr lang="en-US" altLang="ja-JP" sz="2900" dirty="0">
-                <a:latin typeface="+mn-ea"/>
-              </a:rPr>
-              <a:t>1</a:t>
-            </a:r>
-            <a:r>
-              <a:rPr lang="ja-JP" altLang="ja-JP" sz="2900" dirty="0">
-                <a:latin typeface="+mn-ea"/>
-              </a:rPr>
-              <a:t>日，</a:t>
-            </a:r>
-            <a:r>
-              <a:rPr lang="en-US" altLang="ja-JP" sz="2900" dirty="0">
-                <a:latin typeface="+mn-ea"/>
-              </a:rPr>
-              <a:t>pp1-9</a:t>
-            </a:r>
-            <a:endParaRPr lang="ja-JP" altLang="ja-JP" sz="2900" dirty="0">
-              <a:latin typeface="+mn-ea"/>
-            </a:endParaRPr>
-          </a:p>
-          <a:p>
-            <a:pPr marL="514350" lvl="0" indent="-514350">
-              <a:buFont typeface="+mj-lt"/>
-              <a:buAutoNum type="arabicPeriod"/>
-            </a:pPr>
-            <a:r>
-              <a:rPr lang="ja-JP" altLang="ja-JP" sz="2900" dirty="0">
-                <a:latin typeface="+mn-ea"/>
-              </a:rPr>
-              <a:t>吉井和佳，</a:t>
-            </a:r>
-            <a:r>
-              <a:rPr lang="en-US" altLang="ja-JP" sz="2900" dirty="0">
-                <a:latin typeface="+mn-ea"/>
-              </a:rPr>
-              <a:t>Advancing Information Sciences through Research on Music</a:t>
-            </a:r>
-            <a:r>
-              <a:rPr lang="ja-JP" altLang="ja-JP" sz="2900" dirty="0">
-                <a:latin typeface="+mn-ea"/>
-              </a:rPr>
-              <a:t>：</a:t>
-            </a:r>
-            <a:r>
-              <a:rPr lang="en-US" altLang="ja-JP" sz="2900" dirty="0">
-                <a:latin typeface="+mn-ea"/>
-              </a:rPr>
-              <a:t>5. Music and Machine Learning</a:t>
-            </a:r>
-            <a:r>
-              <a:rPr lang="ja-JP" altLang="ja-JP" sz="2900" dirty="0" err="1">
-                <a:latin typeface="+mn-ea"/>
-              </a:rPr>
-              <a:t>，</a:t>
-            </a:r>
-            <a:r>
-              <a:rPr lang="ja-JP" altLang="ja-JP" sz="2900" dirty="0">
-                <a:latin typeface="+mn-ea"/>
-              </a:rPr>
-              <a:t>情報処理，</a:t>
-            </a:r>
-            <a:r>
-              <a:rPr lang="en-US" altLang="ja-JP" sz="2900" dirty="0">
-                <a:latin typeface="+mn-ea"/>
-              </a:rPr>
-              <a:t>2016</a:t>
-            </a:r>
-            <a:r>
-              <a:rPr lang="ja-JP" altLang="ja-JP" sz="2900" dirty="0">
-                <a:latin typeface="+mn-ea"/>
-              </a:rPr>
-              <a:t>年</a:t>
-            </a:r>
-            <a:r>
-              <a:rPr lang="en-US" altLang="ja-JP" sz="2900" dirty="0">
-                <a:latin typeface="+mn-ea"/>
-              </a:rPr>
-              <a:t>5</a:t>
-            </a:r>
-            <a:r>
-              <a:rPr lang="ja-JP" altLang="ja-JP" sz="2900" dirty="0">
-                <a:latin typeface="+mn-ea"/>
-              </a:rPr>
-              <a:t>月</a:t>
-            </a:r>
-            <a:r>
-              <a:rPr lang="en-US" altLang="ja-JP" sz="2900" dirty="0">
-                <a:latin typeface="+mn-ea"/>
-              </a:rPr>
-              <a:t>15</a:t>
-            </a:r>
-            <a:r>
-              <a:rPr lang="ja-JP" altLang="ja-JP" sz="2900" dirty="0">
-                <a:latin typeface="+mn-ea"/>
-              </a:rPr>
-              <a:t>日，</a:t>
-            </a:r>
-            <a:r>
-              <a:rPr lang="en-US" altLang="ja-JP" sz="2900" dirty="0">
-                <a:latin typeface="+mn-ea"/>
-              </a:rPr>
-              <a:t>57</a:t>
-            </a:r>
-            <a:r>
-              <a:rPr lang="ja-JP" altLang="ja-JP" sz="2900" dirty="0">
-                <a:latin typeface="+mn-ea"/>
-              </a:rPr>
-              <a:t>巻，</a:t>
-            </a:r>
-            <a:r>
-              <a:rPr lang="en-US" altLang="ja-JP" sz="2900" dirty="0">
-                <a:latin typeface="+mn-ea"/>
-              </a:rPr>
-              <a:t>6</a:t>
-            </a:r>
-            <a:r>
-              <a:rPr lang="ja-JP" altLang="ja-JP" sz="2900" dirty="0">
-                <a:latin typeface="+mn-ea"/>
-              </a:rPr>
-              <a:t>号，</a:t>
-            </a:r>
-            <a:r>
-              <a:rPr lang="en-US" altLang="ja-JP" sz="2900" dirty="0">
-                <a:latin typeface="+mn-ea"/>
-              </a:rPr>
-              <a:t>pp519-522 </a:t>
-            </a:r>
-            <a:endParaRPr lang="ja-JP" altLang="ja-JP" sz="2900" dirty="0">
-              <a:latin typeface="+mn-ea"/>
-            </a:endParaRPr>
-          </a:p>
-          <a:p>
-            <a:pPr marL="514350" lvl="0" indent="-514350">
-              <a:buFont typeface="+mj-lt"/>
-              <a:buAutoNum type="arabicPeriod"/>
-            </a:pPr>
-            <a:r>
-              <a:rPr lang="ja-JP" altLang="ja-JP" sz="2900" dirty="0">
-                <a:latin typeface="+mn-ea"/>
-              </a:rPr>
-              <a:t>赤江直洋，木本雅也，清水忠昭，田中美栄子，ニューラルネットワークを用いた音楽の自動ジャンル分類，電気学会研究会資料</a:t>
-            </a:r>
-            <a:r>
-              <a:rPr lang="en-US" altLang="ja-JP" sz="2900" dirty="0">
-                <a:latin typeface="+mn-ea"/>
-              </a:rPr>
-              <a:t>.IS</a:t>
-            </a:r>
-            <a:r>
-              <a:rPr lang="ja-JP" altLang="ja-JP" sz="2900" dirty="0" err="1">
-                <a:latin typeface="+mn-ea"/>
-              </a:rPr>
-              <a:t>，</a:t>
-            </a:r>
-            <a:r>
-              <a:rPr lang="ja-JP" altLang="ja-JP" sz="2900" dirty="0">
-                <a:latin typeface="+mn-ea"/>
-              </a:rPr>
-              <a:t>情報システム研究会，</a:t>
-            </a:r>
-            <a:r>
-              <a:rPr lang="en-US" altLang="ja-JP" sz="2900" dirty="0">
-                <a:latin typeface="+mn-ea"/>
-              </a:rPr>
-              <a:t>2004</a:t>
-            </a:r>
-            <a:r>
-              <a:rPr lang="ja-JP" altLang="ja-JP" sz="2900" dirty="0">
-                <a:latin typeface="+mn-ea"/>
-              </a:rPr>
-              <a:t>年</a:t>
-            </a:r>
-            <a:r>
-              <a:rPr lang="en-US" altLang="ja-JP" sz="2900" dirty="0">
-                <a:latin typeface="+mn-ea"/>
-              </a:rPr>
-              <a:t>3</a:t>
-            </a:r>
-            <a:r>
-              <a:rPr lang="ja-JP" altLang="ja-JP" sz="2900" dirty="0">
-                <a:latin typeface="+mn-ea"/>
-              </a:rPr>
-              <a:t>月</a:t>
-            </a:r>
-            <a:r>
-              <a:rPr lang="en-US" altLang="ja-JP" sz="2900" dirty="0">
-                <a:latin typeface="+mn-ea"/>
-              </a:rPr>
-              <a:t>23</a:t>
-            </a:r>
-            <a:r>
-              <a:rPr lang="ja-JP" altLang="ja-JP" sz="2900" dirty="0">
-                <a:latin typeface="+mn-ea"/>
-              </a:rPr>
-              <a:t>日，</a:t>
-            </a:r>
-            <a:r>
-              <a:rPr lang="en-US" altLang="ja-JP" sz="2900" dirty="0">
-                <a:latin typeface="+mn-ea"/>
-              </a:rPr>
-              <a:t>2004</a:t>
-            </a:r>
-            <a:r>
-              <a:rPr lang="ja-JP" altLang="ja-JP" sz="2900" dirty="0">
-                <a:latin typeface="+mn-ea"/>
-              </a:rPr>
-              <a:t>巻，</a:t>
-            </a:r>
-            <a:r>
-              <a:rPr lang="en-US" altLang="ja-JP" sz="2900" dirty="0">
-                <a:latin typeface="+mn-ea"/>
-              </a:rPr>
-              <a:t>9</a:t>
-            </a:r>
-            <a:r>
-              <a:rPr lang="ja-JP" altLang="ja-JP" sz="2900" dirty="0">
-                <a:latin typeface="+mn-ea"/>
-              </a:rPr>
-              <a:t>号，</a:t>
-            </a:r>
-            <a:r>
-              <a:rPr lang="en-US" altLang="ja-JP" sz="2900" dirty="0">
-                <a:latin typeface="+mn-ea"/>
-              </a:rPr>
-              <a:t>pp 35-39</a:t>
-            </a:r>
-            <a:endParaRPr lang="ja-JP" altLang="ja-JP" sz="2900" dirty="0">
-              <a:latin typeface="+mn-ea"/>
-            </a:endParaRPr>
-          </a:p>
-          <a:p>
-            <a:pPr marL="514350" lvl="0" indent="-514350">
-              <a:buFont typeface="+mj-lt"/>
-              <a:buAutoNum type="arabicPeriod"/>
-            </a:pPr>
-            <a:r>
-              <a:rPr lang="ja-JP" altLang="ja-JP" sz="2900" dirty="0">
-                <a:latin typeface="+mn-ea"/>
-              </a:rPr>
-              <a:t>小林 拓司，丸山 一貴，畳み込みニューラルネットワークを用いた</a:t>
-            </a:r>
-            <a:r>
-              <a:rPr lang="en-US" altLang="ja-JP" sz="2900" dirty="0">
-                <a:latin typeface="+mn-ea"/>
-              </a:rPr>
-              <a:t>Hardcore techno</a:t>
-            </a:r>
-            <a:r>
-              <a:rPr lang="ja-JP" altLang="ja-JP" sz="2900" dirty="0">
-                <a:latin typeface="+mn-ea"/>
-              </a:rPr>
-              <a:t>のサブジャンル分類，インタラクション</a:t>
-            </a:r>
-            <a:r>
-              <a:rPr lang="en-US" altLang="ja-JP" sz="2900" dirty="0">
-                <a:latin typeface="+mn-ea"/>
-              </a:rPr>
-              <a:t>2019</a:t>
-            </a:r>
-            <a:r>
-              <a:rPr lang="ja-JP" altLang="ja-JP" sz="2900" dirty="0">
-                <a:latin typeface="+mn-ea"/>
-              </a:rPr>
-              <a:t>論文集，</a:t>
-            </a:r>
-            <a:r>
-              <a:rPr lang="en-US" altLang="ja-JP" sz="2900" dirty="0">
-                <a:latin typeface="+mn-ea"/>
-              </a:rPr>
-              <a:t>2019</a:t>
-            </a:r>
-            <a:r>
-              <a:rPr lang="ja-JP" altLang="ja-JP" sz="2900" dirty="0" err="1">
-                <a:latin typeface="+mn-ea"/>
-              </a:rPr>
-              <a:t>，</a:t>
-            </a:r>
-            <a:r>
-              <a:rPr lang="en-US" altLang="ja-JP" sz="2900" dirty="0">
-                <a:latin typeface="+mn-ea"/>
-              </a:rPr>
-              <a:t>2</a:t>
-            </a:r>
-            <a:r>
-              <a:rPr lang="ja-JP" altLang="ja-JP" sz="2900" dirty="0">
-                <a:latin typeface="+mn-ea"/>
-              </a:rPr>
-              <a:t>月</a:t>
-            </a:r>
-            <a:r>
-              <a:rPr lang="en-US" altLang="ja-JP" sz="2900" dirty="0">
-                <a:latin typeface="+mn-ea"/>
-              </a:rPr>
-              <a:t>27</a:t>
-            </a:r>
-            <a:r>
-              <a:rPr lang="ja-JP" altLang="ja-JP" sz="2900" dirty="0">
-                <a:latin typeface="+mn-ea"/>
-              </a:rPr>
-              <a:t>日，</a:t>
-            </a:r>
-            <a:r>
-              <a:rPr lang="en-US" altLang="ja-JP" sz="2900" dirty="0">
-                <a:latin typeface="+mn-ea"/>
-              </a:rPr>
-              <a:t>pp 245-248</a:t>
-            </a:r>
-            <a:endParaRPr lang="ja-JP" altLang="ja-JP" sz="2900" dirty="0">
-              <a:latin typeface="+mn-ea"/>
-            </a:endParaRPr>
-          </a:p>
-          <a:p>
-            <a:pPr marL="514350" lvl="0" indent="-514350">
-              <a:buFont typeface="+mj-lt"/>
-              <a:buAutoNum type="arabicPeriod"/>
-            </a:pPr>
-            <a:r>
-              <a:rPr lang="en-US" altLang="ja-JP" sz="2900" dirty="0">
-                <a:latin typeface="+mn-ea"/>
-              </a:rPr>
-              <a:t>Hendrik </a:t>
-            </a:r>
-            <a:r>
-              <a:rPr lang="en-US" altLang="ja-JP" sz="2900" dirty="0" err="1">
-                <a:latin typeface="+mn-ea"/>
-              </a:rPr>
-              <a:t>Purwins</a:t>
-            </a:r>
-            <a:r>
-              <a:rPr lang="en-US" altLang="ja-JP" sz="2900" dirty="0">
-                <a:latin typeface="+mn-ea"/>
-              </a:rPr>
-              <a:t> , Bo Li , </a:t>
-            </a:r>
-            <a:r>
-              <a:rPr lang="en-US" altLang="ja-JP" sz="2900" dirty="0" err="1">
-                <a:latin typeface="+mn-ea"/>
-              </a:rPr>
-              <a:t>Tuomas</a:t>
-            </a:r>
-            <a:r>
-              <a:rPr lang="en-US" altLang="ja-JP" sz="2900" dirty="0">
-                <a:latin typeface="+mn-ea"/>
-              </a:rPr>
-              <a:t> Virtanen, Jan </a:t>
-            </a:r>
-            <a:r>
-              <a:rPr lang="en-US" altLang="ja-JP" sz="2900" dirty="0" err="1">
-                <a:latin typeface="+mn-ea"/>
-              </a:rPr>
-              <a:t>Schlüter</a:t>
-            </a:r>
-            <a:r>
-              <a:rPr lang="en-US" altLang="ja-JP" sz="2900" dirty="0">
-                <a:latin typeface="+mn-ea"/>
-              </a:rPr>
-              <a:t> , </a:t>
-            </a:r>
-            <a:r>
-              <a:rPr lang="en-US" altLang="ja-JP" sz="2900" dirty="0" err="1">
-                <a:latin typeface="+mn-ea"/>
-              </a:rPr>
-              <a:t>Shuo-yiin</a:t>
-            </a:r>
-            <a:r>
-              <a:rPr lang="en-US" altLang="ja-JP" sz="2900" dirty="0">
-                <a:latin typeface="+mn-ea"/>
-              </a:rPr>
-              <a:t> Chang, Tara </a:t>
-            </a:r>
-            <a:r>
-              <a:rPr lang="en-US" altLang="ja-JP" sz="2900" dirty="0" err="1">
-                <a:latin typeface="+mn-ea"/>
-              </a:rPr>
-              <a:t>Sainath</a:t>
-            </a:r>
-            <a:r>
-              <a:rPr lang="ja-JP" altLang="ja-JP" sz="2900" dirty="0" err="1">
-                <a:latin typeface="+mn-ea"/>
-              </a:rPr>
-              <a:t>，</a:t>
-            </a:r>
-            <a:r>
-              <a:rPr lang="en-US" altLang="ja-JP" sz="2900" dirty="0">
-                <a:latin typeface="+mn-ea"/>
-              </a:rPr>
-              <a:t>Sound (cs.SD); Audio and Speech Processing (eess.AS); Machine Learning (stat.ML)</a:t>
-            </a:r>
-            <a:r>
-              <a:rPr lang="ja-JP" altLang="ja-JP" sz="2900" dirty="0" err="1">
-                <a:latin typeface="+mn-ea"/>
-              </a:rPr>
-              <a:t>，</a:t>
-            </a:r>
-            <a:r>
-              <a:rPr lang="en-US" altLang="ja-JP" sz="2900" dirty="0">
-                <a:latin typeface="+mn-ea"/>
-              </a:rPr>
-              <a:t>Journal of Selected Topics of Signal Processing 14, No. 8</a:t>
-            </a:r>
-            <a:r>
-              <a:rPr lang="ja-JP" altLang="ja-JP" sz="2900" dirty="0" err="1">
-                <a:latin typeface="+mn-ea"/>
-              </a:rPr>
-              <a:t>，</a:t>
-            </a:r>
-            <a:r>
-              <a:rPr lang="en-US" altLang="ja-JP" sz="2900" dirty="0">
-                <a:latin typeface="+mn-ea"/>
-              </a:rPr>
-              <a:t>pp 15 </a:t>
-            </a:r>
-            <a:endParaRPr lang="ja-JP" altLang="ja-JP" sz="2900" dirty="0">
-              <a:latin typeface="+mn-ea"/>
-            </a:endParaRPr>
-          </a:p>
-          <a:p>
-            <a:pPr marL="514350" lvl="0" indent="-514350">
-              <a:buFont typeface="+mj-lt"/>
-              <a:buAutoNum type="arabicPeriod"/>
-            </a:pPr>
-            <a:r>
-              <a:rPr lang="en-US" altLang="ja-JP" sz="2900" dirty="0">
-                <a:latin typeface="+mn-ea"/>
-              </a:rPr>
-              <a:t>SOUNDCLOUD</a:t>
-            </a:r>
-            <a:r>
-              <a:rPr lang="ja-JP" altLang="ja-JP" sz="2900" dirty="0" err="1">
-                <a:latin typeface="+mn-ea"/>
-              </a:rPr>
-              <a:t>，</a:t>
-            </a:r>
-            <a:r>
-              <a:rPr lang="en-US" altLang="ja-JP" sz="2900" dirty="0">
-                <a:latin typeface="+mn-ea"/>
-                <a:hlinkClick r:id="rId2"/>
-              </a:rPr>
-              <a:t>https://soundcloud.com/?utm_source=Partnerize</a:t>
-            </a:r>
-            <a:r>
-              <a:rPr lang="ja-JP" altLang="ja-JP" sz="2900" dirty="0" err="1">
-                <a:latin typeface="+mn-ea"/>
-              </a:rPr>
-              <a:t>，</a:t>
-            </a:r>
-            <a:r>
-              <a:rPr lang="en-US" altLang="ja-JP" sz="2900" dirty="0">
-                <a:latin typeface="+mn-ea"/>
-              </a:rPr>
-              <a:t>2021/12/20</a:t>
-            </a:r>
-            <a:endParaRPr lang="ja-JP" altLang="ja-JP" sz="2900" dirty="0">
-              <a:latin typeface="+mn-ea"/>
-            </a:endParaRPr>
-          </a:p>
-          <a:p>
-            <a:pPr marL="514350" lvl="0" indent="-514350">
-              <a:buFont typeface="+mj-lt"/>
-              <a:buAutoNum type="arabicPeriod"/>
-            </a:pPr>
-            <a:r>
-              <a:rPr lang="en-US" altLang="ja-JP" sz="2900" dirty="0">
-                <a:latin typeface="+mn-ea"/>
-              </a:rPr>
-              <a:t>DOVA SYNDORME</a:t>
-            </a:r>
-            <a:r>
-              <a:rPr lang="ja-JP" altLang="ja-JP" sz="2900" dirty="0" err="1">
-                <a:latin typeface="+mn-ea"/>
-              </a:rPr>
-              <a:t>，</a:t>
-            </a:r>
-            <a:r>
-              <a:rPr lang="en-US" altLang="ja-JP" sz="2900" dirty="0">
-                <a:latin typeface="+mn-ea"/>
-                <a:hlinkClick r:id="rId3"/>
-              </a:rPr>
-              <a:t>https://dova-s.jp/，2021/12/20</a:t>
-            </a:r>
-            <a:endParaRPr lang="ja-JP" altLang="ja-JP" sz="2900" dirty="0">
-              <a:latin typeface="+mn-ea"/>
-            </a:endParaRPr>
-          </a:p>
-          <a:p>
-            <a:pPr marL="514350" lvl="0" indent="-514350">
-              <a:buFont typeface="+mj-lt"/>
-              <a:buAutoNum type="arabicPeriod"/>
-            </a:pPr>
-            <a:r>
-              <a:rPr lang="en-US" altLang="ja-JP" sz="2900" dirty="0">
-                <a:latin typeface="+mn-ea"/>
-              </a:rPr>
-              <a:t>FMA: A Dataset For Music Analysis</a:t>
-            </a:r>
-            <a:r>
-              <a:rPr lang="ja-JP" altLang="ja-JP" sz="2900" dirty="0" err="1">
-                <a:latin typeface="+mn-ea"/>
-              </a:rPr>
-              <a:t>，</a:t>
-            </a:r>
-            <a:r>
-              <a:rPr lang="en-US" altLang="ja-JP" sz="2900" dirty="0">
-                <a:latin typeface="+mn-ea"/>
-                <a:hlinkClick r:id="rId4"/>
-              </a:rPr>
-              <a:t>https://github.com/</a:t>
-            </a:r>
-            <a:r>
-              <a:rPr lang="en-US" altLang="ja-JP" sz="2900" dirty="0" err="1">
-                <a:latin typeface="+mn-ea"/>
-                <a:hlinkClick r:id="rId4"/>
-              </a:rPr>
-              <a:t>mdeff</a:t>
-            </a:r>
-            <a:r>
-              <a:rPr lang="en-US" altLang="ja-JP" sz="2900" dirty="0">
-                <a:latin typeface="+mn-ea"/>
-                <a:hlinkClick r:id="rId4"/>
-              </a:rPr>
-              <a:t>/fma，2021/12/21</a:t>
-            </a:r>
-            <a:endParaRPr lang="ja-JP" altLang="ja-JP" sz="2900" dirty="0">
-              <a:latin typeface="+mn-ea"/>
-            </a:endParaRPr>
-          </a:p>
-          <a:p>
-            <a:pPr marL="0" indent="0">
-              <a:buNone/>
-            </a:pPr>
-            <a:endParaRPr kumimoji="1" lang="ja-JP" altLang="en-US" dirty="0"/>
-          </a:p>
-        </p:txBody>
-      </p:sp>
-      <p:sp>
-        <p:nvSpPr>
-          <p:cNvPr id="4" name="スライド番号プレースホルダー 3"/>
-          <p:cNvSpPr>
-            <a:spLocks noGrp="1"/>
-          </p:cNvSpPr>
-          <p:nvPr>
-            <p:ph type="sldNum" sz="quarter" idx="12"/>
-          </p:nvPr>
-        </p:nvSpPr>
-        <p:spPr/>
-        <p:txBody>
-          <a:bodyPr/>
-          <a:lstStyle/>
-          <a:p>
-            <a:fld id="{B4451160-128F-4DAD-AE29-4A8CC0E7B9E9}" type="slidenum">
-              <a:rPr lang="ja-JP" altLang="en-US" smtClean="0"/>
-              <a:pPr/>
-              <a:t>20</a:t>
-            </a:fld>
-            <a:endParaRPr lang="ja-JP" altLang="en-US" dirty="0"/>
-          </a:p>
-        </p:txBody>
-      </p:sp>
-    </p:spTree>
-    <p:extLst>
-      <p:ext uri="{BB962C8B-B14F-4D97-AF65-F5344CB8AC3E}">
-        <p14:creationId xmlns:p14="http://schemas.microsoft.com/office/powerpoint/2010/main" val="1105084530"/>
-      </p:ext>
-    </p:extLst>
-  </p:cSld>
-  <p:clrMapOvr>
-    <a:masterClrMapping/>
-  </p:clrMapOvr>
-</p:sld>
-</file>
-
 <file path=ppt/slides/slide3.xml><?xml version="1.0" encoding="utf-8"?>
 <p:sld xmlns:a="http://schemas.openxmlformats.org/drawingml/2006/main" xmlns:r="http://schemas.openxmlformats.org/officeDocument/2006/relationships" xmlns:p="http://schemas.openxmlformats.org/presentationml/2006/main">
   <p:cSld>
@@ -10602,7 +10135,7 @@
           <a:p>
             <a:r>
               <a:rPr kumimoji="1" lang="ja-JP" altLang="en-US" dirty="0"/>
-              <a:t>研究目的</a:t>
+              <a:t>関連研究</a:t>
             </a:r>
           </a:p>
         </p:txBody>
@@ -10619,52 +10152,345 @@
         </p:nvSpPr>
         <p:spPr>
           <a:xfrm>
-            <a:off x="628650" y="1846645"/>
-            <a:ext cx="7886700" cy="4351338"/>
+            <a:off x="628650" y="1399430"/>
+            <a:ext cx="7886700" cy="5752932"/>
           </a:xfrm>
         </p:spPr>
         <p:txBody>
           <a:bodyPr>
-            <a:normAutofit/>
+            <a:normAutofit fontScale="62500" lnSpcReduction="20000"/>
           </a:bodyPr>
           <a:lstStyle/>
           <a:p>
             <a:r>
-              <a:rPr lang="en-US" altLang="ja-JP" dirty="0" smtClean="0"/>
-              <a:t>SNS</a:t>
-            </a:r>
-            <a:r>
-              <a:rPr lang="ja-JP" altLang="en-US" dirty="0" smtClean="0"/>
-              <a:t>などに投稿される大量楽曲データのジャンル抽出・ジャンル推定処理．</a:t>
-            </a:r>
-            <a:endParaRPr lang="en-US" altLang="ja-JP" dirty="0" smtClean="0"/>
+              <a:rPr lang="ja-JP" altLang="en-US" u="sng" dirty="0">
+                <a:latin typeface="+mn-ea"/>
+              </a:rPr>
+              <a:t>動画の</a:t>
+            </a:r>
+            <a:r>
+              <a:rPr lang="ja-JP" altLang="en-US" u="sng" dirty="0" smtClean="0">
+                <a:latin typeface="+mn-ea"/>
+              </a:rPr>
+              <a:t>印象評価データセット</a:t>
+            </a:r>
+            <a:r>
+              <a:rPr lang="ja-JP" altLang="en-US" u="sng" dirty="0">
+                <a:latin typeface="+mn-ea"/>
+              </a:rPr>
+              <a:t>構築とその特性の調査</a:t>
+            </a:r>
+            <a:endParaRPr lang="en-US" altLang="ja-JP" u="sng" dirty="0">
+              <a:latin typeface="+mn-ea"/>
+            </a:endParaRPr>
           </a:p>
           <a:p>
             <a:pPr marL="0" indent="0">
               <a:buNone/>
             </a:pPr>
+            <a:r>
+              <a:rPr lang="en-US" altLang="ja-JP" dirty="0" smtClean="0">
+                <a:latin typeface="+mn-ea"/>
+              </a:rPr>
+              <a:t>[2015 </a:t>
+            </a:r>
+            <a:r>
+              <a:rPr lang="ja-JP" altLang="en-US" dirty="0" smtClean="0">
+                <a:latin typeface="+mn-ea"/>
+              </a:rPr>
+              <a:t>大野</a:t>
+            </a:r>
+            <a:r>
+              <a:rPr lang="en-US" altLang="ja-JP" dirty="0" smtClean="0">
+                <a:latin typeface="+mn-ea"/>
+              </a:rPr>
+              <a:t>]</a:t>
+            </a:r>
+            <a:r>
+              <a:rPr lang="ja-JP" altLang="en-US" dirty="0" smtClean="0">
+                <a:latin typeface="+mn-ea"/>
+              </a:rPr>
+              <a:t>大野直樹，中村聡史，山本岳洋，後藤真孝，</a:t>
+            </a:r>
+            <a:endParaRPr lang="en-US" altLang="ja-JP" dirty="0" smtClean="0">
+              <a:latin typeface="+mn-ea"/>
+            </a:endParaRPr>
+          </a:p>
+          <a:p>
+            <a:pPr marL="0" indent="0">
+              <a:buNone/>
+            </a:pPr>
+            <a:r>
+              <a:rPr kumimoji="1" lang="ja-JP" altLang="en-US" dirty="0" smtClean="0">
+                <a:latin typeface="+mn-ea"/>
+              </a:rPr>
+              <a:t>音楽動画への印象評価データセット構築とその特性の調査</a:t>
+            </a:r>
+            <a:r>
+              <a:rPr lang="ja-JP" altLang="en-US" dirty="0" smtClean="0">
+                <a:latin typeface="+mn-ea"/>
+              </a:rPr>
+              <a:t>，情報処理学会，</a:t>
+            </a:r>
+            <a:r>
+              <a:rPr lang="en-US" altLang="ja-JP" dirty="0" smtClean="0">
+                <a:latin typeface="+mn-ea"/>
+              </a:rPr>
+              <a:t>2015</a:t>
+            </a:r>
+            <a:endParaRPr kumimoji="1" lang="en-US" altLang="ja-JP" dirty="0" smtClean="0">
+              <a:latin typeface="+mn-ea"/>
+            </a:endParaRPr>
+          </a:p>
+          <a:p>
+            <a:pPr marL="0" indent="0">
+              <a:buNone/>
+            </a:pPr>
+            <a:endParaRPr kumimoji="1" lang="en-US" altLang="ja-JP" dirty="0" smtClean="0">
+              <a:latin typeface="+mn-ea"/>
+            </a:endParaRPr>
+          </a:p>
+          <a:p>
+            <a:r>
+              <a:rPr lang="ja-JP" altLang="en-US" u="sng" dirty="0" smtClean="0">
+                <a:latin typeface="+mn-ea"/>
+              </a:rPr>
+              <a:t>音楽</a:t>
+            </a:r>
+            <a:r>
+              <a:rPr lang="ja-JP" altLang="en-US" u="sng" dirty="0">
+                <a:latin typeface="+mn-ea"/>
+              </a:rPr>
+              <a:t>と機械学習</a:t>
+            </a:r>
+            <a:endParaRPr lang="en-US" altLang="ja-JP" u="sng" dirty="0">
+              <a:latin typeface="+mn-ea"/>
+            </a:endParaRPr>
+          </a:p>
+          <a:p>
+            <a:pPr marL="0" indent="0">
+              <a:buNone/>
+            </a:pPr>
+            <a:r>
+              <a:rPr lang="en-US" altLang="ja-JP" dirty="0" smtClean="0"/>
+              <a:t>[2016 </a:t>
+            </a:r>
+            <a:r>
+              <a:rPr lang="ja-JP" altLang="en-US" dirty="0" smtClean="0"/>
+              <a:t>吉井</a:t>
+            </a:r>
+            <a:r>
+              <a:rPr lang="en-US" altLang="ja-JP" dirty="0" smtClean="0"/>
+              <a:t>]</a:t>
+            </a:r>
+            <a:r>
+              <a:rPr lang="ja-JP" altLang="ja-JP" dirty="0" smtClean="0"/>
+              <a:t>吉井和佳，</a:t>
+            </a:r>
             <a:endParaRPr lang="en-US" altLang="ja-JP" dirty="0" smtClean="0"/>
           </a:p>
           <a:p>
-            <a:r>
-              <a:rPr lang="ja-JP" altLang="en-US" dirty="0"/>
-              <a:t>複数</a:t>
+            <a:pPr marL="0" indent="0">
+              <a:buNone/>
+            </a:pPr>
+            <a:r>
+              <a:rPr lang="en-US" altLang="ja-JP" dirty="0" smtClean="0"/>
+              <a:t>Advancing </a:t>
+            </a:r>
+            <a:r>
+              <a:rPr lang="en-US" altLang="ja-JP" dirty="0"/>
+              <a:t>Information Sciences through Research on Music</a:t>
+            </a:r>
+            <a:r>
+              <a:rPr lang="ja-JP" altLang="ja-JP" dirty="0"/>
+              <a:t>：</a:t>
+            </a:r>
+            <a:r>
+              <a:rPr lang="en-US" altLang="ja-JP" dirty="0"/>
+              <a:t>5. Music and Machine Learning</a:t>
+            </a:r>
+            <a:r>
+              <a:rPr lang="ja-JP" altLang="ja-JP" dirty="0" err="1" smtClean="0"/>
+              <a:t>，</a:t>
+            </a:r>
+            <a:r>
+              <a:rPr lang="en-US" altLang="ja-JP" dirty="0" smtClean="0"/>
+              <a:t>2016</a:t>
+            </a:r>
+          </a:p>
+          <a:p>
+            <a:pPr marL="0" indent="0">
+              <a:buNone/>
+            </a:pPr>
+            <a:endParaRPr lang="en-US" altLang="ja-JP" dirty="0" smtClean="0">
+              <a:latin typeface="+mn-ea"/>
+            </a:endParaRPr>
+          </a:p>
+          <a:p>
+            <a:r>
+              <a:rPr lang="ja-JP" altLang="en-US" u="sng" dirty="0" smtClean="0">
+                <a:latin typeface="+mn-ea"/>
+              </a:rPr>
+              <a:t>ニューラルネットワークを用いた音楽の</a:t>
+            </a:r>
+            <a:r>
+              <a:rPr lang="ja-JP" altLang="en-US" u="sng" dirty="0">
+                <a:latin typeface="+mn-ea"/>
+              </a:rPr>
+              <a:t>自動ジャンル</a:t>
+            </a:r>
+            <a:r>
+              <a:rPr lang="ja-JP" altLang="en-US" u="sng" dirty="0" smtClean="0">
+                <a:latin typeface="+mn-ea"/>
+              </a:rPr>
+              <a:t>分類</a:t>
+            </a:r>
+            <a:endParaRPr lang="en-US" altLang="ja-JP" u="sng" dirty="0" smtClean="0">
+              <a:latin typeface="+mn-ea"/>
+            </a:endParaRPr>
+          </a:p>
+          <a:p>
+            <a:pPr marL="0" lvl="0" indent="0">
+              <a:buNone/>
+            </a:pPr>
+            <a:r>
+              <a:rPr lang="en-US" altLang="ja-JP" dirty="0" smtClean="0"/>
+              <a:t>[2004 </a:t>
             </a:r>
             <a:r>
               <a:rPr lang="ja-JP" altLang="en-US" dirty="0" smtClean="0"/>
-              <a:t>サーバを利用したラウンドロビン方式の負荷分散を導入した処理時間の短縮．</a:t>
+              <a:t>赤江</a:t>
+            </a:r>
+            <a:r>
+              <a:rPr lang="en-US" altLang="ja-JP" dirty="0" smtClean="0"/>
+              <a:t>]</a:t>
+            </a:r>
+            <a:r>
+              <a:rPr lang="ja-JP" altLang="ja-JP" dirty="0" smtClean="0"/>
+              <a:t>赤</a:t>
+            </a:r>
+            <a:r>
+              <a:rPr lang="ja-JP" altLang="ja-JP" dirty="0"/>
+              <a:t>江直洋，木本雅也，清水忠昭，田中美栄子</a:t>
+            </a:r>
+            <a:r>
+              <a:rPr lang="ja-JP" altLang="ja-JP" dirty="0" smtClean="0"/>
+              <a:t>，</a:t>
             </a:r>
             <a:endParaRPr lang="en-US" altLang="ja-JP" dirty="0" smtClean="0"/>
           </a:p>
           <a:p>
-            <a:endParaRPr lang="en-US" altLang="ja-JP" dirty="0"/>
-          </a:p>
-          <a:p>
+            <a:pPr marL="0" lvl="0" indent="0">
+              <a:buNone/>
+            </a:pPr>
+            <a:r>
+              <a:rPr lang="ja-JP" altLang="ja-JP" dirty="0" smtClean="0"/>
+              <a:t>ニューラルネットワーク</a:t>
+            </a:r>
+            <a:r>
+              <a:rPr lang="ja-JP" altLang="ja-JP" dirty="0"/>
+              <a:t>を用いた音楽の自動ジャンル分類，電気学会研究会資料</a:t>
+            </a:r>
+            <a:r>
+              <a:rPr lang="en-US" altLang="ja-JP" dirty="0"/>
+              <a:t>.IS</a:t>
+            </a:r>
+            <a:r>
+              <a:rPr lang="ja-JP" altLang="ja-JP" dirty="0" err="1"/>
+              <a:t>，</a:t>
+            </a:r>
+            <a:r>
+              <a:rPr lang="ja-JP" altLang="ja-JP" dirty="0"/>
+              <a:t>情報システム研究会，</a:t>
+            </a:r>
+            <a:r>
+              <a:rPr lang="en-US" altLang="ja-JP" dirty="0" smtClean="0"/>
+              <a:t>2004</a:t>
+            </a:r>
+            <a:endParaRPr lang="ja-JP" altLang="ja-JP" dirty="0"/>
+          </a:p>
+          <a:p>
+            <a:pPr marL="0" indent="0">
+              <a:buNone/>
+            </a:pPr>
+            <a:endParaRPr lang="en-US" altLang="ja-JP" dirty="0">
+              <a:latin typeface="+mn-ea"/>
+            </a:endParaRPr>
+          </a:p>
+          <a:p>
+            <a:r>
+              <a:rPr lang="en-US" altLang="ja-JP" u="sng" dirty="0" smtClean="0">
+                <a:latin typeface="+mn-ea"/>
+              </a:rPr>
+              <a:t>CNN</a:t>
+            </a:r>
+            <a:r>
+              <a:rPr lang="ja-JP" altLang="en-US" u="sng" dirty="0" smtClean="0">
+                <a:latin typeface="+mn-ea"/>
+              </a:rPr>
+              <a:t>を利用したジャンル推定</a:t>
+            </a:r>
+            <a:endParaRPr lang="en-US" altLang="ja-JP" u="sng" dirty="0" smtClean="0">
+              <a:latin typeface="+mn-ea"/>
+            </a:endParaRPr>
+          </a:p>
+          <a:p>
+            <a:pPr marL="0" indent="0">
+              <a:buNone/>
+            </a:pPr>
+            <a:r>
+              <a:rPr lang="en-US" altLang="ja-JP" dirty="0" smtClean="0"/>
+              <a:t>[2019 </a:t>
+            </a:r>
             <a:r>
               <a:rPr lang="ja-JP" altLang="en-US" dirty="0" smtClean="0"/>
-              <a:t>単機サーバと複数サーバでジャンル推定処理を行った処理時間を比較することで提案システムの実現可能性を示す．</a:t>
-            </a:r>
-            <a:endParaRPr lang="en-US" altLang="ja-JP" dirty="0"/>
+              <a:t>小林</a:t>
+            </a:r>
+            <a:r>
+              <a:rPr lang="en-US" altLang="ja-JP" dirty="0" smtClean="0"/>
+              <a:t>]</a:t>
+            </a:r>
+            <a:r>
+              <a:rPr lang="ja-JP" altLang="ja-JP" dirty="0" smtClean="0"/>
+              <a:t>小林 </a:t>
+            </a:r>
+            <a:r>
+              <a:rPr lang="ja-JP" altLang="ja-JP" dirty="0"/>
+              <a:t>拓司，丸山 一貴</a:t>
+            </a:r>
+            <a:r>
+              <a:rPr lang="ja-JP" altLang="ja-JP" dirty="0" smtClean="0"/>
+              <a:t>，</a:t>
+            </a:r>
+            <a:endParaRPr lang="en-US" altLang="ja-JP" dirty="0" smtClean="0"/>
+          </a:p>
+          <a:p>
+            <a:pPr marL="0" indent="0">
+              <a:buNone/>
+            </a:pPr>
+            <a:r>
+              <a:rPr lang="ja-JP" altLang="ja-JP" dirty="0" smtClean="0"/>
+              <a:t>畳み込み</a:t>
+            </a:r>
+            <a:r>
+              <a:rPr lang="ja-JP" altLang="ja-JP" dirty="0"/>
+              <a:t>ニューラルネットワークを用いた</a:t>
+            </a:r>
+            <a:r>
+              <a:rPr lang="en-US" altLang="ja-JP" dirty="0"/>
+              <a:t>Hardcore techno</a:t>
+            </a:r>
+            <a:r>
+              <a:rPr lang="ja-JP" altLang="ja-JP" dirty="0"/>
+              <a:t>のサブジャンル分類，インタラクション</a:t>
+            </a:r>
+            <a:r>
+              <a:rPr lang="en-US" altLang="ja-JP" dirty="0" smtClean="0"/>
+              <a:t>2019</a:t>
+            </a:r>
+            <a:endParaRPr lang="en-US" altLang="ja-JP" u="sng" dirty="0" smtClean="0">
+              <a:latin typeface="+mn-ea"/>
+            </a:endParaRPr>
           </a:p>
         </p:txBody>
       </p:sp>
@@ -10694,7 +10520,7 @@
     </p:spTree>
     <p:extLst>
       <p:ext uri="{BB962C8B-B14F-4D97-AF65-F5344CB8AC3E}">
-        <p14:creationId xmlns:p14="http://schemas.microsoft.com/office/powerpoint/2010/main" val="114472190"/>
+        <p14:creationId xmlns:p14="http://schemas.microsoft.com/office/powerpoint/2010/main" val="3769541672"/>
       </p:ext>
     </p:extLst>
   </p:cSld>
@@ -10768,51 +10594,23 @@
         </p:spPr>
         <p:txBody>
           <a:bodyPr>
-            <a:normAutofit fontScale="92500" lnSpcReduction="10000"/>
+            <a:normAutofit/>
           </a:bodyPr>
           <a:lstStyle/>
           <a:p>
             <a:r>
               <a:rPr lang="ja-JP" altLang="en-US" dirty="0" smtClean="0"/>
-              <a:t>動画コンテンツと楽曲コンテンツとのマッチング処理を行うのに適したジャンル推定モデルの構築</a:t>
-            </a:r>
+              <a:t>楽曲ジャンル推定には深層学習が用いられるようになっているが、計算コストが大きい</a:t>
+            </a:r>
+            <a:endParaRPr lang="en-US" altLang="ja-JP" dirty="0" smtClean="0"/>
+          </a:p>
+          <a:p>
             <a:endParaRPr lang="en-US" altLang="ja-JP" dirty="0"/>
           </a:p>
           <a:p>
-            <a:pPr marL="0" indent="0">
-              <a:buNone/>
-            </a:pPr>
-            <a:endParaRPr lang="en-US" altLang="ja-JP" dirty="0" smtClean="0"/>
-          </a:p>
-          <a:p>
-            <a:r>
-              <a:rPr lang="en-US" altLang="ja-JP" dirty="0"/>
-              <a:t>1</a:t>
-            </a:r>
-            <a:r>
-              <a:rPr lang="ja-JP" altLang="en-US" dirty="0"/>
-              <a:t>台</a:t>
-            </a:r>
             <a:r>
               <a:rPr lang="ja-JP" altLang="en-US" dirty="0" smtClean="0"/>
-              <a:t>のみサーバで処理を行うと処理速度に限界が生じるため並列で処理する</a:t>
-            </a:r>
-            <a:r>
-              <a:rPr lang="ja-JP" altLang="en-US" dirty="0"/>
-              <a:t>仕組みが必要である</a:t>
-            </a:r>
-            <a:endParaRPr lang="en-US" altLang="ja-JP" dirty="0" smtClean="0"/>
-          </a:p>
-          <a:p>
-            <a:pPr marL="0" indent="0">
-              <a:buNone/>
-            </a:pPr>
-            <a:endParaRPr lang="en-US" altLang="ja-JP" dirty="0" smtClean="0"/>
-          </a:p>
-          <a:p>
-            <a:r>
-              <a:rPr lang="ja-JP" altLang="en-US" dirty="0" smtClean="0"/>
-              <a:t>楽曲投稿型</a:t>
+              <a:t>楽曲ジャンル推定をユーザ投稿型の</a:t>
             </a:r>
             <a:r>
               <a:rPr lang="en-US" altLang="ja-JP" dirty="0" smtClean="0"/>
@@ -10820,11 +10618,8 @@
             </a:r>
             <a:r>
               <a:rPr lang="ja-JP" altLang="en-US" dirty="0" smtClean="0"/>
-              <a:t>上に投稿される大量の楽曲データを複数サーバで処理することで処理速度を向上させることがサービスの向上につながる</a:t>
-            </a:r>
-            <a:endParaRPr lang="en-US" altLang="ja-JP" dirty="0" smtClean="0"/>
-          </a:p>
-          <a:p>
+              <a:t>などで実現する場合に分散処理が必要となっている</a:t>
+            </a:r>
             <a:endParaRPr lang="en-US" altLang="ja-JP" dirty="0"/>
           </a:p>
           <a:p>
@@ -10946,7 +10741,7 @@
           <a:p>
             <a:r>
               <a:rPr kumimoji="1" lang="ja-JP" altLang="en-US" dirty="0"/>
-              <a:t>関連研究</a:t>
+              <a:t>研究目的</a:t>
             </a:r>
           </a:p>
         </p:txBody>
@@ -10963,345 +10758,52 @@
         </p:nvSpPr>
         <p:spPr>
           <a:xfrm>
-            <a:off x="628650" y="1399430"/>
-            <a:ext cx="7886700" cy="5752932"/>
+            <a:off x="628650" y="1846645"/>
+            <a:ext cx="7886700" cy="4351338"/>
           </a:xfrm>
         </p:spPr>
         <p:txBody>
           <a:bodyPr>
-            <a:normAutofit fontScale="62500" lnSpcReduction="20000"/>
+            <a:normAutofit/>
           </a:bodyPr>
           <a:lstStyle/>
           <a:p>
             <a:r>
-              <a:rPr lang="ja-JP" altLang="en-US" u="sng" dirty="0">
-                <a:latin typeface="+mn-ea"/>
-              </a:rPr>
-              <a:t>動画の</a:t>
-            </a:r>
-            <a:r>
-              <a:rPr lang="ja-JP" altLang="en-US" u="sng" dirty="0" smtClean="0">
-                <a:latin typeface="+mn-ea"/>
-              </a:rPr>
-              <a:t>印象評価データセット</a:t>
-            </a:r>
-            <a:r>
-              <a:rPr lang="ja-JP" altLang="en-US" u="sng" dirty="0">
-                <a:latin typeface="+mn-ea"/>
-              </a:rPr>
-              <a:t>構築とその特性の調査</a:t>
-            </a:r>
-            <a:endParaRPr lang="en-US" altLang="ja-JP" u="sng" dirty="0">
-              <a:latin typeface="+mn-ea"/>
-            </a:endParaRPr>
+              <a:rPr lang="en-US" altLang="ja-JP" dirty="0" smtClean="0"/>
+              <a:t>SNS</a:t>
+            </a:r>
+            <a:r>
+              <a:rPr lang="ja-JP" altLang="en-US" dirty="0" smtClean="0"/>
+              <a:t>などに投稿される大量楽曲データのジャンル抽出・ジャンル推定処理．</a:t>
+            </a:r>
+            <a:endParaRPr lang="en-US" altLang="ja-JP" dirty="0" smtClean="0"/>
           </a:p>
           <a:p>
             <a:pPr marL="0" indent="0">
               <a:buNone/>
             </a:pPr>
-            <a:r>
-              <a:rPr lang="en-US" altLang="ja-JP" dirty="0" smtClean="0">
-                <a:latin typeface="+mn-ea"/>
-              </a:rPr>
-              <a:t>[2015 </a:t>
-            </a:r>
-            <a:r>
-              <a:rPr lang="ja-JP" altLang="en-US" dirty="0" smtClean="0">
-                <a:latin typeface="+mn-ea"/>
-              </a:rPr>
-              <a:t>大野</a:t>
-            </a:r>
-            <a:r>
-              <a:rPr lang="en-US" altLang="ja-JP" dirty="0" smtClean="0">
-                <a:latin typeface="+mn-ea"/>
-              </a:rPr>
-              <a:t>]</a:t>
-            </a:r>
-            <a:r>
-              <a:rPr lang="ja-JP" altLang="en-US" dirty="0" smtClean="0">
-                <a:latin typeface="+mn-ea"/>
-              </a:rPr>
-              <a:t>大野直樹，中村聡史，山本岳洋，後藤真孝，</a:t>
-            </a:r>
-            <a:endParaRPr lang="en-US" altLang="ja-JP" dirty="0" smtClean="0">
-              <a:latin typeface="+mn-ea"/>
-            </a:endParaRPr>
-          </a:p>
-          <a:p>
-            <a:pPr marL="0" indent="0">
-              <a:buNone/>
-            </a:pPr>
-            <a:r>
-              <a:rPr kumimoji="1" lang="ja-JP" altLang="en-US" dirty="0" smtClean="0">
-                <a:latin typeface="+mn-ea"/>
-              </a:rPr>
-              <a:t>音楽動画への印象評価データセット構築とその特性の調査</a:t>
-            </a:r>
-            <a:r>
-              <a:rPr lang="ja-JP" altLang="en-US" dirty="0" smtClean="0">
-                <a:latin typeface="+mn-ea"/>
-              </a:rPr>
-              <a:t>，情報処理学会，</a:t>
-            </a:r>
-            <a:r>
-              <a:rPr lang="en-US" altLang="ja-JP" dirty="0" smtClean="0">
-                <a:latin typeface="+mn-ea"/>
-              </a:rPr>
-              <a:t>2015</a:t>
-            </a:r>
-            <a:endParaRPr kumimoji="1" lang="en-US" altLang="ja-JP" dirty="0" smtClean="0">
-              <a:latin typeface="+mn-ea"/>
-            </a:endParaRPr>
-          </a:p>
-          <a:p>
-            <a:pPr marL="0" indent="0">
-              <a:buNone/>
-            </a:pPr>
-            <a:endParaRPr kumimoji="1" lang="en-US" altLang="ja-JP" dirty="0" smtClean="0">
-              <a:latin typeface="+mn-ea"/>
-            </a:endParaRPr>
-          </a:p>
-          <a:p>
-            <a:r>
-              <a:rPr lang="ja-JP" altLang="en-US" u="sng" dirty="0" smtClean="0">
-                <a:latin typeface="+mn-ea"/>
-              </a:rPr>
-              <a:t>音楽</a:t>
-            </a:r>
-            <a:r>
-              <a:rPr lang="ja-JP" altLang="en-US" u="sng" dirty="0">
-                <a:latin typeface="+mn-ea"/>
-              </a:rPr>
-              <a:t>と機械学習</a:t>
-            </a:r>
-            <a:endParaRPr lang="en-US" altLang="ja-JP" u="sng" dirty="0">
-              <a:latin typeface="+mn-ea"/>
-            </a:endParaRPr>
-          </a:p>
-          <a:p>
-            <a:pPr marL="0" indent="0">
-              <a:buNone/>
-            </a:pPr>
-            <a:r>
-              <a:rPr lang="en-US" altLang="ja-JP" dirty="0" smtClean="0"/>
-              <a:t>[2016 </a:t>
+            <a:endParaRPr lang="en-US" altLang="ja-JP" dirty="0" smtClean="0"/>
+          </a:p>
+          <a:p>
+            <a:r>
+              <a:rPr lang="ja-JP" altLang="en-US" dirty="0"/>
+              <a:t>複数</a:t>
             </a:r>
             <a:r>
               <a:rPr lang="ja-JP" altLang="en-US" dirty="0" smtClean="0"/>
-              <a:t>吉井</a:t>
-            </a:r>
-            <a:r>
-              <a:rPr lang="en-US" altLang="ja-JP" dirty="0" smtClean="0"/>
-              <a:t>]</a:t>
-            </a:r>
-            <a:r>
-              <a:rPr lang="ja-JP" altLang="ja-JP" dirty="0" smtClean="0"/>
-              <a:t>吉井和佳，</a:t>
+              <a:t>サーバを利用したラウンドロビン方式の負荷分散を導入した処理時間の短縮．</a:t>
             </a:r>
             <a:endParaRPr lang="en-US" altLang="ja-JP" dirty="0" smtClean="0"/>
           </a:p>
           <a:p>
-            <a:pPr marL="0" indent="0">
-              <a:buNone/>
-            </a:pPr>
-            <a:r>
-              <a:rPr lang="en-US" altLang="ja-JP" dirty="0" smtClean="0"/>
-              <a:t>Advancing </a:t>
-            </a:r>
-            <a:r>
-              <a:rPr lang="en-US" altLang="ja-JP" dirty="0"/>
-              <a:t>Information Sciences through Research on Music</a:t>
-            </a:r>
-            <a:r>
-              <a:rPr lang="ja-JP" altLang="ja-JP" dirty="0"/>
-              <a:t>：</a:t>
-            </a:r>
-            <a:r>
-              <a:rPr lang="en-US" altLang="ja-JP" dirty="0"/>
-              <a:t>5. Music and Machine Learning</a:t>
-            </a:r>
-            <a:r>
-              <a:rPr lang="ja-JP" altLang="ja-JP" dirty="0" err="1" smtClean="0"/>
-              <a:t>，</a:t>
-            </a:r>
-            <a:r>
-              <a:rPr lang="en-US" altLang="ja-JP" dirty="0" smtClean="0"/>
-              <a:t>2016</a:t>
-            </a:r>
-          </a:p>
-          <a:p>
-            <a:pPr marL="0" indent="0">
-              <a:buNone/>
-            </a:pPr>
-            <a:endParaRPr lang="en-US" altLang="ja-JP" dirty="0" smtClean="0">
-              <a:latin typeface="+mn-ea"/>
-            </a:endParaRPr>
-          </a:p>
-          <a:p>
-            <a:r>
-              <a:rPr lang="ja-JP" altLang="en-US" u="sng" dirty="0" smtClean="0">
-                <a:latin typeface="+mn-ea"/>
-              </a:rPr>
-              <a:t>ニューラルネットワークを用いた音楽の</a:t>
-            </a:r>
-            <a:r>
-              <a:rPr lang="ja-JP" altLang="en-US" u="sng" dirty="0">
-                <a:latin typeface="+mn-ea"/>
-              </a:rPr>
-              <a:t>自動ジャンル</a:t>
-            </a:r>
-            <a:r>
-              <a:rPr lang="ja-JP" altLang="en-US" u="sng" dirty="0" smtClean="0">
-                <a:latin typeface="+mn-ea"/>
-              </a:rPr>
-              <a:t>分類</a:t>
-            </a:r>
-            <a:endParaRPr lang="en-US" altLang="ja-JP" u="sng" dirty="0" smtClean="0">
-              <a:latin typeface="+mn-ea"/>
-            </a:endParaRPr>
-          </a:p>
-          <a:p>
-            <a:pPr marL="0" lvl="0" indent="0">
-              <a:buNone/>
-            </a:pPr>
-            <a:r>
-              <a:rPr lang="en-US" altLang="ja-JP" dirty="0" smtClean="0"/>
-              <a:t>[2004 </a:t>
-            </a:r>
+            <a:endParaRPr lang="en-US" altLang="ja-JP" dirty="0"/>
+          </a:p>
+          <a:p>
             <a:r>
               <a:rPr lang="ja-JP" altLang="en-US" dirty="0" smtClean="0"/>
-              <a:t>赤江</a:t>
-            </a:r>
-            <a:r>
-              <a:rPr lang="en-US" altLang="ja-JP" dirty="0" smtClean="0"/>
-              <a:t>]</a:t>
-            </a:r>
-            <a:r>
-              <a:rPr lang="ja-JP" altLang="ja-JP" dirty="0" smtClean="0"/>
-              <a:t>赤</a:t>
-            </a:r>
-            <a:r>
-              <a:rPr lang="ja-JP" altLang="ja-JP" dirty="0"/>
-              <a:t>江直洋，木本雅也，清水忠昭，田中美栄子</a:t>
-            </a:r>
-            <a:r>
-              <a:rPr lang="ja-JP" altLang="ja-JP" dirty="0" smtClean="0"/>
-              <a:t>，</a:t>
-            </a:r>
-            <a:endParaRPr lang="en-US" altLang="ja-JP" dirty="0" smtClean="0"/>
-          </a:p>
-          <a:p>
-            <a:pPr marL="0" lvl="0" indent="0">
-              <a:buNone/>
-            </a:pPr>
-            <a:r>
-              <a:rPr lang="ja-JP" altLang="ja-JP" dirty="0" smtClean="0"/>
-              <a:t>ニューラルネットワーク</a:t>
-            </a:r>
-            <a:r>
-              <a:rPr lang="ja-JP" altLang="ja-JP" dirty="0"/>
-              <a:t>を用いた音楽の自動ジャンル分類，電気学会研究会資料</a:t>
-            </a:r>
-            <a:r>
-              <a:rPr lang="en-US" altLang="ja-JP" dirty="0"/>
-              <a:t>.IS</a:t>
-            </a:r>
-            <a:r>
-              <a:rPr lang="ja-JP" altLang="ja-JP" dirty="0" err="1"/>
-              <a:t>，</a:t>
-            </a:r>
-            <a:r>
-              <a:rPr lang="ja-JP" altLang="ja-JP" dirty="0"/>
-              <a:t>情報システム研究会，</a:t>
-            </a:r>
-            <a:r>
-              <a:rPr lang="en-US" altLang="ja-JP" dirty="0" smtClean="0"/>
-              <a:t>2004</a:t>
-            </a:r>
-            <a:endParaRPr lang="ja-JP" altLang="ja-JP" dirty="0"/>
-          </a:p>
-          <a:p>
-            <a:pPr marL="0" indent="0">
-              <a:buNone/>
-            </a:pPr>
-            <a:endParaRPr lang="en-US" altLang="ja-JP" dirty="0">
-              <a:latin typeface="+mn-ea"/>
-            </a:endParaRPr>
-          </a:p>
-          <a:p>
-            <a:r>
-              <a:rPr lang="en-US" altLang="ja-JP" u="sng" dirty="0" smtClean="0">
-                <a:latin typeface="+mn-ea"/>
-              </a:rPr>
-              <a:t>CNN</a:t>
-            </a:r>
-            <a:r>
-              <a:rPr lang="ja-JP" altLang="en-US" u="sng" dirty="0" smtClean="0">
-                <a:latin typeface="+mn-ea"/>
-              </a:rPr>
-              <a:t>を利用したジャンル推定</a:t>
-            </a:r>
-            <a:endParaRPr lang="en-US" altLang="ja-JP" u="sng" dirty="0" smtClean="0">
-              <a:latin typeface="+mn-ea"/>
-            </a:endParaRPr>
-          </a:p>
-          <a:p>
-            <a:pPr marL="0" indent="0">
-              <a:buNone/>
-            </a:pPr>
-            <a:r>
-              <a:rPr lang="en-US" altLang="ja-JP" dirty="0" smtClean="0"/>
-              <a:t>[2019 </a:t>
-            </a:r>
-            <a:r>
-              <a:rPr lang="ja-JP" altLang="en-US" dirty="0" smtClean="0"/>
-              <a:t>小林</a:t>
-            </a:r>
-            <a:r>
-              <a:rPr lang="en-US" altLang="ja-JP" dirty="0" smtClean="0"/>
-              <a:t>]</a:t>
-            </a:r>
-            <a:r>
-              <a:rPr lang="ja-JP" altLang="ja-JP" dirty="0" smtClean="0"/>
-              <a:t>小林 </a:t>
-            </a:r>
-            <a:r>
-              <a:rPr lang="ja-JP" altLang="ja-JP" dirty="0"/>
-              <a:t>拓司，丸山 一貴</a:t>
-            </a:r>
-            <a:r>
-              <a:rPr lang="ja-JP" altLang="ja-JP" dirty="0" smtClean="0"/>
-              <a:t>，</a:t>
-            </a:r>
-            <a:endParaRPr lang="en-US" altLang="ja-JP" dirty="0" smtClean="0"/>
-          </a:p>
-          <a:p>
-            <a:pPr marL="0" indent="0">
-              <a:buNone/>
-            </a:pPr>
-            <a:r>
-              <a:rPr lang="ja-JP" altLang="ja-JP" dirty="0" smtClean="0"/>
-              <a:t>畳み込み</a:t>
-            </a:r>
-            <a:r>
-              <a:rPr lang="ja-JP" altLang="ja-JP" dirty="0"/>
-              <a:t>ニューラルネットワークを用いた</a:t>
-            </a:r>
-            <a:r>
-              <a:rPr lang="en-US" altLang="ja-JP" dirty="0"/>
-              <a:t>Hardcore techno</a:t>
-            </a:r>
-            <a:r>
-              <a:rPr lang="ja-JP" altLang="ja-JP" dirty="0"/>
-              <a:t>のサブジャンル分類，インタラクション</a:t>
-            </a:r>
-            <a:r>
-              <a:rPr lang="en-US" altLang="ja-JP" dirty="0" smtClean="0"/>
-              <a:t>2019</a:t>
-            </a:r>
-            <a:endParaRPr lang="en-US" altLang="ja-JP" u="sng" dirty="0" smtClean="0">
-              <a:latin typeface="+mn-ea"/>
-            </a:endParaRPr>
+              <a:t>単機サーバと複数サーバでジャンル推定処理を行った処理時間を比較することで提案システムの実現可能性を示す．</a:t>
+            </a:r>
+            <a:endParaRPr lang="en-US" altLang="ja-JP" dirty="0"/>
           </a:p>
         </p:txBody>
       </p:sp>
@@ -11331,7 +10833,7 @@
     </p:spTree>
     <p:extLst>
       <p:ext uri="{BB962C8B-B14F-4D97-AF65-F5344CB8AC3E}">
-        <p14:creationId xmlns:p14="http://schemas.microsoft.com/office/powerpoint/2010/main" val="3769541672"/>
+        <p14:creationId xmlns:p14="http://schemas.microsoft.com/office/powerpoint/2010/main" val="114472190"/>
       </p:ext>
     </p:extLst>
   </p:cSld>
@@ -11367,138 +10869,6 @@
       </p:grpSpPr>
       <p:sp>
         <p:nvSpPr>
-          <p:cNvPr id="2" name="タイトル 1"/>
-          <p:cNvSpPr>
-            <a:spLocks noGrp="1"/>
-          </p:cNvSpPr>
-          <p:nvPr>
-            <p:ph type="title"/>
-          </p:nvPr>
-        </p:nvSpPr>
-        <p:spPr/>
-        <p:txBody>
-          <a:bodyPr/>
-          <a:lstStyle/>
-          <a:p>
-            <a:r>
-              <a:rPr lang="ja-JP" altLang="en-US" dirty="0" smtClean="0"/>
-              <a:t>提案システム</a:t>
-            </a:r>
-            <a:endParaRPr kumimoji="1" lang="ja-JP" altLang="en-US" dirty="0"/>
-          </a:p>
-        </p:txBody>
-      </p:sp>
-      <p:sp>
-        <p:nvSpPr>
-          <p:cNvPr id="3" name="コンテンツ プレースホルダー 2"/>
-          <p:cNvSpPr>
-            <a:spLocks noGrp="1"/>
-          </p:cNvSpPr>
-          <p:nvPr>
-            <p:ph idx="1"/>
-          </p:nvPr>
-        </p:nvSpPr>
-        <p:spPr/>
-        <p:txBody>
-          <a:bodyPr>
-            <a:normAutofit/>
-          </a:bodyPr>
-          <a:lstStyle/>
-          <a:p>
-            <a:pPr marL="514350" indent="-514350">
-              <a:buFont typeface="+mj-lt"/>
-              <a:buAutoNum type="arabicPeriod"/>
-            </a:pPr>
-            <a:r>
-              <a:rPr lang="ja-JP" altLang="en-US" dirty="0"/>
-              <a:t>楽曲</a:t>
-            </a:r>
-            <a:r>
-              <a:rPr lang="ja-JP" altLang="en-US" dirty="0" smtClean="0"/>
-              <a:t>投稿型</a:t>
-            </a:r>
-            <a:r>
-              <a:rPr lang="en-US" altLang="ja-JP" dirty="0" smtClean="0"/>
-              <a:t>SNS</a:t>
-            </a:r>
-            <a:r>
-              <a:rPr lang="ja-JP" altLang="en-US" dirty="0" smtClean="0"/>
-              <a:t>に投稿された</a:t>
-            </a:r>
-            <a:r>
-              <a:rPr lang="en-US" altLang="ja-JP" dirty="0" smtClean="0"/>
-              <a:t>SNS</a:t>
-            </a:r>
-            <a:r>
-              <a:rPr lang="ja-JP" altLang="en-US" dirty="0" smtClean="0"/>
-              <a:t>を保存</a:t>
-            </a:r>
-            <a:endParaRPr lang="en-US" altLang="ja-JP" dirty="0" smtClean="0"/>
-          </a:p>
-          <a:p>
-            <a:pPr marL="514350" indent="-514350">
-              <a:buFont typeface="+mj-lt"/>
-              <a:buAutoNum type="arabicPeriod"/>
-            </a:pPr>
-            <a:endParaRPr lang="en-US" altLang="ja-JP" dirty="0"/>
-          </a:p>
-          <a:p>
-            <a:pPr marL="514350" indent="-514350">
-              <a:buFont typeface="+mj-lt"/>
-              <a:buAutoNum type="arabicPeriod"/>
-            </a:pPr>
-            <a:r>
-              <a:rPr lang="ja-JP" altLang="en-US" dirty="0" smtClean="0"/>
-              <a:t>楽曲から分析した周波数をスペクトログラムとして可視化</a:t>
-            </a:r>
-            <a:endParaRPr lang="en-US" altLang="ja-JP" dirty="0" smtClean="0"/>
-          </a:p>
-          <a:p>
-            <a:pPr marL="514350" indent="-514350">
-              <a:buFont typeface="+mj-lt"/>
-              <a:buAutoNum type="arabicPeriod"/>
-            </a:pPr>
-            <a:endParaRPr lang="en-US" altLang="ja-JP" dirty="0"/>
-          </a:p>
-          <a:p>
-            <a:pPr marL="514350" indent="-514350">
-              <a:buFont typeface="+mj-lt"/>
-              <a:buAutoNum type="arabicPeriod"/>
-            </a:pPr>
-            <a:r>
-              <a:rPr lang="ja-JP" altLang="en-US" dirty="0" smtClean="0"/>
-              <a:t>楽曲から特徴を抽出，機械学習しジャンルを推定</a:t>
-            </a:r>
-            <a:endParaRPr lang="en-US" altLang="ja-JP" dirty="0" smtClean="0"/>
-          </a:p>
-          <a:p>
-            <a:pPr marL="514350" indent="-514350">
-              <a:buFont typeface="+mj-lt"/>
-              <a:buAutoNum type="arabicPeriod"/>
-            </a:pPr>
-            <a:endParaRPr lang="en-US" altLang="ja-JP" dirty="0" smtClean="0"/>
-          </a:p>
-          <a:p>
-            <a:pPr marL="514350" indent="-514350">
-              <a:buFont typeface="+mj-lt"/>
-              <a:buAutoNum type="arabicPeriod"/>
-            </a:pPr>
-            <a:r>
-              <a:rPr lang="ja-JP" altLang="en-US" dirty="0" smtClean="0"/>
-              <a:t>１～３を複数のサーバで実行</a:t>
-            </a:r>
-            <a:endParaRPr lang="en-US" altLang="ja-JP" dirty="0" smtClean="0"/>
-          </a:p>
-          <a:p>
-            <a:pPr marL="0" indent="0">
-              <a:buNone/>
-            </a:pPr>
-            <a:endParaRPr lang="en-US" altLang="ja-JP" dirty="0" smtClean="0"/>
-          </a:p>
-        </p:txBody>
-      </p:sp>
-      <p:sp>
-        <p:nvSpPr>
           <p:cNvPr id="4" name="スライド番号プレースホルダー 3"/>
           <p:cNvSpPr>
             <a:spLocks noGrp="1"/>
@@ -11521,16 +10891,943 @@
           </a:p>
         </p:txBody>
       </p:sp>
+      <p:pic>
+        <p:nvPicPr>
+          <p:cNvPr id="67" name="図 66"/>
+          <p:cNvPicPr>
+            <a:picLocks noChangeAspect="1"/>
+          </p:cNvPicPr>
+          <p:nvPr/>
+        </p:nvPicPr>
+        <p:blipFill rotWithShape="1">
+          <a:blip r:embed="rId3">
+            <a:extLst>
+              <a:ext uri="{28A0092B-C50C-407E-A947-70E740481C1C}">
+                <a14:useLocalDpi xmlns:a14="http://schemas.microsoft.com/office/drawing/2010/main" val="0"/>
+              </a:ext>
+            </a:extLst>
+          </a:blip>
+          <a:srcRect l="38483" t="32680" r="38103" b="35667"/>
+          <a:stretch/>
+        </p:blipFill>
+        <p:spPr>
+          <a:xfrm>
+            <a:off x="675675" y="1445430"/>
+            <a:ext cx="533108" cy="468784"/>
+          </a:xfrm>
+          <a:prstGeom prst="rect">
+            <a:avLst/>
+          </a:prstGeom>
+        </p:spPr>
+      </p:pic>
+      <p:pic>
+        <p:nvPicPr>
+          <p:cNvPr id="68" name="図 67"/>
+          <p:cNvPicPr>
+            <a:picLocks noChangeAspect="1"/>
+          </p:cNvPicPr>
+          <p:nvPr/>
+        </p:nvPicPr>
+        <p:blipFill rotWithShape="1">
+          <a:blip r:embed="rId3">
+            <a:extLst>
+              <a:ext uri="{28A0092B-C50C-407E-A947-70E740481C1C}">
+                <a14:useLocalDpi xmlns:a14="http://schemas.microsoft.com/office/drawing/2010/main" val="0"/>
+              </a:ext>
+            </a:extLst>
+          </a:blip>
+          <a:srcRect l="38483" t="32680" r="38103" b="35667"/>
+          <a:stretch/>
+        </p:blipFill>
+        <p:spPr>
+          <a:xfrm>
+            <a:off x="1105235" y="2430082"/>
+            <a:ext cx="533108" cy="468784"/>
+          </a:xfrm>
+          <a:prstGeom prst="rect">
+            <a:avLst/>
+          </a:prstGeom>
+        </p:spPr>
+      </p:pic>
+      <p:pic>
+        <p:nvPicPr>
+          <p:cNvPr id="69" name="図 68"/>
+          <p:cNvPicPr>
+            <a:picLocks noChangeAspect="1"/>
+          </p:cNvPicPr>
+          <p:nvPr/>
+        </p:nvPicPr>
+        <p:blipFill rotWithShape="1">
+          <a:blip r:embed="rId3">
+            <a:extLst>
+              <a:ext uri="{28A0092B-C50C-407E-A947-70E740481C1C}">
+                <a14:useLocalDpi xmlns:a14="http://schemas.microsoft.com/office/drawing/2010/main" val="0"/>
+              </a:ext>
+            </a:extLst>
+          </a:blip>
+          <a:srcRect l="38483" t="32680" r="38103" b="35667"/>
+          <a:stretch/>
+        </p:blipFill>
+        <p:spPr>
+          <a:xfrm>
+            <a:off x="191093" y="2512958"/>
+            <a:ext cx="533108" cy="468784"/>
+          </a:xfrm>
+          <a:prstGeom prst="rect">
+            <a:avLst/>
+          </a:prstGeom>
+        </p:spPr>
+      </p:pic>
+      <p:sp>
+        <p:nvSpPr>
+          <p:cNvPr id="55" name="テキスト ボックス 54"/>
+          <p:cNvSpPr txBox="1"/>
+          <p:nvPr/>
+        </p:nvSpPr>
+        <p:spPr>
+          <a:xfrm>
+            <a:off x="2977550" y="5617940"/>
+            <a:ext cx="2078951" cy="830997"/>
+          </a:xfrm>
+          <a:prstGeom prst="rect">
+            <a:avLst/>
+          </a:prstGeom>
+          <a:noFill/>
+        </p:spPr>
+        <p:txBody>
+          <a:bodyPr wrap="square" rtlCol="0">
+            <a:spAutoFit/>
+          </a:bodyPr>
+          <a:lstStyle/>
+          <a:p>
+            <a:r>
+              <a:rPr kumimoji="1" lang="ja-JP" altLang="en-US" sz="1600" dirty="0" smtClean="0"/>
+              <a:t>複数のサーバー</a:t>
+            </a:r>
+            <a:r>
+              <a:rPr kumimoji="1" lang="ja-JP" altLang="en-US" sz="1600" dirty="0" smtClean="0"/>
+              <a:t>で</a:t>
+            </a:r>
+            <a:endParaRPr kumimoji="1" lang="en-US" altLang="ja-JP" sz="1600" dirty="0" smtClean="0"/>
+          </a:p>
+          <a:p>
+            <a:r>
+              <a:rPr lang="ja-JP" altLang="en-US" sz="1600" dirty="0" smtClean="0"/>
+              <a:t>機械学習</a:t>
+            </a:r>
+            <a:r>
+              <a:rPr kumimoji="1" lang="ja-JP" altLang="en-US" sz="1600" dirty="0" smtClean="0"/>
+              <a:t>を</a:t>
+            </a:r>
+            <a:r>
+              <a:rPr kumimoji="1" lang="ja-JP" altLang="en-US" sz="1600" dirty="0" smtClean="0"/>
+              <a:t>利用し楽曲を</a:t>
+            </a:r>
+            <a:r>
+              <a:rPr kumimoji="1" lang="ja-JP" altLang="en-US" sz="1600" dirty="0" smtClean="0"/>
+              <a:t>ジャンル</a:t>
+            </a:r>
+            <a:r>
+              <a:rPr lang="ja-JP" altLang="en-US" sz="1600" dirty="0"/>
+              <a:t>推定</a:t>
+            </a:r>
+            <a:endParaRPr kumimoji="1" lang="ja-JP" altLang="en-US" sz="1600" dirty="0"/>
+          </a:p>
+        </p:txBody>
+      </p:sp>
+      <p:pic>
+        <p:nvPicPr>
+          <p:cNvPr id="24" name="図 23"/>
+          <p:cNvPicPr/>
+          <p:nvPr/>
+        </p:nvPicPr>
+        <p:blipFill>
+          <a:blip r:embed="rId4" cstate="print">
+            <a:extLst>
+              <a:ext uri="{28A0092B-C50C-407E-A947-70E740481C1C}">
+                <a14:useLocalDpi xmlns:a14="http://schemas.microsoft.com/office/drawing/2010/main" val="0"/>
+              </a:ext>
+            </a:extLst>
+          </a:blip>
+          <a:stretch>
+            <a:fillRect/>
+          </a:stretch>
+        </p:blipFill>
+        <p:spPr>
+          <a:xfrm>
+            <a:off x="2237556" y="1137947"/>
+            <a:ext cx="3558944" cy="706505"/>
+          </a:xfrm>
+          <a:prstGeom prst="rect">
+            <a:avLst/>
+          </a:prstGeom>
+        </p:spPr>
+      </p:pic>
+      <p:pic>
+        <p:nvPicPr>
+          <p:cNvPr id="26" name="図 25"/>
+          <p:cNvPicPr/>
+          <p:nvPr/>
+        </p:nvPicPr>
+        <p:blipFill>
+          <a:blip r:embed="rId4" cstate="print">
+            <a:extLst>
+              <a:ext uri="{28A0092B-C50C-407E-A947-70E740481C1C}">
+                <a14:useLocalDpi xmlns:a14="http://schemas.microsoft.com/office/drawing/2010/main" val="0"/>
+              </a:ext>
+            </a:extLst>
+          </a:blip>
+          <a:stretch>
+            <a:fillRect/>
+          </a:stretch>
+        </p:blipFill>
+        <p:spPr>
+          <a:xfrm>
+            <a:off x="2237554" y="1933389"/>
+            <a:ext cx="3558944" cy="706505"/>
+          </a:xfrm>
+          <a:prstGeom prst="rect">
+            <a:avLst/>
+          </a:prstGeom>
+        </p:spPr>
+      </p:pic>
+      <p:pic>
+        <p:nvPicPr>
+          <p:cNvPr id="28" name="図 27"/>
+          <p:cNvPicPr>
+            <a:picLocks noChangeAspect="1"/>
+          </p:cNvPicPr>
+          <p:nvPr/>
+        </p:nvPicPr>
+        <p:blipFill rotWithShape="1">
+          <a:blip r:embed="rId3">
+            <a:extLst>
+              <a:ext uri="{28A0092B-C50C-407E-A947-70E740481C1C}">
+                <a14:useLocalDpi xmlns:a14="http://schemas.microsoft.com/office/drawing/2010/main" val="0"/>
+              </a:ext>
+            </a:extLst>
+          </a:blip>
+          <a:srcRect l="38483" t="32680" r="38103" b="35667"/>
+          <a:stretch/>
+        </p:blipFill>
+        <p:spPr>
+          <a:xfrm>
+            <a:off x="713376" y="3400211"/>
+            <a:ext cx="533108" cy="468784"/>
+          </a:xfrm>
+          <a:prstGeom prst="rect">
+            <a:avLst/>
+          </a:prstGeom>
+        </p:spPr>
+      </p:pic>
+      <p:pic>
+        <p:nvPicPr>
+          <p:cNvPr id="29" name="図 28"/>
+          <p:cNvPicPr>
+            <a:picLocks noChangeAspect="1"/>
+          </p:cNvPicPr>
+          <p:nvPr/>
+        </p:nvPicPr>
+        <p:blipFill rotWithShape="1">
+          <a:blip r:embed="rId3">
+            <a:extLst>
+              <a:ext uri="{28A0092B-C50C-407E-A947-70E740481C1C}">
+                <a14:useLocalDpi xmlns:a14="http://schemas.microsoft.com/office/drawing/2010/main" val="0"/>
+              </a:ext>
+            </a:extLst>
+          </a:blip>
+          <a:srcRect l="38483" t="32680" r="38103" b="35667"/>
+          <a:stretch/>
+        </p:blipFill>
+        <p:spPr>
+          <a:xfrm>
+            <a:off x="1061055" y="3951003"/>
+            <a:ext cx="533108" cy="468784"/>
+          </a:xfrm>
+          <a:prstGeom prst="rect">
+            <a:avLst/>
+          </a:prstGeom>
+        </p:spPr>
+      </p:pic>
+      <p:pic>
+        <p:nvPicPr>
+          <p:cNvPr id="30" name="図 29"/>
+          <p:cNvPicPr>
+            <a:picLocks noChangeAspect="1"/>
+          </p:cNvPicPr>
+          <p:nvPr/>
+        </p:nvPicPr>
+        <p:blipFill rotWithShape="1">
+          <a:blip r:embed="rId3">
+            <a:extLst>
+              <a:ext uri="{28A0092B-C50C-407E-A947-70E740481C1C}">
+                <a14:useLocalDpi xmlns:a14="http://schemas.microsoft.com/office/drawing/2010/main" val="0"/>
+              </a:ext>
+            </a:extLst>
+          </a:blip>
+          <a:srcRect l="38483" t="32680" r="38103" b="35667"/>
+          <a:stretch/>
+        </p:blipFill>
+        <p:spPr>
+          <a:xfrm>
+            <a:off x="295481" y="3951002"/>
+            <a:ext cx="533108" cy="468784"/>
+          </a:xfrm>
+          <a:prstGeom prst="rect">
+            <a:avLst/>
+          </a:prstGeom>
+        </p:spPr>
+      </p:pic>
+      <p:sp>
+        <p:nvSpPr>
+          <p:cNvPr id="31" name="テキスト ボックス 30"/>
+          <p:cNvSpPr txBox="1"/>
+          <p:nvPr/>
+        </p:nvSpPr>
+        <p:spPr>
+          <a:xfrm>
+            <a:off x="36330" y="5565893"/>
+            <a:ext cx="1811795" cy="650500"/>
+          </a:xfrm>
+          <a:prstGeom prst="rect">
+            <a:avLst/>
+          </a:prstGeom>
+          <a:noFill/>
+        </p:spPr>
+        <p:txBody>
+          <a:bodyPr wrap="square" rtlCol="0">
+            <a:spAutoFit/>
+          </a:bodyPr>
+          <a:lstStyle/>
+          <a:p>
+            <a:pPr algn="ctr"/>
+            <a:r>
+              <a:rPr lang="ja-JP" altLang="en-US" sz="1600" dirty="0"/>
+              <a:t>楽曲</a:t>
+            </a:r>
+            <a:r>
+              <a:rPr lang="ja-JP" altLang="en-US" sz="1600" dirty="0" smtClean="0"/>
+              <a:t>投稿型</a:t>
+            </a:r>
+            <a:r>
+              <a:rPr lang="en-US" altLang="ja-JP" sz="1600" dirty="0" smtClean="0"/>
+              <a:t>SNS</a:t>
+            </a:r>
+            <a:endParaRPr kumimoji="1" lang="ja-JP" altLang="en-US" sz="1600" dirty="0"/>
+          </a:p>
+        </p:txBody>
+      </p:sp>
+      <p:pic>
+        <p:nvPicPr>
+          <p:cNvPr id="32" name="図 31"/>
+          <p:cNvPicPr/>
+          <p:nvPr/>
+        </p:nvPicPr>
+        <p:blipFill>
+          <a:blip r:embed="rId5" cstate="print">
+            <a:extLst>
+              <a:ext uri="{28A0092B-C50C-407E-A947-70E740481C1C}">
+                <a14:useLocalDpi xmlns:a14="http://schemas.microsoft.com/office/drawing/2010/main" val="0"/>
+              </a:ext>
+            </a:extLst>
+          </a:blip>
+          <a:stretch>
+            <a:fillRect/>
+          </a:stretch>
+        </p:blipFill>
+        <p:spPr>
+          <a:xfrm>
+            <a:off x="2237556" y="3485935"/>
+            <a:ext cx="3462876" cy="823596"/>
+          </a:xfrm>
+          <a:prstGeom prst="rect">
+            <a:avLst/>
+          </a:prstGeom>
+        </p:spPr>
+      </p:pic>
+      <p:pic>
+        <p:nvPicPr>
+          <p:cNvPr id="34" name="図 33"/>
+          <p:cNvPicPr/>
+          <p:nvPr/>
+        </p:nvPicPr>
+        <p:blipFill>
+          <a:blip r:embed="rId5" cstate="print">
+            <a:extLst>
+              <a:ext uri="{28A0092B-C50C-407E-A947-70E740481C1C}">
+                <a14:useLocalDpi xmlns:a14="http://schemas.microsoft.com/office/drawing/2010/main" val="0"/>
+              </a:ext>
+            </a:extLst>
+          </a:blip>
+          <a:stretch>
+            <a:fillRect/>
+          </a:stretch>
+        </p:blipFill>
+        <p:spPr>
+          <a:xfrm>
+            <a:off x="2237556" y="4462737"/>
+            <a:ext cx="3462876" cy="823596"/>
+          </a:xfrm>
+          <a:prstGeom prst="rect">
+            <a:avLst/>
+          </a:prstGeom>
+        </p:spPr>
+      </p:pic>
+      <p:sp>
+        <p:nvSpPr>
+          <p:cNvPr id="3" name="テキスト ボックス 2"/>
+          <p:cNvSpPr txBox="1"/>
+          <p:nvPr/>
+        </p:nvSpPr>
+        <p:spPr>
+          <a:xfrm>
+            <a:off x="2629199" y="483281"/>
+            <a:ext cx="2679590" cy="646331"/>
+          </a:xfrm>
+          <a:prstGeom prst="rect">
+            <a:avLst/>
+          </a:prstGeom>
+          <a:noFill/>
+        </p:spPr>
+        <p:txBody>
+          <a:bodyPr wrap="square" rtlCol="0">
+            <a:spAutoFit/>
+          </a:bodyPr>
+          <a:lstStyle/>
+          <a:p>
+            <a:pPr algn="ctr"/>
+            <a:r>
+              <a:rPr kumimoji="1" lang="ja-JP" altLang="en-US" dirty="0" smtClean="0"/>
+              <a:t>楽曲から特徴を抽出し</a:t>
+            </a:r>
+            <a:endParaRPr kumimoji="1" lang="en-US" altLang="ja-JP" dirty="0" smtClean="0"/>
+          </a:p>
+          <a:p>
+            <a:pPr algn="ctr"/>
+            <a:r>
+              <a:rPr kumimoji="1" lang="ja-JP" altLang="en-US" dirty="0" smtClean="0"/>
+              <a:t>機械学習</a:t>
+            </a:r>
+            <a:endParaRPr kumimoji="1" lang="ja-JP" altLang="en-US" dirty="0"/>
+          </a:p>
+        </p:txBody>
+      </p:sp>
+      <p:sp>
+        <p:nvSpPr>
+          <p:cNvPr id="5" name="テキスト ボックス 4"/>
+          <p:cNvSpPr txBox="1"/>
+          <p:nvPr/>
+        </p:nvSpPr>
+        <p:spPr>
+          <a:xfrm>
+            <a:off x="1987824" y="2830609"/>
+            <a:ext cx="3808674" cy="584775"/>
+          </a:xfrm>
+          <a:prstGeom prst="rect">
+            <a:avLst/>
+          </a:prstGeom>
+          <a:noFill/>
+        </p:spPr>
+        <p:txBody>
+          <a:bodyPr wrap="square" rtlCol="0">
+            <a:spAutoFit/>
+          </a:bodyPr>
+          <a:lstStyle/>
+          <a:p>
+            <a:pPr algn="ctr"/>
+            <a:r>
+              <a:rPr kumimoji="1" lang="ja-JP" altLang="en-US" sz="1600" dirty="0" smtClean="0"/>
+              <a:t>楽曲の周波数から</a:t>
+            </a:r>
+            <a:endParaRPr kumimoji="1" lang="en-US" altLang="ja-JP" sz="1600" dirty="0" smtClean="0"/>
+          </a:p>
+          <a:p>
+            <a:pPr algn="ctr"/>
+            <a:r>
+              <a:rPr kumimoji="1" lang="ja-JP" altLang="en-US" sz="1600" dirty="0" smtClean="0"/>
+              <a:t>スペクトログラムを作成し</a:t>
+            </a:r>
+            <a:r>
+              <a:rPr kumimoji="1" lang="en-US" altLang="ja-JP" sz="1600" dirty="0" smtClean="0"/>
+              <a:t>CNN</a:t>
+            </a:r>
+            <a:r>
+              <a:rPr kumimoji="1" lang="ja-JP" altLang="en-US" sz="1600" dirty="0" smtClean="0"/>
+              <a:t>で機械学習</a:t>
+            </a:r>
+            <a:endParaRPr kumimoji="1" lang="ja-JP" altLang="en-US" sz="1600" dirty="0"/>
+          </a:p>
+        </p:txBody>
+      </p:sp>
+      <p:sp>
+        <p:nvSpPr>
+          <p:cNvPr id="6" name="正方形/長方形 5"/>
+          <p:cNvSpPr/>
+          <p:nvPr/>
+        </p:nvSpPr>
+        <p:spPr>
+          <a:xfrm>
+            <a:off x="6249725" y="962108"/>
+            <a:ext cx="1129085" cy="4405022"/>
+          </a:xfrm>
+          <a:prstGeom prst="rect">
+            <a:avLst/>
+          </a:prstGeom>
+        </p:spPr>
+        <p:style>
+          <a:lnRef idx="2">
+            <a:schemeClr val="accent1">
+              <a:shade val="50000"/>
+            </a:schemeClr>
+          </a:lnRef>
+          <a:fillRef idx="1">
+            <a:schemeClr val="accent1"/>
+          </a:fillRef>
+          <a:effectRef idx="0">
+            <a:schemeClr val="accent1"/>
+          </a:effectRef>
+          <a:fontRef idx="minor">
+            <a:schemeClr val="lt1"/>
+          </a:fontRef>
+        </p:style>
+        <p:txBody>
+          <a:bodyPr rtlCol="0" anchor="ctr"/>
+          <a:lstStyle/>
+          <a:p>
+            <a:pPr algn="ctr"/>
+            <a:r>
+              <a:rPr kumimoji="1" lang="ja-JP" altLang="en-US" dirty="0" smtClean="0"/>
+              <a:t>ジャンル推定された楽曲</a:t>
+            </a:r>
+            <a:endParaRPr kumimoji="1" lang="ja-JP" altLang="en-US" dirty="0"/>
+          </a:p>
+        </p:txBody>
+      </p:sp>
+      <p:sp>
+        <p:nvSpPr>
+          <p:cNvPr id="38" name="正方形/長方形 37"/>
+          <p:cNvSpPr/>
+          <p:nvPr/>
+        </p:nvSpPr>
+        <p:spPr>
+          <a:xfrm>
+            <a:off x="7711473" y="962108"/>
+            <a:ext cx="1353014" cy="4405022"/>
+          </a:xfrm>
+          <a:prstGeom prst="rect">
+            <a:avLst/>
+          </a:prstGeom>
+        </p:spPr>
+        <p:style>
+          <a:lnRef idx="2">
+            <a:schemeClr val="accent1">
+              <a:shade val="50000"/>
+            </a:schemeClr>
+          </a:lnRef>
+          <a:fillRef idx="1">
+            <a:schemeClr val="accent1"/>
+          </a:fillRef>
+          <a:effectRef idx="0">
+            <a:schemeClr val="accent1"/>
+          </a:effectRef>
+          <a:fontRef idx="minor">
+            <a:schemeClr val="lt1"/>
+          </a:fontRef>
+        </p:style>
+        <p:txBody>
+          <a:bodyPr rtlCol="0" anchor="ctr"/>
+          <a:lstStyle/>
+          <a:p>
+            <a:pPr algn="ctr"/>
+            <a:r>
+              <a:rPr kumimoji="1" lang="ja-JP" altLang="en-US" dirty="0" smtClean="0"/>
+              <a:t>ジャンルマッチングなどに応用</a:t>
+            </a:r>
+            <a:endParaRPr kumimoji="1" lang="ja-JP" altLang="en-US" dirty="0"/>
+          </a:p>
+        </p:txBody>
+      </p:sp>
+      <p:sp>
+        <p:nvSpPr>
+          <p:cNvPr id="7" name="正方形/長方形 6"/>
+          <p:cNvSpPr/>
+          <p:nvPr/>
+        </p:nvSpPr>
+        <p:spPr>
+          <a:xfrm>
+            <a:off x="143122" y="1137947"/>
+            <a:ext cx="1598213" cy="4268566"/>
+          </a:xfrm>
+          <a:prstGeom prst="rect">
+            <a:avLst/>
+          </a:prstGeom>
+          <a:noFill/>
+          <a:ln w="9525" cap="flat" cmpd="sng" algn="ctr">
+            <a:solidFill>
+              <a:schemeClr val="dk1"/>
+            </a:solidFill>
+            <a:prstDash val="solid"/>
+            <a:round/>
+            <a:headEnd type="none" w="med" len="med"/>
+            <a:tailEnd type="none" w="med" len="med"/>
+          </a:ln>
+        </p:spPr>
+        <p:style>
+          <a:lnRef idx="0">
+            <a:scrgbClr r="0" g="0" b="0"/>
+          </a:lnRef>
+          <a:fillRef idx="0">
+            <a:scrgbClr r="0" g="0" b="0"/>
+          </a:fillRef>
+          <a:effectRef idx="0">
+            <a:scrgbClr r="0" g="0" b="0"/>
+          </a:effectRef>
+          <a:fontRef idx="minor">
+            <a:schemeClr val="dk1"/>
+          </a:fontRef>
+        </p:style>
+        <p:txBody>
+          <a:bodyPr rtlCol="0" anchor="ctr"/>
+          <a:lstStyle/>
+          <a:p>
+            <a:pPr algn="ctr"/>
+            <a:endParaRPr kumimoji="1" lang="ja-JP" altLang="en-US"/>
+          </a:p>
+        </p:txBody>
+      </p:sp>
+      <p:cxnSp>
+        <p:nvCxnSpPr>
+          <p:cNvPr id="9" name="直線矢印コネクタ 8"/>
+          <p:cNvCxnSpPr>
+            <a:endCxn id="24" idx="1"/>
+          </p:cNvCxnSpPr>
+          <p:nvPr/>
+        </p:nvCxnSpPr>
+        <p:spPr>
+          <a:xfrm flipV="1">
+            <a:off x="1758076" y="1491200"/>
+            <a:ext cx="479480" cy="870337"/>
+          </a:xfrm>
+          <a:prstGeom prst="straightConnector1">
+            <a:avLst/>
+          </a:prstGeom>
+          <a:ln>
+            <a:tailEnd type="triangle"/>
+          </a:ln>
+        </p:spPr>
+        <p:style>
+          <a:lnRef idx="1">
+            <a:schemeClr val="dk1"/>
+          </a:lnRef>
+          <a:fillRef idx="0">
+            <a:schemeClr val="dk1"/>
+          </a:fillRef>
+          <a:effectRef idx="0">
+            <a:schemeClr val="dk1"/>
+          </a:effectRef>
+          <a:fontRef idx="minor">
+            <a:schemeClr val="tx1"/>
+          </a:fontRef>
+        </p:style>
+      </p:cxnSp>
+      <p:cxnSp>
+        <p:nvCxnSpPr>
+          <p:cNvPr id="44" name="直線矢印コネクタ 43"/>
+          <p:cNvCxnSpPr>
+            <a:endCxn id="26" idx="1"/>
+          </p:cNvCxnSpPr>
+          <p:nvPr/>
+        </p:nvCxnSpPr>
+        <p:spPr>
+          <a:xfrm flipV="1">
+            <a:off x="1777091" y="2286642"/>
+            <a:ext cx="460463" cy="570410"/>
+          </a:xfrm>
+          <a:prstGeom prst="straightConnector1">
+            <a:avLst/>
+          </a:prstGeom>
+          <a:ln>
+            <a:tailEnd type="triangle"/>
+          </a:ln>
+        </p:spPr>
+        <p:style>
+          <a:lnRef idx="1">
+            <a:schemeClr val="dk1"/>
+          </a:lnRef>
+          <a:fillRef idx="0">
+            <a:schemeClr val="dk1"/>
+          </a:fillRef>
+          <a:effectRef idx="0">
+            <a:schemeClr val="dk1"/>
+          </a:effectRef>
+          <a:fontRef idx="minor">
+            <a:schemeClr val="tx1"/>
+          </a:fontRef>
+        </p:style>
+      </p:cxnSp>
+      <p:cxnSp>
+        <p:nvCxnSpPr>
+          <p:cNvPr id="45" name="直線矢印コネクタ 44"/>
+          <p:cNvCxnSpPr>
+            <a:endCxn id="32" idx="1"/>
+          </p:cNvCxnSpPr>
+          <p:nvPr/>
+        </p:nvCxnSpPr>
+        <p:spPr>
+          <a:xfrm>
+            <a:off x="1758076" y="3435336"/>
+            <a:ext cx="479480" cy="462397"/>
+          </a:xfrm>
+          <a:prstGeom prst="straightConnector1">
+            <a:avLst/>
+          </a:prstGeom>
+          <a:ln>
+            <a:tailEnd type="triangle"/>
+          </a:ln>
+        </p:spPr>
+        <p:style>
+          <a:lnRef idx="1">
+            <a:schemeClr val="dk1"/>
+          </a:lnRef>
+          <a:fillRef idx="0">
+            <a:schemeClr val="dk1"/>
+          </a:fillRef>
+          <a:effectRef idx="0">
+            <a:schemeClr val="dk1"/>
+          </a:effectRef>
+          <a:fontRef idx="minor">
+            <a:schemeClr val="tx1"/>
+          </a:fontRef>
+        </p:style>
+      </p:cxnSp>
+      <p:cxnSp>
+        <p:nvCxnSpPr>
+          <p:cNvPr id="50" name="直線矢印コネクタ 49"/>
+          <p:cNvCxnSpPr>
+            <a:endCxn id="34" idx="1"/>
+          </p:cNvCxnSpPr>
+          <p:nvPr/>
+        </p:nvCxnSpPr>
+        <p:spPr>
+          <a:xfrm>
+            <a:off x="1810353" y="4055165"/>
+            <a:ext cx="427203" cy="819370"/>
+          </a:xfrm>
+          <a:prstGeom prst="straightConnector1">
+            <a:avLst/>
+          </a:prstGeom>
+          <a:ln>
+            <a:tailEnd type="triangle"/>
+          </a:ln>
+        </p:spPr>
+        <p:style>
+          <a:lnRef idx="1">
+            <a:schemeClr val="dk1"/>
+          </a:lnRef>
+          <a:fillRef idx="0">
+            <a:schemeClr val="dk1"/>
+          </a:fillRef>
+          <a:effectRef idx="0">
+            <a:schemeClr val="dk1"/>
+          </a:effectRef>
+          <a:fontRef idx="minor">
+            <a:schemeClr val="tx1"/>
+          </a:fontRef>
+        </p:style>
+      </p:cxnSp>
+      <p:cxnSp>
+        <p:nvCxnSpPr>
+          <p:cNvPr id="53" name="直線矢印コネクタ 52"/>
+          <p:cNvCxnSpPr>
+            <a:stCxn id="34" idx="3"/>
+          </p:cNvCxnSpPr>
+          <p:nvPr/>
+        </p:nvCxnSpPr>
+        <p:spPr>
+          <a:xfrm flipV="1">
+            <a:off x="5700432" y="3884456"/>
+            <a:ext cx="502136" cy="990079"/>
+          </a:xfrm>
+          <a:prstGeom prst="straightConnector1">
+            <a:avLst/>
+          </a:prstGeom>
+          <a:ln>
+            <a:tailEnd type="triangle"/>
+          </a:ln>
+        </p:spPr>
+        <p:style>
+          <a:lnRef idx="1">
+            <a:schemeClr val="dk1"/>
+          </a:lnRef>
+          <a:fillRef idx="0">
+            <a:schemeClr val="dk1"/>
+          </a:fillRef>
+          <a:effectRef idx="0">
+            <a:schemeClr val="dk1"/>
+          </a:effectRef>
+          <a:fontRef idx="minor">
+            <a:schemeClr val="tx1"/>
+          </a:fontRef>
+        </p:style>
+      </p:cxnSp>
+      <p:cxnSp>
+        <p:nvCxnSpPr>
+          <p:cNvPr id="54" name="直線矢印コネクタ 53"/>
+          <p:cNvCxnSpPr>
+            <a:stCxn id="26" idx="3"/>
+          </p:cNvCxnSpPr>
+          <p:nvPr/>
+        </p:nvCxnSpPr>
+        <p:spPr>
+          <a:xfrm>
+            <a:off x="5796498" y="2286642"/>
+            <a:ext cx="479478" cy="659065"/>
+          </a:xfrm>
+          <a:prstGeom prst="straightConnector1">
+            <a:avLst/>
+          </a:prstGeom>
+          <a:ln>
+            <a:tailEnd type="triangle"/>
+          </a:ln>
+        </p:spPr>
+        <p:style>
+          <a:lnRef idx="1">
+            <a:schemeClr val="dk1"/>
+          </a:lnRef>
+          <a:fillRef idx="0">
+            <a:schemeClr val="dk1"/>
+          </a:fillRef>
+          <a:effectRef idx="0">
+            <a:schemeClr val="dk1"/>
+          </a:effectRef>
+          <a:fontRef idx="minor">
+            <a:schemeClr val="tx1"/>
+          </a:fontRef>
+        </p:style>
+      </p:cxnSp>
+      <p:cxnSp>
+        <p:nvCxnSpPr>
+          <p:cNvPr id="59" name="直線矢印コネクタ 58"/>
+          <p:cNvCxnSpPr>
+            <a:stCxn id="32" idx="3"/>
+          </p:cNvCxnSpPr>
+          <p:nvPr/>
+        </p:nvCxnSpPr>
+        <p:spPr>
+          <a:xfrm flipV="1">
+            <a:off x="5700432" y="3400211"/>
+            <a:ext cx="575544" cy="497522"/>
+          </a:xfrm>
+          <a:prstGeom prst="straightConnector1">
+            <a:avLst/>
+          </a:prstGeom>
+          <a:ln>
+            <a:tailEnd type="triangle"/>
+          </a:ln>
+        </p:spPr>
+        <p:style>
+          <a:lnRef idx="1">
+            <a:schemeClr val="dk1"/>
+          </a:lnRef>
+          <a:fillRef idx="0">
+            <a:schemeClr val="dk1"/>
+          </a:fillRef>
+          <a:effectRef idx="0">
+            <a:schemeClr val="dk1"/>
+          </a:effectRef>
+          <a:fontRef idx="minor">
+            <a:schemeClr val="tx1"/>
+          </a:fontRef>
+        </p:style>
+      </p:cxnSp>
+      <p:cxnSp>
+        <p:nvCxnSpPr>
+          <p:cNvPr id="61" name="直線矢印コネクタ 60"/>
+          <p:cNvCxnSpPr>
+            <a:stCxn id="24" idx="3"/>
+          </p:cNvCxnSpPr>
+          <p:nvPr/>
+        </p:nvCxnSpPr>
+        <p:spPr>
+          <a:xfrm>
+            <a:off x="5796500" y="1491200"/>
+            <a:ext cx="453225" cy="795442"/>
+          </a:xfrm>
+          <a:prstGeom prst="straightConnector1">
+            <a:avLst/>
+          </a:prstGeom>
+          <a:ln>
+            <a:tailEnd type="triangle"/>
+          </a:ln>
+        </p:spPr>
+        <p:style>
+          <a:lnRef idx="1">
+            <a:schemeClr val="dk1"/>
+          </a:lnRef>
+          <a:fillRef idx="0">
+            <a:schemeClr val="dk1"/>
+          </a:fillRef>
+          <a:effectRef idx="0">
+            <a:schemeClr val="dk1"/>
+          </a:effectRef>
+          <a:fontRef idx="minor">
+            <a:schemeClr val="tx1"/>
+          </a:fontRef>
+        </p:style>
+      </p:cxnSp>
+      <p:cxnSp>
+        <p:nvCxnSpPr>
+          <p:cNvPr id="71" name="直線矢印コネクタ 70"/>
+          <p:cNvCxnSpPr>
+            <a:stCxn id="6" idx="3"/>
+            <a:endCxn id="38" idx="1"/>
+          </p:cNvCxnSpPr>
+          <p:nvPr/>
+        </p:nvCxnSpPr>
+        <p:spPr>
+          <a:xfrm>
+            <a:off x="7378810" y="3164619"/>
+            <a:ext cx="332663" cy="0"/>
+          </a:xfrm>
+          <a:prstGeom prst="straightConnector1">
+            <a:avLst/>
+          </a:prstGeom>
+          <a:ln>
+            <a:tailEnd type="triangle"/>
+          </a:ln>
+        </p:spPr>
+        <p:style>
+          <a:lnRef idx="1">
+            <a:schemeClr val="dk1"/>
+          </a:lnRef>
+          <a:fillRef idx="0">
+            <a:schemeClr val="dk1"/>
+          </a:fillRef>
+          <a:effectRef idx="0">
+            <a:schemeClr val="dk1"/>
+          </a:effectRef>
+          <a:fontRef idx="minor">
+            <a:schemeClr val="tx1"/>
+          </a:fontRef>
+        </p:style>
+      </p:cxnSp>
     </p:spTree>
     <p:extLst>
       <p:ext uri="{BB962C8B-B14F-4D97-AF65-F5344CB8AC3E}">
-        <p14:creationId xmlns:p14="http://schemas.microsoft.com/office/powerpoint/2010/main" val="1631647955"/>
+        <p14:creationId xmlns:p14="http://schemas.microsoft.com/office/powerpoint/2010/main" val="2414674720"/>
       </p:ext>
     </p:extLst>
   </p:cSld>
   <p:clrMapOvr>
     <a:masterClrMapping/>
   </p:clrMapOvr>
+  <p:timing>
+    <p:tnLst>
+      <p:par>
+        <p:cTn id="1" dur="indefinite" restart="never" nodeType="tmRoot"/>
+      </p:par>
+    </p:tnLst>
+  </p:timing>
 </p:sld>
 </file>
 
@@ -11553,6 +11850,79 @@
       </p:grpSpPr>
       <p:sp>
         <p:nvSpPr>
+          <p:cNvPr id="2" name="タイトル 1"/>
+          <p:cNvSpPr>
+            <a:spLocks noGrp="1"/>
+          </p:cNvSpPr>
+          <p:nvPr>
+            <p:ph type="title"/>
+          </p:nvPr>
+        </p:nvSpPr>
+        <p:spPr/>
+        <p:txBody>
+          <a:bodyPr/>
+          <a:lstStyle/>
+          <a:p>
+            <a:r>
+              <a:rPr kumimoji="1" lang="ja-JP" altLang="en-US" dirty="0" smtClean="0"/>
+              <a:t>楽曲ジャンル推定モデルの作成</a:t>
+            </a:r>
+            <a:endParaRPr kumimoji="1" lang="ja-JP" altLang="en-US" dirty="0"/>
+          </a:p>
+        </p:txBody>
+      </p:sp>
+      <p:sp>
+        <p:nvSpPr>
+          <p:cNvPr id="3" name="コンテンツ プレースホルダー 2"/>
+          <p:cNvSpPr>
+            <a:spLocks noGrp="1"/>
+          </p:cNvSpPr>
+          <p:nvPr>
+            <p:ph idx="1"/>
+          </p:nvPr>
+        </p:nvSpPr>
+        <p:spPr/>
+        <p:txBody>
+          <a:bodyPr>
+            <a:normAutofit/>
+          </a:bodyPr>
+          <a:lstStyle/>
+          <a:p>
+            <a:pPr marL="0" indent="0">
+              <a:lnSpc>
+                <a:spcPct val="100000"/>
+              </a:lnSpc>
+              <a:buNone/>
+            </a:pPr>
+            <a:r>
+              <a:rPr lang="ja-JP" altLang="ja-JP" dirty="0" smtClean="0"/>
+              <a:t>ジャンル</a:t>
+            </a:r>
+            <a:r>
+              <a:rPr lang="ja-JP" altLang="ja-JP" dirty="0"/>
+              <a:t>推定モデルの作成では楽曲からメル周波数ケプストラム係数</a:t>
+            </a:r>
+            <a:r>
+              <a:rPr lang="en-US" altLang="ja-JP" dirty="0"/>
+              <a:t>(MFCC)</a:t>
+            </a:r>
+            <a:r>
+              <a:rPr lang="ja-JP" altLang="ja-JP" dirty="0"/>
+              <a:t>を特徴として抽出する</a:t>
+            </a:r>
+            <a:r>
+              <a:rPr lang="ja-JP" altLang="ja-JP" dirty="0" smtClean="0"/>
+              <a:t>．</a:t>
+            </a:r>
+            <a:endParaRPr lang="en-US" altLang="ja-JP" dirty="0" smtClean="0"/>
+          </a:p>
+          <a:p>
+            <a:endParaRPr kumimoji="1" lang="ja-JP" altLang="en-US" dirty="0"/>
+          </a:p>
+        </p:txBody>
+      </p:sp>
+      <p:sp>
+        <p:nvSpPr>
           <p:cNvPr id="4" name="スライド番号プレースホルダー 3"/>
           <p:cNvSpPr>
             <a:spLocks noGrp="1"/>
@@ -11575,661 +11945,229 @@
           </a:p>
         </p:txBody>
       </p:sp>
-      <p:sp>
-        <p:nvSpPr>
-          <p:cNvPr id="2" name="テキスト ボックス 1"/>
-          <p:cNvSpPr txBox="1"/>
-          <p:nvPr/>
-        </p:nvSpPr>
-        <p:spPr>
-          <a:xfrm>
-            <a:off x="282736" y="535849"/>
-            <a:ext cx="7183538" cy="584775"/>
-          </a:xfrm>
-          <a:prstGeom prst="rect">
-            <a:avLst/>
-          </a:prstGeom>
-          <a:noFill/>
-        </p:spPr>
-        <p:txBody>
-          <a:bodyPr wrap="square" rtlCol="0">
-            <a:spAutoFit/>
-          </a:bodyPr>
-          <a:lstStyle/>
-          <a:p>
-            <a:r>
-              <a:rPr kumimoji="1" lang="ja-JP" altLang="en-US" sz="3200" dirty="0" smtClean="0"/>
-              <a:t>提案システム</a:t>
-            </a:r>
-            <a:endParaRPr kumimoji="1" lang="ja-JP" altLang="en-US" sz="3200" dirty="0"/>
-          </a:p>
-        </p:txBody>
-      </p:sp>
-      <p:grpSp>
-        <p:nvGrpSpPr>
-          <p:cNvPr id="41" name="グループ化 40"/>
-          <p:cNvGrpSpPr/>
-          <p:nvPr/>
-        </p:nvGrpSpPr>
-        <p:grpSpPr>
-          <a:xfrm>
-            <a:off x="175365" y="2361287"/>
-            <a:ext cx="8614520" cy="2690071"/>
-            <a:chOff x="175365" y="1494595"/>
-            <a:chExt cx="8614520" cy="2690071"/>
-          </a:xfrm>
-        </p:grpSpPr>
-        <p:grpSp>
-          <p:nvGrpSpPr>
-            <p:cNvPr id="43" name="グループ化 42"/>
-            <p:cNvGrpSpPr/>
-            <p:nvPr/>
-          </p:nvGrpSpPr>
-          <p:grpSpPr>
-            <a:xfrm>
-              <a:off x="175365" y="1923200"/>
-              <a:ext cx="1811795" cy="1940386"/>
-              <a:chOff x="-7018" y="1365954"/>
-              <a:chExt cx="1243054" cy="1744335"/>
-            </a:xfrm>
-          </p:grpSpPr>
-          <p:pic>
-            <p:nvPicPr>
-              <p:cNvPr id="67" name="図 66"/>
-              <p:cNvPicPr>
-                <a:picLocks noChangeAspect="1"/>
-              </p:cNvPicPr>
-              <p:nvPr/>
-            </p:nvPicPr>
-            <p:blipFill rotWithShape="1">
-              <a:blip r:embed="rId2">
+      <p:graphicFrame>
+        <p:nvGraphicFramePr>
+          <p:cNvPr id="7" name="表 6"/>
+          <p:cNvGraphicFramePr>
+            <a:graphicFrameLocks noGrp="1"/>
+          </p:cNvGraphicFramePr>
+          <p:nvPr>
+            <p:extLst>
+              <p:ext uri="{D42A27DB-BD31-4B8C-83A1-F6EECF244321}">
+                <p14:modId xmlns:p14="http://schemas.microsoft.com/office/powerpoint/2010/main" val="2909053899"/>
+              </p:ext>
+            </p:extLst>
+          </p:nvPr>
+        </p:nvGraphicFramePr>
+        <p:xfrm>
+          <a:off x="795127" y="3013543"/>
+          <a:ext cx="7450375" cy="1137038"/>
+        </p:xfrm>
+        <a:graphic>
+          <a:graphicData uri="http://schemas.openxmlformats.org/drawingml/2006/table">
+            <a:tbl>
+              <a:tblPr firstRow="1" bandRow="1">
+                <a:tableStyleId>{5940675A-B579-460E-94D1-54222C63F5DA}</a:tableStyleId>
+              </a:tblPr>
+              <a:tblGrid>
+                <a:gridCol w="1490075">
+                  <a:extLst>
+                    <a:ext uri="{9D8B030D-6E8A-4147-A177-3AD203B41FA5}">
+                      <a16:colId xmlns:a16="http://schemas.microsoft.com/office/drawing/2014/main" val="4026133937"/>
+                    </a:ext>
+                  </a:extLst>
+                </a:gridCol>
+                <a:gridCol w="1490075">
+                  <a:extLst>
+                    <a:ext uri="{9D8B030D-6E8A-4147-A177-3AD203B41FA5}">
+                      <a16:colId xmlns:a16="http://schemas.microsoft.com/office/drawing/2014/main" val="1077391993"/>
+                    </a:ext>
+                  </a:extLst>
+                </a:gridCol>
+                <a:gridCol w="1490075">
+                  <a:extLst>
+                    <a:ext uri="{9D8B030D-6E8A-4147-A177-3AD203B41FA5}">
+                      <a16:colId xmlns:a16="http://schemas.microsoft.com/office/drawing/2014/main" val="2436340462"/>
+                    </a:ext>
+                  </a:extLst>
+                </a:gridCol>
+                <a:gridCol w="1490075">
+                  <a:extLst>
+                    <a:ext uri="{9D8B030D-6E8A-4147-A177-3AD203B41FA5}">
+                      <a16:colId xmlns:a16="http://schemas.microsoft.com/office/drawing/2014/main" val="3153768859"/>
+                    </a:ext>
+                  </a:extLst>
+                </a:gridCol>
+                <a:gridCol w="1490075">
+                  <a:extLst>
+                    <a:ext uri="{9D8B030D-6E8A-4147-A177-3AD203B41FA5}">
+                      <a16:colId xmlns:a16="http://schemas.microsoft.com/office/drawing/2014/main" val="3911010844"/>
+                    </a:ext>
+                  </a:extLst>
+                </a:gridCol>
+              </a:tblGrid>
+              <a:tr h="568519">
+                <a:tc>
+                  <a:txBody>
+                    <a:bodyPr/>
+                    <a:lstStyle/>
+                    <a:p>
+                      <a:r>
+                        <a:rPr kumimoji="1" lang="en-US" altLang="ja-JP" dirty="0" smtClean="0"/>
+                        <a:t>Electric</a:t>
+                      </a:r>
+                      <a:endParaRPr kumimoji="1" lang="ja-JP" altLang="en-US" dirty="0"/>
+                    </a:p>
+                  </a:txBody>
+                  <a:tcPr/>
+                </a:tc>
+                <a:tc>
+                  <a:txBody>
+                    <a:bodyPr/>
+                    <a:lstStyle/>
+                    <a:p>
+                      <a:r>
+                        <a:rPr kumimoji="1" lang="en-US" altLang="ja-JP" dirty="0" smtClean="0"/>
+                        <a:t>Folk</a:t>
+                      </a:r>
+                      <a:endParaRPr kumimoji="1" lang="ja-JP" altLang="en-US" dirty="0"/>
+                    </a:p>
+                  </a:txBody>
+                  <a:tcPr/>
+                </a:tc>
+                <a:tc>
+                  <a:txBody>
+                    <a:bodyPr/>
+                    <a:lstStyle/>
+                    <a:p>
+                      <a:r>
+                        <a:rPr kumimoji="1" lang="en-US" altLang="ja-JP" dirty="0" smtClean="0"/>
+                        <a:t>Hip-Hop</a:t>
+                      </a:r>
+                      <a:endParaRPr kumimoji="1" lang="ja-JP" altLang="en-US" dirty="0"/>
+                    </a:p>
+                  </a:txBody>
+                  <a:tcPr/>
+                </a:tc>
+                <a:tc>
+                  <a:txBody>
+                    <a:bodyPr/>
+                    <a:lstStyle/>
+                    <a:p>
+                      <a:r>
+                        <a:rPr kumimoji="1" lang="en-US" altLang="ja-JP" dirty="0" smtClean="0"/>
+                        <a:t>International</a:t>
+                      </a:r>
+                      <a:endParaRPr kumimoji="1" lang="ja-JP" altLang="en-US" dirty="0"/>
+                    </a:p>
+                  </a:txBody>
+                  <a:tcPr/>
+                </a:tc>
+                <a:tc>
+                  <a:txBody>
+                    <a:bodyPr/>
+                    <a:lstStyle/>
+                    <a:p>
+                      <a:r>
+                        <a:rPr kumimoji="1" lang="en-US" altLang="ja-JP" dirty="0" smtClean="0"/>
+                        <a:t>Metal</a:t>
+                      </a:r>
+                      <a:endParaRPr kumimoji="1" lang="ja-JP" altLang="en-US" dirty="0"/>
+                    </a:p>
+                  </a:txBody>
+                  <a:tcPr/>
+                </a:tc>
                 <a:extLst>
-                  <a:ext uri="{28A0092B-C50C-407E-A947-70E740481C1C}">
-                    <a14:useLocalDpi xmlns:a14="http://schemas.microsoft.com/office/drawing/2010/main" val="0"/>
+                  <a:ext uri="{0D108BD9-81ED-4DB2-BD59-A6C34878D82A}">
+                    <a16:rowId xmlns:a16="http://schemas.microsoft.com/office/drawing/2014/main" val="216540325"/>
                   </a:ext>
                 </a:extLst>
-              </a:blip>
-              <a:srcRect l="38483" t="32680" r="38103" b="35667"/>
-              <a:stretch/>
-            </p:blipFill>
-            <p:spPr>
-              <a:xfrm>
-                <a:off x="446207" y="1365954"/>
-                <a:ext cx="365760" cy="421419"/>
-              </a:xfrm>
-              <a:prstGeom prst="rect">
-                <a:avLst/>
-              </a:prstGeom>
-            </p:spPr>
-          </p:pic>
-          <p:pic>
-            <p:nvPicPr>
-              <p:cNvPr id="68" name="図 67"/>
-              <p:cNvPicPr>
-                <a:picLocks noChangeAspect="1"/>
-              </p:cNvPicPr>
-              <p:nvPr/>
-            </p:nvPicPr>
-            <p:blipFill rotWithShape="1">
-              <a:blip r:embed="rId2">
+              </a:tr>
+              <a:tr h="568519">
+                <a:tc>
+                  <a:txBody>
+                    <a:bodyPr/>
+                    <a:lstStyle/>
+                    <a:p>
+                      <a:r>
+                        <a:rPr kumimoji="1" lang="en-US" altLang="ja-JP" dirty="0" smtClean="0"/>
+                        <a:t>Latin</a:t>
+                      </a:r>
+                      <a:endParaRPr kumimoji="1" lang="ja-JP" altLang="en-US" dirty="0"/>
+                    </a:p>
+                  </a:txBody>
+                  <a:tcPr/>
+                </a:tc>
+                <a:tc>
+                  <a:txBody>
+                    <a:bodyPr/>
+                    <a:lstStyle/>
+                    <a:p>
+                      <a:r>
+                        <a:rPr kumimoji="1" lang="en-US" altLang="ja-JP" dirty="0" smtClean="0"/>
+                        <a:t>Pop</a:t>
+                      </a:r>
+                      <a:endParaRPr kumimoji="1" lang="ja-JP" altLang="en-US" dirty="0"/>
+                    </a:p>
+                  </a:txBody>
+                  <a:tcPr/>
+                </a:tc>
+                <a:tc>
+                  <a:txBody>
+                    <a:bodyPr/>
+                    <a:lstStyle/>
+                    <a:p>
+                      <a:r>
+                        <a:rPr kumimoji="1" lang="en-US" altLang="ja-JP" dirty="0" smtClean="0"/>
+                        <a:t>Rock</a:t>
+                      </a:r>
+                      <a:endParaRPr kumimoji="1" lang="ja-JP" altLang="en-US" dirty="0"/>
+                    </a:p>
+                  </a:txBody>
+                  <a:tcPr/>
+                </a:tc>
+                <a:tc>
+                  <a:txBody>
+                    <a:bodyPr/>
+                    <a:lstStyle/>
+                    <a:p>
+                      <a:r>
+                        <a:rPr kumimoji="1" lang="en-US" altLang="ja-JP" dirty="0" smtClean="0"/>
+                        <a:t>Punk</a:t>
+                      </a:r>
+                      <a:endParaRPr kumimoji="1" lang="ja-JP" altLang="en-US" dirty="0"/>
+                    </a:p>
+                  </a:txBody>
+                  <a:tcPr/>
+                </a:tc>
+                <a:tc>
+                  <a:txBody>
+                    <a:bodyPr/>
+                    <a:lstStyle/>
+                    <a:p>
+                      <a:r>
+                        <a:rPr kumimoji="1" lang="en-US" altLang="ja-JP" dirty="0" err="1" smtClean="0"/>
+                        <a:t>Etc</a:t>
+                      </a:r>
+                      <a:endParaRPr kumimoji="1" lang="ja-JP" altLang="en-US" dirty="0"/>
+                    </a:p>
+                  </a:txBody>
+                  <a:tcPr/>
+                </a:tc>
                 <a:extLst>
-                  <a:ext uri="{28A0092B-C50C-407E-A947-70E740481C1C}">
-                    <a14:useLocalDpi xmlns:a14="http://schemas.microsoft.com/office/drawing/2010/main" val="0"/>
+                  <a:ext uri="{0D108BD9-81ED-4DB2-BD59-A6C34878D82A}">
+                    <a16:rowId xmlns:a16="http://schemas.microsoft.com/office/drawing/2014/main" val="4105617869"/>
                   </a:ext>
                 </a:extLst>
-              </a:blip>
-              <a:srcRect l="38483" t="32680" r="38103" b="35667"/>
-              <a:stretch/>
-            </p:blipFill>
-            <p:spPr>
-              <a:xfrm>
-                <a:off x="684746" y="1861096"/>
-                <a:ext cx="365760" cy="421419"/>
-              </a:xfrm>
-              <a:prstGeom prst="rect">
-                <a:avLst/>
-              </a:prstGeom>
-            </p:spPr>
-          </p:pic>
-          <p:pic>
-            <p:nvPicPr>
-              <p:cNvPr id="69" name="図 68"/>
-              <p:cNvPicPr>
-                <a:picLocks noChangeAspect="1"/>
-              </p:cNvPicPr>
-              <p:nvPr/>
-            </p:nvPicPr>
-            <p:blipFill rotWithShape="1">
-              <a:blip r:embed="rId2">
-                <a:extLst>
-                  <a:ext uri="{28A0092B-C50C-407E-A947-70E740481C1C}">
-                    <a14:useLocalDpi xmlns:a14="http://schemas.microsoft.com/office/drawing/2010/main" val="0"/>
-                  </a:ext>
-                </a:extLst>
-              </a:blip>
-              <a:srcRect l="38483" t="32680" r="38103" b="35667"/>
-              <a:stretch/>
-            </p:blipFill>
-            <p:spPr>
-              <a:xfrm>
-                <a:off x="159493" y="1861095"/>
-                <a:ext cx="365760" cy="421419"/>
-              </a:xfrm>
-              <a:prstGeom prst="rect">
-                <a:avLst/>
-              </a:prstGeom>
-            </p:spPr>
-          </p:pic>
-          <p:sp>
-            <p:nvSpPr>
-              <p:cNvPr id="70" name="テキスト ボックス 69"/>
-              <p:cNvSpPr txBox="1"/>
-              <p:nvPr/>
-            </p:nvSpPr>
-            <p:spPr>
-              <a:xfrm>
-                <a:off x="-7018" y="2525514"/>
-                <a:ext cx="1243054" cy="584775"/>
-              </a:xfrm>
-              <a:prstGeom prst="rect">
-                <a:avLst/>
-              </a:prstGeom>
-              <a:noFill/>
-            </p:spPr>
-            <p:txBody>
-              <a:bodyPr wrap="square" rtlCol="0">
-                <a:spAutoFit/>
-              </a:bodyPr>
-              <a:lstStyle/>
-              <a:p>
-                <a:pPr algn="ctr"/>
-                <a:r>
-                  <a:rPr lang="ja-JP" altLang="en-US" sz="1600" dirty="0"/>
-                  <a:t>楽曲</a:t>
-                </a:r>
-                <a:r>
-                  <a:rPr lang="ja-JP" altLang="en-US" sz="1600" dirty="0" smtClean="0"/>
-                  <a:t>投稿型</a:t>
-                </a:r>
-                <a:r>
-                  <a:rPr lang="en-US" altLang="ja-JP" sz="1600" dirty="0" smtClean="0"/>
-                  <a:t>SNS</a:t>
-                </a:r>
-                <a:endParaRPr kumimoji="1" lang="ja-JP" altLang="en-US" sz="1600" dirty="0"/>
-              </a:p>
-            </p:txBody>
-          </p:sp>
-        </p:grpSp>
-        <p:pic>
-          <p:nvPicPr>
-            <p:cNvPr id="46" name="図 45"/>
-            <p:cNvPicPr>
-              <a:picLocks noChangeAspect="1"/>
-            </p:cNvPicPr>
-            <p:nvPr/>
-          </p:nvPicPr>
-          <p:blipFill>
-            <a:blip r:embed="rId3" cstate="print">
-              <a:extLst>
-                <a:ext uri="{28A0092B-C50C-407E-A947-70E740481C1C}">
-                  <a14:useLocalDpi xmlns:a14="http://schemas.microsoft.com/office/drawing/2010/main" val="0"/>
-                </a:ext>
-              </a:extLst>
-            </a:blip>
-            <a:stretch>
-              <a:fillRect/>
-            </a:stretch>
-          </p:blipFill>
-          <p:spPr>
-            <a:xfrm>
-              <a:off x="3431960" y="1494595"/>
-              <a:ext cx="623105" cy="475555"/>
-            </a:xfrm>
-            <a:prstGeom prst="rect">
-              <a:avLst/>
-            </a:prstGeom>
-          </p:spPr>
-        </p:pic>
-        <p:pic>
-          <p:nvPicPr>
-            <p:cNvPr id="47" name="図 46"/>
-            <p:cNvPicPr>
-              <a:picLocks noChangeAspect="1"/>
-            </p:cNvPicPr>
-            <p:nvPr/>
-          </p:nvPicPr>
-          <p:blipFill>
-            <a:blip r:embed="rId3" cstate="print">
-              <a:extLst>
-                <a:ext uri="{28A0092B-C50C-407E-A947-70E740481C1C}">
-                  <a14:useLocalDpi xmlns:a14="http://schemas.microsoft.com/office/drawing/2010/main" val="0"/>
-                </a:ext>
-              </a:extLst>
-            </a:blip>
-            <a:stretch>
-              <a:fillRect/>
-            </a:stretch>
-          </p:blipFill>
-          <p:spPr>
-            <a:xfrm>
-              <a:off x="3431960" y="2218685"/>
-              <a:ext cx="623105" cy="475555"/>
-            </a:xfrm>
-            <a:prstGeom prst="rect">
-              <a:avLst/>
-            </a:prstGeom>
-          </p:spPr>
-        </p:pic>
-        <p:pic>
-          <p:nvPicPr>
-            <p:cNvPr id="48" name="図 47"/>
-            <p:cNvPicPr>
-              <a:picLocks noChangeAspect="1"/>
-            </p:cNvPicPr>
-            <p:nvPr/>
-          </p:nvPicPr>
-          <p:blipFill>
-            <a:blip r:embed="rId3" cstate="print">
-              <a:extLst>
-                <a:ext uri="{28A0092B-C50C-407E-A947-70E740481C1C}">
-                  <a14:useLocalDpi xmlns:a14="http://schemas.microsoft.com/office/drawing/2010/main" val="0"/>
-                </a:ext>
-              </a:extLst>
-            </a:blip>
-            <a:stretch>
-              <a:fillRect/>
-            </a:stretch>
-          </p:blipFill>
-          <p:spPr>
-            <a:xfrm>
-              <a:off x="3431960" y="2942775"/>
-              <a:ext cx="623105" cy="475555"/>
-            </a:xfrm>
-            <a:prstGeom prst="rect">
-              <a:avLst/>
-            </a:prstGeom>
-          </p:spPr>
-        </p:pic>
-        <p:cxnSp>
-          <p:nvCxnSpPr>
-            <p:cNvPr id="49" name="直線矢印コネクタ 48"/>
-            <p:cNvCxnSpPr>
-              <a:endCxn id="46" idx="1"/>
-            </p:cNvCxnSpPr>
-            <p:nvPr/>
-          </p:nvCxnSpPr>
-          <p:spPr>
-            <a:xfrm flipV="1">
-              <a:off x="1831276" y="1732372"/>
-              <a:ext cx="1600685" cy="659611"/>
-            </a:xfrm>
-            <a:prstGeom prst="straightConnector1">
-              <a:avLst/>
-            </a:prstGeom>
-            <a:ln>
-              <a:tailEnd type="triangle"/>
-            </a:ln>
-          </p:spPr>
-          <p:style>
-            <a:lnRef idx="1">
-              <a:schemeClr val="dk1"/>
-            </a:lnRef>
-            <a:fillRef idx="0">
-              <a:schemeClr val="dk1"/>
-            </a:fillRef>
-            <a:effectRef idx="0">
-              <a:schemeClr val="dk1"/>
-            </a:effectRef>
-            <a:fontRef idx="minor">
-              <a:schemeClr val="tx1"/>
-            </a:fontRef>
-          </p:style>
-        </p:cxnSp>
-        <p:cxnSp>
-          <p:nvCxnSpPr>
-            <p:cNvPr id="51" name="直線矢印コネクタ 50"/>
-            <p:cNvCxnSpPr>
-              <a:endCxn id="47" idx="1"/>
-            </p:cNvCxnSpPr>
-            <p:nvPr/>
-          </p:nvCxnSpPr>
-          <p:spPr>
-            <a:xfrm flipV="1">
-              <a:off x="1987160" y="2456462"/>
-              <a:ext cx="1444800" cy="7264"/>
-            </a:xfrm>
-            <a:prstGeom prst="straightConnector1">
-              <a:avLst/>
-            </a:prstGeom>
-            <a:ln>
-              <a:tailEnd type="triangle"/>
-            </a:ln>
-          </p:spPr>
-          <p:style>
-            <a:lnRef idx="1">
-              <a:schemeClr val="dk1"/>
-            </a:lnRef>
-            <a:fillRef idx="0">
-              <a:schemeClr val="dk1"/>
-            </a:fillRef>
-            <a:effectRef idx="0">
-              <a:schemeClr val="dk1"/>
-            </a:effectRef>
-            <a:fontRef idx="minor">
-              <a:schemeClr val="tx1"/>
-            </a:fontRef>
-          </p:style>
-        </p:cxnSp>
-        <p:cxnSp>
-          <p:nvCxnSpPr>
-            <p:cNvPr id="52" name="直線矢印コネクタ 51"/>
-            <p:cNvCxnSpPr>
-              <a:endCxn id="48" idx="1"/>
-            </p:cNvCxnSpPr>
-            <p:nvPr/>
-          </p:nvCxnSpPr>
-          <p:spPr>
-            <a:xfrm>
-              <a:off x="1885073" y="2624244"/>
-              <a:ext cx="1546887" cy="556308"/>
-            </a:xfrm>
-            <a:prstGeom prst="straightConnector1">
-              <a:avLst/>
-            </a:prstGeom>
-            <a:ln>
-              <a:tailEnd type="triangle"/>
-            </a:ln>
-          </p:spPr>
-          <p:style>
-            <a:lnRef idx="1">
-              <a:schemeClr val="dk1"/>
-            </a:lnRef>
-            <a:fillRef idx="0">
-              <a:schemeClr val="dk1"/>
-            </a:fillRef>
-            <a:effectRef idx="0">
-              <a:schemeClr val="dk1"/>
-            </a:effectRef>
-            <a:fontRef idx="minor">
-              <a:schemeClr val="tx1"/>
-            </a:fontRef>
-          </p:style>
-        </p:cxnSp>
-        <p:sp>
-          <p:nvSpPr>
-            <p:cNvPr id="55" name="テキスト ボックス 54"/>
-            <p:cNvSpPr txBox="1"/>
-            <p:nvPr/>
-          </p:nvSpPr>
-          <p:spPr>
-            <a:xfrm>
-              <a:off x="2341974" y="3538335"/>
-              <a:ext cx="3191316" cy="646331"/>
-            </a:xfrm>
-            <a:prstGeom prst="rect">
-              <a:avLst/>
-            </a:prstGeom>
-            <a:noFill/>
-          </p:spPr>
-          <p:txBody>
-            <a:bodyPr wrap="square" rtlCol="0">
-              <a:spAutoFit/>
-            </a:bodyPr>
-            <a:lstStyle/>
-            <a:p>
-              <a:r>
-                <a:rPr kumimoji="1" lang="ja-JP" altLang="en-US" dirty="0" smtClean="0"/>
-                <a:t>複数のサーバーで</a:t>
-              </a:r>
-              <a:r>
-                <a:rPr lang="ja-JP" altLang="en-US" dirty="0"/>
-                <a:t>機械</a:t>
-              </a:r>
-              <a:r>
-                <a:rPr lang="ja-JP" altLang="en-US" dirty="0" smtClean="0"/>
-                <a:t>学習</a:t>
-              </a:r>
-              <a:endParaRPr lang="en-US" altLang="ja-JP" smtClean="0"/>
-            </a:p>
-            <a:p>
-              <a:r>
-                <a:rPr kumimoji="1" lang="ja-JP" altLang="en-US" smtClean="0"/>
-                <a:t>を</a:t>
-              </a:r>
-              <a:r>
-                <a:rPr kumimoji="1" lang="ja-JP" altLang="en-US" dirty="0" smtClean="0"/>
-                <a:t>利用し楽曲をジャンル分け</a:t>
-              </a:r>
-              <a:endParaRPr kumimoji="1" lang="ja-JP" altLang="en-US" dirty="0"/>
-            </a:p>
-          </p:txBody>
-        </p:sp>
-        <p:cxnSp>
-          <p:nvCxnSpPr>
-            <p:cNvPr id="56" name="直線矢印コネクタ 55"/>
-            <p:cNvCxnSpPr/>
-            <p:nvPr/>
-          </p:nvCxnSpPr>
-          <p:spPr>
-            <a:xfrm flipV="1">
-              <a:off x="4095270" y="2608680"/>
-              <a:ext cx="2684641" cy="603898"/>
-            </a:xfrm>
-            <a:prstGeom prst="straightConnector1">
-              <a:avLst/>
-            </a:prstGeom>
-            <a:ln>
-              <a:tailEnd type="triangle"/>
-            </a:ln>
-          </p:spPr>
-          <p:style>
-            <a:lnRef idx="1">
-              <a:schemeClr val="dk1"/>
-            </a:lnRef>
-            <a:fillRef idx="0">
-              <a:schemeClr val="dk1"/>
-            </a:fillRef>
-            <a:effectRef idx="0">
-              <a:schemeClr val="dk1"/>
-            </a:effectRef>
-            <a:fontRef idx="minor">
-              <a:schemeClr val="tx1"/>
-            </a:fontRef>
-          </p:style>
-        </p:cxnSp>
-        <p:cxnSp>
-          <p:nvCxnSpPr>
-            <p:cNvPr id="57" name="直線矢印コネクタ 56"/>
-            <p:cNvCxnSpPr/>
-            <p:nvPr/>
-          </p:nvCxnSpPr>
-          <p:spPr>
-            <a:xfrm flipV="1">
-              <a:off x="4136190" y="2372709"/>
-              <a:ext cx="2724845" cy="91017"/>
-            </a:xfrm>
-            <a:prstGeom prst="straightConnector1">
-              <a:avLst/>
-            </a:prstGeom>
-            <a:ln>
-              <a:tailEnd type="triangle"/>
-            </a:ln>
-          </p:spPr>
-          <p:style>
-            <a:lnRef idx="1">
-              <a:schemeClr val="dk1"/>
-            </a:lnRef>
-            <a:fillRef idx="0">
-              <a:schemeClr val="dk1"/>
-            </a:fillRef>
-            <a:effectRef idx="0">
-              <a:schemeClr val="dk1"/>
-            </a:effectRef>
-            <a:fontRef idx="minor">
-              <a:schemeClr val="tx1"/>
-            </a:fontRef>
-          </p:style>
-        </p:cxnSp>
-        <p:cxnSp>
-          <p:nvCxnSpPr>
-            <p:cNvPr id="58" name="直線矢印コネクタ 57"/>
-            <p:cNvCxnSpPr/>
-            <p:nvPr/>
-          </p:nvCxnSpPr>
-          <p:spPr>
-            <a:xfrm>
-              <a:off x="4093228" y="1734938"/>
-              <a:ext cx="2767808" cy="492818"/>
-            </a:xfrm>
-            <a:prstGeom prst="straightConnector1">
-              <a:avLst/>
-            </a:prstGeom>
-            <a:ln>
-              <a:tailEnd type="triangle"/>
-            </a:ln>
-          </p:spPr>
-          <p:style>
-            <a:lnRef idx="1">
-              <a:schemeClr val="dk1"/>
-            </a:lnRef>
-            <a:fillRef idx="0">
-              <a:schemeClr val="dk1"/>
-            </a:fillRef>
-            <a:effectRef idx="0">
-              <a:schemeClr val="dk1"/>
-            </a:effectRef>
-            <a:fontRef idx="minor">
-              <a:schemeClr val="tx1"/>
-            </a:fontRef>
-          </p:style>
-        </p:cxnSp>
-        <p:pic>
-          <p:nvPicPr>
-            <p:cNvPr id="60" name="図 59"/>
-            <p:cNvPicPr>
-              <a:picLocks noChangeAspect="1"/>
-            </p:cNvPicPr>
-            <p:nvPr/>
-          </p:nvPicPr>
-          <p:blipFill rotWithShape="1">
-            <a:blip r:embed="rId2">
-              <a:extLst>
-                <a:ext uri="{28A0092B-C50C-407E-A947-70E740481C1C}">
-                  <a14:useLocalDpi xmlns:a14="http://schemas.microsoft.com/office/drawing/2010/main" val="0"/>
-                </a:ext>
-              </a:extLst>
-            </a:blip>
-            <a:srcRect l="38483" t="32680" r="38103" b="35667"/>
-            <a:stretch/>
-          </p:blipFill>
-          <p:spPr>
-            <a:xfrm>
-              <a:off x="7638681" y="1597949"/>
-              <a:ext cx="533108" cy="468784"/>
-            </a:xfrm>
-            <a:prstGeom prst="rect">
-              <a:avLst/>
-            </a:prstGeom>
-          </p:spPr>
-        </p:pic>
-        <p:pic>
-          <p:nvPicPr>
-            <p:cNvPr id="63" name="図 62"/>
-            <p:cNvPicPr>
-              <a:picLocks noChangeAspect="1"/>
-            </p:cNvPicPr>
-            <p:nvPr/>
-          </p:nvPicPr>
-          <p:blipFill rotWithShape="1">
-            <a:blip r:embed="rId2">
-              <a:extLst>
-                <a:ext uri="{28A0092B-C50C-407E-A947-70E740481C1C}">
-                  <a14:useLocalDpi xmlns:a14="http://schemas.microsoft.com/office/drawing/2010/main" val="0"/>
-                </a:ext>
-              </a:extLst>
-            </a:blip>
-            <a:srcRect l="38483" t="32680" r="38103" b="35667"/>
-            <a:stretch/>
-          </p:blipFill>
-          <p:spPr>
-            <a:xfrm>
-              <a:off x="7986360" y="2148741"/>
-              <a:ext cx="533108" cy="468784"/>
-            </a:xfrm>
-            <a:prstGeom prst="rect">
-              <a:avLst/>
-            </a:prstGeom>
-          </p:spPr>
-        </p:pic>
-        <p:pic>
-          <p:nvPicPr>
-            <p:cNvPr id="64" name="図 63"/>
-            <p:cNvPicPr>
-              <a:picLocks noChangeAspect="1"/>
-            </p:cNvPicPr>
-            <p:nvPr/>
-          </p:nvPicPr>
-          <p:blipFill rotWithShape="1">
-            <a:blip r:embed="rId2">
-              <a:extLst>
-                <a:ext uri="{28A0092B-C50C-407E-A947-70E740481C1C}">
-                  <a14:useLocalDpi xmlns:a14="http://schemas.microsoft.com/office/drawing/2010/main" val="0"/>
-                </a:ext>
-              </a:extLst>
-            </a:blip>
-            <a:srcRect l="38483" t="32680" r="38103" b="35667"/>
-            <a:stretch/>
-          </p:blipFill>
-          <p:spPr>
-            <a:xfrm>
-              <a:off x="7220786" y="2148740"/>
-              <a:ext cx="533108" cy="468784"/>
-            </a:xfrm>
-            <a:prstGeom prst="rect">
-              <a:avLst/>
-            </a:prstGeom>
-          </p:spPr>
-        </p:pic>
-        <p:sp>
-          <p:nvSpPr>
-            <p:cNvPr id="66" name="テキスト ボックス 65"/>
-            <p:cNvSpPr txBox="1"/>
-            <p:nvPr/>
-          </p:nvSpPr>
-          <p:spPr>
-            <a:xfrm>
-              <a:off x="6978090" y="2887835"/>
-              <a:ext cx="1811795" cy="830997"/>
-            </a:xfrm>
-            <a:prstGeom prst="rect">
-              <a:avLst/>
-            </a:prstGeom>
-            <a:noFill/>
-          </p:spPr>
-          <p:txBody>
-            <a:bodyPr wrap="square" rtlCol="0">
-              <a:spAutoFit/>
-            </a:bodyPr>
-            <a:lstStyle/>
-            <a:p>
-              <a:pPr algn="ctr"/>
-              <a:r>
-                <a:rPr lang="ja-JP" altLang="en-US" sz="1600" dirty="0"/>
-                <a:t>ユーザ</a:t>
-              </a:r>
-              <a:r>
-                <a:rPr lang="ja-JP" altLang="en-US" sz="1600" dirty="0" smtClean="0"/>
-                <a:t>にジャンル分類精度と推定ジャンルを提示．</a:t>
-              </a:r>
-              <a:endParaRPr kumimoji="1" lang="ja-JP" altLang="en-US" sz="1600" dirty="0"/>
-            </a:p>
-          </p:txBody>
-        </p:sp>
-      </p:grpSp>
+              </a:tr>
+            </a:tbl>
+          </a:graphicData>
+        </a:graphic>
+      </p:graphicFrame>
     </p:spTree>
     <p:extLst>
       <p:ext uri="{BB962C8B-B14F-4D97-AF65-F5344CB8AC3E}">
-        <p14:creationId xmlns:p14="http://schemas.microsoft.com/office/powerpoint/2010/main" val="2414674720"/>
+        <p14:creationId xmlns:p14="http://schemas.microsoft.com/office/powerpoint/2010/main" val="3623421743"/>
       </p:ext>
     </p:extLst>
   </p:cSld>
@@ -12275,409 +12213,492 @@
         </p:nvSpPr>
         <p:spPr/>
         <p:txBody>
-          <a:bodyPr>
-            <a:normAutofit/>
-          </a:bodyPr>
-          <a:lstStyle/>
-          <a:p>
-            <a:r>
-              <a:rPr lang="ja-JP" altLang="en-US" sz="4000" dirty="0"/>
-              <a:t>ジャンル</a:t>
-            </a:r>
-            <a:r>
-              <a:rPr lang="ja-JP" altLang="en-US" sz="4000" dirty="0" smtClean="0"/>
-              <a:t>に</a:t>
-            </a:r>
-            <a:r>
-              <a:rPr lang="ja-JP" altLang="en-US" sz="4000" dirty="0"/>
-              <a:t>よる楽曲と動画のマッチング</a:t>
-            </a:r>
-            <a:endParaRPr kumimoji="1" lang="ja-JP" altLang="en-US" sz="4000" dirty="0"/>
-          </a:p>
-        </p:txBody>
-      </p:sp>
-      <p:sp>
-        <p:nvSpPr>
-          <p:cNvPr id="3" name="コンテンツ プレースホルダー 2"/>
-          <p:cNvSpPr>
-            <a:spLocks noGrp="1"/>
-          </p:cNvSpPr>
-          <p:nvPr>
-            <p:ph idx="1"/>
-          </p:nvPr>
-        </p:nvSpPr>
-        <p:spPr>
-          <a:xfrm>
-            <a:off x="314325" y="1847851"/>
-            <a:ext cx="8515350" cy="2580154"/>
-          </a:xfrm>
-        </p:spPr>
-        <p:txBody>
-          <a:bodyPr>
-            <a:normAutofit fontScale="85000" lnSpcReduction="20000"/>
-          </a:bodyPr>
-          <a:lstStyle/>
-          <a:p>
-            <a:r>
-              <a:rPr lang="ja-JP" altLang="en-US" dirty="0"/>
-              <a:t>楽曲</a:t>
-            </a:r>
-            <a:r>
-              <a:rPr kumimoji="1" lang="ja-JP" altLang="en-US" dirty="0"/>
-              <a:t>と動画</a:t>
-            </a:r>
-            <a:r>
-              <a:rPr kumimoji="1" lang="ja-JP" altLang="en-US" dirty="0" smtClean="0"/>
-              <a:t>を</a:t>
-            </a:r>
-            <a:r>
-              <a:rPr lang="ja-JP" altLang="en-US" dirty="0"/>
-              <a:t>ジャンル</a:t>
-            </a:r>
-            <a:r>
-              <a:rPr kumimoji="1" lang="ja-JP" altLang="en-US" dirty="0" smtClean="0"/>
-              <a:t>に</a:t>
-            </a:r>
-            <a:r>
-              <a:rPr kumimoji="1" lang="ja-JP" altLang="en-US" dirty="0"/>
-              <a:t>よりマッチングする．</a:t>
-            </a:r>
-            <a:r>
-              <a:rPr kumimoji="1" lang="en-US" altLang="ja-JP" dirty="0"/>
-              <a:t>	</a:t>
-            </a:r>
-          </a:p>
-          <a:p>
-            <a:pPr lvl="1"/>
-            <a:r>
-              <a:rPr lang="ja-JP" altLang="en-US" dirty="0"/>
-              <a:t>動画</a:t>
-            </a:r>
-            <a:r>
-              <a:rPr lang="en-US" altLang="ja-JP" dirty="0"/>
-              <a:t>:</a:t>
-            </a:r>
-            <a:r>
-              <a:rPr kumimoji="1" lang="ja-JP" altLang="en-US" dirty="0"/>
-              <a:t>観光地</a:t>
-            </a:r>
-            <a:r>
-              <a:rPr kumimoji="1" lang="ja-JP" altLang="en-US" dirty="0" smtClean="0"/>
-              <a:t>動画</a:t>
-            </a:r>
-            <a:endParaRPr lang="en-US" altLang="ja-JP" dirty="0"/>
-          </a:p>
-          <a:p>
-            <a:pPr lvl="1"/>
-            <a:r>
-              <a:rPr lang="ja-JP" altLang="en-US" dirty="0" smtClean="0"/>
-              <a:t>楽曲</a:t>
-            </a:r>
-            <a:r>
-              <a:rPr lang="en-US" altLang="ja-JP" dirty="0" smtClean="0"/>
-              <a:t>:</a:t>
-            </a:r>
-            <a:r>
-              <a:rPr lang="ja-JP" altLang="en-US" dirty="0" smtClean="0"/>
-              <a:t>使用</a:t>
-            </a:r>
-            <a:r>
-              <a:rPr lang="ja-JP" altLang="en-US" dirty="0"/>
-              <a:t>するデータセットに基づいて下記の１０ジャンルでマッチング</a:t>
-            </a:r>
-            <a:endParaRPr lang="en-US" altLang="ja-JP" dirty="0"/>
-          </a:p>
-          <a:p>
-            <a:endParaRPr lang="en-US" altLang="ja-JP" dirty="0"/>
-          </a:p>
-          <a:p>
-            <a:r>
-              <a:rPr lang="ja-JP" altLang="en-US" dirty="0"/>
-              <a:t>ユーザーに動画とどの音楽ジャンルでマッチングしたいかを決めて</a:t>
-            </a:r>
-            <a:r>
-              <a:rPr lang="ja-JP" altLang="en-US" dirty="0" smtClean="0"/>
-              <a:t>もらう．</a:t>
-            </a:r>
-            <a:endParaRPr lang="en-US" altLang="ja-JP" dirty="0" smtClean="0"/>
-          </a:p>
-          <a:p>
-            <a:pPr marL="0" indent="0">
-              <a:buNone/>
-            </a:pPr>
-            <a:r>
-              <a:rPr lang="ja-JP" altLang="en-US" dirty="0" smtClean="0"/>
-              <a:t>→ユーザー</a:t>
-            </a:r>
-            <a:r>
-              <a:rPr lang="ja-JP" altLang="en-US" dirty="0"/>
-              <a:t>の趣向に</a:t>
-            </a:r>
-            <a:r>
-              <a:rPr lang="ja-JP" altLang="en-US" dirty="0" smtClean="0"/>
-              <a:t>合わせて楽曲付き動画を合成することができるため．</a:t>
-            </a:r>
-            <a:endParaRPr lang="ja-JP" altLang="en-US" dirty="0"/>
-          </a:p>
-          <a:p>
-            <a:pPr marL="457200" lvl="1" indent="0">
-              <a:buNone/>
-            </a:pPr>
-            <a:endParaRPr lang="en-US" altLang="ja-JP" dirty="0" smtClean="0"/>
-          </a:p>
-          <a:p>
-            <a:pPr lvl="1"/>
-            <a:endParaRPr lang="en-US" altLang="ja-JP" dirty="0" smtClean="0"/>
-          </a:p>
-          <a:p>
-            <a:pPr marL="457200" lvl="1" indent="0">
-              <a:buNone/>
-            </a:pPr>
-            <a:endParaRPr lang="en-US" altLang="ja-JP" dirty="0"/>
-          </a:p>
-          <a:p>
-            <a:pPr marL="457200" lvl="1" indent="0">
-              <a:buNone/>
-            </a:pPr>
-            <a:endParaRPr lang="en-US" altLang="ja-JP" dirty="0" smtClean="0"/>
-          </a:p>
-        </p:txBody>
-      </p:sp>
-      <p:sp>
-        <p:nvSpPr>
-          <p:cNvPr id="4" name="スライド番号プレースホルダー 3"/>
-          <p:cNvSpPr>
-            <a:spLocks noGrp="1"/>
-          </p:cNvSpPr>
-          <p:nvPr>
-            <p:ph type="sldNum" sz="quarter" idx="12"/>
-          </p:nvPr>
-        </p:nvSpPr>
-        <p:spPr/>
-        <p:txBody>
           <a:bodyPr/>
           <a:lstStyle/>
           <a:p>
-            <a:fld id="{B4451160-128F-4DAD-AE29-4A8CC0E7B9E9}" type="slidenum">
-              <a:rPr kumimoji="1" lang="ja-JP" altLang="en-US" smtClean="0"/>
-              <a:t>8</a:t>
-            </a:fld>
-            <a:endParaRPr kumimoji="1" lang="ja-JP" altLang="en-US"/>
+            <a:r>
+              <a:rPr lang="ja-JP" altLang="en-US" dirty="0"/>
+              <a:t>楽曲ジャンル推定モデルの</a:t>
+            </a:r>
+            <a:r>
+              <a:rPr lang="ja-JP" altLang="en-US" dirty="0" smtClean="0"/>
+              <a:t>作成（</a:t>
+            </a:r>
+            <a:r>
+              <a:rPr lang="en-US" altLang="ja-JP" dirty="0" smtClean="0"/>
+              <a:t>MFCC</a:t>
+            </a:r>
+            <a:r>
+              <a:rPr lang="ja-JP" altLang="en-US" dirty="0" smtClean="0"/>
+              <a:t>データの例）</a:t>
+            </a:r>
+            <a:endParaRPr kumimoji="1" lang="ja-JP" altLang="en-US" dirty="0"/>
           </a:p>
         </p:txBody>
       </p:sp>
       <p:graphicFrame>
         <p:nvGraphicFramePr>
-          <p:cNvPr id="6" name="表 5"/>
+          <p:cNvPr id="5" name="コンテンツ プレースホルダー 4"/>
           <p:cNvGraphicFramePr>
             <a:graphicFrameLocks noGrp="1"/>
           </p:cNvGraphicFramePr>
           <p:nvPr>
+            <p:ph idx="1"/>
             <p:extLst>
               <p:ext uri="{D42A27DB-BD31-4B8C-83A1-F6EECF244321}">
-                <p14:modId xmlns:p14="http://schemas.microsoft.com/office/powerpoint/2010/main" val="76483992"/>
+                <p14:modId xmlns:p14="http://schemas.microsoft.com/office/powerpoint/2010/main" val="3012308231"/>
               </p:ext>
             </p:extLst>
           </p:nvPr>
         </p:nvGraphicFramePr>
         <p:xfrm>
-          <a:off x="258665" y="4491299"/>
-          <a:ext cx="8114058" cy="1928345"/>
+          <a:off x="513168" y="2191730"/>
+          <a:ext cx="8002182" cy="1348260"/>
         </p:xfrm>
         <a:graphic>
           <a:graphicData uri="http://schemas.openxmlformats.org/drawingml/2006/table">
             <a:tbl>
-              <a:tblPr firstRow="1" bandRow="1">
+              <a:tblPr firstRow="1" firstCol="1" bandRow="1">
                 <a:tableStyleId>{5940675A-B579-460E-94D1-54222C63F5DA}</a:tableStyleId>
               </a:tblPr>
               <a:tblGrid>
-                <a:gridCol w="4057029">
+                <a:gridCol w="1013976">
                   <a:extLst>
                     <a:ext uri="{9D8B030D-6E8A-4147-A177-3AD203B41FA5}">
-                      <a16:colId xmlns:a16="http://schemas.microsoft.com/office/drawing/2014/main" val="44832925"/>
+                      <a16:colId xmlns:a16="http://schemas.microsoft.com/office/drawing/2014/main" val="282352161"/>
                     </a:ext>
                   </a:extLst>
                 </a:gridCol>
-                <a:gridCol w="4057029">
+                <a:gridCol w="1396784">
                   <a:extLst>
                     <a:ext uri="{9D8B030D-6E8A-4147-A177-3AD203B41FA5}">
-                      <a16:colId xmlns:a16="http://schemas.microsoft.com/office/drawing/2014/main" val="3833830155"/>
+                      <a16:colId xmlns:a16="http://schemas.microsoft.com/office/drawing/2014/main" val="2638188281"/>
+                    </a:ext>
+                  </a:extLst>
+                </a:gridCol>
+                <a:gridCol w="1594614">
+                  <a:extLst>
+                    <a:ext uri="{9D8B030D-6E8A-4147-A177-3AD203B41FA5}">
+                      <a16:colId xmlns:a16="http://schemas.microsoft.com/office/drawing/2014/main" val="3808555121"/>
+                    </a:ext>
+                  </a:extLst>
+                </a:gridCol>
+                <a:gridCol w="967730">
+                  <a:extLst>
+                    <a:ext uri="{9D8B030D-6E8A-4147-A177-3AD203B41FA5}">
+                      <a16:colId xmlns:a16="http://schemas.microsoft.com/office/drawing/2014/main" val="1857992042"/>
+                    </a:ext>
+                  </a:extLst>
+                </a:gridCol>
+                <a:gridCol w="1309432">
+                  <a:extLst>
+                    <a:ext uri="{9D8B030D-6E8A-4147-A177-3AD203B41FA5}">
+                      <a16:colId xmlns:a16="http://schemas.microsoft.com/office/drawing/2014/main" val="2924608123"/>
+                    </a:ext>
+                  </a:extLst>
+                </a:gridCol>
+                <a:gridCol w="792721">
+                  <a:extLst>
+                    <a:ext uri="{9D8B030D-6E8A-4147-A177-3AD203B41FA5}">
+                      <a16:colId xmlns:a16="http://schemas.microsoft.com/office/drawing/2014/main" val="134785144"/>
+                    </a:ext>
+                  </a:extLst>
+                </a:gridCol>
+                <a:gridCol w="926925">
+                  <a:extLst>
+                    <a:ext uri="{9D8B030D-6E8A-4147-A177-3AD203B41FA5}">
+                      <a16:colId xmlns:a16="http://schemas.microsoft.com/office/drawing/2014/main" val="2244061553"/>
                     </a:ext>
                   </a:extLst>
                 </a:gridCol>
               </a:tblGrid>
-              <a:tr h="385669">
+              <a:tr h="674130">
                 <a:tc>
                   <a:txBody>
                     <a:bodyPr/>
                     <a:lstStyle/>
                     <a:p>
-                      <a:r>
-                        <a:rPr kumimoji="1" lang="en-US" altLang="ja-JP" dirty="0" smtClean="0"/>
-                        <a:t>Electric</a:t>
-                      </a:r>
-                      <a:endParaRPr kumimoji="1" lang="ja-JP" altLang="en-US" dirty="0"/>
+                      <a:pPr algn="l">
+                        <a:spcAft>
+                          <a:spcPts val="0"/>
+                        </a:spcAft>
+                      </a:pPr>
+                      <a:r>
+                        <a:rPr lang="en-US" sz="1600" kern="0" dirty="0" err="1">
+                          <a:effectLst/>
+                        </a:rPr>
+                        <a:t>chroma</a:t>
+                      </a:r>
+                      <a:r>
+                        <a:rPr lang="en-US" sz="1600" kern="0" dirty="0">
+                          <a:effectLst/>
+                        </a:rPr>
+                        <a:t> </a:t>
+                      </a:r>
+                      <a:r>
+                        <a:rPr lang="en-US" sz="1600" kern="0" dirty="0" err="1">
+                          <a:effectLst/>
+                        </a:rPr>
+                        <a:t>stft</a:t>
+                      </a:r>
+                      <a:endParaRPr lang="ja-JP" sz="1600" kern="100" dirty="0">
+                        <a:effectLst/>
+                        <a:latin typeface="Century" panose="02040604050505020304" pitchFamily="18" charset="0"/>
+                        <a:ea typeface="ＭＳ 明朝" panose="02020609040205080304" pitchFamily="17" charset="-128"/>
+                        <a:cs typeface="Times New Roman" panose="02020603050405020304" pitchFamily="18" charset="0"/>
+                      </a:endParaRPr>
                     </a:p>
                   </a:txBody>
-                  <a:tcPr/>
+                  <a:tcPr marL="62865" marR="62865" marT="0" marB="0" anchor="ctr"/>
                 </a:tc>
                 <a:tc>
                   <a:txBody>
                     <a:bodyPr/>
                     <a:lstStyle/>
                     <a:p>
-                      <a:r>
-                        <a:rPr kumimoji="1" lang="en-US" altLang="ja-JP" dirty="0" smtClean="0"/>
-                        <a:t>Folk</a:t>
-                      </a:r>
-                      <a:endParaRPr kumimoji="1" lang="ja-JP" altLang="en-US" dirty="0"/>
+                      <a:pPr algn="l">
+                        <a:spcAft>
+                          <a:spcPts val="0"/>
+                        </a:spcAft>
+                      </a:pPr>
+                      <a:r>
+                        <a:rPr lang="en-US" sz="1600" kern="0" dirty="0">
+                          <a:effectLst/>
+                        </a:rPr>
+                        <a:t>spectral centroid</a:t>
+                      </a:r>
+                      <a:endParaRPr lang="ja-JP" sz="1600" kern="100" dirty="0">
+                        <a:effectLst/>
+                        <a:latin typeface="Century" panose="02040604050505020304" pitchFamily="18" charset="0"/>
+                        <a:ea typeface="ＭＳ 明朝" panose="02020609040205080304" pitchFamily="17" charset="-128"/>
+                        <a:cs typeface="Times New Roman" panose="02020603050405020304" pitchFamily="18" charset="0"/>
+                      </a:endParaRPr>
                     </a:p>
                   </a:txBody>
-                  <a:tcPr/>
-                </a:tc>
-                <a:extLst>
-                  <a:ext uri="{0D108BD9-81ED-4DB2-BD59-A6C34878D82A}">
-                    <a16:rowId xmlns:a16="http://schemas.microsoft.com/office/drawing/2014/main" val="2686142808"/>
-                  </a:ext>
-                </a:extLst>
-              </a:tr>
-              <a:tr h="385669">
-                <a:tc>
-                  <a:txBody>
-                    <a:bodyPr/>
-                    <a:lstStyle/>
-                    <a:p>
-                      <a:r>
-                        <a:rPr kumimoji="1" lang="en-US" altLang="ja-JP" dirty="0" smtClean="0"/>
-                        <a:t>Hip-Hop</a:t>
-                      </a:r>
-                      <a:endParaRPr kumimoji="1" lang="ja-JP" altLang="en-US" dirty="0"/>
-                    </a:p>
-                  </a:txBody>
-                  <a:tcPr/>
+                  <a:tcPr marL="62865" marR="62865" marT="0" marB="0" anchor="ctr"/>
                 </a:tc>
                 <a:tc>
                   <a:txBody>
                     <a:bodyPr/>
                     <a:lstStyle/>
                     <a:p>
-                      <a:r>
-                        <a:rPr kumimoji="1" lang="en-US" altLang="ja-JP" dirty="0" smtClean="0"/>
-                        <a:t>International</a:t>
-                      </a:r>
-                      <a:endParaRPr kumimoji="1" lang="ja-JP" altLang="en-US" dirty="0"/>
+                      <a:pPr algn="l">
+                        <a:spcAft>
+                          <a:spcPts val="0"/>
+                        </a:spcAft>
+                      </a:pPr>
+                      <a:r>
+                        <a:rPr lang="en-US" sz="1600" kern="0" dirty="0">
+                          <a:effectLst/>
+                        </a:rPr>
+                        <a:t>spectral bandwidth</a:t>
+                      </a:r>
+                      <a:endParaRPr lang="ja-JP" sz="1600" kern="100" dirty="0">
+                        <a:effectLst/>
+                        <a:latin typeface="Century" panose="02040604050505020304" pitchFamily="18" charset="0"/>
+                        <a:ea typeface="ＭＳ 明朝" panose="02020609040205080304" pitchFamily="17" charset="-128"/>
+                        <a:cs typeface="Times New Roman" panose="02020603050405020304" pitchFamily="18" charset="0"/>
+                      </a:endParaRPr>
                     </a:p>
                   </a:txBody>
-                  <a:tcPr/>
-                </a:tc>
-                <a:extLst>
-                  <a:ext uri="{0D108BD9-81ED-4DB2-BD59-A6C34878D82A}">
-                    <a16:rowId xmlns:a16="http://schemas.microsoft.com/office/drawing/2014/main" val="2859038245"/>
-                  </a:ext>
-                </a:extLst>
-              </a:tr>
-              <a:tr h="385669">
-                <a:tc>
-                  <a:txBody>
-                    <a:bodyPr/>
-                    <a:lstStyle/>
-                    <a:p>
-                      <a:r>
-                        <a:rPr kumimoji="1" lang="en-US" altLang="ja-JP" dirty="0" smtClean="0"/>
-                        <a:t>Latin</a:t>
-                      </a:r>
-                      <a:endParaRPr kumimoji="1" lang="ja-JP" altLang="en-US" dirty="0"/>
-                    </a:p>
-                  </a:txBody>
-                  <a:tcPr/>
+                  <a:tcPr marL="62865" marR="62865" marT="0" marB="0" anchor="ctr"/>
                 </a:tc>
                 <a:tc>
                   <a:txBody>
                     <a:bodyPr/>
                     <a:lstStyle/>
                     <a:p>
-                      <a:r>
-                        <a:rPr kumimoji="1" lang="en-US" altLang="ja-JP" dirty="0" smtClean="0"/>
-                        <a:t>Metal</a:t>
-                      </a:r>
-                      <a:endParaRPr kumimoji="1" lang="ja-JP" altLang="en-US" dirty="0"/>
+                      <a:pPr algn="l">
+                        <a:spcAft>
+                          <a:spcPts val="0"/>
+                        </a:spcAft>
+                      </a:pPr>
+                      <a:r>
+                        <a:rPr lang="en-US" sz="1600" kern="0" dirty="0" err="1">
+                          <a:effectLst/>
+                        </a:rPr>
+                        <a:t>rolloff</a:t>
+                      </a:r>
+                      <a:endParaRPr lang="ja-JP" sz="1600" kern="100" dirty="0">
+                        <a:effectLst/>
+                        <a:latin typeface="Century" panose="02040604050505020304" pitchFamily="18" charset="0"/>
+                        <a:ea typeface="ＭＳ 明朝" panose="02020609040205080304" pitchFamily="17" charset="-128"/>
+                        <a:cs typeface="Times New Roman" panose="02020603050405020304" pitchFamily="18" charset="0"/>
+                      </a:endParaRPr>
                     </a:p>
                   </a:txBody>
-                  <a:tcPr/>
-                </a:tc>
-                <a:extLst>
-                  <a:ext uri="{0D108BD9-81ED-4DB2-BD59-A6C34878D82A}">
-                    <a16:rowId xmlns:a16="http://schemas.microsoft.com/office/drawing/2014/main" val="3497973770"/>
-                  </a:ext>
-                </a:extLst>
-              </a:tr>
-              <a:tr h="385669">
-                <a:tc>
-                  <a:txBody>
-                    <a:bodyPr/>
-                    <a:lstStyle/>
-                    <a:p>
-                      <a:r>
-                        <a:rPr kumimoji="1" lang="en-US" altLang="ja-JP" dirty="0" err="1" smtClean="0"/>
-                        <a:t>Etc</a:t>
-                      </a:r>
-                      <a:endParaRPr kumimoji="1" lang="ja-JP" altLang="en-US" dirty="0"/>
-                    </a:p>
-                  </a:txBody>
-                  <a:tcPr/>
+                  <a:tcPr marL="62865" marR="62865" marT="0" marB="0" anchor="ctr"/>
                 </a:tc>
                 <a:tc>
                   <a:txBody>
                     <a:bodyPr/>
                     <a:lstStyle/>
                     <a:p>
-                      <a:r>
-                        <a:rPr kumimoji="1" lang="en-US" altLang="ja-JP" dirty="0" smtClean="0"/>
-                        <a:t>Pop</a:t>
-                      </a:r>
-                      <a:endParaRPr kumimoji="1" lang="ja-JP" altLang="en-US" dirty="0"/>
+                      <a:pPr algn="l">
+                        <a:spcAft>
+                          <a:spcPts val="0"/>
+                        </a:spcAft>
+                      </a:pPr>
+                      <a:r>
+                        <a:rPr lang="en-US" sz="1600" kern="0" dirty="0">
+                          <a:effectLst/>
+                        </a:rPr>
+                        <a:t>zero crossing rate</a:t>
+                      </a:r>
+                      <a:endParaRPr lang="ja-JP" sz="1600" kern="100" dirty="0">
+                        <a:effectLst/>
+                        <a:latin typeface="Century" panose="02040604050505020304" pitchFamily="18" charset="0"/>
+                        <a:ea typeface="ＭＳ 明朝" panose="02020609040205080304" pitchFamily="17" charset="-128"/>
+                        <a:cs typeface="Times New Roman" panose="02020603050405020304" pitchFamily="18" charset="0"/>
+                      </a:endParaRPr>
                     </a:p>
                   </a:txBody>
-                  <a:tcPr/>
-                </a:tc>
-                <a:extLst>
-                  <a:ext uri="{0D108BD9-81ED-4DB2-BD59-A6C34878D82A}">
-                    <a16:rowId xmlns:a16="http://schemas.microsoft.com/office/drawing/2014/main" val="1183800269"/>
-                  </a:ext>
-                </a:extLst>
-              </a:tr>
-              <a:tr h="385669">
-                <a:tc>
-                  <a:txBody>
-                    <a:bodyPr/>
-                    <a:lstStyle/>
-                    <a:p>
-                      <a:r>
-                        <a:rPr kumimoji="1" lang="en-US" altLang="ja-JP" dirty="0" smtClean="0"/>
-                        <a:t>Punk</a:t>
-                      </a:r>
-                      <a:endParaRPr kumimoji="1" lang="ja-JP" altLang="en-US" dirty="0"/>
-                    </a:p>
-                  </a:txBody>
-                  <a:tcPr/>
+                  <a:tcPr marL="62865" marR="62865" marT="0" marB="0" anchor="ctr"/>
                 </a:tc>
                 <a:tc>
                   <a:txBody>
                     <a:bodyPr/>
                     <a:lstStyle/>
                     <a:p>
-                      <a:r>
-                        <a:rPr kumimoji="1" lang="en-US" altLang="ja-JP" dirty="0" smtClean="0"/>
-                        <a:t>Rock</a:t>
-                      </a:r>
-                      <a:endParaRPr kumimoji="1" lang="ja-JP" altLang="en-US" dirty="0"/>
+                      <a:pPr algn="l">
+                        <a:spcAft>
+                          <a:spcPts val="0"/>
+                        </a:spcAft>
+                      </a:pPr>
+                      <a:r>
+                        <a:rPr lang="en-US" sz="1600" kern="0">
+                          <a:effectLst/>
+                        </a:rPr>
+                        <a:t>mfcc1</a:t>
+                      </a:r>
+                      <a:endParaRPr lang="ja-JP" sz="1600" kern="100">
+                        <a:effectLst/>
+                        <a:latin typeface="Century" panose="02040604050505020304" pitchFamily="18" charset="0"/>
+                        <a:ea typeface="ＭＳ 明朝" panose="02020609040205080304" pitchFamily="17" charset="-128"/>
+                        <a:cs typeface="Times New Roman" panose="02020603050405020304" pitchFamily="18" charset="0"/>
+                      </a:endParaRPr>
                     </a:p>
                   </a:txBody>
-                  <a:tcPr/>
+                  <a:tcPr marL="62865" marR="62865" marT="0" marB="0" anchor="ctr"/>
+                </a:tc>
+                <a:tc>
+                  <a:txBody>
+                    <a:bodyPr/>
+                    <a:lstStyle/>
+                    <a:p>
+                      <a:pPr algn="l">
+                        <a:spcAft>
+                          <a:spcPts val="0"/>
+                        </a:spcAft>
+                      </a:pPr>
+                      <a:r>
+                        <a:rPr lang="en-US" sz="1600" kern="0">
+                          <a:effectLst/>
+                        </a:rPr>
+                        <a:t>mfcc2</a:t>
+                      </a:r>
+                      <a:endParaRPr lang="ja-JP" sz="1600" kern="100">
+                        <a:effectLst/>
+                        <a:latin typeface="Century" panose="02040604050505020304" pitchFamily="18" charset="0"/>
+                        <a:ea typeface="ＭＳ 明朝" panose="02020609040205080304" pitchFamily="17" charset="-128"/>
+                        <a:cs typeface="Times New Roman" panose="02020603050405020304" pitchFamily="18" charset="0"/>
+                      </a:endParaRPr>
+                    </a:p>
+                  </a:txBody>
+                  <a:tcPr marL="62865" marR="62865" marT="0" marB="0" anchor="ctr"/>
                 </a:tc>
                 <a:extLst>
                   <a:ext uri="{0D108BD9-81ED-4DB2-BD59-A6C34878D82A}">
-                    <a16:rowId xmlns:a16="http://schemas.microsoft.com/office/drawing/2014/main" val="415662057"/>
+                    <a16:rowId xmlns:a16="http://schemas.microsoft.com/office/drawing/2014/main" val="287867914"/>
+                  </a:ext>
+                </a:extLst>
+              </a:tr>
+              <a:tr h="674130">
+                <a:tc>
+                  <a:txBody>
+                    <a:bodyPr/>
+                    <a:lstStyle/>
+                    <a:p>
+                      <a:pPr algn="r">
+                        <a:spcAft>
+                          <a:spcPts val="0"/>
+                        </a:spcAft>
+                      </a:pPr>
+                      <a:r>
+                        <a:rPr lang="en-US" sz="1600" kern="0">
+                          <a:effectLst/>
+                        </a:rPr>
+                        <a:t>0.234048</a:t>
+                      </a:r>
+                      <a:endParaRPr lang="ja-JP" sz="1600" kern="100">
+                        <a:effectLst/>
+                        <a:latin typeface="Century" panose="02040604050505020304" pitchFamily="18" charset="0"/>
+                        <a:ea typeface="ＭＳ 明朝" panose="02020609040205080304" pitchFamily="17" charset="-128"/>
+                        <a:cs typeface="Times New Roman" panose="02020603050405020304" pitchFamily="18" charset="0"/>
+                      </a:endParaRPr>
+                    </a:p>
+                  </a:txBody>
+                  <a:tcPr marL="62865" marR="62865" marT="0" marB="0" anchor="ctr"/>
+                </a:tc>
+                <a:tc>
+                  <a:txBody>
+                    <a:bodyPr/>
+                    <a:lstStyle/>
+                    <a:p>
+                      <a:pPr algn="r">
+                        <a:spcAft>
+                          <a:spcPts val="0"/>
+                        </a:spcAft>
+                      </a:pPr>
+                      <a:r>
+                        <a:rPr lang="en-US" sz="1600" kern="0" dirty="0">
+                          <a:effectLst/>
+                        </a:rPr>
+                        <a:t>396.7286</a:t>
+                      </a:r>
+                      <a:endParaRPr lang="ja-JP" sz="1600" kern="100" dirty="0">
+                        <a:effectLst/>
+                        <a:latin typeface="Century" panose="02040604050505020304" pitchFamily="18" charset="0"/>
+                        <a:ea typeface="ＭＳ 明朝" panose="02020609040205080304" pitchFamily="17" charset="-128"/>
+                        <a:cs typeface="Times New Roman" panose="02020603050405020304" pitchFamily="18" charset="0"/>
+                      </a:endParaRPr>
+                    </a:p>
+                  </a:txBody>
+                  <a:tcPr marL="62865" marR="62865" marT="0" marB="0" anchor="ctr"/>
+                </a:tc>
+                <a:tc>
+                  <a:txBody>
+                    <a:bodyPr/>
+                    <a:lstStyle/>
+                    <a:p>
+                      <a:pPr algn="r">
+                        <a:spcAft>
+                          <a:spcPts val="0"/>
+                        </a:spcAft>
+                      </a:pPr>
+                      <a:r>
+                        <a:rPr lang="en-US" sz="1600" kern="0" dirty="0">
+                          <a:effectLst/>
+                        </a:rPr>
+                        <a:t>809.0714</a:t>
+                      </a:r>
+                      <a:endParaRPr lang="ja-JP" sz="1600" kern="100" dirty="0">
+                        <a:effectLst/>
+                        <a:latin typeface="Century" panose="02040604050505020304" pitchFamily="18" charset="0"/>
+                        <a:ea typeface="ＭＳ 明朝" panose="02020609040205080304" pitchFamily="17" charset="-128"/>
+                        <a:cs typeface="Times New Roman" panose="02020603050405020304" pitchFamily="18" charset="0"/>
+                      </a:endParaRPr>
+                    </a:p>
+                  </a:txBody>
+                  <a:tcPr marL="62865" marR="62865" marT="0" marB="0" anchor="ctr"/>
+                </a:tc>
+                <a:tc>
+                  <a:txBody>
+                    <a:bodyPr/>
+                    <a:lstStyle/>
+                    <a:p>
+                      <a:pPr algn="r">
+                        <a:spcAft>
+                          <a:spcPts val="0"/>
+                        </a:spcAft>
+                      </a:pPr>
+                      <a:r>
+                        <a:rPr lang="en-US" sz="1600" kern="0" dirty="0">
+                          <a:effectLst/>
+                        </a:rPr>
+                        <a:t>467.7305</a:t>
+                      </a:r>
+                      <a:endParaRPr lang="ja-JP" sz="1600" kern="100" dirty="0">
+                        <a:effectLst/>
+                        <a:latin typeface="Century" panose="02040604050505020304" pitchFamily="18" charset="0"/>
+                        <a:ea typeface="ＭＳ 明朝" panose="02020609040205080304" pitchFamily="17" charset="-128"/>
+                        <a:cs typeface="Times New Roman" panose="02020603050405020304" pitchFamily="18" charset="0"/>
+                      </a:endParaRPr>
+                    </a:p>
+                  </a:txBody>
+                  <a:tcPr marL="62865" marR="62865" marT="0" marB="0" anchor="ctr"/>
+                </a:tc>
+                <a:tc>
+                  <a:txBody>
+                    <a:bodyPr/>
+                    <a:lstStyle/>
+                    <a:p>
+                      <a:pPr algn="r">
+                        <a:spcAft>
+                          <a:spcPts val="0"/>
+                        </a:spcAft>
+                      </a:pPr>
+                      <a:r>
+                        <a:rPr lang="en-US" sz="1600" kern="0" dirty="0">
+                          <a:effectLst/>
+                        </a:rPr>
+                        <a:t>0.018924</a:t>
+                      </a:r>
+                      <a:endParaRPr lang="ja-JP" sz="1600" kern="100" dirty="0">
+                        <a:effectLst/>
+                        <a:latin typeface="Century" panose="02040604050505020304" pitchFamily="18" charset="0"/>
+                        <a:ea typeface="ＭＳ 明朝" panose="02020609040205080304" pitchFamily="17" charset="-128"/>
+                        <a:cs typeface="Times New Roman" panose="02020603050405020304" pitchFamily="18" charset="0"/>
+                      </a:endParaRPr>
+                    </a:p>
+                  </a:txBody>
+                  <a:tcPr marL="62865" marR="62865" marT="0" marB="0" anchor="ctr"/>
+                </a:tc>
+                <a:tc>
+                  <a:txBody>
+                    <a:bodyPr/>
+                    <a:lstStyle/>
+                    <a:p>
+                      <a:pPr algn="r">
+                        <a:spcAft>
+                          <a:spcPts val="0"/>
+                        </a:spcAft>
+                      </a:pPr>
+                      <a:r>
+                        <a:rPr lang="en-US" sz="1600" kern="0" dirty="0">
+                          <a:effectLst/>
+                        </a:rPr>
+                        <a:t>-447.37</a:t>
+                      </a:r>
+                      <a:endParaRPr lang="ja-JP" sz="1600" kern="100" dirty="0">
+                        <a:effectLst/>
+                        <a:latin typeface="Century" panose="02040604050505020304" pitchFamily="18" charset="0"/>
+                        <a:ea typeface="ＭＳ 明朝" panose="02020609040205080304" pitchFamily="17" charset="-128"/>
+                        <a:cs typeface="Times New Roman" panose="02020603050405020304" pitchFamily="18" charset="0"/>
+                      </a:endParaRPr>
+                    </a:p>
+                  </a:txBody>
+                  <a:tcPr marL="62865" marR="62865" marT="0" marB="0" anchor="ctr"/>
+                </a:tc>
+                <a:tc>
+                  <a:txBody>
+                    <a:bodyPr/>
+                    <a:lstStyle/>
+                    <a:p>
+                      <a:pPr algn="r">
+                        <a:spcAft>
+                          <a:spcPts val="0"/>
+                        </a:spcAft>
+                      </a:pPr>
+                      <a:r>
+                        <a:rPr lang="en-US" sz="1600" kern="0" dirty="0">
+                          <a:effectLst/>
+                        </a:rPr>
+                        <a:t>198.0197</a:t>
+                      </a:r>
+                      <a:endParaRPr lang="ja-JP" sz="1600" kern="100" dirty="0">
+                        <a:effectLst/>
+                        <a:latin typeface="Century" panose="02040604050505020304" pitchFamily="18" charset="0"/>
+                        <a:ea typeface="ＭＳ 明朝" panose="02020609040205080304" pitchFamily="17" charset="-128"/>
+                        <a:cs typeface="Times New Roman" panose="02020603050405020304" pitchFamily="18" charset="0"/>
+                      </a:endParaRPr>
+                    </a:p>
+                  </a:txBody>
+                  <a:tcPr marL="62865" marR="62865" marT="0" marB="0" anchor="ctr"/>
+                </a:tc>
+                <a:extLst>
+                  <a:ext uri="{0D108BD9-81ED-4DB2-BD59-A6C34878D82A}">
+                    <a16:rowId xmlns:a16="http://schemas.microsoft.com/office/drawing/2014/main" val="1786988279"/>
                   </a:ext>
                 </a:extLst>
               </a:tr>
@@ -12685,10 +12706,116 @@
           </a:graphicData>
         </a:graphic>
       </p:graphicFrame>
+      <p:sp>
+        <p:nvSpPr>
+          <p:cNvPr id="4" name="スライド番号プレースホルダー 3"/>
+          <p:cNvSpPr>
+            <a:spLocks noGrp="1"/>
+          </p:cNvSpPr>
+          <p:nvPr>
+            <p:ph type="sldNum" sz="quarter" idx="12"/>
+          </p:nvPr>
+        </p:nvSpPr>
+        <p:spPr/>
+        <p:txBody>
+          <a:bodyPr/>
+          <a:lstStyle/>
+          <a:p>
+            <a:fld id="{B4451160-128F-4DAD-AE29-4A8CC0E7B9E9}" type="slidenum">
+              <a:rPr lang="ja-JP" altLang="en-US" smtClean="0"/>
+              <a:pPr/>
+              <a:t>8</a:t>
+            </a:fld>
+            <a:endParaRPr lang="ja-JP" altLang="en-US" dirty="0"/>
+          </a:p>
+        </p:txBody>
+      </p:sp>
+      <p:pic>
+        <p:nvPicPr>
+          <p:cNvPr id="6" name="図 5"/>
+          <p:cNvPicPr/>
+          <p:nvPr/>
+        </p:nvPicPr>
+        <p:blipFill>
+          <a:blip r:embed="rId2">
+            <a:extLst>
+              <a:ext uri="{28A0092B-C50C-407E-A947-70E740481C1C}">
+                <a14:useLocalDpi xmlns:a14="http://schemas.microsoft.com/office/drawing/2010/main" val="0"/>
+              </a:ext>
+            </a:extLst>
+          </a:blip>
+          <a:stretch>
+            <a:fillRect/>
+          </a:stretch>
+        </p:blipFill>
+        <p:spPr>
+          <a:xfrm>
+            <a:off x="424659" y="3710144"/>
+            <a:ext cx="8255878" cy="2515292"/>
+          </a:xfrm>
+          <a:prstGeom prst="rect">
+            <a:avLst/>
+          </a:prstGeom>
+        </p:spPr>
+      </p:pic>
+      <p:sp>
+        <p:nvSpPr>
+          <p:cNvPr id="7" name="テキスト ボックス 6"/>
+          <p:cNvSpPr txBox="1"/>
+          <p:nvPr/>
+        </p:nvSpPr>
+        <p:spPr>
+          <a:xfrm>
+            <a:off x="513168" y="1633876"/>
+            <a:ext cx="8002182" cy="369332"/>
+          </a:xfrm>
+          <a:prstGeom prst="rect">
+            <a:avLst/>
+          </a:prstGeom>
+          <a:noFill/>
+        </p:spPr>
+        <p:txBody>
+          <a:bodyPr wrap="square" rtlCol="0">
+            <a:spAutoFit/>
+          </a:bodyPr>
+          <a:lstStyle/>
+          <a:p>
+            <a:r>
+              <a:rPr kumimoji="1" lang="ja-JP" altLang="en-US" dirty="0" smtClean="0"/>
+              <a:t>実験では</a:t>
+            </a:r>
+            <a:r>
+              <a:rPr kumimoji="1" lang="en-US" altLang="ja-JP" dirty="0" smtClean="0"/>
+              <a:t>MFCC</a:t>
+            </a:r>
+            <a:r>
+              <a:rPr kumimoji="1" lang="ja-JP" altLang="en-US" dirty="0" smtClean="0"/>
+              <a:t>係数は</a:t>
+            </a:r>
+            <a:r>
+              <a:rPr kumimoji="1" lang="en-US" altLang="ja-JP" dirty="0" smtClean="0"/>
+              <a:t>20</a:t>
+            </a:r>
+            <a:r>
+              <a:rPr kumimoji="1" lang="ja-JP" altLang="en-US" dirty="0" smtClean="0"/>
+              <a:t>件使用しているがここでは例として</a:t>
+            </a:r>
+            <a:r>
+              <a:rPr kumimoji="1" lang="en-US" altLang="ja-JP" dirty="0" smtClean="0"/>
+              <a:t>20</a:t>
+            </a:r>
+            <a:r>
+              <a:rPr kumimoji="1" lang="ja-JP" altLang="en-US" dirty="0" smtClean="0"/>
+              <a:t>個出している</a:t>
+            </a:r>
+            <a:endParaRPr kumimoji="1" lang="ja-JP" altLang="en-US" dirty="0"/>
+          </a:p>
+        </p:txBody>
+      </p:sp>
     </p:spTree>
     <p:extLst>
       <p:ext uri="{BB962C8B-B14F-4D97-AF65-F5344CB8AC3E}">
-        <p14:creationId xmlns:p14="http://schemas.microsoft.com/office/powerpoint/2010/main" val="1923407823"/>
+        <p14:creationId xmlns:p14="http://schemas.microsoft.com/office/powerpoint/2010/main" val="1306279678"/>
       </p:ext>
     </p:extLst>
   </p:cSld>
@@ -12738,7 +12865,7 @@
           <a:lstStyle/>
           <a:p>
             <a:r>
-              <a:rPr kumimoji="1" lang="ja-JP" altLang="en-US" dirty="0" smtClean="0"/>
+              <a:rPr lang="ja-JP" altLang="en-US" dirty="0"/>
               <a:t>楽曲ジャンル推定モデルの作成</a:t>
             </a:r>
             <a:endParaRPr kumimoji="1" lang="ja-JP" altLang="en-US" dirty="0"/>
@@ -12755,122 +12882,43 @@
             <p:ph idx="1"/>
           </p:nvPr>
         </p:nvSpPr>
-        <p:spPr/>
+        <p:spPr>
+          <a:xfrm>
+            <a:off x="187889" y="1340285"/>
+            <a:ext cx="8630433" cy="4836678"/>
+          </a:xfrm>
+        </p:spPr>
         <p:txBody>
           <a:bodyPr/>
           <a:lstStyle/>
           <a:p>
             <a:pPr marL="0" indent="0">
-              <a:lnSpc>
-                <a:spcPct val="100000"/>
-              </a:lnSpc>
               <a:buNone/>
             </a:pPr>
             <a:r>
-              <a:rPr lang="ja-JP" altLang="ja-JP" dirty="0"/>
-              <a:t>楽曲ジャンルのジャンル推定については</a:t>
-            </a:r>
-            <a:r>
-              <a:rPr lang="ja-JP" altLang="ja-JP" dirty="0" smtClean="0"/>
-              <a:t>，</a:t>
-            </a:r>
-            <a:endParaRPr lang="en-US" altLang="ja-JP" dirty="0" smtClean="0"/>
+              <a:rPr kumimoji="1" lang="ja-JP" altLang="en-US" dirty="0" smtClean="0"/>
+              <a:t>ジャンル推定モデルに使用したデータセット：</a:t>
+            </a:r>
+            <a:r>
+              <a:rPr lang="en-US" altLang="ja-JP" dirty="0" smtClean="0"/>
+              <a:t>FMA_SMALL</a:t>
+            </a:r>
+            <a:endParaRPr kumimoji="1" lang="en-US" altLang="ja-JP" dirty="0" smtClean="0"/>
           </a:p>
           <a:p>
             <a:pPr marL="0" indent="0">
-              <a:lnSpc>
-                <a:spcPct val="100000"/>
-              </a:lnSpc>
               <a:buNone/>
             </a:pPr>
             <a:r>
-              <a:rPr lang="ja-JP" altLang="ja-JP" dirty="0" smtClean="0"/>
-              <a:t>幅広い</a:t>
-            </a:r>
-            <a:r>
-              <a:rPr lang="ja-JP" altLang="ja-JP" dirty="0"/>
-              <a:t>動画コンテンツに対応するため</a:t>
-            </a:r>
-            <a:r>
-              <a:rPr lang="ja-JP" altLang="ja-JP" dirty="0" smtClean="0"/>
-              <a:t>に</a:t>
-            </a:r>
-            <a:r>
-              <a:rPr lang="en-US" altLang="ja-JP" dirty="0" smtClean="0"/>
-              <a:t>10</a:t>
-            </a:r>
-            <a:r>
-              <a:rPr lang="ja-JP" altLang="ja-JP" dirty="0"/>
-              <a:t>ジャンルでジャンル推定を行う．</a:t>
-            </a:r>
-            <a:r>
-              <a:rPr lang="en-US" altLang="ja-JP" dirty="0"/>
-              <a:t>Rock</a:t>
-            </a:r>
-            <a:r>
-              <a:rPr lang="ja-JP" altLang="ja-JP" dirty="0"/>
-              <a:t>や</a:t>
-            </a:r>
-            <a:r>
-              <a:rPr lang="en-US" altLang="ja-JP" dirty="0"/>
-              <a:t>Metal</a:t>
-            </a:r>
-            <a:r>
-              <a:rPr lang="ja-JP" altLang="ja-JP" dirty="0"/>
-              <a:t>といった早めのテンポと推定できる曲と</a:t>
-            </a:r>
-            <a:r>
-              <a:rPr lang="en-US" altLang="ja-JP" dirty="0"/>
-              <a:t>Folk</a:t>
-            </a:r>
-            <a:r>
-              <a:rPr lang="ja-JP" altLang="ja-JP" dirty="0"/>
-              <a:t>や</a:t>
-            </a:r>
-            <a:r>
-              <a:rPr lang="en-US" altLang="ja-JP" dirty="0"/>
-              <a:t>International</a:t>
-            </a:r>
-            <a:r>
-              <a:rPr lang="ja-JP" altLang="ja-JP" dirty="0"/>
-              <a:t>といったテンポが遅いと推定できる曲でジャンル推定を行う</a:t>
-            </a:r>
-            <a:r>
-              <a:rPr lang="ja-JP" altLang="ja-JP" dirty="0" smtClean="0"/>
-              <a:t>．</a:t>
-            </a:r>
-            <a:endParaRPr lang="en-US" altLang="ja-JP" dirty="0" smtClean="0"/>
+              <a:rPr kumimoji="1" lang="ja-JP" altLang="en-US" dirty="0" smtClean="0"/>
+              <a:t>実際に作成したモデル</a:t>
+            </a:r>
+            <a:endParaRPr kumimoji="1" lang="en-US" altLang="ja-JP" dirty="0" smtClean="0"/>
           </a:p>
           <a:p>
             <a:pPr marL="0" indent="0">
-              <a:lnSpc>
-                <a:spcPct val="100000"/>
-              </a:lnSpc>
               <a:buNone/>
             </a:pPr>
-            <a:r>
-              <a:rPr lang="ja-JP" altLang="ja-JP" dirty="0" smtClean="0"/>
-              <a:t>また</a:t>
-            </a:r>
-            <a:r>
-              <a:rPr lang="ja-JP" altLang="ja-JP" dirty="0"/>
-              <a:t>ジャンル推定モデルの作成では楽曲からメル周波数ケプストラム係数</a:t>
-            </a:r>
-            <a:r>
-              <a:rPr lang="en-US" altLang="ja-JP" dirty="0"/>
-              <a:t>(MFCC)</a:t>
-            </a:r>
-            <a:r>
-              <a:rPr lang="ja-JP" altLang="ja-JP" dirty="0"/>
-              <a:t>を特徴として抽出する</a:t>
-            </a:r>
-            <a:r>
-              <a:rPr lang="ja-JP" altLang="ja-JP" dirty="0" smtClean="0"/>
-              <a:t>．</a:t>
-            </a:r>
-            <a:endParaRPr lang="en-US" altLang="ja-JP" dirty="0" smtClean="0"/>
-          </a:p>
-          <a:p>
             <a:endParaRPr kumimoji="1" lang="ja-JP" altLang="en-US" dirty="0"/>
           </a:p>
         </p:txBody>
@@ -12899,16 +12947,566 @@
           </a:p>
         </p:txBody>
       </p:sp>
+      <p:graphicFrame>
+        <p:nvGraphicFramePr>
+          <p:cNvPr id="7" name="表 6"/>
+          <p:cNvGraphicFramePr>
+            <a:graphicFrameLocks noGrp="1"/>
+          </p:cNvGraphicFramePr>
+          <p:nvPr>
+            <p:extLst>
+              <p:ext uri="{D42A27DB-BD31-4B8C-83A1-F6EECF244321}">
+                <p14:modId xmlns:p14="http://schemas.microsoft.com/office/powerpoint/2010/main" val="2505802056"/>
+              </p:ext>
+            </p:extLst>
+          </p:nvPr>
+        </p:nvGraphicFramePr>
+        <p:xfrm>
+          <a:off x="187889" y="2379945"/>
+          <a:ext cx="8189673" cy="3976406"/>
+        </p:xfrm>
+        <a:graphic>
+          <a:graphicData uri="http://schemas.openxmlformats.org/drawingml/2006/table">
+            <a:tbl>
+              <a:tblPr firstRow="1" firstCol="1" bandRow="1">
+                <a:tableStyleId>{5940675A-B579-460E-94D1-54222C63F5DA}</a:tableStyleId>
+              </a:tblPr>
+              <a:tblGrid>
+                <a:gridCol w="8189673">
+                  <a:extLst>
+                    <a:ext uri="{9D8B030D-6E8A-4147-A177-3AD203B41FA5}">
+                      <a16:colId xmlns:a16="http://schemas.microsoft.com/office/drawing/2014/main" val="3110637914"/>
+                    </a:ext>
+                  </a:extLst>
+                </a:gridCol>
+              </a:tblGrid>
+              <a:tr h="3976406">
+                <a:tc>
+                  <a:txBody>
+                    <a:bodyPr/>
+                    <a:lstStyle/>
+                    <a:p>
+                      <a:pPr algn="just">
+                        <a:lnSpc>
+                          <a:spcPts val="1200"/>
+                        </a:lnSpc>
+                        <a:spcAft>
+                          <a:spcPts val="0"/>
+                        </a:spcAft>
+                      </a:pPr>
+                      <a:endParaRPr lang="en-US" sz="2000" kern="100" dirty="0" smtClean="0">
+                        <a:effectLst/>
+                      </a:endParaRPr>
+                    </a:p>
+                    <a:p>
+                      <a:pPr algn="just">
+                        <a:lnSpc>
+                          <a:spcPts val="1200"/>
+                        </a:lnSpc>
+                        <a:spcAft>
+                          <a:spcPts val="0"/>
+                        </a:spcAft>
+                      </a:pPr>
+                      <a:r>
+                        <a:rPr lang="en-US" sz="2000" kern="100" dirty="0" smtClean="0">
+                          <a:effectLst/>
+                        </a:rPr>
+                        <a:t>Model</a:t>
+                      </a:r>
+                      <a:r>
+                        <a:rPr lang="en-US" sz="2000" kern="100" dirty="0">
+                          <a:effectLst/>
+                        </a:rPr>
+                        <a:t>: "</a:t>
+                      </a:r>
+                      <a:r>
+                        <a:rPr lang="en-US" sz="2000" kern="100" dirty="0" smtClean="0">
+                          <a:effectLst/>
+                        </a:rPr>
+                        <a:t>sequential”</a:t>
+                      </a:r>
+                    </a:p>
+                    <a:p>
+                      <a:pPr algn="just">
+                        <a:lnSpc>
+                          <a:spcPts val="1200"/>
+                        </a:lnSpc>
+                        <a:spcAft>
+                          <a:spcPts val="0"/>
+                        </a:spcAft>
+                      </a:pPr>
+                      <a:endParaRPr lang="en-US" sz="2000" kern="100" dirty="0" smtClean="0">
+                        <a:effectLst/>
+                      </a:endParaRPr>
+                    </a:p>
+                    <a:p>
+                      <a:pPr algn="just">
+                        <a:lnSpc>
+                          <a:spcPts val="1200"/>
+                        </a:lnSpc>
+                        <a:spcAft>
+                          <a:spcPts val="0"/>
+                        </a:spcAft>
+                      </a:pPr>
+                      <a:r>
+                        <a:rPr lang="en-US" sz="2000" kern="100" dirty="0" smtClean="0">
+                          <a:effectLst/>
+                        </a:rPr>
+                        <a:t>Layer </a:t>
+                      </a:r>
+                      <a:r>
+                        <a:rPr lang="en-US" sz="2000" kern="100" dirty="0">
+                          <a:effectLst/>
+                        </a:rPr>
+                        <a:t>(type)                Output Shape              </a:t>
+                      </a:r>
+                      <a:r>
+                        <a:rPr lang="en-US" sz="2000" kern="100" dirty="0" err="1">
+                          <a:effectLst/>
+                        </a:rPr>
+                        <a:t>Param</a:t>
+                      </a:r>
+                      <a:r>
+                        <a:rPr lang="en-US" sz="2000" kern="100" dirty="0">
+                          <a:effectLst/>
+                        </a:rPr>
+                        <a:t> </a:t>
+                      </a:r>
+                      <a:r>
+                        <a:rPr lang="en-US" sz="2000" kern="100" dirty="0" smtClean="0">
+                          <a:effectLst/>
+                        </a:rPr>
+                        <a:t>#  </a:t>
+                      </a:r>
+                    </a:p>
+                    <a:p>
+                      <a:pPr algn="just">
+                        <a:lnSpc>
+                          <a:spcPts val="1200"/>
+                        </a:lnSpc>
+                        <a:spcAft>
+                          <a:spcPts val="0"/>
+                        </a:spcAft>
+                      </a:pPr>
+                      <a:r>
+                        <a:rPr lang="en-US" sz="2000" kern="100" dirty="0" smtClean="0">
+                          <a:effectLst/>
+                        </a:rPr>
+                        <a:t> ===============================================================</a:t>
+                      </a:r>
+                    </a:p>
+                    <a:p>
+                      <a:pPr algn="just">
+                        <a:lnSpc>
+                          <a:spcPts val="1200"/>
+                        </a:lnSpc>
+                        <a:spcAft>
+                          <a:spcPts val="0"/>
+                        </a:spcAft>
+                      </a:pPr>
+                      <a:endParaRPr lang="en-US" sz="2000" kern="100" dirty="0" smtClean="0">
+                        <a:effectLst/>
+                      </a:endParaRPr>
+                    </a:p>
+                    <a:p>
+                      <a:pPr algn="just">
+                        <a:lnSpc>
+                          <a:spcPts val="1200"/>
+                        </a:lnSpc>
+                        <a:spcAft>
+                          <a:spcPts val="0"/>
+                        </a:spcAft>
+                      </a:pPr>
+                      <a:r>
+                        <a:rPr lang="en-US" sz="2000" kern="100" dirty="0" smtClean="0">
+                          <a:effectLst/>
+                        </a:rPr>
+                        <a:t>dense </a:t>
+                      </a:r>
+                      <a:r>
+                        <a:rPr lang="en-US" sz="2000" kern="100" dirty="0">
+                          <a:effectLst/>
+                        </a:rPr>
+                        <a:t>(Dense)               (None, 256)               6656             </a:t>
+                      </a:r>
+                      <a:endParaRPr lang="en-US" sz="2000" kern="100" dirty="0" smtClean="0">
+                        <a:effectLst/>
+                      </a:endParaRPr>
+                    </a:p>
+                    <a:p>
+                      <a:pPr algn="just">
+                        <a:lnSpc>
+                          <a:spcPts val="1200"/>
+                        </a:lnSpc>
+                        <a:spcAft>
+                          <a:spcPts val="0"/>
+                        </a:spcAft>
+                      </a:pPr>
+                      <a:r>
+                        <a:rPr lang="en-US" sz="2000" kern="100" dirty="0" smtClean="0">
+                          <a:effectLst/>
+                        </a:rPr>
+                        <a:t>                                                           </a:t>
+                      </a:r>
+                    </a:p>
+                    <a:p>
+                      <a:pPr algn="just">
+                        <a:lnSpc>
+                          <a:spcPts val="1200"/>
+                        </a:lnSpc>
+                        <a:spcAft>
+                          <a:spcPts val="0"/>
+                        </a:spcAft>
+                      </a:pPr>
+                      <a:r>
+                        <a:rPr lang="en-US" sz="2000" kern="100" dirty="0" smtClean="0">
+                          <a:effectLst/>
+                        </a:rPr>
+                        <a:t>dense_1 </a:t>
+                      </a:r>
+                      <a:r>
+                        <a:rPr lang="en-US" sz="2000" kern="100" dirty="0">
+                          <a:effectLst/>
+                        </a:rPr>
+                        <a:t>(Dense)             (None, 128)               32896                                                                       </a:t>
+                      </a:r>
+                      <a:endParaRPr lang="en-US" sz="2000" kern="100" dirty="0" smtClean="0">
+                        <a:effectLst/>
+                      </a:endParaRPr>
+                    </a:p>
+                    <a:p>
+                      <a:pPr algn="just">
+                        <a:lnSpc>
+                          <a:spcPts val="1200"/>
+                        </a:lnSpc>
+                        <a:spcAft>
+                          <a:spcPts val="0"/>
+                        </a:spcAft>
+                      </a:pPr>
+                      <a:endParaRPr lang="en-US" sz="2000" kern="100" dirty="0" smtClean="0">
+                        <a:effectLst/>
+                      </a:endParaRPr>
+                    </a:p>
+                    <a:p>
+                      <a:pPr algn="just">
+                        <a:lnSpc>
+                          <a:spcPts val="1200"/>
+                        </a:lnSpc>
+                        <a:spcAft>
+                          <a:spcPts val="0"/>
+                        </a:spcAft>
+                      </a:pPr>
+                      <a:r>
+                        <a:rPr lang="en-US" sz="2000" kern="100" dirty="0" smtClean="0">
+                          <a:effectLst/>
+                        </a:rPr>
+                        <a:t>dense_2 </a:t>
+                      </a:r>
+                      <a:r>
+                        <a:rPr lang="en-US" sz="2000" kern="100" dirty="0">
+                          <a:effectLst/>
+                        </a:rPr>
+                        <a:t>(Dense)             (None, 64)                8256                                                                        </a:t>
+                      </a:r>
+                      <a:endParaRPr lang="en-US" sz="2000" kern="100" dirty="0" smtClean="0">
+                        <a:effectLst/>
+                      </a:endParaRPr>
+                    </a:p>
+                    <a:p>
+                      <a:pPr algn="just">
+                        <a:lnSpc>
+                          <a:spcPts val="1200"/>
+                        </a:lnSpc>
+                        <a:spcAft>
+                          <a:spcPts val="0"/>
+                        </a:spcAft>
+                      </a:pPr>
+                      <a:endParaRPr lang="en-US" sz="2000" kern="100" dirty="0" smtClean="0">
+                        <a:effectLst/>
+                      </a:endParaRPr>
+                    </a:p>
+                    <a:p>
+                      <a:pPr algn="just">
+                        <a:lnSpc>
+                          <a:spcPts val="1200"/>
+                        </a:lnSpc>
+                        <a:spcAft>
+                          <a:spcPts val="0"/>
+                        </a:spcAft>
+                      </a:pPr>
+                      <a:r>
+                        <a:rPr lang="en-US" sz="2000" kern="100" dirty="0" smtClean="0">
+                          <a:effectLst/>
+                        </a:rPr>
+                        <a:t>dense_3 </a:t>
+                      </a:r>
+                      <a:r>
+                        <a:rPr lang="en-US" sz="2000" kern="100" dirty="0">
+                          <a:effectLst/>
+                        </a:rPr>
+                        <a:t>(Dense)             (None, 10)                </a:t>
+                      </a:r>
+                      <a:r>
+                        <a:rPr lang="en-US" sz="2000" kern="100" dirty="0" smtClean="0">
+                          <a:effectLst/>
+                        </a:rPr>
+                        <a:t>650</a:t>
+                      </a:r>
+                    </a:p>
+                    <a:p>
+                      <a:pPr algn="just">
+                        <a:lnSpc>
+                          <a:spcPts val="1200"/>
+                        </a:lnSpc>
+                        <a:spcAft>
+                          <a:spcPts val="0"/>
+                        </a:spcAft>
+                      </a:pPr>
+                      <a:endParaRPr lang="en-US" sz="2000" kern="100" dirty="0" smtClean="0">
+                        <a:effectLst/>
+                      </a:endParaRPr>
+                    </a:p>
+                    <a:p>
+                      <a:pPr algn="just">
+                        <a:lnSpc>
+                          <a:spcPts val="1200"/>
+                        </a:lnSpc>
+                        <a:spcAft>
+                          <a:spcPts val="0"/>
+                        </a:spcAft>
+                      </a:pPr>
+                      <a:r>
+                        <a:rPr lang="en-US" sz="2000" kern="100" dirty="0" smtClean="0">
+                          <a:effectLst/>
+                        </a:rPr>
+                        <a:t>===============================================================</a:t>
+                      </a:r>
+                    </a:p>
+                    <a:p>
+                      <a:pPr algn="just">
+                        <a:lnSpc>
+                          <a:spcPts val="1200"/>
+                        </a:lnSpc>
+                        <a:spcAft>
+                          <a:spcPts val="0"/>
+                        </a:spcAft>
+                      </a:pPr>
+                      <a:endParaRPr lang="en-US" sz="2000" kern="100" dirty="0" smtClean="0">
+                        <a:effectLst/>
+                      </a:endParaRPr>
+                    </a:p>
+                    <a:p>
+                      <a:pPr algn="just">
+                        <a:lnSpc>
+                          <a:spcPts val="1200"/>
+                        </a:lnSpc>
+                        <a:spcAft>
+                          <a:spcPts val="0"/>
+                        </a:spcAft>
+                      </a:pPr>
+                      <a:r>
+                        <a:rPr lang="en-US" sz="2000" kern="100" dirty="0" smtClean="0">
+                          <a:effectLst/>
+                        </a:rPr>
+                        <a:t>Total </a:t>
+                      </a:r>
+                      <a:r>
+                        <a:rPr lang="en-US" sz="2000" kern="100" dirty="0" err="1">
+                          <a:effectLst/>
+                        </a:rPr>
+                        <a:t>params</a:t>
+                      </a:r>
+                      <a:r>
+                        <a:rPr lang="en-US" sz="2000" kern="100" dirty="0">
+                          <a:effectLst/>
+                        </a:rPr>
+                        <a:t>: </a:t>
+                      </a:r>
+                      <a:r>
+                        <a:rPr lang="en-US" sz="2000" kern="100" dirty="0" smtClean="0">
+                          <a:effectLst/>
+                        </a:rPr>
+                        <a:t>48,458</a:t>
+                      </a:r>
+                    </a:p>
+                    <a:p>
+                      <a:pPr algn="just">
+                        <a:lnSpc>
+                          <a:spcPts val="1200"/>
+                        </a:lnSpc>
+                        <a:spcAft>
+                          <a:spcPts val="0"/>
+                        </a:spcAft>
+                      </a:pPr>
+                      <a:endParaRPr lang="en-US" sz="2000" kern="100" dirty="0" smtClean="0">
+                        <a:effectLst/>
+                      </a:endParaRPr>
+                    </a:p>
+                    <a:p>
+                      <a:pPr algn="just">
+                        <a:lnSpc>
+                          <a:spcPts val="1200"/>
+                        </a:lnSpc>
+                        <a:spcAft>
+                          <a:spcPts val="0"/>
+                        </a:spcAft>
+                      </a:pPr>
+                      <a:r>
+                        <a:rPr lang="en-US" sz="2000" kern="100" dirty="0" smtClean="0">
+                          <a:effectLst/>
+                        </a:rPr>
+                        <a:t>Trainable </a:t>
+                      </a:r>
+                      <a:r>
+                        <a:rPr lang="en-US" sz="2000" kern="100" dirty="0" err="1">
+                          <a:effectLst/>
+                        </a:rPr>
+                        <a:t>params</a:t>
+                      </a:r>
+                      <a:r>
+                        <a:rPr lang="en-US" sz="2000" kern="100" dirty="0">
+                          <a:effectLst/>
+                        </a:rPr>
+                        <a:t>: </a:t>
+                      </a:r>
+                      <a:r>
+                        <a:rPr lang="en-US" sz="2000" kern="100" dirty="0" smtClean="0">
+                          <a:effectLst/>
+                        </a:rPr>
+                        <a:t>48,458</a:t>
+                      </a:r>
+                    </a:p>
+                    <a:p>
+                      <a:pPr algn="just">
+                        <a:lnSpc>
+                          <a:spcPts val="1200"/>
+                        </a:lnSpc>
+                        <a:spcAft>
+                          <a:spcPts val="0"/>
+                        </a:spcAft>
+                      </a:pPr>
+                      <a:endParaRPr lang="en-US" sz="2000" kern="100" dirty="0" smtClean="0">
+                        <a:effectLst/>
+                      </a:endParaRPr>
+                    </a:p>
+                    <a:p>
+                      <a:pPr algn="just">
+                        <a:lnSpc>
+                          <a:spcPts val="1200"/>
+                        </a:lnSpc>
+                        <a:spcAft>
+                          <a:spcPts val="0"/>
+                        </a:spcAft>
+                      </a:pPr>
+                      <a:r>
+                        <a:rPr lang="en-US" sz="2000" kern="100" dirty="0" smtClean="0">
+                          <a:effectLst/>
+                        </a:rPr>
+                        <a:t>Non-trainable </a:t>
+                      </a:r>
+                      <a:r>
+                        <a:rPr lang="en-US" sz="2000" kern="100" dirty="0" err="1">
+                          <a:effectLst/>
+                        </a:rPr>
+                        <a:t>params</a:t>
+                      </a:r>
+                      <a:r>
+                        <a:rPr lang="en-US" sz="2000" kern="100" dirty="0">
+                          <a:effectLst/>
+                        </a:rPr>
+                        <a:t>: </a:t>
+                      </a:r>
+                      <a:r>
+                        <a:rPr lang="en-US" sz="2000" kern="100" dirty="0" smtClean="0">
+                          <a:effectLst/>
+                        </a:rPr>
+                        <a:t>0</a:t>
+                      </a:r>
+                    </a:p>
+                    <a:p>
+                      <a:pPr algn="just">
+                        <a:lnSpc>
+                          <a:spcPts val="1200"/>
+                        </a:lnSpc>
+                        <a:spcAft>
+                          <a:spcPts val="0"/>
+                        </a:spcAft>
+                      </a:pPr>
+                      <a:endParaRPr lang="en-US" sz="2000" kern="100" dirty="0" smtClean="0">
+                        <a:effectLst/>
+                      </a:endParaRPr>
+                    </a:p>
+                    <a:p>
+                      <a:pPr algn="just">
+                        <a:lnSpc>
+                          <a:spcPts val="1200"/>
+                        </a:lnSpc>
+                        <a:spcAft>
+                          <a:spcPts val="0"/>
+                        </a:spcAft>
+                      </a:pPr>
+                      <a:endParaRPr lang="en-US" sz="2000" kern="100" dirty="0" smtClean="0">
+                        <a:effectLst/>
+                      </a:endParaRPr>
+                    </a:p>
+                    <a:p>
+                      <a:pPr algn="just">
+                        <a:lnSpc>
+                          <a:spcPts val="1200"/>
+                        </a:lnSpc>
+                        <a:spcAft>
+                          <a:spcPts val="0"/>
+                        </a:spcAft>
+                      </a:pPr>
+                      <a:r>
+                        <a:rPr lang="en-US" sz="2000" kern="100" dirty="0" smtClean="0">
+                          <a:effectLst/>
+                        </a:rPr>
+                        <a:t>None</a:t>
+                      </a:r>
+                      <a:r>
+                        <a:rPr lang="en-US" sz="2000" kern="100" dirty="0">
+                          <a:effectLst/>
+                        </a:rPr>
+                        <a:t> </a:t>
+                      </a:r>
+                      <a:endParaRPr lang="ja-JP" sz="2000" kern="100" dirty="0">
+                        <a:effectLst/>
+                        <a:latin typeface="Century" panose="02040604050505020304" pitchFamily="18" charset="0"/>
+                        <a:ea typeface="ＭＳ 明朝" panose="02020609040205080304" pitchFamily="17" charset="-128"/>
+                        <a:cs typeface="Times New Roman" panose="02020603050405020304" pitchFamily="18" charset="0"/>
+                      </a:endParaRPr>
+                    </a:p>
+                  </a:txBody>
+                  <a:tcPr marL="68580" marR="68580" marT="0" marB="0"/>
+                </a:tc>
+                <a:extLst>
+                  <a:ext uri="{0D108BD9-81ED-4DB2-BD59-A6C34878D82A}">
+                    <a16:rowId xmlns:a16="http://schemas.microsoft.com/office/drawing/2014/main" val="2891460085"/>
+                  </a:ext>
+                </a:extLst>
+              </a:tr>
+            </a:tbl>
+          </a:graphicData>
+        </a:graphic>
+      </p:graphicFrame>
     </p:spTree>
     <p:extLst>
       <p:ext uri="{BB962C8B-B14F-4D97-AF65-F5344CB8AC3E}">
-        <p14:creationId xmlns:p14="http://schemas.microsoft.com/office/powerpoint/2010/main" val="3623421743"/>
+        <p14:creationId xmlns:p14="http://schemas.microsoft.com/office/powerpoint/2010/main" val="1905092805"/>
       </p:ext>
     </p:extLst>
   </p:cSld>
   <p:clrMapOvr>
     <a:masterClrMapping/>
   </p:clrMapOvr>
+  <p:timing>
+    <p:tnLst>
+      <p:par>
+        <p:cTn id="1" dur="indefinite" restart="never" nodeType="tmRoot"/>
+      </p:par>
+    </p:tnLst>
+  </p:timing>
 </p:sld>
 </file>
 

--- a/発表用スライド/1821144_卒研発表.pptx
+++ b/発表用スライド/1821144_卒研発表.pptx
@@ -4313,6 +4313,11 @@
           </a:bodyPr>
           <a:lstStyle/>
           <a:p>
+            <a:pPr>
+              <a:lnSpc>
+                <a:spcPct val="100000"/>
+              </a:lnSpc>
+            </a:pPr>
             <a:r>
               <a:rPr kumimoji="1" lang="ja-JP" altLang="en-US" dirty="0" smtClean="0"/>
               <a:t>ラウンドロビン方式の</a:t>
@@ -5900,11 +5905,7 @@
             </a:r>
             <a:r>
               <a:rPr lang="ja-JP" altLang="en-US" dirty="0" smtClean="0"/>
-              <a:t>３台</a:t>
-            </a:r>
-            <a:r>
-              <a:rPr lang="ja-JP" altLang="en-US" dirty="0" smtClean="0"/>
-              <a:t>の</a:t>
+              <a:t>３台の</a:t>
             </a:r>
             <a:r>
               <a:rPr lang="en-US" altLang="ja-JP" dirty="0" smtClean="0"/>
@@ -5928,11 +5929,7 @@
             </a:r>
             <a:r>
               <a:rPr lang="ja-JP" altLang="en-US" dirty="0" smtClean="0"/>
-              <a:t>回</a:t>
-            </a:r>
-            <a:r>
-              <a:rPr lang="ja-JP" altLang="en-US" dirty="0" smtClean="0"/>
-              <a:t>の</a:t>
+              <a:t>回の</a:t>
             </a:r>
             <a:r>
               <a:rPr lang="ja-JP" altLang="en-US" dirty="0"/>
@@ -5940,11 +5937,7 @@
             </a:r>
             <a:r>
               <a:rPr lang="ja-JP" altLang="en-US" dirty="0" smtClean="0"/>
-              <a:t>処理を</a:t>
-            </a:r>
-            <a:r>
-              <a:rPr lang="ja-JP" altLang="en-US" dirty="0" smtClean="0"/>
-              <a:t>行い処理</a:t>
+              <a:t>処理を行い処理</a:t>
             </a:r>
             <a:r>
               <a:rPr lang="ja-JP" altLang="en-US" dirty="0"/>
@@ -5952,23 +5945,7 @@
             </a:r>
             <a:r>
               <a:rPr lang="ja-JP" altLang="en-US" dirty="0" smtClean="0"/>
-              <a:t>時間の合計と分類精度</a:t>
-            </a:r>
-            <a:r>
-              <a:rPr lang="ja-JP" altLang="en-US" dirty="0" smtClean="0"/>
-              <a:t>を計測</a:t>
-            </a:r>
-            <a:r>
-              <a:rPr lang="ja-JP" altLang="en-US" dirty="0" smtClean="0"/>
-              <a:t>した</a:t>
-            </a:r>
-            <a:r>
-              <a:rPr lang="ja-JP" altLang="en-US" dirty="0" smtClean="0"/>
-              <a:t>ものを</a:t>
-            </a:r>
-            <a:r>
-              <a:rPr lang="ja-JP" altLang="en-US" dirty="0" smtClean="0"/>
-              <a:t>それぞれ比較する．</a:t>
+              <a:t>時間の合計と分類精度を計測したものをそれぞれ比較する．</a:t>
             </a:r>
             <a:endParaRPr lang="en-US" altLang="ja-JP" dirty="0" smtClean="0"/>
           </a:p>
@@ -8781,9 +8758,24 @@
           <a:bodyPr/>
           <a:lstStyle/>
           <a:p>
+            <a:pPr marL="0" indent="0">
+              <a:buNone/>
+            </a:pPr>
+            <a:r>
+              <a:rPr lang="ja-JP" altLang="ja-JP" dirty="0" smtClean="0"/>
+              <a:t>本システム</a:t>
+            </a:r>
             <a:r>
               <a:rPr lang="ja-JP" altLang="ja-JP" dirty="0"/>
-              <a:t>今後の展望としては，本システムでジャンル推定のできた楽曲コンテンツと動画コンテンツとをジャンルマッチングすることで付加価値の高い動画</a:t>
+              <a:t>でジャンル推定のできた楽曲コンテンツと動画</a:t>
+            </a:r>
+            <a:r>
+              <a:rPr lang="ja-JP" altLang="ja-JP" dirty="0" smtClean="0"/>
+              <a:t>コンテンツを</a:t>
+            </a:r>
+            <a:r>
+              <a:rPr lang="ja-JP" altLang="ja-JP" dirty="0"/>
+              <a:t>ジャンルマッチングすることで付加価値の高い動画</a:t>
             </a:r>
             <a:r>
               <a:rPr lang="ja-JP" altLang="ja-JP" dirty="0" smtClean="0"/>
@@ -8791,7 +8783,19 @@
             </a:r>
             <a:r>
               <a:rPr lang="ja-JP" altLang="en-US" dirty="0" smtClean="0"/>
-              <a:t>ンテンツを提供するシステムの実現．</a:t>
+              <a:t>ンテンツを提供するシステムの</a:t>
+            </a:r>
+            <a:r>
+              <a:rPr lang="ja-JP" altLang="en-US" dirty="0" smtClean="0"/>
+              <a:t>実現</a:t>
+            </a:r>
+            <a:r>
+              <a:rPr lang="ja-JP" altLang="en-US" dirty="0" smtClean="0"/>
+              <a:t>が期待される</a:t>
+            </a:r>
+            <a:r>
+              <a:rPr lang="ja-JP" altLang="en-US" dirty="0" smtClean="0"/>
+              <a:t>．</a:t>
             </a:r>
             <a:endParaRPr lang="en-US" altLang="ja-JP" dirty="0" smtClean="0"/>
           </a:p>
@@ -9634,15 +9638,7 @@
             </a:r>
             <a:r>
               <a:rPr lang="ja-JP" altLang="en-US" dirty="0" smtClean="0"/>
-              <a:t>も同様に発展を遂げた</a:t>
-            </a:r>
-            <a:r>
-              <a:rPr lang="ja-JP" altLang="en-US" dirty="0" smtClean="0"/>
-              <a:t>．その</a:t>
-            </a:r>
-            <a:r>
-              <a:rPr lang="ja-JP" altLang="en-US" dirty="0" smtClean="0"/>
-              <a:t>ため誰でも音楽を</a:t>
+              <a:t>も同様に発展を遂げた．そのため誰でも音楽を</a:t>
             </a:r>
             <a:r>
               <a:rPr lang="en-US" altLang="ja-JP" dirty="0" smtClean="0"/>
@@ -10158,90 +10154,9 @@
         </p:spPr>
         <p:txBody>
           <a:bodyPr>
-            <a:normAutofit fontScale="62500" lnSpcReduction="20000"/>
+            <a:normAutofit fontScale="92500" lnSpcReduction="10000"/>
           </a:bodyPr>
           <a:lstStyle/>
-          <a:p>
-            <a:r>
-              <a:rPr lang="ja-JP" altLang="en-US" u="sng" dirty="0">
-                <a:latin typeface="+mn-ea"/>
-              </a:rPr>
-              <a:t>動画の</a:t>
-            </a:r>
-            <a:r>
-              <a:rPr lang="ja-JP" altLang="en-US" u="sng" dirty="0" smtClean="0">
-                <a:latin typeface="+mn-ea"/>
-              </a:rPr>
-              <a:t>印象評価データセット</a:t>
-            </a:r>
-            <a:r>
-              <a:rPr lang="ja-JP" altLang="en-US" u="sng" dirty="0">
-                <a:latin typeface="+mn-ea"/>
-              </a:rPr>
-              <a:t>構築とその特性の調査</a:t>
-            </a:r>
-            <a:endParaRPr lang="en-US" altLang="ja-JP" u="sng" dirty="0">
-              <a:latin typeface="+mn-ea"/>
-            </a:endParaRPr>
-          </a:p>
-          <a:p>
-            <a:pPr marL="0" indent="0">
-              <a:buNone/>
-            </a:pPr>
-            <a:r>
-              <a:rPr lang="en-US" altLang="ja-JP" dirty="0" smtClean="0">
-                <a:latin typeface="+mn-ea"/>
-              </a:rPr>
-              <a:t>[2015 </a:t>
-            </a:r>
-            <a:r>
-              <a:rPr lang="ja-JP" altLang="en-US" dirty="0" smtClean="0">
-                <a:latin typeface="+mn-ea"/>
-              </a:rPr>
-              <a:t>大野</a:t>
-            </a:r>
-            <a:r>
-              <a:rPr lang="en-US" altLang="ja-JP" dirty="0" smtClean="0">
-                <a:latin typeface="+mn-ea"/>
-              </a:rPr>
-              <a:t>]</a:t>
-            </a:r>
-            <a:r>
-              <a:rPr lang="ja-JP" altLang="en-US" dirty="0" smtClean="0">
-                <a:latin typeface="+mn-ea"/>
-              </a:rPr>
-              <a:t>大野直樹，中村聡史，山本岳洋，後藤真孝，</a:t>
-            </a:r>
-            <a:endParaRPr lang="en-US" altLang="ja-JP" dirty="0" smtClean="0">
-              <a:latin typeface="+mn-ea"/>
-            </a:endParaRPr>
-          </a:p>
-          <a:p>
-            <a:pPr marL="0" indent="0">
-              <a:buNone/>
-            </a:pPr>
-            <a:r>
-              <a:rPr kumimoji="1" lang="ja-JP" altLang="en-US" dirty="0" smtClean="0">
-                <a:latin typeface="+mn-ea"/>
-              </a:rPr>
-              <a:t>音楽動画への印象評価データセット構築とその特性の調査</a:t>
-            </a:r>
-            <a:r>
-              <a:rPr lang="ja-JP" altLang="en-US" dirty="0" smtClean="0">
-                <a:latin typeface="+mn-ea"/>
-              </a:rPr>
-              <a:t>，情報処理学会，</a:t>
-            </a:r>
-            <a:r>
-              <a:rPr lang="en-US" altLang="ja-JP" dirty="0" smtClean="0">
-                <a:latin typeface="+mn-ea"/>
-              </a:rPr>
-              <a:t>2015</a:t>
-            </a:r>
-            <a:endParaRPr kumimoji="1" lang="en-US" altLang="ja-JP" dirty="0" smtClean="0">
-              <a:latin typeface="+mn-ea"/>
-            </a:endParaRPr>
-          </a:p>
           <a:p>
             <a:pPr marL="0" indent="0">
               <a:buNone/>
@@ -10251,17 +10166,20 @@
             </a:endParaRPr>
           </a:p>
           <a:p>
+            <a:pPr marL="0" indent="0">
+              <a:buNone/>
+            </a:pPr>
+            <a:r>
+              <a:rPr lang="ja-JP" altLang="en-US" u="sng" dirty="0">
+                <a:latin typeface="+mn-ea"/>
+              </a:rPr>
+              <a:t>機械学習を</a:t>
+            </a:r>
             <a:r>
               <a:rPr lang="ja-JP" altLang="en-US" u="sng" dirty="0" smtClean="0">
                 <a:latin typeface="+mn-ea"/>
               </a:rPr>
-              <a:t>音楽</a:t>
-            </a:r>
-            <a:r>
-              <a:rPr lang="ja-JP" altLang="en-US" u="sng" dirty="0">
-                <a:latin typeface="+mn-ea"/>
-              </a:rPr>
-              <a:t>と機械学習</a:t>
+              <a:t>用いた楽曲ジャンル推定</a:t>
             </a:r>
             <a:endParaRPr lang="en-US" altLang="ja-JP" u="sng" dirty="0">
               <a:latin typeface="+mn-ea"/>
@@ -10285,14 +10203,8 @@
             </a:r>
             <a:r>
               <a:rPr lang="ja-JP" altLang="ja-JP" dirty="0" smtClean="0"/>
-              <a:t>吉井和佳，</a:t>
-            </a:r>
-            <a:endParaRPr lang="en-US" altLang="ja-JP" dirty="0" smtClean="0"/>
-          </a:p>
-          <a:p>
-            <a:pPr marL="0" indent="0">
-              <a:buNone/>
-            </a:pPr>
+              <a:t> </a:t>
+            </a:r>
             <a:r>
               <a:rPr lang="en-US" altLang="ja-JP" dirty="0" smtClean="0"/>
               <a:t>Advancing </a:t>
@@ -10327,35 +10239,16 @@
             </a:endParaRPr>
           </a:p>
           <a:p>
-            <a:r>
-              <a:rPr lang="ja-JP" altLang="en-US" u="sng" dirty="0" smtClean="0">
-                <a:latin typeface="+mn-ea"/>
-              </a:rPr>
-              <a:t>ニューラルネットワークを用いた音楽の</a:t>
-            </a:r>
-            <a:r>
-              <a:rPr lang="ja-JP" altLang="en-US" u="sng" dirty="0">
-                <a:latin typeface="+mn-ea"/>
-              </a:rPr>
-              <a:t>自動ジャンル</a:t>
-            </a:r>
-            <a:r>
-              <a:rPr lang="ja-JP" altLang="en-US" u="sng" dirty="0" smtClean="0">
-                <a:latin typeface="+mn-ea"/>
-              </a:rPr>
-              <a:t>分類</a:t>
-            </a:r>
-            <a:endParaRPr lang="en-US" altLang="ja-JP" u="sng" dirty="0" smtClean="0">
-              <a:latin typeface="+mn-ea"/>
-            </a:endParaRPr>
-          </a:p>
-          <a:p>
             <a:pPr marL="0" lvl="0" indent="0">
               <a:buNone/>
             </a:pPr>
             <a:r>
               <a:rPr lang="en-US" altLang="ja-JP" dirty="0" smtClean="0"/>
-              <a:t>[2004 </a:t>
+              <a:t>[</a:t>
+            </a:r>
+            <a:r>
+              <a:rPr lang="en-US" altLang="ja-JP" dirty="0" smtClean="0"/>
+              <a:t>2004 </a:t>
             </a:r>
             <a:r>
               <a:rPr lang="ja-JP" altLang="en-US" dirty="0" smtClean="0"/>
@@ -10367,25 +10260,7 @@
             </a:r>
             <a:r>
               <a:rPr lang="ja-JP" altLang="ja-JP" dirty="0" smtClean="0"/>
-              <a:t>赤</a:t>
-            </a:r>
-            <a:r>
-              <a:rPr lang="ja-JP" altLang="ja-JP" dirty="0"/>
-              <a:t>江直洋，木本雅也，清水忠昭，田中美栄子</a:t>
-            </a:r>
-            <a:r>
-              <a:rPr lang="ja-JP" altLang="ja-JP" dirty="0" smtClean="0"/>
-              <a:t>，</a:t>
-            </a:r>
-            <a:endParaRPr lang="en-US" altLang="ja-JP" dirty="0" smtClean="0"/>
-          </a:p>
-          <a:p>
-            <a:pPr marL="0" lvl="0" indent="0">
-              <a:buNone/>
-            </a:pPr>
-            <a:r>
-              <a:rPr lang="ja-JP" altLang="ja-JP" dirty="0" smtClean="0"/>
-              <a:t>ニューラルネットワーク</a:t>
+              <a:t> ニューラルネットワーク</a:t>
             </a:r>
             <a:r>
               <a:rPr lang="ja-JP" altLang="ja-JP" dirty="0"/>
@@ -10418,6 +10293,9 @@
             </a:endParaRPr>
           </a:p>
           <a:p>
+            <a:pPr marL="0" indent="0">
+              <a:buNone/>
+            </a:pPr>
             <a:r>
               <a:rPr lang="en-US" altLang="ja-JP" u="sng" dirty="0" smtClean="0">
                 <a:latin typeface="+mn-ea"/>
@@ -10598,6 +10476,11 @@
           </a:bodyPr>
           <a:lstStyle/>
           <a:p>
+            <a:pPr>
+              <a:lnSpc>
+                <a:spcPct val="100000"/>
+              </a:lnSpc>
+            </a:pPr>
             <a:r>
               <a:rPr lang="ja-JP" altLang="en-US" dirty="0" smtClean="0"/>
               <a:t>楽曲ジャンル推定には深層学習が用いられるようになっているが、計算コストが大きい</a:t>
@@ -10608,6 +10491,11 @@
             <a:endParaRPr lang="en-US" altLang="ja-JP" dirty="0"/>
           </a:p>
           <a:p>
+            <a:pPr>
+              <a:lnSpc>
+                <a:spcPct val="100000"/>
+              </a:lnSpc>
+            </a:pPr>
             <a:r>
               <a:rPr lang="ja-JP" altLang="en-US" dirty="0" smtClean="0"/>
               <a:t>楽曲ジャンル推定をユーザ投稿型の</a:t>
@@ -10768,6 +10656,11 @@
           </a:bodyPr>
           <a:lstStyle/>
           <a:p>
+            <a:pPr>
+              <a:lnSpc>
+                <a:spcPct val="100000"/>
+              </a:lnSpc>
+            </a:pPr>
             <a:r>
               <a:rPr lang="en-US" altLang="ja-JP" dirty="0" smtClean="0"/>
               <a:t>SNS</a:t>
@@ -11002,11 +10895,7 @@
           <a:p>
             <a:r>
               <a:rPr kumimoji="1" lang="ja-JP" altLang="en-US" sz="1600" dirty="0" smtClean="0"/>
-              <a:t>複数のサーバー</a:t>
-            </a:r>
-            <a:r>
-              <a:rPr kumimoji="1" lang="ja-JP" altLang="en-US" sz="1600" dirty="0" smtClean="0"/>
-              <a:t>で</a:t>
+              <a:t>複数のサーバーで</a:t>
             </a:r>
             <a:endParaRPr kumimoji="1" lang="en-US" altLang="ja-JP" sz="1600" dirty="0" smtClean="0"/>
           </a:p>
@@ -11017,15 +10906,7 @@
             </a:r>
             <a:r>
               <a:rPr kumimoji="1" lang="ja-JP" altLang="en-US" sz="1600" dirty="0" smtClean="0"/>
-              <a:t>を</a:t>
-            </a:r>
-            <a:r>
-              <a:rPr kumimoji="1" lang="ja-JP" altLang="en-US" sz="1600" dirty="0" smtClean="0"/>
-              <a:t>利用し楽曲を</a:t>
-            </a:r>
-            <a:r>
-              <a:rPr kumimoji="1" lang="ja-JP" altLang="en-US" sz="1600" dirty="0" smtClean="0"/>
-              <a:t>ジャンル</a:t>
+              <a:t>を利用し楽曲をジャンル</a:t>
             </a:r>
             <a:r>
               <a:rPr lang="ja-JP" altLang="en-US" sz="1600" dirty="0"/>
@@ -11112,7 +10993,7 @@
         </p:blipFill>
         <p:spPr>
           <a:xfrm>
-            <a:off x="713376" y="3400211"/>
+            <a:off x="710304" y="3251543"/>
             <a:ext cx="533108" cy="468784"/>
           </a:xfrm>
           <a:prstGeom prst="rect">
@@ -12246,7 +12127,7 @@
             <p:ph idx="1"/>
             <p:extLst>
               <p:ext uri="{D42A27DB-BD31-4B8C-83A1-F6EECF244321}">
-                <p14:modId xmlns:p14="http://schemas.microsoft.com/office/powerpoint/2010/main" val="3012308231"/>
+                <p14:modId xmlns:p14="http://schemas.microsoft.com/office/powerpoint/2010/main" val="3585731592"/>
               </p:ext>
             </p:extLst>
           </p:nvPr>
@@ -12414,10 +12295,10 @@
                         </a:spcAft>
                       </a:pPr>
                       <a:r>
-                        <a:rPr lang="en-US" sz="1600" kern="0" dirty="0" err="1">
-                          <a:effectLst/>
-                        </a:rPr>
-                        <a:t>rolloff</a:t>
+                        <a:rPr lang="en-US" sz="1600" kern="0" dirty="0" smtClean="0">
+                          <a:effectLst/>
+                        </a:rPr>
+                        <a:t>Roll-off</a:t>
                       </a:r>
                       <a:endParaRPr lang="ja-JP" sz="1600" kern="100" dirty="0">
                         <a:effectLst/>

--- a/発表用スライド/1821144_卒研発表.pptx
+++ b/発表用スライド/1821144_卒研発表.pptx
@@ -10154,7 +10154,7 @@
         </p:spPr>
         <p:txBody>
           <a:bodyPr>
-            <a:normAutofit fontScale="92500" lnSpcReduction="10000"/>
+            <a:normAutofit fontScale="85000" lnSpcReduction="20000"/>
           </a:bodyPr>
           <a:lstStyle/>
           <a:p>
@@ -10170,16 +10170,10 @@
               <a:buNone/>
             </a:pPr>
             <a:r>
-              <a:rPr lang="ja-JP" altLang="en-US" u="sng" dirty="0">
-                <a:latin typeface="+mn-ea"/>
-              </a:rPr>
-              <a:t>機械学習を</a:t>
-            </a:r>
-            <a:r>
               <a:rPr lang="ja-JP" altLang="en-US" u="sng" dirty="0" smtClean="0">
                 <a:latin typeface="+mn-ea"/>
               </a:rPr>
-              <a:t>用いた楽曲ジャンル推定</a:t>
+              <a:t>音楽と機械学習</a:t>
             </a:r>
             <a:endParaRPr lang="en-US" altLang="ja-JP" u="sng" dirty="0">
               <a:latin typeface="+mn-ea"/>
@@ -10207,18 +10201,14 @@
             </a:r>
             <a:r>
               <a:rPr lang="en-US" altLang="ja-JP" dirty="0" smtClean="0"/>
-              <a:t>Advancing </a:t>
-            </a:r>
-            <a:r>
-              <a:rPr lang="en-US" altLang="ja-JP" dirty="0"/>
-              <a:t>Information Sciences through Research on Music</a:t>
-            </a:r>
-            <a:r>
-              <a:rPr lang="ja-JP" altLang="ja-JP" dirty="0"/>
+              <a:t>Advancing Information Sciences through Research on Music</a:t>
+            </a:r>
+            <a:r>
+              <a:rPr lang="ja-JP" altLang="ja-JP" dirty="0" smtClean="0"/>
               <a:t>：</a:t>
             </a:r>
             <a:r>
-              <a:rPr lang="en-US" altLang="ja-JP" dirty="0"/>
+              <a:rPr lang="en-US" altLang="ja-JP" dirty="0" smtClean="0"/>
               <a:t>5. Music and Machine Learning</a:t>
             </a:r>
             <a:r>
@@ -10228,6 +10218,91 @@
             <a:r>
               <a:rPr lang="en-US" altLang="ja-JP" dirty="0" smtClean="0"/>
               <a:t>2016</a:t>
+            </a:r>
+          </a:p>
+          <a:p>
+            <a:pPr marL="0" indent="0">
+              <a:buNone/>
+            </a:pPr>
+            <a:endParaRPr lang="en-US" altLang="ja-JP" dirty="0" smtClean="0"/>
+          </a:p>
+          <a:p>
+            <a:pPr marL="0" lvl="0" indent="0">
+              <a:buNone/>
+            </a:pPr>
+            <a:r>
+              <a:rPr lang="en-US" altLang="ja-JP" dirty="0"/>
+              <a:t>[2004 </a:t>
+            </a:r>
+            <a:r>
+              <a:rPr lang="ja-JP" altLang="en-US" dirty="0"/>
+              <a:t>赤江</a:t>
+            </a:r>
+            <a:r>
+              <a:rPr lang="en-US" altLang="ja-JP" dirty="0"/>
+              <a:t>]</a:t>
+            </a:r>
+            <a:r>
+              <a:rPr lang="ja-JP" altLang="ja-JP" dirty="0"/>
+              <a:t> ニューラルネットワークを用いた音楽の自動ジャンル分類，電気学会研究会資料</a:t>
+            </a:r>
+            <a:r>
+              <a:rPr lang="en-US" altLang="ja-JP" dirty="0"/>
+              <a:t>.IS</a:t>
+            </a:r>
+            <a:r>
+              <a:rPr lang="ja-JP" altLang="ja-JP" dirty="0" err="1"/>
+              <a:t>，</a:t>
+            </a:r>
+            <a:r>
+              <a:rPr lang="ja-JP" altLang="ja-JP" dirty="0"/>
+              <a:t>情報システム研究会，</a:t>
+            </a:r>
+            <a:r>
+              <a:rPr lang="en-US" altLang="ja-JP" dirty="0"/>
+              <a:t>2004</a:t>
+            </a:r>
+            <a:endParaRPr lang="ja-JP" altLang="ja-JP" dirty="0"/>
+          </a:p>
+          <a:p>
+            <a:pPr marL="0" indent="0">
+              <a:buNone/>
+            </a:pPr>
+            <a:endParaRPr lang="en-US" altLang="ja-JP" dirty="0" smtClean="0"/>
+          </a:p>
+          <a:p>
+            <a:pPr marL="0" indent="0">
+              <a:buNone/>
+            </a:pPr>
+            <a:r>
+              <a:rPr lang="en-US" altLang="ja-JP" dirty="0" smtClean="0">
+                <a:latin typeface="+mn-ea"/>
+              </a:rPr>
+              <a:t>[2015 </a:t>
+            </a:r>
+            <a:r>
+              <a:rPr lang="ja-JP" altLang="en-US" dirty="0" smtClean="0">
+                <a:latin typeface="+mn-ea"/>
+              </a:rPr>
+              <a:t>大野</a:t>
+            </a:r>
+            <a:r>
+              <a:rPr lang="en-US" altLang="ja-JP" dirty="0" smtClean="0">
+                <a:latin typeface="+mn-ea"/>
+              </a:rPr>
+              <a:t>]</a:t>
+            </a:r>
+            <a:r>
+              <a:rPr lang="ja-JP" altLang="en-US" dirty="0" smtClean="0">
+                <a:latin typeface="+mn-ea"/>
+              </a:rPr>
+              <a:t>音楽動画への印象評価データセット構築とその特性の調査，情報処理学会，</a:t>
+            </a:r>
+            <a:r>
+              <a:rPr lang="en-US" altLang="ja-JP" dirty="0" smtClean="0">
+                <a:latin typeface="+mn-ea"/>
+              </a:rPr>
+              <a:t>2015</a:t>
             </a:r>
           </a:p>
           <a:p>
@@ -10239,52 +10314,6 @@
             </a:endParaRPr>
           </a:p>
           <a:p>
-            <a:pPr marL="0" lvl="0" indent="0">
-              <a:buNone/>
-            </a:pPr>
-            <a:r>
-              <a:rPr lang="en-US" altLang="ja-JP" dirty="0" smtClean="0"/>
-              <a:t>[</a:t>
-            </a:r>
-            <a:r>
-              <a:rPr lang="en-US" altLang="ja-JP" dirty="0" smtClean="0"/>
-              <a:t>2004 </a:t>
-            </a:r>
-            <a:r>
-              <a:rPr lang="ja-JP" altLang="en-US" dirty="0" smtClean="0"/>
-              <a:t>赤江</a:t>
-            </a:r>
-            <a:r>
-              <a:rPr lang="en-US" altLang="ja-JP" dirty="0" smtClean="0"/>
-              <a:t>]</a:t>
-            </a:r>
-            <a:r>
-              <a:rPr lang="ja-JP" altLang="ja-JP" dirty="0" smtClean="0"/>
-              <a:t> ニューラルネットワーク</a:t>
-            </a:r>
-            <a:r>
-              <a:rPr lang="ja-JP" altLang="ja-JP" dirty="0"/>
-              <a:t>を用いた音楽の自動ジャンル分類，電気学会研究会資料</a:t>
-            </a:r>
-            <a:r>
-              <a:rPr lang="en-US" altLang="ja-JP" dirty="0"/>
-              <a:t>.IS</a:t>
-            </a:r>
-            <a:r>
-              <a:rPr lang="ja-JP" altLang="ja-JP" dirty="0" err="1"/>
-              <a:t>，</a:t>
-            </a:r>
-            <a:r>
-              <a:rPr lang="ja-JP" altLang="ja-JP" dirty="0"/>
-              <a:t>情報システム研究会，</a:t>
-            </a:r>
-            <a:r>
-              <a:rPr lang="en-US" altLang="ja-JP" dirty="0" smtClean="0"/>
-              <a:t>2004</a:t>
-            </a:r>
-            <a:endParaRPr lang="ja-JP" altLang="ja-JP" dirty="0"/>
-          </a:p>
-          <a:p>
             <a:pPr marL="0" indent="0">
               <a:buNone/>
             </a:pPr>
@@ -10330,36 +10359,14 @@
             </a:r>
             <a:r>
               <a:rPr lang="ja-JP" altLang="ja-JP" dirty="0" smtClean="0"/>
-              <a:t>小林 </a:t>
-            </a:r>
-            <a:r>
-              <a:rPr lang="ja-JP" altLang="ja-JP" dirty="0"/>
-              <a:t>拓司，丸山 一貴</a:t>
+              <a:t>畳み込みニューラルネットワークを用いた</a:t>
+            </a:r>
+            <a:r>
+              <a:rPr lang="en-US" altLang="ja-JP" dirty="0" smtClean="0"/>
+              <a:t>Hardcore techno</a:t>
             </a:r>
             <a:r>
               <a:rPr lang="ja-JP" altLang="ja-JP" dirty="0" smtClean="0"/>
-              <a:t>，</a:t>
-            </a:r>
-            <a:endParaRPr lang="en-US" altLang="ja-JP" dirty="0" smtClean="0"/>
-          </a:p>
-          <a:p>
-            <a:pPr marL="0" indent="0">
-              <a:buNone/>
-            </a:pPr>
-            <a:r>
-              <a:rPr lang="ja-JP" altLang="ja-JP" dirty="0" smtClean="0"/>
-              <a:t>畳み込み</a:t>
-            </a:r>
-            <a:r>
-              <a:rPr lang="ja-JP" altLang="ja-JP" dirty="0"/>
-              <a:t>ニューラルネットワークを用いた</a:t>
-            </a:r>
-            <a:r>
-              <a:rPr lang="en-US" altLang="ja-JP" dirty="0"/>
-              <a:t>Hardcore techno</a:t>
-            </a:r>
-            <a:r>
-              <a:rPr lang="ja-JP" altLang="ja-JP" dirty="0"/>
               <a:t>のサブジャンル分類，インタラクション</a:t>
             </a:r>
             <a:r>
@@ -10993,7 +11000,7 @@
         </p:blipFill>
         <p:spPr>
           <a:xfrm>
-            <a:off x="710304" y="3251543"/>
+            <a:off x="713376" y="3400211"/>
             <a:ext cx="533108" cy="468784"/>
           </a:xfrm>
           <a:prstGeom prst="rect">

--- a/発表用スライド/1821144_卒研発表.pptx
+++ b/発表用スライド/1821144_卒研発表.pptx
@@ -5,7 +5,7 @@
     <p:sldMasterId id="2147483660" r:id="rId1"/>
   </p:sldMasterIdLst>
   <p:notesMasterIdLst>
-    <p:notesMasterId r:id="rId21"/>
+    <p:notesMasterId r:id="rId20"/>
   </p:notesMasterIdLst>
   <p:sldIdLst>
     <p:sldId id="270" r:id="rId2"/>
@@ -14,19 +14,18 @@
     <p:sldId id="260" r:id="rId5"/>
     <p:sldId id="261" r:id="rId6"/>
     <p:sldId id="275" r:id="rId7"/>
-    <p:sldId id="284" r:id="rId8"/>
-    <p:sldId id="285" r:id="rId9"/>
-    <p:sldId id="286" r:id="rId10"/>
-    <p:sldId id="287" r:id="rId11"/>
-    <p:sldId id="296" r:id="rId12"/>
-    <p:sldId id="289" r:id="rId13"/>
-    <p:sldId id="288" r:id="rId14"/>
-    <p:sldId id="290" r:id="rId15"/>
-    <p:sldId id="291" r:id="rId16"/>
-    <p:sldId id="292" r:id="rId17"/>
-    <p:sldId id="293" r:id="rId18"/>
-    <p:sldId id="294" r:id="rId19"/>
-    <p:sldId id="295" r:id="rId20"/>
+    <p:sldId id="296" r:id="rId8"/>
+    <p:sldId id="284" r:id="rId9"/>
+    <p:sldId id="285" r:id="rId10"/>
+    <p:sldId id="286" r:id="rId11"/>
+    <p:sldId id="287" r:id="rId12"/>
+    <p:sldId id="288" r:id="rId13"/>
+    <p:sldId id="290" r:id="rId14"/>
+    <p:sldId id="291" r:id="rId15"/>
+    <p:sldId id="292" r:id="rId16"/>
+    <p:sldId id="293" r:id="rId17"/>
+    <p:sldId id="294" r:id="rId18"/>
+    <p:sldId id="295" r:id="rId19"/>
   </p:sldIdLst>
   <p:sldSz cx="9144000" cy="6858000" type="screen4x3"/>
   <p:notesSz cx="6858000" cy="9144000"/>
@@ -1025,7 +1024,7 @@
           <a:p>
             <a:fld id="{9D828324-DCC9-430F-AD2C-1DD1805E2C40}" type="slidenum">
               <a:rPr kumimoji="1" lang="ja-JP" altLang="en-US" smtClean="0"/>
-              <a:t>7</a:t>
+              <a:t>8</a:t>
             </a:fld>
             <a:endParaRPr kumimoji="1" lang="ja-JP" altLang="en-US"/>
           </a:p>
@@ -1109,7 +1108,7 @@
           <a:p>
             <a:fld id="{9D828324-DCC9-430F-AD2C-1DD1805E2C40}" type="slidenum">
               <a:rPr kumimoji="1" lang="ja-JP" altLang="en-US" smtClean="0"/>
-              <a:t>18</a:t>
+              <a:t>17</a:t>
             </a:fld>
             <a:endParaRPr kumimoji="1" lang="ja-JP" altLang="en-US"/>
           </a:p>
@@ -4495,127 +4494,613 @@
             <p:ph type="title"/>
           </p:nvPr>
         </p:nvSpPr>
-        <p:spPr/>
+        <p:spPr>
+          <a:xfrm>
+            <a:off x="490862" y="126587"/>
+            <a:ext cx="7886700" cy="1325563"/>
+          </a:xfrm>
+        </p:spPr>
         <p:txBody>
           <a:bodyPr/>
           <a:lstStyle/>
           <a:p>
             <a:r>
-              <a:rPr lang="ja-JP" altLang="en-US" dirty="0" smtClean="0"/>
-              <a:t>ラウンドロビン方式を導入した</a:t>
-            </a:r>
-            <a:r>
-              <a:rPr lang="en-US" altLang="ja-JP" dirty="0" smtClean="0"/>
-              <a:t/>
-            </a:r>
-            <a:br>
-              <a:rPr lang="en-US" altLang="ja-JP" dirty="0" smtClean="0"/>
-            </a:br>
-            <a:r>
-              <a:rPr lang="ja-JP" altLang="en-US" dirty="0" smtClean="0"/>
-              <a:t>負荷分散システム</a:t>
+              <a:rPr lang="ja-JP" altLang="en-US" dirty="0"/>
+              <a:t>楽曲ジャンル推定モデルの作成</a:t>
             </a:r>
             <a:endParaRPr kumimoji="1" lang="ja-JP" altLang="en-US" dirty="0"/>
+          </a:p>
+        </p:txBody>
+      </p:sp>
+      <p:sp>
+        <p:nvSpPr>
+          <p:cNvPr id="3" name="コンテンツ プレースホルダー 2"/>
+          <p:cNvSpPr>
+            <a:spLocks noGrp="1"/>
+          </p:cNvSpPr>
+          <p:nvPr>
+            <p:ph idx="1"/>
+          </p:nvPr>
+        </p:nvSpPr>
+        <p:spPr>
+          <a:xfrm>
+            <a:off x="187889" y="1340285"/>
+            <a:ext cx="8630433" cy="4836678"/>
+          </a:xfrm>
+        </p:spPr>
+        <p:txBody>
+          <a:bodyPr/>
+          <a:lstStyle/>
+          <a:p>
+            <a:pPr marL="0" indent="0">
+              <a:buNone/>
+            </a:pPr>
+            <a:r>
+              <a:rPr kumimoji="1" lang="ja-JP" altLang="en-US" dirty="0" smtClean="0"/>
+              <a:t>実際</a:t>
+            </a:r>
+            <a:r>
+              <a:rPr kumimoji="1" lang="ja-JP" altLang="en-US" dirty="0" smtClean="0"/>
+              <a:t>に作成したモデル</a:t>
+            </a:r>
+            <a:endParaRPr kumimoji="1" lang="en-US" altLang="ja-JP" dirty="0" smtClean="0"/>
+          </a:p>
+          <a:p>
+            <a:pPr marL="0" indent="0">
+              <a:buNone/>
+            </a:pPr>
+            <a:endParaRPr kumimoji="1" lang="ja-JP" altLang="en-US" dirty="0"/>
+          </a:p>
+        </p:txBody>
+      </p:sp>
+      <p:sp>
+        <p:nvSpPr>
+          <p:cNvPr id="4" name="スライド番号プレースホルダー 3"/>
+          <p:cNvSpPr>
+            <a:spLocks noGrp="1"/>
+          </p:cNvSpPr>
+          <p:nvPr>
+            <p:ph type="sldNum" sz="quarter" idx="12"/>
+          </p:nvPr>
+        </p:nvSpPr>
+        <p:spPr/>
+        <p:txBody>
+          <a:bodyPr/>
+          <a:lstStyle/>
+          <a:p>
+            <a:fld id="{B4451160-128F-4DAD-AE29-4A8CC0E7B9E9}" type="slidenum">
+              <a:rPr lang="ja-JP" altLang="en-US" smtClean="0"/>
+              <a:pPr/>
+              <a:t>10</a:t>
+            </a:fld>
+            <a:endParaRPr lang="ja-JP" altLang="en-US" dirty="0"/>
           </a:p>
         </p:txBody>
       </p:sp>
       <p:graphicFrame>
         <p:nvGraphicFramePr>
-          <p:cNvPr id="5" name="コンテンツ プレースホルダー 4"/>
+          <p:cNvPr id="7" name="表 6"/>
           <p:cNvGraphicFramePr>
             <a:graphicFrameLocks noGrp="1"/>
           </p:cNvGraphicFramePr>
           <p:nvPr>
-            <p:ph idx="1"/>
             <p:extLst>
               <p:ext uri="{D42A27DB-BD31-4B8C-83A1-F6EECF244321}">
-                <p14:modId xmlns:p14="http://schemas.microsoft.com/office/powerpoint/2010/main" val="1422427880"/>
+                <p14:modId xmlns:p14="http://schemas.microsoft.com/office/powerpoint/2010/main" val="2505802056"/>
               </p:ext>
             </p:extLst>
           </p:nvPr>
         </p:nvGraphicFramePr>
         <p:xfrm>
-          <a:off x="513567" y="4196220"/>
-          <a:ext cx="8001783" cy="2066793"/>
+          <a:off x="187889" y="2379945"/>
+          <a:ext cx="8189673" cy="3976406"/>
         </p:xfrm>
         <a:graphic>
           <a:graphicData uri="http://schemas.openxmlformats.org/drawingml/2006/table">
             <a:tbl>
               <a:tblPr firstRow="1" firstCol="1" bandRow="1">
-                <a:tableStyleId>{912C8C85-51F0-491E-9774-3900AFEF0FD7}</a:tableStyleId>
+                <a:tableStyleId>{5940675A-B579-460E-94D1-54222C63F5DA}</a:tableStyleId>
               </a:tblPr>
               <a:tblGrid>
-                <a:gridCol w="4000461">
+                <a:gridCol w="8189673">
                   <a:extLst>
                     <a:ext uri="{9D8B030D-6E8A-4147-A177-3AD203B41FA5}">
-                      <a16:colId xmlns:a16="http://schemas.microsoft.com/office/drawing/2014/main" val="4282537748"/>
-                    </a:ext>
-                  </a:extLst>
-                </a:gridCol>
-                <a:gridCol w="4001322">
-                  <a:extLst>
-                    <a:ext uri="{9D8B030D-6E8A-4147-A177-3AD203B41FA5}">
-                      <a16:colId xmlns:a16="http://schemas.microsoft.com/office/drawing/2014/main" val="3971165831"/>
+                      <a16:colId xmlns:a16="http://schemas.microsoft.com/office/drawing/2014/main" val="3110637914"/>
                     </a:ext>
                   </a:extLst>
                 </a:gridCol>
               </a:tblGrid>
-              <a:tr h="424909">
+              <a:tr h="3976406">
                 <a:tc>
                   <a:txBody>
                     <a:bodyPr/>
                     <a:lstStyle/>
                     <a:p>
                       <a:pPr algn="just">
+                        <a:lnSpc>
+                          <a:spcPts val="1200"/>
+                        </a:lnSpc>
                         <a:spcAft>
                           <a:spcPts val="0"/>
                         </a:spcAft>
                       </a:pPr>
-                      <a:r>
-                        <a:rPr lang="ja-JP" sz="2400" kern="100" dirty="0">
-                          <a:effectLst/>
-                        </a:rPr>
-                        <a:t>機器名</a:t>
-                      </a:r>
-                      <a:endParaRPr lang="ja-JP" sz="2400" kern="100" dirty="0">
+                      <a:endParaRPr lang="en-US" sz="2000" kern="100" dirty="0" smtClean="0">
                         <a:effectLst/>
-                        <a:latin typeface="Century" panose="02040604050505020304" pitchFamily="18" charset="0"/>
-                        <a:ea typeface="ＭＳ 明朝" panose="02020609040205080304" pitchFamily="17" charset="-128"/>
-                        <a:cs typeface="Times New Roman" panose="02020603050405020304" pitchFamily="18" charset="0"/>
                       </a:endParaRPr>
                     </a:p>
-                  </a:txBody>
-                  <a:tcPr marL="68580" marR="68580" marT="0" marB="0"/>
-                </a:tc>
-                <a:tc>
-                  <a:txBody>
-                    <a:bodyPr/>
-                    <a:lstStyle/>
                     <a:p>
                       <a:pPr algn="just">
+                        <a:lnSpc>
+                          <a:spcPts val="1200"/>
+                        </a:lnSpc>
                         <a:spcAft>
                           <a:spcPts val="0"/>
                         </a:spcAft>
                       </a:pPr>
                       <a:r>
-                        <a:rPr lang="ja-JP" altLang="en-US" sz="2400" kern="100" dirty="0" smtClean="0">
+                        <a:rPr lang="en-US" sz="2000" kern="100" dirty="0" smtClean="0">
                           <a:effectLst/>
                         </a:rPr>
-                        <a:t>使用する</a:t>
-                      </a:r>
-                      <a:r>
-                        <a:rPr lang="en-US" altLang="ja-JP" sz="2400" kern="100" dirty="0" smtClean="0">
+                        <a:t>Model</a:t>
+                      </a:r>
+                      <a:r>
+                        <a:rPr lang="en-US" sz="2000" kern="100" dirty="0">
                           <a:effectLst/>
                         </a:rPr>
-                        <a:t>Web</a:t>
-                      </a:r>
-                      <a:r>
-                        <a:rPr lang="ja-JP" altLang="en-US" sz="2400" kern="100" dirty="0" smtClean="0">
+                        <a:t>: "</a:t>
+                      </a:r>
+                      <a:r>
+                        <a:rPr lang="en-US" sz="2000" kern="100" dirty="0" smtClean="0">
                           <a:effectLst/>
                         </a:rPr>
-                        <a:t>サーバ</a:t>
-                      </a:r>
-                      <a:endParaRPr lang="ja-JP" sz="2400" kern="100" dirty="0">
+                        <a:t>sequential”</a:t>
+                      </a:r>
+                    </a:p>
+                    <a:p>
+                      <a:pPr algn="just">
+                        <a:lnSpc>
+                          <a:spcPts val="1200"/>
+                        </a:lnSpc>
+                        <a:spcAft>
+                          <a:spcPts val="0"/>
+                        </a:spcAft>
+                      </a:pPr>
+                      <a:endParaRPr lang="en-US" sz="2000" kern="100" dirty="0" smtClean="0">
+                        <a:effectLst/>
+                      </a:endParaRPr>
+                    </a:p>
+                    <a:p>
+                      <a:pPr algn="just">
+                        <a:lnSpc>
+                          <a:spcPts val="1200"/>
+                        </a:lnSpc>
+                        <a:spcAft>
+                          <a:spcPts val="0"/>
+                        </a:spcAft>
+                      </a:pPr>
+                      <a:r>
+                        <a:rPr lang="en-US" sz="2000" kern="100" dirty="0" smtClean="0">
+                          <a:effectLst/>
+                        </a:rPr>
+                        <a:t>Layer </a:t>
+                      </a:r>
+                      <a:r>
+                        <a:rPr lang="en-US" sz="2000" kern="100" dirty="0">
+                          <a:effectLst/>
+                        </a:rPr>
+                        <a:t>(type)                Output Shape              </a:t>
+                      </a:r>
+                      <a:r>
+                        <a:rPr lang="en-US" sz="2000" kern="100" dirty="0" err="1">
+                          <a:effectLst/>
+                        </a:rPr>
+                        <a:t>Param</a:t>
+                      </a:r>
+                      <a:r>
+                        <a:rPr lang="en-US" sz="2000" kern="100" dirty="0">
+                          <a:effectLst/>
+                        </a:rPr>
+                        <a:t> </a:t>
+                      </a:r>
+                      <a:r>
+                        <a:rPr lang="en-US" sz="2000" kern="100" dirty="0" smtClean="0">
+                          <a:effectLst/>
+                        </a:rPr>
+                        <a:t>#  </a:t>
+                      </a:r>
+                    </a:p>
+                    <a:p>
+                      <a:pPr algn="just">
+                        <a:lnSpc>
+                          <a:spcPts val="1200"/>
+                        </a:lnSpc>
+                        <a:spcAft>
+                          <a:spcPts val="0"/>
+                        </a:spcAft>
+                      </a:pPr>
+                      <a:r>
+                        <a:rPr lang="en-US" sz="2000" kern="100" dirty="0" smtClean="0">
+                          <a:effectLst/>
+                        </a:rPr>
+                        <a:t> ===============================================================</a:t>
+                      </a:r>
+                    </a:p>
+                    <a:p>
+                      <a:pPr algn="just">
+                        <a:lnSpc>
+                          <a:spcPts val="1200"/>
+                        </a:lnSpc>
+                        <a:spcAft>
+                          <a:spcPts val="0"/>
+                        </a:spcAft>
+                      </a:pPr>
+                      <a:endParaRPr lang="en-US" sz="2000" kern="100" dirty="0" smtClean="0">
+                        <a:effectLst/>
+                      </a:endParaRPr>
+                    </a:p>
+                    <a:p>
+                      <a:pPr algn="just">
+                        <a:lnSpc>
+                          <a:spcPts val="1200"/>
+                        </a:lnSpc>
+                        <a:spcAft>
+                          <a:spcPts val="0"/>
+                        </a:spcAft>
+                      </a:pPr>
+                      <a:r>
+                        <a:rPr lang="en-US" sz="2000" kern="100" dirty="0" smtClean="0">
+                          <a:effectLst/>
+                        </a:rPr>
+                        <a:t>dense </a:t>
+                      </a:r>
+                      <a:r>
+                        <a:rPr lang="en-US" sz="2000" kern="100" dirty="0">
+                          <a:effectLst/>
+                        </a:rPr>
+                        <a:t>(Dense)               (None, 256)               6656             </a:t>
+                      </a:r>
+                      <a:endParaRPr lang="en-US" sz="2000" kern="100" dirty="0" smtClean="0">
+                        <a:effectLst/>
+                      </a:endParaRPr>
+                    </a:p>
+                    <a:p>
+                      <a:pPr algn="just">
+                        <a:lnSpc>
+                          <a:spcPts val="1200"/>
+                        </a:lnSpc>
+                        <a:spcAft>
+                          <a:spcPts val="0"/>
+                        </a:spcAft>
+                      </a:pPr>
+                      <a:r>
+                        <a:rPr lang="en-US" sz="2000" kern="100" dirty="0" smtClean="0">
+                          <a:effectLst/>
+                        </a:rPr>
+                        <a:t>                                                           </a:t>
+                      </a:r>
+                    </a:p>
+                    <a:p>
+                      <a:pPr algn="just">
+                        <a:lnSpc>
+                          <a:spcPts val="1200"/>
+                        </a:lnSpc>
+                        <a:spcAft>
+                          <a:spcPts val="0"/>
+                        </a:spcAft>
+                      </a:pPr>
+                      <a:r>
+                        <a:rPr lang="en-US" sz="2000" kern="100" dirty="0" smtClean="0">
+                          <a:effectLst/>
+                        </a:rPr>
+                        <a:t>dense_1 </a:t>
+                      </a:r>
+                      <a:r>
+                        <a:rPr lang="en-US" sz="2000" kern="100" dirty="0">
+                          <a:effectLst/>
+                        </a:rPr>
+                        <a:t>(Dense)             (None, 128)               32896                                                                       </a:t>
+                      </a:r>
+                      <a:endParaRPr lang="en-US" sz="2000" kern="100" dirty="0" smtClean="0">
+                        <a:effectLst/>
+                      </a:endParaRPr>
+                    </a:p>
+                    <a:p>
+                      <a:pPr algn="just">
+                        <a:lnSpc>
+                          <a:spcPts val="1200"/>
+                        </a:lnSpc>
+                        <a:spcAft>
+                          <a:spcPts val="0"/>
+                        </a:spcAft>
+                      </a:pPr>
+                      <a:endParaRPr lang="en-US" sz="2000" kern="100" dirty="0" smtClean="0">
+                        <a:effectLst/>
+                      </a:endParaRPr>
+                    </a:p>
+                    <a:p>
+                      <a:pPr algn="just">
+                        <a:lnSpc>
+                          <a:spcPts val="1200"/>
+                        </a:lnSpc>
+                        <a:spcAft>
+                          <a:spcPts val="0"/>
+                        </a:spcAft>
+                      </a:pPr>
+                      <a:r>
+                        <a:rPr lang="en-US" sz="2000" kern="100" dirty="0" smtClean="0">
+                          <a:effectLst/>
+                        </a:rPr>
+                        <a:t>dense_2 </a:t>
+                      </a:r>
+                      <a:r>
+                        <a:rPr lang="en-US" sz="2000" kern="100" dirty="0">
+                          <a:effectLst/>
+                        </a:rPr>
+                        <a:t>(Dense)             (None, 64)                8256                                                                        </a:t>
+                      </a:r>
+                      <a:endParaRPr lang="en-US" sz="2000" kern="100" dirty="0" smtClean="0">
+                        <a:effectLst/>
+                      </a:endParaRPr>
+                    </a:p>
+                    <a:p>
+                      <a:pPr algn="just">
+                        <a:lnSpc>
+                          <a:spcPts val="1200"/>
+                        </a:lnSpc>
+                        <a:spcAft>
+                          <a:spcPts val="0"/>
+                        </a:spcAft>
+                      </a:pPr>
+                      <a:endParaRPr lang="en-US" sz="2000" kern="100" dirty="0" smtClean="0">
+                        <a:effectLst/>
+                      </a:endParaRPr>
+                    </a:p>
+                    <a:p>
+                      <a:pPr algn="just">
+                        <a:lnSpc>
+                          <a:spcPts val="1200"/>
+                        </a:lnSpc>
+                        <a:spcAft>
+                          <a:spcPts val="0"/>
+                        </a:spcAft>
+                      </a:pPr>
+                      <a:r>
+                        <a:rPr lang="en-US" sz="2000" kern="100" dirty="0" smtClean="0">
+                          <a:effectLst/>
+                        </a:rPr>
+                        <a:t>dense_3 </a:t>
+                      </a:r>
+                      <a:r>
+                        <a:rPr lang="en-US" sz="2000" kern="100" dirty="0">
+                          <a:effectLst/>
+                        </a:rPr>
+                        <a:t>(Dense)             (None, 10)                </a:t>
+                      </a:r>
+                      <a:r>
+                        <a:rPr lang="en-US" sz="2000" kern="100" dirty="0" smtClean="0">
+                          <a:effectLst/>
+                        </a:rPr>
+                        <a:t>650</a:t>
+                      </a:r>
+                    </a:p>
+                    <a:p>
+                      <a:pPr algn="just">
+                        <a:lnSpc>
+                          <a:spcPts val="1200"/>
+                        </a:lnSpc>
+                        <a:spcAft>
+                          <a:spcPts val="0"/>
+                        </a:spcAft>
+                      </a:pPr>
+                      <a:endParaRPr lang="en-US" sz="2000" kern="100" dirty="0" smtClean="0">
+                        <a:effectLst/>
+                      </a:endParaRPr>
+                    </a:p>
+                    <a:p>
+                      <a:pPr algn="just">
+                        <a:lnSpc>
+                          <a:spcPts val="1200"/>
+                        </a:lnSpc>
+                        <a:spcAft>
+                          <a:spcPts val="0"/>
+                        </a:spcAft>
+                      </a:pPr>
+                      <a:r>
+                        <a:rPr lang="en-US" sz="2000" kern="100" dirty="0" smtClean="0">
+                          <a:effectLst/>
+                        </a:rPr>
+                        <a:t>===============================================================</a:t>
+                      </a:r>
+                    </a:p>
+                    <a:p>
+                      <a:pPr algn="just">
+                        <a:lnSpc>
+                          <a:spcPts val="1200"/>
+                        </a:lnSpc>
+                        <a:spcAft>
+                          <a:spcPts val="0"/>
+                        </a:spcAft>
+                      </a:pPr>
+                      <a:endParaRPr lang="en-US" sz="2000" kern="100" dirty="0" smtClean="0">
+                        <a:effectLst/>
+                      </a:endParaRPr>
+                    </a:p>
+                    <a:p>
+                      <a:pPr algn="just">
+                        <a:lnSpc>
+                          <a:spcPts val="1200"/>
+                        </a:lnSpc>
+                        <a:spcAft>
+                          <a:spcPts val="0"/>
+                        </a:spcAft>
+                      </a:pPr>
+                      <a:r>
+                        <a:rPr lang="en-US" sz="2000" kern="100" dirty="0" smtClean="0">
+                          <a:effectLst/>
+                        </a:rPr>
+                        <a:t>Total </a:t>
+                      </a:r>
+                      <a:r>
+                        <a:rPr lang="en-US" sz="2000" kern="100" dirty="0" err="1">
+                          <a:effectLst/>
+                        </a:rPr>
+                        <a:t>params</a:t>
+                      </a:r>
+                      <a:r>
+                        <a:rPr lang="en-US" sz="2000" kern="100" dirty="0">
+                          <a:effectLst/>
+                        </a:rPr>
+                        <a:t>: </a:t>
+                      </a:r>
+                      <a:r>
+                        <a:rPr lang="en-US" sz="2000" kern="100" dirty="0" smtClean="0">
+                          <a:effectLst/>
+                        </a:rPr>
+                        <a:t>48,458</a:t>
+                      </a:r>
+                    </a:p>
+                    <a:p>
+                      <a:pPr algn="just">
+                        <a:lnSpc>
+                          <a:spcPts val="1200"/>
+                        </a:lnSpc>
+                        <a:spcAft>
+                          <a:spcPts val="0"/>
+                        </a:spcAft>
+                      </a:pPr>
+                      <a:endParaRPr lang="en-US" sz="2000" kern="100" dirty="0" smtClean="0">
+                        <a:effectLst/>
+                      </a:endParaRPr>
+                    </a:p>
+                    <a:p>
+                      <a:pPr algn="just">
+                        <a:lnSpc>
+                          <a:spcPts val="1200"/>
+                        </a:lnSpc>
+                        <a:spcAft>
+                          <a:spcPts val="0"/>
+                        </a:spcAft>
+                      </a:pPr>
+                      <a:r>
+                        <a:rPr lang="en-US" sz="2000" kern="100" dirty="0" smtClean="0">
+                          <a:effectLst/>
+                        </a:rPr>
+                        <a:t>Trainable </a:t>
+                      </a:r>
+                      <a:r>
+                        <a:rPr lang="en-US" sz="2000" kern="100" dirty="0" err="1">
+                          <a:effectLst/>
+                        </a:rPr>
+                        <a:t>params</a:t>
+                      </a:r>
+                      <a:r>
+                        <a:rPr lang="en-US" sz="2000" kern="100" dirty="0">
+                          <a:effectLst/>
+                        </a:rPr>
+                        <a:t>: </a:t>
+                      </a:r>
+                      <a:r>
+                        <a:rPr lang="en-US" sz="2000" kern="100" dirty="0" smtClean="0">
+                          <a:effectLst/>
+                        </a:rPr>
+                        <a:t>48,458</a:t>
+                      </a:r>
+                    </a:p>
+                    <a:p>
+                      <a:pPr algn="just">
+                        <a:lnSpc>
+                          <a:spcPts val="1200"/>
+                        </a:lnSpc>
+                        <a:spcAft>
+                          <a:spcPts val="0"/>
+                        </a:spcAft>
+                      </a:pPr>
+                      <a:endParaRPr lang="en-US" sz="2000" kern="100" dirty="0" smtClean="0">
+                        <a:effectLst/>
+                      </a:endParaRPr>
+                    </a:p>
+                    <a:p>
+                      <a:pPr algn="just">
+                        <a:lnSpc>
+                          <a:spcPts val="1200"/>
+                        </a:lnSpc>
+                        <a:spcAft>
+                          <a:spcPts val="0"/>
+                        </a:spcAft>
+                      </a:pPr>
+                      <a:r>
+                        <a:rPr lang="en-US" sz="2000" kern="100" dirty="0" smtClean="0">
+                          <a:effectLst/>
+                        </a:rPr>
+                        <a:t>Non-trainable </a:t>
+                      </a:r>
+                      <a:r>
+                        <a:rPr lang="en-US" sz="2000" kern="100" dirty="0" err="1">
+                          <a:effectLst/>
+                        </a:rPr>
+                        <a:t>params</a:t>
+                      </a:r>
+                      <a:r>
+                        <a:rPr lang="en-US" sz="2000" kern="100" dirty="0">
+                          <a:effectLst/>
+                        </a:rPr>
+                        <a:t>: </a:t>
+                      </a:r>
+                      <a:r>
+                        <a:rPr lang="en-US" sz="2000" kern="100" dirty="0" smtClean="0">
+                          <a:effectLst/>
+                        </a:rPr>
+                        <a:t>0</a:t>
+                      </a:r>
+                    </a:p>
+                    <a:p>
+                      <a:pPr algn="just">
+                        <a:lnSpc>
+                          <a:spcPts val="1200"/>
+                        </a:lnSpc>
+                        <a:spcAft>
+                          <a:spcPts val="0"/>
+                        </a:spcAft>
+                      </a:pPr>
+                      <a:endParaRPr lang="en-US" sz="2000" kern="100" dirty="0" smtClean="0">
+                        <a:effectLst/>
+                      </a:endParaRPr>
+                    </a:p>
+                    <a:p>
+                      <a:pPr algn="just">
+                        <a:lnSpc>
+                          <a:spcPts val="1200"/>
+                        </a:lnSpc>
+                        <a:spcAft>
+                          <a:spcPts val="0"/>
+                        </a:spcAft>
+                      </a:pPr>
+                      <a:endParaRPr lang="en-US" sz="2000" kern="100" dirty="0" smtClean="0">
+                        <a:effectLst/>
+                      </a:endParaRPr>
+                    </a:p>
+                    <a:p>
+                      <a:pPr algn="just">
+                        <a:lnSpc>
+                          <a:spcPts val="1200"/>
+                        </a:lnSpc>
+                        <a:spcAft>
+                          <a:spcPts val="0"/>
+                        </a:spcAft>
+                      </a:pPr>
+                      <a:r>
+                        <a:rPr lang="en-US" sz="2000" kern="100" dirty="0" smtClean="0">
+                          <a:effectLst/>
+                        </a:rPr>
+                        <a:t>None</a:t>
+                      </a:r>
+                      <a:r>
+                        <a:rPr lang="en-US" sz="2000" kern="100" dirty="0">
+                          <a:effectLst/>
+                        </a:rPr>
+                        <a:t> </a:t>
+                      </a:r>
+                      <a:endParaRPr lang="ja-JP" sz="2000" kern="100" dirty="0">
                         <a:effectLst/>
                         <a:latin typeface="Century" panose="02040604050505020304" pitchFamily="18" charset="0"/>
                         <a:ea typeface="ＭＳ 明朝" panose="02020609040205080304" pitchFamily="17" charset="-128"/>
@@ -4627,243 +5112,7 @@
                 </a:tc>
                 <a:extLst>
                   <a:ext uri="{0D108BD9-81ED-4DB2-BD59-A6C34878D82A}">
-                    <a16:rowId xmlns:a16="http://schemas.microsoft.com/office/drawing/2014/main" val="3385028222"/>
-                  </a:ext>
-                </a:extLst>
-              </a:tr>
-              <a:tr h="410471">
-                <a:tc>
-                  <a:txBody>
-                    <a:bodyPr/>
-                    <a:lstStyle/>
-                    <a:p>
-                      <a:pPr algn="just">
-                        <a:spcAft>
-                          <a:spcPts val="0"/>
-                        </a:spcAft>
-                      </a:pPr>
-                      <a:r>
-                        <a:rPr lang="en-US" sz="2400" kern="100" dirty="0">
-                          <a:effectLst/>
-                        </a:rPr>
-                        <a:t>Raspberry Pi1</a:t>
-                      </a:r>
-                      <a:endParaRPr lang="ja-JP" sz="2400" kern="100" dirty="0">
-                        <a:effectLst/>
-                        <a:latin typeface="Century" panose="02040604050505020304" pitchFamily="18" charset="0"/>
-                        <a:ea typeface="ＭＳ 明朝" panose="02020609040205080304" pitchFamily="17" charset="-128"/>
-                        <a:cs typeface="Times New Roman" panose="02020603050405020304" pitchFamily="18" charset="0"/>
-                      </a:endParaRPr>
-                    </a:p>
-                  </a:txBody>
-                  <a:tcPr marL="68580" marR="68580" marT="0" marB="0"/>
-                </a:tc>
-                <a:tc>
-                  <a:txBody>
-                    <a:bodyPr/>
-                    <a:lstStyle/>
-                    <a:p>
-                      <a:pPr algn="just">
-                        <a:spcAft>
-                          <a:spcPts val="0"/>
-                        </a:spcAft>
-                      </a:pPr>
-                      <a:r>
-                        <a:rPr lang="en-US" altLang="ja-JP" sz="2400" kern="100" dirty="0" smtClean="0">
-                          <a:effectLst/>
-                        </a:rPr>
-                        <a:t>Nginx</a:t>
-                      </a:r>
-                      <a:endParaRPr lang="ja-JP" sz="2400" kern="100" dirty="0">
-                        <a:effectLst/>
-                        <a:latin typeface="Century" panose="02040604050505020304" pitchFamily="18" charset="0"/>
-                        <a:ea typeface="ＭＳ 明朝" panose="02020609040205080304" pitchFamily="17" charset="-128"/>
-                        <a:cs typeface="Times New Roman" panose="02020603050405020304" pitchFamily="18" charset="0"/>
-                      </a:endParaRPr>
-                    </a:p>
-                  </a:txBody>
-                  <a:tcPr marL="68580" marR="68580" marT="0" marB="0"/>
-                </a:tc>
-                <a:extLst>
-                  <a:ext uri="{0D108BD9-81ED-4DB2-BD59-A6C34878D82A}">
-                    <a16:rowId xmlns:a16="http://schemas.microsoft.com/office/drawing/2014/main" val="801908692"/>
-                  </a:ext>
-                </a:extLst>
-              </a:tr>
-              <a:tr h="410471">
-                <a:tc>
-                  <a:txBody>
-                    <a:bodyPr/>
-                    <a:lstStyle/>
-                    <a:p>
-                      <a:pPr algn="just">
-                        <a:spcAft>
-                          <a:spcPts val="0"/>
-                        </a:spcAft>
-                      </a:pPr>
-                      <a:r>
-                        <a:rPr lang="en-US" sz="2400" kern="100" dirty="0">
-                          <a:effectLst/>
-                        </a:rPr>
-                        <a:t>Raspberry Pi2</a:t>
-                      </a:r>
-                      <a:endParaRPr lang="ja-JP" sz="2400" kern="100" dirty="0">
-                        <a:effectLst/>
-                        <a:latin typeface="Century" panose="02040604050505020304" pitchFamily="18" charset="0"/>
-                        <a:ea typeface="ＭＳ 明朝" panose="02020609040205080304" pitchFamily="17" charset="-128"/>
-                        <a:cs typeface="Times New Roman" panose="02020603050405020304" pitchFamily="18" charset="0"/>
-                      </a:endParaRPr>
-                    </a:p>
-                  </a:txBody>
-                  <a:tcPr marL="68580" marR="68580" marT="0" marB="0"/>
-                </a:tc>
-                <a:tc>
-                  <a:txBody>
-                    <a:bodyPr/>
-                    <a:lstStyle/>
-                    <a:p>
-                      <a:pPr algn="just">
-                        <a:spcAft>
-                          <a:spcPts val="0"/>
-                        </a:spcAft>
-                      </a:pPr>
-                      <a:r>
-                        <a:rPr lang="en-US" altLang="ja-JP" sz="2400" kern="100" dirty="0" smtClean="0">
-                          <a:effectLst/>
-                        </a:rPr>
-                        <a:t>Apache</a:t>
-                      </a:r>
-                      <a:endParaRPr lang="ja-JP" sz="2400" kern="100" dirty="0">
-                        <a:effectLst/>
-                        <a:latin typeface="Century" panose="02040604050505020304" pitchFamily="18" charset="0"/>
-                        <a:ea typeface="ＭＳ 明朝" panose="02020609040205080304" pitchFamily="17" charset="-128"/>
-                        <a:cs typeface="Times New Roman" panose="02020603050405020304" pitchFamily="18" charset="0"/>
-                      </a:endParaRPr>
-                    </a:p>
-                  </a:txBody>
-                  <a:tcPr marL="68580" marR="68580" marT="0" marB="0"/>
-                </a:tc>
-                <a:extLst>
-                  <a:ext uri="{0D108BD9-81ED-4DB2-BD59-A6C34878D82A}">
-                    <a16:rowId xmlns:a16="http://schemas.microsoft.com/office/drawing/2014/main" val="4171327159"/>
-                  </a:ext>
-                </a:extLst>
-              </a:tr>
-              <a:tr h="410471">
-                <a:tc>
-                  <a:txBody>
-                    <a:bodyPr/>
-                    <a:lstStyle/>
-                    <a:p>
-                      <a:pPr algn="just">
-                        <a:spcAft>
-                          <a:spcPts val="0"/>
-                        </a:spcAft>
-                      </a:pPr>
-                      <a:r>
-                        <a:rPr lang="en-US" sz="2400" kern="100">
-                          <a:effectLst/>
-                        </a:rPr>
-                        <a:t>Raspberry Pi3</a:t>
-                      </a:r>
-                      <a:endParaRPr lang="ja-JP" sz="2400" kern="100">
-                        <a:effectLst/>
-                        <a:latin typeface="Century" panose="02040604050505020304" pitchFamily="18" charset="0"/>
-                        <a:ea typeface="ＭＳ 明朝" panose="02020609040205080304" pitchFamily="17" charset="-128"/>
-                        <a:cs typeface="Times New Roman" panose="02020603050405020304" pitchFamily="18" charset="0"/>
-                      </a:endParaRPr>
-                    </a:p>
-                  </a:txBody>
-                  <a:tcPr marL="68580" marR="68580" marT="0" marB="0"/>
-                </a:tc>
-                <a:tc>
-                  <a:txBody>
-                    <a:bodyPr/>
-                    <a:lstStyle/>
-                    <a:p>
-                      <a:pPr algn="just">
-                        <a:spcAft>
-                          <a:spcPts val="0"/>
-                        </a:spcAft>
-                      </a:pPr>
-                      <a:r>
-                        <a:rPr lang="en-US" altLang="ja-JP" sz="2400" kern="100" dirty="0" smtClean="0">
-                          <a:effectLst/>
-                        </a:rPr>
-                        <a:t>Apache</a:t>
-                      </a:r>
-                      <a:endParaRPr lang="ja-JP" sz="2400" kern="100" dirty="0">
-                        <a:effectLst/>
-                        <a:latin typeface="Century" panose="02040604050505020304" pitchFamily="18" charset="0"/>
-                        <a:ea typeface="ＭＳ 明朝" panose="02020609040205080304" pitchFamily="17" charset="-128"/>
-                        <a:cs typeface="Times New Roman" panose="02020603050405020304" pitchFamily="18" charset="0"/>
-                      </a:endParaRPr>
-                    </a:p>
-                  </a:txBody>
-                  <a:tcPr marL="68580" marR="68580" marT="0" marB="0"/>
-                </a:tc>
-                <a:extLst>
-                  <a:ext uri="{0D108BD9-81ED-4DB2-BD59-A6C34878D82A}">
-                    <a16:rowId xmlns:a16="http://schemas.microsoft.com/office/drawing/2014/main" val="3481931918"/>
-                  </a:ext>
-                </a:extLst>
-              </a:tr>
-              <a:tr h="410471">
-                <a:tc>
-                  <a:txBody>
-                    <a:bodyPr/>
-                    <a:lstStyle/>
-                    <a:p>
-                      <a:pPr algn="just">
-                        <a:spcAft>
-                          <a:spcPts val="0"/>
-                        </a:spcAft>
-                      </a:pPr>
-                      <a:r>
-                        <a:rPr lang="en-US" sz="2400" kern="100" dirty="0">
-                          <a:effectLst/>
-                        </a:rPr>
-                        <a:t>Raspberry Pi4</a:t>
-                      </a:r>
-                      <a:endParaRPr lang="ja-JP" sz="2400" kern="100" dirty="0">
-                        <a:effectLst/>
-                        <a:latin typeface="Century" panose="02040604050505020304" pitchFamily="18" charset="0"/>
-                        <a:ea typeface="ＭＳ 明朝" panose="02020609040205080304" pitchFamily="17" charset="-128"/>
-                        <a:cs typeface="Times New Roman" panose="02020603050405020304" pitchFamily="18" charset="0"/>
-                      </a:endParaRPr>
-                    </a:p>
-                  </a:txBody>
-                  <a:tcPr marL="68580" marR="68580" marT="0" marB="0"/>
-                </a:tc>
-                <a:tc>
-                  <a:txBody>
-                    <a:bodyPr/>
-                    <a:lstStyle/>
-                    <a:p>
-                      <a:pPr algn="just">
-                        <a:spcAft>
-                          <a:spcPts val="0"/>
-                        </a:spcAft>
-                      </a:pPr>
-                      <a:r>
-                        <a:rPr lang="en-US" altLang="ja-JP" sz="2400" kern="100" dirty="0" smtClean="0">
-                          <a:effectLst/>
-                        </a:rPr>
-                        <a:t>Apache</a:t>
-                      </a:r>
-                      <a:endParaRPr lang="ja-JP" sz="2400" kern="100" dirty="0">
-                        <a:effectLst/>
-                        <a:latin typeface="Century" panose="02040604050505020304" pitchFamily="18" charset="0"/>
-                        <a:ea typeface="ＭＳ 明朝" panose="02020609040205080304" pitchFamily="17" charset="-128"/>
-                        <a:cs typeface="Times New Roman" panose="02020603050405020304" pitchFamily="18" charset="0"/>
-                      </a:endParaRPr>
-                    </a:p>
-                  </a:txBody>
-                  <a:tcPr marL="68580" marR="68580" marT="0" marB="0"/>
-                </a:tc>
-                <a:extLst>
-                  <a:ext uri="{0D108BD9-81ED-4DB2-BD59-A6C34878D82A}">
-                    <a16:rowId xmlns:a16="http://schemas.microsoft.com/office/drawing/2014/main" val="3662348656"/>
+                    <a16:rowId xmlns:a16="http://schemas.microsoft.com/office/drawing/2014/main" val="2891460085"/>
                   </a:ext>
                 </a:extLst>
               </a:tr>
@@ -4871,129 +5120,10 @@
           </a:graphicData>
         </a:graphic>
       </p:graphicFrame>
-      <p:sp>
-        <p:nvSpPr>
-          <p:cNvPr id="4" name="スライド番号プレースホルダー 3"/>
-          <p:cNvSpPr>
-            <a:spLocks noGrp="1"/>
-          </p:cNvSpPr>
-          <p:nvPr>
-            <p:ph type="sldNum" sz="quarter" idx="12"/>
-          </p:nvPr>
-        </p:nvSpPr>
-        <p:spPr/>
-        <p:txBody>
-          <a:bodyPr/>
-          <a:lstStyle/>
-          <a:p>
-            <a:fld id="{B4451160-128F-4DAD-AE29-4A8CC0E7B9E9}" type="slidenum">
-              <a:rPr lang="ja-JP" altLang="en-US" smtClean="0"/>
-              <a:pPr/>
-              <a:t>10</a:t>
-            </a:fld>
-            <a:endParaRPr lang="ja-JP" altLang="en-US" dirty="0"/>
-          </a:p>
-        </p:txBody>
-      </p:sp>
-      <p:sp>
-        <p:nvSpPr>
-          <p:cNvPr id="6" name="テキスト ボックス 5"/>
-          <p:cNvSpPr txBox="1"/>
-          <p:nvPr/>
-        </p:nvSpPr>
-        <p:spPr>
-          <a:xfrm>
-            <a:off x="513566" y="1690689"/>
-            <a:ext cx="8001783" cy="2308324"/>
-          </a:xfrm>
-          <a:prstGeom prst="rect">
-            <a:avLst/>
-          </a:prstGeom>
-          <a:noFill/>
-        </p:spPr>
-        <p:txBody>
-          <a:bodyPr wrap="square" rtlCol="0">
-            <a:spAutoFit/>
-          </a:bodyPr>
-          <a:lstStyle/>
-          <a:p>
-            <a:r>
-              <a:rPr lang="ja-JP" altLang="en-US" sz="2400" dirty="0"/>
-              <a:t>本研究での</a:t>
-            </a:r>
-            <a:r>
-              <a:rPr kumimoji="1" lang="ja-JP" altLang="en-US" sz="2400" dirty="0" smtClean="0"/>
-              <a:t>負荷分散にはラウンドロビン方式を採用する．</a:t>
-            </a:r>
-            <a:endParaRPr kumimoji="1" lang="en-US" altLang="ja-JP" sz="2400" dirty="0" smtClean="0"/>
-          </a:p>
-          <a:p>
-            <a:r>
-              <a:rPr lang="ja-JP" altLang="en-US" sz="2400" dirty="0"/>
-              <a:t>理由</a:t>
-            </a:r>
-            <a:r>
-              <a:rPr lang="ja-JP" altLang="en-US" sz="2400" dirty="0" smtClean="0"/>
-              <a:t>と</a:t>
-            </a:r>
-            <a:r>
-              <a:rPr lang="ja-JP" altLang="en-US" sz="2400" dirty="0"/>
-              <a:t>して</a:t>
-            </a:r>
-            <a:r>
-              <a:rPr lang="ja-JP" altLang="en-US" sz="2400" dirty="0" smtClean="0"/>
-              <a:t>は他の負荷分散システムと比較して導入しやすく，コストパフォーマンスに優れるためである．</a:t>
-            </a:r>
-            <a:endParaRPr lang="en-US" altLang="ja-JP" sz="2400" dirty="0" smtClean="0"/>
-          </a:p>
-          <a:p>
-            <a:endParaRPr kumimoji="1" lang="en-US" altLang="ja-JP" sz="2400" dirty="0"/>
-          </a:p>
-          <a:p>
-            <a:r>
-              <a:rPr lang="ja-JP" altLang="en-US" sz="2400" dirty="0" smtClean="0"/>
-              <a:t>また負荷分散を行うサーバには</a:t>
-            </a:r>
-            <a:r>
-              <a:rPr lang="en-US" altLang="ja-JP" sz="2400" dirty="0" smtClean="0"/>
-              <a:t>Raspberry Pi</a:t>
-            </a:r>
-            <a:r>
-              <a:rPr lang="ja-JP" altLang="en-US" sz="2400" dirty="0" smtClean="0"/>
-              <a:t>　</a:t>
-            </a:r>
-            <a:r>
-              <a:rPr lang="en-US" altLang="ja-JP" sz="2400" dirty="0" smtClean="0"/>
-              <a:t>4B 4Gb</a:t>
-            </a:r>
-            <a:r>
-              <a:rPr lang="ja-JP" altLang="en-US" sz="2400" dirty="0" smtClean="0"/>
-              <a:t>を使用し，負荷分散機に</a:t>
-            </a:r>
-            <a:r>
-              <a:rPr lang="en-US" altLang="ja-JP" sz="2400" dirty="0" smtClean="0"/>
-              <a:t>Nginx</a:t>
-            </a:r>
-            <a:r>
-              <a:rPr lang="ja-JP" altLang="en-US" sz="2400" dirty="0" smtClean="0"/>
-              <a:t>を負荷分散サーバに</a:t>
-            </a:r>
-            <a:r>
-              <a:rPr lang="en-US" altLang="ja-JP" sz="2400" dirty="0" smtClean="0"/>
-              <a:t>Apache</a:t>
-            </a:r>
-            <a:r>
-              <a:rPr lang="ja-JP" altLang="en-US" sz="2400" dirty="0" smtClean="0"/>
-              <a:t>を導入した．</a:t>
-            </a:r>
-            <a:endParaRPr kumimoji="1" lang="ja-JP" altLang="en-US" sz="2400" dirty="0"/>
-          </a:p>
-        </p:txBody>
-      </p:sp>
     </p:spTree>
     <p:extLst>
       <p:ext uri="{BB962C8B-B14F-4D97-AF65-F5344CB8AC3E}">
-        <p14:creationId xmlns:p14="http://schemas.microsoft.com/office/powerpoint/2010/main" val="965173600"/>
+        <p14:creationId xmlns:p14="http://schemas.microsoft.com/office/powerpoint/2010/main" val="1905092805"/>
       </p:ext>
     </p:extLst>
   </p:cSld>
@@ -5043,35 +5173,19 @@
           <a:lstStyle/>
           <a:p>
             <a:r>
-              <a:rPr kumimoji="1" lang="ja-JP" altLang="en-US" dirty="0" smtClean="0"/>
-              <a:t>実験目的</a:t>
-            </a:r>
-            <a:endParaRPr kumimoji="1" lang="ja-JP" altLang="en-US" dirty="0"/>
-          </a:p>
-        </p:txBody>
-      </p:sp>
-      <p:sp>
-        <p:nvSpPr>
-          <p:cNvPr id="3" name="コンテンツ プレースホルダー 2"/>
-          <p:cNvSpPr>
-            <a:spLocks noGrp="1"/>
-          </p:cNvSpPr>
-          <p:nvPr>
-            <p:ph idx="1"/>
-          </p:nvPr>
-        </p:nvSpPr>
-        <p:spPr/>
-        <p:txBody>
-          <a:bodyPr/>
-          <a:lstStyle/>
-          <a:p>
-            <a:r>
-              <a:rPr kumimoji="1" lang="ja-JP" altLang="en-US" dirty="0" smtClean="0"/>
-              <a:t>単機サーバと複数サーバでジャンル推定処理を行い．その処理にかかった時間と分類精度を</a:t>
-            </a:r>
-            <a:r>
-              <a:rPr kumimoji="1" lang="ja-JP" altLang="en-US" smtClean="0"/>
-              <a:t>比較することで実現可能性を検証する．</a:t>
+              <a:rPr lang="ja-JP" altLang="en-US" dirty="0" smtClean="0"/>
+              <a:t>ラウンドロビン方式を導入した</a:t>
+            </a:r>
+            <a:r>
+              <a:rPr lang="en-US" altLang="ja-JP" dirty="0" smtClean="0"/>
+              <a:t/>
+            </a:r>
+            <a:br>
+              <a:rPr lang="en-US" altLang="ja-JP" dirty="0" smtClean="0"/>
+            </a:br>
+            <a:r>
+              <a:rPr lang="ja-JP" altLang="en-US" dirty="0" smtClean="0"/>
+              <a:t>負荷分散システム</a:t>
             </a:r>
             <a:endParaRPr kumimoji="1" lang="ja-JP" altLang="en-US" dirty="0"/>
           </a:p>
@@ -5101,16 +5215,116 @@
           </a:p>
         </p:txBody>
       </p:sp>
+      <p:sp>
+        <p:nvSpPr>
+          <p:cNvPr id="6" name="テキスト ボックス 5"/>
+          <p:cNvSpPr txBox="1"/>
+          <p:nvPr/>
+        </p:nvSpPr>
+        <p:spPr>
+          <a:xfrm>
+            <a:off x="513566" y="1796991"/>
+            <a:ext cx="8001783" cy="1938992"/>
+          </a:xfrm>
+          <a:prstGeom prst="rect">
+            <a:avLst/>
+          </a:prstGeom>
+          <a:noFill/>
+        </p:spPr>
+        <p:txBody>
+          <a:bodyPr wrap="square" rtlCol="0">
+            <a:spAutoFit/>
+          </a:bodyPr>
+          <a:lstStyle/>
+          <a:p>
+            <a:r>
+              <a:rPr lang="ja-JP" altLang="en-US" sz="2400" dirty="0"/>
+              <a:t>本研究での</a:t>
+            </a:r>
+            <a:r>
+              <a:rPr kumimoji="1" lang="ja-JP" altLang="en-US" sz="2400" dirty="0" smtClean="0"/>
+              <a:t>負荷分散にはラウンドロビン方式を採用する．</a:t>
+            </a:r>
+            <a:endParaRPr kumimoji="1" lang="en-US" altLang="ja-JP" sz="2400" dirty="0" smtClean="0"/>
+          </a:p>
+          <a:p>
+            <a:r>
+              <a:rPr lang="ja-JP" altLang="en-US" sz="2400" dirty="0"/>
+              <a:t>理由</a:t>
+            </a:r>
+            <a:r>
+              <a:rPr lang="ja-JP" altLang="en-US" sz="2400" dirty="0" smtClean="0"/>
+              <a:t>と</a:t>
+            </a:r>
+            <a:r>
+              <a:rPr lang="ja-JP" altLang="en-US" sz="2400" dirty="0"/>
+              <a:t>して</a:t>
+            </a:r>
+            <a:r>
+              <a:rPr lang="ja-JP" altLang="en-US" sz="2400" dirty="0" smtClean="0"/>
+              <a:t>は，他</a:t>
+            </a:r>
+            <a:r>
+              <a:rPr lang="ja-JP" altLang="en-US" sz="2400" dirty="0" smtClean="0"/>
+              <a:t>の負荷分散システムと比較して導入しやすく，コストパフォーマンスに優れるためである．</a:t>
+            </a:r>
+            <a:endParaRPr lang="en-US" altLang="ja-JP" sz="2400" dirty="0" smtClean="0"/>
+          </a:p>
+          <a:p>
+            <a:endParaRPr kumimoji="1" lang="en-US" altLang="ja-JP" sz="2400" dirty="0"/>
+          </a:p>
+          <a:p>
+            <a:endParaRPr kumimoji="1" lang="ja-JP" altLang="en-US" sz="2400" dirty="0"/>
+          </a:p>
+        </p:txBody>
+      </p:sp>
+      <p:pic>
+        <p:nvPicPr>
+          <p:cNvPr id="8" name="図 7"/>
+          <p:cNvPicPr>
+            <a:picLocks noChangeAspect="1"/>
+          </p:cNvPicPr>
+          <p:nvPr/>
+        </p:nvPicPr>
+        <p:blipFill>
+          <a:blip r:embed="rId2">
+            <a:extLst>
+              <a:ext uri="{28A0092B-C50C-407E-A947-70E740481C1C}">
+                <a14:useLocalDpi xmlns:a14="http://schemas.microsoft.com/office/drawing/2010/main" val="0"/>
+              </a:ext>
+            </a:extLst>
+          </a:blip>
+          <a:stretch>
+            <a:fillRect/>
+          </a:stretch>
+        </p:blipFill>
+        <p:spPr>
+          <a:xfrm>
+            <a:off x="513566" y="3600510"/>
+            <a:ext cx="7925487" cy="2408129"/>
+          </a:xfrm>
+          <a:prstGeom prst="rect">
+            <a:avLst/>
+          </a:prstGeom>
+        </p:spPr>
+      </p:pic>
     </p:spTree>
     <p:extLst>
       <p:ext uri="{BB962C8B-B14F-4D97-AF65-F5344CB8AC3E}">
-        <p14:creationId xmlns:p14="http://schemas.microsoft.com/office/powerpoint/2010/main" val="636665"/>
+        <p14:creationId xmlns:p14="http://schemas.microsoft.com/office/powerpoint/2010/main" val="965173600"/>
       </p:ext>
     </p:extLst>
   </p:cSld>
   <p:clrMapOvr>
     <a:masterClrMapping/>
   </p:clrMapOvr>
+  <p:timing>
+    <p:tnLst>
+      <p:par>
+        <p:cTn id="1" dur="indefinite" restart="never" nodeType="tmRoot"/>
+      </p:par>
+    </p:tnLst>
+  </p:timing>
 </p:sld>
 </file>
 
@@ -5148,21 +5362,117 @@
           <a:p>
             <a:r>
               <a:rPr kumimoji="1" lang="ja-JP" altLang="en-US" dirty="0" smtClean="0"/>
-              <a:t>実験環境</a:t>
-            </a:r>
+              <a:t>実験方法</a:t>
+            </a:r>
+            <a:endParaRPr kumimoji="1" lang="ja-JP" altLang="en-US" dirty="0"/>
+          </a:p>
+        </p:txBody>
+      </p:sp>
+      <p:sp>
+        <p:nvSpPr>
+          <p:cNvPr id="3" name="コンテンツ プレースホルダー 2"/>
+          <p:cNvSpPr>
+            <a:spLocks noGrp="1"/>
+          </p:cNvSpPr>
+          <p:nvPr>
+            <p:ph idx="1"/>
+          </p:nvPr>
+        </p:nvSpPr>
+        <p:spPr/>
+        <p:txBody>
+          <a:bodyPr/>
+          <a:lstStyle/>
+          <a:p>
+            <a:pPr marL="0" indent="0">
+              <a:buNone/>
+            </a:pPr>
             <a:r>
               <a:rPr lang="en-US" altLang="ja-JP" dirty="0" smtClean="0"/>
-              <a:t>(</a:t>
+              <a:t>200</a:t>
             </a:r>
             <a:r>
               <a:rPr lang="ja-JP" altLang="en-US" dirty="0" smtClean="0"/>
-              <a:t>使用機器</a:t>
+              <a:t>件の楽曲データを利用し，</a:t>
             </a:r>
             <a:r>
               <a:rPr lang="en-US" altLang="ja-JP" dirty="0" smtClean="0"/>
-              <a:t>)</a:t>
-            </a:r>
-            <a:endParaRPr kumimoji="1" lang="ja-JP" altLang="en-US" dirty="0"/>
+              <a:t>1</a:t>
+            </a:r>
+            <a:r>
+              <a:rPr lang="ja-JP" altLang="en-US" dirty="0" smtClean="0"/>
+              <a:t>台の</a:t>
+            </a:r>
+            <a:r>
+              <a:rPr lang="en-US" altLang="ja-JP" dirty="0" smtClean="0"/>
+              <a:t>Raspberry Pi</a:t>
+            </a:r>
+            <a:r>
+              <a:rPr lang="ja-JP" altLang="en-US" dirty="0" smtClean="0"/>
+              <a:t>でジャンル推定処理</a:t>
+            </a:r>
+            <a:r>
+              <a:rPr lang="ja-JP" altLang="en-US" dirty="0" smtClean="0"/>
+              <a:t>を行い</a:t>
+            </a:r>
+            <a:r>
+              <a:rPr lang="ja-JP" altLang="en-US" dirty="0" smtClean="0"/>
+              <a:t>処理にかかった時間の合計とジャンル推定の分類精度を計測する．</a:t>
+            </a:r>
+            <a:endParaRPr lang="en-US" altLang="ja-JP" dirty="0" smtClean="0"/>
+          </a:p>
+          <a:p>
+            <a:pPr marL="0" indent="0">
+              <a:buNone/>
+            </a:pPr>
+            <a:r>
+              <a:rPr lang="ja-JP" altLang="en-US" dirty="0" smtClean="0"/>
+              <a:t>その後</a:t>
+            </a:r>
+            <a:r>
+              <a:rPr lang="ja-JP" altLang="en-US" dirty="0"/>
+              <a:t>、</a:t>
+            </a:r>
+            <a:r>
+              <a:rPr lang="ja-JP" altLang="en-US" dirty="0" smtClean="0"/>
+              <a:t>３台の</a:t>
+            </a:r>
+            <a:r>
+              <a:rPr lang="en-US" altLang="ja-JP" dirty="0" smtClean="0"/>
+              <a:t>Raspberry</a:t>
+            </a:r>
+            <a:r>
+              <a:rPr lang="ja-JP" altLang="en-US" dirty="0"/>
+              <a:t> </a:t>
+            </a:r>
+            <a:r>
+              <a:rPr lang="en-US" altLang="ja-JP" dirty="0" smtClean="0"/>
+              <a:t>Pi</a:t>
+            </a:r>
+            <a:r>
+              <a:rPr lang="ja-JP" altLang="en-US" dirty="0" smtClean="0"/>
+              <a:t>で</a:t>
+            </a:r>
+            <a:r>
+              <a:rPr lang="ja-JP" altLang="en-US" dirty="0"/>
+              <a:t>同</a:t>
+            </a:r>
+            <a:r>
+              <a:rPr lang="ja-JP" altLang="en-US" dirty="0" smtClean="0"/>
+              <a:t>処理</a:t>
+            </a:r>
+            <a:r>
+              <a:rPr lang="ja-JP" altLang="en-US" dirty="0" smtClean="0"/>
+              <a:t>を行い処理</a:t>
+            </a:r>
+            <a:r>
+              <a:rPr lang="ja-JP" altLang="en-US" dirty="0"/>
+              <a:t>にかかった</a:t>
+            </a:r>
+            <a:r>
+              <a:rPr lang="ja-JP" altLang="en-US" dirty="0" smtClean="0"/>
+              <a:t>時間の合計と分類精度を計測したものをそれぞれ比較する．</a:t>
+            </a:r>
+            <a:endParaRPr lang="en-US" altLang="ja-JP" dirty="0" smtClean="0"/>
           </a:p>
         </p:txBody>
       </p:sp>
@@ -5185,791 +5495,6 @@
               <a:rPr lang="ja-JP" altLang="en-US" smtClean="0"/>
               <a:pPr/>
               <a:t>12</a:t>
-            </a:fld>
-            <a:endParaRPr lang="ja-JP" altLang="en-US" dirty="0"/>
-          </a:p>
-        </p:txBody>
-      </p:sp>
-      <p:graphicFrame>
-        <p:nvGraphicFramePr>
-          <p:cNvPr id="7" name="コンテンツ プレースホルダー 6"/>
-          <p:cNvGraphicFramePr>
-            <a:graphicFrameLocks noGrp="1"/>
-          </p:cNvGraphicFramePr>
-          <p:nvPr>
-            <p:ph idx="1"/>
-            <p:extLst>
-              <p:ext uri="{D42A27DB-BD31-4B8C-83A1-F6EECF244321}">
-                <p14:modId xmlns:p14="http://schemas.microsoft.com/office/powerpoint/2010/main" val="986496615"/>
-              </p:ext>
-            </p:extLst>
-          </p:nvPr>
-        </p:nvGraphicFramePr>
-        <p:xfrm>
-          <a:off x="628650" y="1550989"/>
-          <a:ext cx="7886700" cy="2162477"/>
-        </p:xfrm>
-        <a:graphic>
-          <a:graphicData uri="http://schemas.openxmlformats.org/drawingml/2006/table">
-            <a:tbl>
-              <a:tblPr firstRow="1" firstCol="1" bandRow="1">
-                <a:tableStyleId>{5C22544A-7EE6-4342-B048-85BDC9FD1C3A}</a:tableStyleId>
-              </a:tblPr>
-              <a:tblGrid>
-                <a:gridCol w="3056097">
-                  <a:extLst>
-                    <a:ext uri="{9D8B030D-6E8A-4147-A177-3AD203B41FA5}">
-                      <a16:colId xmlns:a16="http://schemas.microsoft.com/office/drawing/2014/main" val="3501669275"/>
-                    </a:ext>
-                  </a:extLst>
-                </a:gridCol>
-                <a:gridCol w="2201514">
-                  <a:extLst>
-                    <a:ext uri="{9D8B030D-6E8A-4147-A177-3AD203B41FA5}">
-                      <a16:colId xmlns:a16="http://schemas.microsoft.com/office/drawing/2014/main" val="2777403952"/>
-                    </a:ext>
-                  </a:extLst>
-                </a:gridCol>
-                <a:gridCol w="2629089">
-                  <a:extLst>
-                    <a:ext uri="{9D8B030D-6E8A-4147-A177-3AD203B41FA5}">
-                      <a16:colId xmlns:a16="http://schemas.microsoft.com/office/drawing/2014/main" val="581025790"/>
-                    </a:ext>
-                  </a:extLst>
-                </a:gridCol>
-              </a:tblGrid>
-              <a:tr h="444581">
-                <a:tc>
-                  <a:txBody>
-                    <a:bodyPr/>
-                    <a:lstStyle/>
-                    <a:p>
-                      <a:pPr algn="just">
-                        <a:spcAft>
-                          <a:spcPts val="0"/>
-                        </a:spcAft>
-                      </a:pPr>
-                      <a:r>
-                        <a:rPr lang="ja-JP" sz="2400" kern="100" dirty="0">
-                          <a:effectLst/>
-                        </a:rPr>
-                        <a:t>機器名</a:t>
-                      </a:r>
-                      <a:endParaRPr lang="ja-JP" sz="2400" kern="100" dirty="0">
-                        <a:effectLst/>
-                        <a:latin typeface="Century" panose="02040604050505020304" pitchFamily="18" charset="0"/>
-                        <a:ea typeface="ＭＳ 明朝" panose="02020609040205080304" pitchFamily="17" charset="-128"/>
-                        <a:cs typeface="Times New Roman" panose="02020603050405020304" pitchFamily="18" charset="0"/>
-                      </a:endParaRPr>
-                    </a:p>
-                  </a:txBody>
-                  <a:tcPr marL="68580" marR="68580" marT="0" marB="0"/>
-                </a:tc>
-                <a:tc>
-                  <a:txBody>
-                    <a:bodyPr/>
-                    <a:lstStyle/>
-                    <a:p>
-                      <a:pPr algn="just">
-                        <a:spcAft>
-                          <a:spcPts val="0"/>
-                        </a:spcAft>
-                      </a:pPr>
-                      <a:r>
-                        <a:rPr lang="en-US" sz="2400" kern="100" dirty="0">
-                          <a:effectLst/>
-                        </a:rPr>
-                        <a:t>IP</a:t>
-                      </a:r>
-                      <a:r>
-                        <a:rPr lang="ja-JP" sz="2400" kern="100" dirty="0">
-                          <a:effectLst/>
-                        </a:rPr>
-                        <a:t>アドレス</a:t>
-                      </a:r>
-                      <a:endParaRPr lang="ja-JP" sz="2400" kern="100" dirty="0">
-                        <a:effectLst/>
-                        <a:latin typeface="Century" panose="02040604050505020304" pitchFamily="18" charset="0"/>
-                        <a:ea typeface="ＭＳ 明朝" panose="02020609040205080304" pitchFamily="17" charset="-128"/>
-                        <a:cs typeface="Times New Roman" panose="02020603050405020304" pitchFamily="18" charset="0"/>
-                      </a:endParaRPr>
-                    </a:p>
-                  </a:txBody>
-                  <a:tcPr marL="68580" marR="68580" marT="0" marB="0"/>
-                </a:tc>
-                <a:tc>
-                  <a:txBody>
-                    <a:bodyPr/>
-                    <a:lstStyle/>
-                    <a:p>
-                      <a:pPr algn="just">
-                        <a:spcAft>
-                          <a:spcPts val="0"/>
-                        </a:spcAft>
-                      </a:pPr>
-                      <a:r>
-                        <a:rPr lang="en-US" altLang="ja-JP" sz="2400" kern="100" dirty="0" smtClean="0">
-                          <a:effectLst/>
-                          <a:latin typeface="Century" panose="02040604050505020304" pitchFamily="18" charset="0"/>
-                          <a:ea typeface="ＭＳ 明朝" panose="02020609040205080304" pitchFamily="17" charset="-128"/>
-                          <a:cs typeface="Times New Roman" panose="02020603050405020304" pitchFamily="18" charset="0"/>
-                        </a:rPr>
-                        <a:t>Web</a:t>
-                      </a:r>
-                      <a:r>
-                        <a:rPr lang="ja-JP" altLang="en-US" sz="2400" kern="100" dirty="0" smtClean="0">
-                          <a:effectLst/>
-                          <a:latin typeface="Century" panose="02040604050505020304" pitchFamily="18" charset="0"/>
-                          <a:ea typeface="ＭＳ 明朝" panose="02020609040205080304" pitchFamily="17" charset="-128"/>
-                          <a:cs typeface="Times New Roman" panose="02020603050405020304" pitchFamily="18" charset="0"/>
-                        </a:rPr>
-                        <a:t>サーバ</a:t>
-                      </a:r>
-                      <a:endParaRPr lang="ja-JP" sz="2400" kern="100" dirty="0">
-                        <a:effectLst/>
-                        <a:latin typeface="Century" panose="02040604050505020304" pitchFamily="18" charset="0"/>
-                        <a:ea typeface="ＭＳ 明朝" panose="02020609040205080304" pitchFamily="17" charset="-128"/>
-                        <a:cs typeface="Times New Roman" panose="02020603050405020304" pitchFamily="18" charset="0"/>
-                      </a:endParaRPr>
-                    </a:p>
-                  </a:txBody>
-                  <a:tcPr marL="68580" marR="68580" marT="0" marB="0"/>
-                </a:tc>
-                <a:extLst>
-                  <a:ext uri="{0D108BD9-81ED-4DB2-BD59-A6C34878D82A}">
-                    <a16:rowId xmlns:a16="http://schemas.microsoft.com/office/drawing/2014/main" val="2827563333"/>
-                  </a:ext>
-                </a:extLst>
-              </a:tr>
-              <a:tr h="429474">
-                <a:tc>
-                  <a:txBody>
-                    <a:bodyPr/>
-                    <a:lstStyle/>
-                    <a:p>
-                      <a:pPr algn="just">
-                        <a:spcAft>
-                          <a:spcPts val="0"/>
-                        </a:spcAft>
-                      </a:pPr>
-                      <a:r>
-                        <a:rPr lang="en-US" sz="2400" kern="100" dirty="0">
-                          <a:effectLst/>
-                        </a:rPr>
-                        <a:t>Raspberry </a:t>
-                      </a:r>
-                      <a:r>
-                        <a:rPr lang="en-US" sz="2400" kern="100" dirty="0" smtClean="0">
-                          <a:effectLst/>
-                        </a:rPr>
-                        <a:t>Pi1(</a:t>
-                      </a:r>
-                      <a:r>
-                        <a:rPr lang="en-US" altLang="ja-JP" sz="2400" kern="100" dirty="0" smtClean="0">
-                          <a:effectLst/>
-                        </a:rPr>
-                        <a:t>1</a:t>
-                      </a:r>
-                      <a:r>
-                        <a:rPr lang="ja-JP" altLang="en-US" sz="2400" kern="100" dirty="0" smtClean="0">
-                          <a:effectLst/>
-                        </a:rPr>
-                        <a:t>号機</a:t>
-                      </a:r>
-                      <a:r>
-                        <a:rPr lang="en-US" sz="2400" kern="100" dirty="0" smtClean="0">
-                          <a:effectLst/>
-                        </a:rPr>
-                        <a:t>)</a:t>
-                      </a:r>
-                      <a:endParaRPr lang="ja-JP" sz="2400" kern="100" dirty="0">
-                        <a:effectLst/>
-                        <a:latin typeface="Century" panose="02040604050505020304" pitchFamily="18" charset="0"/>
-                        <a:ea typeface="ＭＳ 明朝" panose="02020609040205080304" pitchFamily="17" charset="-128"/>
-                        <a:cs typeface="Times New Roman" panose="02020603050405020304" pitchFamily="18" charset="0"/>
-                      </a:endParaRPr>
-                    </a:p>
-                  </a:txBody>
-                  <a:tcPr marL="68580" marR="68580" marT="0" marB="0"/>
-                </a:tc>
-                <a:tc>
-                  <a:txBody>
-                    <a:bodyPr/>
-                    <a:lstStyle/>
-                    <a:p>
-                      <a:pPr algn="just">
-                        <a:spcAft>
-                          <a:spcPts val="0"/>
-                        </a:spcAft>
-                      </a:pPr>
-                      <a:r>
-                        <a:rPr lang="en-US" sz="2400" kern="100" dirty="0" smtClean="0">
-                          <a:effectLst/>
-                        </a:rPr>
-                        <a:t>192.168.5.1</a:t>
-                      </a:r>
-                      <a:endParaRPr lang="ja-JP" sz="2400" kern="100" dirty="0">
-                        <a:effectLst/>
-                        <a:latin typeface="Century" panose="02040604050505020304" pitchFamily="18" charset="0"/>
-                        <a:ea typeface="ＭＳ 明朝" panose="02020609040205080304" pitchFamily="17" charset="-128"/>
-                        <a:cs typeface="Times New Roman" panose="02020603050405020304" pitchFamily="18" charset="0"/>
-                      </a:endParaRPr>
-                    </a:p>
-                  </a:txBody>
-                  <a:tcPr marL="68580" marR="68580" marT="0" marB="0"/>
-                </a:tc>
-                <a:tc>
-                  <a:txBody>
-                    <a:bodyPr/>
-                    <a:lstStyle/>
-                    <a:p>
-                      <a:pPr algn="just">
-                        <a:spcAft>
-                          <a:spcPts val="0"/>
-                        </a:spcAft>
-                      </a:pPr>
-                      <a:r>
-                        <a:rPr lang="en-US" altLang="ja-JP" sz="2400" kern="100" dirty="0" smtClean="0">
-                          <a:effectLst/>
-                          <a:latin typeface="Century" panose="02040604050505020304" pitchFamily="18" charset="0"/>
-                          <a:ea typeface="ＭＳ 明朝" panose="02020609040205080304" pitchFamily="17" charset="-128"/>
-                          <a:cs typeface="Times New Roman" panose="02020603050405020304" pitchFamily="18" charset="0"/>
-                        </a:rPr>
-                        <a:t>Nginx</a:t>
-                      </a:r>
-                      <a:endParaRPr lang="ja-JP" sz="2400" kern="100" dirty="0">
-                        <a:effectLst/>
-                        <a:latin typeface="Century" panose="02040604050505020304" pitchFamily="18" charset="0"/>
-                        <a:ea typeface="ＭＳ 明朝" panose="02020609040205080304" pitchFamily="17" charset="-128"/>
-                        <a:cs typeface="Times New Roman" panose="02020603050405020304" pitchFamily="18" charset="0"/>
-                      </a:endParaRPr>
-                    </a:p>
-                  </a:txBody>
-                  <a:tcPr marL="68580" marR="68580" marT="0" marB="0"/>
-                </a:tc>
-                <a:extLst>
-                  <a:ext uri="{0D108BD9-81ED-4DB2-BD59-A6C34878D82A}">
-                    <a16:rowId xmlns:a16="http://schemas.microsoft.com/office/drawing/2014/main" val="586865223"/>
-                  </a:ext>
-                </a:extLst>
-              </a:tr>
-              <a:tr h="429474">
-                <a:tc>
-                  <a:txBody>
-                    <a:bodyPr/>
-                    <a:lstStyle/>
-                    <a:p>
-                      <a:pPr algn="just">
-                        <a:spcAft>
-                          <a:spcPts val="0"/>
-                        </a:spcAft>
-                      </a:pPr>
-                      <a:r>
-                        <a:rPr lang="en-US" sz="2400" kern="100" dirty="0">
-                          <a:effectLst/>
-                        </a:rPr>
-                        <a:t>Raspberry </a:t>
-                      </a:r>
-                      <a:r>
-                        <a:rPr lang="en-US" sz="2400" kern="100" dirty="0" smtClean="0">
-                          <a:effectLst/>
-                        </a:rPr>
-                        <a:t>Pi2(2</a:t>
-                      </a:r>
-                      <a:r>
-                        <a:rPr lang="ja-JP" altLang="en-US" sz="2400" kern="100" dirty="0" smtClean="0">
-                          <a:effectLst/>
-                        </a:rPr>
-                        <a:t>号機</a:t>
-                      </a:r>
-                      <a:r>
-                        <a:rPr lang="en-US" sz="2400" kern="100" dirty="0" smtClean="0">
-                          <a:effectLst/>
-                        </a:rPr>
-                        <a:t>)</a:t>
-                      </a:r>
-                      <a:endParaRPr lang="ja-JP" sz="2400" kern="100" dirty="0">
-                        <a:effectLst/>
-                        <a:latin typeface="Century" panose="02040604050505020304" pitchFamily="18" charset="0"/>
-                        <a:ea typeface="ＭＳ 明朝" panose="02020609040205080304" pitchFamily="17" charset="-128"/>
-                        <a:cs typeface="Times New Roman" panose="02020603050405020304" pitchFamily="18" charset="0"/>
-                      </a:endParaRPr>
-                    </a:p>
-                  </a:txBody>
-                  <a:tcPr marL="68580" marR="68580" marT="0" marB="0"/>
-                </a:tc>
-                <a:tc>
-                  <a:txBody>
-                    <a:bodyPr/>
-                    <a:lstStyle/>
-                    <a:p>
-                      <a:pPr algn="just">
-                        <a:spcAft>
-                          <a:spcPts val="0"/>
-                        </a:spcAft>
-                      </a:pPr>
-                      <a:r>
-                        <a:rPr lang="en-US" sz="2400" kern="100">
-                          <a:effectLst/>
-                        </a:rPr>
-                        <a:t>192.168.5.2</a:t>
-                      </a:r>
-                      <a:endParaRPr lang="ja-JP" sz="2400" kern="100">
-                        <a:effectLst/>
-                        <a:latin typeface="Century" panose="02040604050505020304" pitchFamily="18" charset="0"/>
-                        <a:ea typeface="ＭＳ 明朝" panose="02020609040205080304" pitchFamily="17" charset="-128"/>
-                        <a:cs typeface="Times New Roman" panose="02020603050405020304" pitchFamily="18" charset="0"/>
-                      </a:endParaRPr>
-                    </a:p>
-                  </a:txBody>
-                  <a:tcPr marL="68580" marR="68580" marT="0" marB="0"/>
-                </a:tc>
-                <a:tc>
-                  <a:txBody>
-                    <a:bodyPr/>
-                    <a:lstStyle/>
-                    <a:p>
-                      <a:pPr algn="just">
-                        <a:spcAft>
-                          <a:spcPts val="0"/>
-                        </a:spcAft>
-                      </a:pPr>
-                      <a:r>
-                        <a:rPr lang="en-US" altLang="ja-JP" sz="2400" kern="100" dirty="0" smtClean="0">
-                          <a:effectLst/>
-                          <a:latin typeface="Century" panose="02040604050505020304" pitchFamily="18" charset="0"/>
-                          <a:ea typeface="ＭＳ 明朝" panose="02020609040205080304" pitchFamily="17" charset="-128"/>
-                          <a:cs typeface="Times New Roman" panose="02020603050405020304" pitchFamily="18" charset="0"/>
-                        </a:rPr>
-                        <a:t>Apache</a:t>
-                      </a:r>
-                      <a:endParaRPr lang="ja-JP" sz="2400" kern="100" dirty="0">
-                        <a:effectLst/>
-                        <a:latin typeface="Century" panose="02040604050505020304" pitchFamily="18" charset="0"/>
-                        <a:ea typeface="ＭＳ 明朝" panose="02020609040205080304" pitchFamily="17" charset="-128"/>
-                        <a:cs typeface="Times New Roman" panose="02020603050405020304" pitchFamily="18" charset="0"/>
-                      </a:endParaRPr>
-                    </a:p>
-                  </a:txBody>
-                  <a:tcPr marL="68580" marR="68580" marT="0" marB="0"/>
-                </a:tc>
-                <a:extLst>
-                  <a:ext uri="{0D108BD9-81ED-4DB2-BD59-A6C34878D82A}">
-                    <a16:rowId xmlns:a16="http://schemas.microsoft.com/office/drawing/2014/main" val="578745927"/>
-                  </a:ext>
-                </a:extLst>
-              </a:tr>
-              <a:tr h="429474">
-                <a:tc>
-                  <a:txBody>
-                    <a:bodyPr/>
-                    <a:lstStyle/>
-                    <a:p>
-                      <a:pPr algn="just">
-                        <a:spcAft>
-                          <a:spcPts val="0"/>
-                        </a:spcAft>
-                      </a:pPr>
-                      <a:r>
-                        <a:rPr lang="en-US" sz="2400" kern="100" dirty="0">
-                          <a:effectLst/>
-                        </a:rPr>
-                        <a:t>Raspberry </a:t>
-                      </a:r>
-                      <a:r>
-                        <a:rPr lang="en-US" sz="2400" kern="100" dirty="0" smtClean="0">
-                          <a:effectLst/>
-                        </a:rPr>
-                        <a:t>Pi3(3</a:t>
-                      </a:r>
-                      <a:r>
-                        <a:rPr lang="ja-JP" altLang="en-US" sz="2400" kern="100" dirty="0" smtClean="0">
-                          <a:effectLst/>
-                        </a:rPr>
-                        <a:t>号機</a:t>
-                      </a:r>
-                      <a:r>
-                        <a:rPr lang="en-US" sz="2400" kern="100" dirty="0" smtClean="0">
-                          <a:effectLst/>
-                        </a:rPr>
-                        <a:t>)</a:t>
-                      </a:r>
-                      <a:endParaRPr lang="ja-JP" sz="2400" kern="100" dirty="0">
-                        <a:effectLst/>
-                        <a:latin typeface="Century" panose="02040604050505020304" pitchFamily="18" charset="0"/>
-                        <a:ea typeface="ＭＳ 明朝" panose="02020609040205080304" pitchFamily="17" charset="-128"/>
-                        <a:cs typeface="Times New Roman" panose="02020603050405020304" pitchFamily="18" charset="0"/>
-                      </a:endParaRPr>
-                    </a:p>
-                  </a:txBody>
-                  <a:tcPr marL="68580" marR="68580" marT="0" marB="0"/>
-                </a:tc>
-                <a:tc>
-                  <a:txBody>
-                    <a:bodyPr/>
-                    <a:lstStyle/>
-                    <a:p>
-                      <a:pPr algn="just">
-                        <a:spcAft>
-                          <a:spcPts val="0"/>
-                        </a:spcAft>
-                      </a:pPr>
-                      <a:r>
-                        <a:rPr lang="en-US" sz="2400" kern="100">
-                          <a:effectLst/>
-                        </a:rPr>
-                        <a:t>192.168.5.3</a:t>
-                      </a:r>
-                      <a:endParaRPr lang="ja-JP" sz="2400" kern="100">
-                        <a:effectLst/>
-                        <a:latin typeface="Century" panose="02040604050505020304" pitchFamily="18" charset="0"/>
-                        <a:ea typeface="ＭＳ 明朝" panose="02020609040205080304" pitchFamily="17" charset="-128"/>
-                        <a:cs typeface="Times New Roman" panose="02020603050405020304" pitchFamily="18" charset="0"/>
-                      </a:endParaRPr>
-                    </a:p>
-                  </a:txBody>
-                  <a:tcPr marL="68580" marR="68580" marT="0" marB="0"/>
-                </a:tc>
-                <a:tc>
-                  <a:txBody>
-                    <a:bodyPr/>
-                    <a:lstStyle/>
-                    <a:p>
-                      <a:pPr algn="just">
-                        <a:spcAft>
-                          <a:spcPts val="0"/>
-                        </a:spcAft>
-                      </a:pPr>
-                      <a:r>
-                        <a:rPr lang="en-US" altLang="ja-JP" sz="2400" kern="100" dirty="0" smtClean="0">
-                          <a:effectLst/>
-                          <a:latin typeface="Century" panose="02040604050505020304" pitchFamily="18" charset="0"/>
-                          <a:ea typeface="ＭＳ 明朝" panose="02020609040205080304" pitchFamily="17" charset="-128"/>
-                          <a:cs typeface="Times New Roman" panose="02020603050405020304" pitchFamily="18" charset="0"/>
-                        </a:rPr>
-                        <a:t>Apache</a:t>
-                      </a:r>
-                      <a:endParaRPr lang="ja-JP" sz="2400" kern="100" dirty="0">
-                        <a:effectLst/>
-                        <a:latin typeface="Century" panose="02040604050505020304" pitchFamily="18" charset="0"/>
-                        <a:ea typeface="ＭＳ 明朝" panose="02020609040205080304" pitchFamily="17" charset="-128"/>
-                        <a:cs typeface="Times New Roman" panose="02020603050405020304" pitchFamily="18" charset="0"/>
-                      </a:endParaRPr>
-                    </a:p>
-                  </a:txBody>
-                  <a:tcPr marL="68580" marR="68580" marT="0" marB="0"/>
-                </a:tc>
-                <a:extLst>
-                  <a:ext uri="{0D108BD9-81ED-4DB2-BD59-A6C34878D82A}">
-                    <a16:rowId xmlns:a16="http://schemas.microsoft.com/office/drawing/2014/main" val="499141233"/>
-                  </a:ext>
-                </a:extLst>
-              </a:tr>
-              <a:tr h="429474">
-                <a:tc>
-                  <a:txBody>
-                    <a:bodyPr/>
-                    <a:lstStyle/>
-                    <a:p>
-                      <a:pPr algn="just">
-                        <a:spcAft>
-                          <a:spcPts val="0"/>
-                        </a:spcAft>
-                      </a:pPr>
-                      <a:r>
-                        <a:rPr lang="en-US" sz="2400" kern="100" dirty="0">
-                          <a:effectLst/>
-                        </a:rPr>
-                        <a:t>Raspberry </a:t>
-                      </a:r>
-                      <a:r>
-                        <a:rPr lang="en-US" sz="2400" kern="100" dirty="0" smtClean="0">
-                          <a:effectLst/>
-                        </a:rPr>
-                        <a:t>Pi4(4</a:t>
-                      </a:r>
-                      <a:r>
-                        <a:rPr lang="ja-JP" altLang="en-US" sz="2400" kern="100" dirty="0" smtClean="0">
-                          <a:effectLst/>
-                        </a:rPr>
-                        <a:t>号機</a:t>
-                      </a:r>
-                      <a:r>
-                        <a:rPr lang="en-US" sz="2400" kern="100" dirty="0" smtClean="0">
-                          <a:effectLst/>
-                        </a:rPr>
-                        <a:t>)</a:t>
-                      </a:r>
-                      <a:endParaRPr lang="ja-JP" sz="2400" kern="100" dirty="0">
-                        <a:effectLst/>
-                        <a:latin typeface="Century" panose="02040604050505020304" pitchFamily="18" charset="0"/>
-                        <a:ea typeface="ＭＳ 明朝" panose="02020609040205080304" pitchFamily="17" charset="-128"/>
-                        <a:cs typeface="Times New Roman" panose="02020603050405020304" pitchFamily="18" charset="0"/>
-                      </a:endParaRPr>
-                    </a:p>
-                  </a:txBody>
-                  <a:tcPr marL="68580" marR="68580" marT="0" marB="0"/>
-                </a:tc>
-                <a:tc>
-                  <a:txBody>
-                    <a:bodyPr/>
-                    <a:lstStyle/>
-                    <a:p>
-                      <a:pPr algn="just">
-                        <a:spcAft>
-                          <a:spcPts val="0"/>
-                        </a:spcAft>
-                      </a:pPr>
-                      <a:r>
-                        <a:rPr lang="en-US" sz="2400" kern="100" dirty="0">
-                          <a:effectLst/>
-                        </a:rPr>
-                        <a:t>192.168.5.4</a:t>
-                      </a:r>
-                      <a:endParaRPr lang="ja-JP" sz="2400" kern="100" dirty="0">
-                        <a:effectLst/>
-                        <a:latin typeface="Century" panose="02040604050505020304" pitchFamily="18" charset="0"/>
-                        <a:ea typeface="ＭＳ 明朝" panose="02020609040205080304" pitchFamily="17" charset="-128"/>
-                        <a:cs typeface="Times New Roman" panose="02020603050405020304" pitchFamily="18" charset="0"/>
-                      </a:endParaRPr>
-                    </a:p>
-                  </a:txBody>
-                  <a:tcPr marL="68580" marR="68580" marT="0" marB="0"/>
-                </a:tc>
-                <a:tc>
-                  <a:txBody>
-                    <a:bodyPr/>
-                    <a:lstStyle/>
-                    <a:p>
-                      <a:pPr algn="just">
-                        <a:spcAft>
-                          <a:spcPts val="0"/>
-                        </a:spcAft>
-                      </a:pPr>
-                      <a:r>
-                        <a:rPr lang="en-US" altLang="ja-JP" sz="2400" kern="100" dirty="0" smtClean="0">
-                          <a:effectLst/>
-                          <a:latin typeface="Century" panose="02040604050505020304" pitchFamily="18" charset="0"/>
-                          <a:ea typeface="ＭＳ 明朝" panose="02020609040205080304" pitchFamily="17" charset="-128"/>
-                          <a:cs typeface="Times New Roman" panose="02020603050405020304" pitchFamily="18" charset="0"/>
-                        </a:rPr>
-                        <a:t>Apache</a:t>
-                      </a:r>
-                      <a:endParaRPr lang="ja-JP" sz="2400" kern="100" dirty="0">
-                        <a:effectLst/>
-                        <a:latin typeface="Century" panose="02040604050505020304" pitchFamily="18" charset="0"/>
-                        <a:ea typeface="ＭＳ 明朝" panose="02020609040205080304" pitchFamily="17" charset="-128"/>
-                        <a:cs typeface="Times New Roman" panose="02020603050405020304" pitchFamily="18" charset="0"/>
-                      </a:endParaRPr>
-                    </a:p>
-                  </a:txBody>
-                  <a:tcPr marL="68580" marR="68580" marT="0" marB="0"/>
-                </a:tc>
-                <a:extLst>
-                  <a:ext uri="{0D108BD9-81ED-4DB2-BD59-A6C34878D82A}">
-                    <a16:rowId xmlns:a16="http://schemas.microsoft.com/office/drawing/2014/main" val="1456237236"/>
-                  </a:ext>
-                </a:extLst>
-              </a:tr>
-            </a:tbl>
-          </a:graphicData>
-        </a:graphic>
-      </p:graphicFrame>
-    </p:spTree>
-    <p:extLst>
-      <p:ext uri="{BB962C8B-B14F-4D97-AF65-F5344CB8AC3E}">
-        <p14:creationId xmlns:p14="http://schemas.microsoft.com/office/powerpoint/2010/main" val="2960468472"/>
-      </p:ext>
-    </p:extLst>
-  </p:cSld>
-  <p:clrMapOvr>
-    <a:masterClrMapping/>
-  </p:clrMapOvr>
-  <p:timing>
-    <p:tnLst>
-      <p:par>
-        <p:cTn id="1" dur="indefinite" restart="never" nodeType="tmRoot"/>
-      </p:par>
-    </p:tnLst>
-  </p:timing>
-</p:sld>
-</file>
-
-<file path=ppt/slides/slide13.xml><?xml version="1.0" encoding="utf-8"?>
-<p:sld xmlns:a="http://schemas.openxmlformats.org/drawingml/2006/main" xmlns:r="http://schemas.openxmlformats.org/officeDocument/2006/relationships" xmlns:p="http://schemas.openxmlformats.org/presentationml/2006/main">
-  <p:cSld>
-    <p:spTree>
-      <p:nvGrpSpPr>
-        <p:cNvPr id="1" name=""/>
-        <p:cNvGrpSpPr/>
-        <p:nvPr/>
-      </p:nvGrpSpPr>
-      <p:grpSpPr>
-        <a:xfrm>
-          <a:off x="0" y="0"/>
-          <a:ext cx="0" cy="0"/>
-          <a:chOff x="0" y="0"/>
-          <a:chExt cx="0" cy="0"/>
-        </a:xfrm>
-      </p:grpSpPr>
-      <p:sp>
-        <p:nvSpPr>
-          <p:cNvPr id="2" name="タイトル 1"/>
-          <p:cNvSpPr>
-            <a:spLocks noGrp="1"/>
-          </p:cNvSpPr>
-          <p:nvPr>
-            <p:ph type="title"/>
-          </p:nvPr>
-        </p:nvSpPr>
-        <p:spPr/>
-        <p:txBody>
-          <a:bodyPr/>
-          <a:lstStyle/>
-          <a:p>
-            <a:r>
-              <a:rPr kumimoji="1" lang="ja-JP" altLang="en-US" dirty="0" smtClean="0"/>
-              <a:t>実験方法</a:t>
-            </a:r>
-            <a:endParaRPr kumimoji="1" lang="ja-JP" altLang="en-US" dirty="0"/>
-          </a:p>
-        </p:txBody>
-      </p:sp>
-      <p:sp>
-        <p:nvSpPr>
-          <p:cNvPr id="3" name="コンテンツ プレースホルダー 2"/>
-          <p:cNvSpPr>
-            <a:spLocks noGrp="1"/>
-          </p:cNvSpPr>
-          <p:nvPr>
-            <p:ph idx="1"/>
-          </p:nvPr>
-        </p:nvSpPr>
-        <p:spPr/>
-        <p:txBody>
-          <a:bodyPr/>
-          <a:lstStyle/>
-          <a:p>
-            <a:pPr marL="0" indent="0">
-              <a:buNone/>
-            </a:pPr>
-            <a:r>
-              <a:rPr lang="ja-JP" altLang="en-US" dirty="0" smtClean="0"/>
-              <a:t>提案システムの分散処理の構成で</a:t>
-            </a:r>
-            <a:r>
-              <a:rPr lang="en-US" altLang="ja-JP" dirty="0" smtClean="0"/>
-              <a:t>200</a:t>
-            </a:r>
-            <a:r>
-              <a:rPr lang="ja-JP" altLang="en-US" dirty="0" smtClean="0"/>
-              <a:t>件ほどの楽曲データを用意し，</a:t>
-            </a:r>
-            <a:r>
-              <a:rPr lang="en-US" altLang="ja-JP" dirty="0" smtClean="0"/>
-              <a:t>1</a:t>
-            </a:r>
-            <a:r>
-              <a:rPr lang="ja-JP" altLang="en-US" dirty="0" smtClean="0"/>
-              <a:t>台の</a:t>
-            </a:r>
-            <a:r>
-              <a:rPr lang="en-US" altLang="ja-JP" dirty="0" smtClean="0"/>
-              <a:t>Raspberry Pi</a:t>
-            </a:r>
-            <a:r>
-              <a:rPr lang="ja-JP" altLang="en-US" dirty="0" smtClean="0"/>
-              <a:t>でジャンル推定処理を</a:t>
-            </a:r>
-            <a:r>
-              <a:rPr lang="en-US" altLang="ja-JP" dirty="0" smtClean="0"/>
-              <a:t>3</a:t>
-            </a:r>
-            <a:r>
-              <a:rPr lang="ja-JP" altLang="en-US" dirty="0" smtClean="0"/>
-              <a:t>回行い処理にかかった時間の合計とジャンル推定の分類精度を計測する．</a:t>
-            </a:r>
-            <a:endParaRPr lang="en-US" altLang="ja-JP" dirty="0" smtClean="0"/>
-          </a:p>
-          <a:p>
-            <a:pPr marL="0" indent="0">
-              <a:buNone/>
-            </a:pPr>
-            <a:r>
-              <a:rPr lang="ja-JP" altLang="en-US" dirty="0" smtClean="0"/>
-              <a:t>その後</a:t>
-            </a:r>
-            <a:r>
-              <a:rPr lang="ja-JP" altLang="en-US" dirty="0"/>
-              <a:t>、</a:t>
-            </a:r>
-            <a:r>
-              <a:rPr lang="ja-JP" altLang="en-US" dirty="0" smtClean="0"/>
-              <a:t>３台の</a:t>
-            </a:r>
-            <a:r>
-              <a:rPr lang="en-US" altLang="ja-JP" dirty="0" smtClean="0"/>
-              <a:t>Raspberry</a:t>
-            </a:r>
-            <a:r>
-              <a:rPr lang="ja-JP" altLang="en-US" dirty="0"/>
-              <a:t> </a:t>
-            </a:r>
-            <a:r>
-              <a:rPr lang="en-US" altLang="ja-JP" dirty="0" smtClean="0"/>
-              <a:t>Pi</a:t>
-            </a:r>
-            <a:r>
-              <a:rPr lang="ja-JP" altLang="en-US" dirty="0" smtClean="0"/>
-              <a:t>に</a:t>
-            </a:r>
-            <a:r>
-              <a:rPr lang="en-US" altLang="ja-JP" dirty="0" smtClean="0"/>
-              <a:t>3</a:t>
-            </a:r>
-            <a:r>
-              <a:rPr lang="ja-JP" altLang="en-US" dirty="0" smtClean="0"/>
-              <a:t>回の</a:t>
-            </a:r>
-            <a:r>
-              <a:rPr lang="ja-JP" altLang="en-US" dirty="0"/>
-              <a:t>分散</a:t>
-            </a:r>
-            <a:r>
-              <a:rPr lang="ja-JP" altLang="en-US" dirty="0" smtClean="0"/>
-              <a:t>処理を行い処理</a:t>
-            </a:r>
-            <a:r>
-              <a:rPr lang="ja-JP" altLang="en-US" dirty="0"/>
-              <a:t>にかかった</a:t>
-            </a:r>
-            <a:r>
-              <a:rPr lang="ja-JP" altLang="en-US" dirty="0" smtClean="0"/>
-              <a:t>時間の合計と分類精度を計測したものをそれぞれ比較する．</a:t>
-            </a:r>
-            <a:endParaRPr lang="en-US" altLang="ja-JP" dirty="0" smtClean="0"/>
-          </a:p>
-        </p:txBody>
-      </p:sp>
-      <p:sp>
-        <p:nvSpPr>
-          <p:cNvPr id="4" name="スライド番号プレースホルダー 3"/>
-          <p:cNvSpPr>
-            <a:spLocks noGrp="1"/>
-          </p:cNvSpPr>
-          <p:nvPr>
-            <p:ph type="sldNum" sz="quarter" idx="12"/>
-          </p:nvPr>
-        </p:nvSpPr>
-        <p:spPr/>
-        <p:txBody>
-          <a:bodyPr/>
-          <a:lstStyle/>
-          <a:p>
-            <a:fld id="{B4451160-128F-4DAD-AE29-4A8CC0E7B9E9}" type="slidenum">
-              <a:rPr lang="ja-JP" altLang="en-US" smtClean="0"/>
-              <a:pPr/>
-              <a:t>13</a:t>
             </a:fld>
             <a:endParaRPr lang="ja-JP" altLang="en-US" dirty="0"/>
           </a:p>
@@ -5995,7 +5520,7 @@
 </p:sld>
 </file>
 
-<file path=ppt/slides/slide14.xml><?xml version="1.0" encoding="utf-8"?>
+<file path=ppt/slides/slide13.xml><?xml version="1.0" encoding="utf-8"?>
 <p:sld xmlns:a="http://schemas.openxmlformats.org/drawingml/2006/main" xmlns:r="http://schemas.openxmlformats.org/officeDocument/2006/relationships" xmlns:p="http://schemas.openxmlformats.org/presentationml/2006/main">
   <p:cSld>
     <p:spTree>
@@ -6446,7 +5971,7 @@
             <a:fld id="{B4451160-128F-4DAD-AE29-4A8CC0E7B9E9}" type="slidenum">
               <a:rPr lang="ja-JP" altLang="en-US" smtClean="0"/>
               <a:pPr/>
-              <a:t>14</a:t>
+              <a:t>13</a:t>
             </a:fld>
             <a:endParaRPr lang="ja-JP" altLang="en-US" dirty="0"/>
           </a:p>
@@ -7170,7 +6695,7 @@
 </p:sld>
 </file>
 
-<file path=ppt/slides/slide15.xml><?xml version="1.0" encoding="utf-8"?>
+<file path=ppt/slides/slide14.xml><?xml version="1.0" encoding="utf-8"?>
 <p:sld xmlns:a="http://schemas.openxmlformats.org/drawingml/2006/main" xmlns:r="http://schemas.openxmlformats.org/officeDocument/2006/relationships" xmlns:p="http://schemas.openxmlformats.org/presentationml/2006/main">
   <p:cSld>
     <p:spTree>
@@ -7310,7 +6835,7 @@
             <a:fld id="{B4451160-128F-4DAD-AE29-4A8CC0E7B9E9}" type="slidenum">
               <a:rPr lang="ja-JP" altLang="en-US" smtClean="0"/>
               <a:pPr/>
-              <a:t>15</a:t>
+              <a:t>14</a:t>
             </a:fld>
             <a:endParaRPr lang="ja-JP" altLang="en-US" dirty="0"/>
           </a:p>
@@ -8301,6 +7826,154 @@
 </p:sld>
 </file>
 
+<file path=ppt/slides/slide15.xml><?xml version="1.0" encoding="utf-8"?>
+<p:sld xmlns:a="http://schemas.openxmlformats.org/drawingml/2006/main" xmlns:r="http://schemas.openxmlformats.org/officeDocument/2006/relationships" xmlns:p="http://schemas.openxmlformats.org/presentationml/2006/main">
+  <p:cSld>
+    <p:spTree>
+      <p:nvGrpSpPr>
+        <p:cNvPr id="1" name=""/>
+        <p:cNvGrpSpPr/>
+        <p:nvPr/>
+      </p:nvGrpSpPr>
+      <p:grpSpPr>
+        <a:xfrm>
+          <a:off x="0" y="0"/>
+          <a:ext cx="0" cy="0"/>
+          <a:chOff x="0" y="0"/>
+          <a:chExt cx="0" cy="0"/>
+        </a:xfrm>
+      </p:grpSpPr>
+      <p:sp>
+        <p:nvSpPr>
+          <p:cNvPr id="2" name="タイトル 1"/>
+          <p:cNvSpPr>
+            <a:spLocks noGrp="1"/>
+          </p:cNvSpPr>
+          <p:nvPr>
+            <p:ph type="title"/>
+          </p:nvPr>
+        </p:nvSpPr>
+        <p:spPr/>
+        <p:txBody>
+          <a:bodyPr/>
+          <a:lstStyle/>
+          <a:p>
+            <a:r>
+              <a:rPr lang="ja-JP" altLang="en-US" dirty="0"/>
+              <a:t>実験結果</a:t>
+            </a:r>
+            <a:endParaRPr kumimoji="1" lang="ja-JP" altLang="en-US" dirty="0"/>
+          </a:p>
+        </p:txBody>
+      </p:sp>
+      <p:sp>
+        <p:nvSpPr>
+          <p:cNvPr id="3" name="コンテンツ プレースホルダー 2"/>
+          <p:cNvSpPr>
+            <a:spLocks noGrp="1"/>
+          </p:cNvSpPr>
+          <p:nvPr>
+            <p:ph idx="1"/>
+          </p:nvPr>
+        </p:nvSpPr>
+        <p:spPr/>
+        <p:txBody>
+          <a:bodyPr/>
+          <a:lstStyle/>
+          <a:p>
+            <a:pPr marL="0" indent="0">
+              <a:buNone/>
+            </a:pPr>
+            <a:r>
+              <a:rPr lang="ja-JP" altLang="en-US" dirty="0"/>
+              <a:t>実験では</a:t>
+            </a:r>
+            <a:r>
+              <a:rPr lang="ja-JP" altLang="ja-JP" dirty="0" smtClean="0"/>
+              <a:t>本システム</a:t>
+            </a:r>
+            <a:r>
+              <a:rPr lang="ja-JP" altLang="ja-JP" dirty="0"/>
+              <a:t>を導入することで楽曲ジャンル推定モデルの作成及びジャンル推定処理を行うことでかかる全体の処理時間は大幅に減少したことが確認できた</a:t>
+            </a:r>
+            <a:r>
+              <a:rPr lang="ja-JP" altLang="ja-JP" dirty="0" smtClean="0"/>
+              <a:t>．</a:t>
+            </a:r>
+            <a:endParaRPr lang="en-US" altLang="ja-JP" dirty="0" smtClean="0"/>
+          </a:p>
+          <a:p>
+            <a:pPr marL="0" indent="0">
+              <a:buNone/>
+            </a:pPr>
+            <a:r>
+              <a:rPr lang="ja-JP" altLang="ja-JP" dirty="0" smtClean="0"/>
+              <a:t>しかし</a:t>
+            </a:r>
+            <a:r>
+              <a:rPr lang="ja-JP" altLang="ja-JP" dirty="0"/>
+              <a:t>，ジャンル分類精度に関して</a:t>
+            </a:r>
+            <a:r>
+              <a:rPr lang="ja-JP" altLang="ja-JP" dirty="0" smtClean="0"/>
+              <a:t>は向上</a:t>
+            </a:r>
+            <a:r>
+              <a:rPr lang="ja-JP" altLang="ja-JP" dirty="0"/>
+              <a:t>したというような結果は得ることができなかった</a:t>
+            </a:r>
+            <a:r>
+              <a:rPr lang="ja-JP" altLang="ja-JP" dirty="0" smtClean="0"/>
+              <a:t>．</a:t>
+            </a:r>
+            <a:endParaRPr kumimoji="1" lang="ja-JP" altLang="en-US" dirty="0"/>
+          </a:p>
+        </p:txBody>
+      </p:sp>
+      <p:sp>
+        <p:nvSpPr>
+          <p:cNvPr id="4" name="スライド番号プレースホルダー 3"/>
+          <p:cNvSpPr>
+            <a:spLocks noGrp="1"/>
+          </p:cNvSpPr>
+          <p:nvPr>
+            <p:ph type="sldNum" sz="quarter" idx="12"/>
+          </p:nvPr>
+        </p:nvSpPr>
+        <p:spPr/>
+        <p:txBody>
+          <a:bodyPr/>
+          <a:lstStyle/>
+          <a:p>
+            <a:fld id="{B4451160-128F-4DAD-AE29-4A8CC0E7B9E9}" type="slidenum">
+              <a:rPr lang="ja-JP" altLang="en-US" smtClean="0"/>
+              <a:pPr/>
+              <a:t>15</a:t>
+            </a:fld>
+            <a:endParaRPr lang="ja-JP" altLang="en-US" dirty="0"/>
+          </a:p>
+        </p:txBody>
+      </p:sp>
+    </p:spTree>
+    <p:extLst>
+      <p:ext uri="{BB962C8B-B14F-4D97-AF65-F5344CB8AC3E}">
+        <p14:creationId xmlns:p14="http://schemas.microsoft.com/office/powerpoint/2010/main" val="1415367311"/>
+      </p:ext>
+    </p:extLst>
+  </p:cSld>
+  <p:clrMapOvr>
+    <a:masterClrMapping/>
+  </p:clrMapOvr>
+  <p:timing>
+    <p:tnLst>
+      <p:par>
+        <p:cTn id="1" dur="indefinite" restart="never" nodeType="tmRoot"/>
+      </p:par>
+    </p:tnLst>
+  </p:timing>
+</p:sld>
+</file>
+
 <file path=ppt/slides/slide16.xml><?xml version="1.0" encoding="utf-8"?>
 <p:sld xmlns:a="http://schemas.openxmlformats.org/drawingml/2006/main" xmlns:r="http://schemas.openxmlformats.org/officeDocument/2006/relationships" xmlns:p="http://schemas.openxmlformats.org/presentationml/2006/main">
   <p:cSld>
@@ -8335,7 +8008,15 @@
           <a:p>
             <a:r>
               <a:rPr lang="ja-JP" altLang="en-US" dirty="0"/>
-              <a:t>実験結果</a:t>
+              <a:t>実験</a:t>
+            </a:r>
+            <a:r>
+              <a:rPr lang="ja-JP" altLang="en-US" dirty="0" smtClean="0"/>
+              <a:t>の</a:t>
+            </a:r>
+            <a:r>
+              <a:rPr lang="ja-JP" altLang="en-US" dirty="0"/>
+              <a:t>考察</a:t>
             </a:r>
             <a:endParaRPr kumimoji="1" lang="ja-JP" altLang="en-US" dirty="0"/>
           </a:p>
@@ -8360,16 +8041,32 @@
               <a:buNone/>
             </a:pPr>
             <a:r>
+              <a:rPr lang="en-US" altLang="ja-JP" dirty="0"/>
+              <a:t>IP</a:t>
+            </a:r>
+            <a:r>
+              <a:rPr lang="ja-JP" altLang="ja-JP" dirty="0"/>
+              <a:t>アドレス</a:t>
+            </a:r>
+            <a:r>
+              <a:rPr lang="ja-JP" altLang="ja-JP" dirty="0" smtClean="0"/>
+              <a:t>が</a:t>
+            </a:r>
+            <a:r>
+              <a:rPr lang="en-US" altLang="ja-JP" dirty="0"/>
+              <a:t>3</a:t>
+            </a:r>
+            <a:r>
               <a:rPr lang="ja-JP" altLang="en-US" dirty="0"/>
-              <a:t>実験では</a:t>
+              <a:t>号機</a:t>
             </a:r>
             <a:r>
               <a:rPr lang="ja-JP" altLang="ja-JP" dirty="0" smtClean="0"/>
-              <a:t>本システム</a:t>
+              <a:t>の</a:t>
             </a:r>
             <a:r>
               <a:rPr lang="ja-JP" altLang="ja-JP" dirty="0"/>
-              <a:t>を導入することで楽曲ジャンル推定モデルの作成及びジャンル推定処理を行うことでかかる全体の処理時間は大幅に減少したことが確認できた</a:t>
+              <a:t>ものだけ分類精度が比較的高いと思われる</a:t>
             </a:r>
             <a:r>
               <a:rPr lang="ja-JP" altLang="ja-JP" dirty="0" smtClean="0"/>
@@ -8383,23 +8080,105 @@
             </a:pPr>
             <a:r>
               <a:rPr lang="ja-JP" altLang="ja-JP" dirty="0" smtClean="0"/>
-              <a:t>しかし</a:t>
+              <a:t>その</a:t>
             </a:r>
             <a:r>
               <a:rPr lang="ja-JP" altLang="ja-JP" dirty="0"/>
-              <a:t>，ジャンル分類精度に関して</a:t>
+              <a:t>ため</a:t>
+            </a:r>
+            <a:r>
+              <a:rPr lang="en-US" altLang="ja-JP" dirty="0"/>
+              <a:t>1</a:t>
+            </a:r>
+            <a:r>
+              <a:rPr lang="ja-JP" altLang="ja-JP" dirty="0"/>
+              <a:t>機のみでの処理を行った場合に使用</a:t>
             </a:r>
             <a:r>
               <a:rPr lang="ja-JP" altLang="ja-JP" dirty="0" smtClean="0"/>
-              <a:t>は向上</a:t>
+              <a:t>した</a:t>
+            </a:r>
+            <a:r>
+              <a:rPr lang="en-US" altLang="ja-JP" dirty="0"/>
+              <a:t>3</a:t>
+            </a:r>
+            <a:r>
+              <a:rPr lang="ja-JP" altLang="en-US" dirty="0"/>
+              <a:t>号機</a:t>
+            </a:r>
+            <a:r>
+              <a:rPr lang="ja-JP" altLang="ja-JP" dirty="0" smtClean="0"/>
+              <a:t>も</a:t>
+            </a:r>
+            <a:r>
+              <a:rPr lang="en-US" altLang="ja-JP" dirty="0"/>
+              <a:t>2</a:t>
+            </a:r>
+            <a:r>
+              <a:rPr lang="ja-JP" altLang="en-US" dirty="0"/>
+              <a:t>号機</a:t>
+            </a:r>
+            <a:r>
+              <a:rPr lang="ja-JP" altLang="ja-JP" dirty="0" smtClean="0"/>
+              <a:t>や</a:t>
+            </a:r>
+            <a:r>
+              <a:rPr lang="en-US" altLang="ja-JP" dirty="0"/>
+              <a:t>4</a:t>
+            </a:r>
+            <a:r>
+              <a:rPr lang="ja-JP" altLang="en-US" dirty="0"/>
+              <a:t>号機</a:t>
+            </a:r>
+            <a:r>
+              <a:rPr lang="ja-JP" altLang="ja-JP" dirty="0" smtClean="0"/>
+              <a:t>より</a:t>
             </a:r>
             <a:r>
               <a:rPr lang="ja-JP" altLang="ja-JP" dirty="0"/>
-              <a:t>したというような結果は得ることができなかった</a:t>
+              <a:t>も比較的，分類精度が良いと思われる</a:t>
             </a:r>
             <a:r>
               <a:rPr lang="ja-JP" altLang="ja-JP" dirty="0" smtClean="0"/>
               <a:t>．</a:t>
+            </a:r>
+            <a:endParaRPr lang="en-US" altLang="ja-JP" dirty="0" smtClean="0"/>
+          </a:p>
+          <a:p>
+            <a:pPr marL="0" indent="0">
+              <a:buNone/>
+            </a:pPr>
+            <a:r>
+              <a:rPr lang="ja-JP" altLang="ja-JP" dirty="0" smtClean="0"/>
+              <a:t>この</a:t>
+            </a:r>
+            <a:r>
+              <a:rPr lang="ja-JP" altLang="ja-JP" dirty="0"/>
+              <a:t>分類精度の違いは個体差である可能性も考えられるため，</a:t>
+            </a:r>
+            <a:r>
+              <a:rPr lang="en-US" altLang="ja-JP" dirty="0"/>
+              <a:t>1</a:t>
+            </a:r>
+            <a:r>
+              <a:rPr lang="ja-JP" altLang="ja-JP" dirty="0"/>
+              <a:t>機のみでの処理は</a:t>
+            </a:r>
+            <a:r>
+              <a:rPr lang="en-US" altLang="ja-JP" dirty="0"/>
+              <a:t>3</a:t>
+            </a:r>
+            <a:r>
+              <a:rPr lang="ja-JP" altLang="ja-JP" dirty="0"/>
+              <a:t>台それぞれで</a:t>
+            </a:r>
+            <a:r>
+              <a:rPr lang="en-US" altLang="ja-JP" dirty="0"/>
+              <a:t>3</a:t>
+            </a:r>
+            <a:r>
+              <a:rPr lang="ja-JP" altLang="ja-JP" dirty="0"/>
+              <a:t>回行ったデータを取るべきであった．</a:t>
             </a:r>
             <a:endParaRPr kumimoji="1" lang="ja-JP" altLang="en-US" dirty="0"/>
           </a:p>
@@ -8432,7 +8211,7 @@
     </p:spTree>
     <p:extLst>
       <p:ext uri="{BB962C8B-B14F-4D97-AF65-F5344CB8AC3E}">
-        <p14:creationId xmlns:p14="http://schemas.microsoft.com/office/powerpoint/2010/main" val="1415367311"/>
+        <p14:creationId xmlns:p14="http://schemas.microsoft.com/office/powerpoint/2010/main" val="499033867"/>
       </p:ext>
     </p:extLst>
   </p:cSld>
@@ -8482,16 +8261,8 @@
           <a:lstStyle/>
           <a:p>
             <a:r>
-              <a:rPr lang="ja-JP" altLang="en-US" dirty="0"/>
-              <a:t>実験</a:t>
-            </a:r>
-            <a:r>
-              <a:rPr lang="ja-JP" altLang="en-US" dirty="0" smtClean="0"/>
-              <a:t>の</a:t>
-            </a:r>
-            <a:r>
-              <a:rPr lang="ja-JP" altLang="en-US" dirty="0"/>
-              <a:t>考察</a:t>
+              <a:rPr kumimoji="1" lang="ja-JP" altLang="en-US" dirty="0" smtClean="0"/>
+              <a:t>今後の展望</a:t>
             </a:r>
             <a:endParaRPr kumimoji="1" lang="ja-JP" altLang="en-US" dirty="0"/>
           </a:p>
@@ -8516,146 +8287,51 @@
               <a:buNone/>
             </a:pPr>
             <a:r>
-              <a:rPr lang="en-US" altLang="ja-JP" dirty="0"/>
-              <a:t>IP</a:t>
+              <a:rPr lang="ja-JP" altLang="ja-JP" dirty="0" smtClean="0"/>
+              <a:t>本システム</a:t>
             </a:r>
             <a:r>
               <a:rPr lang="ja-JP" altLang="ja-JP" dirty="0"/>
-              <a:t>アドレス</a:t>
+              <a:t>でジャンル推定のできた楽曲コンテンツと動画</a:t>
             </a:r>
             <a:r>
               <a:rPr lang="ja-JP" altLang="ja-JP" dirty="0" smtClean="0"/>
-              <a:t>が</a:t>
-            </a:r>
-            <a:r>
-              <a:rPr lang="en-US" altLang="ja-JP" dirty="0"/>
-              <a:t>3</a:t>
-            </a:r>
-            <a:r>
-              <a:rPr lang="ja-JP" altLang="en-US" dirty="0"/>
-              <a:t>号機</a:t>
+              <a:t>コンテンツを</a:t>
+            </a:r>
+            <a:r>
+              <a:rPr lang="ja-JP" altLang="ja-JP" dirty="0"/>
+              <a:t>ジャンルマッチングすることで付加価値の高い動画</a:t>
             </a:r>
             <a:r>
               <a:rPr lang="ja-JP" altLang="ja-JP" dirty="0" smtClean="0"/>
-              <a:t>の</a:t>
-            </a:r>
-            <a:r>
-              <a:rPr lang="ja-JP" altLang="ja-JP" dirty="0"/>
-              <a:t>ものだけ分類精度が比較的高いと思われる</a:t>
-            </a:r>
-            <a:r>
-              <a:rPr lang="ja-JP" altLang="ja-JP" dirty="0" smtClean="0"/>
+              <a:t>コ</a:t>
+            </a:r>
+            <a:r>
+              <a:rPr lang="ja-JP" altLang="en-US" dirty="0" smtClean="0"/>
+              <a:t>ンテンツを提供するシステムの</a:t>
+            </a:r>
+            <a:r>
+              <a:rPr lang="ja-JP" altLang="en-US" dirty="0" smtClean="0"/>
+              <a:t>実現</a:t>
+            </a:r>
+            <a:r>
+              <a:rPr lang="ja-JP" altLang="en-US" dirty="0" smtClean="0"/>
+              <a:t>が期待される</a:t>
+            </a:r>
+            <a:r>
+              <a:rPr lang="ja-JP" altLang="en-US" dirty="0" smtClean="0"/>
               <a:t>．</a:t>
             </a:r>
             <a:endParaRPr lang="en-US" altLang="ja-JP" dirty="0" smtClean="0"/>
+          </a:p>
+          <a:p>
+            <a:endParaRPr lang="en-US" altLang="ja-JP" dirty="0"/>
           </a:p>
           <a:p>
             <a:pPr marL="0" indent="0">
               <a:buNone/>
             </a:pPr>
-            <a:r>
-              <a:rPr lang="ja-JP" altLang="ja-JP" dirty="0" smtClean="0"/>
-              <a:t>その</a:t>
-            </a:r>
-            <a:r>
-              <a:rPr lang="ja-JP" altLang="ja-JP" dirty="0"/>
-              <a:t>ため</a:t>
-            </a:r>
-            <a:r>
-              <a:rPr lang="en-US" altLang="ja-JP" dirty="0"/>
-              <a:t>1</a:t>
-            </a:r>
-            <a:r>
-              <a:rPr lang="ja-JP" altLang="ja-JP" dirty="0"/>
-              <a:t>機のみでの処理を行った場合に使用</a:t>
-            </a:r>
-            <a:r>
-              <a:rPr lang="ja-JP" altLang="ja-JP" dirty="0" smtClean="0"/>
-              <a:t>した</a:t>
-            </a:r>
-            <a:r>
-              <a:rPr lang="en-US" altLang="ja-JP" dirty="0"/>
-              <a:t>3</a:t>
-            </a:r>
-            <a:r>
-              <a:rPr lang="ja-JP" altLang="en-US" dirty="0"/>
-              <a:t>号機</a:t>
-            </a:r>
-            <a:r>
-              <a:rPr lang="ja-JP" altLang="ja-JP" dirty="0" smtClean="0"/>
-              <a:t>も</a:t>
-            </a:r>
-            <a:r>
-              <a:rPr lang="en-US" altLang="ja-JP" dirty="0"/>
-              <a:t>2</a:t>
-            </a:r>
-            <a:r>
-              <a:rPr lang="ja-JP" altLang="en-US" dirty="0"/>
-              <a:t>号機</a:t>
-            </a:r>
-            <a:r>
-              <a:rPr lang="ja-JP" altLang="ja-JP" dirty="0" smtClean="0"/>
-              <a:t>や</a:t>
-            </a:r>
-            <a:r>
-              <a:rPr lang="en-US" altLang="ja-JP" dirty="0"/>
-              <a:t>4</a:t>
-            </a:r>
-            <a:r>
-              <a:rPr lang="ja-JP" altLang="en-US" dirty="0"/>
-              <a:t>号機</a:t>
-            </a:r>
-            <a:r>
-              <a:rPr lang="ja-JP" altLang="ja-JP" dirty="0" smtClean="0"/>
-              <a:t>より</a:t>
-            </a:r>
-            <a:r>
-              <a:rPr lang="ja-JP" altLang="ja-JP" dirty="0"/>
-              <a:t>も比較的，分類精度が良いと思われる</a:t>
-            </a:r>
-            <a:r>
-              <a:rPr lang="ja-JP" altLang="ja-JP" dirty="0" smtClean="0"/>
-              <a:t>．</a:t>
-            </a:r>
             <a:endParaRPr lang="en-US" altLang="ja-JP" dirty="0" smtClean="0"/>
-          </a:p>
-          <a:p>
-            <a:pPr marL="0" indent="0">
-              <a:buNone/>
-            </a:pPr>
-            <a:r>
-              <a:rPr lang="ja-JP" altLang="ja-JP" dirty="0" smtClean="0"/>
-              <a:t>この</a:t>
-            </a:r>
-            <a:r>
-              <a:rPr lang="ja-JP" altLang="ja-JP" dirty="0"/>
-              <a:t>分類精度の違いは個体差である可能性も考えられるため，</a:t>
-            </a:r>
-            <a:r>
-              <a:rPr lang="en-US" altLang="ja-JP" dirty="0"/>
-              <a:t>1</a:t>
-            </a:r>
-            <a:r>
-              <a:rPr lang="ja-JP" altLang="ja-JP" dirty="0"/>
-              <a:t>機のみでの処理は</a:t>
-            </a:r>
-            <a:r>
-              <a:rPr lang="en-US" altLang="ja-JP" dirty="0"/>
-              <a:t>3</a:t>
-            </a:r>
-            <a:r>
-              <a:rPr lang="ja-JP" altLang="ja-JP" dirty="0"/>
-              <a:t>台それぞれで</a:t>
-            </a:r>
-            <a:r>
-              <a:rPr lang="en-US" altLang="ja-JP" dirty="0"/>
-              <a:t>3</a:t>
-            </a:r>
-            <a:r>
-              <a:rPr lang="ja-JP" altLang="ja-JP" dirty="0"/>
-              <a:t>回行ったデータを取るべきであった．</a:t>
-            </a:r>
-            <a:endParaRPr kumimoji="1" lang="ja-JP" altLang="en-US" dirty="0"/>
           </a:p>
         </p:txBody>
       </p:sp>
@@ -8686,7 +8362,7 @@
     </p:spTree>
     <p:extLst>
       <p:ext uri="{BB962C8B-B14F-4D97-AF65-F5344CB8AC3E}">
-        <p14:creationId xmlns:p14="http://schemas.microsoft.com/office/powerpoint/2010/main" val="499033867"/>
+        <p14:creationId xmlns:p14="http://schemas.microsoft.com/office/powerpoint/2010/main" val="1800454056"/>
       </p:ext>
     </p:extLst>
   </p:cSld>
@@ -8737,157 +8413,6 @@
           <a:p>
             <a:r>
               <a:rPr kumimoji="1" lang="ja-JP" altLang="en-US" dirty="0" smtClean="0"/>
-              <a:t>今後の展望</a:t>
-            </a:r>
-            <a:endParaRPr kumimoji="1" lang="ja-JP" altLang="en-US" dirty="0"/>
-          </a:p>
-        </p:txBody>
-      </p:sp>
-      <p:sp>
-        <p:nvSpPr>
-          <p:cNvPr id="3" name="コンテンツ プレースホルダー 2"/>
-          <p:cNvSpPr>
-            <a:spLocks noGrp="1"/>
-          </p:cNvSpPr>
-          <p:nvPr>
-            <p:ph idx="1"/>
-          </p:nvPr>
-        </p:nvSpPr>
-        <p:spPr/>
-        <p:txBody>
-          <a:bodyPr/>
-          <a:lstStyle/>
-          <a:p>
-            <a:pPr marL="0" indent="0">
-              <a:buNone/>
-            </a:pPr>
-            <a:r>
-              <a:rPr lang="ja-JP" altLang="ja-JP" dirty="0" smtClean="0"/>
-              <a:t>本システム</a:t>
-            </a:r>
-            <a:r>
-              <a:rPr lang="ja-JP" altLang="ja-JP" dirty="0"/>
-              <a:t>でジャンル推定のできた楽曲コンテンツと動画</a:t>
-            </a:r>
-            <a:r>
-              <a:rPr lang="ja-JP" altLang="ja-JP" dirty="0" smtClean="0"/>
-              <a:t>コンテンツを</a:t>
-            </a:r>
-            <a:r>
-              <a:rPr lang="ja-JP" altLang="ja-JP" dirty="0"/>
-              <a:t>ジャンルマッチングすることで付加価値の高い動画</a:t>
-            </a:r>
-            <a:r>
-              <a:rPr lang="ja-JP" altLang="ja-JP" dirty="0" smtClean="0"/>
-              <a:t>コ</a:t>
-            </a:r>
-            <a:r>
-              <a:rPr lang="ja-JP" altLang="en-US" dirty="0" smtClean="0"/>
-              <a:t>ンテンツを提供するシステムの</a:t>
-            </a:r>
-            <a:r>
-              <a:rPr lang="ja-JP" altLang="en-US" dirty="0" smtClean="0"/>
-              <a:t>実現</a:t>
-            </a:r>
-            <a:r>
-              <a:rPr lang="ja-JP" altLang="en-US" dirty="0" smtClean="0"/>
-              <a:t>が期待される</a:t>
-            </a:r>
-            <a:r>
-              <a:rPr lang="ja-JP" altLang="en-US" dirty="0" smtClean="0"/>
-              <a:t>．</a:t>
-            </a:r>
-            <a:endParaRPr lang="en-US" altLang="ja-JP" dirty="0" smtClean="0"/>
-          </a:p>
-          <a:p>
-            <a:endParaRPr lang="en-US" altLang="ja-JP" dirty="0"/>
-          </a:p>
-          <a:p>
-            <a:pPr marL="0" indent="0">
-              <a:buNone/>
-            </a:pPr>
-            <a:endParaRPr lang="en-US" altLang="ja-JP" dirty="0" smtClean="0"/>
-          </a:p>
-        </p:txBody>
-      </p:sp>
-      <p:sp>
-        <p:nvSpPr>
-          <p:cNvPr id="4" name="スライド番号プレースホルダー 3"/>
-          <p:cNvSpPr>
-            <a:spLocks noGrp="1"/>
-          </p:cNvSpPr>
-          <p:nvPr>
-            <p:ph type="sldNum" sz="quarter" idx="12"/>
-          </p:nvPr>
-        </p:nvSpPr>
-        <p:spPr/>
-        <p:txBody>
-          <a:bodyPr/>
-          <a:lstStyle/>
-          <a:p>
-            <a:fld id="{B4451160-128F-4DAD-AE29-4A8CC0E7B9E9}" type="slidenum">
-              <a:rPr lang="ja-JP" altLang="en-US" smtClean="0"/>
-              <a:pPr/>
-              <a:t>18</a:t>
-            </a:fld>
-            <a:endParaRPr lang="ja-JP" altLang="en-US" dirty="0"/>
-          </a:p>
-        </p:txBody>
-      </p:sp>
-    </p:spTree>
-    <p:extLst>
-      <p:ext uri="{BB962C8B-B14F-4D97-AF65-F5344CB8AC3E}">
-        <p14:creationId xmlns:p14="http://schemas.microsoft.com/office/powerpoint/2010/main" val="1800454056"/>
-      </p:ext>
-    </p:extLst>
-  </p:cSld>
-  <p:clrMapOvr>
-    <a:masterClrMapping/>
-  </p:clrMapOvr>
-  <p:timing>
-    <p:tnLst>
-      <p:par>
-        <p:cTn id="1" dur="indefinite" restart="never" nodeType="tmRoot"/>
-      </p:par>
-    </p:tnLst>
-  </p:timing>
-</p:sld>
-</file>
-
-<file path=ppt/slides/slide19.xml><?xml version="1.0" encoding="utf-8"?>
-<p:sld xmlns:a="http://schemas.openxmlformats.org/drawingml/2006/main" xmlns:r="http://schemas.openxmlformats.org/officeDocument/2006/relationships" xmlns:p="http://schemas.openxmlformats.org/presentationml/2006/main">
-  <p:cSld>
-    <p:spTree>
-      <p:nvGrpSpPr>
-        <p:cNvPr id="1" name=""/>
-        <p:cNvGrpSpPr/>
-        <p:nvPr/>
-      </p:nvGrpSpPr>
-      <p:grpSpPr>
-        <a:xfrm>
-          <a:off x="0" y="0"/>
-          <a:ext cx="0" cy="0"/>
-          <a:chOff x="0" y="0"/>
-          <a:chExt cx="0" cy="0"/>
-        </a:xfrm>
-      </p:grpSpPr>
-      <p:sp>
-        <p:nvSpPr>
-          <p:cNvPr id="2" name="タイトル 1"/>
-          <p:cNvSpPr>
-            <a:spLocks noGrp="1"/>
-          </p:cNvSpPr>
-          <p:nvPr>
-            <p:ph type="title"/>
-          </p:nvPr>
-        </p:nvSpPr>
-        <p:spPr/>
-        <p:txBody>
-          <a:bodyPr/>
-          <a:lstStyle/>
-          <a:p>
-            <a:r>
-              <a:rPr kumimoji="1" lang="ja-JP" altLang="en-US" dirty="0" smtClean="0"/>
               <a:t>参考文献</a:t>
             </a:r>
             <a:r>
@@ -9503,7 +9028,7 @@
             <a:fld id="{B4451160-128F-4DAD-AE29-4A8CC0E7B9E9}" type="slidenum">
               <a:rPr lang="ja-JP" altLang="en-US" smtClean="0"/>
               <a:pPr/>
-              <a:t>19</a:t>
+              <a:t>18</a:t>
             </a:fld>
             <a:endParaRPr lang="ja-JP" altLang="en-US" dirty="0"/>
           </a:p>
@@ -11753,6 +11278,109 @@
           <a:p>
             <a:r>
               <a:rPr kumimoji="1" lang="ja-JP" altLang="en-US" dirty="0" smtClean="0"/>
+              <a:t>実験</a:t>
+            </a:r>
+            <a:endParaRPr kumimoji="1" lang="ja-JP" altLang="en-US" dirty="0"/>
+          </a:p>
+        </p:txBody>
+      </p:sp>
+      <p:sp>
+        <p:nvSpPr>
+          <p:cNvPr id="3" name="コンテンツ プレースホルダー 2"/>
+          <p:cNvSpPr>
+            <a:spLocks noGrp="1"/>
+          </p:cNvSpPr>
+          <p:nvPr>
+            <p:ph idx="1"/>
+          </p:nvPr>
+        </p:nvSpPr>
+        <p:spPr/>
+        <p:txBody>
+          <a:bodyPr/>
+          <a:lstStyle/>
+          <a:p>
+            <a:pPr marL="0" indent="0">
+              <a:buNone/>
+            </a:pPr>
+            <a:r>
+              <a:rPr kumimoji="1" lang="ja-JP" altLang="en-US" dirty="0" smtClean="0"/>
+              <a:t>単機サーバと複数サーバでジャンル推定処理を行い．その処理にかかった時間と分類精度を比較することで実現可能性を検証する．</a:t>
+            </a:r>
+            <a:endParaRPr kumimoji="1" lang="ja-JP" altLang="en-US" dirty="0"/>
+          </a:p>
+        </p:txBody>
+      </p:sp>
+      <p:sp>
+        <p:nvSpPr>
+          <p:cNvPr id="4" name="スライド番号プレースホルダー 3"/>
+          <p:cNvSpPr>
+            <a:spLocks noGrp="1"/>
+          </p:cNvSpPr>
+          <p:nvPr>
+            <p:ph type="sldNum" sz="quarter" idx="12"/>
+          </p:nvPr>
+        </p:nvSpPr>
+        <p:spPr/>
+        <p:txBody>
+          <a:bodyPr/>
+          <a:lstStyle/>
+          <a:p>
+            <a:fld id="{B4451160-128F-4DAD-AE29-4A8CC0E7B9E9}" type="slidenum">
+              <a:rPr lang="ja-JP" altLang="en-US" smtClean="0"/>
+              <a:pPr/>
+              <a:t>7</a:t>
+            </a:fld>
+            <a:endParaRPr lang="ja-JP" altLang="en-US" dirty="0"/>
+          </a:p>
+        </p:txBody>
+      </p:sp>
+    </p:spTree>
+    <p:extLst>
+      <p:ext uri="{BB962C8B-B14F-4D97-AF65-F5344CB8AC3E}">
+        <p14:creationId xmlns:p14="http://schemas.microsoft.com/office/powerpoint/2010/main" val="636665"/>
+      </p:ext>
+    </p:extLst>
+  </p:cSld>
+  <p:clrMapOvr>
+    <a:masterClrMapping/>
+  </p:clrMapOvr>
+</p:sld>
+</file>
+
+<file path=ppt/slides/slide8.xml><?xml version="1.0" encoding="utf-8"?>
+<p:sld xmlns:a="http://schemas.openxmlformats.org/drawingml/2006/main" xmlns:r="http://schemas.openxmlformats.org/officeDocument/2006/relationships" xmlns:p="http://schemas.openxmlformats.org/presentationml/2006/main">
+  <p:cSld>
+    <p:spTree>
+      <p:nvGrpSpPr>
+        <p:cNvPr id="1" name=""/>
+        <p:cNvGrpSpPr/>
+        <p:nvPr/>
+      </p:nvGrpSpPr>
+      <p:grpSpPr>
+        <a:xfrm>
+          <a:off x="0" y="0"/>
+          <a:ext cx="0" cy="0"/>
+          <a:chOff x="0" y="0"/>
+          <a:chExt cx="0" cy="0"/>
+        </a:xfrm>
+      </p:grpSpPr>
+      <p:sp>
+        <p:nvSpPr>
+          <p:cNvPr id="2" name="タイトル 1"/>
+          <p:cNvSpPr>
+            <a:spLocks noGrp="1"/>
+          </p:cNvSpPr>
+          <p:nvPr>
+            <p:ph type="title"/>
+          </p:nvPr>
+        </p:nvSpPr>
+        <p:spPr/>
+        <p:txBody>
+          <a:bodyPr/>
+          <a:lstStyle/>
+          <a:p>
+            <a:r>
+              <a:rPr kumimoji="1" lang="ja-JP" altLang="en-US" dirty="0" smtClean="0"/>
               <a:t>楽曲ジャンル推定モデルの作成</a:t>
             </a:r>
             <a:endParaRPr kumimoji="1" lang="ja-JP" altLang="en-US" dirty="0"/>
@@ -11805,7 +11433,47 @@
             <a:endParaRPr lang="en-US" altLang="ja-JP" dirty="0" smtClean="0"/>
           </a:p>
           <a:p>
-            <a:endParaRPr kumimoji="1" lang="ja-JP" altLang="en-US" dirty="0"/>
+            <a:pPr marL="0" indent="0">
+              <a:buNone/>
+            </a:pPr>
+            <a:endParaRPr kumimoji="1" lang="en-US" altLang="ja-JP" dirty="0" smtClean="0"/>
+          </a:p>
+          <a:p>
+            <a:pPr marL="0" indent="0">
+              <a:buNone/>
+            </a:pPr>
+            <a:endParaRPr lang="en-US" altLang="ja-JP" dirty="0"/>
+          </a:p>
+          <a:p>
+            <a:pPr marL="0" indent="0">
+              <a:buNone/>
+            </a:pPr>
+            <a:endParaRPr kumimoji="1" lang="en-US" altLang="ja-JP" dirty="0" smtClean="0"/>
+          </a:p>
+          <a:p>
+            <a:pPr marL="0" indent="0">
+              <a:buNone/>
+            </a:pPr>
+            <a:endParaRPr lang="en-US" altLang="ja-JP" dirty="0"/>
+          </a:p>
+          <a:p>
+            <a:pPr marL="0" indent="0">
+              <a:buNone/>
+            </a:pPr>
+            <a:r>
+              <a:rPr lang="ja-JP" altLang="en-US" dirty="0"/>
+              <a:t>ジャンル推定モデルに使用したデータセット：</a:t>
+            </a:r>
+            <a:r>
+              <a:rPr lang="en-US" altLang="ja-JP" dirty="0"/>
+              <a:t>FMA_SMALL</a:t>
+            </a:r>
+          </a:p>
+          <a:p>
+            <a:pPr marL="0" indent="0">
+              <a:buNone/>
+            </a:pPr>
+            <a:endParaRPr lang="en-US" altLang="ja-JP" dirty="0"/>
           </a:p>
         </p:txBody>
       </p:sp>
@@ -11827,7 +11495,7 @@
             <a:fld id="{B4451160-128F-4DAD-AE29-4A8CC0E7B9E9}" type="slidenum">
               <a:rPr lang="ja-JP" altLang="en-US" smtClean="0"/>
               <a:pPr/>
-              <a:t>7</a:t>
+              <a:t>8</a:t>
             </a:fld>
             <a:endParaRPr lang="ja-JP" altLang="en-US" dirty="0"/>
           </a:p>
@@ -12072,7 +11740,7 @@
 </p:sld>
 </file>
 
-<file path=ppt/slides/slide8.xml><?xml version="1.0" encoding="utf-8"?>
+<file path=ppt/slides/slide9.xml><?xml version="1.0" encoding="utf-8"?>
 <p:sld xmlns:a="http://schemas.openxmlformats.org/drawingml/2006/main" xmlns:r="http://schemas.openxmlformats.org/officeDocument/2006/relationships" xmlns:p="http://schemas.openxmlformats.org/presentationml/2006/main">
   <p:cSld>
     <p:spTree>
@@ -12612,7 +12280,7 @@
             <a:fld id="{B4451160-128F-4DAD-AE29-4A8CC0E7B9E9}" type="slidenum">
               <a:rPr lang="ja-JP" altLang="en-US" smtClean="0"/>
               <a:pPr/>
-              <a:t>8</a:t>
+              <a:t>9</a:t>
             </a:fld>
             <a:endParaRPr lang="ja-JP" altLang="en-US" dirty="0"/>
           </a:p>
@@ -12704,684 +12372,6 @@
     <p:extLst>
       <p:ext uri="{BB962C8B-B14F-4D97-AF65-F5344CB8AC3E}">
         <p14:creationId xmlns:p14="http://schemas.microsoft.com/office/powerpoint/2010/main" val="1306279678"/>
-      </p:ext>
-    </p:extLst>
-  </p:cSld>
-  <p:clrMapOvr>
-    <a:masterClrMapping/>
-  </p:clrMapOvr>
-  <p:timing>
-    <p:tnLst>
-      <p:par>
-        <p:cTn id="1" dur="indefinite" restart="never" nodeType="tmRoot"/>
-      </p:par>
-    </p:tnLst>
-  </p:timing>
-</p:sld>
-</file>
-
-<file path=ppt/slides/slide9.xml><?xml version="1.0" encoding="utf-8"?>
-<p:sld xmlns:a="http://schemas.openxmlformats.org/drawingml/2006/main" xmlns:r="http://schemas.openxmlformats.org/officeDocument/2006/relationships" xmlns:p="http://schemas.openxmlformats.org/presentationml/2006/main">
-  <p:cSld>
-    <p:spTree>
-      <p:nvGrpSpPr>
-        <p:cNvPr id="1" name=""/>
-        <p:cNvGrpSpPr/>
-        <p:nvPr/>
-      </p:nvGrpSpPr>
-      <p:grpSpPr>
-        <a:xfrm>
-          <a:off x="0" y="0"/>
-          <a:ext cx="0" cy="0"/>
-          <a:chOff x="0" y="0"/>
-          <a:chExt cx="0" cy="0"/>
-        </a:xfrm>
-      </p:grpSpPr>
-      <p:sp>
-        <p:nvSpPr>
-          <p:cNvPr id="2" name="タイトル 1"/>
-          <p:cNvSpPr>
-            <a:spLocks noGrp="1"/>
-          </p:cNvSpPr>
-          <p:nvPr>
-            <p:ph type="title"/>
-          </p:nvPr>
-        </p:nvSpPr>
-        <p:spPr/>
-        <p:txBody>
-          <a:bodyPr/>
-          <a:lstStyle/>
-          <a:p>
-            <a:r>
-              <a:rPr lang="ja-JP" altLang="en-US" dirty="0"/>
-              <a:t>楽曲ジャンル推定モデルの作成</a:t>
-            </a:r>
-            <a:endParaRPr kumimoji="1" lang="ja-JP" altLang="en-US" dirty="0"/>
-          </a:p>
-        </p:txBody>
-      </p:sp>
-      <p:sp>
-        <p:nvSpPr>
-          <p:cNvPr id="3" name="コンテンツ プレースホルダー 2"/>
-          <p:cNvSpPr>
-            <a:spLocks noGrp="1"/>
-          </p:cNvSpPr>
-          <p:nvPr>
-            <p:ph idx="1"/>
-          </p:nvPr>
-        </p:nvSpPr>
-        <p:spPr>
-          <a:xfrm>
-            <a:off x="187889" y="1340285"/>
-            <a:ext cx="8630433" cy="4836678"/>
-          </a:xfrm>
-        </p:spPr>
-        <p:txBody>
-          <a:bodyPr/>
-          <a:lstStyle/>
-          <a:p>
-            <a:pPr marL="0" indent="0">
-              <a:buNone/>
-            </a:pPr>
-            <a:r>
-              <a:rPr kumimoji="1" lang="ja-JP" altLang="en-US" dirty="0" smtClean="0"/>
-              <a:t>ジャンル推定モデルに使用したデータセット：</a:t>
-            </a:r>
-            <a:r>
-              <a:rPr lang="en-US" altLang="ja-JP" dirty="0" smtClean="0"/>
-              <a:t>FMA_SMALL</a:t>
-            </a:r>
-            <a:endParaRPr kumimoji="1" lang="en-US" altLang="ja-JP" dirty="0" smtClean="0"/>
-          </a:p>
-          <a:p>
-            <a:pPr marL="0" indent="0">
-              <a:buNone/>
-            </a:pPr>
-            <a:r>
-              <a:rPr kumimoji="1" lang="ja-JP" altLang="en-US" dirty="0" smtClean="0"/>
-              <a:t>実際に作成したモデル</a:t>
-            </a:r>
-            <a:endParaRPr kumimoji="1" lang="en-US" altLang="ja-JP" dirty="0" smtClean="0"/>
-          </a:p>
-          <a:p>
-            <a:pPr marL="0" indent="0">
-              <a:buNone/>
-            </a:pPr>
-            <a:endParaRPr kumimoji="1" lang="ja-JP" altLang="en-US" dirty="0"/>
-          </a:p>
-        </p:txBody>
-      </p:sp>
-      <p:sp>
-        <p:nvSpPr>
-          <p:cNvPr id="4" name="スライド番号プレースホルダー 3"/>
-          <p:cNvSpPr>
-            <a:spLocks noGrp="1"/>
-          </p:cNvSpPr>
-          <p:nvPr>
-            <p:ph type="sldNum" sz="quarter" idx="12"/>
-          </p:nvPr>
-        </p:nvSpPr>
-        <p:spPr/>
-        <p:txBody>
-          <a:bodyPr/>
-          <a:lstStyle/>
-          <a:p>
-            <a:fld id="{B4451160-128F-4DAD-AE29-4A8CC0E7B9E9}" type="slidenum">
-              <a:rPr lang="ja-JP" altLang="en-US" smtClean="0"/>
-              <a:pPr/>
-              <a:t>9</a:t>
-            </a:fld>
-            <a:endParaRPr lang="ja-JP" altLang="en-US" dirty="0"/>
-          </a:p>
-        </p:txBody>
-      </p:sp>
-      <p:graphicFrame>
-        <p:nvGraphicFramePr>
-          <p:cNvPr id="7" name="表 6"/>
-          <p:cNvGraphicFramePr>
-            <a:graphicFrameLocks noGrp="1"/>
-          </p:cNvGraphicFramePr>
-          <p:nvPr>
-            <p:extLst>
-              <p:ext uri="{D42A27DB-BD31-4B8C-83A1-F6EECF244321}">
-                <p14:modId xmlns:p14="http://schemas.microsoft.com/office/powerpoint/2010/main" val="2505802056"/>
-              </p:ext>
-            </p:extLst>
-          </p:nvPr>
-        </p:nvGraphicFramePr>
-        <p:xfrm>
-          <a:off x="187889" y="2379945"/>
-          <a:ext cx="8189673" cy="3976406"/>
-        </p:xfrm>
-        <a:graphic>
-          <a:graphicData uri="http://schemas.openxmlformats.org/drawingml/2006/table">
-            <a:tbl>
-              <a:tblPr firstRow="1" firstCol="1" bandRow="1">
-                <a:tableStyleId>{5940675A-B579-460E-94D1-54222C63F5DA}</a:tableStyleId>
-              </a:tblPr>
-              <a:tblGrid>
-                <a:gridCol w="8189673">
-                  <a:extLst>
-                    <a:ext uri="{9D8B030D-6E8A-4147-A177-3AD203B41FA5}">
-                      <a16:colId xmlns:a16="http://schemas.microsoft.com/office/drawing/2014/main" val="3110637914"/>
-                    </a:ext>
-                  </a:extLst>
-                </a:gridCol>
-              </a:tblGrid>
-              <a:tr h="3976406">
-                <a:tc>
-                  <a:txBody>
-                    <a:bodyPr/>
-                    <a:lstStyle/>
-                    <a:p>
-                      <a:pPr algn="just">
-                        <a:lnSpc>
-                          <a:spcPts val="1200"/>
-                        </a:lnSpc>
-                        <a:spcAft>
-                          <a:spcPts val="0"/>
-                        </a:spcAft>
-                      </a:pPr>
-                      <a:endParaRPr lang="en-US" sz="2000" kern="100" dirty="0" smtClean="0">
-                        <a:effectLst/>
-                      </a:endParaRPr>
-                    </a:p>
-                    <a:p>
-                      <a:pPr algn="just">
-                        <a:lnSpc>
-                          <a:spcPts val="1200"/>
-                        </a:lnSpc>
-                        <a:spcAft>
-                          <a:spcPts val="0"/>
-                        </a:spcAft>
-                      </a:pPr>
-                      <a:r>
-                        <a:rPr lang="en-US" sz="2000" kern="100" dirty="0" smtClean="0">
-                          <a:effectLst/>
-                        </a:rPr>
-                        <a:t>Model</a:t>
-                      </a:r>
-                      <a:r>
-                        <a:rPr lang="en-US" sz="2000" kern="100" dirty="0">
-                          <a:effectLst/>
-                        </a:rPr>
-                        <a:t>: "</a:t>
-                      </a:r>
-                      <a:r>
-                        <a:rPr lang="en-US" sz="2000" kern="100" dirty="0" smtClean="0">
-                          <a:effectLst/>
-                        </a:rPr>
-                        <a:t>sequential”</a:t>
-                      </a:r>
-                    </a:p>
-                    <a:p>
-                      <a:pPr algn="just">
-                        <a:lnSpc>
-                          <a:spcPts val="1200"/>
-                        </a:lnSpc>
-                        <a:spcAft>
-                          <a:spcPts val="0"/>
-                        </a:spcAft>
-                      </a:pPr>
-                      <a:endParaRPr lang="en-US" sz="2000" kern="100" dirty="0" smtClean="0">
-                        <a:effectLst/>
-                      </a:endParaRPr>
-                    </a:p>
-                    <a:p>
-                      <a:pPr algn="just">
-                        <a:lnSpc>
-                          <a:spcPts val="1200"/>
-                        </a:lnSpc>
-                        <a:spcAft>
-                          <a:spcPts val="0"/>
-                        </a:spcAft>
-                      </a:pPr>
-                      <a:r>
-                        <a:rPr lang="en-US" sz="2000" kern="100" dirty="0" smtClean="0">
-                          <a:effectLst/>
-                        </a:rPr>
-                        <a:t>Layer </a:t>
-                      </a:r>
-                      <a:r>
-                        <a:rPr lang="en-US" sz="2000" kern="100" dirty="0">
-                          <a:effectLst/>
-                        </a:rPr>
-                        <a:t>(type)                Output Shape              </a:t>
-                      </a:r>
-                      <a:r>
-                        <a:rPr lang="en-US" sz="2000" kern="100" dirty="0" err="1">
-                          <a:effectLst/>
-                        </a:rPr>
-                        <a:t>Param</a:t>
-                      </a:r>
-                      <a:r>
-                        <a:rPr lang="en-US" sz="2000" kern="100" dirty="0">
-                          <a:effectLst/>
-                        </a:rPr>
-                        <a:t> </a:t>
-                      </a:r>
-                      <a:r>
-                        <a:rPr lang="en-US" sz="2000" kern="100" dirty="0" smtClean="0">
-                          <a:effectLst/>
-                        </a:rPr>
-                        <a:t>#  </a:t>
-                      </a:r>
-                    </a:p>
-                    <a:p>
-                      <a:pPr algn="just">
-                        <a:lnSpc>
-                          <a:spcPts val="1200"/>
-                        </a:lnSpc>
-                        <a:spcAft>
-                          <a:spcPts val="0"/>
-                        </a:spcAft>
-                      </a:pPr>
-                      <a:r>
-                        <a:rPr lang="en-US" sz="2000" kern="100" dirty="0" smtClean="0">
-                          <a:effectLst/>
-                        </a:rPr>
-                        <a:t> ===============================================================</a:t>
-                      </a:r>
-                    </a:p>
-                    <a:p>
-                      <a:pPr algn="just">
-                        <a:lnSpc>
-                          <a:spcPts val="1200"/>
-                        </a:lnSpc>
-                        <a:spcAft>
-                          <a:spcPts val="0"/>
-                        </a:spcAft>
-                      </a:pPr>
-                      <a:endParaRPr lang="en-US" sz="2000" kern="100" dirty="0" smtClean="0">
-                        <a:effectLst/>
-                      </a:endParaRPr>
-                    </a:p>
-                    <a:p>
-                      <a:pPr algn="just">
-                        <a:lnSpc>
-                          <a:spcPts val="1200"/>
-                        </a:lnSpc>
-                        <a:spcAft>
-                          <a:spcPts val="0"/>
-                        </a:spcAft>
-                      </a:pPr>
-                      <a:r>
-                        <a:rPr lang="en-US" sz="2000" kern="100" dirty="0" smtClean="0">
-                          <a:effectLst/>
-                        </a:rPr>
-                        <a:t>dense </a:t>
-                      </a:r>
-                      <a:r>
-                        <a:rPr lang="en-US" sz="2000" kern="100" dirty="0">
-                          <a:effectLst/>
-                        </a:rPr>
-                        <a:t>(Dense)               (None, 256)               6656             </a:t>
-                      </a:r>
-                      <a:endParaRPr lang="en-US" sz="2000" kern="100" dirty="0" smtClean="0">
-                        <a:effectLst/>
-                      </a:endParaRPr>
-                    </a:p>
-                    <a:p>
-                      <a:pPr algn="just">
-                        <a:lnSpc>
-                          <a:spcPts val="1200"/>
-                        </a:lnSpc>
-                        <a:spcAft>
-                          <a:spcPts val="0"/>
-                        </a:spcAft>
-                      </a:pPr>
-                      <a:r>
-                        <a:rPr lang="en-US" sz="2000" kern="100" dirty="0" smtClean="0">
-                          <a:effectLst/>
-                        </a:rPr>
-                        <a:t>                                                           </a:t>
-                      </a:r>
-                    </a:p>
-                    <a:p>
-                      <a:pPr algn="just">
-                        <a:lnSpc>
-                          <a:spcPts val="1200"/>
-                        </a:lnSpc>
-                        <a:spcAft>
-                          <a:spcPts val="0"/>
-                        </a:spcAft>
-                      </a:pPr>
-                      <a:r>
-                        <a:rPr lang="en-US" sz="2000" kern="100" dirty="0" smtClean="0">
-                          <a:effectLst/>
-                        </a:rPr>
-                        <a:t>dense_1 </a:t>
-                      </a:r>
-                      <a:r>
-                        <a:rPr lang="en-US" sz="2000" kern="100" dirty="0">
-                          <a:effectLst/>
-                        </a:rPr>
-                        <a:t>(Dense)             (None, 128)               32896                                                                       </a:t>
-                      </a:r>
-                      <a:endParaRPr lang="en-US" sz="2000" kern="100" dirty="0" smtClean="0">
-                        <a:effectLst/>
-                      </a:endParaRPr>
-                    </a:p>
-                    <a:p>
-                      <a:pPr algn="just">
-                        <a:lnSpc>
-                          <a:spcPts val="1200"/>
-                        </a:lnSpc>
-                        <a:spcAft>
-                          <a:spcPts val="0"/>
-                        </a:spcAft>
-                      </a:pPr>
-                      <a:endParaRPr lang="en-US" sz="2000" kern="100" dirty="0" smtClean="0">
-                        <a:effectLst/>
-                      </a:endParaRPr>
-                    </a:p>
-                    <a:p>
-                      <a:pPr algn="just">
-                        <a:lnSpc>
-                          <a:spcPts val="1200"/>
-                        </a:lnSpc>
-                        <a:spcAft>
-                          <a:spcPts val="0"/>
-                        </a:spcAft>
-                      </a:pPr>
-                      <a:r>
-                        <a:rPr lang="en-US" sz="2000" kern="100" dirty="0" smtClean="0">
-                          <a:effectLst/>
-                        </a:rPr>
-                        <a:t>dense_2 </a:t>
-                      </a:r>
-                      <a:r>
-                        <a:rPr lang="en-US" sz="2000" kern="100" dirty="0">
-                          <a:effectLst/>
-                        </a:rPr>
-                        <a:t>(Dense)             (None, 64)                8256                                                                        </a:t>
-                      </a:r>
-                      <a:endParaRPr lang="en-US" sz="2000" kern="100" dirty="0" smtClean="0">
-                        <a:effectLst/>
-                      </a:endParaRPr>
-                    </a:p>
-                    <a:p>
-                      <a:pPr algn="just">
-                        <a:lnSpc>
-                          <a:spcPts val="1200"/>
-                        </a:lnSpc>
-                        <a:spcAft>
-                          <a:spcPts val="0"/>
-                        </a:spcAft>
-                      </a:pPr>
-                      <a:endParaRPr lang="en-US" sz="2000" kern="100" dirty="0" smtClean="0">
-                        <a:effectLst/>
-                      </a:endParaRPr>
-                    </a:p>
-                    <a:p>
-                      <a:pPr algn="just">
-                        <a:lnSpc>
-                          <a:spcPts val="1200"/>
-                        </a:lnSpc>
-                        <a:spcAft>
-                          <a:spcPts val="0"/>
-                        </a:spcAft>
-                      </a:pPr>
-                      <a:r>
-                        <a:rPr lang="en-US" sz="2000" kern="100" dirty="0" smtClean="0">
-                          <a:effectLst/>
-                        </a:rPr>
-                        <a:t>dense_3 </a:t>
-                      </a:r>
-                      <a:r>
-                        <a:rPr lang="en-US" sz="2000" kern="100" dirty="0">
-                          <a:effectLst/>
-                        </a:rPr>
-                        <a:t>(Dense)             (None, 10)                </a:t>
-                      </a:r>
-                      <a:r>
-                        <a:rPr lang="en-US" sz="2000" kern="100" dirty="0" smtClean="0">
-                          <a:effectLst/>
-                        </a:rPr>
-                        <a:t>650</a:t>
-                      </a:r>
-                    </a:p>
-                    <a:p>
-                      <a:pPr algn="just">
-                        <a:lnSpc>
-                          <a:spcPts val="1200"/>
-                        </a:lnSpc>
-                        <a:spcAft>
-                          <a:spcPts val="0"/>
-                        </a:spcAft>
-                      </a:pPr>
-                      <a:endParaRPr lang="en-US" sz="2000" kern="100" dirty="0" smtClean="0">
-                        <a:effectLst/>
-                      </a:endParaRPr>
-                    </a:p>
-                    <a:p>
-                      <a:pPr algn="just">
-                        <a:lnSpc>
-                          <a:spcPts val="1200"/>
-                        </a:lnSpc>
-                        <a:spcAft>
-                          <a:spcPts val="0"/>
-                        </a:spcAft>
-                      </a:pPr>
-                      <a:r>
-                        <a:rPr lang="en-US" sz="2000" kern="100" dirty="0" smtClean="0">
-                          <a:effectLst/>
-                        </a:rPr>
-                        <a:t>===============================================================</a:t>
-                      </a:r>
-                    </a:p>
-                    <a:p>
-                      <a:pPr algn="just">
-                        <a:lnSpc>
-                          <a:spcPts val="1200"/>
-                        </a:lnSpc>
-                        <a:spcAft>
-                          <a:spcPts val="0"/>
-                        </a:spcAft>
-                      </a:pPr>
-                      <a:endParaRPr lang="en-US" sz="2000" kern="100" dirty="0" smtClean="0">
-                        <a:effectLst/>
-                      </a:endParaRPr>
-                    </a:p>
-                    <a:p>
-                      <a:pPr algn="just">
-                        <a:lnSpc>
-                          <a:spcPts val="1200"/>
-                        </a:lnSpc>
-                        <a:spcAft>
-                          <a:spcPts val="0"/>
-                        </a:spcAft>
-                      </a:pPr>
-                      <a:r>
-                        <a:rPr lang="en-US" sz="2000" kern="100" dirty="0" smtClean="0">
-                          <a:effectLst/>
-                        </a:rPr>
-                        <a:t>Total </a:t>
-                      </a:r>
-                      <a:r>
-                        <a:rPr lang="en-US" sz="2000" kern="100" dirty="0" err="1">
-                          <a:effectLst/>
-                        </a:rPr>
-                        <a:t>params</a:t>
-                      </a:r>
-                      <a:r>
-                        <a:rPr lang="en-US" sz="2000" kern="100" dirty="0">
-                          <a:effectLst/>
-                        </a:rPr>
-                        <a:t>: </a:t>
-                      </a:r>
-                      <a:r>
-                        <a:rPr lang="en-US" sz="2000" kern="100" dirty="0" smtClean="0">
-                          <a:effectLst/>
-                        </a:rPr>
-                        <a:t>48,458</a:t>
-                      </a:r>
-                    </a:p>
-                    <a:p>
-                      <a:pPr algn="just">
-                        <a:lnSpc>
-                          <a:spcPts val="1200"/>
-                        </a:lnSpc>
-                        <a:spcAft>
-                          <a:spcPts val="0"/>
-                        </a:spcAft>
-                      </a:pPr>
-                      <a:endParaRPr lang="en-US" sz="2000" kern="100" dirty="0" smtClean="0">
-                        <a:effectLst/>
-                      </a:endParaRPr>
-                    </a:p>
-                    <a:p>
-                      <a:pPr algn="just">
-                        <a:lnSpc>
-                          <a:spcPts val="1200"/>
-                        </a:lnSpc>
-                        <a:spcAft>
-                          <a:spcPts val="0"/>
-                        </a:spcAft>
-                      </a:pPr>
-                      <a:r>
-                        <a:rPr lang="en-US" sz="2000" kern="100" dirty="0" smtClean="0">
-                          <a:effectLst/>
-                        </a:rPr>
-                        <a:t>Trainable </a:t>
-                      </a:r>
-                      <a:r>
-                        <a:rPr lang="en-US" sz="2000" kern="100" dirty="0" err="1">
-                          <a:effectLst/>
-                        </a:rPr>
-                        <a:t>params</a:t>
-                      </a:r>
-                      <a:r>
-                        <a:rPr lang="en-US" sz="2000" kern="100" dirty="0">
-                          <a:effectLst/>
-                        </a:rPr>
-                        <a:t>: </a:t>
-                      </a:r>
-                      <a:r>
-                        <a:rPr lang="en-US" sz="2000" kern="100" dirty="0" smtClean="0">
-                          <a:effectLst/>
-                        </a:rPr>
-                        <a:t>48,458</a:t>
-                      </a:r>
-                    </a:p>
-                    <a:p>
-                      <a:pPr algn="just">
-                        <a:lnSpc>
-                          <a:spcPts val="1200"/>
-                        </a:lnSpc>
-                        <a:spcAft>
-                          <a:spcPts val="0"/>
-                        </a:spcAft>
-                      </a:pPr>
-                      <a:endParaRPr lang="en-US" sz="2000" kern="100" dirty="0" smtClean="0">
-                        <a:effectLst/>
-                      </a:endParaRPr>
-                    </a:p>
-                    <a:p>
-                      <a:pPr algn="just">
-                        <a:lnSpc>
-                          <a:spcPts val="1200"/>
-                        </a:lnSpc>
-                        <a:spcAft>
-                          <a:spcPts val="0"/>
-                        </a:spcAft>
-                      </a:pPr>
-                      <a:r>
-                        <a:rPr lang="en-US" sz="2000" kern="100" dirty="0" smtClean="0">
-                          <a:effectLst/>
-                        </a:rPr>
-                        <a:t>Non-trainable </a:t>
-                      </a:r>
-                      <a:r>
-                        <a:rPr lang="en-US" sz="2000" kern="100" dirty="0" err="1">
-                          <a:effectLst/>
-                        </a:rPr>
-                        <a:t>params</a:t>
-                      </a:r>
-                      <a:r>
-                        <a:rPr lang="en-US" sz="2000" kern="100" dirty="0">
-                          <a:effectLst/>
-                        </a:rPr>
-                        <a:t>: </a:t>
-                      </a:r>
-                      <a:r>
-                        <a:rPr lang="en-US" sz="2000" kern="100" dirty="0" smtClean="0">
-                          <a:effectLst/>
-                        </a:rPr>
-                        <a:t>0</a:t>
-                      </a:r>
-                    </a:p>
-                    <a:p>
-                      <a:pPr algn="just">
-                        <a:lnSpc>
-                          <a:spcPts val="1200"/>
-                        </a:lnSpc>
-                        <a:spcAft>
-                          <a:spcPts val="0"/>
-                        </a:spcAft>
-                      </a:pPr>
-                      <a:endParaRPr lang="en-US" sz="2000" kern="100" dirty="0" smtClean="0">
-                        <a:effectLst/>
-                      </a:endParaRPr>
-                    </a:p>
-                    <a:p>
-                      <a:pPr algn="just">
-                        <a:lnSpc>
-                          <a:spcPts val="1200"/>
-                        </a:lnSpc>
-                        <a:spcAft>
-                          <a:spcPts val="0"/>
-                        </a:spcAft>
-                      </a:pPr>
-                      <a:endParaRPr lang="en-US" sz="2000" kern="100" dirty="0" smtClean="0">
-                        <a:effectLst/>
-                      </a:endParaRPr>
-                    </a:p>
-                    <a:p>
-                      <a:pPr algn="just">
-                        <a:lnSpc>
-                          <a:spcPts val="1200"/>
-                        </a:lnSpc>
-                        <a:spcAft>
-                          <a:spcPts val="0"/>
-                        </a:spcAft>
-                      </a:pPr>
-                      <a:r>
-                        <a:rPr lang="en-US" sz="2000" kern="100" dirty="0" smtClean="0">
-                          <a:effectLst/>
-                        </a:rPr>
-                        <a:t>None</a:t>
-                      </a:r>
-                      <a:r>
-                        <a:rPr lang="en-US" sz="2000" kern="100" dirty="0">
-                          <a:effectLst/>
-                        </a:rPr>
-                        <a:t> </a:t>
-                      </a:r>
-                      <a:endParaRPr lang="ja-JP" sz="2000" kern="100" dirty="0">
-                        <a:effectLst/>
-                        <a:latin typeface="Century" panose="02040604050505020304" pitchFamily="18" charset="0"/>
-                        <a:ea typeface="ＭＳ 明朝" panose="02020609040205080304" pitchFamily="17" charset="-128"/>
-                        <a:cs typeface="Times New Roman" panose="02020603050405020304" pitchFamily="18" charset="0"/>
-                      </a:endParaRPr>
-                    </a:p>
-                  </a:txBody>
-                  <a:tcPr marL="68580" marR="68580" marT="0" marB="0"/>
-                </a:tc>
-                <a:extLst>
-                  <a:ext uri="{0D108BD9-81ED-4DB2-BD59-A6C34878D82A}">
-                    <a16:rowId xmlns:a16="http://schemas.microsoft.com/office/drawing/2014/main" val="2891460085"/>
-                  </a:ext>
-                </a:extLst>
-              </a:tr>
-            </a:tbl>
-          </a:graphicData>
-        </a:graphic>
-      </p:graphicFrame>
-    </p:spTree>
-    <p:extLst>
-      <p:ext uri="{BB962C8B-B14F-4D97-AF65-F5344CB8AC3E}">
-        <p14:creationId xmlns:p14="http://schemas.microsoft.com/office/powerpoint/2010/main" val="1905092805"/>
       </p:ext>
     </p:extLst>
   </p:cSld>

--- a/発表用スライド/1821144_卒研発表.pptx
+++ b/発表用スライド/1821144_卒研発表.pptx
@@ -5237,6 +5237,7 @@
           </a:bodyPr>
           <a:lstStyle/>
           <a:p>
+            <a:pPr algn="just"/>
             <a:r>
               <a:rPr lang="ja-JP" altLang="en-US" sz="2400" dirty="0"/>
               <a:t>本研究での</a:t>
@@ -5248,6 +5249,7 @@
             <a:endParaRPr kumimoji="1" lang="en-US" altLang="ja-JP" sz="2400" dirty="0" smtClean="0"/>
           </a:p>
           <a:p>
+            <a:pPr algn="just"/>
             <a:r>
               <a:rPr lang="ja-JP" altLang="en-US" sz="2400" dirty="0"/>
               <a:t>理由</a:t>
@@ -5271,9 +5273,11 @@
             <a:endParaRPr lang="en-US" altLang="ja-JP" sz="2400" dirty="0" smtClean="0"/>
           </a:p>
           <a:p>
+            <a:pPr algn="just"/>
             <a:endParaRPr kumimoji="1" lang="en-US" altLang="ja-JP" sz="2400" dirty="0"/>
           </a:p>
           <a:p>
+            <a:pPr algn="just"/>
             <a:endParaRPr kumimoji="1" lang="ja-JP" altLang="en-US" sz="2400" dirty="0"/>
           </a:p>
         </p:txBody>
@@ -5383,7 +5387,7 @@
           <a:bodyPr/>
           <a:lstStyle/>
           <a:p>
-            <a:pPr marL="0" indent="0">
+            <a:pPr marL="0" indent="0" algn="just">
               <a:buNone/>
             </a:pPr>
             <a:r>
@@ -5421,7 +5425,7 @@
             <a:endParaRPr lang="en-US" altLang="ja-JP" dirty="0" smtClean="0"/>
           </a:p>
           <a:p>
-            <a:pPr marL="0" indent="0">
+            <a:pPr marL="0" indent="0" algn="just">
               <a:buNone/>
             </a:pPr>
             <a:r>
@@ -7881,7 +7885,7 @@
           <a:bodyPr/>
           <a:lstStyle/>
           <a:p>
-            <a:pPr marL="0" indent="0">
+            <a:pPr marL="0" indent="0" algn="just">
               <a:buNone/>
             </a:pPr>
             <a:r>
@@ -7903,7 +7907,7 @@
             <a:endParaRPr lang="en-US" altLang="ja-JP" dirty="0" smtClean="0"/>
           </a:p>
           <a:p>
-            <a:pPr marL="0" indent="0">
+            <a:pPr marL="0" indent="0" algn="just">
               <a:buNone/>
             </a:pPr>
             <a:r>
@@ -8037,7 +8041,7 @@
           <a:bodyPr/>
           <a:lstStyle/>
           <a:p>
-            <a:pPr marL="0" indent="0">
+            <a:pPr marL="0" indent="0" algn="just">
               <a:buNone/>
             </a:pPr>
             <a:r>
@@ -8075,7 +8079,7 @@
             <a:endParaRPr lang="en-US" altLang="ja-JP" dirty="0" smtClean="0"/>
           </a:p>
           <a:p>
-            <a:pPr marL="0" indent="0">
+            <a:pPr marL="0" indent="0" algn="just">
               <a:buNone/>
             </a:pPr>
             <a:r>
@@ -8145,7 +8149,7 @@
             <a:endParaRPr lang="en-US" altLang="ja-JP" dirty="0" smtClean="0"/>
           </a:p>
           <a:p>
-            <a:pPr marL="0" indent="0">
+            <a:pPr marL="0" indent="0" algn="just">
               <a:buNone/>
             </a:pPr>
             <a:r>
@@ -8283,7 +8287,10 @@
           <a:bodyPr/>
           <a:lstStyle/>
           <a:p>
-            <a:pPr marL="0" indent="0">
+            <a:pPr marL="0" indent="0" algn="just">
+              <a:lnSpc>
+                <a:spcPct val="100000"/>
+              </a:lnSpc>
               <a:buNone/>
             </a:pPr>
             <a:r>
@@ -8325,10 +8332,18 @@
             <a:endParaRPr lang="en-US" altLang="ja-JP" dirty="0" smtClean="0"/>
           </a:p>
           <a:p>
+            <a:pPr algn="just">
+              <a:lnSpc>
+                <a:spcPct val="100000"/>
+              </a:lnSpc>
+            </a:pPr>
             <a:endParaRPr lang="en-US" altLang="ja-JP" dirty="0"/>
           </a:p>
           <a:p>
-            <a:pPr marL="0" indent="0">
+            <a:pPr marL="0" indent="0" algn="just">
+              <a:lnSpc>
+                <a:spcPct val="100000"/>
+              </a:lnSpc>
               <a:buNone/>
             </a:pPr>
             <a:endParaRPr lang="en-US" altLang="ja-JP" dirty="0" smtClean="0"/>
@@ -8440,7 +8455,7 @@
           </a:bodyPr>
           <a:lstStyle/>
           <a:p>
-            <a:pPr marL="514350" lvl="0" indent="-514350">
+            <a:pPr marL="514350" lvl="0" indent="-514350" algn="just">
               <a:buFont typeface="+mj-lt"/>
               <a:buAutoNum type="arabicPeriod"/>
             </a:pPr>
@@ -8497,7 +8512,7 @@
             </a:endParaRPr>
           </a:p>
           <a:p>
-            <a:pPr marL="514350" lvl="0" indent="-514350">
+            <a:pPr marL="514350" lvl="0" indent="-514350" algn="just">
               <a:buFont typeface="+mj-lt"/>
               <a:buAutoNum type="arabicPeriod"/>
             </a:pPr>
@@ -8608,7 +8623,7 @@
             </a:endParaRPr>
           </a:p>
           <a:p>
-            <a:pPr marL="514350" lvl="0" indent="-514350">
+            <a:pPr marL="514350" lvl="0" indent="-514350" algn="just">
               <a:buFont typeface="+mj-lt"/>
               <a:buAutoNum type="arabicPeriod"/>
             </a:pPr>
@@ -8707,7 +8722,7 @@
             </a:endParaRPr>
           </a:p>
           <a:p>
-            <a:pPr marL="514350" lvl="0" indent="-514350">
+            <a:pPr marL="514350" lvl="0" indent="-514350" algn="just">
               <a:buFont typeface="+mj-lt"/>
               <a:buAutoNum type="arabicPeriod"/>
             </a:pPr>
@@ -8788,7 +8803,7 @@
             </a:endParaRPr>
           </a:p>
           <a:p>
-            <a:pPr marL="514350" lvl="0" indent="-514350">
+            <a:pPr marL="514350" lvl="0" indent="-514350" algn="just">
               <a:buFont typeface="+mj-lt"/>
               <a:buAutoNum type="arabicPeriod"/>
             </a:pPr>
@@ -8893,7 +8908,7 @@
             </a:endParaRPr>
           </a:p>
           <a:p>
-            <a:pPr marL="514350" lvl="0" indent="-514350">
+            <a:pPr marL="514350" lvl="0" indent="-514350" algn="just">
               <a:buFont typeface="+mj-lt"/>
               <a:buAutoNum type="arabicPeriod"/>
             </a:pPr>
@@ -8933,7 +8948,7 @@
             </a:endParaRPr>
           </a:p>
           <a:p>
-            <a:pPr marL="514350" lvl="0" indent="-514350">
+            <a:pPr marL="514350" lvl="0" indent="-514350" algn="just">
               <a:buFont typeface="+mj-lt"/>
               <a:buAutoNum type="arabicPeriod"/>
             </a:pPr>
@@ -8961,7 +8976,7 @@
             </a:endParaRPr>
           </a:p>
           <a:p>
-            <a:pPr marL="514350" lvl="0" indent="-514350">
+            <a:pPr marL="514350" lvl="0" indent="-514350" algn="just">
               <a:buFont typeface="+mj-lt"/>
               <a:buAutoNum type="arabicPeriod"/>
             </a:pPr>
@@ -9003,7 +9018,7 @@
             </a:endParaRPr>
           </a:p>
           <a:p>
-            <a:pPr marL="0" indent="0">
+            <a:pPr marL="0" indent="0" algn="just">
               <a:buNone/>
             </a:pPr>
             <a:endParaRPr kumimoji="1" lang="ja-JP" altLang="en-US" dirty="0"/>
@@ -9128,7 +9143,7 @@
           </a:bodyPr>
           <a:lstStyle/>
           <a:p>
-            <a:pPr>
+            <a:pPr algn="just">
               <a:lnSpc>
                 <a:spcPct val="120000"/>
               </a:lnSpc>
@@ -9184,7 +9199,7 @@
             <a:endParaRPr lang="en-US" altLang="ja-JP" dirty="0" smtClean="0"/>
           </a:p>
           <a:p>
-            <a:pPr>
+            <a:pPr algn="just">
               <a:lnSpc>
                 <a:spcPct val="120000"/>
               </a:lnSpc>
@@ -9200,7 +9215,7 @@
             <a:endParaRPr lang="en-US" altLang="ja-JP" dirty="0" smtClean="0"/>
           </a:p>
           <a:p>
-            <a:pPr marL="0" indent="0">
+            <a:pPr marL="0" indent="0" algn="just">
               <a:lnSpc>
                 <a:spcPct val="120000"/>
               </a:lnSpc>
@@ -9209,7 +9224,7 @@
             <a:endParaRPr lang="en-US" altLang="ja-JP" dirty="0" smtClean="0"/>
           </a:p>
           <a:p>
-            <a:pPr marL="0" indent="0">
+            <a:pPr marL="0" indent="0" algn="just">
               <a:lnSpc>
                 <a:spcPct val="120000"/>
               </a:lnSpc>
@@ -9218,7 +9233,7 @@
             <a:endParaRPr lang="en-US" altLang="ja-JP" dirty="0" smtClean="0"/>
           </a:p>
           <a:p>
-            <a:pPr marL="0" indent="0">
+            <a:pPr marL="0" indent="0" algn="just">
               <a:lnSpc>
                 <a:spcPct val="120000"/>
               </a:lnSpc>
@@ -9227,7 +9242,7 @@
             <a:endParaRPr lang="en-US" altLang="ja-JP" dirty="0"/>
           </a:p>
           <a:p>
-            <a:pPr marL="0" indent="0">
+            <a:pPr marL="0" indent="0" algn="just">
               <a:lnSpc>
                 <a:spcPct val="120000"/>
               </a:lnSpc>
@@ -9236,7 +9251,7 @@
             <a:endParaRPr lang="en-US" altLang="ja-JP" dirty="0"/>
           </a:p>
           <a:p>
-            <a:pPr marL="0" indent="0">
+            <a:pPr marL="0" indent="0" algn="just">
               <a:lnSpc>
                 <a:spcPct val="120000"/>
               </a:lnSpc>
@@ -9245,7 +9260,7 @@
             <a:endParaRPr lang="en-US" altLang="ja-JP" dirty="0"/>
           </a:p>
           <a:p>
-            <a:pPr marL="0" indent="0">
+            <a:pPr marL="0" indent="0" algn="just">
               <a:lnSpc>
                 <a:spcPct val="120000"/>
               </a:lnSpc>
@@ -9254,7 +9269,7 @@
             <a:endParaRPr kumimoji="1" lang="en-US" altLang="ja-JP" dirty="0"/>
           </a:p>
           <a:p>
-            <a:pPr marL="0" indent="0">
+            <a:pPr marL="0" indent="0" algn="just">
               <a:lnSpc>
                 <a:spcPct val="120000"/>
               </a:lnSpc>
@@ -9679,7 +9694,7 @@
         </p:spPr>
         <p:txBody>
           <a:bodyPr>
-            <a:normAutofit fontScale="85000" lnSpcReduction="20000"/>
+            <a:normAutofit/>
           </a:bodyPr>
           <a:lstStyle/>
           <a:p>
@@ -9721,84 +9736,29 @@
               <a:t>]</a:t>
             </a:r>
             <a:r>
-              <a:rPr lang="ja-JP" altLang="ja-JP" dirty="0" smtClean="0"/>
-              <a:t> </a:t>
+              <a:rPr lang="ja-JP" altLang="en-US" dirty="0" err="1" smtClean="0"/>
+              <a:t>，</a:t>
             </a:r>
             <a:r>
               <a:rPr lang="en-US" altLang="ja-JP" dirty="0" smtClean="0"/>
-              <a:t>Advancing Information Sciences through Research on Music</a:t>
-            </a:r>
-            <a:r>
-              <a:rPr lang="ja-JP" altLang="ja-JP" dirty="0" smtClean="0"/>
-              <a:t>：</a:t>
-            </a:r>
-            <a:r>
-              <a:rPr lang="en-US" altLang="ja-JP" dirty="0" smtClean="0"/>
-              <a:t>5. Music and Machine Learning</a:t>
-            </a:r>
-            <a:r>
-              <a:rPr lang="ja-JP" altLang="ja-JP" dirty="0" err="1" smtClean="0"/>
-              <a:t>，</a:t>
-            </a:r>
-            <a:r>
-              <a:rPr lang="en-US" altLang="ja-JP" dirty="0" smtClean="0"/>
-              <a:t>2016</a:t>
-            </a:r>
-          </a:p>
-          <a:p>
-            <a:pPr marL="0" indent="0">
-              <a:buNone/>
-            </a:pPr>
-            <a:endParaRPr lang="en-US" altLang="ja-JP" dirty="0" smtClean="0"/>
-          </a:p>
-          <a:p>
-            <a:pPr marL="0" lvl="0" indent="0">
-              <a:buNone/>
-            </a:pPr>
+              <a:t>[</a:t>
+            </a:r>
             <a:r>
               <a:rPr lang="en-US" altLang="ja-JP" dirty="0"/>
-              <a:t>[2004 </a:t>
+              <a:t>2004 </a:t>
             </a:r>
             <a:r>
               <a:rPr lang="ja-JP" altLang="en-US" dirty="0"/>
               <a:t>赤江</a:t>
             </a:r>
             <a:r>
-              <a:rPr lang="en-US" altLang="ja-JP" dirty="0"/>
+              <a:rPr lang="en-US" altLang="ja-JP" dirty="0" smtClean="0"/>
               <a:t>]</a:t>
             </a:r>
             <a:r>
-              <a:rPr lang="ja-JP" altLang="ja-JP" dirty="0"/>
-              <a:t> ニューラルネットワークを用いた音楽の自動ジャンル分類，電気学会研究会資料</a:t>
-            </a:r>
-            <a:r>
-              <a:rPr lang="en-US" altLang="ja-JP" dirty="0"/>
-              <a:t>.IS</a:t>
-            </a:r>
-            <a:r>
-              <a:rPr lang="ja-JP" altLang="ja-JP" dirty="0" err="1"/>
+              <a:rPr lang="ja-JP" altLang="en-US" dirty="0" err="1" smtClean="0"/>
               <a:t>，</a:t>
             </a:r>
-            <a:r>
-              <a:rPr lang="ja-JP" altLang="ja-JP" dirty="0"/>
-              <a:t>情報システム研究会，</a:t>
-            </a:r>
-            <a:r>
-              <a:rPr lang="en-US" altLang="ja-JP" dirty="0"/>
-              <a:t>2004</a:t>
-            </a:r>
-            <a:endParaRPr lang="ja-JP" altLang="ja-JP" dirty="0"/>
-          </a:p>
-          <a:p>
-            <a:pPr marL="0" indent="0">
-              <a:buNone/>
-            </a:pPr>
-            <a:endParaRPr lang="en-US" altLang="ja-JP" dirty="0" smtClean="0"/>
-          </a:p>
-          <a:p>
-            <a:pPr marL="0" indent="0">
-              <a:buNone/>
-            </a:pPr>
             <a:r>
               <a:rPr lang="en-US" altLang="ja-JP" dirty="0" smtClean="0">
                 <a:latin typeface="+mn-ea"/>
@@ -9817,23 +9777,6 @@
               </a:rPr>
               <a:t>]</a:t>
             </a:r>
-            <a:r>
-              <a:rPr lang="ja-JP" altLang="en-US" dirty="0" smtClean="0">
-                <a:latin typeface="+mn-ea"/>
-              </a:rPr>
-              <a:t>音楽動画への印象評価データセット構築とその特性の調査，情報処理学会，</a:t>
-            </a:r>
-            <a:r>
-              <a:rPr lang="en-US" altLang="ja-JP" dirty="0" smtClean="0">
-                <a:latin typeface="+mn-ea"/>
-              </a:rPr>
-              <a:t>2015</a:t>
-            </a:r>
-          </a:p>
-          <a:p>
-            <a:pPr marL="0" indent="0">
-              <a:buNone/>
-            </a:pPr>
             <a:endParaRPr lang="en-US" altLang="ja-JP" dirty="0" smtClean="0">
               <a:latin typeface="+mn-ea"/>
             </a:endParaRPr>
@@ -9881,22 +9824,6 @@
             <a:r>
               <a:rPr lang="en-US" altLang="ja-JP" dirty="0" smtClean="0"/>
               <a:t>]</a:t>
-            </a:r>
-            <a:r>
-              <a:rPr lang="ja-JP" altLang="ja-JP" dirty="0" smtClean="0"/>
-              <a:t>畳み込みニューラルネットワークを用いた</a:t>
-            </a:r>
-            <a:r>
-              <a:rPr lang="en-US" altLang="ja-JP" dirty="0" smtClean="0"/>
-              <a:t>Hardcore techno</a:t>
-            </a:r>
-            <a:r>
-              <a:rPr lang="ja-JP" altLang="ja-JP" dirty="0" smtClean="0"/>
-              <a:t>のサブジャンル分類，インタラクション</a:t>
-            </a:r>
-            <a:r>
-              <a:rPr lang="en-US" altLang="ja-JP" dirty="0" smtClean="0"/>
-              <a:t>2019</a:t>
             </a:r>
             <a:endParaRPr lang="en-US" altLang="ja-JP" u="sng" dirty="0" smtClean="0">
               <a:latin typeface="+mn-ea"/>
@@ -10008,7 +9935,7 @@
           </a:bodyPr>
           <a:lstStyle/>
           <a:p>
-            <a:pPr>
+            <a:pPr algn="just">
               <a:lnSpc>
                 <a:spcPct val="100000"/>
               </a:lnSpc>
@@ -10020,10 +9947,11 @@
             <a:endParaRPr lang="en-US" altLang="ja-JP" dirty="0" smtClean="0"/>
           </a:p>
           <a:p>
+            <a:pPr algn="just"/>
             <a:endParaRPr lang="en-US" altLang="ja-JP" dirty="0"/>
           </a:p>
           <a:p>
-            <a:pPr>
+            <a:pPr algn="just">
               <a:lnSpc>
                 <a:spcPct val="100000"/>
               </a:lnSpc>
@@ -10043,13 +9971,15 @@
             <a:endParaRPr lang="en-US" altLang="ja-JP" dirty="0"/>
           </a:p>
           <a:p>
+            <a:pPr algn="just"/>
             <a:endParaRPr lang="en-US" altLang="ja-JP" dirty="0"/>
           </a:p>
           <a:p>
+            <a:pPr algn="just"/>
             <a:endParaRPr lang="en-US" altLang="ja-JP" dirty="0"/>
           </a:p>
           <a:p>
-            <a:pPr marL="0" indent="0">
+            <a:pPr marL="0" indent="0" algn="just">
               <a:buNone/>
             </a:pPr>
             <a:endParaRPr lang="en-US" altLang="ja-JP" dirty="0"/>
@@ -10159,6 +10089,7 @@
           <a:bodyPr/>
           <a:lstStyle/>
           <a:p>
+            <a:pPr algn="just"/>
             <a:r>
               <a:rPr kumimoji="1" lang="ja-JP" altLang="en-US" dirty="0"/>
               <a:t>研究目的</a:t>
@@ -10188,7 +10119,7 @@
           </a:bodyPr>
           <a:lstStyle/>
           <a:p>
-            <a:pPr>
+            <a:pPr algn="just">
               <a:lnSpc>
                 <a:spcPct val="100000"/>
               </a:lnSpc>
@@ -10204,12 +10135,13 @@
             <a:endParaRPr lang="en-US" altLang="ja-JP" dirty="0" smtClean="0"/>
           </a:p>
           <a:p>
-            <a:pPr marL="0" indent="0">
+            <a:pPr marL="0" indent="0" algn="just">
               <a:buNone/>
             </a:pPr>
             <a:endParaRPr lang="en-US" altLang="ja-JP" dirty="0" smtClean="0"/>
           </a:p>
           <a:p>
+            <a:pPr algn="just"/>
             <a:r>
               <a:rPr lang="ja-JP" altLang="en-US" dirty="0"/>
               <a:t>複数</a:t>
@@ -10221,9 +10153,11 @@
             <a:endParaRPr lang="en-US" altLang="ja-JP" dirty="0" smtClean="0"/>
           </a:p>
           <a:p>
+            <a:pPr algn="just"/>
             <a:endParaRPr lang="en-US" altLang="ja-JP" dirty="0"/>
           </a:p>
           <a:p>
+            <a:pPr algn="just"/>
             <a:r>
               <a:rPr lang="ja-JP" altLang="en-US" dirty="0" smtClean="0"/>
               <a:t>単機サーバと複数サーバでジャンル推定処理を行った処理時間を比較することで提案システムの実現可能性を示す．</a:t>
@@ -10247,8 +10181,10 @@
           <a:bodyPr/>
           <a:lstStyle/>
           <a:p>
+            <a:pPr algn="just"/>
             <a:fld id="{B4451160-128F-4DAD-AE29-4A8CC0E7B9E9}" type="slidenum">
               <a:rPr kumimoji="1" lang="ja-JP" altLang="en-US" smtClean="0"/>
+              <a:pPr algn="just"/>
               <a:t>5</a:t>
             </a:fld>
             <a:endParaRPr kumimoji="1" lang="ja-JP" altLang="en-US"/>
@@ -11299,7 +11235,7 @@
           <a:bodyPr/>
           <a:lstStyle/>
           <a:p>
-            <a:pPr marL="0" indent="0">
+            <a:pPr marL="0" indent="0" algn="just">
               <a:buNone/>
             </a:pPr>
             <a:r>
@@ -11404,7 +11340,7 @@
           </a:bodyPr>
           <a:lstStyle/>
           <a:p>
-            <a:pPr marL="0" indent="0">
+            <a:pPr marL="0" indent="0" algn="just">
               <a:lnSpc>
                 <a:spcPct val="100000"/>
               </a:lnSpc>
@@ -11433,31 +11369,31 @@
             <a:endParaRPr lang="en-US" altLang="ja-JP" dirty="0" smtClean="0"/>
           </a:p>
           <a:p>
-            <a:pPr marL="0" indent="0">
+            <a:pPr marL="0" indent="0" algn="just">
               <a:buNone/>
             </a:pPr>
             <a:endParaRPr kumimoji="1" lang="en-US" altLang="ja-JP" dirty="0" smtClean="0"/>
           </a:p>
           <a:p>
-            <a:pPr marL="0" indent="0">
+            <a:pPr marL="0" indent="0" algn="just">
               <a:buNone/>
             </a:pPr>
             <a:endParaRPr lang="en-US" altLang="ja-JP" dirty="0"/>
           </a:p>
           <a:p>
-            <a:pPr marL="0" indent="0">
+            <a:pPr marL="0" indent="0" algn="just">
               <a:buNone/>
             </a:pPr>
             <a:endParaRPr kumimoji="1" lang="en-US" altLang="ja-JP" dirty="0" smtClean="0"/>
           </a:p>
           <a:p>
-            <a:pPr marL="0" indent="0">
+            <a:pPr marL="0" indent="0" algn="just">
               <a:buNone/>
             </a:pPr>
             <a:endParaRPr lang="en-US" altLang="ja-JP" dirty="0"/>
           </a:p>
           <a:p>
-            <a:pPr marL="0" indent="0">
+            <a:pPr marL="0" indent="0" algn="just">
               <a:buNone/>
             </a:pPr>
             <a:r>
@@ -11470,7 +11406,7 @@
             </a:r>
           </a:p>
           <a:p>
-            <a:pPr marL="0" indent="0">
+            <a:pPr marL="0" indent="0" algn="just">
               <a:buNone/>
             </a:pPr>
             <a:endParaRPr lang="en-US" altLang="ja-JP" dirty="0"/>

--- a/発表用スライド/1821144_卒研発表.pptx
+++ b/発表用スライド/1821144_卒研発表.pptx
@@ -9755,10 +9755,33 @@
               <a:rPr lang="en-US" altLang="ja-JP" dirty="0" smtClean="0"/>
               <a:t>]</a:t>
             </a:r>
-            <a:r>
-              <a:rPr lang="ja-JP" altLang="en-US" dirty="0" err="1" smtClean="0"/>
-              <a:t>，</a:t>
-            </a:r>
+          </a:p>
+          <a:p>
+            <a:pPr marL="0" indent="0">
+              <a:buNone/>
+            </a:pPr>
+            <a:endParaRPr lang="en-US" altLang="ja-JP" dirty="0">
+              <a:latin typeface="+mn-ea"/>
+            </a:endParaRPr>
+          </a:p>
+          <a:p>
+            <a:pPr marL="0" indent="0">
+              <a:buNone/>
+            </a:pPr>
+            <a:r>
+              <a:rPr lang="ja-JP" altLang="en-US" u="sng" dirty="0" smtClean="0">
+                <a:latin typeface="+mn-ea"/>
+              </a:rPr>
+              <a:t>音楽動画の印象評価データセット構築</a:t>
+            </a:r>
+            <a:endParaRPr lang="en-US" altLang="ja-JP" u="sng" dirty="0" smtClean="0">
+              <a:latin typeface="+mn-ea"/>
+            </a:endParaRPr>
+          </a:p>
+          <a:p>
+            <a:pPr marL="0" indent="0">
+              <a:buNone/>
+            </a:pPr>
             <a:r>
               <a:rPr lang="en-US" altLang="ja-JP" dirty="0" smtClean="0">
                 <a:latin typeface="+mn-ea"/>
@@ -10130,7 +10153,11 @@
             </a:r>
             <a:r>
               <a:rPr lang="ja-JP" altLang="en-US" dirty="0" smtClean="0"/>
-              <a:t>などに投稿される大量楽曲データのジャンル抽出・ジャンル推定処理．</a:t>
+              <a:t>などに投稿される大量楽曲データのジャンル抽出・ジャンル推定</a:t>
+            </a:r>
+            <a:r>
+              <a:rPr lang="ja-JP" altLang="en-US" dirty="0" smtClean="0"/>
+              <a:t>処理．</a:t>
             </a:r>
             <a:endParaRPr lang="en-US" altLang="ja-JP" dirty="0" smtClean="0"/>
           </a:p>

--- a/発表用スライド/1821144_卒研発表.pptx
+++ b/発表用スライド/1821144_卒研発表.pptx
@@ -6054,7 +6054,7 @@
           <p:nvPr>
             <p:extLst>
               <p:ext uri="{D42A27DB-BD31-4B8C-83A1-F6EECF244321}">
-                <p14:modId xmlns:p14="http://schemas.microsoft.com/office/powerpoint/2010/main" val="294567388"/>
+                <p14:modId xmlns:p14="http://schemas.microsoft.com/office/powerpoint/2010/main" val="2165863105"/>
               </p:ext>
             </p:extLst>
           </p:nvPr>
@@ -6524,15 +6524,27 @@
                         </a:spcAft>
                       </a:pPr>
                       <a:r>
-                        <a:rPr lang="en-US" sz="2400" kern="100">
+                        <a:rPr lang="en-US" altLang="ja-JP" sz="2400" kern="100" dirty="0" smtClean="0">
                           <a:effectLst/>
+                          <a:latin typeface="+mn-lt"/>
+                          <a:ea typeface="ＭＳ 明朝" panose="02020609040205080304" pitchFamily="17" charset="-128"/>
+                          <a:cs typeface="Times New Roman" panose="02020603050405020304" pitchFamily="18" charset="0"/>
                         </a:rPr>
-                        <a:t>646.434</a:t>
-                      </a:r>
-                      <a:endParaRPr lang="ja-JP" sz="2400" kern="100">
+                        <a:t>1</a:t>
+                      </a:r>
+                      <a:r>
+                        <a:rPr lang="en-US" altLang="ja-JP" sz="2400" kern="100" dirty="0" smtClean="0">
+                          <a:effectLst/>
+                          <a:latin typeface="+mn-lt"/>
+                          <a:ea typeface="+mn-ea"/>
+                          <a:cs typeface="Times New Roman" panose="02020603050405020304" pitchFamily="18" charset="0"/>
+                        </a:rPr>
+                        <a:t>869.700</a:t>
+                      </a:r>
+                      <a:endParaRPr lang="ja-JP" sz="2400" kern="100" dirty="0">
                         <a:effectLst/>
-                        <a:latin typeface="Century" panose="02040604050505020304" pitchFamily="18" charset="0"/>
-                        <a:ea typeface="ＭＳ 明朝" panose="02020609040205080304" pitchFamily="17" charset="-128"/>
+                        <a:latin typeface="+mn-lt"/>
+                        <a:ea typeface="+mn-ea"/>
                         <a:cs typeface="Times New Roman" panose="02020603050405020304" pitchFamily="18" charset="0"/>
                       </a:endParaRPr>
                     </a:p>
@@ -8019,8 +8031,8 @@
               <a:t>の</a:t>
             </a:r>
             <a:r>
-              <a:rPr lang="ja-JP" altLang="en-US" dirty="0"/>
-              <a:t>考察</a:t>
+              <a:rPr lang="ja-JP" altLang="en-US" dirty="0" smtClean="0"/>
+              <a:t>考察（要再実験）</a:t>
             </a:r>
             <a:endParaRPr kumimoji="1" lang="ja-JP" altLang="en-US" dirty="0"/>
           </a:p>
@@ -9150,7 +9162,15 @@
             </a:pPr>
             <a:r>
               <a:rPr lang="ja-JP" altLang="en-US" dirty="0" smtClean="0"/>
-              <a:t>インターネットの発展や，スマートフォンのようなモバイル端末の普及によりソーシャルネットワーキング</a:t>
+              <a:t>インターネットの発展や</a:t>
+            </a:r>
+            <a:r>
+              <a:rPr lang="ja-JP" altLang="en-US" dirty="0" smtClean="0"/>
+              <a:t>，モバイル</a:t>
+            </a:r>
+            <a:r>
+              <a:rPr lang="ja-JP" altLang="en-US" dirty="0" smtClean="0"/>
+              <a:t>端末の普及によりソーシャルネットワーキング</a:t>
             </a:r>
             <a:r>
               <a:rPr lang="ja-JP" altLang="en-US" dirty="0"/>
@@ -9170,7 +9190,23 @@
             </a:r>
             <a:r>
               <a:rPr lang="ja-JP" altLang="en-US" dirty="0" smtClean="0"/>
-              <a:t>が大きく発展した．これに伴って音楽投稿型の</a:t>
+              <a:t>が大きく</a:t>
+            </a:r>
+            <a:r>
+              <a:rPr lang="ja-JP" altLang="en-US" dirty="0" smtClean="0"/>
+              <a:t>発展</a:t>
+            </a:r>
+            <a:r>
+              <a:rPr lang="ja-JP" altLang="en-US" dirty="0"/>
+              <a:t>を遂げた</a:t>
+            </a:r>
+            <a:r>
+              <a:rPr lang="ja-JP" altLang="en-US" dirty="0" smtClean="0"/>
+              <a:t>．</a:t>
+            </a:r>
+            <a:r>
+              <a:rPr lang="ja-JP" altLang="en-US" dirty="0" smtClean="0"/>
+              <a:t>これに伴って音楽投稿型の</a:t>
             </a:r>
             <a:r>
               <a:rPr lang="en-US" altLang="ja-JP" dirty="0" smtClean="0"/>

--- a/発表用スライド/1821144_卒研発表.pptx
+++ b/発表用スライド/1821144_卒研発表.pptx
@@ -5,7 +5,7 @@
     <p:sldMasterId id="2147483660" r:id="rId1"/>
   </p:sldMasterIdLst>
   <p:notesMasterIdLst>
-    <p:notesMasterId r:id="rId20"/>
+    <p:notesMasterId r:id="rId19"/>
   </p:notesMasterIdLst>
   <p:sldIdLst>
     <p:sldId id="270" r:id="rId2"/>
@@ -13,19 +13,18 @@
     <p:sldId id="258" r:id="rId4"/>
     <p:sldId id="260" r:id="rId5"/>
     <p:sldId id="261" r:id="rId6"/>
-    <p:sldId id="275" r:id="rId7"/>
-    <p:sldId id="296" r:id="rId8"/>
+    <p:sldId id="297" r:id="rId7"/>
+    <p:sldId id="275" r:id="rId8"/>
     <p:sldId id="284" r:id="rId9"/>
     <p:sldId id="285" r:id="rId10"/>
-    <p:sldId id="286" r:id="rId11"/>
-    <p:sldId id="287" r:id="rId12"/>
-    <p:sldId id="288" r:id="rId13"/>
-    <p:sldId id="290" r:id="rId14"/>
-    <p:sldId id="291" r:id="rId15"/>
+    <p:sldId id="296" r:id="rId11"/>
+    <p:sldId id="288" r:id="rId12"/>
+    <p:sldId id="298" r:id="rId13"/>
+    <p:sldId id="286" r:id="rId14"/>
+    <p:sldId id="290" r:id="rId15"/>
     <p:sldId id="292" r:id="rId16"/>
-    <p:sldId id="293" r:id="rId17"/>
-    <p:sldId id="294" r:id="rId18"/>
-    <p:sldId id="295" r:id="rId19"/>
+    <p:sldId id="294" r:id="rId17"/>
+    <p:sldId id="295" r:id="rId18"/>
   </p:sldIdLst>
   <p:sldSz cx="9144000" cy="6858000" type="screen4x3"/>
   <p:notesSz cx="6858000" cy="9144000"/>
@@ -132,29 +131,200 @@
 </p:presentation>
 </file>
 
+<file path=ppt/revisionInfo.xml><?xml version="1.0" encoding="utf-8"?>
+<p1510:revInfo xmlns:a="http://schemas.openxmlformats.org/drawingml/2006/main" xmlns:r="http://schemas.openxmlformats.org/officeDocument/2006/relationships" xmlns:p1510="http://schemas.microsoft.com/office/powerpoint/2015/10/main">
+  <p1510:revLst>
+    <p1510:client id="{9620A938-F567-0200-3577-BBAF6BF3EF12}" v="41" dt="2022-01-21T05:29:23.205"/>
+    <p1510:client id="{AE4DCC18-CC09-45CA-A4D7-7B249BBF7ADD}" v="1074" dt="2022-01-21T04:05:48.835"/>
+    <p1510:client id="{C852EECA-85D5-FAD9-E0D5-27F2258828A8}" v="44" dt="2022-01-21T05:12:25.787"/>
+  </p1510:revLst>
+</p1510:revInfo>
+</file>
+
 <file path=ppt/changesInfos/changesInfo1.xml><?xml version="1.0" encoding="utf-8"?>
 <pc:chgInfo xmlns:a="http://schemas.openxmlformats.org/drawingml/2006/main" xmlns:r="http://schemas.openxmlformats.org/officeDocument/2006/relationships" xmlns:ac="http://schemas.microsoft.com/office/drawing/2013/main/command" xmlns:pc="http://schemas.microsoft.com/office/powerpoint/2013/main/command">
   <pc:docChgLst>
-    <pc:chgData userId="333f50e484678f3e" providerId="LiveId" clId="{2235F3F4-CE85-4C64-B3EA-BD21A2FF00DA}"/>
-    <pc:docChg chg="undo modSld">
-      <pc:chgData name="" userId="333f50e484678f3e" providerId="LiveId" clId="{2235F3F4-CE85-4C64-B3EA-BD21A2FF00DA}" dt="2020-08-11T10:58:31.882" v="22"/>
+    <pc:chgData name="吉井　智哉" userId="S::s1821144@kait.jp::9d3a3cdf-439b-4fea-9963-989a53bbb60f" providerId="AD" clId="Web-{9620A938-F567-0200-3577-BBAF6BF3EF12}"/>
+    <pc:docChg chg="modSld">
+      <pc:chgData name="吉井　智哉" userId="S::s1821144@kait.jp::9d3a3cdf-439b-4fea-9963-989a53bbb60f" providerId="AD" clId="Web-{9620A938-F567-0200-3577-BBAF6BF3EF12}" dt="2022-01-21T05:29:23.205" v="38" actId="20577"/>
       <pc:docMkLst>
         <pc:docMk/>
       </pc:docMkLst>
       <pc:sldChg chg="modSp">
-        <pc:chgData name="" userId="333f50e484678f3e" providerId="LiveId" clId="{2235F3F4-CE85-4C64-B3EA-BD21A2FF00DA}" dt="2020-08-11T10:58:31.882" v="22"/>
+        <pc:chgData name="吉井　智哉" userId="S::s1821144@kait.jp::9d3a3cdf-439b-4fea-9963-989a53bbb60f" providerId="AD" clId="Web-{9620A938-F567-0200-3577-BBAF6BF3EF12}" dt="2022-01-21T05:27:33.342" v="10" actId="20577"/>
         <pc:sldMkLst>
           <pc:docMk/>
-          <pc:sldMk cId="4177902719" sldId="256"/>
+          <pc:sldMk cId="2779179843" sldId="288"/>
         </pc:sldMkLst>
         <pc:spChg chg="mod">
-          <ac:chgData name="" userId="333f50e484678f3e" providerId="LiveId" clId="{2235F3F4-CE85-4C64-B3EA-BD21A2FF00DA}" dt="2020-08-11T10:58:31.882" v="22"/>
+          <ac:chgData name="吉井　智哉" userId="S::s1821144@kait.jp::9d3a3cdf-439b-4fea-9963-989a53bbb60f" providerId="AD" clId="Web-{9620A938-F567-0200-3577-BBAF6BF3EF12}" dt="2022-01-21T05:27:33.342" v="10" actId="20577"/>
           <ac:spMkLst>
             <pc:docMk/>
-            <pc:sldMk cId="4177902719" sldId="256"/>
-            <ac:spMk id="4" creationId="{00000000-0000-0000-0000-000000000000}"/>
+            <pc:sldMk cId="2779179843" sldId="288"/>
+            <ac:spMk id="3" creationId="{00000000-0000-0000-0000-000000000000}"/>
           </ac:spMkLst>
         </pc:spChg>
+      </pc:sldChg>
+      <pc:sldChg chg="modSp">
+        <pc:chgData name="吉井　智哉" userId="S::s1821144@kait.jp::9d3a3cdf-439b-4fea-9963-989a53bbb60f" providerId="AD" clId="Web-{9620A938-F567-0200-3577-BBAF6BF3EF12}" dt="2022-01-21T05:25:41.417" v="7" actId="20577"/>
+        <pc:sldMkLst>
+          <pc:docMk/>
+          <pc:sldMk cId="1415367311" sldId="292"/>
+        </pc:sldMkLst>
+        <pc:spChg chg="mod">
+          <ac:chgData name="吉井　智哉" userId="S::s1821144@kait.jp::9d3a3cdf-439b-4fea-9963-989a53bbb60f" providerId="AD" clId="Web-{9620A938-F567-0200-3577-BBAF6BF3EF12}" dt="2022-01-21T05:25:41.417" v="7" actId="20577"/>
+          <ac:spMkLst>
+            <pc:docMk/>
+            <pc:sldMk cId="1415367311" sldId="292"/>
+            <ac:spMk id="3" creationId="{00000000-0000-0000-0000-000000000000}"/>
+          </ac:spMkLst>
+        </pc:spChg>
+      </pc:sldChg>
+      <pc:sldChg chg="modSp">
+        <pc:chgData name="吉井　智哉" userId="S::s1821144@kait.jp::9d3a3cdf-439b-4fea-9963-989a53bbb60f" providerId="AD" clId="Web-{9620A938-F567-0200-3577-BBAF6BF3EF12}" dt="2022-01-21T05:25:17.932" v="4" actId="20577"/>
+        <pc:sldMkLst>
+          <pc:docMk/>
+          <pc:sldMk cId="1800454056" sldId="294"/>
+        </pc:sldMkLst>
+        <pc:spChg chg="mod">
+          <ac:chgData name="吉井　智哉" userId="S::s1821144@kait.jp::9d3a3cdf-439b-4fea-9963-989a53bbb60f" providerId="AD" clId="Web-{9620A938-F567-0200-3577-BBAF6BF3EF12}" dt="2022-01-21T05:25:17.932" v="4" actId="20577"/>
+          <ac:spMkLst>
+            <pc:docMk/>
+            <pc:sldMk cId="1800454056" sldId="294"/>
+            <ac:spMk id="3" creationId="{00000000-0000-0000-0000-000000000000}"/>
+          </ac:spMkLst>
+        </pc:spChg>
+      </pc:sldChg>
+      <pc:sldChg chg="delSp modSp">
+        <pc:chgData name="吉井　智哉" userId="S::s1821144@kait.jp::9d3a3cdf-439b-4fea-9963-989a53bbb60f" providerId="AD" clId="Web-{9620A938-F567-0200-3577-BBAF6BF3EF12}" dt="2022-01-21T05:29:23.205" v="38" actId="20577"/>
+        <pc:sldMkLst>
+          <pc:docMk/>
+          <pc:sldMk cId="2167084136" sldId="297"/>
+        </pc:sldMkLst>
+        <pc:spChg chg="mod">
+          <ac:chgData name="吉井　智哉" userId="S::s1821144@kait.jp::9d3a3cdf-439b-4fea-9963-989a53bbb60f" providerId="AD" clId="Web-{9620A938-F567-0200-3577-BBAF6BF3EF12}" dt="2022-01-21T05:29:23.205" v="38" actId="20577"/>
+          <ac:spMkLst>
+            <pc:docMk/>
+            <pc:sldMk cId="2167084136" sldId="297"/>
+            <ac:spMk id="23" creationId="{47525942-DF78-4DB8-B3E1-CDE0AD78F3FC}"/>
+          </ac:spMkLst>
+        </pc:spChg>
+        <pc:spChg chg="del mod">
+          <ac:chgData name="吉井　智哉" userId="S::s1821144@kait.jp::9d3a3cdf-439b-4fea-9963-989a53bbb60f" providerId="AD" clId="Web-{9620A938-F567-0200-3577-BBAF6BF3EF12}" dt="2022-01-21T05:28:32.844" v="27"/>
+          <ac:spMkLst>
+            <pc:docMk/>
+            <pc:sldMk cId="2167084136" sldId="297"/>
+            <ac:spMk id="24" creationId="{12F29FF6-D0EE-4A4C-9275-4569E17283D3}"/>
+          </ac:spMkLst>
+        </pc:spChg>
+        <pc:cxnChg chg="mod">
+          <ac:chgData name="吉井　智哉" userId="S::s1821144@kait.jp::9d3a3cdf-439b-4fea-9963-989a53bbb60f" providerId="AD" clId="Web-{9620A938-F567-0200-3577-BBAF6BF3EF12}" dt="2022-01-21T05:21:45.097" v="1" actId="14100"/>
+          <ac:cxnSpMkLst>
+            <pc:docMk/>
+            <pc:sldMk cId="2167084136" sldId="297"/>
+            <ac:cxnSpMk id="29" creationId="{C46D4D84-CD79-4BAE-8464-326752E5CC5C}"/>
+          </ac:cxnSpMkLst>
+        </pc:cxnChg>
+      </pc:sldChg>
+    </pc:docChg>
+  </pc:docChgLst>
+  <pc:docChgLst>
+    <pc:chgData name="吉井　智哉" userId="S::s1821144@kait.jp::9d3a3cdf-439b-4fea-9963-989a53bbb60f" providerId="AD" clId="Web-{C852EECA-85D5-FAD9-E0D5-27F2258828A8}"/>
+    <pc:docChg chg="delSld modSld sldOrd">
+      <pc:chgData name="吉井　智哉" userId="S::s1821144@kait.jp::9d3a3cdf-439b-4fea-9963-989a53bbb60f" providerId="AD" clId="Web-{C852EECA-85D5-FAD9-E0D5-27F2258828A8}" dt="2022-01-21T04:59:57.962" v="27" actId="20577"/>
+      <pc:docMkLst>
+        <pc:docMk/>
+      </pc:docMkLst>
+      <pc:sldChg chg="modSp">
+        <pc:chgData name="吉井　智哉" userId="S::s1821144@kait.jp::9d3a3cdf-439b-4fea-9963-989a53bbb60f" providerId="AD" clId="Web-{C852EECA-85D5-FAD9-E0D5-27F2258828A8}" dt="2022-01-21T04:42:58.570" v="1" actId="20577"/>
+        <pc:sldMkLst>
+          <pc:docMk/>
+          <pc:sldMk cId="2751752632" sldId="257"/>
+        </pc:sldMkLst>
+        <pc:spChg chg="mod">
+          <ac:chgData name="吉井　智哉" userId="S::s1821144@kait.jp::9d3a3cdf-439b-4fea-9963-989a53bbb60f" providerId="AD" clId="Web-{C852EECA-85D5-FAD9-E0D5-27F2258828A8}" dt="2022-01-21T04:42:58.570" v="1" actId="20577"/>
+          <ac:spMkLst>
+            <pc:docMk/>
+            <pc:sldMk cId="2751752632" sldId="257"/>
+            <ac:spMk id="3" creationId="{00000000-0000-0000-0000-000000000000}"/>
+          </ac:spMkLst>
+        </pc:spChg>
+      </pc:sldChg>
+      <pc:sldChg chg="modSp">
+        <pc:chgData name="吉井　智哉" userId="S::s1821144@kait.jp::9d3a3cdf-439b-4fea-9963-989a53bbb60f" providerId="AD" clId="Web-{C852EECA-85D5-FAD9-E0D5-27F2258828A8}" dt="2022-01-21T04:43:56.961" v="2" actId="14100"/>
+        <pc:sldMkLst>
+          <pc:docMk/>
+          <pc:sldMk cId="3482704347" sldId="260"/>
+        </pc:sldMkLst>
+        <pc:cxnChg chg="mod">
+          <ac:chgData name="吉井　智哉" userId="S::s1821144@kait.jp::9d3a3cdf-439b-4fea-9963-989a53bbb60f" providerId="AD" clId="Web-{C852EECA-85D5-FAD9-E0D5-27F2258828A8}" dt="2022-01-21T04:43:56.961" v="2" actId="14100"/>
+          <ac:cxnSpMkLst>
+            <pc:docMk/>
+            <pc:sldMk cId="3482704347" sldId="260"/>
+            <ac:cxnSpMk id="26" creationId="{950122A7-F701-42B5-ACE2-F35CB1A4F70F}"/>
+          </ac:cxnSpMkLst>
+        </pc:cxnChg>
+      </pc:sldChg>
+      <pc:sldChg chg="modSp">
+        <pc:chgData name="吉井　智哉" userId="S::s1821144@kait.jp::9d3a3cdf-439b-4fea-9963-989a53bbb60f" providerId="AD" clId="Web-{C852EECA-85D5-FAD9-E0D5-27F2258828A8}" dt="2022-01-21T04:46:18.729" v="3" actId="20577"/>
+        <pc:sldMkLst>
+          <pc:docMk/>
+          <pc:sldMk cId="2414674720" sldId="275"/>
+        </pc:sldMkLst>
+        <pc:spChg chg="mod">
+          <ac:chgData name="吉井　智哉" userId="S::s1821144@kait.jp::9d3a3cdf-439b-4fea-9963-989a53bbb60f" providerId="AD" clId="Web-{C852EECA-85D5-FAD9-E0D5-27F2258828A8}" dt="2022-01-21T04:46:18.729" v="3" actId="20577"/>
+          <ac:spMkLst>
+            <pc:docMk/>
+            <pc:sldMk cId="2414674720" sldId="275"/>
+            <ac:spMk id="55" creationId="{00000000-0000-0000-0000-000000000000}"/>
+          </ac:spMkLst>
+        </pc:spChg>
+      </pc:sldChg>
+      <pc:sldChg chg="modSp del ord">
+        <pc:chgData name="吉井　智哉" userId="S::s1821144@kait.jp::9d3a3cdf-439b-4fea-9963-989a53bbb60f" providerId="AD" clId="Web-{C852EECA-85D5-FAD9-E0D5-27F2258828A8}" dt="2022-01-21T04:48:53.294" v="9"/>
+        <pc:sldMkLst>
+          <pc:docMk/>
+          <pc:sldMk cId="965173600" sldId="287"/>
+        </pc:sldMkLst>
+        <pc:spChg chg="mod">
+          <ac:chgData name="吉井　智哉" userId="S::s1821144@kait.jp::9d3a3cdf-439b-4fea-9963-989a53bbb60f" providerId="AD" clId="Web-{C852EECA-85D5-FAD9-E0D5-27F2258828A8}" dt="2022-01-21T04:47:55.809" v="8" actId="14100"/>
+          <ac:spMkLst>
+            <pc:docMk/>
+            <pc:sldMk cId="965173600" sldId="287"/>
+            <ac:spMk id="6" creationId="{00000000-0000-0000-0000-000000000000}"/>
+          </ac:spMkLst>
+        </pc:spChg>
+      </pc:sldChg>
+      <pc:sldChg chg="modSp">
+        <pc:chgData name="吉井　智哉" userId="S::s1821144@kait.jp::9d3a3cdf-439b-4fea-9963-989a53bbb60f" providerId="AD" clId="Web-{C852EECA-85D5-FAD9-E0D5-27F2258828A8}" dt="2022-01-21T04:59:57.962" v="27" actId="20577"/>
+        <pc:sldMkLst>
+          <pc:docMk/>
+          <pc:sldMk cId="2167084136" sldId="297"/>
+        </pc:sldMkLst>
+        <pc:spChg chg="mod">
+          <ac:chgData name="吉井　智哉" userId="S::s1821144@kait.jp::9d3a3cdf-439b-4fea-9963-989a53bbb60f" providerId="AD" clId="Web-{C852EECA-85D5-FAD9-E0D5-27F2258828A8}" dt="2022-01-21T04:46:32.136" v="4" actId="14100"/>
+          <ac:spMkLst>
+            <pc:docMk/>
+            <pc:sldMk cId="2167084136" sldId="297"/>
+            <ac:spMk id="23" creationId="{47525942-DF78-4DB8-B3E1-CDE0AD78F3FC}"/>
+          </ac:spMkLst>
+        </pc:spChg>
+        <pc:spChg chg="mod">
+          <ac:chgData name="吉井　智哉" userId="S::s1821144@kait.jp::9d3a3cdf-439b-4fea-9963-989a53bbb60f" providerId="AD" clId="Web-{C852EECA-85D5-FAD9-E0D5-27F2258828A8}" dt="2022-01-21T04:59:57.962" v="27" actId="20577"/>
+          <ac:spMkLst>
+            <pc:docMk/>
+            <pc:sldMk cId="2167084136" sldId="297"/>
+            <ac:spMk id="24" creationId="{12F29FF6-D0EE-4A4C-9275-4569E17283D3}"/>
+          </ac:spMkLst>
+        </pc:spChg>
+        <pc:cxnChg chg="mod">
+          <ac:chgData name="吉井　智哉" userId="S::s1821144@kait.jp::9d3a3cdf-439b-4fea-9963-989a53bbb60f" providerId="AD" clId="Web-{C852EECA-85D5-FAD9-E0D5-27F2258828A8}" dt="2022-01-21T04:47:07.355" v="6" actId="14100"/>
+          <ac:cxnSpMkLst>
+            <pc:docMk/>
+            <pc:sldMk cId="2167084136" sldId="297"/>
+            <ac:cxnSpMk id="27" creationId="{D9DE6D2C-0F32-4393-B977-EACD7DD66690}"/>
+          </ac:cxnSpMkLst>
+        </pc:cxnChg>
       </pc:sldChg>
     </pc:docChg>
   </pc:docChgLst>
@@ -243,7 +413,7 @@
           <a:p>
             <a:fld id="{27571B5F-C8EC-4379-AD76-80FD414F3861}" type="datetimeFigureOut">
               <a:rPr kumimoji="1" lang="ja-JP" altLang="en-US" smtClean="0"/>
-              <a:t>2022/1/19</a:t>
+              <a:t>2022/1/22</a:t>
             </a:fld>
             <a:endParaRPr kumimoji="1" lang="ja-JP" altLang="en-US"/>
           </a:p>
@@ -688,26 +858,26 @@
               <a:defRPr/>
             </a:pPr>
             <a:r>
-              <a:rPr lang="ja-JP" altLang="en-US" smtClean="0"/>
+              <a:rPr lang="ja-JP" altLang="en-US"/>
               <a:t>そのため誰でも音楽を</a:t>
             </a:r>
             <a:r>
-              <a:rPr lang="en-US" altLang="ja-JP" smtClean="0"/>
+              <a:rPr lang="en-US" altLang="ja-JP"/>
               <a:t>SNS</a:t>
             </a:r>
             <a:r>
-              <a:rPr lang="ja-JP" altLang="en-US" smtClean="0"/>
+              <a:rPr lang="ja-JP" altLang="en-US"/>
               <a:t>などに投稿できるようになっているため</a:t>
             </a:r>
             <a:r>
-              <a:rPr lang="en-US" altLang="ja-JP" smtClean="0"/>
+              <a:rPr lang="en-US" altLang="ja-JP"/>
               <a:t>SNS</a:t>
             </a:r>
             <a:r>
-              <a:rPr lang="ja-JP" altLang="en-US" smtClean="0"/>
+              <a:rPr lang="ja-JP" altLang="en-US"/>
               <a:t>などに投稿される楽曲が莫大な量になってきている．</a:t>
             </a:r>
-            <a:endParaRPr lang="en-US" altLang="ja-JP" smtClean="0"/>
+            <a:endParaRPr lang="en-US" altLang="ja-JP"/>
           </a:p>
           <a:p>
             <a:endParaRPr kumimoji="1" lang="ja-JP" altLang="en-US" dirty="0"/>
@@ -794,80 +964,11 @@
           <a:bodyPr/>
           <a:lstStyle/>
           <a:p>
-            <a:pPr marL="514350" indent="-514350">
-              <a:buFont typeface="+mj-lt"/>
-              <a:buAutoNum type="arabicPeriod"/>
-            </a:pPr>
-            <a:r>
-              <a:rPr lang="ja-JP" altLang="en-US" dirty="0" smtClean="0"/>
-              <a:t>楽曲投稿型</a:t>
-            </a:r>
-            <a:r>
-              <a:rPr lang="en-US" altLang="ja-JP" dirty="0" smtClean="0"/>
-              <a:t>SNS</a:t>
-            </a:r>
-            <a:r>
-              <a:rPr lang="ja-JP" altLang="en-US" dirty="0" smtClean="0"/>
-              <a:t>に投稿された楽曲を保存</a:t>
-            </a:r>
-            <a:endParaRPr lang="en-US" altLang="ja-JP" dirty="0" smtClean="0"/>
-          </a:p>
-          <a:p>
-            <a:pPr marL="514350" indent="-514350">
-              <a:buFont typeface="+mj-lt"/>
-              <a:buAutoNum type="arabicPeriod"/>
-            </a:pPr>
-            <a:endParaRPr lang="en-US" altLang="ja-JP" dirty="0" smtClean="0"/>
-          </a:p>
-          <a:p>
-            <a:pPr marL="514350" indent="-514350">
-              <a:buFont typeface="+mj-lt"/>
-              <a:buAutoNum type="arabicPeriod"/>
-            </a:pPr>
-            <a:r>
-              <a:rPr lang="ja-JP" altLang="en-US" dirty="0" smtClean="0"/>
-              <a:t>楽曲から分析した周波数をスペクトログラムとして可視化</a:t>
-            </a:r>
-            <a:endParaRPr lang="en-US" altLang="ja-JP" dirty="0" smtClean="0"/>
-          </a:p>
-          <a:p>
-            <a:pPr marL="514350" indent="-514350">
-              <a:buFont typeface="+mj-lt"/>
-              <a:buAutoNum type="arabicPeriod"/>
-            </a:pPr>
-            <a:endParaRPr lang="en-US" altLang="ja-JP" dirty="0" smtClean="0"/>
-          </a:p>
-          <a:p>
-            <a:pPr marL="514350" indent="-514350">
-              <a:buFont typeface="+mj-lt"/>
-              <a:buAutoNum type="arabicPeriod"/>
-            </a:pPr>
-            <a:r>
-              <a:rPr lang="ja-JP" altLang="en-US" dirty="0" smtClean="0"/>
-              <a:t>楽曲から特徴を抽出，機械学習しジャンルを推定</a:t>
-            </a:r>
-            <a:endParaRPr lang="en-US" altLang="ja-JP" dirty="0" smtClean="0"/>
-          </a:p>
-          <a:p>
-            <a:pPr marL="514350" indent="-514350">
-              <a:buFont typeface="+mj-lt"/>
-              <a:buAutoNum type="arabicPeriod"/>
-            </a:pPr>
-            <a:endParaRPr lang="en-US" altLang="ja-JP" dirty="0" smtClean="0"/>
-          </a:p>
-          <a:p>
-            <a:pPr marL="514350" indent="-514350">
-              <a:buFont typeface="+mj-lt"/>
-              <a:buAutoNum type="arabicPeriod"/>
-            </a:pPr>
-            <a:r>
-              <a:rPr lang="ja-JP" altLang="en-US" dirty="0" smtClean="0"/>
-              <a:t>１～３を複数のサーバで実行</a:t>
-            </a:r>
-            <a:endParaRPr lang="en-US" altLang="ja-JP" dirty="0" smtClean="0"/>
-          </a:p>
-          <a:p>
-            <a:endParaRPr kumimoji="1" lang="ja-JP" altLang="en-US" dirty="0"/>
+            <a:r>
+              <a:rPr kumimoji="1" lang="ja-JP" altLang="en-US" smtClean="0"/>
+              <a:t>ラウンドロビンを採用した理由</a:t>
+            </a:r>
+            <a:endParaRPr kumimoji="1" lang="ja-JP" altLang="en-US"/>
           </a:p>
         </p:txBody>
       </p:sp>
@@ -897,7 +998,7 @@
     </p:spTree>
     <p:extLst>
       <p:ext uri="{BB962C8B-B14F-4D97-AF65-F5344CB8AC3E}">
-        <p14:creationId xmlns:p14="http://schemas.microsoft.com/office/powerpoint/2010/main" val="1079542753"/>
+        <p14:creationId xmlns:p14="http://schemas.microsoft.com/office/powerpoint/2010/main" val="3492889006"/>
       </p:ext>
     </p:extLst>
   </p:cSld>
@@ -951,56 +1052,77 @@
           <a:bodyPr/>
           <a:lstStyle/>
           <a:p>
-            <a:pPr marL="0" marR="0" indent="0" algn="l" defTabSz="914400" rtl="0" eaLnBrk="1" fontAlgn="auto" latinLnBrk="0" hangingPunct="1">
-              <a:lnSpc>
-                <a:spcPct val="100000"/>
-              </a:lnSpc>
-              <a:spcBef>
-                <a:spcPts val="0"/>
-              </a:spcBef>
-              <a:spcAft>
-                <a:spcPts val="0"/>
-              </a:spcAft>
-              <a:buClrTx/>
-              <a:buSzTx/>
-              <a:buFontTx/>
-              <a:buNone/>
-              <a:tabLst/>
-              <a:defRPr/>
+            <a:pPr marL="514350" indent="-514350">
+              <a:buFont typeface="+mj-lt"/>
+              <a:buAutoNum type="arabicPeriod"/>
             </a:pPr>
             <a:r>
-              <a:rPr lang="en-US" altLang="ja-JP" dirty="0" smtClean="0"/>
-              <a:t>Rock</a:t>
-            </a:r>
-            <a:r>
-              <a:rPr lang="ja-JP" altLang="ja-JP" dirty="0" smtClean="0"/>
-              <a:t>や</a:t>
-            </a:r>
-            <a:r>
-              <a:rPr lang="en-US" altLang="ja-JP" dirty="0" smtClean="0"/>
-              <a:t>Metal</a:t>
-            </a:r>
-            <a:r>
-              <a:rPr lang="ja-JP" altLang="ja-JP" dirty="0" smtClean="0"/>
-              <a:t>といった早めのテンポと推定できる曲と</a:t>
-            </a:r>
-            <a:r>
-              <a:rPr lang="en-US" altLang="ja-JP" dirty="0" smtClean="0"/>
-              <a:t>Folk</a:t>
-            </a:r>
-            <a:r>
-              <a:rPr lang="ja-JP" altLang="ja-JP" dirty="0" smtClean="0"/>
-              <a:t>や</a:t>
-            </a:r>
-            <a:r>
-              <a:rPr lang="en-US" altLang="ja-JP" dirty="0" smtClean="0"/>
-              <a:t>International</a:t>
-            </a:r>
-            <a:r>
-              <a:rPr lang="ja-JP" altLang="ja-JP" dirty="0" smtClean="0"/>
-              <a:t>といったテンポが遅いと推定できる曲でジャンル推定を行う．</a:t>
-            </a:r>
-            <a:endParaRPr lang="en-US" altLang="ja-JP" dirty="0" smtClean="0"/>
+              <a:rPr lang="ja-JP" altLang="en-US" dirty="0"/>
+              <a:t>楽曲投稿型</a:t>
+            </a:r>
+            <a:r>
+              <a:rPr lang="en-US" altLang="ja-JP" dirty="0"/>
+              <a:t>SNS</a:t>
+            </a:r>
+            <a:r>
+              <a:rPr lang="ja-JP" altLang="en-US" dirty="0"/>
+              <a:t>に投稿された楽曲を保存</a:t>
+            </a:r>
+            <a:endParaRPr lang="en-US" altLang="ja-JP" dirty="0"/>
+          </a:p>
+          <a:p>
+            <a:pPr marL="514350" indent="-514350">
+              <a:buFont typeface="+mj-lt"/>
+              <a:buAutoNum type="arabicPeriod"/>
+            </a:pPr>
+            <a:endParaRPr lang="en-US" altLang="ja-JP" dirty="0"/>
+          </a:p>
+          <a:p>
+            <a:pPr marL="514350" indent="-514350">
+              <a:buFont typeface="+mj-lt"/>
+              <a:buAutoNum type="arabicPeriod"/>
+            </a:pPr>
+            <a:r>
+              <a:rPr lang="ja-JP" altLang="en-US" dirty="0"/>
+              <a:t>楽曲から分析した周波数をスペクトログラムとして可視化</a:t>
+            </a:r>
+            <a:endParaRPr lang="en-US" altLang="ja-JP" dirty="0"/>
+          </a:p>
+          <a:p>
+            <a:pPr marL="514350" indent="-514350">
+              <a:buFont typeface="+mj-lt"/>
+              <a:buAutoNum type="arabicPeriod"/>
+            </a:pPr>
+            <a:endParaRPr lang="en-US" altLang="ja-JP" dirty="0"/>
+          </a:p>
+          <a:p>
+            <a:pPr marL="514350" indent="-514350">
+              <a:buFont typeface="+mj-lt"/>
+              <a:buAutoNum type="arabicPeriod"/>
+            </a:pPr>
+            <a:r>
+              <a:rPr lang="ja-JP" altLang="en-US" dirty="0"/>
+              <a:t>楽曲から特徴を抽出，機械学習しジャンルを推定</a:t>
+            </a:r>
+            <a:endParaRPr lang="en-US" altLang="ja-JP" dirty="0"/>
+          </a:p>
+          <a:p>
+            <a:pPr marL="514350" indent="-514350">
+              <a:buFont typeface="+mj-lt"/>
+              <a:buAutoNum type="arabicPeriod"/>
+            </a:pPr>
+            <a:endParaRPr lang="en-US" altLang="ja-JP" dirty="0"/>
+          </a:p>
+          <a:p>
+            <a:pPr marL="514350" indent="-514350">
+              <a:buFont typeface="+mj-lt"/>
+              <a:buAutoNum type="arabicPeriod"/>
+            </a:pPr>
+            <a:r>
+              <a:rPr lang="ja-JP" altLang="en-US" dirty="0"/>
+              <a:t>１～３を複数のサーバで実行</a:t>
+            </a:r>
+            <a:endParaRPr lang="en-US" altLang="ja-JP" dirty="0"/>
           </a:p>
           <a:p>
             <a:endParaRPr kumimoji="1" lang="ja-JP" altLang="en-US" dirty="0"/>
@@ -1024,7 +1146,7 @@
           <a:p>
             <a:fld id="{9D828324-DCC9-430F-AD2C-1DD1805E2C40}" type="slidenum">
               <a:rPr kumimoji="1" lang="ja-JP" altLang="en-US" smtClean="0"/>
-              <a:t>8</a:t>
+              <a:t>7</a:t>
             </a:fld>
             <a:endParaRPr kumimoji="1" lang="ja-JP" altLang="en-US"/>
           </a:p>
@@ -1033,7 +1155,7 @@
     </p:spTree>
     <p:extLst>
       <p:ext uri="{BB962C8B-B14F-4D97-AF65-F5344CB8AC3E}">
-        <p14:creationId xmlns:p14="http://schemas.microsoft.com/office/powerpoint/2010/main" val="2642148864"/>
+        <p14:creationId xmlns:p14="http://schemas.microsoft.com/office/powerpoint/2010/main" val="1079542753"/>
       </p:ext>
     </p:extLst>
   </p:cSld>
@@ -1087,6 +1209,58 @@
           <a:bodyPr/>
           <a:lstStyle/>
           <a:p>
+            <a:pPr marL="0" marR="0" indent="0" algn="l" defTabSz="914400" rtl="0" eaLnBrk="1" fontAlgn="auto" latinLnBrk="0" hangingPunct="1">
+              <a:lnSpc>
+                <a:spcPct val="100000"/>
+              </a:lnSpc>
+              <a:spcBef>
+                <a:spcPts val="0"/>
+              </a:spcBef>
+              <a:spcAft>
+                <a:spcPts val="0"/>
+              </a:spcAft>
+              <a:buClrTx/>
+              <a:buSzTx/>
+              <a:buFontTx/>
+              <a:buNone/>
+              <a:tabLst/>
+              <a:defRPr/>
+            </a:pPr>
+            <a:r>
+              <a:rPr lang="en-US" altLang="ja-JP" dirty="0"/>
+              <a:t>Rock</a:t>
+            </a:r>
+            <a:r>
+              <a:rPr lang="ja-JP" altLang="ja-JP" dirty="0"/>
+              <a:t>や</a:t>
+            </a:r>
+            <a:r>
+              <a:rPr lang="en-US" altLang="ja-JP" dirty="0"/>
+              <a:t>Metal</a:t>
+            </a:r>
+            <a:r>
+              <a:rPr lang="ja-JP" altLang="ja-JP" dirty="0"/>
+              <a:t>といった早めのテンポと推定できる曲と</a:t>
+            </a:r>
+            <a:r>
+              <a:rPr lang="en-US" altLang="ja-JP" dirty="0"/>
+              <a:t>Folk</a:t>
+            </a:r>
+            <a:r>
+              <a:rPr lang="ja-JP" altLang="ja-JP" dirty="0"/>
+              <a:t>や</a:t>
+            </a:r>
+            <a:r>
+              <a:rPr lang="en-US" altLang="ja-JP" dirty="0"/>
+              <a:t>International</a:t>
+            </a:r>
+            <a:r>
+              <a:rPr lang="ja-JP" altLang="ja-JP" dirty="0"/>
+              <a:t>といったテンポが遅いと推定できる曲でジャンル推定を行う．</a:t>
+            </a:r>
+            <a:endParaRPr lang="en-US" altLang="ja-JP" dirty="0"/>
+          </a:p>
+          <a:p>
             <a:endParaRPr kumimoji="1" lang="ja-JP" altLang="en-US" dirty="0"/>
           </a:p>
         </p:txBody>
@@ -1108,7 +1282,91 @@
           <a:p>
             <a:fld id="{9D828324-DCC9-430F-AD2C-1DD1805E2C40}" type="slidenum">
               <a:rPr kumimoji="1" lang="ja-JP" altLang="en-US" smtClean="0"/>
-              <a:t>17</a:t>
+              <a:t>8</a:t>
+            </a:fld>
+            <a:endParaRPr kumimoji="1" lang="ja-JP" altLang="en-US"/>
+          </a:p>
+        </p:txBody>
+      </p:sp>
+    </p:spTree>
+    <p:extLst>
+      <p:ext uri="{BB962C8B-B14F-4D97-AF65-F5344CB8AC3E}">
+        <p14:creationId xmlns:p14="http://schemas.microsoft.com/office/powerpoint/2010/main" val="2642148864"/>
+      </p:ext>
+    </p:extLst>
+  </p:cSld>
+  <p:clrMapOvr>
+    <a:masterClrMapping/>
+  </p:clrMapOvr>
+</p:notes>
+</file>
+
+<file path=ppt/notesSlides/notesSlide6.xml><?xml version="1.0" encoding="utf-8"?>
+<p:notes xmlns:a="http://schemas.openxmlformats.org/drawingml/2006/main" xmlns:r="http://schemas.openxmlformats.org/officeDocument/2006/relationships" xmlns:p="http://schemas.openxmlformats.org/presentationml/2006/main">
+  <p:cSld>
+    <p:spTree>
+      <p:nvGrpSpPr>
+        <p:cNvPr id="1" name=""/>
+        <p:cNvGrpSpPr/>
+        <p:nvPr/>
+      </p:nvGrpSpPr>
+      <p:grpSpPr>
+        <a:xfrm>
+          <a:off x="0" y="0"/>
+          <a:ext cx="0" cy="0"/>
+          <a:chOff x="0" y="0"/>
+          <a:chExt cx="0" cy="0"/>
+        </a:xfrm>
+      </p:grpSpPr>
+      <p:sp>
+        <p:nvSpPr>
+          <p:cNvPr id="2" name="スライド イメージ プレースホルダー 1"/>
+          <p:cNvSpPr>
+            <a:spLocks noGrp="1" noRot="1" noChangeAspect="1"/>
+          </p:cNvSpPr>
+          <p:nvPr>
+            <p:ph type="sldImg"/>
+          </p:nvPr>
+        </p:nvSpPr>
+        <p:spPr/>
+      </p:sp>
+      <p:sp>
+        <p:nvSpPr>
+          <p:cNvPr id="3" name="ノート プレースホルダー 2"/>
+          <p:cNvSpPr>
+            <a:spLocks noGrp="1"/>
+          </p:cNvSpPr>
+          <p:nvPr>
+            <p:ph type="body" idx="1"/>
+          </p:nvPr>
+        </p:nvSpPr>
+        <p:spPr/>
+        <p:txBody>
+          <a:bodyPr/>
+          <a:lstStyle/>
+          <a:p>
+            <a:endParaRPr kumimoji="1" lang="ja-JP" altLang="en-US" dirty="0"/>
+          </a:p>
+        </p:txBody>
+      </p:sp>
+      <p:sp>
+        <p:nvSpPr>
+          <p:cNvPr id="4" name="スライド番号プレースホルダー 3"/>
+          <p:cNvSpPr>
+            <a:spLocks noGrp="1"/>
+          </p:cNvSpPr>
+          <p:nvPr>
+            <p:ph type="sldNum" sz="quarter" idx="10"/>
+          </p:nvPr>
+        </p:nvSpPr>
+        <p:spPr/>
+        <p:txBody>
+          <a:bodyPr/>
+          <a:lstStyle/>
+          <a:p>
+            <a:fld id="{9D828324-DCC9-430F-AD2C-1DD1805E2C40}" type="slidenum">
+              <a:rPr kumimoji="1" lang="ja-JP" altLang="en-US" smtClean="0"/>
+              <a:t>16</a:t>
             </a:fld>
             <a:endParaRPr kumimoji="1" lang="ja-JP" altLang="en-US"/>
           </a:p>
@@ -1258,7 +1516,7 @@
           <a:p>
             <a:fld id="{22C6F9C5-C6AA-409B-AF03-98D7346F1423}" type="datetime1">
               <a:rPr kumimoji="1" lang="ja-JP" altLang="en-US" smtClean="0"/>
-              <a:t>2022/1/19</a:t>
+              <a:t>2022/1/22</a:t>
             </a:fld>
             <a:endParaRPr kumimoji="1" lang="ja-JP" altLang="en-US"/>
           </a:p>
@@ -1461,7 +1719,7 @@
           <a:p>
             <a:fld id="{22E0F957-B7A6-49B1-8F7C-E83B3F2002DA}" type="datetime1">
               <a:rPr kumimoji="1" lang="ja-JP" altLang="en-US" smtClean="0"/>
-              <a:t>2022/1/19</a:t>
+              <a:t>2022/1/22</a:t>
             </a:fld>
             <a:endParaRPr kumimoji="1" lang="ja-JP" altLang="en-US"/>
           </a:p>
@@ -1674,7 +1932,7 @@
           <a:p>
             <a:fld id="{DE6F7DB3-2648-413C-8B2E-93728F539CCD}" type="datetime1">
               <a:rPr kumimoji="1" lang="ja-JP" altLang="en-US" smtClean="0"/>
-              <a:t>2022/1/19</a:t>
+              <a:t>2022/1/22</a:t>
             </a:fld>
             <a:endParaRPr kumimoji="1" lang="ja-JP" altLang="en-US"/>
           </a:p>
@@ -1877,7 +2135,7 @@
           <a:p>
             <a:fld id="{A2D1DE2A-14E7-4A39-B37E-D38A93E354FC}" type="datetime1">
               <a:rPr kumimoji="1" lang="ja-JP" altLang="en-US" smtClean="0"/>
-              <a:t>2022/1/19</a:t>
+              <a:t>2022/1/22</a:t>
             </a:fld>
             <a:endParaRPr kumimoji="1" lang="ja-JP" altLang="en-US"/>
           </a:p>
@@ -2126,7 +2384,7 @@
           <a:p>
             <a:fld id="{991EEB29-6570-4D17-BF07-A0C0B34BA0FB}" type="datetime1">
               <a:rPr kumimoji="1" lang="ja-JP" altLang="en-US" smtClean="0"/>
-              <a:t>2022/1/19</a:t>
+              <a:t>2022/1/22</a:t>
             </a:fld>
             <a:endParaRPr kumimoji="1" lang="ja-JP" altLang="en-US"/>
           </a:p>
@@ -2423,7 +2681,7 @@
           <a:p>
             <a:fld id="{892B6420-66A4-43C3-BA46-EBDFB60516F0}" type="datetime1">
               <a:rPr kumimoji="1" lang="ja-JP" altLang="en-US" smtClean="0"/>
-              <a:t>2022/1/19</a:t>
+              <a:t>2022/1/22</a:t>
             </a:fld>
             <a:endParaRPr kumimoji="1" lang="ja-JP" altLang="en-US"/>
           </a:p>
@@ -2855,7 +3113,7 @@
           <a:p>
             <a:fld id="{5BE63C90-8833-49EB-8DFB-3A87587C56DF}" type="datetime1">
               <a:rPr kumimoji="1" lang="ja-JP" altLang="en-US" smtClean="0"/>
-              <a:t>2022/1/19</a:t>
+              <a:t>2022/1/22</a:t>
             </a:fld>
             <a:endParaRPr kumimoji="1" lang="ja-JP" altLang="en-US"/>
           </a:p>
@@ -2974,7 +3232,7 @@
           <a:p>
             <a:fld id="{FDB7B118-9258-4B93-98B1-2227223B18EF}" type="datetime1">
               <a:rPr kumimoji="1" lang="ja-JP" altLang="en-US" smtClean="0"/>
-              <a:t>2022/1/19</a:t>
+              <a:t>2022/1/22</a:t>
             </a:fld>
             <a:endParaRPr kumimoji="1" lang="ja-JP" altLang="en-US"/>
           </a:p>
@@ -3070,7 +3328,7 @@
           <a:p>
             <a:fld id="{9C334A37-8FFC-49D6-A0F3-FC06101E023C}" type="datetime1">
               <a:rPr kumimoji="1" lang="ja-JP" altLang="en-US" smtClean="0"/>
-              <a:t>2022/1/19</a:t>
+              <a:t>2022/1/22</a:t>
             </a:fld>
             <a:endParaRPr kumimoji="1" lang="ja-JP" altLang="en-US"/>
           </a:p>
@@ -3380,7 +3638,7 @@
           <a:p>
             <a:fld id="{0FAD949F-32A5-4343-9078-C3A89D3064D3}" type="datetime1">
               <a:rPr kumimoji="1" lang="ja-JP" altLang="en-US" smtClean="0"/>
-              <a:t>2022/1/19</a:t>
+              <a:t>2022/1/22</a:t>
             </a:fld>
             <a:endParaRPr kumimoji="1" lang="ja-JP" altLang="en-US"/>
           </a:p>
@@ -3638,7 +3896,7 @@
           <a:p>
             <a:fld id="{58C4534D-9999-497B-9C6B-5769B1D800E5}" type="datetime1">
               <a:rPr kumimoji="1" lang="ja-JP" altLang="en-US" smtClean="0"/>
-              <a:t>2022/1/19</a:t>
+              <a:t>2022/1/22</a:t>
             </a:fld>
             <a:endParaRPr kumimoji="1" lang="ja-JP" altLang="en-US"/>
           </a:p>
@@ -3884,7 +4142,7 @@
           <a:p>
             <a:fld id="{D73E1257-0E7D-4620-84B9-7FC7BB2FC946}" type="datetime1">
               <a:rPr kumimoji="1" lang="ja-JP" altLang="en-US" smtClean="0"/>
-              <a:t>2022/1/19</a:t>
+              <a:t>2022/1/22</a:t>
             </a:fld>
             <a:endParaRPr kumimoji="1" lang="ja-JP" altLang="en-US"/>
           </a:p>
@@ -4318,47 +4576,46 @@
               </a:lnSpc>
             </a:pPr>
             <a:r>
-              <a:rPr kumimoji="1" lang="ja-JP" altLang="en-US" dirty="0" smtClean="0"/>
+              <a:rPr kumimoji="1" lang="ja-JP" altLang="en-US" dirty="0"/>
               <a:t>ラウンドロビン方式の</a:t>
             </a:r>
             <a:r>
-              <a:rPr kumimoji="1" lang="en-US" altLang="ja-JP" dirty="0" smtClean="0"/>
+              <a:rPr kumimoji="1" lang="en-US" altLang="ja-JP" dirty="0"/>
               <a:t/>
             </a:r>
             <a:br>
-              <a:rPr kumimoji="1" lang="en-US" altLang="ja-JP" dirty="0" smtClean="0"/>
+              <a:rPr kumimoji="1" lang="en-US" altLang="ja-JP" dirty="0"/>
             </a:br>
             <a:r>
-              <a:rPr kumimoji="1" lang="ja-JP" altLang="en-US" dirty="0" smtClean="0"/>
+              <a:rPr kumimoji="1" lang="ja-JP" altLang="en-US" dirty="0"/>
               <a:t>負荷分散を導入した</a:t>
             </a:r>
             <a:r>
-              <a:rPr kumimoji="1" lang="en-US" altLang="ja-JP" dirty="0" smtClean="0"/>
+              <a:rPr kumimoji="1" lang="en-US" altLang="ja-JP" dirty="0"/>
               <a:t/>
             </a:r>
             <a:br>
-              <a:rPr kumimoji="1" lang="en-US" altLang="ja-JP" dirty="0" smtClean="0"/>
+              <a:rPr kumimoji="1" lang="en-US" altLang="ja-JP" dirty="0"/>
             </a:br>
             <a:r>
-              <a:rPr kumimoji="1" lang="en-US" altLang="ja-JP" dirty="0" smtClean="0"/>
+              <a:rPr kumimoji="1" lang="en-US" altLang="ja-JP" dirty="0"/>
               <a:t>web</a:t>
             </a:r>
             <a:r>
-              <a:rPr kumimoji="1" lang="ja-JP" altLang="en-US" dirty="0" smtClean="0"/>
+              <a:rPr kumimoji="1" lang="ja-JP" altLang="en-US" dirty="0"/>
               <a:t>楽曲分類サービスの</a:t>
             </a:r>
             <a:r>
-              <a:rPr kumimoji="1" lang="en-US" altLang="ja-JP" dirty="0" smtClean="0"/>
+              <a:rPr kumimoji="1" lang="en-US" altLang="ja-JP" dirty="0"/>
               <a:t/>
             </a:r>
             <a:br>
-              <a:rPr kumimoji="1" lang="en-US" altLang="ja-JP" dirty="0" smtClean="0"/>
+              <a:rPr kumimoji="1" lang="en-US" altLang="ja-JP" dirty="0"/>
             </a:br>
             <a:r>
-              <a:rPr kumimoji="1" lang="ja-JP" altLang="en-US" dirty="0" smtClean="0"/>
+              <a:rPr kumimoji="1" lang="ja-JP" altLang="en-US" dirty="0"/>
               <a:t>設計と開発</a:t>
             </a:r>
-            <a:endParaRPr kumimoji="1" lang="ja-JP" altLang="en-US" dirty="0"/>
           </a:p>
         </p:txBody>
       </p:sp>
@@ -4380,42 +4637,38 @@
           <a:lstStyle/>
           <a:p>
             <a:r>
-              <a:rPr kumimoji="1" lang="ja-JP" altLang="en-US" dirty="0" smtClean="0"/>
+              <a:rPr kumimoji="1" lang="ja-JP" altLang="en-US" dirty="0"/>
               <a:t>鷹野研究室</a:t>
             </a:r>
-            <a:endParaRPr kumimoji="1" lang="en-US" altLang="ja-JP" dirty="0" smtClean="0"/>
-          </a:p>
-          <a:p>
-            <a:r>
-              <a:rPr kumimoji="1" lang="ja-JP" altLang="en-US" dirty="0" smtClean="0"/>
+            <a:endParaRPr kumimoji="1" lang="en-US" altLang="ja-JP" dirty="0"/>
+          </a:p>
+          <a:p>
+            <a:r>
+              <a:rPr kumimoji="1" lang="ja-JP" altLang="en-US" dirty="0"/>
               <a:t>学籍番号：</a:t>
             </a:r>
             <a:r>
-              <a:rPr kumimoji="1" lang="en-US" altLang="ja-JP" dirty="0" smtClean="0"/>
+              <a:rPr kumimoji="1" lang="en-US" altLang="ja-JP" dirty="0"/>
               <a:t>1821144</a:t>
             </a:r>
             <a:r>
-              <a:rPr lang="ja-JP" altLang="en-US" dirty="0" smtClean="0"/>
+              <a:rPr lang="ja-JP" altLang="en-US" dirty="0"/>
               <a:t>　</a:t>
             </a:r>
             <a:r>
-              <a:rPr kumimoji="1" lang="ja-JP" altLang="en-US" dirty="0" smtClean="0"/>
+              <a:rPr kumimoji="1" lang="ja-JP" altLang="en-US" dirty="0"/>
               <a:t>氏名：吉井  智哉　</a:t>
             </a:r>
-            <a:endParaRPr kumimoji="1" lang="en-US" altLang="ja-JP" dirty="0" smtClean="0"/>
-          </a:p>
-          <a:p>
-            <a:r>
-              <a:rPr kumimoji="1" lang="ja-JP" altLang="en-US" dirty="0" smtClean="0"/>
+            <a:endParaRPr kumimoji="1" lang="en-US" altLang="ja-JP" dirty="0"/>
+          </a:p>
+          <a:p>
+            <a:r>
+              <a:rPr kumimoji="1" lang="ja-JP" altLang="en-US" dirty="0"/>
               <a:t>指導教員：</a:t>
             </a:r>
             <a:r>
-              <a:rPr lang="ja-JP" altLang="en-US" dirty="0" smtClean="0"/>
-              <a:t>鷹野　孝</a:t>
-            </a:r>
-            <a:r>
               <a:rPr lang="ja-JP" altLang="en-US" dirty="0"/>
-              <a:t>典</a:t>
+              <a:t>鷹野　孝典</a:t>
             </a:r>
           </a:p>
           <a:p>
@@ -4457,13 +4710,6 @@
   <p:clrMapOvr>
     <a:masterClrMapping/>
   </p:clrMapOvr>
-  <p:timing>
-    <p:tnLst>
-      <p:par>
-        <p:cTn id="1" dur="indefinite" restart="never" nodeType="tmRoot"/>
-      </p:par>
-    </p:tnLst>
-  </p:timing>
 </p:sld>
 </file>
 
@@ -4494,21 +4740,15 @@
             <p:ph type="title"/>
           </p:nvPr>
         </p:nvSpPr>
-        <p:spPr>
-          <a:xfrm>
-            <a:off x="490862" y="126587"/>
-            <a:ext cx="7886700" cy="1325563"/>
-          </a:xfrm>
-        </p:spPr>
+        <p:spPr/>
         <p:txBody>
           <a:bodyPr/>
           <a:lstStyle/>
           <a:p>
             <a:r>
-              <a:rPr lang="ja-JP" altLang="en-US" dirty="0"/>
-              <a:t>楽曲ジャンル推定モデルの作成</a:t>
-            </a:r>
-            <a:endParaRPr kumimoji="1" lang="ja-JP" altLang="en-US" dirty="0"/>
+              <a:rPr kumimoji="1" lang="ja-JP" altLang="en-US" dirty="0"/>
+              <a:t>実験</a:t>
+            </a:r>
           </a:p>
         </p:txBody>
       </p:sp>
@@ -4522,34 +4762,18 @@
             <p:ph idx="1"/>
           </p:nvPr>
         </p:nvSpPr>
-        <p:spPr>
-          <a:xfrm>
-            <a:off x="187889" y="1340285"/>
-            <a:ext cx="8630433" cy="4836678"/>
-          </a:xfrm>
-        </p:spPr>
+        <p:spPr/>
         <p:txBody>
           <a:bodyPr/>
           <a:lstStyle/>
           <a:p>
-            <a:pPr marL="0" indent="0">
+            <a:pPr marL="0" indent="0" algn="just">
               <a:buNone/>
             </a:pPr>
             <a:r>
-              <a:rPr kumimoji="1" lang="ja-JP" altLang="en-US" dirty="0" smtClean="0"/>
-              <a:t>実際</a:t>
-            </a:r>
-            <a:r>
-              <a:rPr kumimoji="1" lang="ja-JP" altLang="en-US" dirty="0" smtClean="0"/>
-              <a:t>に作成したモデル</a:t>
-            </a:r>
-            <a:endParaRPr kumimoji="1" lang="en-US" altLang="ja-JP" dirty="0" smtClean="0"/>
-          </a:p>
-          <a:p>
-            <a:pPr marL="0" indent="0">
-              <a:buNone/>
-            </a:pPr>
-            <a:endParaRPr kumimoji="1" lang="ja-JP" altLang="en-US" dirty="0"/>
+              <a:rPr kumimoji="1" lang="ja-JP" altLang="en-US" dirty="0"/>
+              <a:t>単機サーバと複数サーバでジャンル推定処理を行い．その処理にかかった時間と分類精度を比較することで実現可能性を検証する．</a:t>
+            </a:r>
           </a:p>
         </p:txBody>
       </p:sp>
@@ -4572,6 +4796,421 @@
               <a:rPr lang="ja-JP" altLang="en-US" smtClean="0"/>
               <a:pPr/>
               <a:t>10</a:t>
+            </a:fld>
+            <a:endParaRPr lang="ja-JP" altLang="en-US" dirty="0"/>
+          </a:p>
+        </p:txBody>
+      </p:sp>
+    </p:spTree>
+    <p:extLst>
+      <p:ext uri="{BB962C8B-B14F-4D97-AF65-F5344CB8AC3E}">
+        <p14:creationId xmlns:p14="http://schemas.microsoft.com/office/powerpoint/2010/main" val="636665"/>
+      </p:ext>
+    </p:extLst>
+  </p:cSld>
+  <p:clrMapOvr>
+    <a:masterClrMapping/>
+  </p:clrMapOvr>
+</p:sld>
+</file>
+
+<file path=ppt/slides/slide11.xml><?xml version="1.0" encoding="utf-8"?>
+<p:sld xmlns:a="http://schemas.openxmlformats.org/drawingml/2006/main" xmlns:r="http://schemas.openxmlformats.org/officeDocument/2006/relationships" xmlns:p="http://schemas.openxmlformats.org/presentationml/2006/main">
+  <p:cSld>
+    <p:spTree>
+      <p:nvGrpSpPr>
+        <p:cNvPr id="1" name=""/>
+        <p:cNvGrpSpPr/>
+        <p:nvPr/>
+      </p:nvGrpSpPr>
+      <p:grpSpPr>
+        <a:xfrm>
+          <a:off x="0" y="0"/>
+          <a:ext cx="0" cy="0"/>
+          <a:chOff x="0" y="0"/>
+          <a:chExt cx="0" cy="0"/>
+        </a:xfrm>
+      </p:grpSpPr>
+      <p:sp>
+        <p:nvSpPr>
+          <p:cNvPr id="2" name="タイトル 1"/>
+          <p:cNvSpPr>
+            <a:spLocks noGrp="1"/>
+          </p:cNvSpPr>
+          <p:nvPr>
+            <p:ph type="title"/>
+          </p:nvPr>
+        </p:nvSpPr>
+        <p:spPr/>
+        <p:txBody>
+          <a:bodyPr/>
+          <a:lstStyle/>
+          <a:p>
+            <a:r>
+              <a:rPr kumimoji="1" lang="ja-JP" altLang="en-US">
+                <a:ea typeface="ＭＳ Ｐゴシック"/>
+              </a:rPr>
+              <a:t>実験方法</a:t>
+            </a:r>
+            <a:endParaRPr kumimoji="1" lang="ja-JP" altLang="en-US" dirty="0"/>
+          </a:p>
+        </p:txBody>
+      </p:sp>
+      <p:sp>
+        <p:nvSpPr>
+          <p:cNvPr id="3" name="コンテンツ プレースホルダー 2"/>
+          <p:cNvSpPr>
+            <a:spLocks noGrp="1"/>
+          </p:cNvSpPr>
+          <p:nvPr>
+            <p:ph idx="1"/>
+          </p:nvPr>
+        </p:nvSpPr>
+        <p:spPr>
+          <a:xfrm>
+            <a:off x="628650" y="1520243"/>
+            <a:ext cx="7886700" cy="4909750"/>
+          </a:xfrm>
+        </p:spPr>
+        <p:txBody>
+          <a:bodyPr vert="horz" lIns="91440" tIns="45720" rIns="91440" bIns="45720" rtlCol="0" anchor="t">
+            <a:normAutofit/>
+          </a:bodyPr>
+          <a:lstStyle/>
+          <a:p>
+            <a:pPr marL="0" indent="0" algn="just">
+              <a:buNone/>
+            </a:pPr>
+            <a:r>
+              <a:rPr lang="en-US" altLang="ja-JP" dirty="0">
+                <a:ea typeface="ＭＳ Ｐゴシック"/>
+              </a:rPr>
+              <a:t>200</a:t>
+            </a:r>
+            <a:r>
+              <a:rPr lang="ja-JP" altLang="en-US">
+                <a:ea typeface="ＭＳ Ｐゴシック"/>
+              </a:rPr>
+              <a:t>件の楽曲データを利用し，</a:t>
+            </a:r>
+            <a:r>
+              <a:rPr lang="en-US" altLang="ja-JP" dirty="0">
+                <a:ea typeface="ＭＳ Ｐゴシック"/>
+              </a:rPr>
+              <a:t>1</a:t>
+            </a:r>
+            <a:r>
+              <a:rPr lang="ja-JP" altLang="en-US">
+                <a:ea typeface="ＭＳ Ｐゴシック"/>
+              </a:rPr>
+              <a:t>台の</a:t>
+            </a:r>
+            <a:r>
+              <a:rPr lang="en-US" altLang="ja-JP" dirty="0">
+                <a:ea typeface="ＭＳ Ｐゴシック"/>
+              </a:rPr>
+              <a:t>Raspberry Pi</a:t>
+            </a:r>
+            <a:r>
+              <a:rPr lang="ja-JP" altLang="en-US">
+                <a:ea typeface="ＭＳ Ｐゴシック"/>
+              </a:rPr>
+              <a:t>でジャンル推定処理を行い，処理にかかった時間の合計とジャンル推定の分類精度を計測する．</a:t>
+            </a:r>
+            <a:endParaRPr lang="en-US" altLang="ja-JP">
+              <a:ea typeface="ＭＳ Ｐゴシック"/>
+            </a:endParaRPr>
+          </a:p>
+          <a:p>
+            <a:pPr marL="0" indent="0" algn="just">
+              <a:buNone/>
+            </a:pPr>
+            <a:r>
+              <a:rPr lang="ja-JP" altLang="en-US">
+                <a:ea typeface="ＭＳ Ｐゴシック"/>
+              </a:rPr>
+              <a:t>その後，３台の</a:t>
+            </a:r>
+            <a:r>
+              <a:rPr lang="en-US" altLang="ja-JP" dirty="0">
+                <a:ea typeface="ＭＳ Ｐゴシック"/>
+              </a:rPr>
+              <a:t>Raspberry</a:t>
+            </a:r>
+            <a:r>
+              <a:rPr lang="ja-JP" altLang="en-US" dirty="0">
+                <a:ea typeface="ＭＳ Ｐゴシック"/>
+              </a:rPr>
+              <a:t> </a:t>
+            </a:r>
+            <a:r>
+              <a:rPr lang="en-US" altLang="ja-JP" dirty="0">
+                <a:ea typeface="ＭＳ Ｐゴシック"/>
+              </a:rPr>
+              <a:t>Pi</a:t>
+            </a:r>
+            <a:r>
+              <a:rPr lang="ja-JP" altLang="en-US">
+                <a:ea typeface="ＭＳ Ｐゴシック"/>
+              </a:rPr>
+              <a:t>で同処理を行い，処理にかかった時間の合計と分類精度を計測したものをそれぞれ比較する．</a:t>
+            </a:r>
+            <a:endParaRPr lang="en-US" altLang="ja-JP">
+              <a:ea typeface="ＭＳ Ｐゴシック"/>
+            </a:endParaRPr>
+          </a:p>
+        </p:txBody>
+      </p:sp>
+      <p:sp>
+        <p:nvSpPr>
+          <p:cNvPr id="4" name="スライド番号プレースホルダー 3"/>
+          <p:cNvSpPr>
+            <a:spLocks noGrp="1"/>
+          </p:cNvSpPr>
+          <p:nvPr>
+            <p:ph type="sldNum" sz="quarter" idx="12"/>
+          </p:nvPr>
+        </p:nvSpPr>
+        <p:spPr/>
+        <p:txBody>
+          <a:bodyPr/>
+          <a:lstStyle/>
+          <a:p>
+            <a:fld id="{B4451160-128F-4DAD-AE29-4A8CC0E7B9E9}" type="slidenum">
+              <a:rPr lang="ja-JP" altLang="en-US" smtClean="0"/>
+              <a:pPr/>
+              <a:t>11</a:t>
+            </a:fld>
+            <a:endParaRPr lang="ja-JP" altLang="en-US" dirty="0"/>
+          </a:p>
+        </p:txBody>
+      </p:sp>
+    </p:spTree>
+    <p:extLst>
+      <p:ext uri="{BB962C8B-B14F-4D97-AF65-F5344CB8AC3E}">
+        <p14:creationId xmlns:p14="http://schemas.microsoft.com/office/powerpoint/2010/main" val="2779179843"/>
+      </p:ext>
+    </p:extLst>
+  </p:cSld>
+  <p:clrMapOvr>
+    <a:masterClrMapping/>
+  </p:clrMapOvr>
+</p:sld>
+</file>
+
+<file path=ppt/slides/slide12.xml><?xml version="1.0" encoding="utf-8"?>
+<p:sld xmlns:a="http://schemas.openxmlformats.org/drawingml/2006/main" xmlns:r="http://schemas.openxmlformats.org/officeDocument/2006/relationships" xmlns:p="http://schemas.openxmlformats.org/presentationml/2006/main">
+  <p:cSld>
+    <p:spTree>
+      <p:nvGrpSpPr>
+        <p:cNvPr id="1" name=""/>
+        <p:cNvGrpSpPr/>
+        <p:nvPr/>
+      </p:nvGrpSpPr>
+      <p:grpSpPr>
+        <a:xfrm>
+          <a:off x="0" y="0"/>
+          <a:ext cx="0" cy="0"/>
+          <a:chOff x="0" y="0"/>
+          <a:chExt cx="0" cy="0"/>
+        </a:xfrm>
+      </p:grpSpPr>
+      <p:sp>
+        <p:nvSpPr>
+          <p:cNvPr id="2" name="Title 1">
+            <a:extLst>
+              <a:ext uri="{FF2B5EF4-FFF2-40B4-BE49-F238E27FC236}">
+                <a16:creationId xmlns:a16="http://schemas.microsoft.com/office/drawing/2014/main" id="{B7FCF1D5-D737-4D0D-8915-383AE3054CC6}"/>
+              </a:ext>
+            </a:extLst>
+          </p:cNvPr>
+          <p:cNvSpPr>
+            <a:spLocks noGrp="1"/>
+          </p:cNvSpPr>
+          <p:nvPr>
+            <p:ph type="title"/>
+          </p:nvPr>
+        </p:nvSpPr>
+        <p:spPr/>
+        <p:txBody>
+          <a:bodyPr/>
+          <a:lstStyle/>
+          <a:p>
+            <a:r>
+              <a:rPr lang="ja-JP" altLang="en-US">
+                <a:cs typeface="Calibri Light"/>
+              </a:rPr>
+              <a:t>実験環境</a:t>
+            </a:r>
+            <a:endParaRPr kumimoji="1" lang="en-US"/>
+          </a:p>
+        </p:txBody>
+      </p:sp>
+      <p:pic>
+        <p:nvPicPr>
+          <p:cNvPr id="5" name="Picture 5">
+            <a:extLst>
+              <a:ext uri="{FF2B5EF4-FFF2-40B4-BE49-F238E27FC236}">
+                <a16:creationId xmlns:a16="http://schemas.microsoft.com/office/drawing/2014/main" id="{40917622-8FEB-4A17-8B92-F0F5DEEB318C}"/>
+              </a:ext>
+            </a:extLst>
+          </p:cNvPr>
+          <p:cNvPicPr>
+            <a:picLocks noGrp="1" noChangeAspect="1"/>
+          </p:cNvPicPr>
+          <p:nvPr>
+            <p:ph idx="1"/>
+          </p:nvPr>
+        </p:nvPicPr>
+        <p:blipFill>
+          <a:blip r:embed="rId2"/>
+          <a:stretch>
+            <a:fillRect/>
+          </a:stretch>
+        </p:blipFill>
+        <p:spPr>
+          <a:xfrm>
+            <a:off x="666750" y="1518650"/>
+            <a:ext cx="7810500" cy="2085975"/>
+          </a:xfrm>
+        </p:spPr>
+      </p:pic>
+      <p:sp>
+        <p:nvSpPr>
+          <p:cNvPr id="4" name="Slide Number Placeholder 3">
+            <a:extLst>
+              <a:ext uri="{FF2B5EF4-FFF2-40B4-BE49-F238E27FC236}">
+                <a16:creationId xmlns:a16="http://schemas.microsoft.com/office/drawing/2014/main" id="{D90D3B12-D789-494D-8DA2-9728DEFFF461}"/>
+              </a:ext>
+            </a:extLst>
+          </p:cNvPr>
+          <p:cNvSpPr>
+            <a:spLocks noGrp="1"/>
+          </p:cNvSpPr>
+          <p:nvPr>
+            <p:ph type="sldNum" sz="quarter" idx="12"/>
+          </p:nvPr>
+        </p:nvSpPr>
+        <p:spPr/>
+        <p:txBody>
+          <a:bodyPr/>
+          <a:lstStyle/>
+          <a:p>
+            <a:fld id="{B4451160-128F-4DAD-AE29-4A8CC0E7B9E9}" type="slidenum">
+              <a:rPr lang="ja-JP" altLang="en-US" smtClean="0"/>
+              <a:pPr/>
+              <a:t>12</a:t>
+            </a:fld>
+            <a:endParaRPr lang="ja-JP" altLang="en-US" dirty="0"/>
+          </a:p>
+        </p:txBody>
+      </p:sp>
+    </p:spTree>
+    <p:extLst>
+      <p:ext uri="{BB962C8B-B14F-4D97-AF65-F5344CB8AC3E}">
+        <p14:creationId xmlns:p14="http://schemas.microsoft.com/office/powerpoint/2010/main" val="866522300"/>
+      </p:ext>
+    </p:extLst>
+  </p:cSld>
+  <p:clrMapOvr>
+    <a:masterClrMapping/>
+  </p:clrMapOvr>
+</p:sld>
+</file>
+
+<file path=ppt/slides/slide13.xml><?xml version="1.0" encoding="utf-8"?>
+<p:sld xmlns:a="http://schemas.openxmlformats.org/drawingml/2006/main" xmlns:r="http://schemas.openxmlformats.org/officeDocument/2006/relationships" xmlns:p="http://schemas.openxmlformats.org/presentationml/2006/main">
+  <p:cSld>
+    <p:spTree>
+      <p:nvGrpSpPr>
+        <p:cNvPr id="1" name=""/>
+        <p:cNvGrpSpPr/>
+        <p:nvPr/>
+      </p:nvGrpSpPr>
+      <p:grpSpPr>
+        <a:xfrm>
+          <a:off x="0" y="0"/>
+          <a:ext cx="0" cy="0"/>
+          <a:chOff x="0" y="0"/>
+          <a:chExt cx="0" cy="0"/>
+        </a:xfrm>
+      </p:grpSpPr>
+      <p:sp>
+        <p:nvSpPr>
+          <p:cNvPr id="3" name="コンテンツ プレースホルダー 2"/>
+          <p:cNvSpPr>
+            <a:spLocks noGrp="1"/>
+          </p:cNvSpPr>
+          <p:nvPr>
+            <p:ph idx="1"/>
+          </p:nvPr>
+        </p:nvSpPr>
+        <p:spPr>
+          <a:xfrm>
+            <a:off x="170439" y="1235584"/>
+            <a:ext cx="8726410" cy="4932654"/>
+          </a:xfrm>
+        </p:spPr>
+        <p:txBody>
+          <a:bodyPr vert="horz" lIns="91440" tIns="45720" rIns="91440" bIns="45720" rtlCol="0" anchor="t">
+            <a:normAutofit/>
+          </a:bodyPr>
+          <a:lstStyle/>
+          <a:p>
+            <a:pPr marL="0" indent="0">
+              <a:buNone/>
+            </a:pPr>
+            <a:r>
+              <a:rPr kumimoji="1" lang="ja-JP" altLang="en-US" dirty="0"/>
+              <a:t>実際に作成したモデル</a:t>
+            </a:r>
+            <a:endParaRPr kumimoji="1" lang="en-US" altLang="ja-JP" dirty="0"/>
+          </a:p>
+          <a:p>
+            <a:pPr marL="0" indent="0">
+              <a:buNone/>
+            </a:pPr>
+            <a:r>
+              <a:rPr lang="ja-JP" altLang="en-US">
+                <a:ea typeface="ＭＳ Ｐゴシック"/>
+                <a:cs typeface="Calibri"/>
+              </a:rPr>
+              <a:t>使用したデータセット：FMA_SMALL</a:t>
+            </a:r>
+            <a:endParaRPr lang="ja-JP" altLang="en-US" dirty="0">
+              <a:ea typeface="ＭＳ Ｐゴシック"/>
+              <a:cs typeface="Calibri"/>
+            </a:endParaRPr>
+          </a:p>
+          <a:p>
+            <a:pPr marL="0" indent="0">
+              <a:buNone/>
+            </a:pPr>
+            <a:endParaRPr lang="ja-JP" altLang="en-US" dirty="0">
+              <a:cs typeface="Calibri" panose="020F0502020204030204"/>
+            </a:endParaRPr>
+          </a:p>
+        </p:txBody>
+      </p:sp>
+      <p:sp>
+        <p:nvSpPr>
+          <p:cNvPr id="4" name="スライド番号プレースホルダー 3"/>
+          <p:cNvSpPr>
+            <a:spLocks noGrp="1"/>
+          </p:cNvSpPr>
+          <p:nvPr>
+            <p:ph type="sldNum" sz="quarter" idx="12"/>
+          </p:nvPr>
+        </p:nvSpPr>
+        <p:spPr/>
+        <p:txBody>
+          <a:bodyPr/>
+          <a:lstStyle/>
+          <a:p>
+            <a:fld id="{B4451160-128F-4DAD-AE29-4A8CC0E7B9E9}" type="slidenum">
+              <a:rPr lang="ja-JP" altLang="en-US" smtClean="0"/>
+              <a:pPr/>
+              <a:t>13</a:t>
             </a:fld>
             <a:endParaRPr lang="ja-JP" altLang="en-US" dirty="0"/>
           </a:p>
@@ -4624,7 +5263,7 @@
                           <a:spcPts val="0"/>
                         </a:spcAft>
                       </a:pPr>
-                      <a:endParaRPr lang="en-US" sz="2000" kern="100" dirty="0" smtClean="0">
+                      <a:endParaRPr lang="en-US" sz="2000" kern="100" dirty="0">
                         <a:effectLst/>
                       </a:endParaRPr>
                     </a:p>
@@ -4638,22 +5277,10 @@
                         </a:spcAft>
                       </a:pPr>
                       <a:r>
-                        <a:rPr lang="en-US" sz="2000" kern="100" dirty="0" smtClean="0">
-                          <a:effectLst/>
-                        </a:rPr>
-                        <a:t>Model</a:t>
-                      </a:r>
-                      <a:r>
                         <a:rPr lang="en-US" sz="2000" kern="100" dirty="0">
                           <a:effectLst/>
                         </a:rPr>
-                        <a:t>: "</a:t>
-                      </a:r>
-                      <a:r>
-                        <a:rPr lang="en-US" sz="2000" kern="100" dirty="0" smtClean="0">
-                          <a:effectLst/>
-                        </a:rPr>
-                        <a:t>sequential”</a:t>
+                        <a:t>Model: "sequential”</a:t>
                       </a:r>
                     </a:p>
                     <a:p>
@@ -4665,7 +5292,7 @@
                           <a:spcPts val="0"/>
                         </a:spcAft>
                       </a:pPr>
-                      <a:endParaRPr lang="en-US" sz="2000" kern="100" dirty="0" smtClean="0">
+                      <a:endParaRPr lang="en-US" sz="2000" kern="100" dirty="0">
                         <a:effectLst/>
                       </a:endParaRPr>
                     </a:p>
@@ -4679,16 +5306,10 @@
                         </a:spcAft>
                       </a:pPr>
                       <a:r>
-                        <a:rPr lang="en-US" sz="2000" kern="100" dirty="0" smtClean="0">
-                          <a:effectLst/>
-                        </a:rPr>
-                        <a:t>Layer </a:t>
-                      </a:r>
-                      <a:r>
                         <a:rPr lang="en-US" sz="2000" kern="100" dirty="0">
                           <a:effectLst/>
                         </a:rPr>
-                        <a:t>(type)                Output Shape              </a:t>
+                        <a:t>Layer (type)                Output Shape              </a:t>
                       </a:r>
                       <a:r>
                         <a:rPr lang="en-US" sz="2000" kern="100" dirty="0" err="1">
@@ -4700,13 +5321,7 @@
                         <a:rPr lang="en-US" sz="2000" kern="100" dirty="0">
                           <a:effectLst/>
                         </a:rPr>
-                        <a:t> </a:t>
-                      </a:r>
-                      <a:r>
-                        <a:rPr lang="en-US" sz="2000" kern="100" dirty="0" smtClean="0">
-                          <a:effectLst/>
-                        </a:rPr>
-                        <a:t>#  </a:t>
+                        <a:t> #  </a:t>
                       </a:r>
                     </a:p>
                     <a:p>
@@ -4719,7 +5334,7 @@
                         </a:spcAft>
                       </a:pPr>
                       <a:r>
-                        <a:rPr lang="en-US" sz="2000" kern="100" dirty="0" smtClean="0">
+                        <a:rPr lang="en-US" sz="2000" kern="100" dirty="0">
                           <a:effectLst/>
                         </a:rPr>
                         <a:t> ===============================================================</a:t>
@@ -4734,7 +5349,7 @@
                           <a:spcPts val="0"/>
                         </a:spcAft>
                       </a:pPr>
-                      <a:endParaRPr lang="en-US" sz="2000" kern="100" dirty="0" smtClean="0">
+                      <a:endParaRPr lang="en-US" sz="2000" kern="100" dirty="0">
                         <a:effectLst/>
                       </a:endParaRPr>
                     </a:p>
@@ -4748,20 +5363,11 @@
                         </a:spcAft>
                       </a:pPr>
                       <a:r>
-                        <a:rPr lang="en-US" sz="2000" kern="100" dirty="0" smtClean="0">
-                          <a:effectLst/>
-                        </a:rPr>
-                        <a:t>dense </a:t>
-                      </a:r>
-                      <a:r>
                         <a:rPr lang="en-US" sz="2000" kern="100" dirty="0">
                           <a:effectLst/>
                         </a:rPr>
-                        <a:t>(Dense)               (None, 256)               6656             </a:t>
+                        <a:t>dense (Dense)               (None, 256)               6656             </a:t>
                       </a:r>
-                      <a:endParaRPr lang="en-US" sz="2000" kern="100" dirty="0" smtClean="0">
-                        <a:effectLst/>
-                      </a:endParaRPr>
                     </a:p>
                     <a:p>
                       <a:pPr algn="just">
@@ -4773,7 +5379,7 @@
                         </a:spcAft>
                       </a:pPr>
                       <a:r>
-                        <a:rPr lang="en-US" sz="2000" kern="100" dirty="0" smtClean="0">
+                        <a:rPr lang="en-US" sz="2000" kern="100" dirty="0">
                           <a:effectLst/>
                         </a:rPr>
                         <a:t>                                                           </a:t>
@@ -4789,20 +5395,11 @@
                         </a:spcAft>
                       </a:pPr>
                       <a:r>
-                        <a:rPr lang="en-US" sz="2000" kern="100" dirty="0" smtClean="0">
-                          <a:effectLst/>
-                        </a:rPr>
-                        <a:t>dense_1 </a:t>
-                      </a:r>
-                      <a:r>
                         <a:rPr lang="en-US" sz="2000" kern="100" dirty="0">
                           <a:effectLst/>
                         </a:rPr>
-                        <a:t>(Dense)             (None, 128)               32896                                                                       </a:t>
+                        <a:t>dense_1 (Dense)             (None, 128)               32896                                                                       </a:t>
                       </a:r>
-                      <a:endParaRPr lang="en-US" sz="2000" kern="100" dirty="0" smtClean="0">
-                        <a:effectLst/>
-                      </a:endParaRPr>
                     </a:p>
                     <a:p>
                       <a:pPr algn="just">
@@ -4813,7 +5410,7 @@
                           <a:spcPts val="0"/>
                         </a:spcAft>
                       </a:pPr>
-                      <a:endParaRPr lang="en-US" sz="2000" kern="100" dirty="0" smtClean="0">
+                      <a:endParaRPr lang="en-US" sz="2000" kern="100" dirty="0">
                         <a:effectLst/>
                       </a:endParaRPr>
                     </a:p>
@@ -4827,20 +5424,11 @@
                         </a:spcAft>
                       </a:pPr>
                       <a:r>
-                        <a:rPr lang="en-US" sz="2000" kern="100" dirty="0" smtClean="0">
-                          <a:effectLst/>
-                        </a:rPr>
-                        <a:t>dense_2 </a:t>
-                      </a:r>
-                      <a:r>
                         <a:rPr lang="en-US" sz="2000" kern="100" dirty="0">
                           <a:effectLst/>
                         </a:rPr>
-                        <a:t>(Dense)             (None, 64)                8256                                                                        </a:t>
+                        <a:t>dense_2 (Dense)             (None, 64)                8256                                                                        </a:t>
                       </a:r>
-                      <a:endParaRPr lang="en-US" sz="2000" kern="100" dirty="0" smtClean="0">
-                        <a:effectLst/>
-                      </a:endParaRPr>
                     </a:p>
                     <a:p>
                       <a:pPr algn="just">
@@ -4851,7 +5439,7 @@
                           <a:spcPts val="0"/>
                         </a:spcAft>
                       </a:pPr>
-                      <a:endParaRPr lang="en-US" sz="2000" kern="100" dirty="0" smtClean="0">
+                      <a:endParaRPr lang="en-US" sz="2000" kern="100" dirty="0">
                         <a:effectLst/>
                       </a:endParaRPr>
                     </a:p>
@@ -4865,22 +5453,10 @@
                         </a:spcAft>
                       </a:pPr>
                       <a:r>
-                        <a:rPr lang="en-US" sz="2000" kern="100" dirty="0" smtClean="0">
-                          <a:effectLst/>
-                        </a:rPr>
-                        <a:t>dense_3 </a:t>
-                      </a:r>
-                      <a:r>
                         <a:rPr lang="en-US" sz="2000" kern="100" dirty="0">
                           <a:effectLst/>
                         </a:rPr>
-                        <a:t>(Dense)             (None, 10)                </a:t>
-                      </a:r>
-                      <a:r>
-                        <a:rPr lang="en-US" sz="2000" kern="100" dirty="0" smtClean="0">
-                          <a:effectLst/>
-                        </a:rPr>
-                        <a:t>650</a:t>
+                        <a:t>dense_3 (Dense)             (None, 10)                650</a:t>
                       </a:r>
                     </a:p>
                     <a:p>
@@ -4892,7 +5468,7 @@
                           <a:spcPts val="0"/>
                         </a:spcAft>
                       </a:pPr>
-                      <a:endParaRPr lang="en-US" sz="2000" kern="100" dirty="0" smtClean="0">
+                      <a:endParaRPr lang="en-US" sz="2000" kern="100" dirty="0">
                         <a:effectLst/>
                       </a:endParaRPr>
                     </a:p>
@@ -4906,7 +5482,7 @@
                         </a:spcAft>
                       </a:pPr>
                       <a:r>
-                        <a:rPr lang="en-US" sz="2000" kern="100" dirty="0" smtClean="0">
+                        <a:rPr lang="en-US" sz="2000" kern="100" dirty="0">
                           <a:effectLst/>
                         </a:rPr>
                         <a:t>===============================================================</a:t>
@@ -4921,7 +5497,7 @@
                           <a:spcPts val="0"/>
                         </a:spcAft>
                       </a:pPr>
-                      <a:endParaRPr lang="en-US" sz="2000" kern="100" dirty="0" smtClean="0">
+                      <a:endParaRPr lang="en-US" sz="2000" kern="100" dirty="0">
                         <a:effectLst/>
                       </a:endParaRPr>
                     </a:p>
@@ -4935,7 +5511,7 @@
                         </a:spcAft>
                       </a:pPr>
                       <a:r>
-                        <a:rPr lang="en-US" sz="2000" kern="100" dirty="0" smtClean="0">
+                        <a:rPr lang="en-US" sz="2000" kern="100" dirty="0">
                           <a:effectLst/>
                         </a:rPr>
                         <a:t>Total </a:t>
@@ -4950,13 +5526,7 @@
                         <a:rPr lang="en-US" sz="2000" kern="100" dirty="0">
                           <a:effectLst/>
                         </a:rPr>
-                        <a:t>: </a:t>
-                      </a:r>
-                      <a:r>
-                        <a:rPr lang="en-US" sz="2000" kern="100" dirty="0" smtClean="0">
-                          <a:effectLst/>
-                        </a:rPr>
-                        <a:t>48,458</a:t>
+                        <a:t>: 48,458</a:t>
                       </a:r>
                     </a:p>
                     <a:p>
@@ -4968,7 +5538,7 @@
                           <a:spcPts val="0"/>
                         </a:spcAft>
                       </a:pPr>
-                      <a:endParaRPr lang="en-US" sz="2000" kern="100" dirty="0" smtClean="0">
+                      <a:endParaRPr lang="en-US" sz="2000" kern="100" dirty="0">
                         <a:effectLst/>
                       </a:endParaRPr>
                     </a:p>
@@ -4982,7 +5552,7 @@
                         </a:spcAft>
                       </a:pPr>
                       <a:r>
-                        <a:rPr lang="en-US" sz="2000" kern="100" dirty="0" smtClean="0">
+                        <a:rPr lang="en-US" sz="2000" kern="100" dirty="0">
                           <a:effectLst/>
                         </a:rPr>
                         <a:t>Trainable </a:t>
@@ -4997,13 +5567,7 @@
                         <a:rPr lang="en-US" sz="2000" kern="100" dirty="0">
                           <a:effectLst/>
                         </a:rPr>
-                        <a:t>: </a:t>
-                      </a:r>
-                      <a:r>
-                        <a:rPr lang="en-US" sz="2000" kern="100" dirty="0" smtClean="0">
-                          <a:effectLst/>
-                        </a:rPr>
-                        <a:t>48,458</a:t>
+                        <a:t>: 48,458</a:t>
                       </a:r>
                     </a:p>
                     <a:p>
@@ -5015,7 +5579,7 @@
                           <a:spcPts val="0"/>
                         </a:spcAft>
                       </a:pPr>
-                      <a:endParaRPr lang="en-US" sz="2000" kern="100" dirty="0" smtClean="0">
+                      <a:endParaRPr lang="en-US" sz="2000" kern="100" dirty="0">
                         <a:effectLst/>
                       </a:endParaRPr>
                     </a:p>
@@ -5029,7 +5593,7 @@
                         </a:spcAft>
                       </a:pPr>
                       <a:r>
-                        <a:rPr lang="en-US" sz="2000" kern="100" dirty="0" smtClean="0">
+                        <a:rPr lang="en-US" sz="2000" kern="100" dirty="0">
                           <a:effectLst/>
                         </a:rPr>
                         <a:t>Non-trainable </a:t>
@@ -5044,13 +5608,7 @@
                         <a:rPr lang="en-US" sz="2000" kern="100" dirty="0">
                           <a:effectLst/>
                         </a:rPr>
-                        <a:t>: </a:t>
-                      </a:r>
-                      <a:r>
-                        <a:rPr lang="en-US" sz="2000" kern="100" dirty="0" smtClean="0">
-                          <a:effectLst/>
-                        </a:rPr>
-                        <a:t>0</a:t>
+                        <a:t>: 0</a:t>
                       </a:r>
                     </a:p>
                     <a:p>
@@ -5062,7 +5620,7 @@
                           <a:spcPts val="0"/>
                         </a:spcAft>
                       </a:pPr>
-                      <a:endParaRPr lang="en-US" sz="2000" kern="100" dirty="0" smtClean="0">
+                      <a:endParaRPr lang="en-US" sz="2000" kern="100" dirty="0">
                         <a:effectLst/>
                       </a:endParaRPr>
                     </a:p>
@@ -5075,7 +5633,7 @@
                           <a:spcPts val="0"/>
                         </a:spcAft>
                       </a:pPr>
-                      <a:endParaRPr lang="en-US" sz="2000" kern="100" dirty="0" smtClean="0">
+                      <a:endParaRPr lang="en-US" sz="2000" kern="100" dirty="0">
                         <a:effectLst/>
                       </a:endParaRPr>
                     </a:p>
@@ -5089,16 +5647,10 @@
                         </a:spcAft>
                       </a:pPr>
                       <a:r>
-                        <a:rPr lang="en-US" sz="2000" kern="100" dirty="0" smtClean="0">
-                          <a:effectLst/>
-                        </a:rPr>
-                        <a:t>None</a:t>
-                      </a:r>
-                      <a:r>
                         <a:rPr lang="en-US" sz="2000" kern="100" dirty="0">
                           <a:effectLst/>
                         </a:rPr>
-                        <a:t> </a:t>
+                        <a:t>None </a:t>
                       </a:r>
                       <a:endParaRPr lang="ja-JP" sz="2000" kern="100" dirty="0">
                         <a:effectLst/>
@@ -5120,6 +5672,51 @@
           </a:graphicData>
         </a:graphic>
       </p:graphicFrame>
+      <p:sp>
+        <p:nvSpPr>
+          <p:cNvPr id="5" name="TextBox 4">
+            <a:extLst>
+              <a:ext uri="{FF2B5EF4-FFF2-40B4-BE49-F238E27FC236}">
+                <a16:creationId xmlns:a16="http://schemas.microsoft.com/office/drawing/2014/main" id="{DDD5BB77-C458-46F3-A5B1-A1CF6871E6E4}"/>
+              </a:ext>
+            </a:extLst>
+          </p:cNvPr>
+          <p:cNvSpPr txBox="1"/>
+          <p:nvPr/>
+        </p:nvSpPr>
+        <p:spPr>
+          <a:xfrm>
+            <a:off x="277461" y="198934"/>
+            <a:ext cx="6084948" cy="830997"/>
+          </a:xfrm>
+          <a:prstGeom prst="rect">
+            <a:avLst/>
+          </a:prstGeom>
+          <a:noFill/>
+        </p:spPr>
+        <p:txBody>
+          <a:bodyPr rot="0" spcFirstLastPara="0" vertOverflow="overflow" horzOverflow="overflow" vert="horz" wrap="square" lIns="91440" tIns="45720" rIns="91440" bIns="45720" numCol="1" spcCol="0" rtlCol="0" fromWordArt="0" anchor="t" anchorCtr="0" forceAA="0" compatLnSpc="1">
+            <a:prstTxWarp prst="textNoShape">
+              <a:avLst/>
+            </a:prstTxWarp>
+            <a:spAutoFit/>
+          </a:bodyPr>
+          <a:lstStyle/>
+          <a:p>
+            <a:pPr algn="l"/>
+            <a:r>
+              <a:rPr lang="ja-JP" altLang="en-US" sz="4800">
+                <a:ea typeface="ＭＳ Ｐゴシック"/>
+              </a:rPr>
+              <a:t>実験環境</a:t>
+            </a:r>
+            <a:endParaRPr lang="en-US" sz="4800">
+              <a:ea typeface="ＭＳ Ｐゴシック"/>
+              <a:cs typeface="Calibri"/>
+            </a:endParaRPr>
+          </a:p>
+        </p:txBody>
+      </p:sp>
     </p:spTree>
     <p:extLst>
       <p:ext uri="{BB962C8B-B14F-4D97-AF65-F5344CB8AC3E}">
@@ -5130,17 +5727,10 @@
   <p:clrMapOvr>
     <a:masterClrMapping/>
   </p:clrMapOvr>
-  <p:timing>
-    <p:tnLst>
-      <p:par>
-        <p:cTn id="1" dur="indefinite" restart="never" nodeType="tmRoot"/>
-      </p:par>
-    </p:tnLst>
-  </p:timing>
 </p:sld>
 </file>
 
-<file path=ppt/slides/slide11.xml><?xml version="1.0" encoding="utf-8"?>
+<file path=ppt/slides/slide14.xml><?xml version="1.0" encoding="utf-8"?>
 <p:sld xmlns:a="http://schemas.openxmlformats.org/drawingml/2006/main" xmlns:r="http://schemas.openxmlformats.org/officeDocument/2006/relationships" xmlns:p="http://schemas.openxmlformats.org/presentationml/2006/main">
   <p:cSld>
     <p:spTree>
@@ -5173,394 +5763,11 @@
           <a:lstStyle/>
           <a:p>
             <a:r>
-              <a:rPr lang="ja-JP" altLang="en-US" dirty="0" smtClean="0"/>
-              <a:t>ラウンドロビン方式を導入した</a:t>
-            </a:r>
-            <a:r>
-              <a:rPr lang="en-US" altLang="ja-JP" dirty="0" smtClean="0"/>
-              <a:t/>
-            </a:r>
-            <a:br>
-              <a:rPr lang="en-US" altLang="ja-JP" dirty="0" smtClean="0"/>
-            </a:br>
-            <a:r>
-              <a:rPr lang="ja-JP" altLang="en-US" dirty="0" smtClean="0"/>
-              <a:t>負荷分散システム</a:t>
-            </a:r>
-            <a:endParaRPr kumimoji="1" lang="ja-JP" altLang="en-US" dirty="0"/>
-          </a:p>
-        </p:txBody>
-      </p:sp>
-      <p:sp>
-        <p:nvSpPr>
-          <p:cNvPr id="4" name="スライド番号プレースホルダー 3"/>
-          <p:cNvSpPr>
-            <a:spLocks noGrp="1"/>
-          </p:cNvSpPr>
-          <p:nvPr>
-            <p:ph type="sldNum" sz="quarter" idx="12"/>
-          </p:nvPr>
-        </p:nvSpPr>
-        <p:spPr/>
-        <p:txBody>
-          <a:bodyPr/>
-          <a:lstStyle/>
-          <a:p>
-            <a:fld id="{B4451160-128F-4DAD-AE29-4A8CC0E7B9E9}" type="slidenum">
-              <a:rPr lang="ja-JP" altLang="en-US" smtClean="0"/>
-              <a:pPr/>
-              <a:t>11</a:t>
-            </a:fld>
-            <a:endParaRPr lang="ja-JP" altLang="en-US" dirty="0"/>
-          </a:p>
-        </p:txBody>
-      </p:sp>
-      <p:sp>
-        <p:nvSpPr>
-          <p:cNvPr id="6" name="テキスト ボックス 5"/>
-          <p:cNvSpPr txBox="1"/>
-          <p:nvPr/>
-        </p:nvSpPr>
-        <p:spPr>
-          <a:xfrm>
-            <a:off x="513566" y="1796991"/>
-            <a:ext cx="8001783" cy="1938992"/>
-          </a:xfrm>
-          <a:prstGeom prst="rect">
-            <a:avLst/>
-          </a:prstGeom>
-          <a:noFill/>
-        </p:spPr>
-        <p:txBody>
-          <a:bodyPr wrap="square" rtlCol="0">
-            <a:spAutoFit/>
-          </a:bodyPr>
-          <a:lstStyle/>
-          <a:p>
-            <a:pPr algn="just"/>
-            <a:r>
-              <a:rPr lang="ja-JP" altLang="en-US" sz="2400" dirty="0"/>
-              <a:t>本研究での</a:t>
-            </a:r>
-            <a:r>
-              <a:rPr kumimoji="1" lang="ja-JP" altLang="en-US" sz="2400" dirty="0" smtClean="0"/>
-              <a:t>負荷分散にはラウンドロビン方式を採用する．</a:t>
-            </a:r>
-            <a:endParaRPr kumimoji="1" lang="en-US" altLang="ja-JP" sz="2400" dirty="0" smtClean="0"/>
-          </a:p>
-          <a:p>
-            <a:pPr algn="just"/>
-            <a:r>
-              <a:rPr lang="ja-JP" altLang="en-US" sz="2400" dirty="0"/>
-              <a:t>理由</a:t>
-            </a:r>
-            <a:r>
-              <a:rPr lang="ja-JP" altLang="en-US" sz="2400" dirty="0" smtClean="0"/>
-              <a:t>と</a:t>
-            </a:r>
-            <a:r>
-              <a:rPr lang="ja-JP" altLang="en-US" sz="2400" dirty="0"/>
-              <a:t>して</a:t>
-            </a:r>
-            <a:r>
-              <a:rPr lang="ja-JP" altLang="en-US" sz="2400" dirty="0" smtClean="0"/>
-              <a:t>は，他</a:t>
-            </a:r>
-            <a:r>
-              <a:rPr lang="ja-JP" altLang="en-US" sz="2400" dirty="0" smtClean="0"/>
-              <a:t>の負荷分散システムと比較して導入しやすく，コストパフォーマンスに優れるためである．</a:t>
-            </a:r>
-            <a:endParaRPr lang="en-US" altLang="ja-JP" sz="2400" dirty="0" smtClean="0"/>
-          </a:p>
-          <a:p>
-            <a:pPr algn="just"/>
-            <a:endParaRPr kumimoji="1" lang="en-US" altLang="ja-JP" sz="2400" dirty="0"/>
-          </a:p>
-          <a:p>
-            <a:pPr algn="just"/>
-            <a:endParaRPr kumimoji="1" lang="ja-JP" altLang="en-US" sz="2400" dirty="0"/>
-          </a:p>
-        </p:txBody>
-      </p:sp>
-      <p:pic>
-        <p:nvPicPr>
-          <p:cNvPr id="8" name="図 7"/>
-          <p:cNvPicPr>
-            <a:picLocks noChangeAspect="1"/>
-          </p:cNvPicPr>
-          <p:nvPr/>
-        </p:nvPicPr>
-        <p:blipFill>
-          <a:blip r:embed="rId2">
-            <a:extLst>
-              <a:ext uri="{28A0092B-C50C-407E-A947-70E740481C1C}">
-                <a14:useLocalDpi xmlns:a14="http://schemas.microsoft.com/office/drawing/2010/main" val="0"/>
-              </a:ext>
-            </a:extLst>
-          </a:blip>
-          <a:stretch>
-            <a:fillRect/>
-          </a:stretch>
-        </p:blipFill>
-        <p:spPr>
-          <a:xfrm>
-            <a:off x="513566" y="3600510"/>
-            <a:ext cx="7925487" cy="2408129"/>
-          </a:xfrm>
-          <a:prstGeom prst="rect">
-            <a:avLst/>
-          </a:prstGeom>
-        </p:spPr>
-      </p:pic>
-    </p:spTree>
-    <p:extLst>
-      <p:ext uri="{BB962C8B-B14F-4D97-AF65-F5344CB8AC3E}">
-        <p14:creationId xmlns:p14="http://schemas.microsoft.com/office/powerpoint/2010/main" val="965173600"/>
-      </p:ext>
-    </p:extLst>
-  </p:cSld>
-  <p:clrMapOvr>
-    <a:masterClrMapping/>
-  </p:clrMapOvr>
-  <p:timing>
-    <p:tnLst>
-      <p:par>
-        <p:cTn id="1" dur="indefinite" restart="never" nodeType="tmRoot"/>
-      </p:par>
-    </p:tnLst>
-  </p:timing>
-</p:sld>
-</file>
-
-<file path=ppt/slides/slide12.xml><?xml version="1.0" encoding="utf-8"?>
-<p:sld xmlns:a="http://schemas.openxmlformats.org/drawingml/2006/main" xmlns:r="http://schemas.openxmlformats.org/officeDocument/2006/relationships" xmlns:p="http://schemas.openxmlformats.org/presentationml/2006/main">
-  <p:cSld>
-    <p:spTree>
-      <p:nvGrpSpPr>
-        <p:cNvPr id="1" name=""/>
-        <p:cNvGrpSpPr/>
-        <p:nvPr/>
-      </p:nvGrpSpPr>
-      <p:grpSpPr>
-        <a:xfrm>
-          <a:off x="0" y="0"/>
-          <a:ext cx="0" cy="0"/>
-          <a:chOff x="0" y="0"/>
-          <a:chExt cx="0" cy="0"/>
-        </a:xfrm>
-      </p:grpSpPr>
-      <p:sp>
-        <p:nvSpPr>
-          <p:cNvPr id="2" name="タイトル 1"/>
-          <p:cNvSpPr>
-            <a:spLocks noGrp="1"/>
-          </p:cNvSpPr>
-          <p:nvPr>
-            <p:ph type="title"/>
-          </p:nvPr>
-        </p:nvSpPr>
-        <p:spPr/>
-        <p:txBody>
-          <a:bodyPr/>
-          <a:lstStyle/>
-          <a:p>
-            <a:r>
-              <a:rPr kumimoji="1" lang="ja-JP" altLang="en-US" dirty="0" smtClean="0"/>
-              <a:t>実験方法</a:t>
-            </a:r>
-            <a:endParaRPr kumimoji="1" lang="ja-JP" altLang="en-US" dirty="0"/>
-          </a:p>
-        </p:txBody>
-      </p:sp>
-      <p:sp>
-        <p:nvSpPr>
-          <p:cNvPr id="3" name="コンテンツ プレースホルダー 2"/>
-          <p:cNvSpPr>
-            <a:spLocks noGrp="1"/>
-          </p:cNvSpPr>
-          <p:nvPr>
-            <p:ph idx="1"/>
-          </p:nvPr>
-        </p:nvSpPr>
-        <p:spPr/>
-        <p:txBody>
-          <a:bodyPr/>
-          <a:lstStyle/>
-          <a:p>
-            <a:pPr marL="0" indent="0" algn="just">
-              <a:buNone/>
-            </a:pPr>
-            <a:r>
-              <a:rPr lang="en-US" altLang="ja-JP" dirty="0" smtClean="0"/>
-              <a:t>200</a:t>
-            </a:r>
-            <a:r>
-              <a:rPr lang="ja-JP" altLang="en-US" dirty="0" smtClean="0"/>
-              <a:t>件の楽曲データを利用し，</a:t>
-            </a:r>
-            <a:r>
-              <a:rPr lang="en-US" altLang="ja-JP" dirty="0" smtClean="0"/>
-              <a:t>1</a:t>
-            </a:r>
-            <a:r>
-              <a:rPr lang="ja-JP" altLang="en-US" dirty="0" smtClean="0"/>
-              <a:t>台の</a:t>
-            </a:r>
-            <a:r>
-              <a:rPr lang="en-US" altLang="ja-JP" dirty="0" smtClean="0"/>
-              <a:t>Raspberry Pi</a:t>
-            </a:r>
-            <a:r>
-              <a:rPr lang="ja-JP" altLang="en-US" dirty="0" smtClean="0"/>
-              <a:t>でジャンル推定処理</a:t>
-            </a:r>
-            <a:r>
-              <a:rPr lang="ja-JP" altLang="en-US" dirty="0" smtClean="0"/>
-              <a:t>を行い</a:t>
-            </a:r>
-            <a:r>
-              <a:rPr lang="ja-JP" altLang="en-US" dirty="0" smtClean="0"/>
-              <a:t>処理にかかった時間の合計とジャンル推定の分類精度を計測する．</a:t>
-            </a:r>
-            <a:endParaRPr lang="en-US" altLang="ja-JP" dirty="0" smtClean="0"/>
-          </a:p>
-          <a:p>
-            <a:pPr marL="0" indent="0" algn="just">
-              <a:buNone/>
-            </a:pPr>
-            <a:r>
-              <a:rPr lang="ja-JP" altLang="en-US" dirty="0" smtClean="0"/>
-              <a:t>その後</a:t>
-            </a:r>
-            <a:r>
-              <a:rPr lang="ja-JP" altLang="en-US" dirty="0"/>
-              <a:t>、</a:t>
-            </a:r>
-            <a:r>
-              <a:rPr lang="ja-JP" altLang="en-US" dirty="0" smtClean="0"/>
-              <a:t>３台の</a:t>
-            </a:r>
-            <a:r>
-              <a:rPr lang="en-US" altLang="ja-JP" dirty="0" smtClean="0"/>
-              <a:t>Raspberry</a:t>
-            </a:r>
-            <a:r>
-              <a:rPr lang="ja-JP" altLang="en-US" dirty="0"/>
-              <a:t> </a:t>
-            </a:r>
-            <a:r>
-              <a:rPr lang="en-US" altLang="ja-JP" dirty="0" smtClean="0"/>
-              <a:t>Pi</a:t>
-            </a:r>
-            <a:r>
-              <a:rPr lang="ja-JP" altLang="en-US" dirty="0" smtClean="0"/>
-              <a:t>で</a:t>
-            </a:r>
-            <a:r>
-              <a:rPr lang="ja-JP" altLang="en-US" dirty="0"/>
-              <a:t>同</a:t>
-            </a:r>
-            <a:r>
-              <a:rPr lang="ja-JP" altLang="en-US" dirty="0" smtClean="0"/>
-              <a:t>処理</a:t>
-            </a:r>
-            <a:r>
-              <a:rPr lang="ja-JP" altLang="en-US" dirty="0" smtClean="0"/>
-              <a:t>を行い処理</a:t>
-            </a:r>
-            <a:r>
-              <a:rPr lang="ja-JP" altLang="en-US" dirty="0"/>
-              <a:t>にかかった</a:t>
-            </a:r>
-            <a:r>
-              <a:rPr lang="ja-JP" altLang="en-US" dirty="0" smtClean="0"/>
-              <a:t>時間の合計と分類精度を計測したものをそれぞれ比較する．</a:t>
-            </a:r>
-            <a:endParaRPr lang="en-US" altLang="ja-JP" dirty="0" smtClean="0"/>
-          </a:p>
-        </p:txBody>
-      </p:sp>
-      <p:sp>
-        <p:nvSpPr>
-          <p:cNvPr id="4" name="スライド番号プレースホルダー 3"/>
-          <p:cNvSpPr>
-            <a:spLocks noGrp="1"/>
-          </p:cNvSpPr>
-          <p:nvPr>
-            <p:ph type="sldNum" sz="quarter" idx="12"/>
-          </p:nvPr>
-        </p:nvSpPr>
-        <p:spPr/>
-        <p:txBody>
-          <a:bodyPr/>
-          <a:lstStyle/>
-          <a:p>
-            <a:fld id="{B4451160-128F-4DAD-AE29-4A8CC0E7B9E9}" type="slidenum">
-              <a:rPr lang="ja-JP" altLang="en-US" smtClean="0"/>
-              <a:pPr/>
-              <a:t>12</a:t>
-            </a:fld>
-            <a:endParaRPr lang="ja-JP" altLang="en-US" dirty="0"/>
-          </a:p>
-        </p:txBody>
-      </p:sp>
-    </p:spTree>
-    <p:extLst>
-      <p:ext uri="{BB962C8B-B14F-4D97-AF65-F5344CB8AC3E}">
-        <p14:creationId xmlns:p14="http://schemas.microsoft.com/office/powerpoint/2010/main" val="2779179843"/>
-      </p:ext>
-    </p:extLst>
-  </p:cSld>
-  <p:clrMapOvr>
-    <a:masterClrMapping/>
-  </p:clrMapOvr>
-  <p:timing>
-    <p:tnLst>
-      <p:par>
-        <p:cTn id="1" dur="indefinite" restart="never" nodeType="tmRoot"/>
-      </p:par>
-    </p:tnLst>
-  </p:timing>
-</p:sld>
-</file>
-
-<file path=ppt/slides/slide13.xml><?xml version="1.0" encoding="utf-8"?>
-<p:sld xmlns:a="http://schemas.openxmlformats.org/drawingml/2006/main" xmlns:r="http://schemas.openxmlformats.org/officeDocument/2006/relationships" xmlns:p="http://schemas.openxmlformats.org/presentationml/2006/main">
-  <p:cSld>
-    <p:spTree>
-      <p:nvGrpSpPr>
-        <p:cNvPr id="1" name=""/>
-        <p:cNvGrpSpPr/>
-        <p:nvPr/>
-      </p:nvGrpSpPr>
-      <p:grpSpPr>
-        <a:xfrm>
-          <a:off x="0" y="0"/>
-          <a:ext cx="0" cy="0"/>
-          <a:chOff x="0" y="0"/>
-          <a:chExt cx="0" cy="0"/>
-        </a:xfrm>
-      </p:grpSpPr>
-      <p:sp>
-        <p:nvSpPr>
-          <p:cNvPr id="2" name="タイトル 1"/>
-          <p:cNvSpPr>
-            <a:spLocks noGrp="1"/>
-          </p:cNvSpPr>
-          <p:nvPr>
-            <p:ph type="title"/>
-          </p:nvPr>
-        </p:nvSpPr>
-        <p:spPr/>
-        <p:txBody>
-          <a:bodyPr/>
-          <a:lstStyle/>
-          <a:p>
-            <a:r>
-              <a:rPr kumimoji="1" lang="ja-JP" altLang="en-US" dirty="0" smtClean="0"/>
-              <a:t>実験結果（処理速度）</a:t>
-            </a:r>
-            <a:endParaRPr kumimoji="1" lang="ja-JP" altLang="en-US" dirty="0"/>
+              <a:rPr kumimoji="1" lang="ja-JP" altLang="en-US">
+                <a:ea typeface="ＭＳ Ｐゴシック"/>
+              </a:rPr>
+              <a:t>実験結果</a:t>
+            </a:r>
           </a:p>
         </p:txBody>
       </p:sp>
@@ -5574,14 +5781,14 @@
             <p:ph idx="1"/>
             <p:extLst>
               <p:ext uri="{D42A27DB-BD31-4B8C-83A1-F6EECF244321}">
-                <p14:modId xmlns:p14="http://schemas.microsoft.com/office/powerpoint/2010/main" val="2605421130"/>
+                <p14:modId xmlns:p14="http://schemas.microsoft.com/office/powerpoint/2010/main" val="74383391"/>
               </p:ext>
             </p:extLst>
           </p:nvPr>
         </p:nvGraphicFramePr>
         <p:xfrm>
           <a:off x="753826" y="1913361"/>
-          <a:ext cx="7450721" cy="1101694"/>
+          <a:ext cx="7196837" cy="1012719"/>
         </p:xfrm>
         <a:graphic>
           <a:graphicData uri="http://schemas.openxmlformats.org/drawingml/2006/table">
@@ -5590,38 +5797,24 @@
                 <a:tableStyleId>{5C22544A-7EE6-4342-B048-85BDC9FD1C3A}</a:tableStyleId>
               </a:tblPr>
               <a:tblGrid>
-                <a:gridCol w="1804664">
+                <a:gridCol w="2890741">
                   <a:extLst>
                     <a:ext uri="{9D8B030D-6E8A-4147-A177-3AD203B41FA5}">
                       <a16:colId xmlns:a16="http://schemas.microsoft.com/office/drawing/2014/main" val="2976876302"/>
                     </a:ext>
                   </a:extLst>
                 </a:gridCol>
-                <a:gridCol w="1355692">
+                <a:gridCol w="2171571">
                   <a:extLst>
                     <a:ext uri="{9D8B030D-6E8A-4147-A177-3AD203B41FA5}">
                       <a16:colId xmlns:a16="http://schemas.microsoft.com/office/drawing/2014/main" val="1149382075"/>
                     </a:ext>
                   </a:extLst>
                 </a:gridCol>
-                <a:gridCol w="1332565">
+                <a:gridCol w="2134525">
                   <a:extLst>
                     <a:ext uri="{9D8B030D-6E8A-4147-A177-3AD203B41FA5}">
                       <a16:colId xmlns:a16="http://schemas.microsoft.com/office/drawing/2014/main" val="1241327044"/>
-                    </a:ext>
-                  </a:extLst>
-                </a:gridCol>
-                <a:gridCol w="1154730">
-                  <a:extLst>
-                    <a:ext uri="{9D8B030D-6E8A-4147-A177-3AD203B41FA5}">
-                      <a16:colId xmlns:a16="http://schemas.microsoft.com/office/drawing/2014/main" val="1129856777"/>
-                    </a:ext>
-                  </a:extLst>
-                </a:gridCol>
-                <a:gridCol w="1803070">
-                  <a:extLst>
-                    <a:ext uri="{9D8B030D-6E8A-4147-A177-3AD203B41FA5}">
-                      <a16:colId xmlns:a16="http://schemas.microsoft.com/office/drawing/2014/main" val="1575103915"/>
                     </a:ext>
                   </a:extLst>
                 </a:gridCol>
@@ -5670,23 +5863,11 @@
                         </a:spcAft>
                       </a:pPr>
                       <a:r>
-                        <a:rPr lang="en-US" sz="2000" kern="100">
+                        <a:rPr lang="en-US" altLang="ja-JP" sz="2000" kern="100" dirty="0" err="1">
                           <a:effectLst/>
                         </a:rPr>
-                        <a:t>1</a:t>
+                        <a:t>処理時間</a:t>
                       </a:r>
-                      <a:r>
-                        <a:rPr lang="ja-JP" sz="2000" kern="100">
-                          <a:effectLst/>
-                        </a:rPr>
-                        <a:t>回目</a:t>
-                      </a:r>
-                      <a:endParaRPr lang="ja-JP" sz="2000" kern="100">
-                        <a:effectLst/>
-                        <a:latin typeface="Century" panose="02040604050505020304" pitchFamily="18" charset="0"/>
-                        <a:ea typeface="ＭＳ 明朝" panose="02020609040205080304" pitchFamily="17" charset="-128"/>
-                        <a:cs typeface="Times New Roman" panose="02020603050405020304" pitchFamily="18" charset="0"/>
-                      </a:endParaRPr>
                     </a:p>
                   </a:txBody>
                   <a:tcPr marL="68580" marR="68580" marT="0" marB="0"/>
@@ -5702,81 +5883,11 @@
                         </a:spcAft>
                       </a:pPr>
                       <a:r>
-                        <a:rPr lang="en-US" sz="2000" kern="100">
+                        <a:rPr lang="en-US" altLang="ja-JP" sz="2000" kern="100" dirty="0" err="1">
                           <a:effectLst/>
                         </a:rPr>
-                        <a:t>2</a:t>
+                        <a:t>分類制度</a:t>
                       </a:r>
-                      <a:r>
-                        <a:rPr lang="ja-JP" sz="2000" kern="100">
-                          <a:effectLst/>
-                        </a:rPr>
-                        <a:t>回目</a:t>
-                      </a:r>
-                      <a:endParaRPr lang="ja-JP" sz="2000" kern="100">
-                        <a:effectLst/>
-                        <a:latin typeface="Century" panose="02040604050505020304" pitchFamily="18" charset="0"/>
-                        <a:ea typeface="ＭＳ 明朝" panose="02020609040205080304" pitchFamily="17" charset="-128"/>
-                        <a:cs typeface="Times New Roman" panose="02020603050405020304" pitchFamily="18" charset="0"/>
-                      </a:endParaRPr>
-                    </a:p>
-                  </a:txBody>
-                  <a:tcPr marL="68580" marR="68580" marT="0" marB="0"/>
-                </a:tc>
-                <a:tc>
-                  <a:txBody>
-                    <a:bodyPr/>
-                    <a:lstStyle/>
-                    <a:p>
-                      <a:pPr algn="just">
-                        <a:spcAft>
-                          <a:spcPts val="0"/>
-                        </a:spcAft>
-                      </a:pPr>
-                      <a:r>
-                        <a:rPr lang="en-US" sz="2000" kern="100">
-                          <a:effectLst/>
-                        </a:rPr>
-                        <a:t>3</a:t>
-                      </a:r>
-                      <a:r>
-                        <a:rPr lang="ja-JP" sz="2000" kern="100">
-                          <a:effectLst/>
-                        </a:rPr>
-                        <a:t>回目</a:t>
-                      </a:r>
-                      <a:endParaRPr lang="ja-JP" sz="2000" kern="100">
-                        <a:effectLst/>
-                        <a:latin typeface="Century" panose="02040604050505020304" pitchFamily="18" charset="0"/>
-                        <a:ea typeface="ＭＳ 明朝" panose="02020609040205080304" pitchFamily="17" charset="-128"/>
-                        <a:cs typeface="Times New Roman" panose="02020603050405020304" pitchFamily="18" charset="0"/>
-                      </a:endParaRPr>
-                    </a:p>
-                  </a:txBody>
-                  <a:tcPr marL="68580" marR="68580" marT="0" marB="0"/>
-                </a:tc>
-                <a:tc>
-                  <a:txBody>
-                    <a:bodyPr/>
-                    <a:lstStyle/>
-                    <a:p>
-                      <a:pPr algn="just">
-                        <a:spcAft>
-                          <a:spcPts val="0"/>
-                        </a:spcAft>
-                      </a:pPr>
-                      <a:r>
-                        <a:rPr lang="ja-JP" sz="2000" kern="100" dirty="0">
-                          <a:effectLst/>
-                        </a:rPr>
-                        <a:t>全体でかかった時間</a:t>
-                      </a:r>
-                      <a:endParaRPr lang="ja-JP" sz="2000" kern="100" dirty="0">
-                        <a:effectLst/>
-                        <a:latin typeface="Century" panose="02040604050505020304" pitchFamily="18" charset="0"/>
-                        <a:ea typeface="ＭＳ 明朝" panose="02020609040205080304" pitchFamily="17" charset="-128"/>
-                        <a:cs typeface="Times New Roman" panose="02020603050405020304" pitchFamily="18" charset="0"/>
-                      </a:endParaRPr>
                     </a:p>
                   </a:txBody>
                   <a:tcPr marL="68580" marR="68580" marT="0" marB="0"/>
@@ -5799,12 +5910,12 @@
                         </a:spcAft>
                       </a:pPr>
                       <a:r>
-                        <a:rPr lang="en-US" sz="2400" kern="100">
+                        <a:rPr lang="en-US" sz="2400" kern="100" dirty="0">
                           <a:effectLst/>
                         </a:rPr>
                         <a:t>192.168.5.3</a:t>
                       </a:r>
-                      <a:endParaRPr lang="ja-JP" sz="2400" kern="100">
+                      <a:endParaRPr lang="ja-JP" sz="2400" kern="100" dirty="0">
                         <a:effectLst/>
                         <a:latin typeface="Century" panose="02040604050505020304" pitchFamily="18" charset="0"/>
                         <a:ea typeface="ＭＳ 明朝" panose="02020609040205080304" pitchFamily="17" charset="-128"/>
@@ -5820,15 +5931,11 @@
                     <a:lstStyle/>
                     <a:p>
                       <a:r>
-                        <a:rPr lang="en-US" sz="2400" kern="100">
+                        <a:rPr lang="en-US" altLang="ja-JP" sz="2400" kern="100" dirty="0">
                           <a:effectLst/>
                         </a:rPr>
-                        <a:t>709.561</a:t>
+                        <a:t>542.65秒</a:t>
                       </a:r>
-                      <a:endParaRPr lang="ja-JP" sz="2400" kern="100">
-                        <a:effectLst/>
-                        <a:latin typeface="Century" panose="02040604050505020304" pitchFamily="18" charset="0"/>
-                      </a:endParaRPr>
                     </a:p>
                   </a:txBody>
                   <a:tcPr marL="68580" marR="68580" marT="0" marB="0"/>
@@ -5862,87 +5969,11 @@
                         </a:tabLst>
                       </a:pPr>
                       <a:r>
-                        <a:rPr lang="en-US" sz="2400" kern="0" dirty="0">
+                        <a:rPr lang="en-US" altLang="ja-JP" sz="2400" kern="0" dirty="0">
                           <a:effectLst/>
                         </a:rPr>
-                        <a:t>735.569</a:t>
+                        <a:t>76.2%</a:t>
                       </a:r>
-                      <a:endParaRPr lang="ja-JP" sz="2400" kern="100" dirty="0">
-                        <a:effectLst/>
-                        <a:latin typeface="Century" panose="02040604050505020304" pitchFamily="18" charset="0"/>
-                        <a:ea typeface="ＭＳ 明朝" panose="02020609040205080304" pitchFamily="17" charset="-128"/>
-                        <a:cs typeface="Times New Roman" panose="02020603050405020304" pitchFamily="18" charset="0"/>
-                      </a:endParaRPr>
-                    </a:p>
-                  </a:txBody>
-                  <a:tcPr marL="68580" marR="68580" marT="0" marB="0"/>
-                </a:tc>
-                <a:tc>
-                  <a:txBody>
-                    <a:bodyPr/>
-                    <a:lstStyle/>
-                    <a:p>
-                      <a:pPr algn="l">
-                        <a:spcAft>
-                          <a:spcPts val="0"/>
-                        </a:spcAft>
-                        <a:tabLst>
-                          <a:tab pos="581660" algn="l"/>
-                          <a:tab pos="1163320" algn="l"/>
-                          <a:tab pos="1744980" algn="l"/>
-                          <a:tab pos="2326640" algn="l"/>
-                          <a:tab pos="2908300" algn="l"/>
-                          <a:tab pos="3489960" algn="l"/>
-                          <a:tab pos="4071620" algn="l"/>
-                          <a:tab pos="4653280" algn="l"/>
-                          <a:tab pos="5234940" algn="l"/>
-                          <a:tab pos="5816600" algn="l"/>
-                          <a:tab pos="6398260" algn="l"/>
-                          <a:tab pos="6979920" algn="l"/>
-                          <a:tab pos="7561580" algn="l"/>
-                          <a:tab pos="8143240" algn="l"/>
-                          <a:tab pos="8724900" algn="l"/>
-                          <a:tab pos="9306560" algn="l"/>
-                        </a:tabLst>
-                      </a:pPr>
-                      <a:r>
-                        <a:rPr lang="en-US" sz="2400" kern="0">
-                          <a:effectLst/>
-                        </a:rPr>
-                        <a:t>729.939</a:t>
-                      </a:r>
-                      <a:endParaRPr lang="ja-JP" sz="2400" kern="100">
-                        <a:effectLst/>
-                        <a:latin typeface="Century" panose="02040604050505020304" pitchFamily="18" charset="0"/>
-                        <a:ea typeface="ＭＳ 明朝" panose="02020609040205080304" pitchFamily="17" charset="-128"/>
-                        <a:cs typeface="Times New Roman" panose="02020603050405020304" pitchFamily="18" charset="0"/>
-                      </a:endParaRPr>
-                    </a:p>
-                  </a:txBody>
-                  <a:tcPr marL="68580" marR="68580" marT="0" marB="0"/>
-                </a:tc>
-                <a:tc>
-                  <a:txBody>
-                    <a:bodyPr/>
-                    <a:lstStyle/>
-                    <a:p>
-                      <a:pPr algn="just">
-                        <a:spcAft>
-                          <a:spcPts val="0"/>
-                        </a:spcAft>
-                      </a:pPr>
-                      <a:r>
-                        <a:rPr lang="en-US" sz="2400" kern="100" dirty="0">
-                          <a:effectLst/>
-                        </a:rPr>
-                        <a:t>2168.704</a:t>
-                      </a:r>
-                      <a:endParaRPr lang="ja-JP" sz="2400" kern="100" dirty="0">
-                        <a:effectLst/>
-                        <a:latin typeface="Century" panose="02040604050505020304" pitchFamily="18" charset="0"/>
-                        <a:ea typeface="ＭＳ 明朝" panose="02020609040205080304" pitchFamily="17" charset="-128"/>
-                        <a:cs typeface="Times New Roman" panose="02020603050405020304" pitchFamily="18" charset="0"/>
-                      </a:endParaRPr>
                     </a:p>
                   </a:txBody>
                   <a:tcPr marL="68580" marR="68580" marT="0" marB="0"/>
@@ -5975,7 +6006,7 @@
             <a:fld id="{B4451160-128F-4DAD-AE29-4A8CC0E7B9E9}" type="slidenum">
               <a:rPr lang="ja-JP" altLang="en-US" smtClean="0"/>
               <a:pPr/>
-              <a:t>13</a:t>
+              <a:t>14</a:t>
             </a:fld>
             <a:endParaRPr lang="ja-JP" altLang="en-US" dirty="0"/>
           </a:p>
@@ -6004,14 +6035,13 @@
           <a:lstStyle/>
           <a:p>
             <a:r>
-              <a:rPr kumimoji="1" lang="en-US" altLang="ja-JP" dirty="0" smtClean="0"/>
+              <a:rPr kumimoji="1" lang="en-US" altLang="ja-JP" dirty="0"/>
               <a:t>1</a:t>
             </a:r>
             <a:r>
-              <a:rPr kumimoji="1" lang="ja-JP" altLang="en-US" dirty="0" smtClean="0"/>
+              <a:rPr kumimoji="1" lang="ja-JP" altLang="en-US" dirty="0"/>
               <a:t>台のみでの処理</a:t>
             </a:r>
-            <a:endParaRPr kumimoji="1" lang="ja-JP" altLang="en-US" dirty="0"/>
           </a:p>
         </p:txBody>
       </p:sp>
@@ -6038,30 +6068,35 @@
           <a:lstStyle/>
           <a:p>
             <a:r>
-              <a:rPr kumimoji="1" lang="ja-JP" altLang="en-US" dirty="0" smtClean="0"/>
+              <a:rPr kumimoji="1" lang="ja-JP" altLang="en-US" dirty="0"/>
               <a:t>複数台での分散処理</a:t>
             </a:r>
-            <a:endParaRPr kumimoji="1" lang="ja-JP" altLang="en-US" dirty="0"/>
           </a:p>
         </p:txBody>
       </p:sp>
       <p:graphicFrame>
         <p:nvGraphicFramePr>
-          <p:cNvPr id="8" name="表 7"/>
+          <p:cNvPr id="10" name="コンテンツ プレースホルダー 4">
+            <a:extLst>
+              <a:ext uri="{FF2B5EF4-FFF2-40B4-BE49-F238E27FC236}">
+                <a16:creationId xmlns:a16="http://schemas.microsoft.com/office/drawing/2014/main" id="{E71DD260-C491-4C18-B39C-6721F1444BB2}"/>
+              </a:ext>
+            </a:extLst>
+          </p:cNvPr>
           <p:cNvGraphicFramePr>
-            <a:graphicFrameLocks noGrp="1"/>
+            <a:graphicFrameLocks/>
           </p:cNvGraphicFramePr>
           <p:nvPr>
             <p:extLst>
               <p:ext uri="{D42A27DB-BD31-4B8C-83A1-F6EECF244321}">
-                <p14:modId xmlns:p14="http://schemas.microsoft.com/office/powerpoint/2010/main" val="2165863105"/>
+                <p14:modId xmlns:p14="http://schemas.microsoft.com/office/powerpoint/2010/main" val="1754956650"/>
               </p:ext>
             </p:extLst>
           </p:nvPr>
         </p:nvGraphicFramePr>
         <p:xfrm>
-          <a:off x="753820" y="4057324"/>
-          <a:ext cx="7450729" cy="1823466"/>
+          <a:off x="714272" y="4369211"/>
+          <a:ext cx="7196837" cy="1617905"/>
         </p:xfrm>
         <a:graphic>
           <a:graphicData uri="http://schemas.openxmlformats.org/drawingml/2006/table">
@@ -6070,43 +6105,29 @@
                 <a:tableStyleId>{5C22544A-7EE6-4342-B048-85BDC9FD1C3A}</a:tableStyleId>
               </a:tblPr>
               <a:tblGrid>
-                <a:gridCol w="1778814">
+                <a:gridCol w="2890741">
                   <a:extLst>
                     <a:ext uri="{9D8B030D-6E8A-4147-A177-3AD203B41FA5}">
-                      <a16:colId xmlns:a16="http://schemas.microsoft.com/office/drawing/2014/main" val="1582752862"/>
+                      <a16:colId xmlns:a16="http://schemas.microsoft.com/office/drawing/2014/main" val="2976876302"/>
                     </a:ext>
                   </a:extLst>
                 </a:gridCol>
-                <a:gridCol w="1352296">
+                <a:gridCol w="2171571">
                   <a:extLst>
                     <a:ext uri="{9D8B030D-6E8A-4147-A177-3AD203B41FA5}">
-                      <a16:colId xmlns:a16="http://schemas.microsoft.com/office/drawing/2014/main" val="427413075"/>
+                      <a16:colId xmlns:a16="http://schemas.microsoft.com/office/drawing/2014/main" val="1149382075"/>
                     </a:ext>
                   </a:extLst>
                 </a:gridCol>
-                <a:gridCol w="1282750">
+                <a:gridCol w="2134525">
                   <a:extLst>
                     <a:ext uri="{9D8B030D-6E8A-4147-A177-3AD203B41FA5}">
-                      <a16:colId xmlns:a16="http://schemas.microsoft.com/office/drawing/2014/main" val="2399693937"/>
-                    </a:ext>
-                  </a:extLst>
-                </a:gridCol>
-                <a:gridCol w="1233120">
-                  <a:extLst>
-                    <a:ext uri="{9D8B030D-6E8A-4147-A177-3AD203B41FA5}">
-                      <a16:colId xmlns:a16="http://schemas.microsoft.com/office/drawing/2014/main" val="2358766874"/>
-                    </a:ext>
-                  </a:extLst>
-                </a:gridCol>
-                <a:gridCol w="1803749">
-                  <a:extLst>
-                    <a:ext uri="{9D8B030D-6E8A-4147-A177-3AD203B41FA5}">
-                      <a16:colId xmlns:a16="http://schemas.microsoft.com/office/drawing/2014/main" val="1414655726"/>
+                      <a16:colId xmlns:a16="http://schemas.microsoft.com/office/drawing/2014/main" val="1241327044"/>
                     </a:ext>
                   </a:extLst>
                 </a:gridCol>
               </a:tblGrid>
-              <a:tr h="726186">
+              <a:tr h="520625">
                 <a:tc>
                   <a:txBody>
                     <a:bodyPr/>
@@ -6121,7 +6142,7 @@
                         <a:rPr lang="en-US" sz="2000" kern="100" dirty="0">
                           <a:effectLst/>
                         </a:rPr>
-                        <a:t>IP</a:t>
+                        <a:t>IP </a:t>
                       </a:r>
                       <a:r>
                         <a:rPr lang="ja-JP" sz="2000" kern="100" dirty="0">
@@ -6150,23 +6171,11 @@
                         </a:spcAft>
                       </a:pPr>
                       <a:r>
-                        <a:rPr lang="en-US" sz="2000" kern="100">
+                        <a:rPr lang="en-US" altLang="ja-JP" sz="2000" kern="100" dirty="0" err="1">
                           <a:effectLst/>
                         </a:rPr>
-                        <a:t>1</a:t>
+                        <a:t>処理時間</a:t>
                       </a:r>
-                      <a:r>
-                        <a:rPr lang="ja-JP" sz="2000" kern="100">
-                          <a:effectLst/>
-                        </a:rPr>
-                        <a:t>回目</a:t>
-                      </a:r>
-                      <a:endParaRPr lang="ja-JP" sz="2000" kern="100">
-                        <a:effectLst/>
-                        <a:latin typeface="Century" panose="02040604050505020304" pitchFamily="18" charset="0"/>
-                        <a:ea typeface="ＭＳ 明朝" panose="02020609040205080304" pitchFamily="17" charset="-128"/>
-                        <a:cs typeface="Times New Roman" panose="02020603050405020304" pitchFamily="18" charset="0"/>
-                      </a:endParaRPr>
                     </a:p>
                   </a:txBody>
                   <a:tcPr marL="68580" marR="68580" marT="0" marB="0"/>
@@ -6182,479 +6191,22 @@
                         </a:spcAft>
                       </a:pPr>
                       <a:r>
-                        <a:rPr lang="en-US" sz="2000" kern="100">
+                        <a:rPr lang="en-US" altLang="ja-JP" sz="2000" kern="100" dirty="0" err="1">
                           <a:effectLst/>
                         </a:rPr>
-                        <a:t>2</a:t>
+                        <a:t>分類制度</a:t>
                       </a:r>
-                      <a:r>
-                        <a:rPr lang="ja-JP" sz="2000" kern="100">
-                          <a:effectLst/>
-                        </a:rPr>
-                        <a:t>回目</a:t>
-                      </a:r>
-                      <a:endParaRPr lang="ja-JP" sz="2000" kern="100">
-                        <a:effectLst/>
-                        <a:latin typeface="Century" panose="02040604050505020304" pitchFamily="18" charset="0"/>
-                        <a:ea typeface="ＭＳ 明朝" panose="02020609040205080304" pitchFamily="17" charset="-128"/>
-                        <a:cs typeface="Times New Roman" panose="02020603050405020304" pitchFamily="18" charset="0"/>
-                      </a:endParaRPr>
-                    </a:p>
-                  </a:txBody>
-                  <a:tcPr marL="68580" marR="68580" marT="0" marB="0"/>
-                </a:tc>
-                <a:tc>
-                  <a:txBody>
-                    <a:bodyPr/>
-                    <a:lstStyle/>
-                    <a:p>
-                      <a:pPr algn="just">
-                        <a:spcAft>
-                          <a:spcPts val="0"/>
-                        </a:spcAft>
-                      </a:pPr>
-                      <a:r>
-                        <a:rPr lang="en-US" sz="2000" kern="100">
-                          <a:effectLst/>
-                        </a:rPr>
-                        <a:t>3</a:t>
-                      </a:r>
-                      <a:r>
-                        <a:rPr lang="ja-JP" sz="2000" kern="100">
-                          <a:effectLst/>
-                        </a:rPr>
-                        <a:t>回目</a:t>
-                      </a:r>
-                      <a:endParaRPr lang="ja-JP" sz="2000" kern="100">
-                        <a:effectLst/>
-                        <a:latin typeface="Century" panose="02040604050505020304" pitchFamily="18" charset="0"/>
-                        <a:ea typeface="ＭＳ 明朝" panose="02020609040205080304" pitchFamily="17" charset="-128"/>
-                        <a:cs typeface="Times New Roman" panose="02020603050405020304" pitchFamily="18" charset="0"/>
-                      </a:endParaRPr>
-                    </a:p>
-                  </a:txBody>
-                  <a:tcPr marL="68580" marR="68580" marT="0" marB="0"/>
-                </a:tc>
-                <a:tc>
-                  <a:txBody>
-                    <a:bodyPr/>
-                    <a:lstStyle/>
-                    <a:p>
-                      <a:pPr algn="just">
-                        <a:spcAft>
-                          <a:spcPts val="0"/>
-                        </a:spcAft>
-                      </a:pPr>
-                      <a:r>
-                        <a:rPr lang="ja-JP" sz="2000" kern="100" dirty="0" smtClean="0">
-                          <a:effectLst/>
-                        </a:rPr>
-                        <a:t>全体</a:t>
-                      </a:r>
-                      <a:r>
-                        <a:rPr lang="ja-JP" altLang="en-US" sz="2000" kern="100" dirty="0" smtClean="0">
-                          <a:effectLst/>
-                        </a:rPr>
-                        <a:t>で</a:t>
-                      </a:r>
-                      <a:r>
-                        <a:rPr lang="ja-JP" sz="2000" kern="100" dirty="0" smtClean="0">
-                          <a:effectLst/>
-                        </a:rPr>
-                        <a:t>かかった</a:t>
-                      </a:r>
-                      <a:r>
-                        <a:rPr lang="ja-JP" sz="2000" kern="100" dirty="0">
-                          <a:effectLst/>
-                        </a:rPr>
-                        <a:t>時間</a:t>
-                      </a:r>
-                      <a:endParaRPr lang="ja-JP" sz="2000" kern="100" dirty="0">
-                        <a:effectLst/>
-                        <a:latin typeface="Century" panose="02040604050505020304" pitchFamily="18" charset="0"/>
-                        <a:ea typeface="ＭＳ 明朝" panose="02020609040205080304" pitchFamily="17" charset="-128"/>
-                        <a:cs typeface="Times New Roman" panose="02020603050405020304" pitchFamily="18" charset="0"/>
-                      </a:endParaRPr>
                     </a:p>
                   </a:txBody>
                   <a:tcPr marL="68580" marR="68580" marT="0" marB="0"/>
                 </a:tc>
                 <a:extLst>
                   <a:ext uri="{0D108BD9-81ED-4DB2-BD59-A6C34878D82A}">
-                    <a16:rowId xmlns:a16="http://schemas.microsoft.com/office/drawing/2014/main" val="342720259"/>
+                    <a16:rowId xmlns:a16="http://schemas.microsoft.com/office/drawing/2014/main" val="2597927764"/>
                   </a:ext>
                 </a:extLst>
               </a:tr>
-              <a:tr h="309453">
-                <a:tc>
-                  <a:txBody>
-                    <a:bodyPr/>
-                    <a:lstStyle/>
-                    <a:p>
-                      <a:pPr algn="just">
-                        <a:spcAft>
-                          <a:spcPts val="0"/>
-                        </a:spcAft>
-                      </a:pPr>
-                      <a:r>
-                        <a:rPr lang="en-US" sz="2400" kern="100">
-                          <a:effectLst/>
-                        </a:rPr>
-                        <a:t>192.168.5.2</a:t>
-                      </a:r>
-                      <a:endParaRPr lang="ja-JP" sz="2400" kern="100">
-                        <a:effectLst/>
-                        <a:latin typeface="Century" panose="02040604050505020304" pitchFamily="18" charset="0"/>
-                        <a:ea typeface="ＭＳ 明朝" panose="02020609040205080304" pitchFamily="17" charset="-128"/>
-                        <a:cs typeface="Times New Roman" panose="02020603050405020304" pitchFamily="18" charset="0"/>
-                      </a:endParaRPr>
-                    </a:p>
-                  </a:txBody>
-                  <a:tcPr marL="68580" marR="68580" marT="0" marB="0"/>
-                </a:tc>
-                <a:tc>
-                  <a:txBody>
-                    <a:bodyPr/>
-                    <a:lstStyle/>
-                    <a:p>
-                      <a:pPr algn="just">
-                        <a:spcAft>
-                          <a:spcPts val="0"/>
-                        </a:spcAft>
-                      </a:pPr>
-                      <a:r>
-                        <a:rPr lang="en-US" sz="2400" kern="100">
-                          <a:effectLst/>
-                        </a:rPr>
-                        <a:t>637.879</a:t>
-                      </a:r>
-                      <a:endParaRPr lang="ja-JP" sz="2400" kern="100">
-                        <a:effectLst/>
-                        <a:latin typeface="Century" panose="02040604050505020304" pitchFamily="18" charset="0"/>
-                        <a:ea typeface="ＭＳ 明朝" panose="02020609040205080304" pitchFamily="17" charset="-128"/>
-                        <a:cs typeface="Times New Roman" panose="02020603050405020304" pitchFamily="18" charset="0"/>
-                      </a:endParaRPr>
-                    </a:p>
-                  </a:txBody>
-                  <a:tcPr marL="68580" marR="68580" marT="0" marB="0"/>
-                </a:tc>
-                <a:tc>
-                  <a:txBody>
-                    <a:bodyPr/>
-                    <a:lstStyle/>
-                    <a:p>
-                      <a:pPr algn="just">
-                        <a:spcAft>
-                          <a:spcPts val="0"/>
-                        </a:spcAft>
-                      </a:pPr>
-                      <a:r>
-                        <a:rPr lang="en-US" sz="2400" kern="100">
-                          <a:effectLst/>
-                        </a:rPr>
-                        <a:t> </a:t>
-                      </a:r>
-                      <a:endParaRPr lang="ja-JP" sz="2400" kern="100">
-                        <a:effectLst/>
-                        <a:latin typeface="Century" panose="02040604050505020304" pitchFamily="18" charset="0"/>
-                        <a:ea typeface="ＭＳ 明朝" panose="02020609040205080304" pitchFamily="17" charset="-128"/>
-                        <a:cs typeface="Times New Roman" panose="02020603050405020304" pitchFamily="18" charset="0"/>
-                      </a:endParaRPr>
-                    </a:p>
-                  </a:txBody>
-                  <a:tcPr marL="68580" marR="68580" marT="0" marB="0"/>
-                </a:tc>
-                <a:tc>
-                  <a:txBody>
-                    <a:bodyPr/>
-                    <a:lstStyle/>
-                    <a:p>
-                      <a:r>
-                        <a:rPr lang="en-US" sz="2400" kern="100">
-                          <a:effectLst/>
-                        </a:rPr>
-                        <a:t> </a:t>
-                      </a:r>
-                      <a:endParaRPr lang="ja-JP" sz="2400" kern="100">
-                        <a:effectLst/>
-                        <a:latin typeface="Century" panose="02040604050505020304" pitchFamily="18" charset="0"/>
-                      </a:endParaRPr>
-                    </a:p>
-                  </a:txBody>
-                  <a:tcPr marL="68580" marR="68580" marT="0" marB="0"/>
-                </a:tc>
-                <a:tc>
-                  <a:txBody>
-                    <a:bodyPr/>
-                    <a:lstStyle/>
-                    <a:p>
-                      <a:pPr algn="just">
-                        <a:spcAft>
-                          <a:spcPts val="0"/>
-                        </a:spcAft>
-                      </a:pPr>
-                      <a:r>
-                        <a:rPr lang="en-US" sz="2400" kern="100">
-                          <a:effectLst/>
-                        </a:rPr>
-                        <a:t> </a:t>
-                      </a:r>
-                      <a:endParaRPr lang="ja-JP" sz="2400" kern="100">
-                        <a:effectLst/>
-                        <a:latin typeface="Century" panose="02040604050505020304" pitchFamily="18" charset="0"/>
-                        <a:ea typeface="ＭＳ 明朝" panose="02020609040205080304" pitchFamily="17" charset="-128"/>
-                        <a:cs typeface="Times New Roman" panose="02020603050405020304" pitchFamily="18" charset="0"/>
-                      </a:endParaRPr>
-                    </a:p>
-                  </a:txBody>
-                  <a:tcPr marL="68580" marR="68580" marT="0" marB="0"/>
-                </a:tc>
-                <a:extLst>
-                  <a:ext uri="{0D108BD9-81ED-4DB2-BD59-A6C34878D82A}">
-                    <a16:rowId xmlns:a16="http://schemas.microsoft.com/office/drawing/2014/main" val="263242620"/>
-                  </a:ext>
-                </a:extLst>
-              </a:tr>
-              <a:tr h="309453">
-                <a:tc>
-                  <a:txBody>
-                    <a:bodyPr/>
-                    <a:lstStyle/>
-                    <a:p>
-                      <a:pPr algn="just">
-                        <a:spcAft>
-                          <a:spcPts val="0"/>
-                        </a:spcAft>
-                      </a:pPr>
-                      <a:r>
-                        <a:rPr lang="en-US" sz="2400" kern="100">
-                          <a:effectLst/>
-                        </a:rPr>
-                        <a:t>192.168.5.3</a:t>
-                      </a:r>
-                      <a:endParaRPr lang="ja-JP" sz="2400" kern="100">
-                        <a:effectLst/>
-                        <a:latin typeface="Century" panose="02040604050505020304" pitchFamily="18" charset="0"/>
-                        <a:ea typeface="ＭＳ 明朝" panose="02020609040205080304" pitchFamily="17" charset="-128"/>
-                        <a:cs typeface="Times New Roman" panose="02020603050405020304" pitchFamily="18" charset="0"/>
-                      </a:endParaRPr>
-                    </a:p>
-                  </a:txBody>
-                  <a:tcPr marL="68580" marR="68580" marT="0" marB="0"/>
-                </a:tc>
-                <a:tc>
-                  <a:txBody>
-                    <a:bodyPr/>
-                    <a:lstStyle/>
-                    <a:p>
-                      <a:r>
-                        <a:rPr lang="en-US" sz="2400" kern="100">
-                          <a:effectLst/>
-                        </a:rPr>
-                        <a:t> </a:t>
-                      </a:r>
-                      <a:endParaRPr lang="ja-JP" sz="2400" kern="100">
-                        <a:effectLst/>
-                        <a:latin typeface="Century" panose="02040604050505020304" pitchFamily="18" charset="0"/>
-                      </a:endParaRPr>
-                    </a:p>
-                  </a:txBody>
-                  <a:tcPr marL="68580" marR="68580" marT="0" marB="0"/>
-                </a:tc>
-                <a:tc>
-                  <a:txBody>
-                    <a:bodyPr/>
-                    <a:lstStyle/>
-                    <a:p>
-                      <a:pPr algn="just">
-                        <a:spcAft>
-                          <a:spcPts val="0"/>
-                        </a:spcAft>
-                      </a:pPr>
-                      <a:r>
-                        <a:rPr lang="en-US" sz="2400" kern="100">
-                          <a:effectLst/>
-                        </a:rPr>
-                        <a:t>646.434</a:t>
-                      </a:r>
-                      <a:endParaRPr lang="ja-JP" sz="2400" kern="100">
-                        <a:effectLst/>
-                        <a:latin typeface="Century" panose="02040604050505020304" pitchFamily="18" charset="0"/>
-                        <a:ea typeface="ＭＳ 明朝" panose="02020609040205080304" pitchFamily="17" charset="-128"/>
-                        <a:cs typeface="Times New Roman" panose="02020603050405020304" pitchFamily="18" charset="0"/>
-                      </a:endParaRPr>
-                    </a:p>
-                  </a:txBody>
-                  <a:tcPr marL="68580" marR="68580" marT="0" marB="0"/>
-                </a:tc>
-                <a:tc>
-                  <a:txBody>
-                    <a:bodyPr/>
-                    <a:lstStyle/>
-                    <a:p>
-                      <a:pPr algn="just">
-                        <a:spcAft>
-                          <a:spcPts val="0"/>
-                        </a:spcAft>
-                      </a:pPr>
-                      <a:r>
-                        <a:rPr lang="en-US" sz="2400" kern="100">
-                          <a:effectLst/>
-                        </a:rPr>
-                        <a:t> </a:t>
-                      </a:r>
-                      <a:endParaRPr lang="ja-JP" sz="2400" kern="100">
-                        <a:effectLst/>
-                        <a:latin typeface="Century" panose="02040604050505020304" pitchFamily="18" charset="0"/>
-                        <a:ea typeface="ＭＳ 明朝" panose="02020609040205080304" pitchFamily="17" charset="-128"/>
-                        <a:cs typeface="Times New Roman" panose="02020603050405020304" pitchFamily="18" charset="0"/>
-                      </a:endParaRPr>
-                    </a:p>
-                  </a:txBody>
-                  <a:tcPr marL="68580" marR="68580" marT="0" marB="0"/>
-                </a:tc>
-                <a:tc>
-                  <a:txBody>
-                    <a:bodyPr/>
-                    <a:lstStyle/>
-                    <a:p>
-                      <a:pPr algn="just">
-                        <a:spcAft>
-                          <a:spcPts val="0"/>
-                        </a:spcAft>
-                      </a:pPr>
-                      <a:r>
-                        <a:rPr lang="en-US" altLang="ja-JP" sz="2400" kern="100" dirty="0" smtClean="0">
-                          <a:effectLst/>
-                          <a:latin typeface="+mn-lt"/>
-                          <a:ea typeface="ＭＳ 明朝" panose="02020609040205080304" pitchFamily="17" charset="-128"/>
-                          <a:cs typeface="Times New Roman" panose="02020603050405020304" pitchFamily="18" charset="0"/>
-                        </a:rPr>
-                        <a:t>1</a:t>
-                      </a:r>
-                      <a:r>
-                        <a:rPr lang="en-US" altLang="ja-JP" sz="2400" kern="100" dirty="0" smtClean="0">
-                          <a:effectLst/>
-                          <a:latin typeface="+mn-lt"/>
-                          <a:ea typeface="+mn-ea"/>
-                          <a:cs typeface="Times New Roman" panose="02020603050405020304" pitchFamily="18" charset="0"/>
-                        </a:rPr>
-                        <a:t>869.700</a:t>
-                      </a:r>
-                      <a:endParaRPr lang="ja-JP" sz="2400" kern="100" dirty="0">
-                        <a:effectLst/>
-                        <a:latin typeface="+mn-lt"/>
-                        <a:ea typeface="+mn-ea"/>
-                        <a:cs typeface="Times New Roman" panose="02020603050405020304" pitchFamily="18" charset="0"/>
-                      </a:endParaRPr>
-                    </a:p>
-                  </a:txBody>
-                  <a:tcPr marL="68580" marR="68580" marT="0" marB="0"/>
-                </a:tc>
-                <a:extLst>
-                  <a:ext uri="{0D108BD9-81ED-4DB2-BD59-A6C34878D82A}">
-                    <a16:rowId xmlns:a16="http://schemas.microsoft.com/office/drawing/2014/main" val="1855980862"/>
-                  </a:ext>
-                </a:extLst>
-              </a:tr>
-              <a:tr h="309453">
-                <a:tc>
-                  <a:txBody>
-                    <a:bodyPr/>
-                    <a:lstStyle/>
-                    <a:p>
-                      <a:pPr algn="just">
-                        <a:spcAft>
-                          <a:spcPts val="0"/>
-                        </a:spcAft>
-                      </a:pPr>
-                      <a:r>
-                        <a:rPr lang="en-US" sz="2400" kern="100">
-                          <a:effectLst/>
-                        </a:rPr>
-                        <a:t>192.168.5.4</a:t>
-                      </a:r>
-                      <a:endParaRPr lang="ja-JP" sz="2400" kern="100">
-                        <a:effectLst/>
-                        <a:latin typeface="Century" panose="02040604050505020304" pitchFamily="18" charset="0"/>
-                        <a:ea typeface="ＭＳ 明朝" panose="02020609040205080304" pitchFamily="17" charset="-128"/>
-                        <a:cs typeface="Times New Roman" panose="02020603050405020304" pitchFamily="18" charset="0"/>
-                      </a:endParaRPr>
-                    </a:p>
-                  </a:txBody>
-                  <a:tcPr marL="68580" marR="68580" marT="0" marB="0"/>
-                </a:tc>
-                <a:tc>
-                  <a:txBody>
-                    <a:bodyPr/>
-                    <a:lstStyle/>
-                    <a:p>
-                      <a:pPr algn="just">
-                        <a:spcAft>
-                          <a:spcPts val="0"/>
-                        </a:spcAft>
-                      </a:pPr>
-                      <a:r>
-                        <a:rPr lang="en-US" sz="2400" kern="100">
-                          <a:effectLst/>
-                        </a:rPr>
-                        <a:t> </a:t>
-                      </a:r>
-                      <a:endParaRPr lang="ja-JP" sz="2400" kern="100">
-                        <a:effectLst/>
-                        <a:latin typeface="Century" panose="02040604050505020304" pitchFamily="18" charset="0"/>
-                        <a:ea typeface="ＭＳ 明朝" panose="02020609040205080304" pitchFamily="17" charset="-128"/>
-                        <a:cs typeface="Times New Roman" panose="02020603050405020304" pitchFamily="18" charset="0"/>
-                      </a:endParaRPr>
-                    </a:p>
-                  </a:txBody>
-                  <a:tcPr marL="68580" marR="68580" marT="0" marB="0"/>
-                </a:tc>
-                <a:tc>
-                  <a:txBody>
-                    <a:bodyPr/>
-                    <a:lstStyle/>
-                    <a:p>
-                      <a:r>
-                        <a:rPr lang="en-US" sz="2400" kern="100" dirty="0">
-                          <a:effectLst/>
-                        </a:rPr>
-                        <a:t> </a:t>
-                      </a:r>
-                      <a:endParaRPr lang="ja-JP" sz="2400" kern="100" dirty="0">
-                        <a:effectLst/>
-                        <a:latin typeface="Century" panose="02040604050505020304" pitchFamily="18" charset="0"/>
-                      </a:endParaRPr>
-                    </a:p>
-                  </a:txBody>
-                  <a:tcPr marL="68580" marR="68580" marT="0" marB="0"/>
-                </a:tc>
-                <a:tc>
-                  <a:txBody>
-                    <a:bodyPr/>
-                    <a:lstStyle/>
-                    <a:p>
-                      <a:pPr algn="just">
-                        <a:spcAft>
-                          <a:spcPts val="0"/>
-                        </a:spcAft>
-                      </a:pPr>
-                      <a:r>
-                        <a:rPr lang="en-US" sz="2400" kern="100">
-                          <a:effectLst/>
-                        </a:rPr>
-                        <a:t>585.387</a:t>
-                      </a:r>
-                      <a:endParaRPr lang="ja-JP" sz="2400" kern="100">
-                        <a:effectLst/>
-                        <a:latin typeface="Century" panose="02040604050505020304" pitchFamily="18" charset="0"/>
-                        <a:ea typeface="ＭＳ 明朝" panose="02020609040205080304" pitchFamily="17" charset="-128"/>
-                        <a:cs typeface="Times New Roman" panose="02020603050405020304" pitchFamily="18" charset="0"/>
-                      </a:endParaRPr>
-                    </a:p>
-                  </a:txBody>
-                  <a:tcPr marL="68580" marR="68580" marT="0" marB="0"/>
-                </a:tc>
+              <a:tr h="492094">
                 <a:tc>
                   <a:txBody>
                     <a:bodyPr/>
@@ -6669,21 +6221,109 @@
                         <a:rPr lang="en-US" sz="2400" kern="100" dirty="0">
                           <a:effectLst/>
                         </a:rPr>
-                        <a:t> </a:t>
+                        <a:t>192.168.5.2</a:t>
                       </a:r>
-                      <a:endParaRPr lang="ja-JP" sz="2400" kern="100" dirty="0">
+                      <a:endParaRPr lang="ja-JP" altLang="en-US" sz="2400" kern="100" dirty="0">
                         <a:effectLst/>
                         <a:latin typeface="Century" panose="02040604050505020304" pitchFamily="18" charset="0"/>
                         <a:ea typeface="ＭＳ 明朝" panose="02020609040205080304" pitchFamily="17" charset="-128"/>
                         <a:cs typeface="Times New Roman" panose="02020603050405020304" pitchFamily="18" charset="0"/>
                       </a:endParaRPr>
                     </a:p>
+                    <a:p>
+                      <a:pPr lvl="0" algn="just">
+                        <a:spcAft>
+                          <a:spcPts val="0"/>
+                        </a:spcAft>
+                        <a:buNone/>
+                      </a:pPr>
+                      <a:r>
+                        <a:rPr lang="en-US" sz="2400" kern="100" dirty="0">
+                          <a:effectLst/>
+                        </a:rPr>
+                        <a:t>192.168.5.3</a:t>
+                      </a:r>
+                    </a:p>
+                    <a:p>
+                      <a:pPr lvl="0" algn="just">
+                        <a:spcAft>
+                          <a:spcPts val="0"/>
+                        </a:spcAft>
+                        <a:buNone/>
+                      </a:pPr>
+                      <a:r>
+                        <a:rPr lang="en-US" sz="2400" kern="100" dirty="0">
+                          <a:effectLst/>
+                        </a:rPr>
+                        <a:t>192.168.5.4</a:t>
+                      </a:r>
+                      <a:endParaRPr lang="ja-JP" sz="2400" kern="100" dirty="0">
+                        <a:effectLst/>
+                        <a:latin typeface="Century"/>
+                        <a:ea typeface="ＭＳ 明朝"/>
+                        <a:cs typeface="Times New Roman"/>
+                      </a:endParaRPr>
+                    </a:p>
                   </a:txBody>
                   <a:tcPr marL="68580" marR="68580" marT="0" marB="0"/>
                 </a:tc>
+                <a:tc>
+                  <a:txBody>
+                    <a:bodyPr/>
+                    <a:lstStyle/>
+                    <a:p>
+                      <a:pPr algn="ctr"/>
+                      <a:r>
+                        <a:rPr lang="en-US" altLang="ja-JP" sz="2400" kern="100" dirty="0">
+                          <a:effectLst/>
+                        </a:rPr>
+                        <a:t>428.08秒</a:t>
+                      </a:r>
+                    </a:p>
+                  </a:txBody>
+                  <a:tcPr marL="68580" marR="68580" marT="0" marB="0" anchor="ctr"/>
+                </a:tc>
+                <a:tc>
+                  <a:txBody>
+                    <a:bodyPr/>
+                    <a:lstStyle/>
+                    <a:p>
+                      <a:pPr algn="ctr">
+                        <a:spcAft>
+                          <a:spcPts val="0"/>
+                        </a:spcAft>
+                        <a:tabLst>
+                          <a:tab pos="581660" algn="l"/>
+                          <a:tab pos="1163320" algn="l"/>
+                          <a:tab pos="1744980" algn="l"/>
+                          <a:tab pos="2326640" algn="l"/>
+                          <a:tab pos="2908300" algn="l"/>
+                          <a:tab pos="3489960" algn="l"/>
+                          <a:tab pos="4071620" algn="l"/>
+                          <a:tab pos="4653280" algn="l"/>
+                          <a:tab pos="5234940" algn="l"/>
+                          <a:tab pos="5816600" algn="l"/>
+                          <a:tab pos="6398260" algn="l"/>
+                          <a:tab pos="6979920" algn="l"/>
+                          <a:tab pos="7561580" algn="l"/>
+                          <a:tab pos="8143240" algn="l"/>
+                          <a:tab pos="8724900" algn="l"/>
+                          <a:tab pos="9306560" algn="l"/>
+                        </a:tabLst>
+                      </a:pPr>
+                      <a:r>
+                        <a:rPr lang="en-US" altLang="ja-JP" sz="2400" kern="0" dirty="0">
+                          <a:effectLst/>
+                        </a:rPr>
+                        <a:t>78.5%</a:t>
+                      </a:r>
+                    </a:p>
+                  </a:txBody>
+                  <a:tcPr marL="68580" marR="68580" marT="0" marB="0" anchor="ctr"/>
+                </a:tc>
                 <a:extLst>
                   <a:ext uri="{0D108BD9-81ED-4DB2-BD59-A6C34878D82A}">
-                    <a16:rowId xmlns:a16="http://schemas.microsoft.com/office/drawing/2014/main" val="3704501647"/>
+                    <a16:rowId xmlns:a16="http://schemas.microsoft.com/office/drawing/2014/main" val="791028824"/>
                   </a:ext>
                 </a:extLst>
               </a:tr>
@@ -6701,1144 +6341,6 @@
   <p:clrMapOvr>
     <a:masterClrMapping/>
   </p:clrMapOvr>
-  <p:timing>
-    <p:tnLst>
-      <p:par>
-        <p:cTn id="1" dur="indefinite" restart="never" nodeType="tmRoot"/>
-      </p:par>
-    </p:tnLst>
-  </p:timing>
-</p:sld>
-</file>
-
-<file path=ppt/slides/slide14.xml><?xml version="1.0" encoding="utf-8"?>
-<p:sld xmlns:a="http://schemas.openxmlformats.org/drawingml/2006/main" xmlns:r="http://schemas.openxmlformats.org/officeDocument/2006/relationships" xmlns:p="http://schemas.openxmlformats.org/presentationml/2006/main">
-  <p:cSld>
-    <p:spTree>
-      <p:nvGrpSpPr>
-        <p:cNvPr id="1" name=""/>
-        <p:cNvGrpSpPr/>
-        <p:nvPr/>
-      </p:nvGrpSpPr>
-      <p:grpSpPr>
-        <a:xfrm>
-          <a:off x="0" y="0"/>
-          <a:ext cx="0" cy="0"/>
-          <a:chOff x="0" y="0"/>
-          <a:chExt cx="0" cy="0"/>
-        </a:xfrm>
-      </p:grpSpPr>
-      <p:sp>
-        <p:nvSpPr>
-          <p:cNvPr id="2" name="タイトル 1"/>
-          <p:cNvSpPr>
-            <a:spLocks noGrp="1"/>
-          </p:cNvSpPr>
-          <p:nvPr>
-            <p:ph type="title"/>
-          </p:nvPr>
-        </p:nvSpPr>
-        <p:spPr/>
-        <p:txBody>
-          <a:bodyPr/>
-          <a:lstStyle/>
-          <a:p>
-            <a:r>
-              <a:rPr kumimoji="1" lang="ja-JP" altLang="en-US" dirty="0" smtClean="0"/>
-              <a:t>実験結果</a:t>
-            </a:r>
-            <a:r>
-              <a:rPr kumimoji="1" lang="en-US" altLang="ja-JP" dirty="0" smtClean="0"/>
-              <a:t>(</a:t>
-            </a:r>
-            <a:r>
-              <a:rPr kumimoji="1" lang="ja-JP" altLang="en-US" dirty="0" smtClean="0"/>
-              <a:t>分類精度</a:t>
-            </a:r>
-            <a:r>
-              <a:rPr kumimoji="1" lang="en-US" altLang="ja-JP" dirty="0" smtClean="0"/>
-              <a:t>)</a:t>
-            </a:r>
-            <a:endParaRPr kumimoji="1" lang="ja-JP" altLang="en-US" dirty="0"/>
-          </a:p>
-        </p:txBody>
-      </p:sp>
-      <p:sp>
-        <p:nvSpPr>
-          <p:cNvPr id="3" name="コンテンツ プレースホルダー 2"/>
-          <p:cNvSpPr>
-            <a:spLocks noGrp="1"/>
-          </p:cNvSpPr>
-          <p:nvPr>
-            <p:ph idx="1"/>
-          </p:nvPr>
-        </p:nvSpPr>
-        <p:spPr/>
-        <p:txBody>
-          <a:bodyPr/>
-          <a:lstStyle/>
-          <a:p>
-            <a:pPr marL="0" indent="0">
-              <a:buNone/>
-            </a:pPr>
-            <a:r>
-              <a:rPr kumimoji="1" lang="en-US" altLang="ja-JP" dirty="0" smtClean="0"/>
-              <a:t>1</a:t>
-            </a:r>
-            <a:r>
-              <a:rPr kumimoji="1" lang="ja-JP" altLang="en-US" dirty="0" smtClean="0"/>
-              <a:t>台のみでの処理</a:t>
-            </a:r>
-            <a:endParaRPr kumimoji="1" lang="en-US" altLang="ja-JP" dirty="0" smtClean="0"/>
-          </a:p>
-          <a:p>
-            <a:pPr marL="0" indent="0">
-              <a:buNone/>
-            </a:pPr>
-            <a:endParaRPr kumimoji="1" lang="en-US" altLang="ja-JP" dirty="0" smtClean="0"/>
-          </a:p>
-          <a:p>
-            <a:pPr marL="0" indent="0">
-              <a:buNone/>
-            </a:pPr>
-            <a:endParaRPr lang="en-US" altLang="ja-JP" dirty="0"/>
-          </a:p>
-          <a:p>
-            <a:pPr marL="0" indent="0">
-              <a:buNone/>
-            </a:pPr>
-            <a:endParaRPr kumimoji="1" lang="en-US" altLang="ja-JP" dirty="0" smtClean="0"/>
-          </a:p>
-          <a:p>
-            <a:pPr marL="0" indent="0">
-              <a:buNone/>
-            </a:pPr>
-            <a:r>
-              <a:rPr lang="ja-JP" altLang="en-US" dirty="0"/>
-              <a:t>複数台での処理</a:t>
-            </a:r>
-            <a:endParaRPr kumimoji="1" lang="en-US" altLang="ja-JP" dirty="0" smtClean="0"/>
-          </a:p>
-          <a:p>
-            <a:pPr marL="0" indent="0">
-              <a:buNone/>
-            </a:pPr>
-            <a:endParaRPr lang="en-US" altLang="ja-JP" dirty="0"/>
-          </a:p>
-          <a:p>
-            <a:pPr marL="0" indent="0">
-              <a:buNone/>
-            </a:pPr>
-            <a:endParaRPr kumimoji="1" lang="ja-JP" altLang="en-US" dirty="0"/>
-          </a:p>
-        </p:txBody>
-      </p:sp>
-      <p:sp>
-        <p:nvSpPr>
-          <p:cNvPr id="4" name="スライド番号プレースホルダー 3"/>
-          <p:cNvSpPr>
-            <a:spLocks noGrp="1"/>
-          </p:cNvSpPr>
-          <p:nvPr>
-            <p:ph type="sldNum" sz="quarter" idx="12"/>
-          </p:nvPr>
-        </p:nvSpPr>
-        <p:spPr/>
-        <p:txBody>
-          <a:bodyPr/>
-          <a:lstStyle/>
-          <a:p>
-            <a:fld id="{B4451160-128F-4DAD-AE29-4A8CC0E7B9E9}" type="slidenum">
-              <a:rPr lang="ja-JP" altLang="en-US" smtClean="0"/>
-              <a:pPr/>
-              <a:t>14</a:t>
-            </a:fld>
-            <a:endParaRPr lang="ja-JP" altLang="en-US" dirty="0"/>
-          </a:p>
-        </p:txBody>
-      </p:sp>
-      <p:graphicFrame>
-        <p:nvGraphicFramePr>
-          <p:cNvPr id="5" name="表 4"/>
-          <p:cNvGraphicFramePr>
-            <a:graphicFrameLocks noGrp="1"/>
-          </p:cNvGraphicFramePr>
-          <p:nvPr>
-            <p:extLst>
-              <p:ext uri="{D42A27DB-BD31-4B8C-83A1-F6EECF244321}">
-                <p14:modId xmlns:p14="http://schemas.microsoft.com/office/powerpoint/2010/main" val="4156640026"/>
-              </p:ext>
-            </p:extLst>
-          </p:nvPr>
-        </p:nvGraphicFramePr>
-        <p:xfrm>
-          <a:off x="628650" y="2250469"/>
-          <a:ext cx="7886699" cy="1156610"/>
-        </p:xfrm>
-        <a:graphic>
-          <a:graphicData uri="http://schemas.openxmlformats.org/drawingml/2006/table">
-            <a:tbl>
-              <a:tblPr firstRow="1" firstCol="1" bandRow="1">
-                <a:tableStyleId>{5C22544A-7EE6-4342-B048-85BDC9FD1C3A}</a:tableStyleId>
-              </a:tblPr>
-              <a:tblGrid>
-                <a:gridCol w="1747161">
-                  <a:extLst>
-                    <a:ext uri="{9D8B030D-6E8A-4147-A177-3AD203B41FA5}">
-                      <a16:colId xmlns:a16="http://schemas.microsoft.com/office/drawing/2014/main" val="3117540329"/>
-                    </a:ext>
-                  </a:extLst>
-                </a:gridCol>
-                <a:gridCol w="1546279">
-                  <a:extLst>
-                    <a:ext uri="{9D8B030D-6E8A-4147-A177-3AD203B41FA5}">
-                      <a16:colId xmlns:a16="http://schemas.microsoft.com/office/drawing/2014/main" val="3443765545"/>
-                    </a:ext>
-                  </a:extLst>
-                </a:gridCol>
-                <a:gridCol w="1546279">
-                  <a:extLst>
-                    <a:ext uri="{9D8B030D-6E8A-4147-A177-3AD203B41FA5}">
-                      <a16:colId xmlns:a16="http://schemas.microsoft.com/office/drawing/2014/main" val="2968747081"/>
-                    </a:ext>
-                  </a:extLst>
-                </a:gridCol>
-                <a:gridCol w="1546279">
-                  <a:extLst>
-                    <a:ext uri="{9D8B030D-6E8A-4147-A177-3AD203B41FA5}">
-                      <a16:colId xmlns:a16="http://schemas.microsoft.com/office/drawing/2014/main" val="3685272651"/>
-                    </a:ext>
-                  </a:extLst>
-                </a:gridCol>
-                <a:gridCol w="1500701">
-                  <a:extLst>
-                    <a:ext uri="{9D8B030D-6E8A-4147-A177-3AD203B41FA5}">
-                      <a16:colId xmlns:a16="http://schemas.microsoft.com/office/drawing/2014/main" val="4173772709"/>
-                    </a:ext>
-                  </a:extLst>
-                </a:gridCol>
-              </a:tblGrid>
-              <a:tr h="578305">
-                <a:tc>
-                  <a:txBody>
-                    <a:bodyPr/>
-                    <a:lstStyle/>
-                    <a:p>
-                      <a:pPr algn="just">
-                        <a:spcAft>
-                          <a:spcPts val="0"/>
-                        </a:spcAft>
-                      </a:pPr>
-                      <a:r>
-                        <a:rPr lang="en-US" sz="2400" kern="100">
-                          <a:effectLst/>
-                        </a:rPr>
-                        <a:t>IP </a:t>
-                      </a:r>
-                      <a:r>
-                        <a:rPr lang="ja-JP" sz="2400" kern="100">
-                          <a:effectLst/>
-                        </a:rPr>
-                        <a:t>アドレス</a:t>
-                      </a:r>
-                      <a:endParaRPr lang="ja-JP" sz="2400" kern="100">
-                        <a:effectLst/>
-                        <a:latin typeface="Century" panose="02040604050505020304" pitchFamily="18" charset="0"/>
-                        <a:ea typeface="ＭＳ 明朝" panose="02020609040205080304" pitchFamily="17" charset="-128"/>
-                        <a:cs typeface="Times New Roman" panose="02020603050405020304" pitchFamily="18" charset="0"/>
-                      </a:endParaRPr>
-                    </a:p>
-                  </a:txBody>
-                  <a:tcPr marL="68580" marR="68580" marT="0" marB="0"/>
-                </a:tc>
-                <a:tc>
-                  <a:txBody>
-                    <a:bodyPr/>
-                    <a:lstStyle/>
-                    <a:p>
-                      <a:pPr algn="just">
-                        <a:spcAft>
-                          <a:spcPts val="0"/>
-                        </a:spcAft>
-                      </a:pPr>
-                      <a:r>
-                        <a:rPr lang="en-US" sz="2400" kern="100">
-                          <a:effectLst/>
-                        </a:rPr>
-                        <a:t>1</a:t>
-                      </a:r>
-                      <a:r>
-                        <a:rPr lang="ja-JP" sz="2400" kern="100">
-                          <a:effectLst/>
-                        </a:rPr>
-                        <a:t>回目</a:t>
-                      </a:r>
-                      <a:endParaRPr lang="ja-JP" sz="2400" kern="100">
-                        <a:effectLst/>
-                        <a:latin typeface="Century" panose="02040604050505020304" pitchFamily="18" charset="0"/>
-                        <a:ea typeface="ＭＳ 明朝" panose="02020609040205080304" pitchFamily="17" charset="-128"/>
-                        <a:cs typeface="Times New Roman" panose="02020603050405020304" pitchFamily="18" charset="0"/>
-                      </a:endParaRPr>
-                    </a:p>
-                  </a:txBody>
-                  <a:tcPr marL="68580" marR="68580" marT="0" marB="0"/>
-                </a:tc>
-                <a:tc>
-                  <a:txBody>
-                    <a:bodyPr/>
-                    <a:lstStyle/>
-                    <a:p>
-                      <a:pPr algn="just">
-                        <a:spcAft>
-                          <a:spcPts val="0"/>
-                        </a:spcAft>
-                      </a:pPr>
-                      <a:r>
-                        <a:rPr lang="en-US" sz="2400" kern="100">
-                          <a:effectLst/>
-                        </a:rPr>
-                        <a:t>2</a:t>
-                      </a:r>
-                      <a:r>
-                        <a:rPr lang="ja-JP" sz="2400" kern="100">
-                          <a:effectLst/>
-                        </a:rPr>
-                        <a:t>回目</a:t>
-                      </a:r>
-                      <a:endParaRPr lang="ja-JP" sz="2400" kern="100">
-                        <a:effectLst/>
-                        <a:latin typeface="Century" panose="02040604050505020304" pitchFamily="18" charset="0"/>
-                        <a:ea typeface="ＭＳ 明朝" panose="02020609040205080304" pitchFamily="17" charset="-128"/>
-                        <a:cs typeface="Times New Roman" panose="02020603050405020304" pitchFamily="18" charset="0"/>
-                      </a:endParaRPr>
-                    </a:p>
-                  </a:txBody>
-                  <a:tcPr marL="68580" marR="68580" marT="0" marB="0"/>
-                </a:tc>
-                <a:tc>
-                  <a:txBody>
-                    <a:bodyPr/>
-                    <a:lstStyle/>
-                    <a:p>
-                      <a:pPr algn="just">
-                        <a:spcAft>
-                          <a:spcPts val="0"/>
-                        </a:spcAft>
-                      </a:pPr>
-                      <a:r>
-                        <a:rPr lang="en-US" sz="2400" kern="100">
-                          <a:effectLst/>
-                        </a:rPr>
-                        <a:t>3</a:t>
-                      </a:r>
-                      <a:r>
-                        <a:rPr lang="ja-JP" sz="2400" kern="100">
-                          <a:effectLst/>
-                        </a:rPr>
-                        <a:t>回目</a:t>
-                      </a:r>
-                      <a:endParaRPr lang="ja-JP" sz="2400" kern="100">
-                        <a:effectLst/>
-                        <a:latin typeface="Century" panose="02040604050505020304" pitchFamily="18" charset="0"/>
-                        <a:ea typeface="ＭＳ 明朝" panose="02020609040205080304" pitchFamily="17" charset="-128"/>
-                        <a:cs typeface="Times New Roman" panose="02020603050405020304" pitchFamily="18" charset="0"/>
-                      </a:endParaRPr>
-                    </a:p>
-                  </a:txBody>
-                  <a:tcPr marL="68580" marR="68580" marT="0" marB="0"/>
-                </a:tc>
-                <a:tc>
-                  <a:txBody>
-                    <a:bodyPr/>
-                    <a:lstStyle/>
-                    <a:p>
-                      <a:pPr algn="just">
-                        <a:spcAft>
-                          <a:spcPts val="0"/>
-                        </a:spcAft>
-                      </a:pPr>
-                      <a:r>
-                        <a:rPr lang="ja-JP" sz="2400" kern="100">
-                          <a:effectLst/>
-                        </a:rPr>
-                        <a:t>平均</a:t>
-                      </a:r>
-                      <a:endParaRPr lang="ja-JP" sz="2400" kern="100">
-                        <a:effectLst/>
-                        <a:latin typeface="Century" panose="02040604050505020304" pitchFamily="18" charset="0"/>
-                        <a:ea typeface="ＭＳ 明朝" panose="02020609040205080304" pitchFamily="17" charset="-128"/>
-                        <a:cs typeface="Times New Roman" panose="02020603050405020304" pitchFamily="18" charset="0"/>
-                      </a:endParaRPr>
-                    </a:p>
-                  </a:txBody>
-                  <a:tcPr marL="68580" marR="68580" marT="0" marB="0"/>
-                </a:tc>
-                <a:extLst>
-                  <a:ext uri="{0D108BD9-81ED-4DB2-BD59-A6C34878D82A}">
-                    <a16:rowId xmlns:a16="http://schemas.microsoft.com/office/drawing/2014/main" val="562454627"/>
-                  </a:ext>
-                </a:extLst>
-              </a:tr>
-              <a:tr h="578305">
-                <a:tc>
-                  <a:txBody>
-                    <a:bodyPr/>
-                    <a:lstStyle/>
-                    <a:p>
-                      <a:pPr algn="just">
-                        <a:spcAft>
-                          <a:spcPts val="0"/>
-                        </a:spcAft>
-                      </a:pPr>
-                      <a:r>
-                        <a:rPr lang="en-US" sz="2400" kern="100">
-                          <a:effectLst/>
-                        </a:rPr>
-                        <a:t>192.168.5.3</a:t>
-                      </a:r>
-                      <a:endParaRPr lang="ja-JP" sz="2400" kern="100">
-                        <a:effectLst/>
-                        <a:latin typeface="Century" panose="02040604050505020304" pitchFamily="18" charset="0"/>
-                        <a:ea typeface="ＭＳ 明朝" panose="02020609040205080304" pitchFamily="17" charset="-128"/>
-                        <a:cs typeface="Times New Roman" panose="02020603050405020304" pitchFamily="18" charset="0"/>
-                      </a:endParaRPr>
-                    </a:p>
-                  </a:txBody>
-                  <a:tcPr marL="68580" marR="68580" marT="0" marB="0"/>
-                </a:tc>
-                <a:tc>
-                  <a:txBody>
-                    <a:bodyPr/>
-                    <a:lstStyle/>
-                    <a:p>
-                      <a:r>
-                        <a:rPr lang="en-US" sz="2400" kern="100" dirty="0">
-                          <a:effectLst/>
-                        </a:rPr>
-                        <a:t>79.4</a:t>
-                      </a:r>
-                      <a:endParaRPr lang="ja-JP" sz="2400" kern="100" dirty="0">
-                        <a:effectLst/>
-                        <a:latin typeface="Century" panose="02040604050505020304" pitchFamily="18" charset="0"/>
-                      </a:endParaRPr>
-                    </a:p>
-                  </a:txBody>
-                  <a:tcPr marL="68580" marR="68580" marT="0" marB="0"/>
-                </a:tc>
-                <a:tc>
-                  <a:txBody>
-                    <a:bodyPr/>
-                    <a:lstStyle/>
-                    <a:p>
-                      <a:r>
-                        <a:rPr lang="en-US" sz="2400" kern="100">
-                          <a:effectLst/>
-                        </a:rPr>
-                        <a:t>50.0</a:t>
-                      </a:r>
-                      <a:endParaRPr lang="ja-JP" sz="2400" kern="100">
-                        <a:effectLst/>
-                        <a:latin typeface="Century" panose="02040604050505020304" pitchFamily="18" charset="0"/>
-                      </a:endParaRPr>
-                    </a:p>
-                  </a:txBody>
-                  <a:tcPr marL="68580" marR="68580" marT="0" marB="0"/>
-                </a:tc>
-                <a:tc>
-                  <a:txBody>
-                    <a:bodyPr/>
-                    <a:lstStyle/>
-                    <a:p>
-                      <a:pPr algn="just">
-                        <a:spcAft>
-                          <a:spcPts val="0"/>
-                        </a:spcAft>
-                      </a:pPr>
-                      <a:r>
-                        <a:rPr lang="en-US" sz="2400" kern="100">
-                          <a:effectLst/>
-                        </a:rPr>
-                        <a:t>66.7</a:t>
-                      </a:r>
-                      <a:endParaRPr lang="ja-JP" sz="2400" kern="100">
-                        <a:effectLst/>
-                        <a:latin typeface="Century" panose="02040604050505020304" pitchFamily="18" charset="0"/>
-                        <a:ea typeface="ＭＳ 明朝" panose="02020609040205080304" pitchFamily="17" charset="-128"/>
-                        <a:cs typeface="Times New Roman" panose="02020603050405020304" pitchFamily="18" charset="0"/>
-                      </a:endParaRPr>
-                    </a:p>
-                  </a:txBody>
-                  <a:tcPr marL="68580" marR="68580" marT="0" marB="0"/>
-                </a:tc>
-                <a:tc>
-                  <a:txBody>
-                    <a:bodyPr/>
-                    <a:lstStyle/>
-                    <a:p>
-                      <a:pPr algn="just">
-                        <a:spcAft>
-                          <a:spcPts val="0"/>
-                        </a:spcAft>
-                      </a:pPr>
-                      <a:r>
-                        <a:rPr lang="en-US" sz="2400" kern="100" dirty="0">
-                          <a:effectLst/>
-                        </a:rPr>
-                        <a:t>65.4</a:t>
-                      </a:r>
-                      <a:endParaRPr lang="ja-JP" sz="2400" kern="100" dirty="0">
-                        <a:effectLst/>
-                        <a:latin typeface="Century" panose="02040604050505020304" pitchFamily="18" charset="0"/>
-                        <a:ea typeface="ＭＳ 明朝" panose="02020609040205080304" pitchFamily="17" charset="-128"/>
-                        <a:cs typeface="Times New Roman" panose="02020603050405020304" pitchFamily="18" charset="0"/>
-                      </a:endParaRPr>
-                    </a:p>
-                  </a:txBody>
-                  <a:tcPr marL="68580" marR="68580" marT="0" marB="0"/>
-                </a:tc>
-                <a:extLst>
-                  <a:ext uri="{0D108BD9-81ED-4DB2-BD59-A6C34878D82A}">
-                    <a16:rowId xmlns:a16="http://schemas.microsoft.com/office/drawing/2014/main" val="2582699786"/>
-                  </a:ext>
-                </a:extLst>
-              </a:tr>
-            </a:tbl>
-          </a:graphicData>
-        </a:graphic>
-      </p:graphicFrame>
-      <p:graphicFrame>
-        <p:nvGraphicFramePr>
-          <p:cNvPr id="8" name="表 7"/>
-          <p:cNvGraphicFramePr>
-            <a:graphicFrameLocks noGrp="1"/>
-          </p:cNvGraphicFramePr>
-          <p:nvPr>
-            <p:extLst>
-              <p:ext uri="{D42A27DB-BD31-4B8C-83A1-F6EECF244321}">
-                <p14:modId xmlns:p14="http://schemas.microsoft.com/office/powerpoint/2010/main" val="1046561385"/>
-              </p:ext>
-            </p:extLst>
-          </p:nvPr>
-        </p:nvGraphicFramePr>
-        <p:xfrm>
-          <a:off x="628647" y="4370186"/>
-          <a:ext cx="7886701" cy="1941712"/>
-        </p:xfrm>
-        <a:graphic>
-          <a:graphicData uri="http://schemas.openxmlformats.org/drawingml/2006/table">
-            <a:tbl>
-              <a:tblPr firstRow="1" firstCol="1" bandRow="1">
-                <a:tableStyleId>{5C22544A-7EE6-4342-B048-85BDC9FD1C3A}</a:tableStyleId>
-              </a:tblPr>
-              <a:tblGrid>
-                <a:gridCol w="1889085">
-                  <a:extLst>
-                    <a:ext uri="{9D8B030D-6E8A-4147-A177-3AD203B41FA5}">
-                      <a16:colId xmlns:a16="http://schemas.microsoft.com/office/drawing/2014/main" val="983642118"/>
-                    </a:ext>
-                  </a:extLst>
-                </a:gridCol>
-                <a:gridCol w="1265089">
-                  <a:extLst>
-                    <a:ext uri="{9D8B030D-6E8A-4147-A177-3AD203B41FA5}">
-                      <a16:colId xmlns:a16="http://schemas.microsoft.com/office/drawing/2014/main" val="849238902"/>
-                    </a:ext>
-                  </a:extLst>
-                </a:gridCol>
-                <a:gridCol w="1577509">
-                  <a:extLst>
-                    <a:ext uri="{9D8B030D-6E8A-4147-A177-3AD203B41FA5}">
-                      <a16:colId xmlns:a16="http://schemas.microsoft.com/office/drawing/2014/main" val="3939108311"/>
-                    </a:ext>
-                  </a:extLst>
-                </a:gridCol>
-                <a:gridCol w="1577509">
-                  <a:extLst>
-                    <a:ext uri="{9D8B030D-6E8A-4147-A177-3AD203B41FA5}">
-                      <a16:colId xmlns:a16="http://schemas.microsoft.com/office/drawing/2014/main" val="405848246"/>
-                    </a:ext>
-                  </a:extLst>
-                </a:gridCol>
-                <a:gridCol w="1577509">
-                  <a:extLst>
-                    <a:ext uri="{9D8B030D-6E8A-4147-A177-3AD203B41FA5}">
-                      <a16:colId xmlns:a16="http://schemas.microsoft.com/office/drawing/2014/main" val="1807252117"/>
-                    </a:ext>
-                  </a:extLst>
-                </a:gridCol>
-              </a:tblGrid>
-              <a:tr h="485428">
-                <a:tc>
-                  <a:txBody>
-                    <a:bodyPr/>
-                    <a:lstStyle/>
-                    <a:p>
-                      <a:pPr algn="just">
-                        <a:spcAft>
-                          <a:spcPts val="0"/>
-                        </a:spcAft>
-                      </a:pPr>
-                      <a:r>
-                        <a:rPr lang="en-US" sz="2400" kern="100">
-                          <a:effectLst/>
-                        </a:rPr>
-                        <a:t>IP</a:t>
-                      </a:r>
-                      <a:r>
-                        <a:rPr lang="ja-JP" sz="2400" kern="100">
-                          <a:effectLst/>
-                        </a:rPr>
-                        <a:t>アドレス</a:t>
-                      </a:r>
-                      <a:endParaRPr lang="ja-JP" sz="2400" kern="100">
-                        <a:effectLst/>
-                        <a:latin typeface="Century" panose="02040604050505020304" pitchFamily="18" charset="0"/>
-                        <a:ea typeface="ＭＳ 明朝" panose="02020609040205080304" pitchFamily="17" charset="-128"/>
-                        <a:cs typeface="Times New Roman" panose="02020603050405020304" pitchFamily="18" charset="0"/>
-                      </a:endParaRPr>
-                    </a:p>
-                  </a:txBody>
-                  <a:tcPr marL="68580" marR="68580" marT="0" marB="0"/>
-                </a:tc>
-                <a:tc>
-                  <a:txBody>
-                    <a:bodyPr/>
-                    <a:lstStyle/>
-                    <a:p>
-                      <a:pPr algn="just">
-                        <a:spcAft>
-                          <a:spcPts val="0"/>
-                        </a:spcAft>
-                      </a:pPr>
-                      <a:r>
-                        <a:rPr lang="en-US" sz="2400" kern="100">
-                          <a:effectLst/>
-                        </a:rPr>
-                        <a:t>1</a:t>
-                      </a:r>
-                      <a:r>
-                        <a:rPr lang="ja-JP" sz="2400" kern="100">
-                          <a:effectLst/>
-                        </a:rPr>
-                        <a:t>回目</a:t>
-                      </a:r>
-                      <a:endParaRPr lang="ja-JP" sz="2400" kern="100">
-                        <a:effectLst/>
-                        <a:latin typeface="Century" panose="02040604050505020304" pitchFamily="18" charset="0"/>
-                        <a:ea typeface="ＭＳ 明朝" panose="02020609040205080304" pitchFamily="17" charset="-128"/>
-                        <a:cs typeface="Times New Roman" panose="02020603050405020304" pitchFamily="18" charset="0"/>
-                      </a:endParaRPr>
-                    </a:p>
-                  </a:txBody>
-                  <a:tcPr marL="68580" marR="68580" marT="0" marB="0"/>
-                </a:tc>
-                <a:tc>
-                  <a:txBody>
-                    <a:bodyPr/>
-                    <a:lstStyle/>
-                    <a:p>
-                      <a:pPr algn="just">
-                        <a:spcAft>
-                          <a:spcPts val="0"/>
-                        </a:spcAft>
-                      </a:pPr>
-                      <a:r>
-                        <a:rPr lang="en-US" sz="2400" kern="100">
-                          <a:effectLst/>
-                        </a:rPr>
-                        <a:t>2</a:t>
-                      </a:r>
-                      <a:r>
-                        <a:rPr lang="ja-JP" sz="2400" kern="100">
-                          <a:effectLst/>
-                        </a:rPr>
-                        <a:t>回目</a:t>
-                      </a:r>
-                      <a:endParaRPr lang="ja-JP" sz="2400" kern="100">
-                        <a:effectLst/>
-                        <a:latin typeface="Century" panose="02040604050505020304" pitchFamily="18" charset="0"/>
-                        <a:ea typeface="ＭＳ 明朝" panose="02020609040205080304" pitchFamily="17" charset="-128"/>
-                        <a:cs typeface="Times New Roman" panose="02020603050405020304" pitchFamily="18" charset="0"/>
-                      </a:endParaRPr>
-                    </a:p>
-                  </a:txBody>
-                  <a:tcPr marL="68580" marR="68580" marT="0" marB="0"/>
-                </a:tc>
-                <a:tc>
-                  <a:txBody>
-                    <a:bodyPr/>
-                    <a:lstStyle/>
-                    <a:p>
-                      <a:pPr algn="just">
-                        <a:spcAft>
-                          <a:spcPts val="0"/>
-                        </a:spcAft>
-                      </a:pPr>
-                      <a:r>
-                        <a:rPr lang="en-US" sz="2400" kern="100">
-                          <a:effectLst/>
-                        </a:rPr>
-                        <a:t>3</a:t>
-                      </a:r>
-                      <a:r>
-                        <a:rPr lang="ja-JP" sz="2400" kern="100">
-                          <a:effectLst/>
-                        </a:rPr>
-                        <a:t>回目</a:t>
-                      </a:r>
-                      <a:endParaRPr lang="ja-JP" sz="2400" kern="100">
-                        <a:effectLst/>
-                        <a:latin typeface="Century" panose="02040604050505020304" pitchFamily="18" charset="0"/>
-                        <a:ea typeface="ＭＳ 明朝" panose="02020609040205080304" pitchFamily="17" charset="-128"/>
-                        <a:cs typeface="Times New Roman" panose="02020603050405020304" pitchFamily="18" charset="0"/>
-                      </a:endParaRPr>
-                    </a:p>
-                  </a:txBody>
-                  <a:tcPr marL="68580" marR="68580" marT="0" marB="0"/>
-                </a:tc>
-                <a:tc>
-                  <a:txBody>
-                    <a:bodyPr/>
-                    <a:lstStyle/>
-                    <a:p>
-                      <a:pPr algn="just">
-                        <a:spcAft>
-                          <a:spcPts val="0"/>
-                        </a:spcAft>
-                      </a:pPr>
-                      <a:r>
-                        <a:rPr lang="ja-JP" sz="2400" kern="100">
-                          <a:effectLst/>
-                        </a:rPr>
-                        <a:t>平均</a:t>
-                      </a:r>
-                      <a:endParaRPr lang="ja-JP" sz="2400" kern="100">
-                        <a:effectLst/>
-                        <a:latin typeface="Century" panose="02040604050505020304" pitchFamily="18" charset="0"/>
-                        <a:ea typeface="ＭＳ 明朝" panose="02020609040205080304" pitchFamily="17" charset="-128"/>
-                        <a:cs typeface="Times New Roman" panose="02020603050405020304" pitchFamily="18" charset="0"/>
-                      </a:endParaRPr>
-                    </a:p>
-                  </a:txBody>
-                  <a:tcPr marL="68580" marR="68580" marT="0" marB="0"/>
-                </a:tc>
-                <a:extLst>
-                  <a:ext uri="{0D108BD9-81ED-4DB2-BD59-A6C34878D82A}">
-                    <a16:rowId xmlns:a16="http://schemas.microsoft.com/office/drawing/2014/main" val="1815915200"/>
-                  </a:ext>
-                </a:extLst>
-              </a:tr>
-              <a:tr h="485428">
-                <a:tc>
-                  <a:txBody>
-                    <a:bodyPr/>
-                    <a:lstStyle/>
-                    <a:p>
-                      <a:pPr algn="just">
-                        <a:spcAft>
-                          <a:spcPts val="0"/>
-                        </a:spcAft>
-                      </a:pPr>
-                      <a:r>
-                        <a:rPr lang="en-US" sz="2400" kern="100">
-                          <a:effectLst/>
-                        </a:rPr>
-                        <a:t>192.168.5.2</a:t>
-                      </a:r>
-                      <a:endParaRPr lang="ja-JP" sz="2400" kern="100">
-                        <a:effectLst/>
-                        <a:latin typeface="Century" panose="02040604050505020304" pitchFamily="18" charset="0"/>
-                        <a:ea typeface="ＭＳ 明朝" panose="02020609040205080304" pitchFamily="17" charset="-128"/>
-                        <a:cs typeface="Times New Roman" panose="02020603050405020304" pitchFamily="18" charset="0"/>
-                      </a:endParaRPr>
-                    </a:p>
-                  </a:txBody>
-                  <a:tcPr marL="68580" marR="68580" marT="0" marB="0"/>
-                </a:tc>
-                <a:tc>
-                  <a:txBody>
-                    <a:bodyPr/>
-                    <a:lstStyle/>
-                    <a:p>
-                      <a:pPr algn="just">
-                        <a:spcAft>
-                          <a:spcPts val="0"/>
-                        </a:spcAft>
-                      </a:pPr>
-                      <a:r>
-                        <a:rPr lang="en-US" sz="2400" kern="100">
-                          <a:effectLst/>
-                        </a:rPr>
-                        <a:t>41.7</a:t>
-                      </a:r>
-                      <a:endParaRPr lang="ja-JP" sz="2400" kern="100">
-                        <a:effectLst/>
-                        <a:latin typeface="Century" panose="02040604050505020304" pitchFamily="18" charset="0"/>
-                        <a:ea typeface="ＭＳ 明朝" panose="02020609040205080304" pitchFamily="17" charset="-128"/>
-                        <a:cs typeface="Times New Roman" panose="02020603050405020304" pitchFamily="18" charset="0"/>
-                      </a:endParaRPr>
-                    </a:p>
-                  </a:txBody>
-                  <a:tcPr marL="68580" marR="68580" marT="0" marB="0"/>
-                </a:tc>
-                <a:tc>
-                  <a:txBody>
-                    <a:bodyPr/>
-                    <a:lstStyle/>
-                    <a:p>
-                      <a:pPr algn="just">
-                        <a:spcAft>
-                          <a:spcPts val="0"/>
-                        </a:spcAft>
-                      </a:pPr>
-                      <a:r>
-                        <a:rPr lang="en-US" sz="2400" kern="100" dirty="0">
-                          <a:effectLst/>
-                        </a:rPr>
-                        <a:t> </a:t>
-                      </a:r>
-                      <a:endParaRPr lang="ja-JP" sz="2400" kern="100" dirty="0">
-                        <a:effectLst/>
-                        <a:latin typeface="Century" panose="02040604050505020304" pitchFamily="18" charset="0"/>
-                        <a:ea typeface="ＭＳ 明朝" panose="02020609040205080304" pitchFamily="17" charset="-128"/>
-                        <a:cs typeface="Times New Roman" panose="02020603050405020304" pitchFamily="18" charset="0"/>
-                      </a:endParaRPr>
-                    </a:p>
-                  </a:txBody>
-                  <a:tcPr marL="68580" marR="68580" marT="0" marB="0"/>
-                </a:tc>
-                <a:tc>
-                  <a:txBody>
-                    <a:bodyPr/>
-                    <a:lstStyle/>
-                    <a:p>
-                      <a:r>
-                        <a:rPr lang="en-US" sz="2400" kern="100" dirty="0">
-                          <a:effectLst/>
-                        </a:rPr>
-                        <a:t> </a:t>
-                      </a:r>
-                      <a:endParaRPr lang="ja-JP" sz="2400" kern="100" dirty="0">
-                        <a:effectLst/>
-                        <a:latin typeface="Century" panose="02040604050505020304" pitchFamily="18" charset="0"/>
-                      </a:endParaRPr>
-                    </a:p>
-                  </a:txBody>
-                  <a:tcPr marL="68580" marR="68580" marT="0" marB="0"/>
-                </a:tc>
-                <a:tc>
-                  <a:txBody>
-                    <a:bodyPr/>
-                    <a:lstStyle/>
-                    <a:p>
-                      <a:pPr algn="just">
-                        <a:spcAft>
-                          <a:spcPts val="0"/>
-                        </a:spcAft>
-                      </a:pPr>
-                      <a:r>
-                        <a:rPr lang="en-US" sz="2400" kern="100">
-                          <a:effectLst/>
-                        </a:rPr>
-                        <a:t> </a:t>
-                      </a:r>
-                      <a:endParaRPr lang="ja-JP" sz="2400" kern="100">
-                        <a:effectLst/>
-                        <a:latin typeface="Century" panose="02040604050505020304" pitchFamily="18" charset="0"/>
-                        <a:ea typeface="ＭＳ 明朝" panose="02020609040205080304" pitchFamily="17" charset="-128"/>
-                        <a:cs typeface="Times New Roman" panose="02020603050405020304" pitchFamily="18" charset="0"/>
-                      </a:endParaRPr>
-                    </a:p>
-                  </a:txBody>
-                  <a:tcPr marL="68580" marR="68580" marT="0" marB="0"/>
-                </a:tc>
-                <a:extLst>
-                  <a:ext uri="{0D108BD9-81ED-4DB2-BD59-A6C34878D82A}">
-                    <a16:rowId xmlns:a16="http://schemas.microsoft.com/office/drawing/2014/main" val="4048739267"/>
-                  </a:ext>
-                </a:extLst>
-              </a:tr>
-              <a:tr h="485428">
-                <a:tc>
-                  <a:txBody>
-                    <a:bodyPr/>
-                    <a:lstStyle/>
-                    <a:p>
-                      <a:pPr algn="just">
-                        <a:spcAft>
-                          <a:spcPts val="0"/>
-                        </a:spcAft>
-                      </a:pPr>
-                      <a:r>
-                        <a:rPr lang="en-US" sz="2400" kern="100">
-                          <a:effectLst/>
-                        </a:rPr>
-                        <a:t>192.168.5.3</a:t>
-                      </a:r>
-                      <a:endParaRPr lang="ja-JP" sz="2400" kern="100">
-                        <a:effectLst/>
-                        <a:latin typeface="Century" panose="02040604050505020304" pitchFamily="18" charset="0"/>
-                        <a:ea typeface="ＭＳ 明朝" panose="02020609040205080304" pitchFamily="17" charset="-128"/>
-                        <a:cs typeface="Times New Roman" panose="02020603050405020304" pitchFamily="18" charset="0"/>
-                      </a:endParaRPr>
-                    </a:p>
-                  </a:txBody>
-                  <a:tcPr marL="68580" marR="68580" marT="0" marB="0"/>
-                </a:tc>
-                <a:tc>
-                  <a:txBody>
-                    <a:bodyPr/>
-                    <a:lstStyle/>
-                    <a:p>
-                      <a:r>
-                        <a:rPr lang="en-US" sz="2400" kern="100">
-                          <a:effectLst/>
-                        </a:rPr>
-                        <a:t> </a:t>
-                      </a:r>
-                      <a:endParaRPr lang="ja-JP" sz="2400" kern="100">
-                        <a:effectLst/>
-                        <a:latin typeface="Century" panose="02040604050505020304" pitchFamily="18" charset="0"/>
-                      </a:endParaRPr>
-                    </a:p>
-                  </a:txBody>
-                  <a:tcPr marL="68580" marR="68580" marT="0" marB="0"/>
-                </a:tc>
-                <a:tc>
-                  <a:txBody>
-                    <a:bodyPr/>
-                    <a:lstStyle/>
-                    <a:p>
-                      <a:pPr algn="just">
-                        <a:spcAft>
-                          <a:spcPts val="0"/>
-                        </a:spcAft>
-                      </a:pPr>
-                      <a:r>
-                        <a:rPr lang="en-US" sz="2400" kern="100">
-                          <a:effectLst/>
-                        </a:rPr>
-                        <a:t>78.3</a:t>
-                      </a:r>
-                      <a:endParaRPr lang="ja-JP" sz="2400" kern="100">
-                        <a:effectLst/>
-                        <a:latin typeface="Century" panose="02040604050505020304" pitchFamily="18" charset="0"/>
-                        <a:ea typeface="ＭＳ 明朝" panose="02020609040205080304" pitchFamily="17" charset="-128"/>
-                        <a:cs typeface="Times New Roman" panose="02020603050405020304" pitchFamily="18" charset="0"/>
-                      </a:endParaRPr>
-                    </a:p>
-                  </a:txBody>
-                  <a:tcPr marL="68580" marR="68580" marT="0" marB="0"/>
-                </a:tc>
-                <a:tc>
-                  <a:txBody>
-                    <a:bodyPr/>
-                    <a:lstStyle/>
-                    <a:p>
-                      <a:pPr algn="just">
-                        <a:spcAft>
-                          <a:spcPts val="0"/>
-                        </a:spcAft>
-                      </a:pPr>
-                      <a:r>
-                        <a:rPr lang="en-US" sz="2400" kern="100" dirty="0">
-                          <a:effectLst/>
-                        </a:rPr>
-                        <a:t> </a:t>
-                      </a:r>
-                      <a:endParaRPr lang="ja-JP" sz="2400" kern="100" dirty="0">
-                        <a:effectLst/>
-                        <a:latin typeface="Century" panose="02040604050505020304" pitchFamily="18" charset="0"/>
-                        <a:ea typeface="ＭＳ 明朝" panose="02020609040205080304" pitchFamily="17" charset="-128"/>
-                        <a:cs typeface="Times New Roman" panose="02020603050405020304" pitchFamily="18" charset="0"/>
-                      </a:endParaRPr>
-                    </a:p>
-                  </a:txBody>
-                  <a:tcPr marL="68580" marR="68580" marT="0" marB="0"/>
-                </a:tc>
-                <a:tc>
-                  <a:txBody>
-                    <a:bodyPr/>
-                    <a:lstStyle/>
-                    <a:p>
-                      <a:pPr algn="just">
-                        <a:spcAft>
-                          <a:spcPts val="0"/>
-                        </a:spcAft>
-                      </a:pPr>
-                      <a:r>
-                        <a:rPr lang="en-US" sz="2400" kern="100">
-                          <a:effectLst/>
-                        </a:rPr>
-                        <a:t>53.9</a:t>
-                      </a:r>
-                      <a:endParaRPr lang="ja-JP" sz="2400" kern="100">
-                        <a:effectLst/>
-                        <a:latin typeface="Century" panose="02040604050505020304" pitchFamily="18" charset="0"/>
-                        <a:ea typeface="ＭＳ 明朝" panose="02020609040205080304" pitchFamily="17" charset="-128"/>
-                        <a:cs typeface="Times New Roman" panose="02020603050405020304" pitchFamily="18" charset="0"/>
-                      </a:endParaRPr>
-                    </a:p>
-                  </a:txBody>
-                  <a:tcPr marL="68580" marR="68580" marT="0" marB="0"/>
-                </a:tc>
-                <a:extLst>
-                  <a:ext uri="{0D108BD9-81ED-4DB2-BD59-A6C34878D82A}">
-                    <a16:rowId xmlns:a16="http://schemas.microsoft.com/office/drawing/2014/main" val="277842064"/>
-                  </a:ext>
-                </a:extLst>
-              </a:tr>
-              <a:tr h="485428">
-                <a:tc>
-                  <a:txBody>
-                    <a:bodyPr/>
-                    <a:lstStyle/>
-                    <a:p>
-                      <a:pPr algn="just">
-                        <a:spcAft>
-                          <a:spcPts val="0"/>
-                        </a:spcAft>
-                      </a:pPr>
-                      <a:r>
-                        <a:rPr lang="en-US" sz="2400" kern="100">
-                          <a:effectLst/>
-                        </a:rPr>
-                        <a:t>192.168.5.4</a:t>
-                      </a:r>
-                      <a:endParaRPr lang="ja-JP" sz="2400" kern="100">
-                        <a:effectLst/>
-                        <a:latin typeface="Century" panose="02040604050505020304" pitchFamily="18" charset="0"/>
-                        <a:ea typeface="ＭＳ 明朝" panose="02020609040205080304" pitchFamily="17" charset="-128"/>
-                        <a:cs typeface="Times New Roman" panose="02020603050405020304" pitchFamily="18" charset="0"/>
-                      </a:endParaRPr>
-                    </a:p>
-                  </a:txBody>
-                  <a:tcPr marL="68580" marR="68580" marT="0" marB="0"/>
-                </a:tc>
-                <a:tc>
-                  <a:txBody>
-                    <a:bodyPr/>
-                    <a:lstStyle/>
-                    <a:p>
-                      <a:pPr algn="just">
-                        <a:spcAft>
-                          <a:spcPts val="0"/>
-                        </a:spcAft>
-                      </a:pPr>
-                      <a:r>
-                        <a:rPr lang="en-US" sz="2400" kern="100">
-                          <a:effectLst/>
-                        </a:rPr>
-                        <a:t> </a:t>
-                      </a:r>
-                      <a:endParaRPr lang="ja-JP" sz="2400" kern="100">
-                        <a:effectLst/>
-                        <a:latin typeface="Century" panose="02040604050505020304" pitchFamily="18" charset="0"/>
-                        <a:ea typeface="ＭＳ 明朝" panose="02020609040205080304" pitchFamily="17" charset="-128"/>
-                        <a:cs typeface="Times New Roman" panose="02020603050405020304" pitchFamily="18" charset="0"/>
-                      </a:endParaRPr>
-                    </a:p>
-                  </a:txBody>
-                  <a:tcPr marL="68580" marR="68580" marT="0" marB="0"/>
-                </a:tc>
-                <a:tc>
-                  <a:txBody>
-                    <a:bodyPr/>
-                    <a:lstStyle/>
-                    <a:p>
-                      <a:r>
-                        <a:rPr lang="en-US" sz="2400" kern="100" dirty="0">
-                          <a:effectLst/>
-                        </a:rPr>
-                        <a:t> </a:t>
-                      </a:r>
-                      <a:endParaRPr lang="ja-JP" sz="2400" kern="100" dirty="0">
-                        <a:effectLst/>
-                        <a:latin typeface="Century" panose="02040604050505020304" pitchFamily="18" charset="0"/>
-                      </a:endParaRPr>
-                    </a:p>
-                  </a:txBody>
-                  <a:tcPr marL="68580" marR="68580" marT="0" marB="0"/>
-                </a:tc>
-                <a:tc>
-                  <a:txBody>
-                    <a:bodyPr/>
-                    <a:lstStyle/>
-                    <a:p>
-                      <a:pPr algn="just">
-                        <a:spcAft>
-                          <a:spcPts val="0"/>
-                        </a:spcAft>
-                      </a:pPr>
-                      <a:r>
-                        <a:rPr lang="en-US" sz="2400" kern="100" dirty="0">
-                          <a:effectLst/>
-                        </a:rPr>
-                        <a:t>41.7</a:t>
-                      </a:r>
-                      <a:endParaRPr lang="ja-JP" sz="2400" kern="100" dirty="0">
-                        <a:effectLst/>
-                        <a:latin typeface="Century" panose="02040604050505020304" pitchFamily="18" charset="0"/>
-                        <a:ea typeface="ＭＳ 明朝" panose="02020609040205080304" pitchFamily="17" charset="-128"/>
-                        <a:cs typeface="Times New Roman" panose="02020603050405020304" pitchFamily="18" charset="0"/>
-                      </a:endParaRPr>
-                    </a:p>
-                  </a:txBody>
-                  <a:tcPr marL="68580" marR="68580" marT="0" marB="0"/>
-                </a:tc>
-                <a:tc>
-                  <a:txBody>
-                    <a:bodyPr/>
-                    <a:lstStyle/>
-                    <a:p>
-                      <a:pPr algn="just">
-                        <a:spcAft>
-                          <a:spcPts val="0"/>
-                        </a:spcAft>
-                      </a:pPr>
-                      <a:r>
-                        <a:rPr lang="en-US" sz="2400" kern="100" dirty="0">
-                          <a:effectLst/>
-                        </a:rPr>
-                        <a:t> </a:t>
-                      </a:r>
-                      <a:endParaRPr lang="ja-JP" sz="2400" kern="100" dirty="0">
-                        <a:effectLst/>
-                        <a:latin typeface="Century" panose="02040604050505020304" pitchFamily="18" charset="0"/>
-                        <a:ea typeface="ＭＳ 明朝" panose="02020609040205080304" pitchFamily="17" charset="-128"/>
-                        <a:cs typeface="Times New Roman" panose="02020603050405020304" pitchFamily="18" charset="0"/>
-                      </a:endParaRPr>
-                    </a:p>
-                  </a:txBody>
-                  <a:tcPr marL="68580" marR="68580" marT="0" marB="0"/>
-                </a:tc>
-                <a:extLst>
-                  <a:ext uri="{0D108BD9-81ED-4DB2-BD59-A6C34878D82A}">
-                    <a16:rowId xmlns:a16="http://schemas.microsoft.com/office/drawing/2014/main" val="4140410429"/>
-                  </a:ext>
-                </a:extLst>
-              </a:tr>
-            </a:tbl>
-          </a:graphicData>
-        </a:graphic>
-      </p:graphicFrame>
-    </p:spTree>
-    <p:extLst>
-      <p:ext uri="{BB962C8B-B14F-4D97-AF65-F5344CB8AC3E}">
-        <p14:creationId xmlns:p14="http://schemas.microsoft.com/office/powerpoint/2010/main" val="3157650557"/>
-      </p:ext>
-    </p:extLst>
-  </p:cSld>
-  <p:clrMapOvr>
-    <a:masterClrMapping/>
-  </p:clrMapOvr>
-  <p:timing>
-    <p:tnLst>
-      <p:par>
-        <p:cTn id="1" dur="indefinite" restart="never" nodeType="tmRoot"/>
-      </p:par>
-    </p:tnLst>
-  </p:timing>
 </p:sld>
 </file>
 
@@ -7875,10 +6377,16 @@
           <a:lstStyle/>
           <a:p>
             <a:r>
-              <a:rPr lang="ja-JP" altLang="en-US" dirty="0"/>
-              <a:t>実験結果</a:t>
-            </a:r>
-            <a:endParaRPr kumimoji="1" lang="ja-JP" altLang="en-US" dirty="0"/>
+              <a:rPr lang="ja-JP" altLang="en-US">
+                <a:ea typeface="ＭＳ Ｐゴシック"/>
+                <a:cs typeface="Calibri Light"/>
+              </a:rPr>
+              <a:t>まとめと考察</a:t>
+            </a:r>
+            <a:endParaRPr lang="ja-JP" altLang="en-US" dirty="0">
+              <a:ea typeface="ＭＳ Ｐゴシック"/>
+              <a:cs typeface="Calibri Light"/>
+            </a:endParaRPr>
           </a:p>
         </p:txBody>
       </p:sp>
@@ -7894,53 +6402,37 @@
         </p:nvSpPr>
         <p:spPr/>
         <p:txBody>
-          <a:bodyPr/>
+          <a:bodyPr vert="horz" lIns="91440" tIns="45720" rIns="91440" bIns="45720" rtlCol="0" anchor="t">
+            <a:normAutofit/>
+          </a:bodyPr>
           <a:lstStyle/>
           <a:p>
             <a:pPr marL="0" indent="0" algn="just">
               <a:buNone/>
             </a:pPr>
             <a:r>
-              <a:rPr lang="ja-JP" altLang="en-US" dirty="0"/>
-              <a:t>実験では</a:t>
-            </a:r>
-            <a:r>
-              <a:rPr lang="ja-JP" altLang="ja-JP" dirty="0" smtClean="0"/>
-              <a:t>本システム</a:t>
-            </a:r>
-            <a:r>
-              <a:rPr lang="ja-JP" altLang="ja-JP" dirty="0"/>
-              <a:t>を導入することで楽曲ジャンル推定モデルの作成及びジャンル推定処理を行うことでかかる全体の処理時間は大幅に減少したことが確認できた</a:t>
-            </a:r>
-            <a:r>
-              <a:rPr lang="ja-JP" altLang="ja-JP" dirty="0" smtClean="0"/>
-              <a:t>．</a:t>
-            </a:r>
-            <a:endParaRPr lang="en-US" altLang="ja-JP" dirty="0" smtClean="0"/>
+              <a:rPr lang="ja-JP" altLang="en-US">
+                <a:ea typeface="ＭＳ Ｐゴシック"/>
+              </a:rPr>
+              <a:t>実験では，</a:t>
+            </a:r>
+            <a:r>
+              <a:rPr lang="ja-JP" altLang="ja-JP">
+                <a:ea typeface="ＭＳ Ｐゴシック"/>
+              </a:rPr>
+              <a:t>本システムを導入することでジャンル推定処理を行うことでかかる全体の処理時間は大幅に減少したことが確認できた．</a:t>
+            </a:r>
+            <a:endParaRPr lang="en-US" altLang="ja-JP">
+              <a:ea typeface="ＭＳ Ｐゴシック"/>
+            </a:endParaRPr>
           </a:p>
           <a:p>
             <a:pPr marL="0" indent="0" algn="just">
               <a:buNone/>
             </a:pPr>
             <a:r>
-              <a:rPr lang="ja-JP" altLang="ja-JP" dirty="0" smtClean="0"/>
-              <a:t>しかし</a:t>
-            </a:r>
-            <a:r>
               <a:rPr lang="ja-JP" altLang="ja-JP" dirty="0"/>
-              <a:t>，ジャンル分類精度に関して</a:t>
-            </a:r>
-            <a:r>
-              <a:rPr lang="ja-JP" altLang="ja-JP" dirty="0" smtClean="0"/>
-              <a:t>は向上</a:t>
-            </a:r>
-            <a:r>
-              <a:rPr lang="ja-JP" altLang="ja-JP" dirty="0"/>
-              <a:t>したというような結果は得ることができなかった</a:t>
-            </a:r>
-            <a:r>
-              <a:rPr lang="ja-JP" altLang="ja-JP" dirty="0" smtClean="0"/>
-              <a:t>．</a:t>
+              <a:t>しかし，ジャンル分類精度に関しては向上したというような結果は得ることができなかった．</a:t>
             </a:r>
             <a:endParaRPr kumimoji="1" lang="ja-JP" altLang="en-US" dirty="0"/>
           </a:p>
@@ -7980,13 +6472,6 @@
   <p:clrMapOvr>
     <a:masterClrMapping/>
   </p:clrMapOvr>
-  <p:timing>
-    <p:tnLst>
-      <p:par>
-        <p:cTn id="1" dur="indefinite" restart="never" nodeType="tmRoot"/>
-      </p:par>
-    </p:tnLst>
-  </p:timing>
 </p:sld>
 </file>
 
@@ -8023,18 +6508,9 @@
           <a:lstStyle/>
           <a:p>
             <a:r>
-              <a:rPr lang="ja-JP" altLang="en-US" dirty="0"/>
-              <a:t>実験</a:t>
-            </a:r>
-            <a:r>
-              <a:rPr lang="ja-JP" altLang="en-US" dirty="0" smtClean="0"/>
-              <a:t>の</a:t>
-            </a:r>
-            <a:r>
-              <a:rPr lang="ja-JP" altLang="en-US" dirty="0" smtClean="0"/>
-              <a:t>考察（要再実験）</a:t>
-            </a:r>
-            <a:endParaRPr kumimoji="1" lang="ja-JP" altLang="en-US" dirty="0"/>
+              <a:rPr kumimoji="1" lang="ja-JP" altLang="en-US" dirty="0"/>
+              <a:t>今後の展望</a:t>
+            </a:r>
           </a:p>
         </p:txBody>
       </p:sp>
@@ -8050,153 +6526,49 @@
         </p:nvSpPr>
         <p:spPr/>
         <p:txBody>
-          <a:bodyPr/>
+          <a:bodyPr vert="horz" lIns="91440" tIns="45720" rIns="91440" bIns="45720" rtlCol="0" anchor="t">
+            <a:normAutofit/>
+          </a:bodyPr>
           <a:lstStyle/>
           <a:p>
             <a:pPr marL="0" indent="0" algn="just">
+              <a:lnSpc>
+                <a:spcPct val="100000"/>
+              </a:lnSpc>
               <a:buNone/>
             </a:pPr>
             <a:r>
-              <a:rPr lang="en-US" altLang="ja-JP" dirty="0"/>
-              <a:t>IP</a:t>
-            </a:r>
-            <a:r>
-              <a:rPr lang="ja-JP" altLang="ja-JP" dirty="0"/>
-              <a:t>アドレス</a:t>
-            </a:r>
-            <a:r>
-              <a:rPr lang="ja-JP" altLang="ja-JP" dirty="0" smtClean="0"/>
-              <a:t>が</a:t>
-            </a:r>
-            <a:r>
-              <a:rPr lang="en-US" altLang="ja-JP" dirty="0"/>
-              <a:t>3</a:t>
-            </a:r>
-            <a:r>
-              <a:rPr lang="ja-JP" altLang="en-US" dirty="0"/>
-              <a:t>号機</a:t>
-            </a:r>
-            <a:r>
-              <a:rPr lang="ja-JP" altLang="ja-JP" dirty="0" smtClean="0"/>
-              <a:t>の</a:t>
-            </a:r>
-            <a:r>
-              <a:rPr lang="ja-JP" altLang="ja-JP" dirty="0"/>
-              <a:t>ものだけ分類精度が比較的高いと思われる</a:t>
-            </a:r>
-            <a:r>
-              <a:rPr lang="ja-JP" altLang="ja-JP" dirty="0" smtClean="0"/>
-              <a:t>．</a:t>
-            </a:r>
-            <a:endParaRPr lang="en-US" altLang="ja-JP" dirty="0" smtClean="0"/>
+              <a:rPr lang="ja-JP" altLang="ja-JP">
+                <a:ea typeface="ＭＳ Ｐゴシック"/>
+              </a:rPr>
+              <a:t>本システムでジャンル推定のできた，楽曲コンテンツと動画コンテンツをジャンルマッチングすることで，付加価値の高い動画コ</a:t>
+            </a:r>
+            <a:r>
+              <a:rPr lang="ja-JP" altLang="en-US">
+                <a:ea typeface="ＭＳ Ｐゴシック"/>
+              </a:rPr>
+              <a:t>ンテンツを提供するシステムの実現が期待される．</a:t>
+            </a:r>
+            <a:endParaRPr lang="en-US" altLang="ja-JP">
+              <a:ea typeface="ＭＳ Ｐゴシック"/>
+            </a:endParaRPr>
+          </a:p>
+          <a:p>
+            <a:pPr algn="just">
+              <a:lnSpc>
+                <a:spcPct val="100000"/>
+              </a:lnSpc>
+            </a:pPr>
+            <a:endParaRPr lang="en-US" altLang="ja-JP" dirty="0"/>
           </a:p>
           <a:p>
             <a:pPr marL="0" indent="0" algn="just">
+              <a:lnSpc>
+                <a:spcPct val="100000"/>
+              </a:lnSpc>
               <a:buNone/>
             </a:pPr>
-            <a:r>
-              <a:rPr lang="ja-JP" altLang="ja-JP" dirty="0" smtClean="0"/>
-              <a:t>その</a:t>
-            </a:r>
-            <a:r>
-              <a:rPr lang="ja-JP" altLang="ja-JP" dirty="0"/>
-              <a:t>ため</a:t>
-            </a:r>
-            <a:r>
-              <a:rPr lang="en-US" altLang="ja-JP" dirty="0"/>
-              <a:t>1</a:t>
-            </a:r>
-            <a:r>
-              <a:rPr lang="ja-JP" altLang="ja-JP" dirty="0"/>
-              <a:t>機のみでの処理を行った場合に使用</a:t>
-            </a:r>
-            <a:r>
-              <a:rPr lang="ja-JP" altLang="ja-JP" dirty="0" smtClean="0"/>
-              <a:t>した</a:t>
-            </a:r>
-            <a:r>
-              <a:rPr lang="en-US" altLang="ja-JP" dirty="0"/>
-              <a:t>3</a:t>
-            </a:r>
-            <a:r>
-              <a:rPr lang="ja-JP" altLang="en-US" dirty="0"/>
-              <a:t>号機</a:t>
-            </a:r>
-            <a:r>
-              <a:rPr lang="ja-JP" altLang="ja-JP" dirty="0" smtClean="0"/>
-              <a:t>も</a:t>
-            </a:r>
-            <a:r>
-              <a:rPr lang="en-US" altLang="ja-JP" dirty="0"/>
-              <a:t>2</a:t>
-            </a:r>
-            <a:r>
-              <a:rPr lang="ja-JP" altLang="en-US" dirty="0"/>
-              <a:t>号機</a:t>
-            </a:r>
-            <a:r>
-              <a:rPr lang="ja-JP" altLang="ja-JP" dirty="0" smtClean="0"/>
-              <a:t>や</a:t>
-            </a:r>
-            <a:r>
-              <a:rPr lang="en-US" altLang="ja-JP" dirty="0"/>
-              <a:t>4</a:t>
-            </a:r>
-            <a:r>
-              <a:rPr lang="ja-JP" altLang="en-US" dirty="0"/>
-              <a:t>号機</a:t>
-            </a:r>
-            <a:r>
-              <a:rPr lang="ja-JP" altLang="ja-JP" dirty="0" smtClean="0"/>
-              <a:t>より</a:t>
-            </a:r>
-            <a:r>
-              <a:rPr lang="ja-JP" altLang="ja-JP" dirty="0"/>
-              <a:t>も比較的，分類精度が良いと思われる</a:t>
-            </a:r>
-            <a:r>
-              <a:rPr lang="ja-JP" altLang="ja-JP" dirty="0" smtClean="0"/>
-              <a:t>．</a:t>
-            </a:r>
-            <a:endParaRPr lang="en-US" altLang="ja-JP" dirty="0" smtClean="0"/>
-          </a:p>
-          <a:p>
-            <a:pPr marL="0" indent="0" algn="just">
-              <a:buNone/>
-            </a:pPr>
-            <a:r>
-              <a:rPr lang="ja-JP" altLang="ja-JP" dirty="0" smtClean="0"/>
-              <a:t>この</a:t>
-            </a:r>
-            <a:r>
-              <a:rPr lang="ja-JP" altLang="ja-JP" dirty="0"/>
-              <a:t>分類精度の違いは個体差である可能性も考えられるため，</a:t>
-            </a:r>
-            <a:r>
-              <a:rPr lang="en-US" altLang="ja-JP" dirty="0"/>
-              <a:t>1</a:t>
-            </a:r>
-            <a:r>
-              <a:rPr lang="ja-JP" altLang="ja-JP" dirty="0"/>
-              <a:t>機のみでの処理は</a:t>
-            </a:r>
-            <a:r>
-              <a:rPr lang="en-US" altLang="ja-JP" dirty="0"/>
-              <a:t>3</a:t>
-            </a:r>
-            <a:r>
-              <a:rPr lang="ja-JP" altLang="ja-JP" dirty="0"/>
-              <a:t>台それぞれで</a:t>
-            </a:r>
-            <a:r>
-              <a:rPr lang="en-US" altLang="ja-JP" dirty="0"/>
-              <a:t>3</a:t>
-            </a:r>
-            <a:r>
-              <a:rPr lang="ja-JP" altLang="ja-JP" dirty="0"/>
-              <a:t>回行ったデータを取るべきであった．</a:t>
-            </a:r>
-            <a:endParaRPr kumimoji="1" lang="ja-JP" altLang="en-US" dirty="0"/>
+            <a:endParaRPr lang="en-US" altLang="ja-JP" dirty="0"/>
           </a:p>
         </p:txBody>
       </p:sp>
@@ -8227,20 +6599,13 @@
     </p:spTree>
     <p:extLst>
       <p:ext uri="{BB962C8B-B14F-4D97-AF65-F5344CB8AC3E}">
-        <p14:creationId xmlns:p14="http://schemas.microsoft.com/office/powerpoint/2010/main" val="499033867"/>
+        <p14:creationId xmlns:p14="http://schemas.microsoft.com/office/powerpoint/2010/main" val="1800454056"/>
       </p:ext>
     </p:extLst>
   </p:cSld>
   <p:clrMapOvr>
     <a:masterClrMapping/>
   </p:clrMapOvr>
-  <p:timing>
-    <p:tnLst>
-      <p:par>
-        <p:cTn id="1" dur="indefinite" restart="never" nodeType="tmRoot"/>
-      </p:par>
-    </p:tnLst>
-  </p:timing>
 </p:sld>
 </file>
 
@@ -8277,8 +6642,12 @@
           <a:lstStyle/>
           <a:p>
             <a:r>
-              <a:rPr kumimoji="1" lang="ja-JP" altLang="en-US" dirty="0" smtClean="0"/>
-              <a:t>今後の展望</a:t>
+              <a:rPr kumimoji="1" lang="ja-JP" altLang="en-US" dirty="0"/>
+              <a:t>参考文献</a:t>
+            </a:r>
+            <a:r>
+              <a:rPr kumimoji="1" lang="en-US" altLang="ja-JP" dirty="0"/>
+              <a:t>	</a:t>
             </a:r>
             <a:endParaRPr kumimoji="1" lang="ja-JP" altLang="en-US" dirty="0"/>
           </a:p>
@@ -8296,69 +6665,578 @@
         </p:nvSpPr>
         <p:spPr/>
         <p:txBody>
-          <a:bodyPr/>
-          <a:lstStyle/>
+          <a:bodyPr>
+            <a:normAutofit fontScale="55000" lnSpcReduction="20000"/>
+          </a:bodyPr>
+          <a:lstStyle/>
+          <a:p>
+            <a:pPr marL="514350" lvl="0" indent="-514350" algn="just">
+              <a:buFont typeface="+mj-lt"/>
+              <a:buAutoNum type="arabicPeriod"/>
+            </a:pPr>
+            <a:r>
+              <a:rPr lang="ja-JP" altLang="ja-JP" sz="2900" dirty="0">
+                <a:latin typeface="+mn-ea"/>
+              </a:rPr>
+              <a:t>大野直樹，中村聡史，山本岳洋，後藤真孝，音楽動画への印象評価データセット構築とその特性の調査，情報処理学会 研究報告音楽情報科学， </a:t>
+            </a:r>
+            <a:r>
+              <a:rPr lang="en-US" altLang="ja-JP" sz="2900" dirty="0">
+                <a:latin typeface="+mn-ea"/>
+              </a:rPr>
+              <a:t>2015</a:t>
+            </a:r>
+            <a:r>
+              <a:rPr lang="ja-JP" altLang="ja-JP" sz="2900" dirty="0">
+                <a:latin typeface="+mn-ea"/>
+              </a:rPr>
+              <a:t>年</a:t>
+            </a:r>
+            <a:r>
+              <a:rPr lang="en-US" altLang="ja-JP" sz="2900" dirty="0">
+                <a:latin typeface="+mn-ea"/>
+              </a:rPr>
+              <a:t>9</a:t>
+            </a:r>
+            <a:r>
+              <a:rPr lang="ja-JP" altLang="ja-JP" sz="2900" dirty="0">
+                <a:latin typeface="+mn-ea"/>
+              </a:rPr>
+              <a:t>月</a:t>
+            </a:r>
+            <a:r>
+              <a:rPr lang="en-US" altLang="ja-JP" sz="2900" dirty="0">
+                <a:latin typeface="+mn-ea"/>
+              </a:rPr>
+              <a:t>1</a:t>
+            </a:r>
+            <a:r>
+              <a:rPr lang="ja-JP" altLang="ja-JP" sz="2900" dirty="0">
+                <a:latin typeface="+mn-ea"/>
+              </a:rPr>
+              <a:t>日，</a:t>
+            </a:r>
+            <a:r>
+              <a:rPr lang="en-US" altLang="ja-JP" sz="2900" dirty="0">
+                <a:latin typeface="+mn-ea"/>
+              </a:rPr>
+              <a:t>pp1-9</a:t>
+            </a:r>
+            <a:endParaRPr lang="ja-JP" altLang="ja-JP" sz="2900" dirty="0">
+              <a:latin typeface="+mn-ea"/>
+            </a:endParaRPr>
+          </a:p>
+          <a:p>
+            <a:pPr marL="514350" lvl="0" indent="-514350" algn="just">
+              <a:buFont typeface="+mj-lt"/>
+              <a:buAutoNum type="arabicPeriod"/>
+            </a:pPr>
+            <a:r>
+              <a:rPr lang="ja-JP" altLang="ja-JP" sz="2900" dirty="0">
+                <a:latin typeface="+mn-ea"/>
+              </a:rPr>
+              <a:t>吉井和佳，</a:t>
+            </a:r>
+            <a:r>
+              <a:rPr lang="en-US" altLang="ja-JP" sz="2900" dirty="0">
+                <a:latin typeface="+mn-ea"/>
+              </a:rPr>
+              <a:t>Advancing Information Sciences through Research on Music</a:t>
+            </a:r>
+            <a:r>
+              <a:rPr lang="ja-JP" altLang="ja-JP" sz="2900" dirty="0">
+                <a:latin typeface="+mn-ea"/>
+              </a:rPr>
+              <a:t>：</a:t>
+            </a:r>
+            <a:r>
+              <a:rPr lang="en-US" altLang="ja-JP" sz="2900" dirty="0">
+                <a:latin typeface="+mn-ea"/>
+              </a:rPr>
+              <a:t>5. Music and Machine Learning</a:t>
+            </a:r>
+            <a:r>
+              <a:rPr lang="ja-JP" altLang="ja-JP" sz="2900" dirty="0" err="1">
+                <a:latin typeface="+mn-ea"/>
+              </a:rPr>
+              <a:t>，</a:t>
+            </a:r>
+            <a:r>
+              <a:rPr lang="ja-JP" altLang="ja-JP" sz="2900" dirty="0">
+                <a:latin typeface="+mn-ea"/>
+              </a:rPr>
+              <a:t>情報処理，</a:t>
+            </a:r>
+            <a:r>
+              <a:rPr lang="en-US" altLang="ja-JP" sz="2900" dirty="0">
+                <a:latin typeface="+mn-ea"/>
+              </a:rPr>
+              <a:t>2016</a:t>
+            </a:r>
+            <a:r>
+              <a:rPr lang="ja-JP" altLang="ja-JP" sz="2900" dirty="0">
+                <a:latin typeface="+mn-ea"/>
+              </a:rPr>
+              <a:t>年</a:t>
+            </a:r>
+            <a:r>
+              <a:rPr lang="en-US" altLang="ja-JP" sz="2900" dirty="0">
+                <a:latin typeface="+mn-ea"/>
+              </a:rPr>
+              <a:t>5</a:t>
+            </a:r>
+            <a:r>
+              <a:rPr lang="ja-JP" altLang="ja-JP" sz="2900" dirty="0">
+                <a:latin typeface="+mn-ea"/>
+              </a:rPr>
+              <a:t>月</a:t>
+            </a:r>
+            <a:r>
+              <a:rPr lang="en-US" altLang="ja-JP" sz="2900" dirty="0">
+                <a:latin typeface="+mn-ea"/>
+              </a:rPr>
+              <a:t>15</a:t>
+            </a:r>
+            <a:r>
+              <a:rPr lang="ja-JP" altLang="ja-JP" sz="2900" dirty="0">
+                <a:latin typeface="+mn-ea"/>
+              </a:rPr>
+              <a:t>日，</a:t>
+            </a:r>
+            <a:r>
+              <a:rPr lang="en-US" altLang="ja-JP" sz="2900" dirty="0">
+                <a:latin typeface="+mn-ea"/>
+              </a:rPr>
+              <a:t>57</a:t>
+            </a:r>
+            <a:r>
+              <a:rPr lang="ja-JP" altLang="ja-JP" sz="2900" dirty="0">
+                <a:latin typeface="+mn-ea"/>
+              </a:rPr>
+              <a:t>巻，</a:t>
+            </a:r>
+            <a:r>
+              <a:rPr lang="en-US" altLang="ja-JP" sz="2900" dirty="0">
+                <a:latin typeface="+mn-ea"/>
+              </a:rPr>
+              <a:t>6</a:t>
+            </a:r>
+            <a:r>
+              <a:rPr lang="ja-JP" altLang="ja-JP" sz="2900" dirty="0">
+                <a:latin typeface="+mn-ea"/>
+              </a:rPr>
+              <a:t>号，</a:t>
+            </a:r>
+            <a:r>
+              <a:rPr lang="en-US" altLang="ja-JP" sz="2900" dirty="0">
+                <a:latin typeface="+mn-ea"/>
+              </a:rPr>
+              <a:t>pp519-522 </a:t>
+            </a:r>
+            <a:endParaRPr lang="ja-JP" altLang="ja-JP" sz="2900" dirty="0">
+              <a:latin typeface="+mn-ea"/>
+            </a:endParaRPr>
+          </a:p>
+          <a:p>
+            <a:pPr marL="514350" lvl="0" indent="-514350" algn="just">
+              <a:buFont typeface="+mj-lt"/>
+              <a:buAutoNum type="arabicPeriod"/>
+            </a:pPr>
+            <a:r>
+              <a:rPr lang="ja-JP" altLang="ja-JP" sz="2900" dirty="0">
+                <a:latin typeface="+mn-ea"/>
+              </a:rPr>
+              <a:t>赤江直洋，木本雅也，清水忠昭，田中美栄子，ニューラルネットワークを用いた音楽の自動ジャンル分類，電気学会研究会資料</a:t>
+            </a:r>
+            <a:r>
+              <a:rPr lang="en-US" altLang="ja-JP" sz="2900" dirty="0">
+                <a:latin typeface="+mn-ea"/>
+              </a:rPr>
+              <a:t>.IS</a:t>
+            </a:r>
+            <a:r>
+              <a:rPr lang="ja-JP" altLang="ja-JP" sz="2900" dirty="0" err="1">
+                <a:latin typeface="+mn-ea"/>
+              </a:rPr>
+              <a:t>，</a:t>
+            </a:r>
+            <a:r>
+              <a:rPr lang="ja-JP" altLang="ja-JP" sz="2900" dirty="0">
+                <a:latin typeface="+mn-ea"/>
+              </a:rPr>
+              <a:t>情報システム研究会，</a:t>
+            </a:r>
+            <a:r>
+              <a:rPr lang="en-US" altLang="ja-JP" sz="2900" dirty="0">
+                <a:latin typeface="+mn-ea"/>
+              </a:rPr>
+              <a:t>2004</a:t>
+            </a:r>
+            <a:r>
+              <a:rPr lang="ja-JP" altLang="ja-JP" sz="2900" dirty="0">
+                <a:latin typeface="+mn-ea"/>
+              </a:rPr>
+              <a:t>年</a:t>
+            </a:r>
+            <a:r>
+              <a:rPr lang="en-US" altLang="ja-JP" sz="2900" dirty="0">
+                <a:latin typeface="+mn-ea"/>
+              </a:rPr>
+              <a:t>3</a:t>
+            </a:r>
+            <a:r>
+              <a:rPr lang="ja-JP" altLang="ja-JP" sz="2900" dirty="0">
+                <a:latin typeface="+mn-ea"/>
+              </a:rPr>
+              <a:t>月</a:t>
+            </a:r>
+            <a:r>
+              <a:rPr lang="en-US" altLang="ja-JP" sz="2900" dirty="0">
+                <a:latin typeface="+mn-ea"/>
+              </a:rPr>
+              <a:t>23</a:t>
+            </a:r>
+            <a:r>
+              <a:rPr lang="ja-JP" altLang="ja-JP" sz="2900" dirty="0">
+                <a:latin typeface="+mn-ea"/>
+              </a:rPr>
+              <a:t>日，</a:t>
+            </a:r>
+            <a:r>
+              <a:rPr lang="en-US" altLang="ja-JP" sz="2900" dirty="0">
+                <a:latin typeface="+mn-ea"/>
+              </a:rPr>
+              <a:t>2004</a:t>
+            </a:r>
+            <a:r>
+              <a:rPr lang="ja-JP" altLang="ja-JP" sz="2900" dirty="0">
+                <a:latin typeface="+mn-ea"/>
+              </a:rPr>
+              <a:t>巻，</a:t>
+            </a:r>
+            <a:r>
+              <a:rPr lang="en-US" altLang="ja-JP" sz="2900" dirty="0">
+                <a:latin typeface="+mn-ea"/>
+              </a:rPr>
+              <a:t>9</a:t>
+            </a:r>
+            <a:r>
+              <a:rPr lang="ja-JP" altLang="ja-JP" sz="2900" dirty="0">
+                <a:latin typeface="+mn-ea"/>
+              </a:rPr>
+              <a:t>号，</a:t>
+            </a:r>
+            <a:r>
+              <a:rPr lang="en-US" altLang="ja-JP" sz="2900" dirty="0">
+                <a:latin typeface="+mn-ea"/>
+              </a:rPr>
+              <a:t>pp 35-39</a:t>
+            </a:r>
+            <a:endParaRPr lang="ja-JP" altLang="ja-JP" sz="2900" dirty="0">
+              <a:latin typeface="+mn-ea"/>
+            </a:endParaRPr>
+          </a:p>
+          <a:p>
+            <a:pPr marL="514350" lvl="0" indent="-514350" algn="just">
+              <a:buFont typeface="+mj-lt"/>
+              <a:buAutoNum type="arabicPeriod"/>
+            </a:pPr>
+            <a:r>
+              <a:rPr lang="ja-JP" altLang="ja-JP" sz="2900" dirty="0">
+                <a:latin typeface="+mn-ea"/>
+              </a:rPr>
+              <a:t>小林 拓司，丸山 一貴，畳み込みニューラルネットワークを用いた</a:t>
+            </a:r>
+            <a:r>
+              <a:rPr lang="en-US" altLang="ja-JP" sz="2900" dirty="0">
+                <a:latin typeface="+mn-ea"/>
+              </a:rPr>
+              <a:t>Hardcore techno</a:t>
+            </a:r>
+            <a:r>
+              <a:rPr lang="ja-JP" altLang="ja-JP" sz="2900" dirty="0">
+                <a:latin typeface="+mn-ea"/>
+              </a:rPr>
+              <a:t>のサブジャンル分類，インタラクション</a:t>
+            </a:r>
+            <a:r>
+              <a:rPr lang="en-US" altLang="ja-JP" sz="2900" dirty="0">
+                <a:latin typeface="+mn-ea"/>
+              </a:rPr>
+              <a:t>2019</a:t>
+            </a:r>
+            <a:r>
+              <a:rPr lang="ja-JP" altLang="ja-JP" sz="2900" dirty="0">
+                <a:latin typeface="+mn-ea"/>
+              </a:rPr>
+              <a:t>論文集，</a:t>
+            </a:r>
+            <a:r>
+              <a:rPr lang="en-US" altLang="ja-JP" sz="2900" dirty="0">
+                <a:latin typeface="+mn-ea"/>
+              </a:rPr>
+              <a:t>2019</a:t>
+            </a:r>
+            <a:r>
+              <a:rPr lang="ja-JP" altLang="ja-JP" sz="2900" dirty="0" err="1">
+                <a:latin typeface="+mn-ea"/>
+              </a:rPr>
+              <a:t>，</a:t>
+            </a:r>
+            <a:r>
+              <a:rPr lang="en-US" altLang="ja-JP" sz="2900" dirty="0">
+                <a:latin typeface="+mn-ea"/>
+              </a:rPr>
+              <a:t>2</a:t>
+            </a:r>
+            <a:r>
+              <a:rPr lang="ja-JP" altLang="ja-JP" sz="2900" dirty="0">
+                <a:latin typeface="+mn-ea"/>
+              </a:rPr>
+              <a:t>月</a:t>
+            </a:r>
+            <a:r>
+              <a:rPr lang="en-US" altLang="ja-JP" sz="2900" dirty="0">
+                <a:latin typeface="+mn-ea"/>
+              </a:rPr>
+              <a:t>27</a:t>
+            </a:r>
+            <a:r>
+              <a:rPr lang="ja-JP" altLang="ja-JP" sz="2900" dirty="0">
+                <a:latin typeface="+mn-ea"/>
+              </a:rPr>
+              <a:t>日，</a:t>
+            </a:r>
+            <a:r>
+              <a:rPr lang="en-US" altLang="ja-JP" sz="2900" dirty="0">
+                <a:latin typeface="+mn-ea"/>
+              </a:rPr>
+              <a:t>pp 245-248</a:t>
+            </a:r>
+            <a:endParaRPr lang="ja-JP" altLang="ja-JP" sz="2900" dirty="0">
+              <a:latin typeface="+mn-ea"/>
+            </a:endParaRPr>
+          </a:p>
+          <a:p>
+            <a:pPr marL="514350" lvl="0" indent="-514350" algn="just">
+              <a:buFont typeface="+mj-lt"/>
+              <a:buAutoNum type="arabicPeriod"/>
+            </a:pPr>
+            <a:r>
+              <a:rPr lang="en-US" altLang="ja-JP" sz="2900" dirty="0">
+                <a:latin typeface="+mn-ea"/>
+              </a:rPr>
+              <a:t>Hendrik </a:t>
+            </a:r>
+            <a:r>
+              <a:rPr lang="en-US" altLang="ja-JP" sz="2900" dirty="0" err="1">
+                <a:latin typeface="+mn-ea"/>
+              </a:rPr>
+              <a:t>Purwins</a:t>
+            </a:r>
+            <a:r>
+              <a:rPr lang="en-US" altLang="ja-JP" sz="2900" dirty="0">
+                <a:latin typeface="+mn-ea"/>
+              </a:rPr>
+              <a:t> , Bo Li , </a:t>
+            </a:r>
+            <a:r>
+              <a:rPr lang="en-US" altLang="ja-JP" sz="2900" dirty="0" err="1">
+                <a:latin typeface="+mn-ea"/>
+              </a:rPr>
+              <a:t>Tuomas</a:t>
+            </a:r>
+            <a:r>
+              <a:rPr lang="en-US" altLang="ja-JP" sz="2900" dirty="0">
+                <a:latin typeface="+mn-ea"/>
+              </a:rPr>
+              <a:t> Virtanen, Jan </a:t>
+            </a:r>
+            <a:r>
+              <a:rPr lang="en-US" altLang="ja-JP" sz="2900" dirty="0" err="1">
+                <a:latin typeface="+mn-ea"/>
+              </a:rPr>
+              <a:t>Schlüter</a:t>
+            </a:r>
+            <a:r>
+              <a:rPr lang="en-US" altLang="ja-JP" sz="2900" dirty="0">
+                <a:latin typeface="+mn-ea"/>
+              </a:rPr>
+              <a:t> , </a:t>
+            </a:r>
+            <a:r>
+              <a:rPr lang="en-US" altLang="ja-JP" sz="2900" dirty="0" err="1">
+                <a:latin typeface="+mn-ea"/>
+              </a:rPr>
+              <a:t>Shuo-yiin</a:t>
+            </a:r>
+            <a:r>
+              <a:rPr lang="en-US" altLang="ja-JP" sz="2900" dirty="0">
+                <a:latin typeface="+mn-ea"/>
+              </a:rPr>
+              <a:t> Chang, Tara </a:t>
+            </a:r>
+            <a:r>
+              <a:rPr lang="en-US" altLang="ja-JP" sz="2900" dirty="0" err="1">
+                <a:latin typeface="+mn-ea"/>
+              </a:rPr>
+              <a:t>Sainath</a:t>
+            </a:r>
+            <a:r>
+              <a:rPr lang="ja-JP" altLang="ja-JP" sz="2900" dirty="0" err="1">
+                <a:latin typeface="+mn-ea"/>
+              </a:rPr>
+              <a:t>，</a:t>
+            </a:r>
+            <a:r>
+              <a:rPr lang="en-US" altLang="ja-JP" sz="2900" dirty="0">
+                <a:latin typeface="+mn-ea"/>
+              </a:rPr>
+              <a:t>Sound (cs.SD); Audio and Speech Processing (eess.AS); Machine Learning (stat.ML)</a:t>
+            </a:r>
+            <a:r>
+              <a:rPr lang="ja-JP" altLang="ja-JP" sz="2900" dirty="0" err="1">
+                <a:latin typeface="+mn-ea"/>
+              </a:rPr>
+              <a:t>，</a:t>
+            </a:r>
+            <a:r>
+              <a:rPr lang="en-US" altLang="ja-JP" sz="2900" dirty="0">
+                <a:latin typeface="+mn-ea"/>
+              </a:rPr>
+              <a:t>Journal of Selected Topics of Signal Processing 14, No. 8</a:t>
+            </a:r>
+            <a:r>
+              <a:rPr lang="ja-JP" altLang="ja-JP" sz="2900" dirty="0" err="1">
+                <a:latin typeface="+mn-ea"/>
+              </a:rPr>
+              <a:t>，</a:t>
+            </a:r>
+            <a:r>
+              <a:rPr lang="en-US" altLang="ja-JP" sz="2900" dirty="0">
+                <a:latin typeface="+mn-ea"/>
+              </a:rPr>
+              <a:t>pp 15 </a:t>
+            </a:r>
+            <a:endParaRPr lang="ja-JP" altLang="ja-JP" sz="2900" dirty="0">
+              <a:latin typeface="+mn-ea"/>
+            </a:endParaRPr>
+          </a:p>
+          <a:p>
+            <a:pPr marL="514350" lvl="0" indent="-514350" algn="just">
+              <a:buFont typeface="+mj-lt"/>
+              <a:buAutoNum type="arabicPeriod"/>
+            </a:pPr>
+            <a:r>
+              <a:rPr lang="en-US" altLang="ja-JP" sz="2900" dirty="0">
+                <a:latin typeface="+mn-ea"/>
+              </a:rPr>
+              <a:t>SOUNDCLOUD</a:t>
+            </a:r>
+            <a:r>
+              <a:rPr lang="ja-JP" altLang="ja-JP" sz="2900" dirty="0" err="1">
+                <a:latin typeface="+mn-ea"/>
+              </a:rPr>
+              <a:t>，</a:t>
+            </a:r>
+            <a:r>
+              <a:rPr lang="en-US" altLang="ja-JP" sz="2900" dirty="0">
+                <a:latin typeface="+mn-ea"/>
+                <a:hlinkClick r:id="rId2"/>
+              </a:rPr>
+              <a:t>https://soundcloud.com/?utm_source=Partnerize</a:t>
+            </a:r>
+            <a:r>
+              <a:rPr lang="ja-JP" altLang="ja-JP" sz="2900" dirty="0" err="1">
+                <a:latin typeface="+mn-ea"/>
+              </a:rPr>
+              <a:t>，</a:t>
+            </a:r>
+            <a:r>
+              <a:rPr lang="en-US" altLang="ja-JP" sz="2900" dirty="0">
+                <a:latin typeface="+mn-ea"/>
+              </a:rPr>
+              <a:t>2021/12/20</a:t>
+            </a:r>
+            <a:endParaRPr lang="ja-JP" altLang="ja-JP" sz="2900" dirty="0">
+              <a:latin typeface="+mn-ea"/>
+            </a:endParaRPr>
+          </a:p>
+          <a:p>
+            <a:pPr marL="514350" lvl="0" indent="-514350" algn="just">
+              <a:buFont typeface="+mj-lt"/>
+              <a:buAutoNum type="arabicPeriod"/>
+            </a:pPr>
+            <a:r>
+              <a:rPr lang="en-US" altLang="ja-JP" sz="2900" dirty="0">
+                <a:latin typeface="+mn-ea"/>
+              </a:rPr>
+              <a:t>DOVA SYNDORME</a:t>
+            </a:r>
+            <a:r>
+              <a:rPr lang="ja-JP" altLang="ja-JP" sz="2900" dirty="0" err="1">
+                <a:latin typeface="+mn-ea"/>
+              </a:rPr>
+              <a:t>，</a:t>
+            </a:r>
+            <a:r>
+              <a:rPr lang="en-US" altLang="ja-JP" sz="2900" dirty="0">
+                <a:latin typeface="+mn-ea"/>
+                <a:hlinkClick r:id="rId3"/>
+              </a:rPr>
+              <a:t>https://dova-s.jp/，2021/12/20</a:t>
+            </a:r>
+            <a:endParaRPr lang="ja-JP" altLang="ja-JP" sz="2900" dirty="0">
+              <a:latin typeface="+mn-ea"/>
+            </a:endParaRPr>
+          </a:p>
+          <a:p>
+            <a:pPr marL="514350" lvl="0" indent="-514350" algn="just">
+              <a:buFont typeface="+mj-lt"/>
+              <a:buAutoNum type="arabicPeriod"/>
+            </a:pPr>
+            <a:r>
+              <a:rPr lang="en-US" altLang="ja-JP" sz="2900" dirty="0">
+                <a:latin typeface="+mn-ea"/>
+              </a:rPr>
+              <a:t>FMA: A Dataset For Music Analysis</a:t>
+            </a:r>
+            <a:r>
+              <a:rPr lang="ja-JP" altLang="ja-JP" sz="2900" dirty="0" err="1">
+                <a:latin typeface="+mn-ea"/>
+              </a:rPr>
+              <a:t>，</a:t>
+            </a:r>
+            <a:r>
+              <a:rPr lang="en-US" altLang="ja-JP" sz="2900" dirty="0">
+                <a:latin typeface="+mn-ea"/>
+                <a:hlinkClick r:id="rId4"/>
+              </a:rPr>
+              <a:t>https://github.com/</a:t>
+            </a:r>
+            <a:r>
+              <a:rPr lang="en-US" altLang="ja-JP" sz="2900" dirty="0" err="1">
+                <a:latin typeface="+mn-ea"/>
+                <a:hlinkClick r:id="rId4"/>
+              </a:rPr>
+              <a:t>mdeff</a:t>
+            </a:r>
+            <a:r>
+              <a:rPr lang="en-US" altLang="ja-JP" sz="2900" dirty="0">
+                <a:latin typeface="+mn-ea"/>
+                <a:hlinkClick r:id="rId4"/>
+              </a:rPr>
+              <a:t>/fma，2021/12/21</a:t>
+            </a:r>
+            <a:endParaRPr lang="ja-JP" altLang="ja-JP" sz="2900" dirty="0">
+              <a:latin typeface="+mn-ea"/>
+            </a:endParaRPr>
+          </a:p>
           <a:p>
             <a:pPr marL="0" indent="0" algn="just">
-              <a:lnSpc>
-                <a:spcPct val="100000"/>
-              </a:lnSpc>
               <a:buNone/>
             </a:pPr>
-            <a:r>
-              <a:rPr lang="ja-JP" altLang="ja-JP" dirty="0" smtClean="0"/>
-              <a:t>本システム</a:t>
-            </a:r>
-            <a:r>
-              <a:rPr lang="ja-JP" altLang="ja-JP" dirty="0"/>
-              <a:t>でジャンル推定のできた楽曲コンテンツと動画</a:t>
-            </a:r>
-            <a:r>
-              <a:rPr lang="ja-JP" altLang="ja-JP" dirty="0" smtClean="0"/>
-              <a:t>コンテンツを</a:t>
-            </a:r>
-            <a:r>
-              <a:rPr lang="ja-JP" altLang="ja-JP" dirty="0"/>
-              <a:t>ジャンルマッチングすることで付加価値の高い動画</a:t>
-            </a:r>
-            <a:r>
-              <a:rPr lang="ja-JP" altLang="ja-JP" dirty="0" smtClean="0"/>
-              <a:t>コ</a:t>
-            </a:r>
-            <a:r>
-              <a:rPr lang="ja-JP" altLang="en-US" dirty="0" smtClean="0"/>
-              <a:t>ンテンツを提供するシステムの</a:t>
-            </a:r>
-            <a:r>
-              <a:rPr lang="ja-JP" altLang="en-US" dirty="0" smtClean="0"/>
-              <a:t>実現</a:t>
-            </a:r>
-            <a:r>
-              <a:rPr lang="ja-JP" altLang="en-US" dirty="0" smtClean="0"/>
-              <a:t>が期待される</a:t>
-            </a:r>
-            <a:r>
-              <a:rPr lang="ja-JP" altLang="en-US" dirty="0" smtClean="0"/>
-              <a:t>．</a:t>
-            </a:r>
-            <a:endParaRPr lang="en-US" altLang="ja-JP" dirty="0" smtClean="0"/>
-          </a:p>
-          <a:p>
-            <a:pPr algn="just">
-              <a:lnSpc>
-                <a:spcPct val="100000"/>
-              </a:lnSpc>
-            </a:pPr>
-            <a:endParaRPr lang="en-US" altLang="ja-JP" dirty="0"/>
-          </a:p>
-          <a:p>
-            <a:pPr marL="0" indent="0" algn="just">
-              <a:lnSpc>
-                <a:spcPct val="100000"/>
-              </a:lnSpc>
-              <a:buNone/>
-            </a:pPr>
-            <a:endParaRPr lang="en-US" altLang="ja-JP" dirty="0" smtClean="0"/>
+            <a:endParaRPr kumimoji="1" lang="ja-JP" altLang="en-US" dirty="0"/>
           </a:p>
         </p:txBody>
       </p:sp>
@@ -8378,684 +7256,9 @@
           <a:lstStyle/>
           <a:p>
             <a:fld id="{B4451160-128F-4DAD-AE29-4A8CC0E7B9E9}" type="slidenum">
-              <a:rPr lang="ja-JP" altLang="en-US" smtClean="0"/>
+              <a:rPr lang="ja-JP" altLang="en-US" dirty="0" smtClean="0"/>
               <a:pPr/>
               <a:t>17</a:t>
-            </a:fld>
-            <a:endParaRPr lang="ja-JP" altLang="en-US" dirty="0"/>
-          </a:p>
-        </p:txBody>
-      </p:sp>
-    </p:spTree>
-    <p:extLst>
-      <p:ext uri="{BB962C8B-B14F-4D97-AF65-F5344CB8AC3E}">
-        <p14:creationId xmlns:p14="http://schemas.microsoft.com/office/powerpoint/2010/main" val="1800454056"/>
-      </p:ext>
-    </p:extLst>
-  </p:cSld>
-  <p:clrMapOvr>
-    <a:masterClrMapping/>
-  </p:clrMapOvr>
-  <p:timing>
-    <p:tnLst>
-      <p:par>
-        <p:cTn id="1" dur="indefinite" restart="never" nodeType="tmRoot"/>
-      </p:par>
-    </p:tnLst>
-  </p:timing>
-</p:sld>
-</file>
-
-<file path=ppt/slides/slide18.xml><?xml version="1.0" encoding="utf-8"?>
-<p:sld xmlns:a="http://schemas.openxmlformats.org/drawingml/2006/main" xmlns:r="http://schemas.openxmlformats.org/officeDocument/2006/relationships" xmlns:p="http://schemas.openxmlformats.org/presentationml/2006/main">
-  <p:cSld>
-    <p:spTree>
-      <p:nvGrpSpPr>
-        <p:cNvPr id="1" name=""/>
-        <p:cNvGrpSpPr/>
-        <p:nvPr/>
-      </p:nvGrpSpPr>
-      <p:grpSpPr>
-        <a:xfrm>
-          <a:off x="0" y="0"/>
-          <a:ext cx="0" cy="0"/>
-          <a:chOff x="0" y="0"/>
-          <a:chExt cx="0" cy="0"/>
-        </a:xfrm>
-      </p:grpSpPr>
-      <p:sp>
-        <p:nvSpPr>
-          <p:cNvPr id="2" name="タイトル 1"/>
-          <p:cNvSpPr>
-            <a:spLocks noGrp="1"/>
-          </p:cNvSpPr>
-          <p:nvPr>
-            <p:ph type="title"/>
-          </p:nvPr>
-        </p:nvSpPr>
-        <p:spPr/>
-        <p:txBody>
-          <a:bodyPr/>
-          <a:lstStyle/>
-          <a:p>
-            <a:r>
-              <a:rPr kumimoji="1" lang="ja-JP" altLang="en-US" dirty="0" smtClean="0"/>
-              <a:t>参考文献</a:t>
-            </a:r>
-            <a:r>
-              <a:rPr kumimoji="1" lang="en-US" altLang="ja-JP" dirty="0" smtClean="0"/>
-              <a:t>	</a:t>
-            </a:r>
-            <a:endParaRPr kumimoji="1" lang="ja-JP" altLang="en-US" dirty="0"/>
-          </a:p>
-        </p:txBody>
-      </p:sp>
-      <p:sp>
-        <p:nvSpPr>
-          <p:cNvPr id="3" name="コンテンツ プレースホルダー 2"/>
-          <p:cNvSpPr>
-            <a:spLocks noGrp="1"/>
-          </p:cNvSpPr>
-          <p:nvPr>
-            <p:ph idx="1"/>
-          </p:nvPr>
-        </p:nvSpPr>
-        <p:spPr/>
-        <p:txBody>
-          <a:bodyPr>
-            <a:normAutofit fontScale="55000" lnSpcReduction="20000"/>
-          </a:bodyPr>
-          <a:lstStyle/>
-          <a:p>
-            <a:pPr marL="514350" lvl="0" indent="-514350" algn="just">
-              <a:buFont typeface="+mj-lt"/>
-              <a:buAutoNum type="arabicPeriod"/>
-            </a:pPr>
-            <a:r>
-              <a:rPr lang="ja-JP" altLang="ja-JP" sz="2900" dirty="0">
-                <a:latin typeface="+mn-ea"/>
-              </a:rPr>
-              <a:t>大野直樹，中村聡史，山本岳洋，後藤真孝，音楽動画への印象評価データセット構築とその特性の調査，情報処理学会 研究報告音楽情報科学， </a:t>
-            </a:r>
-            <a:r>
-              <a:rPr lang="en-US" altLang="ja-JP" sz="2900" dirty="0">
-                <a:latin typeface="+mn-ea"/>
-              </a:rPr>
-              <a:t>2015</a:t>
-            </a:r>
-            <a:r>
-              <a:rPr lang="ja-JP" altLang="ja-JP" sz="2900" dirty="0">
-                <a:latin typeface="+mn-ea"/>
-              </a:rPr>
-              <a:t>年</a:t>
-            </a:r>
-            <a:r>
-              <a:rPr lang="en-US" altLang="ja-JP" sz="2900" dirty="0">
-                <a:latin typeface="+mn-ea"/>
-              </a:rPr>
-              <a:t>9</a:t>
-            </a:r>
-            <a:r>
-              <a:rPr lang="ja-JP" altLang="ja-JP" sz="2900" dirty="0">
-                <a:latin typeface="+mn-ea"/>
-              </a:rPr>
-              <a:t>月</a:t>
-            </a:r>
-            <a:r>
-              <a:rPr lang="en-US" altLang="ja-JP" sz="2900" dirty="0">
-                <a:latin typeface="+mn-ea"/>
-              </a:rPr>
-              <a:t>1</a:t>
-            </a:r>
-            <a:r>
-              <a:rPr lang="ja-JP" altLang="ja-JP" sz="2900" dirty="0">
-                <a:latin typeface="+mn-ea"/>
-              </a:rPr>
-              <a:t>日，</a:t>
-            </a:r>
-            <a:r>
-              <a:rPr lang="en-US" altLang="ja-JP" sz="2900" dirty="0">
-                <a:latin typeface="+mn-ea"/>
-              </a:rPr>
-              <a:t>pp1-9</a:t>
-            </a:r>
-            <a:endParaRPr lang="ja-JP" altLang="ja-JP" sz="2900" dirty="0">
-              <a:latin typeface="+mn-ea"/>
-            </a:endParaRPr>
-          </a:p>
-          <a:p>
-            <a:pPr marL="514350" lvl="0" indent="-514350" algn="just">
-              <a:buFont typeface="+mj-lt"/>
-              <a:buAutoNum type="arabicPeriod"/>
-            </a:pPr>
-            <a:r>
-              <a:rPr lang="ja-JP" altLang="ja-JP" sz="2900" dirty="0">
-                <a:latin typeface="+mn-ea"/>
-              </a:rPr>
-              <a:t>吉井和佳，</a:t>
-            </a:r>
-            <a:r>
-              <a:rPr lang="en-US" altLang="ja-JP" sz="2900" dirty="0">
-                <a:latin typeface="+mn-ea"/>
-              </a:rPr>
-              <a:t>Advancing Information Sciences through Research on Music</a:t>
-            </a:r>
-            <a:r>
-              <a:rPr lang="ja-JP" altLang="ja-JP" sz="2900" dirty="0">
-                <a:latin typeface="+mn-ea"/>
-              </a:rPr>
-              <a:t>：</a:t>
-            </a:r>
-            <a:r>
-              <a:rPr lang="en-US" altLang="ja-JP" sz="2900" dirty="0">
-                <a:latin typeface="+mn-ea"/>
-              </a:rPr>
-              <a:t>5. Music and Machine Learning</a:t>
-            </a:r>
-            <a:r>
-              <a:rPr lang="ja-JP" altLang="ja-JP" sz="2900" dirty="0" err="1">
-                <a:latin typeface="+mn-ea"/>
-              </a:rPr>
-              <a:t>，</a:t>
-            </a:r>
-            <a:r>
-              <a:rPr lang="ja-JP" altLang="ja-JP" sz="2900" dirty="0">
-                <a:latin typeface="+mn-ea"/>
-              </a:rPr>
-              <a:t>情報処理，</a:t>
-            </a:r>
-            <a:r>
-              <a:rPr lang="en-US" altLang="ja-JP" sz="2900" dirty="0">
-                <a:latin typeface="+mn-ea"/>
-              </a:rPr>
-              <a:t>2016</a:t>
-            </a:r>
-            <a:r>
-              <a:rPr lang="ja-JP" altLang="ja-JP" sz="2900" dirty="0">
-                <a:latin typeface="+mn-ea"/>
-              </a:rPr>
-              <a:t>年</a:t>
-            </a:r>
-            <a:r>
-              <a:rPr lang="en-US" altLang="ja-JP" sz="2900" dirty="0">
-                <a:latin typeface="+mn-ea"/>
-              </a:rPr>
-              <a:t>5</a:t>
-            </a:r>
-            <a:r>
-              <a:rPr lang="ja-JP" altLang="ja-JP" sz="2900" dirty="0">
-                <a:latin typeface="+mn-ea"/>
-              </a:rPr>
-              <a:t>月</a:t>
-            </a:r>
-            <a:r>
-              <a:rPr lang="en-US" altLang="ja-JP" sz="2900" dirty="0">
-                <a:latin typeface="+mn-ea"/>
-              </a:rPr>
-              <a:t>15</a:t>
-            </a:r>
-            <a:r>
-              <a:rPr lang="ja-JP" altLang="ja-JP" sz="2900" dirty="0">
-                <a:latin typeface="+mn-ea"/>
-              </a:rPr>
-              <a:t>日，</a:t>
-            </a:r>
-            <a:r>
-              <a:rPr lang="en-US" altLang="ja-JP" sz="2900" dirty="0">
-                <a:latin typeface="+mn-ea"/>
-              </a:rPr>
-              <a:t>57</a:t>
-            </a:r>
-            <a:r>
-              <a:rPr lang="ja-JP" altLang="ja-JP" sz="2900" dirty="0">
-                <a:latin typeface="+mn-ea"/>
-              </a:rPr>
-              <a:t>巻，</a:t>
-            </a:r>
-            <a:r>
-              <a:rPr lang="en-US" altLang="ja-JP" sz="2900" dirty="0">
-                <a:latin typeface="+mn-ea"/>
-              </a:rPr>
-              <a:t>6</a:t>
-            </a:r>
-            <a:r>
-              <a:rPr lang="ja-JP" altLang="ja-JP" sz="2900" dirty="0">
-                <a:latin typeface="+mn-ea"/>
-              </a:rPr>
-              <a:t>号，</a:t>
-            </a:r>
-            <a:r>
-              <a:rPr lang="en-US" altLang="ja-JP" sz="2900" dirty="0">
-                <a:latin typeface="+mn-ea"/>
-              </a:rPr>
-              <a:t>pp519-522 </a:t>
-            </a:r>
-            <a:endParaRPr lang="ja-JP" altLang="ja-JP" sz="2900" dirty="0">
-              <a:latin typeface="+mn-ea"/>
-            </a:endParaRPr>
-          </a:p>
-          <a:p>
-            <a:pPr marL="514350" lvl="0" indent="-514350" algn="just">
-              <a:buFont typeface="+mj-lt"/>
-              <a:buAutoNum type="arabicPeriod"/>
-            </a:pPr>
-            <a:r>
-              <a:rPr lang="ja-JP" altLang="ja-JP" sz="2900" dirty="0">
-                <a:latin typeface="+mn-ea"/>
-              </a:rPr>
-              <a:t>赤江直洋，木本雅也，清水忠昭，田中美栄子，ニューラルネットワークを用いた音楽の自動ジャンル分類，電気学会研究会資料</a:t>
-            </a:r>
-            <a:r>
-              <a:rPr lang="en-US" altLang="ja-JP" sz="2900" dirty="0">
-                <a:latin typeface="+mn-ea"/>
-              </a:rPr>
-              <a:t>.IS</a:t>
-            </a:r>
-            <a:r>
-              <a:rPr lang="ja-JP" altLang="ja-JP" sz="2900" dirty="0" err="1">
-                <a:latin typeface="+mn-ea"/>
-              </a:rPr>
-              <a:t>，</a:t>
-            </a:r>
-            <a:r>
-              <a:rPr lang="ja-JP" altLang="ja-JP" sz="2900" dirty="0">
-                <a:latin typeface="+mn-ea"/>
-              </a:rPr>
-              <a:t>情報システム研究会，</a:t>
-            </a:r>
-            <a:r>
-              <a:rPr lang="en-US" altLang="ja-JP" sz="2900" dirty="0">
-                <a:latin typeface="+mn-ea"/>
-              </a:rPr>
-              <a:t>2004</a:t>
-            </a:r>
-            <a:r>
-              <a:rPr lang="ja-JP" altLang="ja-JP" sz="2900" dirty="0">
-                <a:latin typeface="+mn-ea"/>
-              </a:rPr>
-              <a:t>年</a:t>
-            </a:r>
-            <a:r>
-              <a:rPr lang="en-US" altLang="ja-JP" sz="2900" dirty="0">
-                <a:latin typeface="+mn-ea"/>
-              </a:rPr>
-              <a:t>3</a:t>
-            </a:r>
-            <a:r>
-              <a:rPr lang="ja-JP" altLang="ja-JP" sz="2900" dirty="0">
-                <a:latin typeface="+mn-ea"/>
-              </a:rPr>
-              <a:t>月</a:t>
-            </a:r>
-            <a:r>
-              <a:rPr lang="en-US" altLang="ja-JP" sz="2900" dirty="0">
-                <a:latin typeface="+mn-ea"/>
-              </a:rPr>
-              <a:t>23</a:t>
-            </a:r>
-            <a:r>
-              <a:rPr lang="ja-JP" altLang="ja-JP" sz="2900" dirty="0">
-                <a:latin typeface="+mn-ea"/>
-              </a:rPr>
-              <a:t>日，</a:t>
-            </a:r>
-            <a:r>
-              <a:rPr lang="en-US" altLang="ja-JP" sz="2900" dirty="0">
-                <a:latin typeface="+mn-ea"/>
-              </a:rPr>
-              <a:t>2004</a:t>
-            </a:r>
-            <a:r>
-              <a:rPr lang="ja-JP" altLang="ja-JP" sz="2900" dirty="0">
-                <a:latin typeface="+mn-ea"/>
-              </a:rPr>
-              <a:t>巻，</a:t>
-            </a:r>
-            <a:r>
-              <a:rPr lang="en-US" altLang="ja-JP" sz="2900" dirty="0">
-                <a:latin typeface="+mn-ea"/>
-              </a:rPr>
-              <a:t>9</a:t>
-            </a:r>
-            <a:r>
-              <a:rPr lang="ja-JP" altLang="ja-JP" sz="2900" dirty="0">
-                <a:latin typeface="+mn-ea"/>
-              </a:rPr>
-              <a:t>号，</a:t>
-            </a:r>
-            <a:r>
-              <a:rPr lang="en-US" altLang="ja-JP" sz="2900" dirty="0">
-                <a:latin typeface="+mn-ea"/>
-              </a:rPr>
-              <a:t>pp 35-39</a:t>
-            </a:r>
-            <a:endParaRPr lang="ja-JP" altLang="ja-JP" sz="2900" dirty="0">
-              <a:latin typeface="+mn-ea"/>
-            </a:endParaRPr>
-          </a:p>
-          <a:p>
-            <a:pPr marL="514350" lvl="0" indent="-514350" algn="just">
-              <a:buFont typeface="+mj-lt"/>
-              <a:buAutoNum type="arabicPeriod"/>
-            </a:pPr>
-            <a:r>
-              <a:rPr lang="ja-JP" altLang="ja-JP" sz="2900" dirty="0">
-                <a:latin typeface="+mn-ea"/>
-              </a:rPr>
-              <a:t>小林 拓司，丸山 一貴，畳み込みニューラルネットワークを用いた</a:t>
-            </a:r>
-            <a:r>
-              <a:rPr lang="en-US" altLang="ja-JP" sz="2900" dirty="0">
-                <a:latin typeface="+mn-ea"/>
-              </a:rPr>
-              <a:t>Hardcore techno</a:t>
-            </a:r>
-            <a:r>
-              <a:rPr lang="ja-JP" altLang="ja-JP" sz="2900" dirty="0">
-                <a:latin typeface="+mn-ea"/>
-              </a:rPr>
-              <a:t>のサブジャンル分類，インタラクション</a:t>
-            </a:r>
-            <a:r>
-              <a:rPr lang="en-US" altLang="ja-JP" sz="2900" dirty="0">
-                <a:latin typeface="+mn-ea"/>
-              </a:rPr>
-              <a:t>2019</a:t>
-            </a:r>
-            <a:r>
-              <a:rPr lang="ja-JP" altLang="ja-JP" sz="2900" dirty="0">
-                <a:latin typeface="+mn-ea"/>
-              </a:rPr>
-              <a:t>論文集，</a:t>
-            </a:r>
-            <a:r>
-              <a:rPr lang="en-US" altLang="ja-JP" sz="2900" dirty="0">
-                <a:latin typeface="+mn-ea"/>
-              </a:rPr>
-              <a:t>2019</a:t>
-            </a:r>
-            <a:r>
-              <a:rPr lang="ja-JP" altLang="ja-JP" sz="2900" dirty="0" err="1">
-                <a:latin typeface="+mn-ea"/>
-              </a:rPr>
-              <a:t>，</a:t>
-            </a:r>
-            <a:r>
-              <a:rPr lang="en-US" altLang="ja-JP" sz="2900" dirty="0">
-                <a:latin typeface="+mn-ea"/>
-              </a:rPr>
-              <a:t>2</a:t>
-            </a:r>
-            <a:r>
-              <a:rPr lang="ja-JP" altLang="ja-JP" sz="2900" dirty="0">
-                <a:latin typeface="+mn-ea"/>
-              </a:rPr>
-              <a:t>月</a:t>
-            </a:r>
-            <a:r>
-              <a:rPr lang="en-US" altLang="ja-JP" sz="2900" dirty="0">
-                <a:latin typeface="+mn-ea"/>
-              </a:rPr>
-              <a:t>27</a:t>
-            </a:r>
-            <a:r>
-              <a:rPr lang="ja-JP" altLang="ja-JP" sz="2900" dirty="0">
-                <a:latin typeface="+mn-ea"/>
-              </a:rPr>
-              <a:t>日，</a:t>
-            </a:r>
-            <a:r>
-              <a:rPr lang="en-US" altLang="ja-JP" sz="2900" dirty="0">
-                <a:latin typeface="+mn-ea"/>
-              </a:rPr>
-              <a:t>pp 245-248</a:t>
-            </a:r>
-            <a:endParaRPr lang="ja-JP" altLang="ja-JP" sz="2900" dirty="0">
-              <a:latin typeface="+mn-ea"/>
-            </a:endParaRPr>
-          </a:p>
-          <a:p>
-            <a:pPr marL="514350" lvl="0" indent="-514350" algn="just">
-              <a:buFont typeface="+mj-lt"/>
-              <a:buAutoNum type="arabicPeriod"/>
-            </a:pPr>
-            <a:r>
-              <a:rPr lang="en-US" altLang="ja-JP" sz="2900" dirty="0">
-                <a:latin typeface="+mn-ea"/>
-              </a:rPr>
-              <a:t>Hendrik </a:t>
-            </a:r>
-            <a:r>
-              <a:rPr lang="en-US" altLang="ja-JP" sz="2900" dirty="0" err="1">
-                <a:latin typeface="+mn-ea"/>
-              </a:rPr>
-              <a:t>Purwins</a:t>
-            </a:r>
-            <a:r>
-              <a:rPr lang="en-US" altLang="ja-JP" sz="2900" dirty="0">
-                <a:latin typeface="+mn-ea"/>
-              </a:rPr>
-              <a:t> , Bo Li , </a:t>
-            </a:r>
-            <a:r>
-              <a:rPr lang="en-US" altLang="ja-JP" sz="2900" dirty="0" err="1">
-                <a:latin typeface="+mn-ea"/>
-              </a:rPr>
-              <a:t>Tuomas</a:t>
-            </a:r>
-            <a:r>
-              <a:rPr lang="en-US" altLang="ja-JP" sz="2900" dirty="0">
-                <a:latin typeface="+mn-ea"/>
-              </a:rPr>
-              <a:t> Virtanen, Jan </a:t>
-            </a:r>
-            <a:r>
-              <a:rPr lang="en-US" altLang="ja-JP" sz="2900" dirty="0" err="1">
-                <a:latin typeface="+mn-ea"/>
-              </a:rPr>
-              <a:t>Schlüter</a:t>
-            </a:r>
-            <a:r>
-              <a:rPr lang="en-US" altLang="ja-JP" sz="2900" dirty="0">
-                <a:latin typeface="+mn-ea"/>
-              </a:rPr>
-              <a:t> , </a:t>
-            </a:r>
-            <a:r>
-              <a:rPr lang="en-US" altLang="ja-JP" sz="2900" dirty="0" err="1">
-                <a:latin typeface="+mn-ea"/>
-              </a:rPr>
-              <a:t>Shuo-yiin</a:t>
-            </a:r>
-            <a:r>
-              <a:rPr lang="en-US" altLang="ja-JP" sz="2900" dirty="0">
-                <a:latin typeface="+mn-ea"/>
-              </a:rPr>
-              <a:t> Chang, Tara </a:t>
-            </a:r>
-            <a:r>
-              <a:rPr lang="en-US" altLang="ja-JP" sz="2900" dirty="0" err="1">
-                <a:latin typeface="+mn-ea"/>
-              </a:rPr>
-              <a:t>Sainath</a:t>
-            </a:r>
-            <a:r>
-              <a:rPr lang="ja-JP" altLang="ja-JP" sz="2900" dirty="0" err="1">
-                <a:latin typeface="+mn-ea"/>
-              </a:rPr>
-              <a:t>，</a:t>
-            </a:r>
-            <a:r>
-              <a:rPr lang="en-US" altLang="ja-JP" sz="2900" dirty="0">
-                <a:latin typeface="+mn-ea"/>
-              </a:rPr>
-              <a:t>Sound (cs.SD); Audio and Speech Processing (eess.AS); Machine Learning (stat.ML)</a:t>
-            </a:r>
-            <a:r>
-              <a:rPr lang="ja-JP" altLang="ja-JP" sz="2900" dirty="0" err="1">
-                <a:latin typeface="+mn-ea"/>
-              </a:rPr>
-              <a:t>，</a:t>
-            </a:r>
-            <a:r>
-              <a:rPr lang="en-US" altLang="ja-JP" sz="2900" dirty="0">
-                <a:latin typeface="+mn-ea"/>
-              </a:rPr>
-              <a:t>Journal of Selected Topics of Signal Processing 14, No. 8</a:t>
-            </a:r>
-            <a:r>
-              <a:rPr lang="ja-JP" altLang="ja-JP" sz="2900" dirty="0" err="1">
-                <a:latin typeface="+mn-ea"/>
-              </a:rPr>
-              <a:t>，</a:t>
-            </a:r>
-            <a:r>
-              <a:rPr lang="en-US" altLang="ja-JP" sz="2900" dirty="0">
-                <a:latin typeface="+mn-ea"/>
-              </a:rPr>
-              <a:t>pp 15 </a:t>
-            </a:r>
-            <a:endParaRPr lang="ja-JP" altLang="ja-JP" sz="2900" dirty="0">
-              <a:latin typeface="+mn-ea"/>
-            </a:endParaRPr>
-          </a:p>
-          <a:p>
-            <a:pPr marL="514350" lvl="0" indent="-514350" algn="just">
-              <a:buFont typeface="+mj-lt"/>
-              <a:buAutoNum type="arabicPeriod"/>
-            </a:pPr>
-            <a:r>
-              <a:rPr lang="en-US" altLang="ja-JP" sz="2900" dirty="0">
-                <a:latin typeface="+mn-ea"/>
-              </a:rPr>
-              <a:t>SOUNDCLOUD</a:t>
-            </a:r>
-            <a:r>
-              <a:rPr lang="ja-JP" altLang="ja-JP" sz="2900" dirty="0" err="1">
-                <a:latin typeface="+mn-ea"/>
-              </a:rPr>
-              <a:t>，</a:t>
-            </a:r>
-            <a:r>
-              <a:rPr lang="en-US" altLang="ja-JP" sz="2900" dirty="0">
-                <a:latin typeface="+mn-ea"/>
-                <a:hlinkClick r:id="rId2"/>
-              </a:rPr>
-              <a:t>https://soundcloud.com/?utm_source=Partnerize</a:t>
-            </a:r>
-            <a:r>
-              <a:rPr lang="ja-JP" altLang="ja-JP" sz="2900" dirty="0" err="1">
-                <a:latin typeface="+mn-ea"/>
-              </a:rPr>
-              <a:t>，</a:t>
-            </a:r>
-            <a:r>
-              <a:rPr lang="en-US" altLang="ja-JP" sz="2900" dirty="0">
-                <a:latin typeface="+mn-ea"/>
-              </a:rPr>
-              <a:t>2021/12/20</a:t>
-            </a:r>
-            <a:endParaRPr lang="ja-JP" altLang="ja-JP" sz="2900" dirty="0">
-              <a:latin typeface="+mn-ea"/>
-            </a:endParaRPr>
-          </a:p>
-          <a:p>
-            <a:pPr marL="514350" lvl="0" indent="-514350" algn="just">
-              <a:buFont typeface="+mj-lt"/>
-              <a:buAutoNum type="arabicPeriod"/>
-            </a:pPr>
-            <a:r>
-              <a:rPr lang="en-US" altLang="ja-JP" sz="2900" dirty="0">
-                <a:latin typeface="+mn-ea"/>
-              </a:rPr>
-              <a:t>DOVA SYNDORME</a:t>
-            </a:r>
-            <a:r>
-              <a:rPr lang="ja-JP" altLang="ja-JP" sz="2900" dirty="0" err="1">
-                <a:latin typeface="+mn-ea"/>
-              </a:rPr>
-              <a:t>，</a:t>
-            </a:r>
-            <a:r>
-              <a:rPr lang="en-US" altLang="ja-JP" sz="2900" dirty="0">
-                <a:latin typeface="+mn-ea"/>
-                <a:hlinkClick r:id="rId3"/>
-              </a:rPr>
-              <a:t>https://dova-s.jp/，2021/12/20</a:t>
-            </a:r>
-            <a:endParaRPr lang="ja-JP" altLang="ja-JP" sz="2900" dirty="0">
-              <a:latin typeface="+mn-ea"/>
-            </a:endParaRPr>
-          </a:p>
-          <a:p>
-            <a:pPr marL="514350" lvl="0" indent="-514350" algn="just">
-              <a:buFont typeface="+mj-lt"/>
-              <a:buAutoNum type="arabicPeriod"/>
-            </a:pPr>
-            <a:r>
-              <a:rPr lang="en-US" altLang="ja-JP" sz="2900" dirty="0">
-                <a:latin typeface="+mn-ea"/>
-              </a:rPr>
-              <a:t>FMA: A Dataset For Music Analysis</a:t>
-            </a:r>
-            <a:r>
-              <a:rPr lang="ja-JP" altLang="ja-JP" sz="2900" dirty="0" err="1">
-                <a:latin typeface="+mn-ea"/>
-              </a:rPr>
-              <a:t>，</a:t>
-            </a:r>
-            <a:r>
-              <a:rPr lang="en-US" altLang="ja-JP" sz="2900" dirty="0">
-                <a:latin typeface="+mn-ea"/>
-                <a:hlinkClick r:id="rId4"/>
-              </a:rPr>
-              <a:t>https://github.com/</a:t>
-            </a:r>
-            <a:r>
-              <a:rPr lang="en-US" altLang="ja-JP" sz="2900" dirty="0" err="1">
-                <a:latin typeface="+mn-ea"/>
-                <a:hlinkClick r:id="rId4"/>
-              </a:rPr>
-              <a:t>mdeff</a:t>
-            </a:r>
-            <a:r>
-              <a:rPr lang="en-US" altLang="ja-JP" sz="2900" dirty="0">
-                <a:latin typeface="+mn-ea"/>
-                <a:hlinkClick r:id="rId4"/>
-              </a:rPr>
-              <a:t>/fma，2021/12/21</a:t>
-            </a:r>
-            <a:endParaRPr lang="ja-JP" altLang="ja-JP" sz="2900" dirty="0">
-              <a:latin typeface="+mn-ea"/>
-            </a:endParaRPr>
-          </a:p>
-          <a:p>
-            <a:pPr marL="0" indent="0" algn="just">
-              <a:buNone/>
-            </a:pPr>
-            <a:endParaRPr kumimoji="1" lang="ja-JP" altLang="en-US" dirty="0"/>
-          </a:p>
-        </p:txBody>
-      </p:sp>
-      <p:sp>
-        <p:nvSpPr>
-          <p:cNvPr id="4" name="スライド番号プレースホルダー 3"/>
-          <p:cNvSpPr>
-            <a:spLocks noGrp="1"/>
-          </p:cNvSpPr>
-          <p:nvPr>
-            <p:ph type="sldNum" sz="quarter" idx="12"/>
-          </p:nvPr>
-        </p:nvSpPr>
-        <p:spPr/>
-        <p:txBody>
-          <a:bodyPr/>
-          <a:lstStyle/>
-          <a:p>
-            <a:fld id="{B4451160-128F-4DAD-AE29-4A8CC0E7B9E9}" type="slidenum">
-              <a:rPr lang="ja-JP" altLang="en-US" smtClean="0"/>
-              <a:pPr/>
-              <a:t>18</a:t>
             </a:fld>
             <a:endParaRPr lang="ja-JP" altLang="en-US" dirty="0"/>
           </a:p>
@@ -9071,13 +7274,6 @@
   <p:clrMapOvr>
     <a:masterClrMapping/>
   </p:clrMapOvr>
-  <p:timing>
-    <p:tnLst>
-      <p:par>
-        <p:cTn id="1" dur="indefinite" restart="never" nodeType="tmRoot"/>
-      </p:par>
-    </p:tnLst>
-  </p:timing>
 </p:sld>
 </file>
 
@@ -9150,8 +7346,8 @@
           </a:xfrm>
         </p:spPr>
         <p:txBody>
-          <a:bodyPr>
-            <a:normAutofit fontScale="77500" lnSpcReduction="20000"/>
+          <a:bodyPr vert="horz" lIns="91440" tIns="45720" rIns="91440" bIns="45720" rtlCol="0" anchor="t">
+            <a:normAutofit fontScale="85000" lnSpcReduction="10000"/>
           </a:bodyPr>
           <a:lstStyle/>
           <a:p>
@@ -9161,78 +7357,18 @@
               </a:lnSpc>
             </a:pPr>
             <a:r>
-              <a:rPr lang="ja-JP" altLang="en-US" dirty="0" smtClean="0"/>
-              <a:t>インターネットの発展や</a:t>
-            </a:r>
-            <a:r>
-              <a:rPr lang="ja-JP" altLang="en-US" dirty="0" smtClean="0"/>
-              <a:t>，モバイル</a:t>
-            </a:r>
-            <a:r>
-              <a:rPr lang="ja-JP" altLang="en-US" dirty="0" smtClean="0"/>
-              <a:t>端末の普及によりソーシャルネットワーキング</a:t>
-            </a:r>
-            <a:r>
               <a:rPr lang="ja-JP" altLang="en-US" dirty="0"/>
-              <a:t>サービス</a:t>
-            </a:r>
-            <a:r>
-              <a:rPr lang="en-US" altLang="ja-JP" dirty="0" smtClean="0"/>
-              <a:t>(</a:t>
+              <a:t>モバイル端末の普及によりソーシャルネットワーキングサービス</a:t>
             </a:r>
             <a:r>
               <a:rPr lang="en-US" altLang="ja-JP" dirty="0"/>
-              <a:t>Social Networking Service, SNS</a:t>
-            </a:r>
-            <a:r>
-              <a:rPr lang="en-US" altLang="ja-JP" dirty="0" smtClean="0"/>
-              <a:t>)</a:t>
-            </a:r>
-            <a:r>
-              <a:rPr lang="ja-JP" altLang="en-US" dirty="0" smtClean="0"/>
-              <a:t>が大きく</a:t>
-            </a:r>
-            <a:r>
-              <a:rPr lang="ja-JP" altLang="en-US" dirty="0" smtClean="0"/>
-              <a:t>発展</a:t>
+              <a:t>(Social Networking Service, SNS)</a:t>
             </a:r>
             <a:r>
               <a:rPr lang="ja-JP" altLang="en-US" dirty="0"/>
-              <a:t>を遂げた</a:t>
-            </a:r>
-            <a:r>
-              <a:rPr lang="ja-JP" altLang="en-US" dirty="0" smtClean="0"/>
-              <a:t>．</a:t>
-            </a:r>
-            <a:r>
-              <a:rPr lang="ja-JP" altLang="en-US" dirty="0" smtClean="0"/>
-              <a:t>これに伴って音楽投稿型の</a:t>
-            </a:r>
-            <a:r>
-              <a:rPr lang="en-US" altLang="ja-JP" dirty="0" smtClean="0"/>
-              <a:t>SNS</a:t>
-            </a:r>
-            <a:r>
-              <a:rPr lang="ja-JP" altLang="en-US" dirty="0" smtClean="0"/>
-              <a:t>も同様に発展を遂げた．そのため誰でも音楽を</a:t>
-            </a:r>
-            <a:r>
-              <a:rPr lang="en-US" altLang="ja-JP" dirty="0" smtClean="0"/>
-              <a:t>SNS</a:t>
-            </a:r>
-            <a:r>
-              <a:rPr lang="ja-JP" altLang="en-US" dirty="0" smtClean="0"/>
-              <a:t>などに投稿できるようになっているため</a:t>
-            </a:r>
-            <a:r>
-              <a:rPr lang="en-US" altLang="ja-JP" dirty="0" smtClean="0"/>
-              <a:t>SNS</a:t>
-            </a:r>
-            <a:r>
-              <a:rPr lang="ja-JP" altLang="en-US" dirty="0" smtClean="0"/>
-              <a:t>などに投稿される楽曲が莫大な量になってきている．</a:t>
-            </a:r>
-            <a:endParaRPr lang="en-US" altLang="ja-JP" dirty="0" smtClean="0"/>
+              <a:t>が大きく発展を遂げた．</a:t>
+            </a:r>
+            <a:endParaRPr lang="en-US" altLang="ja-JP" dirty="0"/>
           </a:p>
           <a:p>
             <a:pPr algn="just">
@@ -9241,14 +7377,48 @@
               </a:lnSpc>
             </a:pPr>
             <a:r>
-              <a:rPr lang="en-US" altLang="ja-JP" dirty="0" smtClean="0"/>
+              <a:rPr lang="ja-JP" altLang="en-US">
+                <a:ea typeface="ＭＳ Ｐゴシック"/>
+              </a:rPr>
+              <a:t>音楽投稿型</a:t>
+            </a:r>
+            <a:r>
+              <a:rPr lang="en-US" altLang="ja-JP" dirty="0">
+                <a:ea typeface="ＭＳ Ｐゴシック"/>
+              </a:rPr>
               <a:t>SNS</a:t>
             </a:r>
             <a:r>
-              <a:rPr lang="ja-JP" altLang="en-US" dirty="0" smtClean="0"/>
-              <a:t>に投稿される写真から動画コンテンツを作成するようなサービスがある場合に，作成された動画コンテンツと楽曲コンテンツを組み合わせることでより付加価値の高いコンテンツを作り出せると考えられる</a:t>
-            </a:r>
-            <a:endParaRPr lang="en-US" altLang="ja-JP" dirty="0" smtClean="0"/>
+              <a:rPr lang="ja-JP" altLang="en-US">
+                <a:ea typeface="ＭＳ Ｐゴシック"/>
+              </a:rPr>
+              <a:t>においては，投稿される楽曲が莫大な量になってきている．</a:t>
+            </a:r>
+            <a:endParaRPr lang="en-US" altLang="ja-JP">
+              <a:ea typeface="ＭＳ Ｐゴシック"/>
+            </a:endParaRPr>
+          </a:p>
+          <a:p>
+            <a:pPr algn="just">
+              <a:lnSpc>
+                <a:spcPct val="120000"/>
+              </a:lnSpc>
+            </a:pPr>
+            <a:r>
+              <a:rPr lang="en-US" altLang="ja-JP" dirty="0">
+                <a:ea typeface="ＭＳ Ｐゴシック"/>
+              </a:rPr>
+              <a:t>SNS</a:t>
+            </a:r>
+            <a:r>
+              <a:rPr lang="ja-JP" altLang="en-US">
+                <a:ea typeface="ＭＳ Ｐゴシック"/>
+              </a:rPr>
+              <a:t>に投稿される写真から動画コンテンツを作成するようなサービスがある場合に，作成された動画コンテンツと楽曲コンテンツを組み合わせることで，より付加価値の高いコンテンツを作り出せると考えられる</a:t>
+            </a:r>
+            <a:endParaRPr lang="en-US" altLang="ja-JP">
+              <a:ea typeface="ＭＳ Ｐゴシック"/>
+            </a:endParaRPr>
           </a:p>
           <a:p>
             <a:pPr marL="0" indent="0" algn="just">
@@ -9257,7 +7427,7 @@
               </a:lnSpc>
               <a:buNone/>
             </a:pPr>
-            <a:endParaRPr lang="en-US" altLang="ja-JP" dirty="0" smtClean="0"/>
+            <a:endParaRPr lang="en-US" altLang="ja-JP" dirty="0"/>
           </a:p>
           <a:p>
             <a:pPr marL="0" indent="0" algn="just">
@@ -9266,7 +7436,7 @@
               </a:lnSpc>
               <a:buNone/>
             </a:pPr>
-            <a:endParaRPr lang="en-US" altLang="ja-JP" dirty="0" smtClean="0"/>
+            <a:endParaRPr lang="en-US" altLang="ja-JP" dirty="0"/>
           </a:p>
           <a:p>
             <a:pPr marL="0" indent="0" algn="just">
@@ -9405,10 +7575,9 @@
             <a:lstStyle/>
             <a:p>
               <a:r>
-                <a:rPr kumimoji="1" lang="ja-JP" altLang="en-US" sz="3600" dirty="0" smtClean="0"/>
+                <a:rPr kumimoji="1" lang="ja-JP" altLang="en-US" sz="3600" dirty="0"/>
                 <a:t>＋</a:t>
               </a:r>
-              <a:endParaRPr kumimoji="1" lang="ja-JP" altLang="en-US" sz="3600" dirty="0"/>
             </a:p>
           </p:txBody>
         </p:sp>
@@ -9545,10 +7714,9 @@
             <a:lstStyle/>
             <a:p>
               <a:r>
-                <a:rPr kumimoji="1" lang="ja-JP" altLang="en-US" dirty="0" smtClean="0"/>
+                <a:rPr kumimoji="1" lang="ja-JP" altLang="en-US" dirty="0"/>
                 <a:t>音楽付きの動画</a:t>
               </a:r>
-              <a:endParaRPr kumimoji="1" lang="ja-JP" altLang="en-US" dirty="0"/>
             </a:p>
           </p:txBody>
         </p:sp>
@@ -9616,10 +7784,9 @@
           <a:lstStyle/>
           <a:p>
             <a:r>
-              <a:rPr kumimoji="1" lang="ja-JP" altLang="en-US" dirty="0" smtClean="0"/>
+              <a:rPr kumimoji="1" lang="ja-JP" altLang="en-US" dirty="0"/>
               <a:t>動画</a:t>
             </a:r>
-            <a:endParaRPr kumimoji="1" lang="ja-JP" altLang="en-US" dirty="0"/>
           </a:p>
         </p:txBody>
       </p:sp>
@@ -9663,13 +7830,6 @@
   <p:clrMapOvr>
     <a:masterClrMapping/>
   </p:clrMapOvr>
-  <p:timing>
-    <p:tnLst>
-      <p:par>
-        <p:cTn id="1" dur="indefinite" restart="never" nodeType="tmRoot"/>
-      </p:par>
-    </p:tnLst>
-  </p:timing>
 </p:sld>
 </file>
 
@@ -9729,7 +7889,7 @@
           </a:xfrm>
         </p:spPr>
         <p:txBody>
-          <a:bodyPr>
+          <a:bodyPr vert="horz" lIns="91440" tIns="45720" rIns="91440" bIns="45720" rtlCol="0" anchor="t">
             <a:normAutofit/>
           </a:bodyPr>
           <a:lstStyle/>
@@ -9737,7 +7897,7 @@
             <a:pPr marL="0" indent="0">
               <a:buNone/>
             </a:pPr>
-            <a:endParaRPr kumimoji="1" lang="en-US" altLang="ja-JP" dirty="0" smtClean="0">
+            <a:endParaRPr kumimoji="1" lang="en-US" altLang="ja-JP" dirty="0">
               <a:latin typeface="+mn-ea"/>
             </a:endParaRPr>
           </a:p>
@@ -9746,7 +7906,7 @@
               <a:buNone/>
             </a:pPr>
             <a:r>
-              <a:rPr lang="ja-JP" altLang="en-US" u="sng" dirty="0" smtClean="0">
+              <a:rPr lang="ja-JP" altLang="en-US" u="sng" dirty="0">
                 <a:latin typeface="+mn-ea"/>
               </a:rPr>
               <a:t>音楽と機械学習</a:t>
@@ -9760,37 +7920,48 @@
               <a:buNone/>
             </a:pPr>
             <a:r>
-              <a:rPr lang="en-US" altLang="ja-JP" dirty="0" smtClean="0"/>
+              <a:rPr lang="en-US" dirty="0">
+                <a:ea typeface="+mn-lt"/>
+                <a:cs typeface="+mn-lt"/>
+              </a:rPr>
+              <a:t>[2004 </a:t>
+            </a:r>
+            <a:r>
+              <a:rPr lang="ja-JP" altLang="en-US">
+                <a:ea typeface="+mn-lt"/>
+                <a:cs typeface="+mn-lt"/>
+              </a:rPr>
+              <a:t>赤江</a:t>
+            </a:r>
+            <a:r>
+              <a:rPr lang="en-US" dirty="0">
+                <a:ea typeface="+mn-lt"/>
+                <a:cs typeface="+mn-lt"/>
+              </a:rPr>
+              <a:t>],</a:t>
+            </a:r>
+            <a:r>
+              <a:rPr lang="en-US" altLang="ja-JP" dirty="0">
+                <a:ea typeface="ＭＳ Ｐゴシック"/>
+              </a:rPr>
               <a:t>[2016 </a:t>
             </a:r>
             <a:r>
-              <a:rPr lang="ja-JP" altLang="en-US" dirty="0" smtClean="0"/>
+              <a:rPr lang="ja-JP" altLang="en-US">
+                <a:ea typeface="ＭＳ Ｐゴシック"/>
+              </a:rPr>
               <a:t>吉井</a:t>
             </a:r>
             <a:r>
-              <a:rPr lang="en-US" altLang="ja-JP" dirty="0" smtClean="0"/>
+              <a:rPr lang="en-US" altLang="ja-JP" dirty="0">
+                <a:ea typeface="ＭＳ Ｐゴシック"/>
+              </a:rPr>
               <a:t>]</a:t>
             </a:r>
-            <a:r>
-              <a:rPr lang="ja-JP" altLang="en-US" dirty="0" err="1" smtClean="0"/>
-              <a:t>，</a:t>
-            </a:r>
-            <a:r>
-              <a:rPr lang="en-US" altLang="ja-JP" dirty="0" smtClean="0"/>
-              <a:t>[</a:t>
-            </a:r>
-            <a:r>
-              <a:rPr lang="en-US" altLang="ja-JP" dirty="0"/>
-              <a:t>2004 </a:t>
-            </a:r>
-            <a:r>
-              <a:rPr lang="ja-JP" altLang="en-US" dirty="0"/>
-              <a:t>赤江</a:t>
-            </a:r>
-            <a:r>
-              <a:rPr lang="en-US" altLang="ja-JP" dirty="0" smtClean="0"/>
-              <a:t>]</a:t>
-            </a:r>
+            <a:endParaRPr lang="en-US" altLang="ja-JP" dirty="0">
+              <a:ea typeface="ＭＳ Ｐゴシック"/>
+              <a:cs typeface="Calibri"/>
+            </a:endParaRPr>
           </a:p>
           <a:p>
             <a:pPr marL="0" indent="0">
@@ -9805,12 +7976,12 @@
               <a:buNone/>
             </a:pPr>
             <a:r>
-              <a:rPr lang="ja-JP" altLang="en-US" u="sng" dirty="0" smtClean="0">
+              <a:rPr lang="ja-JP" altLang="en-US" u="sng" dirty="0">
                 <a:latin typeface="+mn-ea"/>
               </a:rPr>
               <a:t>音楽動画の印象評価データセット構築</a:t>
             </a:r>
-            <a:endParaRPr lang="en-US" altLang="ja-JP" u="sng" dirty="0" smtClean="0">
+            <a:endParaRPr lang="en-US" altLang="ja-JP" u="sng" dirty="0">
               <a:latin typeface="+mn-ea"/>
             </a:endParaRPr>
           </a:p>
@@ -9819,26 +7990,23 @@
               <a:buNone/>
             </a:pPr>
             <a:r>
-              <a:rPr lang="en-US" altLang="ja-JP" dirty="0" smtClean="0">
+              <a:rPr lang="en-US" altLang="ja-JP" dirty="0">
                 <a:latin typeface="+mn-ea"/>
               </a:rPr>
               <a:t>[2015 </a:t>
             </a:r>
             <a:r>
-              <a:rPr lang="ja-JP" altLang="en-US" dirty="0" smtClean="0">
+              <a:rPr lang="ja-JP" altLang="en-US" dirty="0">
                 <a:latin typeface="+mn-ea"/>
               </a:rPr>
               <a:t>大野</a:t>
             </a:r>
             <a:r>
-              <a:rPr lang="en-US" altLang="ja-JP" dirty="0" smtClean="0">
+              <a:rPr lang="en-US" altLang="ja-JP" dirty="0">
                 <a:latin typeface="+mn-ea"/>
               </a:rPr>
               <a:t>]</a:t>
             </a:r>
-            <a:endParaRPr lang="en-US" altLang="ja-JP" dirty="0" smtClean="0">
-              <a:latin typeface="+mn-ea"/>
-            </a:endParaRPr>
           </a:p>
           <a:p>
             <a:pPr marL="0" indent="0">
@@ -9853,18 +8021,18 @@
               <a:buNone/>
             </a:pPr>
             <a:r>
-              <a:rPr lang="en-US" altLang="ja-JP" u="sng" dirty="0" smtClean="0">
+              <a:rPr lang="en-US" altLang="ja-JP" u="sng" dirty="0">
                 <a:latin typeface="+mn-ea"/>
               </a:rPr>
               <a:t>CNN</a:t>
             </a:r>
             <a:r>
-              <a:rPr lang="ja-JP" altLang="en-US" u="sng" dirty="0" smtClean="0">
+              <a:rPr lang="ja-JP" altLang="en-US" u="sng" dirty="0">
                 <a:latin typeface="+mn-ea"/>
               </a:rPr>
               <a:t>を利用したジャンル推定</a:t>
             </a:r>
-            <a:endParaRPr lang="en-US" altLang="ja-JP" u="sng" dirty="0" smtClean="0">
+            <a:endParaRPr lang="en-US" altLang="ja-JP" u="sng" dirty="0">
               <a:latin typeface="+mn-ea"/>
             </a:endParaRPr>
           </a:p>
@@ -9873,18 +8041,18 @@
               <a:buNone/>
             </a:pPr>
             <a:r>
-              <a:rPr lang="en-US" altLang="ja-JP" dirty="0" smtClean="0"/>
+              <a:rPr lang="en-US" altLang="ja-JP" dirty="0"/>
               <a:t>[2019 </a:t>
             </a:r>
             <a:r>
-              <a:rPr lang="ja-JP" altLang="en-US" dirty="0" smtClean="0"/>
+              <a:rPr lang="ja-JP" altLang="en-US" dirty="0"/>
               <a:t>小林</a:t>
             </a:r>
             <a:r>
-              <a:rPr lang="en-US" altLang="ja-JP" dirty="0" smtClean="0"/>
+              <a:rPr lang="en-US" altLang="ja-JP" dirty="0"/>
               <a:t>]</a:t>
             </a:r>
-            <a:endParaRPr lang="en-US" altLang="ja-JP" u="sng" dirty="0" smtClean="0">
+            <a:endParaRPr lang="en-US" altLang="ja-JP" u="sng" dirty="0">
               <a:latin typeface="+mn-ea"/>
             </a:endParaRPr>
           </a:p>
@@ -9923,13 +8091,6 @@
   <p:clrMapOvr>
     <a:masterClrMapping/>
   </p:clrMapOvr>
-  <p:timing>
-    <p:tnLst>
-      <p:par>
-        <p:cTn id="1" dur="indefinite" restart="never" nodeType="tmRoot"/>
-      </p:par>
-    </p:tnLst>
-  </p:timing>
 </p:sld>
 </file>
 
@@ -10000,10 +8161,10 @@
               </a:lnSpc>
             </a:pPr>
             <a:r>
-              <a:rPr lang="ja-JP" altLang="en-US" dirty="0" smtClean="0"/>
+              <a:rPr lang="ja-JP" altLang="en-US" dirty="0"/>
               <a:t>楽曲ジャンル推定には深層学習が用いられるようになっているが、計算コストが大きい</a:t>
             </a:r>
-            <a:endParaRPr lang="en-US" altLang="ja-JP" dirty="0" smtClean="0"/>
+            <a:endParaRPr lang="en-US" altLang="ja-JP" dirty="0"/>
           </a:p>
           <a:p>
             <a:pPr algn="just"/>
@@ -10016,15 +8177,15 @@
               </a:lnSpc>
             </a:pPr>
             <a:r>
-              <a:rPr lang="ja-JP" altLang="en-US" dirty="0" smtClean="0"/>
+              <a:rPr lang="ja-JP" altLang="en-US" dirty="0"/>
               <a:t>楽曲ジャンル推定をユーザ投稿型の</a:t>
             </a:r>
             <a:r>
-              <a:rPr lang="en-US" altLang="ja-JP" dirty="0" smtClean="0"/>
+              <a:rPr lang="en-US" altLang="ja-JP" dirty="0"/>
               <a:t>SNS</a:t>
             </a:r>
             <a:r>
-              <a:rPr lang="ja-JP" altLang="en-US" dirty="0" smtClean="0"/>
+              <a:rPr lang="ja-JP" altLang="en-US" dirty="0"/>
               <a:t>などで実現する場合に分散処理が必要となっている</a:t>
             </a:r>
             <a:endParaRPr lang="en-US" altLang="ja-JP" dirty="0"/>
@@ -10068,34 +8229,812 @@
           </a:p>
         </p:txBody>
       </p:sp>
-      <p:pic>
-        <p:nvPicPr>
-          <p:cNvPr id="22" name="図 21"/>
-          <p:cNvPicPr/>
-          <p:nvPr/>
-        </p:nvPicPr>
-        <p:blipFill>
-          <a:blip r:embed="rId2">
+      <p:sp>
+        <p:nvSpPr>
+          <p:cNvPr id="5" name="Oval 4">
             <a:extLst>
-              <a:ext uri="{28A0092B-C50C-407E-A947-70E740481C1C}">
-                <a14:useLocalDpi xmlns:a14="http://schemas.microsoft.com/office/drawing/2010/main" val="0"/>
+              <a:ext uri="{FF2B5EF4-FFF2-40B4-BE49-F238E27FC236}">
+                <a16:creationId xmlns:a16="http://schemas.microsoft.com/office/drawing/2014/main" id="{C660E1E0-1854-496E-8860-230F8D2C9EDC}"/>
               </a:ext>
             </a:extLst>
-          </a:blip>
-          <a:stretch>
-            <a:fillRect/>
-          </a:stretch>
-        </p:blipFill>
+          </p:cNvPr>
+          <p:cNvSpPr/>
+          <p:nvPr/>
+        </p:nvSpPr>
         <p:spPr>
           <a:xfrm>
-            <a:off x="628649" y="4953355"/>
-            <a:ext cx="7592999" cy="1685983"/>
+            <a:off x="1828799" y="4079738"/>
+            <a:ext cx="603056" cy="575007"/>
           </a:xfrm>
-          <a:prstGeom prst="rect">
+          <a:prstGeom prst="ellipse">
             <a:avLst/>
           </a:prstGeom>
         </p:spPr>
-      </p:pic>
+        <p:style>
+          <a:lnRef idx="2">
+            <a:schemeClr val="dk1"/>
+          </a:lnRef>
+          <a:fillRef idx="1">
+            <a:schemeClr val="lt1"/>
+          </a:fillRef>
+          <a:effectRef idx="0">
+            <a:schemeClr val="dk1"/>
+          </a:effectRef>
+          <a:fontRef idx="minor">
+            <a:schemeClr val="dk1"/>
+          </a:fontRef>
+        </p:style>
+        <p:txBody>
+          <a:bodyPr rtlCol="0" anchor="ctr"/>
+          <a:lstStyle/>
+          <a:p>
+            <a:pPr algn="ctr"/>
+            <a:endParaRPr lang="en-US"/>
+          </a:p>
+        </p:txBody>
+      </p:sp>
+      <p:sp>
+        <p:nvSpPr>
+          <p:cNvPr id="7" name="Oval 6">
+            <a:extLst>
+              <a:ext uri="{FF2B5EF4-FFF2-40B4-BE49-F238E27FC236}">
+                <a16:creationId xmlns:a16="http://schemas.microsoft.com/office/drawing/2014/main" id="{1323DAE0-DD76-4F29-963B-A17F24A61585}"/>
+              </a:ext>
+            </a:extLst>
+          </p:cNvPr>
+          <p:cNvSpPr/>
+          <p:nvPr/>
+        </p:nvSpPr>
+        <p:spPr>
+          <a:xfrm>
+            <a:off x="1828799" y="5818781"/>
+            <a:ext cx="603056" cy="575007"/>
+          </a:xfrm>
+          <a:prstGeom prst="ellipse">
+            <a:avLst/>
+          </a:prstGeom>
+        </p:spPr>
+        <p:style>
+          <a:lnRef idx="2">
+            <a:schemeClr val="dk1"/>
+          </a:lnRef>
+          <a:fillRef idx="1">
+            <a:schemeClr val="lt1"/>
+          </a:fillRef>
+          <a:effectRef idx="0">
+            <a:schemeClr val="dk1"/>
+          </a:effectRef>
+          <a:fontRef idx="minor">
+            <a:schemeClr val="dk1"/>
+          </a:fontRef>
+        </p:style>
+        <p:txBody>
+          <a:bodyPr rtlCol="0" anchor="ctr"/>
+          <a:lstStyle/>
+          <a:p>
+            <a:pPr algn="ctr"/>
+            <a:endParaRPr lang="en-US"/>
+          </a:p>
+        </p:txBody>
+      </p:sp>
+      <p:sp>
+        <p:nvSpPr>
+          <p:cNvPr id="8" name="Oval 7">
+            <a:extLst>
+              <a:ext uri="{FF2B5EF4-FFF2-40B4-BE49-F238E27FC236}">
+                <a16:creationId xmlns:a16="http://schemas.microsoft.com/office/drawing/2014/main" id="{6CC0CFED-2839-4B9A-B047-F35223ADC956}"/>
+              </a:ext>
+            </a:extLst>
+          </p:cNvPr>
+          <p:cNvSpPr/>
+          <p:nvPr/>
+        </p:nvSpPr>
+        <p:spPr>
+          <a:xfrm>
+            <a:off x="4269068" y="4374252"/>
+            <a:ext cx="603056" cy="575007"/>
+          </a:xfrm>
+          <a:prstGeom prst="ellipse">
+            <a:avLst/>
+          </a:prstGeom>
+        </p:spPr>
+        <p:style>
+          <a:lnRef idx="2">
+            <a:schemeClr val="dk1"/>
+          </a:lnRef>
+          <a:fillRef idx="1">
+            <a:schemeClr val="lt1"/>
+          </a:fillRef>
+          <a:effectRef idx="0">
+            <a:schemeClr val="dk1"/>
+          </a:effectRef>
+          <a:fontRef idx="minor">
+            <a:schemeClr val="dk1"/>
+          </a:fontRef>
+        </p:style>
+        <p:txBody>
+          <a:bodyPr rtlCol="0" anchor="ctr"/>
+          <a:lstStyle/>
+          <a:p>
+            <a:pPr algn="ctr"/>
+            <a:endParaRPr lang="en-US"/>
+          </a:p>
+        </p:txBody>
+      </p:sp>
+      <p:sp>
+        <p:nvSpPr>
+          <p:cNvPr id="9" name="Oval 8">
+            <a:extLst>
+              <a:ext uri="{FF2B5EF4-FFF2-40B4-BE49-F238E27FC236}">
+                <a16:creationId xmlns:a16="http://schemas.microsoft.com/office/drawing/2014/main" id="{FA287D4A-20B0-4AA1-BD24-9BACE4EA1A26}"/>
+              </a:ext>
+            </a:extLst>
+          </p:cNvPr>
+          <p:cNvSpPr/>
+          <p:nvPr/>
+        </p:nvSpPr>
+        <p:spPr>
+          <a:xfrm>
+            <a:off x="4269069" y="5355971"/>
+            <a:ext cx="603056" cy="575007"/>
+          </a:xfrm>
+          <a:prstGeom prst="ellipse">
+            <a:avLst/>
+          </a:prstGeom>
+        </p:spPr>
+        <p:style>
+          <a:lnRef idx="2">
+            <a:schemeClr val="dk1"/>
+          </a:lnRef>
+          <a:fillRef idx="1">
+            <a:schemeClr val="lt1"/>
+          </a:fillRef>
+          <a:effectRef idx="0">
+            <a:schemeClr val="dk1"/>
+          </a:effectRef>
+          <a:fontRef idx="minor">
+            <a:schemeClr val="dk1"/>
+          </a:fontRef>
+        </p:style>
+        <p:txBody>
+          <a:bodyPr rtlCol="0" anchor="ctr"/>
+          <a:lstStyle/>
+          <a:p>
+            <a:pPr algn="ctr"/>
+            <a:endParaRPr lang="en-US"/>
+          </a:p>
+        </p:txBody>
+      </p:sp>
+      <p:sp>
+        <p:nvSpPr>
+          <p:cNvPr id="10" name="Oval 9">
+            <a:extLst>
+              <a:ext uri="{FF2B5EF4-FFF2-40B4-BE49-F238E27FC236}">
+                <a16:creationId xmlns:a16="http://schemas.microsoft.com/office/drawing/2014/main" id="{4FB76D97-555D-42E3-BAAF-EAD39FBC4EDD}"/>
+              </a:ext>
+            </a:extLst>
+          </p:cNvPr>
+          <p:cNvSpPr/>
+          <p:nvPr/>
+        </p:nvSpPr>
+        <p:spPr>
+          <a:xfrm>
+            <a:off x="1828798" y="4893161"/>
+            <a:ext cx="603056" cy="575007"/>
+          </a:xfrm>
+          <a:prstGeom prst="ellipse">
+            <a:avLst/>
+          </a:prstGeom>
+        </p:spPr>
+        <p:style>
+          <a:lnRef idx="2">
+            <a:schemeClr val="dk1"/>
+          </a:lnRef>
+          <a:fillRef idx="1">
+            <a:schemeClr val="lt1"/>
+          </a:fillRef>
+          <a:effectRef idx="0">
+            <a:schemeClr val="dk1"/>
+          </a:effectRef>
+          <a:fontRef idx="minor">
+            <a:schemeClr val="dk1"/>
+          </a:fontRef>
+        </p:style>
+        <p:txBody>
+          <a:bodyPr rtlCol="0" anchor="ctr"/>
+          <a:lstStyle/>
+          <a:p>
+            <a:pPr algn="ctr"/>
+            <a:endParaRPr lang="en-US"/>
+          </a:p>
+        </p:txBody>
+      </p:sp>
+      <p:sp>
+        <p:nvSpPr>
+          <p:cNvPr id="11" name="Oval 10">
+            <a:extLst>
+              <a:ext uri="{FF2B5EF4-FFF2-40B4-BE49-F238E27FC236}">
+                <a16:creationId xmlns:a16="http://schemas.microsoft.com/office/drawing/2014/main" id="{CB632A78-F597-47A7-B178-3DB0F12E7ACE}"/>
+              </a:ext>
+            </a:extLst>
+          </p:cNvPr>
+          <p:cNvSpPr/>
+          <p:nvPr/>
+        </p:nvSpPr>
+        <p:spPr>
+          <a:xfrm>
+            <a:off x="6414824" y="5818780"/>
+            <a:ext cx="603056" cy="575007"/>
+          </a:xfrm>
+          <a:prstGeom prst="ellipse">
+            <a:avLst/>
+          </a:prstGeom>
+        </p:spPr>
+        <p:style>
+          <a:lnRef idx="2">
+            <a:schemeClr val="dk1"/>
+          </a:lnRef>
+          <a:fillRef idx="1">
+            <a:schemeClr val="lt1"/>
+          </a:fillRef>
+          <a:effectRef idx="0">
+            <a:schemeClr val="dk1"/>
+          </a:effectRef>
+          <a:fontRef idx="minor">
+            <a:schemeClr val="dk1"/>
+          </a:fontRef>
+        </p:style>
+        <p:txBody>
+          <a:bodyPr rtlCol="0" anchor="ctr"/>
+          <a:lstStyle/>
+          <a:p>
+            <a:pPr algn="ctr"/>
+            <a:endParaRPr lang="en-US"/>
+          </a:p>
+        </p:txBody>
+      </p:sp>
+      <p:sp>
+        <p:nvSpPr>
+          <p:cNvPr id="12" name="Oval 11">
+            <a:extLst>
+              <a:ext uri="{FF2B5EF4-FFF2-40B4-BE49-F238E27FC236}">
+                <a16:creationId xmlns:a16="http://schemas.microsoft.com/office/drawing/2014/main" id="{48B8276A-164E-41C9-B954-C56FF9B9F027}"/>
+              </a:ext>
+            </a:extLst>
+          </p:cNvPr>
+          <p:cNvSpPr/>
+          <p:nvPr/>
+        </p:nvSpPr>
+        <p:spPr>
+          <a:xfrm>
+            <a:off x="6414823" y="4949260"/>
+            <a:ext cx="603056" cy="575007"/>
+          </a:xfrm>
+          <a:prstGeom prst="ellipse">
+            <a:avLst/>
+          </a:prstGeom>
+        </p:spPr>
+        <p:style>
+          <a:lnRef idx="2">
+            <a:schemeClr val="dk1"/>
+          </a:lnRef>
+          <a:fillRef idx="1">
+            <a:schemeClr val="lt1"/>
+          </a:fillRef>
+          <a:effectRef idx="0">
+            <a:schemeClr val="dk1"/>
+          </a:effectRef>
+          <a:fontRef idx="minor">
+            <a:schemeClr val="dk1"/>
+          </a:fontRef>
+        </p:style>
+        <p:txBody>
+          <a:bodyPr rtlCol="0" anchor="ctr"/>
+          <a:lstStyle/>
+          <a:p>
+            <a:pPr algn="ctr"/>
+            <a:endParaRPr lang="en-US"/>
+          </a:p>
+        </p:txBody>
+      </p:sp>
+      <p:sp>
+        <p:nvSpPr>
+          <p:cNvPr id="13" name="Oval 12">
+            <a:extLst>
+              <a:ext uri="{FF2B5EF4-FFF2-40B4-BE49-F238E27FC236}">
+                <a16:creationId xmlns:a16="http://schemas.microsoft.com/office/drawing/2014/main" id="{2122095B-F687-436C-BB83-83582B5CF145}"/>
+              </a:ext>
+            </a:extLst>
+          </p:cNvPr>
+          <p:cNvSpPr/>
+          <p:nvPr/>
+        </p:nvSpPr>
+        <p:spPr>
+          <a:xfrm>
+            <a:off x="6414823" y="4079737"/>
+            <a:ext cx="603056" cy="575007"/>
+          </a:xfrm>
+          <a:prstGeom prst="ellipse">
+            <a:avLst/>
+          </a:prstGeom>
+        </p:spPr>
+        <p:style>
+          <a:lnRef idx="2">
+            <a:schemeClr val="dk1"/>
+          </a:lnRef>
+          <a:fillRef idx="1">
+            <a:schemeClr val="lt1"/>
+          </a:fillRef>
+          <a:effectRef idx="0">
+            <a:schemeClr val="dk1"/>
+          </a:effectRef>
+          <a:fontRef idx="minor">
+            <a:schemeClr val="dk1"/>
+          </a:fontRef>
+        </p:style>
+        <p:txBody>
+          <a:bodyPr rtlCol="0" anchor="ctr"/>
+          <a:lstStyle/>
+          <a:p>
+            <a:pPr algn="ctr"/>
+            <a:endParaRPr lang="en-US"/>
+          </a:p>
+        </p:txBody>
+      </p:sp>
+      <p:cxnSp>
+        <p:nvCxnSpPr>
+          <p:cNvPr id="14" name="Straight Arrow Connector 13">
+            <a:extLst>
+              <a:ext uri="{FF2B5EF4-FFF2-40B4-BE49-F238E27FC236}">
+                <a16:creationId xmlns:a16="http://schemas.microsoft.com/office/drawing/2014/main" id="{01AB77C0-D2FE-4327-8A8D-2EC81BE91138}"/>
+              </a:ext>
+            </a:extLst>
+          </p:cNvPr>
+          <p:cNvCxnSpPr/>
+          <p:nvPr/>
+        </p:nvCxnSpPr>
+        <p:spPr>
+          <a:xfrm>
+            <a:off x="2479187" y="4402262"/>
+            <a:ext cx="1768643" cy="248695"/>
+          </a:xfrm>
+          <a:prstGeom prst="straightConnector1">
+            <a:avLst/>
+          </a:prstGeom>
+        </p:spPr>
+        <p:style>
+          <a:lnRef idx="1">
+            <a:schemeClr val="dk1"/>
+          </a:lnRef>
+          <a:fillRef idx="0">
+            <a:schemeClr val="dk1"/>
+          </a:fillRef>
+          <a:effectRef idx="0">
+            <a:schemeClr val="dk1"/>
+          </a:effectRef>
+          <a:fontRef idx="minor">
+            <a:schemeClr val="tx1"/>
+          </a:fontRef>
+        </p:style>
+      </p:cxnSp>
+      <p:cxnSp>
+        <p:nvCxnSpPr>
+          <p:cNvPr id="16" name="Straight Arrow Connector 15">
+            <a:extLst>
+              <a:ext uri="{FF2B5EF4-FFF2-40B4-BE49-F238E27FC236}">
+                <a16:creationId xmlns:a16="http://schemas.microsoft.com/office/drawing/2014/main" id="{C91408D1-6BFC-49EF-8DBE-F05C39D59BA5}"/>
+              </a:ext>
+            </a:extLst>
+          </p:cNvPr>
+          <p:cNvCxnSpPr>
+            <a:cxnSpLocks/>
+          </p:cNvCxnSpPr>
+          <p:nvPr/>
+        </p:nvCxnSpPr>
+        <p:spPr>
+          <a:xfrm flipV="1">
+            <a:off x="2451138" y="4660004"/>
+            <a:ext cx="1795141" cy="518906"/>
+          </a:xfrm>
+          <a:prstGeom prst="straightConnector1">
+            <a:avLst/>
+          </a:prstGeom>
+        </p:spPr>
+        <p:style>
+          <a:lnRef idx="1">
+            <a:schemeClr val="dk1"/>
+          </a:lnRef>
+          <a:fillRef idx="0">
+            <a:schemeClr val="dk1"/>
+          </a:fillRef>
+          <a:effectRef idx="0">
+            <a:schemeClr val="dk1"/>
+          </a:effectRef>
+          <a:fontRef idx="minor">
+            <a:schemeClr val="tx1"/>
+          </a:fontRef>
+        </p:style>
+      </p:cxnSp>
+      <p:cxnSp>
+        <p:nvCxnSpPr>
+          <p:cNvPr id="17" name="Straight Arrow Connector 16">
+            <a:extLst>
+              <a:ext uri="{FF2B5EF4-FFF2-40B4-BE49-F238E27FC236}">
+                <a16:creationId xmlns:a16="http://schemas.microsoft.com/office/drawing/2014/main" id="{6CCC66C7-9E7A-4F61-984E-A8225FB9E8A4}"/>
+              </a:ext>
+            </a:extLst>
+          </p:cNvPr>
+          <p:cNvCxnSpPr>
+            <a:cxnSpLocks/>
+          </p:cNvCxnSpPr>
+          <p:nvPr/>
+        </p:nvCxnSpPr>
+        <p:spPr>
+          <a:xfrm flipV="1">
+            <a:off x="2437112" y="4631954"/>
+            <a:ext cx="1837214" cy="1416478"/>
+          </a:xfrm>
+          <a:prstGeom prst="straightConnector1">
+            <a:avLst/>
+          </a:prstGeom>
+        </p:spPr>
+        <p:style>
+          <a:lnRef idx="1">
+            <a:schemeClr val="dk1"/>
+          </a:lnRef>
+          <a:fillRef idx="0">
+            <a:schemeClr val="dk1"/>
+          </a:fillRef>
+          <a:effectRef idx="0">
+            <a:schemeClr val="dk1"/>
+          </a:effectRef>
+          <a:fontRef idx="minor">
+            <a:schemeClr val="tx1"/>
+          </a:fontRef>
+        </p:style>
+      </p:cxnSp>
+      <p:cxnSp>
+        <p:nvCxnSpPr>
+          <p:cNvPr id="18" name="Straight Arrow Connector 17">
+            <a:extLst>
+              <a:ext uri="{FF2B5EF4-FFF2-40B4-BE49-F238E27FC236}">
+                <a16:creationId xmlns:a16="http://schemas.microsoft.com/office/drawing/2014/main" id="{09A02204-D8D1-437C-9FD6-F6C489C00DE9}"/>
+              </a:ext>
+            </a:extLst>
+          </p:cNvPr>
+          <p:cNvCxnSpPr>
+            <a:cxnSpLocks/>
+          </p:cNvCxnSpPr>
+          <p:nvPr/>
+        </p:nvCxnSpPr>
+        <p:spPr>
+          <a:xfrm flipV="1">
+            <a:off x="4849334" y="4437163"/>
+            <a:ext cx="1584451" cy="1250057"/>
+          </a:xfrm>
+          <a:prstGeom prst="straightConnector1">
+            <a:avLst/>
+          </a:prstGeom>
+        </p:spPr>
+        <p:style>
+          <a:lnRef idx="1">
+            <a:schemeClr val="dk1"/>
+          </a:lnRef>
+          <a:fillRef idx="0">
+            <a:schemeClr val="dk1"/>
+          </a:fillRef>
+          <a:effectRef idx="0">
+            <a:schemeClr val="dk1"/>
+          </a:effectRef>
+          <a:fontRef idx="minor">
+            <a:schemeClr val="tx1"/>
+          </a:fontRef>
+        </p:style>
+      </p:cxnSp>
+      <p:cxnSp>
+        <p:nvCxnSpPr>
+          <p:cNvPr id="19" name="Straight Arrow Connector 18">
+            <a:extLst>
+              <a:ext uri="{FF2B5EF4-FFF2-40B4-BE49-F238E27FC236}">
+                <a16:creationId xmlns:a16="http://schemas.microsoft.com/office/drawing/2014/main" id="{8365CB26-F7EF-4854-A708-066E7CE8A5A0}"/>
+              </a:ext>
+            </a:extLst>
+          </p:cNvPr>
+          <p:cNvCxnSpPr>
+            <a:cxnSpLocks/>
+          </p:cNvCxnSpPr>
+          <p:nvPr/>
+        </p:nvCxnSpPr>
+        <p:spPr>
+          <a:xfrm flipV="1">
+            <a:off x="4882682" y="5320388"/>
+            <a:ext cx="1509673" cy="349382"/>
+          </a:xfrm>
+          <a:prstGeom prst="straightConnector1">
+            <a:avLst/>
+          </a:prstGeom>
+        </p:spPr>
+        <p:style>
+          <a:lnRef idx="1">
+            <a:schemeClr val="dk1"/>
+          </a:lnRef>
+          <a:fillRef idx="0">
+            <a:schemeClr val="dk1"/>
+          </a:fillRef>
+          <a:effectRef idx="0">
+            <a:schemeClr val="dk1"/>
+          </a:effectRef>
+          <a:fontRef idx="minor">
+            <a:schemeClr val="tx1"/>
+          </a:fontRef>
+        </p:style>
+      </p:cxnSp>
+      <p:cxnSp>
+        <p:nvCxnSpPr>
+          <p:cNvPr id="20" name="Straight Arrow Connector 19">
+            <a:extLst>
+              <a:ext uri="{FF2B5EF4-FFF2-40B4-BE49-F238E27FC236}">
+                <a16:creationId xmlns:a16="http://schemas.microsoft.com/office/drawing/2014/main" id="{8C2DE3CE-6ECF-4E4E-88D2-0CE5CDA6EA77}"/>
+              </a:ext>
+            </a:extLst>
+          </p:cNvPr>
+          <p:cNvCxnSpPr>
+            <a:cxnSpLocks/>
+          </p:cNvCxnSpPr>
+          <p:nvPr/>
+        </p:nvCxnSpPr>
+        <p:spPr>
+          <a:xfrm>
+            <a:off x="2451138" y="5249035"/>
+            <a:ext cx="1795140" cy="420736"/>
+          </a:xfrm>
+          <a:prstGeom prst="straightConnector1">
+            <a:avLst/>
+          </a:prstGeom>
+        </p:spPr>
+        <p:style>
+          <a:lnRef idx="1">
+            <a:schemeClr val="dk1"/>
+          </a:lnRef>
+          <a:fillRef idx="0">
+            <a:schemeClr val="dk1"/>
+          </a:fillRef>
+          <a:effectRef idx="0">
+            <a:schemeClr val="dk1"/>
+          </a:effectRef>
+          <a:fontRef idx="minor">
+            <a:schemeClr val="tx1"/>
+          </a:fontRef>
+        </p:style>
+      </p:cxnSp>
+      <p:cxnSp>
+        <p:nvCxnSpPr>
+          <p:cNvPr id="21" name="Straight Arrow Connector 20">
+            <a:extLst>
+              <a:ext uri="{FF2B5EF4-FFF2-40B4-BE49-F238E27FC236}">
+                <a16:creationId xmlns:a16="http://schemas.microsoft.com/office/drawing/2014/main" id="{A0E86776-7D33-43EF-B36A-7A5B252C5EF9}"/>
+              </a:ext>
+            </a:extLst>
+          </p:cNvPr>
+          <p:cNvCxnSpPr>
+            <a:cxnSpLocks/>
+          </p:cNvCxnSpPr>
+          <p:nvPr/>
+        </p:nvCxnSpPr>
+        <p:spPr>
+          <a:xfrm>
+            <a:off x="4821285" y="5669770"/>
+            <a:ext cx="1570749" cy="462810"/>
+          </a:xfrm>
+          <a:prstGeom prst="straightConnector1">
+            <a:avLst/>
+          </a:prstGeom>
+        </p:spPr>
+        <p:style>
+          <a:lnRef idx="1">
+            <a:schemeClr val="dk1"/>
+          </a:lnRef>
+          <a:fillRef idx="0">
+            <a:schemeClr val="dk1"/>
+          </a:fillRef>
+          <a:effectRef idx="0">
+            <a:schemeClr val="dk1"/>
+          </a:effectRef>
+          <a:fontRef idx="minor">
+            <a:schemeClr val="tx1"/>
+          </a:fontRef>
+        </p:style>
+      </p:cxnSp>
+      <p:cxnSp>
+        <p:nvCxnSpPr>
+          <p:cNvPr id="23" name="Straight Arrow Connector 22">
+            <a:extLst>
+              <a:ext uri="{FF2B5EF4-FFF2-40B4-BE49-F238E27FC236}">
+                <a16:creationId xmlns:a16="http://schemas.microsoft.com/office/drawing/2014/main" id="{3DD74103-ABD2-4095-B4EB-C7A547B8AD00}"/>
+              </a:ext>
+            </a:extLst>
+          </p:cNvPr>
+          <p:cNvCxnSpPr>
+            <a:cxnSpLocks/>
+          </p:cNvCxnSpPr>
+          <p:nvPr/>
+        </p:nvCxnSpPr>
+        <p:spPr>
+          <a:xfrm flipV="1">
+            <a:off x="2437113" y="5690968"/>
+            <a:ext cx="1810716" cy="329414"/>
+          </a:xfrm>
+          <a:prstGeom prst="straightConnector1">
+            <a:avLst/>
+          </a:prstGeom>
+        </p:spPr>
+        <p:style>
+          <a:lnRef idx="1">
+            <a:schemeClr val="dk1"/>
+          </a:lnRef>
+          <a:fillRef idx="0">
+            <a:schemeClr val="dk1"/>
+          </a:fillRef>
+          <a:effectRef idx="0">
+            <a:schemeClr val="dk1"/>
+          </a:effectRef>
+          <a:fontRef idx="minor">
+            <a:schemeClr val="tx1"/>
+          </a:fontRef>
+        </p:style>
+      </p:cxnSp>
+      <p:cxnSp>
+        <p:nvCxnSpPr>
+          <p:cNvPr id="24" name="Straight Arrow Connector 23">
+            <a:extLst>
+              <a:ext uri="{FF2B5EF4-FFF2-40B4-BE49-F238E27FC236}">
+                <a16:creationId xmlns:a16="http://schemas.microsoft.com/office/drawing/2014/main" id="{5043AD3F-26C0-4CC5-B5C9-5DAA9438BBE1}"/>
+              </a:ext>
+            </a:extLst>
+          </p:cNvPr>
+          <p:cNvCxnSpPr>
+            <a:cxnSpLocks/>
+          </p:cNvCxnSpPr>
+          <p:nvPr/>
+        </p:nvCxnSpPr>
+        <p:spPr>
+          <a:xfrm flipH="1" flipV="1">
+            <a:off x="2456437" y="4458361"/>
+            <a:ext cx="1787967" cy="1198935"/>
+          </a:xfrm>
+          <a:prstGeom prst="straightConnector1">
+            <a:avLst/>
+          </a:prstGeom>
+        </p:spPr>
+        <p:style>
+          <a:lnRef idx="1">
+            <a:schemeClr val="dk1"/>
+          </a:lnRef>
+          <a:fillRef idx="0">
+            <a:schemeClr val="dk1"/>
+          </a:fillRef>
+          <a:effectRef idx="0">
+            <a:schemeClr val="dk1"/>
+          </a:effectRef>
+          <a:fontRef idx="minor">
+            <a:schemeClr val="tx1"/>
+          </a:fontRef>
+        </p:style>
+      </p:cxnSp>
+      <p:cxnSp>
+        <p:nvCxnSpPr>
+          <p:cNvPr id="25" name="Straight Arrow Connector 24">
+            <a:extLst>
+              <a:ext uri="{FF2B5EF4-FFF2-40B4-BE49-F238E27FC236}">
+                <a16:creationId xmlns:a16="http://schemas.microsoft.com/office/drawing/2014/main" id="{23B913F8-DAB0-48B0-898E-C97719D80602}"/>
+              </a:ext>
+            </a:extLst>
+          </p:cNvPr>
+          <p:cNvCxnSpPr>
+            <a:cxnSpLocks/>
+          </p:cNvCxnSpPr>
+          <p:nvPr/>
+        </p:nvCxnSpPr>
+        <p:spPr>
+          <a:xfrm>
+            <a:off x="4849334" y="4758174"/>
+            <a:ext cx="1514650" cy="1388429"/>
+          </a:xfrm>
+          <a:prstGeom prst="straightConnector1">
+            <a:avLst/>
+          </a:prstGeom>
+        </p:spPr>
+        <p:style>
+          <a:lnRef idx="1">
+            <a:schemeClr val="dk1"/>
+          </a:lnRef>
+          <a:fillRef idx="0">
+            <a:schemeClr val="dk1"/>
+          </a:fillRef>
+          <a:effectRef idx="0">
+            <a:schemeClr val="dk1"/>
+          </a:effectRef>
+          <a:fontRef idx="minor">
+            <a:schemeClr val="tx1"/>
+          </a:fontRef>
+        </p:style>
+      </p:cxnSp>
+      <p:cxnSp>
+        <p:nvCxnSpPr>
+          <p:cNvPr id="26" name="Straight Arrow Connector 25">
+            <a:extLst>
+              <a:ext uri="{FF2B5EF4-FFF2-40B4-BE49-F238E27FC236}">
+                <a16:creationId xmlns:a16="http://schemas.microsoft.com/office/drawing/2014/main" id="{950122A7-F701-42B5-ACE2-F35CB1A4F70F}"/>
+              </a:ext>
+            </a:extLst>
+          </p:cNvPr>
+          <p:cNvCxnSpPr>
+            <a:cxnSpLocks/>
+          </p:cNvCxnSpPr>
+          <p:nvPr/>
+        </p:nvCxnSpPr>
+        <p:spPr>
+          <a:xfrm>
+            <a:off x="4891407" y="4686501"/>
+            <a:ext cx="1504374" cy="625482"/>
+          </a:xfrm>
+          <a:prstGeom prst="straightConnector1">
+            <a:avLst/>
+          </a:prstGeom>
+        </p:spPr>
+        <p:style>
+          <a:lnRef idx="1">
+            <a:schemeClr val="dk1"/>
+          </a:lnRef>
+          <a:fillRef idx="0">
+            <a:schemeClr val="dk1"/>
+          </a:fillRef>
+          <a:effectRef idx="0">
+            <a:schemeClr val="dk1"/>
+          </a:effectRef>
+          <a:fontRef idx="minor">
+            <a:schemeClr val="tx1"/>
+          </a:fontRef>
+        </p:style>
+      </p:cxnSp>
+      <p:cxnSp>
+        <p:nvCxnSpPr>
+          <p:cNvPr id="27" name="Straight Arrow Connector 26">
+            <a:extLst>
+              <a:ext uri="{FF2B5EF4-FFF2-40B4-BE49-F238E27FC236}">
+                <a16:creationId xmlns:a16="http://schemas.microsoft.com/office/drawing/2014/main" id="{4BA6E35C-FF4F-4372-B87B-A5BA1F51BBC4}"/>
+              </a:ext>
+            </a:extLst>
+          </p:cNvPr>
+          <p:cNvCxnSpPr>
+            <a:cxnSpLocks/>
+          </p:cNvCxnSpPr>
+          <p:nvPr/>
+        </p:nvCxnSpPr>
+        <p:spPr>
+          <a:xfrm flipV="1">
+            <a:off x="4877383" y="4435611"/>
+            <a:ext cx="1514650" cy="266465"/>
+          </a:xfrm>
+          <a:prstGeom prst="straightConnector1">
+            <a:avLst/>
+          </a:prstGeom>
+        </p:spPr>
+        <p:style>
+          <a:lnRef idx="1">
+            <a:schemeClr val="dk1"/>
+          </a:lnRef>
+          <a:fillRef idx="0">
+            <a:schemeClr val="dk1"/>
+          </a:fillRef>
+          <a:effectRef idx="0">
+            <a:schemeClr val="dk1"/>
+          </a:effectRef>
+          <a:fontRef idx="minor">
+            <a:schemeClr val="tx1"/>
+          </a:fontRef>
+        </p:style>
+      </p:cxnSp>
     </p:spTree>
     <p:extLst>
       <p:ext uri="{BB962C8B-B14F-4D97-AF65-F5344CB8AC3E}">
@@ -10106,13 +9045,6 @@
   <p:clrMapOvr>
     <a:masterClrMapping/>
   </p:clrMapOvr>
-  <p:timing>
-    <p:tnLst>
-      <p:par>
-        <p:cTn id="1" dur="indefinite" restart="never" nodeType="tmRoot"/>
-      </p:par>
-    </p:tnLst>
-  </p:timing>
 </p:sld>
 </file>
 
@@ -10173,7 +9105,7 @@
           </a:xfrm>
         </p:spPr>
         <p:txBody>
-          <a:bodyPr>
+          <a:bodyPr vert="horz" lIns="91440" tIns="45720" rIns="91440" bIns="45720" rtlCol="0" anchor="t">
             <a:normAutofit/>
           </a:bodyPr>
           <a:lstStyle/>
@@ -10184,36 +9116,38 @@
               </a:lnSpc>
             </a:pPr>
             <a:r>
-              <a:rPr lang="en-US" altLang="ja-JP" dirty="0" smtClean="0"/>
+              <a:rPr lang="en-US" altLang="ja-JP" dirty="0">
+                <a:ea typeface="ＭＳ Ｐゴシック"/>
+              </a:rPr>
               <a:t>SNS</a:t>
             </a:r>
             <a:r>
-              <a:rPr lang="ja-JP" altLang="en-US" dirty="0" smtClean="0"/>
-              <a:t>などに投稿される大量楽曲データのジャンル抽出・ジャンル推定</a:t>
-            </a:r>
-            <a:r>
-              <a:rPr lang="ja-JP" altLang="en-US" dirty="0" smtClean="0"/>
-              <a:t>処理．</a:t>
-            </a:r>
-            <a:endParaRPr lang="en-US" altLang="ja-JP" dirty="0" smtClean="0"/>
+              <a:rPr lang="ja-JP" altLang="en-US">
+                <a:ea typeface="ＭＳ Ｐゴシック"/>
+              </a:rPr>
+              <a:t>などに投稿される大量楽曲データのジャンル抽出・ジャンル推定処理を行う．</a:t>
+            </a:r>
+            <a:endParaRPr lang="en-US" altLang="ja-JP">
+              <a:ea typeface="ＭＳ Ｐゴシック"/>
+            </a:endParaRPr>
           </a:p>
           <a:p>
             <a:pPr marL="0" indent="0" algn="just">
               <a:buNone/>
             </a:pPr>
-            <a:endParaRPr lang="en-US" altLang="ja-JP" dirty="0" smtClean="0"/>
+            <a:endParaRPr lang="en-US" altLang="ja-JP" dirty="0"/>
           </a:p>
           <a:p>
             <a:pPr algn="just"/>
             <a:r>
-              <a:rPr lang="ja-JP" altLang="en-US" dirty="0"/>
-              <a:t>複数</a:t>
-            </a:r>
-            <a:r>
-              <a:rPr lang="ja-JP" altLang="en-US" dirty="0" smtClean="0"/>
-              <a:t>サーバを利用したラウンドロビン方式の負荷分散を導入した処理時間の短縮．</a:t>
-            </a:r>
-            <a:endParaRPr lang="en-US" altLang="ja-JP" dirty="0" smtClean="0"/>
+              <a:rPr lang="ja-JP" altLang="en-US">
+                <a:ea typeface="ＭＳ Ｐゴシック"/>
+              </a:rPr>
+              <a:t>複数サーバを利用したラウンドロビン方式の負荷分散を導入した処理時間の短縮を狙う．</a:t>
+            </a:r>
+            <a:endParaRPr lang="en-US" altLang="ja-JP">
+              <a:ea typeface="ＭＳ Ｐゴシック"/>
+            </a:endParaRPr>
           </a:p>
           <a:p>
             <a:pPr algn="just"/>
@@ -10222,10 +9156,14 @@
           <a:p>
             <a:pPr algn="just"/>
             <a:r>
-              <a:rPr lang="ja-JP" altLang="en-US" dirty="0" smtClean="0"/>
-              <a:t>単機サーバと複数サーバでジャンル推定処理を行った処理時間を比較することで提案システムの実現可能性を示す．</a:t>
-            </a:r>
-            <a:endParaRPr lang="en-US" altLang="ja-JP" dirty="0"/>
+              <a:rPr lang="ja-JP" altLang="en-US">
+                <a:ea typeface="ＭＳ Ｐゴシック"/>
+              </a:rPr>
+              <a:t>単一サーバと複数サーバとの処理時間・分類制度の比較による評価を行う．</a:t>
+            </a:r>
+            <a:endParaRPr lang="en-US" altLang="ja-JP">
+              <a:ea typeface="ＭＳ Ｐゴシック"/>
+            </a:endParaRPr>
           </a:p>
         </p:txBody>
       </p:sp>
@@ -10264,13 +9202,6 @@
   <p:clrMapOvr>
     <a:masterClrMapping/>
   </p:clrMapOvr>
-  <p:timing>
-    <p:tnLst>
-      <p:par>
-        <p:cTn id="1" dur="indefinite" restart="never" nodeType="tmRoot"/>
-      </p:par>
-    </p:tnLst>
-  </p:timing>
 </p:sld>
 </file>
 
@@ -10293,6 +9224,1180 @@
       </p:grpSpPr>
       <p:sp>
         <p:nvSpPr>
+          <p:cNvPr id="2" name="Title 1">
+            <a:extLst>
+              <a:ext uri="{FF2B5EF4-FFF2-40B4-BE49-F238E27FC236}">
+                <a16:creationId xmlns:a16="http://schemas.microsoft.com/office/drawing/2014/main" id="{A074C0AD-BEC8-4427-9B28-C710AE0DD345}"/>
+              </a:ext>
+            </a:extLst>
+          </p:cNvPr>
+          <p:cNvSpPr>
+            <a:spLocks noGrp="1"/>
+          </p:cNvSpPr>
+          <p:nvPr>
+            <p:ph type="title"/>
+          </p:nvPr>
+        </p:nvSpPr>
+        <p:spPr>
+          <a:xfrm>
+            <a:off x="305818" y="338950"/>
+            <a:ext cx="7676332" cy="750557"/>
+          </a:xfrm>
+        </p:spPr>
+        <p:txBody>
+          <a:bodyPr/>
+          <a:lstStyle/>
+          <a:p>
+            <a:r>
+              <a:rPr lang="ja-JP" altLang="en-US">
+                <a:cs typeface="Calibri Light"/>
+              </a:rPr>
+              <a:t>提案システム</a:t>
+            </a:r>
+            <a:endParaRPr kumimoji="1" lang="en-US"/>
+          </a:p>
+        </p:txBody>
+      </p:sp>
+      <p:sp>
+        <p:nvSpPr>
+          <p:cNvPr id="4" name="Slide Number Placeholder 3">
+            <a:extLst>
+              <a:ext uri="{FF2B5EF4-FFF2-40B4-BE49-F238E27FC236}">
+                <a16:creationId xmlns:a16="http://schemas.microsoft.com/office/drawing/2014/main" id="{171B9865-F4E0-49B5-9EBC-72C7E4EF2D9E}"/>
+              </a:ext>
+            </a:extLst>
+          </p:cNvPr>
+          <p:cNvSpPr>
+            <a:spLocks noGrp="1"/>
+          </p:cNvSpPr>
+          <p:nvPr>
+            <p:ph type="sldNum" sz="quarter" idx="12"/>
+          </p:nvPr>
+        </p:nvSpPr>
+        <p:spPr/>
+        <p:txBody>
+          <a:bodyPr/>
+          <a:lstStyle/>
+          <a:p>
+            <a:fld id="{B4451160-128F-4DAD-AE29-4A8CC0E7B9E9}" type="slidenum">
+              <a:rPr lang="ja-JP" altLang="en-US" smtClean="0"/>
+              <a:pPr/>
+              <a:t>6</a:t>
+            </a:fld>
+            <a:endParaRPr lang="ja-JP" altLang="en-US" dirty="0"/>
+          </a:p>
+        </p:txBody>
+      </p:sp>
+      <p:sp>
+        <p:nvSpPr>
+          <p:cNvPr id="6" name="Rectangle: Rounded Corners 5">
+            <a:extLst>
+              <a:ext uri="{FF2B5EF4-FFF2-40B4-BE49-F238E27FC236}">
+                <a16:creationId xmlns:a16="http://schemas.microsoft.com/office/drawing/2014/main" id="{1003AFAB-7FA0-4890-B0AA-273312A58A4B}"/>
+              </a:ext>
+            </a:extLst>
+          </p:cNvPr>
+          <p:cNvSpPr/>
+          <p:nvPr/>
+        </p:nvSpPr>
+        <p:spPr>
+          <a:xfrm>
+            <a:off x="106410" y="3423214"/>
+            <a:ext cx="1570748" cy="1304282"/>
+          </a:xfrm>
+          <a:prstGeom prst="roundRect">
+            <a:avLst/>
+          </a:prstGeom>
+        </p:spPr>
+        <p:style>
+          <a:lnRef idx="2">
+            <a:schemeClr val="accent1">
+              <a:shade val="50000"/>
+            </a:schemeClr>
+          </a:lnRef>
+          <a:fillRef idx="1">
+            <a:schemeClr val="accent1"/>
+          </a:fillRef>
+          <a:effectRef idx="0">
+            <a:schemeClr val="accent1"/>
+          </a:effectRef>
+          <a:fontRef idx="minor">
+            <a:schemeClr val="lt1"/>
+          </a:fontRef>
+        </p:style>
+        <p:txBody>
+          <a:bodyPr rtlCol="0" anchor="ctr"/>
+          <a:lstStyle/>
+          <a:p>
+            <a:pPr algn="ctr"/>
+            <a:r>
+              <a:rPr lang="ja-JP" altLang="en-US">
+                <a:solidFill>
+                  <a:schemeClr val="tx1"/>
+                </a:solidFill>
+                <a:ea typeface="ＭＳ Ｐゴシック"/>
+                <a:cs typeface="Calibri"/>
+              </a:rPr>
+              <a:t>負荷分散機</a:t>
+            </a:r>
+            <a:endParaRPr lang="en-US">
+              <a:solidFill>
+                <a:schemeClr val="tx1"/>
+              </a:solidFill>
+              <a:ea typeface="ＭＳ Ｐゴシック"/>
+              <a:cs typeface="Calibri"/>
+            </a:endParaRPr>
+          </a:p>
+        </p:txBody>
+      </p:sp>
+      <p:sp>
+        <p:nvSpPr>
+          <p:cNvPr id="7" name="Rectangle 6">
+            <a:extLst>
+              <a:ext uri="{FF2B5EF4-FFF2-40B4-BE49-F238E27FC236}">
+                <a16:creationId xmlns:a16="http://schemas.microsoft.com/office/drawing/2014/main" id="{32FFCC35-A9D4-4DA9-903D-DD2524610011}"/>
+              </a:ext>
+            </a:extLst>
+          </p:cNvPr>
+          <p:cNvSpPr/>
+          <p:nvPr/>
+        </p:nvSpPr>
+        <p:spPr>
+          <a:xfrm>
+            <a:off x="2381015" y="2444126"/>
+            <a:ext cx="3534183" cy="981717"/>
+          </a:xfrm>
+          <a:prstGeom prst="rect">
+            <a:avLst/>
+          </a:prstGeom>
+        </p:spPr>
+        <p:style>
+          <a:lnRef idx="2">
+            <a:schemeClr val="accent1">
+              <a:shade val="50000"/>
+            </a:schemeClr>
+          </a:lnRef>
+          <a:fillRef idx="1">
+            <a:schemeClr val="accent1"/>
+          </a:fillRef>
+          <a:effectRef idx="0">
+            <a:schemeClr val="accent1"/>
+          </a:effectRef>
+          <a:fontRef idx="minor">
+            <a:schemeClr val="lt1"/>
+          </a:fontRef>
+        </p:style>
+        <p:txBody>
+          <a:bodyPr rtlCol="0" anchor="ctr"/>
+          <a:lstStyle/>
+          <a:p>
+            <a:pPr algn="ctr"/>
+            <a:endParaRPr lang="en-US"/>
+          </a:p>
+        </p:txBody>
+      </p:sp>
+      <p:sp>
+        <p:nvSpPr>
+          <p:cNvPr id="8" name="Rectangle 7">
+            <a:extLst>
+              <a:ext uri="{FF2B5EF4-FFF2-40B4-BE49-F238E27FC236}">
+                <a16:creationId xmlns:a16="http://schemas.microsoft.com/office/drawing/2014/main" id="{50AFBB30-4C7B-4941-B4A1-30D45D38A38A}"/>
+              </a:ext>
+            </a:extLst>
+          </p:cNvPr>
+          <p:cNvSpPr/>
+          <p:nvPr/>
+        </p:nvSpPr>
+        <p:spPr>
+          <a:xfrm>
+            <a:off x="2381015" y="3706334"/>
+            <a:ext cx="3534183" cy="981717"/>
+          </a:xfrm>
+          <a:prstGeom prst="rect">
+            <a:avLst/>
+          </a:prstGeom>
+        </p:spPr>
+        <p:style>
+          <a:lnRef idx="2">
+            <a:schemeClr val="accent1">
+              <a:shade val="50000"/>
+            </a:schemeClr>
+          </a:lnRef>
+          <a:fillRef idx="1">
+            <a:schemeClr val="accent1"/>
+          </a:fillRef>
+          <a:effectRef idx="0">
+            <a:schemeClr val="accent1"/>
+          </a:effectRef>
+          <a:fontRef idx="minor">
+            <a:schemeClr val="lt1"/>
+          </a:fontRef>
+        </p:style>
+        <p:txBody>
+          <a:bodyPr rtlCol="0" anchor="ctr"/>
+          <a:lstStyle/>
+          <a:p>
+            <a:pPr algn="ctr"/>
+            <a:endParaRPr lang="en-US"/>
+          </a:p>
+        </p:txBody>
+      </p:sp>
+      <p:sp>
+        <p:nvSpPr>
+          <p:cNvPr id="9" name="Rectangle 8">
+            <a:extLst>
+              <a:ext uri="{FF2B5EF4-FFF2-40B4-BE49-F238E27FC236}">
+                <a16:creationId xmlns:a16="http://schemas.microsoft.com/office/drawing/2014/main" id="{5E295FB2-29AC-4299-A1D5-2FE65DB6188C}"/>
+              </a:ext>
+            </a:extLst>
+          </p:cNvPr>
+          <p:cNvSpPr/>
+          <p:nvPr/>
+        </p:nvSpPr>
+        <p:spPr>
+          <a:xfrm>
+            <a:off x="2381015" y="4968542"/>
+            <a:ext cx="3534183" cy="981717"/>
+          </a:xfrm>
+          <a:prstGeom prst="rect">
+            <a:avLst/>
+          </a:prstGeom>
+        </p:spPr>
+        <p:style>
+          <a:lnRef idx="2">
+            <a:schemeClr val="accent1">
+              <a:shade val="50000"/>
+            </a:schemeClr>
+          </a:lnRef>
+          <a:fillRef idx="1">
+            <a:schemeClr val="accent1"/>
+          </a:fillRef>
+          <a:effectRef idx="0">
+            <a:schemeClr val="accent1"/>
+          </a:effectRef>
+          <a:fontRef idx="minor">
+            <a:schemeClr val="lt1"/>
+          </a:fontRef>
+        </p:style>
+        <p:txBody>
+          <a:bodyPr rtlCol="0" anchor="ctr"/>
+          <a:lstStyle/>
+          <a:p>
+            <a:pPr algn="ctr"/>
+            <a:endParaRPr lang="en-US"/>
+          </a:p>
+        </p:txBody>
+      </p:sp>
+      <p:sp>
+        <p:nvSpPr>
+          <p:cNvPr id="10" name="TextBox 9">
+            <a:extLst>
+              <a:ext uri="{FF2B5EF4-FFF2-40B4-BE49-F238E27FC236}">
+                <a16:creationId xmlns:a16="http://schemas.microsoft.com/office/drawing/2014/main" id="{BE767091-7FF6-4F0B-B8A3-2C61D18D4E44}"/>
+              </a:ext>
+            </a:extLst>
+          </p:cNvPr>
+          <p:cNvSpPr txBox="1"/>
+          <p:nvPr/>
+        </p:nvSpPr>
+        <p:spPr>
+          <a:xfrm>
+            <a:off x="2386977" y="1966241"/>
+            <a:ext cx="3528574" cy="369332"/>
+          </a:xfrm>
+          <a:prstGeom prst="rect">
+            <a:avLst/>
+          </a:prstGeom>
+          <a:noFill/>
+        </p:spPr>
+        <p:txBody>
+          <a:bodyPr rot="0" spcFirstLastPara="0" vertOverflow="overflow" horzOverflow="overflow" vert="horz" wrap="square" lIns="91440" tIns="45720" rIns="91440" bIns="45720" numCol="1" spcCol="0" rtlCol="0" fromWordArt="0" anchor="t" anchorCtr="0" forceAA="0" compatLnSpc="1">
+            <a:prstTxWarp prst="textNoShape">
+              <a:avLst/>
+            </a:prstTxWarp>
+            <a:spAutoFit/>
+          </a:bodyPr>
+          <a:lstStyle/>
+          <a:p>
+            <a:pPr algn="ctr"/>
+            <a:r>
+              <a:rPr lang="ja-JP" altLang="en-US">
+                <a:ea typeface="ＭＳ Ｐゴシック"/>
+                <a:cs typeface="Calibri"/>
+              </a:rPr>
+              <a:t>ジャンル推定処理</a:t>
+            </a:r>
+            <a:endParaRPr lang="en-US" dirty="0">
+              <a:cs typeface="Calibri"/>
+            </a:endParaRPr>
+          </a:p>
+        </p:txBody>
+      </p:sp>
+      <p:sp>
+        <p:nvSpPr>
+          <p:cNvPr id="11" name="Rectangle 10">
+            <a:extLst>
+              <a:ext uri="{FF2B5EF4-FFF2-40B4-BE49-F238E27FC236}">
+                <a16:creationId xmlns:a16="http://schemas.microsoft.com/office/drawing/2014/main" id="{D7223E52-1C2C-41E4-87DC-68989BA96231}"/>
+              </a:ext>
+            </a:extLst>
+          </p:cNvPr>
+          <p:cNvSpPr/>
+          <p:nvPr/>
+        </p:nvSpPr>
+        <p:spPr>
+          <a:xfrm>
+            <a:off x="2532656" y="2581741"/>
+            <a:ext cx="1346355" cy="743302"/>
+          </a:xfrm>
+          <a:prstGeom prst="rect">
+            <a:avLst/>
+          </a:prstGeom>
+        </p:spPr>
+        <p:style>
+          <a:lnRef idx="3">
+            <a:schemeClr val="lt1"/>
+          </a:lnRef>
+          <a:fillRef idx="1">
+            <a:schemeClr val="accent2"/>
+          </a:fillRef>
+          <a:effectRef idx="1">
+            <a:schemeClr val="accent2"/>
+          </a:effectRef>
+          <a:fontRef idx="minor">
+            <a:schemeClr val="lt1"/>
+          </a:fontRef>
+        </p:style>
+        <p:txBody>
+          <a:bodyPr rtlCol="0" anchor="ctr"/>
+          <a:lstStyle/>
+          <a:p>
+            <a:pPr algn="ctr"/>
+            <a:r>
+              <a:rPr lang="ja-JP" altLang="en-US" dirty="0">
+                <a:solidFill>
+                  <a:schemeClr val="tx1"/>
+                </a:solidFill>
+                <a:ea typeface="ＭＳ Ｐゴシック"/>
+                <a:cs typeface="Calibri"/>
+              </a:rPr>
+              <a:t>特徴抽出</a:t>
+            </a:r>
+            <a:endParaRPr lang="en-US" dirty="0">
+              <a:solidFill>
+                <a:schemeClr val="tx1"/>
+              </a:solidFill>
+              <a:ea typeface="ＭＳ Ｐゴシック"/>
+              <a:cs typeface="Calibri"/>
+            </a:endParaRPr>
+          </a:p>
+        </p:txBody>
+      </p:sp>
+      <p:sp>
+        <p:nvSpPr>
+          <p:cNvPr id="12" name="Rectangle 11">
+            <a:extLst>
+              <a:ext uri="{FF2B5EF4-FFF2-40B4-BE49-F238E27FC236}">
+                <a16:creationId xmlns:a16="http://schemas.microsoft.com/office/drawing/2014/main" id="{445DB7C7-6874-4A2D-9F5B-7323CB609D58}"/>
+              </a:ext>
+            </a:extLst>
+          </p:cNvPr>
+          <p:cNvSpPr/>
+          <p:nvPr/>
+        </p:nvSpPr>
+        <p:spPr>
+          <a:xfrm>
+            <a:off x="2532656" y="3829925"/>
+            <a:ext cx="1346355" cy="743302"/>
+          </a:xfrm>
+          <a:prstGeom prst="rect">
+            <a:avLst/>
+          </a:prstGeom>
+        </p:spPr>
+        <p:style>
+          <a:lnRef idx="3">
+            <a:schemeClr val="lt1"/>
+          </a:lnRef>
+          <a:fillRef idx="1">
+            <a:schemeClr val="accent2"/>
+          </a:fillRef>
+          <a:effectRef idx="1">
+            <a:schemeClr val="accent2"/>
+          </a:effectRef>
+          <a:fontRef idx="minor">
+            <a:schemeClr val="lt1"/>
+          </a:fontRef>
+        </p:style>
+        <p:txBody>
+          <a:bodyPr rtlCol="0" anchor="ctr"/>
+          <a:lstStyle/>
+          <a:p>
+            <a:pPr algn="ctr"/>
+            <a:r>
+              <a:rPr lang="ja-JP" altLang="en-US">
+                <a:solidFill>
+                  <a:schemeClr val="tx1"/>
+                </a:solidFill>
+                <a:ea typeface="ＭＳ Ｐゴシック"/>
+                <a:cs typeface="Calibri"/>
+              </a:rPr>
+              <a:t>特徴抽出</a:t>
+            </a:r>
+            <a:endParaRPr lang="en-US">
+              <a:solidFill>
+                <a:schemeClr val="tx1"/>
+              </a:solidFill>
+              <a:ea typeface="ＭＳ Ｐゴシック"/>
+              <a:cs typeface="Calibri"/>
+            </a:endParaRPr>
+          </a:p>
+        </p:txBody>
+      </p:sp>
+      <p:sp>
+        <p:nvSpPr>
+          <p:cNvPr id="13" name="Rectangle 12">
+            <a:extLst>
+              <a:ext uri="{FF2B5EF4-FFF2-40B4-BE49-F238E27FC236}">
+                <a16:creationId xmlns:a16="http://schemas.microsoft.com/office/drawing/2014/main" id="{87970CC8-923C-4FD7-A4FD-765219F4AAED}"/>
+              </a:ext>
+            </a:extLst>
+          </p:cNvPr>
+          <p:cNvSpPr/>
+          <p:nvPr/>
+        </p:nvSpPr>
+        <p:spPr>
+          <a:xfrm>
+            <a:off x="2532655" y="5092133"/>
+            <a:ext cx="1346355" cy="743302"/>
+          </a:xfrm>
+          <a:prstGeom prst="rect">
+            <a:avLst/>
+          </a:prstGeom>
+        </p:spPr>
+        <p:style>
+          <a:lnRef idx="3">
+            <a:schemeClr val="lt1"/>
+          </a:lnRef>
+          <a:fillRef idx="1">
+            <a:schemeClr val="accent2"/>
+          </a:fillRef>
+          <a:effectRef idx="1">
+            <a:schemeClr val="accent2"/>
+          </a:effectRef>
+          <a:fontRef idx="minor">
+            <a:schemeClr val="lt1"/>
+          </a:fontRef>
+        </p:style>
+        <p:txBody>
+          <a:bodyPr rtlCol="0" anchor="ctr"/>
+          <a:lstStyle/>
+          <a:p>
+            <a:pPr algn="ctr"/>
+            <a:r>
+              <a:rPr lang="ja-JP" altLang="en-US">
+                <a:solidFill>
+                  <a:schemeClr val="tx1"/>
+                </a:solidFill>
+                <a:ea typeface="ＭＳ Ｐゴシック"/>
+                <a:cs typeface="Calibri"/>
+              </a:rPr>
+              <a:t>特徴抽出</a:t>
+            </a:r>
+            <a:endParaRPr lang="en-US">
+              <a:solidFill>
+                <a:schemeClr val="tx1"/>
+              </a:solidFill>
+              <a:ea typeface="ＭＳ Ｐゴシック"/>
+              <a:cs typeface="Calibri"/>
+            </a:endParaRPr>
+          </a:p>
+        </p:txBody>
+      </p:sp>
+      <p:sp>
+        <p:nvSpPr>
+          <p:cNvPr id="14" name="Rectangle 13">
+            <a:extLst>
+              <a:ext uri="{FF2B5EF4-FFF2-40B4-BE49-F238E27FC236}">
+                <a16:creationId xmlns:a16="http://schemas.microsoft.com/office/drawing/2014/main" id="{95D43D0D-60FB-4944-ADA5-2F35F4D406FE}"/>
+              </a:ext>
+            </a:extLst>
+          </p:cNvPr>
+          <p:cNvSpPr/>
+          <p:nvPr/>
+        </p:nvSpPr>
+        <p:spPr>
+          <a:xfrm>
+            <a:off x="4327797" y="2581741"/>
+            <a:ext cx="1458551" cy="743302"/>
+          </a:xfrm>
+          <a:prstGeom prst="rect">
+            <a:avLst/>
+          </a:prstGeom>
+        </p:spPr>
+        <p:style>
+          <a:lnRef idx="3">
+            <a:schemeClr val="lt1"/>
+          </a:lnRef>
+          <a:fillRef idx="1">
+            <a:schemeClr val="accent2"/>
+          </a:fillRef>
+          <a:effectRef idx="1">
+            <a:schemeClr val="accent2"/>
+          </a:effectRef>
+          <a:fontRef idx="minor">
+            <a:schemeClr val="lt1"/>
+          </a:fontRef>
+        </p:style>
+        <p:txBody>
+          <a:bodyPr lIns="91440" tIns="45720" rIns="91440" bIns="45720" rtlCol="0" anchor="ctr"/>
+          <a:lstStyle/>
+          <a:p>
+            <a:pPr algn="ctr"/>
+            <a:r>
+              <a:rPr lang="ja-JP" altLang="en-US">
+                <a:solidFill>
+                  <a:schemeClr val="tx1"/>
+                </a:solidFill>
+                <a:ea typeface="ＭＳ Ｐゴシック"/>
+                <a:cs typeface="Calibri"/>
+              </a:rPr>
+              <a:t>ジャンル推定</a:t>
+            </a:r>
+            <a:endParaRPr lang="ja-JP" altLang="en-US" dirty="0">
+              <a:solidFill>
+                <a:schemeClr val="tx1"/>
+              </a:solidFill>
+              <a:ea typeface="ＭＳ Ｐゴシック"/>
+              <a:cs typeface="Calibri"/>
+            </a:endParaRPr>
+          </a:p>
+        </p:txBody>
+      </p:sp>
+      <p:sp>
+        <p:nvSpPr>
+          <p:cNvPr id="15" name="Rectangle 14">
+            <a:extLst>
+              <a:ext uri="{FF2B5EF4-FFF2-40B4-BE49-F238E27FC236}">
+                <a16:creationId xmlns:a16="http://schemas.microsoft.com/office/drawing/2014/main" id="{B60C0D6F-9E0D-4BCE-8157-E595B2B3992B}"/>
+              </a:ext>
+            </a:extLst>
+          </p:cNvPr>
+          <p:cNvSpPr/>
+          <p:nvPr/>
+        </p:nvSpPr>
+        <p:spPr>
+          <a:xfrm>
+            <a:off x="4327797" y="3829925"/>
+            <a:ext cx="1458551" cy="743302"/>
+          </a:xfrm>
+          <a:prstGeom prst="rect">
+            <a:avLst/>
+          </a:prstGeom>
+        </p:spPr>
+        <p:style>
+          <a:lnRef idx="3">
+            <a:schemeClr val="lt1"/>
+          </a:lnRef>
+          <a:fillRef idx="1">
+            <a:schemeClr val="accent2"/>
+          </a:fillRef>
+          <a:effectRef idx="1">
+            <a:schemeClr val="accent2"/>
+          </a:effectRef>
+          <a:fontRef idx="minor">
+            <a:schemeClr val="lt1"/>
+          </a:fontRef>
+        </p:style>
+        <p:txBody>
+          <a:bodyPr lIns="91440" tIns="45720" rIns="91440" bIns="45720" rtlCol="0" anchor="ctr"/>
+          <a:lstStyle/>
+          <a:p>
+            <a:pPr algn="ctr"/>
+            <a:r>
+              <a:rPr lang="ja-JP" altLang="en-US">
+                <a:solidFill>
+                  <a:schemeClr val="tx1"/>
+                </a:solidFill>
+                <a:ea typeface="ＭＳ Ｐゴシック"/>
+                <a:cs typeface="Calibri"/>
+              </a:rPr>
+              <a:t>ジャンル推定</a:t>
+            </a:r>
+            <a:endParaRPr lang="ja-JP" altLang="en-US" dirty="0">
+              <a:solidFill>
+                <a:schemeClr val="tx1"/>
+              </a:solidFill>
+              <a:ea typeface="ＭＳ Ｐゴシック"/>
+              <a:cs typeface="Calibri"/>
+            </a:endParaRPr>
+          </a:p>
+        </p:txBody>
+      </p:sp>
+      <p:sp>
+        <p:nvSpPr>
+          <p:cNvPr id="16" name="Rectangle 15">
+            <a:extLst>
+              <a:ext uri="{FF2B5EF4-FFF2-40B4-BE49-F238E27FC236}">
+                <a16:creationId xmlns:a16="http://schemas.microsoft.com/office/drawing/2014/main" id="{44A0600C-A76A-485F-BC7A-E5ACB1E34D25}"/>
+              </a:ext>
+            </a:extLst>
+          </p:cNvPr>
+          <p:cNvSpPr/>
+          <p:nvPr/>
+        </p:nvSpPr>
+        <p:spPr>
+          <a:xfrm>
+            <a:off x="4327797" y="5092134"/>
+            <a:ext cx="1458551" cy="743302"/>
+          </a:xfrm>
+          <a:prstGeom prst="rect">
+            <a:avLst/>
+          </a:prstGeom>
+        </p:spPr>
+        <p:style>
+          <a:lnRef idx="3">
+            <a:schemeClr val="lt1"/>
+          </a:lnRef>
+          <a:fillRef idx="1">
+            <a:schemeClr val="accent2"/>
+          </a:fillRef>
+          <a:effectRef idx="1">
+            <a:schemeClr val="accent2"/>
+          </a:effectRef>
+          <a:fontRef idx="minor">
+            <a:schemeClr val="lt1"/>
+          </a:fontRef>
+        </p:style>
+        <p:txBody>
+          <a:bodyPr lIns="91440" tIns="45720" rIns="91440" bIns="45720" rtlCol="0" anchor="ctr"/>
+          <a:lstStyle/>
+          <a:p>
+            <a:pPr algn="ctr"/>
+            <a:r>
+              <a:rPr lang="ja-JP" altLang="en-US">
+                <a:solidFill>
+                  <a:schemeClr val="tx1"/>
+                </a:solidFill>
+                <a:ea typeface="ＭＳ Ｐゴシック"/>
+                <a:cs typeface="Calibri"/>
+              </a:rPr>
+              <a:t>ジャンル推定</a:t>
+            </a:r>
+            <a:endParaRPr lang="ja-JP" altLang="en-US" dirty="0">
+              <a:solidFill>
+                <a:schemeClr val="tx1"/>
+              </a:solidFill>
+              <a:ea typeface="ＭＳ Ｐゴシック"/>
+              <a:cs typeface="Calibri"/>
+            </a:endParaRPr>
+          </a:p>
+        </p:txBody>
+      </p:sp>
+      <p:sp>
+        <p:nvSpPr>
+          <p:cNvPr id="17" name="Rectangle: Rounded Corners 16">
+            <a:extLst>
+              <a:ext uri="{FF2B5EF4-FFF2-40B4-BE49-F238E27FC236}">
+                <a16:creationId xmlns:a16="http://schemas.microsoft.com/office/drawing/2014/main" id="{2F0BE6F3-73A1-4CE8-8B70-4FC65792F7EB}"/>
+              </a:ext>
+            </a:extLst>
+          </p:cNvPr>
+          <p:cNvSpPr/>
+          <p:nvPr/>
+        </p:nvSpPr>
+        <p:spPr>
+          <a:xfrm>
+            <a:off x="6448172" y="2456317"/>
+            <a:ext cx="1037816" cy="3506134"/>
+          </a:xfrm>
+          <a:prstGeom prst="roundRect">
+            <a:avLst/>
+          </a:prstGeom>
+        </p:spPr>
+        <p:style>
+          <a:lnRef idx="2">
+            <a:schemeClr val="accent1">
+              <a:shade val="50000"/>
+            </a:schemeClr>
+          </a:lnRef>
+          <a:fillRef idx="1">
+            <a:schemeClr val="accent1"/>
+          </a:fillRef>
+          <a:effectRef idx="0">
+            <a:schemeClr val="accent1"/>
+          </a:effectRef>
+          <a:fontRef idx="minor">
+            <a:schemeClr val="lt1"/>
+          </a:fontRef>
+        </p:style>
+        <p:txBody>
+          <a:bodyPr rtlCol="0" anchor="ctr"/>
+          <a:lstStyle/>
+          <a:p>
+            <a:pPr algn="ctr"/>
+            <a:r>
+              <a:rPr lang="ja-JP" altLang="en-US">
+                <a:solidFill>
+                  <a:schemeClr val="tx1"/>
+                </a:solidFill>
+                <a:ea typeface="ＭＳ Ｐゴシック"/>
+                <a:cs typeface="Calibri"/>
+              </a:rPr>
+              <a:t>出力</a:t>
+            </a:r>
+          </a:p>
+        </p:txBody>
+      </p:sp>
+      <p:sp>
+        <p:nvSpPr>
+          <p:cNvPr id="21" name="Rectangle: Rounded Corners 20">
+            <a:extLst>
+              <a:ext uri="{FF2B5EF4-FFF2-40B4-BE49-F238E27FC236}">
+                <a16:creationId xmlns:a16="http://schemas.microsoft.com/office/drawing/2014/main" id="{7657E3E3-540A-4B6B-AC17-7F3DF2BFD8AF}"/>
+              </a:ext>
+            </a:extLst>
+          </p:cNvPr>
+          <p:cNvSpPr/>
+          <p:nvPr/>
+        </p:nvSpPr>
+        <p:spPr>
+          <a:xfrm>
+            <a:off x="7983805" y="2456317"/>
+            <a:ext cx="1037816" cy="3506134"/>
+          </a:xfrm>
+          <a:prstGeom prst="roundRect">
+            <a:avLst/>
+          </a:prstGeom>
+        </p:spPr>
+        <p:style>
+          <a:lnRef idx="2">
+            <a:schemeClr val="accent1">
+              <a:shade val="50000"/>
+            </a:schemeClr>
+          </a:lnRef>
+          <a:fillRef idx="1">
+            <a:schemeClr val="accent1"/>
+          </a:fillRef>
+          <a:effectRef idx="0">
+            <a:schemeClr val="accent1"/>
+          </a:effectRef>
+          <a:fontRef idx="minor">
+            <a:schemeClr val="lt1"/>
+          </a:fontRef>
+        </p:style>
+        <p:txBody>
+          <a:bodyPr lIns="91440" tIns="45720" rIns="91440" bIns="45720" rtlCol="0" anchor="ctr"/>
+          <a:lstStyle/>
+          <a:p>
+            <a:pPr algn="ctr"/>
+            <a:r>
+              <a:rPr lang="ja-JP" altLang="en-US">
+                <a:solidFill>
+                  <a:schemeClr val="tx1"/>
+                </a:solidFill>
+                <a:ea typeface="ＭＳ Ｐゴシック"/>
+                <a:cs typeface="Calibri"/>
+              </a:rPr>
+              <a:t>動画マッチング</a:t>
+            </a:r>
+          </a:p>
+        </p:txBody>
+      </p:sp>
+      <p:sp>
+        <p:nvSpPr>
+          <p:cNvPr id="23" name="Rectangle: Rounded Corners 22">
+            <a:extLst>
+              <a:ext uri="{FF2B5EF4-FFF2-40B4-BE49-F238E27FC236}">
+                <a16:creationId xmlns:a16="http://schemas.microsoft.com/office/drawing/2014/main" id="{47525942-DF78-4DB8-B3E1-CDE0AD78F3FC}"/>
+              </a:ext>
+            </a:extLst>
+          </p:cNvPr>
+          <p:cNvSpPr/>
+          <p:nvPr/>
+        </p:nvSpPr>
+        <p:spPr>
+          <a:xfrm>
+            <a:off x="4824812" y="174285"/>
+            <a:ext cx="4292792" cy="1631610"/>
+          </a:xfrm>
+          <a:prstGeom prst="roundRect">
+            <a:avLst/>
+          </a:prstGeom>
+          <a:ln>
+            <a:solidFill>
+              <a:schemeClr val="tx1"/>
+            </a:solidFill>
+          </a:ln>
+        </p:spPr>
+        <p:style>
+          <a:lnRef idx="2">
+            <a:schemeClr val="dk1"/>
+          </a:lnRef>
+          <a:fillRef idx="1">
+            <a:schemeClr val="lt1"/>
+          </a:fillRef>
+          <a:effectRef idx="0">
+            <a:schemeClr val="dk1"/>
+          </a:effectRef>
+          <a:fontRef idx="minor">
+            <a:schemeClr val="dk1"/>
+          </a:fontRef>
+        </p:style>
+        <p:txBody>
+          <a:bodyPr lIns="91440" tIns="45720" rIns="91440" bIns="45720" rtlCol="0" anchor="ctr"/>
+          <a:lstStyle/>
+          <a:p>
+            <a:pPr algn="ctr"/>
+            <a:r>
+              <a:rPr lang="ja-JP" sz="2400">
+                <a:ea typeface="ＭＳ Ｐゴシック"/>
+                <a:cs typeface="Calibri"/>
+              </a:rPr>
+              <a:t>本研究ではラウンドロビン方式を導入したWeb楽曲分類</a:t>
+            </a:r>
+            <a:endParaRPr lang="en-US" altLang="ja-JP" sz="2400">
+              <a:ea typeface="ＭＳ Ｐゴシック"/>
+              <a:cs typeface="Calibri"/>
+            </a:endParaRPr>
+          </a:p>
+          <a:p>
+            <a:pPr algn="ctr"/>
+            <a:r>
+              <a:rPr lang="ja-JP" sz="2400">
+                <a:ea typeface="ＭＳ Ｐゴシック"/>
+                <a:cs typeface="Calibri"/>
+              </a:rPr>
+              <a:t>サービスを提案する</a:t>
+            </a:r>
+            <a:endParaRPr lang="en-US" altLang="ja-JP" sz="2400">
+              <a:ea typeface="ＭＳ Ｐゴシック"/>
+              <a:cs typeface="Calibri"/>
+            </a:endParaRPr>
+          </a:p>
+        </p:txBody>
+      </p:sp>
+      <p:cxnSp>
+        <p:nvCxnSpPr>
+          <p:cNvPr id="25" name="Straight Arrow Connector 24">
+            <a:extLst>
+              <a:ext uri="{FF2B5EF4-FFF2-40B4-BE49-F238E27FC236}">
+                <a16:creationId xmlns:a16="http://schemas.microsoft.com/office/drawing/2014/main" id="{9817D8B0-2118-4ECF-B54C-5D69C8052120}"/>
+              </a:ext>
+            </a:extLst>
+          </p:cNvPr>
+          <p:cNvCxnSpPr/>
+          <p:nvPr/>
+        </p:nvCxnSpPr>
+        <p:spPr>
+          <a:xfrm flipV="1">
+            <a:off x="1680472" y="2961331"/>
+            <a:ext cx="678820" cy="1144744"/>
+          </a:xfrm>
+          <a:prstGeom prst="straightConnector1">
+            <a:avLst/>
+          </a:prstGeom>
+          <a:ln>
+            <a:tailEnd type="triangle"/>
+          </a:ln>
+        </p:spPr>
+        <p:style>
+          <a:lnRef idx="1">
+            <a:schemeClr val="dk1"/>
+          </a:lnRef>
+          <a:fillRef idx="0">
+            <a:schemeClr val="dk1"/>
+          </a:fillRef>
+          <a:effectRef idx="0">
+            <a:schemeClr val="dk1"/>
+          </a:effectRef>
+          <a:fontRef idx="minor">
+            <a:schemeClr val="tx1"/>
+          </a:fontRef>
+        </p:style>
+      </p:cxnSp>
+      <p:cxnSp>
+        <p:nvCxnSpPr>
+          <p:cNvPr id="26" name="Straight Arrow Connector 25">
+            <a:extLst>
+              <a:ext uri="{FF2B5EF4-FFF2-40B4-BE49-F238E27FC236}">
+                <a16:creationId xmlns:a16="http://schemas.microsoft.com/office/drawing/2014/main" id="{5F2C984D-2695-4339-9546-310FDA9C7EA4}"/>
+              </a:ext>
+            </a:extLst>
+          </p:cNvPr>
+          <p:cNvCxnSpPr>
+            <a:cxnSpLocks/>
+          </p:cNvCxnSpPr>
+          <p:nvPr/>
+        </p:nvCxnSpPr>
+        <p:spPr>
+          <a:xfrm>
+            <a:off x="1697922" y="4088625"/>
+            <a:ext cx="661370" cy="1394286"/>
+          </a:xfrm>
+          <a:prstGeom prst="straightConnector1">
+            <a:avLst/>
+          </a:prstGeom>
+          <a:ln>
+            <a:tailEnd type="triangle"/>
+          </a:ln>
+        </p:spPr>
+        <p:style>
+          <a:lnRef idx="1">
+            <a:schemeClr val="dk1"/>
+          </a:lnRef>
+          <a:fillRef idx="0">
+            <a:schemeClr val="dk1"/>
+          </a:fillRef>
+          <a:effectRef idx="0">
+            <a:schemeClr val="dk1"/>
+          </a:effectRef>
+          <a:fontRef idx="minor">
+            <a:schemeClr val="tx1"/>
+          </a:fontRef>
+        </p:style>
+      </p:cxnSp>
+      <p:cxnSp>
+        <p:nvCxnSpPr>
+          <p:cNvPr id="27" name="Straight Arrow Connector 26">
+            <a:extLst>
+              <a:ext uri="{FF2B5EF4-FFF2-40B4-BE49-F238E27FC236}">
+                <a16:creationId xmlns:a16="http://schemas.microsoft.com/office/drawing/2014/main" id="{D9DE6D2C-0F32-4393-B977-EACD7DD66690}"/>
+              </a:ext>
+            </a:extLst>
+          </p:cNvPr>
+          <p:cNvCxnSpPr>
+            <a:cxnSpLocks/>
+          </p:cNvCxnSpPr>
+          <p:nvPr/>
+        </p:nvCxnSpPr>
+        <p:spPr>
+          <a:xfrm>
+            <a:off x="1706649" y="4062449"/>
+            <a:ext cx="687544" cy="85507"/>
+          </a:xfrm>
+          <a:prstGeom prst="straightConnector1">
+            <a:avLst/>
+          </a:prstGeom>
+          <a:ln>
+            <a:tailEnd type="triangle"/>
+          </a:ln>
+        </p:spPr>
+        <p:style>
+          <a:lnRef idx="1">
+            <a:schemeClr val="dk1"/>
+          </a:lnRef>
+          <a:fillRef idx="0">
+            <a:schemeClr val="dk1"/>
+          </a:fillRef>
+          <a:effectRef idx="0">
+            <a:schemeClr val="dk1"/>
+          </a:effectRef>
+          <a:fontRef idx="minor">
+            <a:schemeClr val="tx1"/>
+          </a:fontRef>
+        </p:style>
+      </p:cxnSp>
+      <p:cxnSp>
+        <p:nvCxnSpPr>
+          <p:cNvPr id="28" name="Straight Arrow Connector 27">
+            <a:extLst>
+              <a:ext uri="{FF2B5EF4-FFF2-40B4-BE49-F238E27FC236}">
+                <a16:creationId xmlns:a16="http://schemas.microsoft.com/office/drawing/2014/main" id="{4333E9C8-2F26-4037-95B0-8C765A1F0A0C}"/>
+              </a:ext>
+            </a:extLst>
+          </p:cNvPr>
+          <p:cNvCxnSpPr>
+            <a:cxnSpLocks/>
+          </p:cNvCxnSpPr>
+          <p:nvPr/>
+        </p:nvCxnSpPr>
+        <p:spPr>
+          <a:xfrm>
+            <a:off x="5912191" y="4236953"/>
+            <a:ext cx="547942" cy="6981"/>
+          </a:xfrm>
+          <a:prstGeom prst="straightConnector1">
+            <a:avLst/>
+          </a:prstGeom>
+          <a:ln>
+            <a:tailEnd type="triangle"/>
+          </a:ln>
+        </p:spPr>
+        <p:style>
+          <a:lnRef idx="1">
+            <a:schemeClr val="dk1"/>
+          </a:lnRef>
+          <a:fillRef idx="0">
+            <a:schemeClr val="dk1"/>
+          </a:fillRef>
+          <a:effectRef idx="0">
+            <a:schemeClr val="dk1"/>
+          </a:effectRef>
+          <a:fontRef idx="minor">
+            <a:schemeClr val="tx1"/>
+          </a:fontRef>
+        </p:style>
+      </p:cxnSp>
+      <p:cxnSp>
+        <p:nvCxnSpPr>
+          <p:cNvPr id="29" name="Straight Arrow Connector 28">
+            <a:extLst>
+              <a:ext uri="{FF2B5EF4-FFF2-40B4-BE49-F238E27FC236}">
+                <a16:creationId xmlns:a16="http://schemas.microsoft.com/office/drawing/2014/main" id="{C46D4D84-CD79-4BAE-8464-326752E5CC5C}"/>
+              </a:ext>
+            </a:extLst>
+          </p:cNvPr>
+          <p:cNvCxnSpPr>
+            <a:cxnSpLocks/>
+          </p:cNvCxnSpPr>
+          <p:nvPr/>
+        </p:nvCxnSpPr>
+        <p:spPr>
+          <a:xfrm>
+            <a:off x="5920916" y="3006700"/>
+            <a:ext cx="530492" cy="1219782"/>
+          </a:xfrm>
+          <a:prstGeom prst="straightConnector1">
+            <a:avLst/>
+          </a:prstGeom>
+          <a:ln>
+            <a:tailEnd type="triangle"/>
+          </a:ln>
+        </p:spPr>
+        <p:style>
+          <a:lnRef idx="1">
+            <a:schemeClr val="dk1"/>
+          </a:lnRef>
+          <a:fillRef idx="0">
+            <a:schemeClr val="dk1"/>
+          </a:fillRef>
+          <a:effectRef idx="0">
+            <a:schemeClr val="dk1"/>
+          </a:effectRef>
+          <a:fontRef idx="minor">
+            <a:schemeClr val="tx1"/>
+          </a:fontRef>
+        </p:style>
+      </p:cxnSp>
+      <p:cxnSp>
+        <p:nvCxnSpPr>
+          <p:cNvPr id="30" name="Straight Arrow Connector 29">
+            <a:extLst>
+              <a:ext uri="{FF2B5EF4-FFF2-40B4-BE49-F238E27FC236}">
+                <a16:creationId xmlns:a16="http://schemas.microsoft.com/office/drawing/2014/main" id="{A78B24FC-BF84-49A4-A40F-129C3E2FA1FE}"/>
+              </a:ext>
+            </a:extLst>
+          </p:cNvPr>
+          <p:cNvCxnSpPr>
+            <a:cxnSpLocks/>
+          </p:cNvCxnSpPr>
+          <p:nvPr/>
+        </p:nvCxnSpPr>
+        <p:spPr>
+          <a:xfrm flipV="1">
+            <a:off x="5920915" y="4243933"/>
+            <a:ext cx="530492" cy="1223271"/>
+          </a:xfrm>
+          <a:prstGeom prst="straightConnector1">
+            <a:avLst/>
+          </a:prstGeom>
+          <a:ln>
+            <a:tailEnd type="triangle"/>
+          </a:ln>
+        </p:spPr>
+        <p:style>
+          <a:lnRef idx="1">
+            <a:schemeClr val="dk1"/>
+          </a:lnRef>
+          <a:fillRef idx="0">
+            <a:schemeClr val="dk1"/>
+          </a:fillRef>
+          <a:effectRef idx="0">
+            <a:schemeClr val="dk1"/>
+          </a:effectRef>
+          <a:fontRef idx="minor">
+            <a:schemeClr val="tx1"/>
+          </a:fontRef>
+        </p:style>
+      </p:cxnSp>
+      <p:sp>
+        <p:nvSpPr>
+          <p:cNvPr id="31" name="Arrow: Right 30">
+            <a:extLst>
+              <a:ext uri="{FF2B5EF4-FFF2-40B4-BE49-F238E27FC236}">
+                <a16:creationId xmlns:a16="http://schemas.microsoft.com/office/drawing/2014/main" id="{BE80EB77-FC51-45C6-88DE-66B193F07E5F}"/>
+              </a:ext>
+            </a:extLst>
+          </p:cNvPr>
+          <p:cNvSpPr/>
+          <p:nvPr/>
+        </p:nvSpPr>
+        <p:spPr>
+          <a:xfrm>
+            <a:off x="7541243" y="3791993"/>
+            <a:ext cx="444984" cy="776542"/>
+          </a:xfrm>
+          <a:prstGeom prst="rightArrow">
+            <a:avLst/>
+          </a:prstGeom>
+        </p:spPr>
+        <p:style>
+          <a:lnRef idx="2">
+            <a:schemeClr val="dk1">
+              <a:shade val="50000"/>
+            </a:schemeClr>
+          </a:lnRef>
+          <a:fillRef idx="1">
+            <a:schemeClr val="dk1"/>
+          </a:fillRef>
+          <a:effectRef idx="0">
+            <a:schemeClr val="dk1"/>
+          </a:effectRef>
+          <a:fontRef idx="minor">
+            <a:schemeClr val="lt1"/>
+          </a:fontRef>
+        </p:style>
+        <p:txBody>
+          <a:bodyPr rtlCol="0" anchor="ctr"/>
+          <a:lstStyle/>
+          <a:p>
+            <a:pPr algn="ctr"/>
+            <a:endParaRPr lang="en-US"/>
+          </a:p>
+        </p:txBody>
+      </p:sp>
+    </p:spTree>
+    <p:extLst>
+      <p:ext uri="{BB962C8B-B14F-4D97-AF65-F5344CB8AC3E}">
+        <p14:creationId xmlns:p14="http://schemas.microsoft.com/office/powerpoint/2010/main" val="2167084136"/>
+      </p:ext>
+    </p:extLst>
+  </p:cSld>
+  <p:clrMapOvr>
+    <a:masterClrMapping/>
+  </p:clrMapOvr>
+</p:sld>
+</file>
+
+<file path=ppt/slides/slide7.xml><?xml version="1.0" encoding="utf-8"?>
+<p:sld xmlns:a="http://schemas.openxmlformats.org/drawingml/2006/main" xmlns:r="http://schemas.openxmlformats.org/officeDocument/2006/relationships" xmlns:p="http://schemas.openxmlformats.org/presentationml/2006/main">
+  <p:cSld>
+    <p:spTree>
+      <p:nvGrpSpPr>
+        <p:cNvPr id="1" name=""/>
+        <p:cNvGrpSpPr/>
+        <p:nvPr/>
+      </p:nvGrpSpPr>
+      <p:grpSpPr>
+        <a:xfrm>
+          <a:off x="0" y="0"/>
+          <a:ext cx="0" cy="0"/>
+          <a:chOff x="0" y="0"/>
+          <a:chExt cx="0" cy="0"/>
+        </a:xfrm>
+      </p:grpSpPr>
+      <p:sp>
+        <p:nvSpPr>
           <p:cNvPr id="4" name="スライド番号プレースホルダー 3"/>
           <p:cNvSpPr>
             <a:spLocks noGrp="1"/>
@@ -10309,7 +10414,7 @@
             <a:fld id="{B4451160-128F-4DAD-AE29-4A8CC0E7B9E9}" type="slidenum">
               <a:rPr lang="ja-JP" altLang="en-US" smtClean="0"/>
               <a:pPr/>
-              <a:t>6</a:t>
+              <a:t>7</a:t>
             </a:fld>
             <a:endParaRPr lang="ja-JP" altLang="en-US" dirty="0"/>
           </a:p>
@@ -10410,8 +10515,8 @@
         </p:nvSpPr>
         <p:spPr>
           <a:xfrm>
-            <a:off x="2977550" y="5617940"/>
-            <a:ext cx="2078951" cy="830997"/>
+            <a:off x="2826475" y="5572640"/>
+            <a:ext cx="2722882" cy="1015663"/>
           </a:xfrm>
           <a:prstGeom prst="rect">
             <a:avLst/>
@@ -10419,31 +10524,53 @@
           <a:noFill/>
         </p:spPr>
         <p:txBody>
-          <a:bodyPr wrap="square" rtlCol="0">
+          <a:bodyPr wrap="square" lIns="91440" tIns="45720" rIns="91440" bIns="45720" rtlCol="0" anchor="t">
             <a:spAutoFit/>
           </a:bodyPr>
           <a:lstStyle/>
           <a:p>
-            <a:r>
-              <a:rPr kumimoji="1" lang="ja-JP" altLang="en-US" sz="1600" dirty="0" smtClean="0"/>
+            <a:pPr algn="ctr"/>
+            <a:r>
+              <a:rPr kumimoji="1" lang="ja-JP" altLang="en-US" sz="2000" dirty="0"/>
               <a:t>複数のサーバーで</a:t>
             </a:r>
-            <a:endParaRPr kumimoji="1" lang="en-US" altLang="ja-JP" sz="1600" dirty="0" smtClean="0"/>
-          </a:p>
-          <a:p>
-            <a:r>
-              <a:rPr lang="ja-JP" altLang="en-US" sz="1600" dirty="0" smtClean="0"/>
+            <a:endParaRPr kumimoji="1" lang="en-US" altLang="ja-JP" sz="2000" dirty="0"/>
+          </a:p>
+          <a:p>
+            <a:pPr algn="ctr"/>
+            <a:r>
+              <a:rPr lang="ja-JP" altLang="en-US" sz="2000" dirty="0">
+                <a:ea typeface="ＭＳ Ｐゴシック"/>
+              </a:rPr>
               <a:t>機械学習</a:t>
             </a:r>
             <a:r>
-              <a:rPr kumimoji="1" lang="ja-JP" altLang="en-US" sz="1600" dirty="0" smtClean="0"/>
-              <a:t>を利用し楽曲をジャンル</a:t>
-            </a:r>
-            <a:r>
-              <a:rPr lang="ja-JP" altLang="en-US" sz="1600" dirty="0"/>
+              <a:rPr kumimoji="1" lang="ja-JP" altLang="en-US" sz="2000" dirty="0">
+                <a:ea typeface="ＭＳ Ｐゴシック"/>
+              </a:rPr>
+              <a:t>を利用し</a:t>
+            </a:r>
+            <a:endParaRPr lang="ja-JP" altLang="en-US" sz="2000" dirty="0">
+              <a:ea typeface="ＭＳ Ｐゴシック"/>
+            </a:endParaRPr>
+          </a:p>
+          <a:p>
+            <a:pPr algn="ctr"/>
+            <a:r>
+              <a:rPr kumimoji="1" lang="ja-JP" altLang="en-US" sz="2000" dirty="0">
+                <a:ea typeface="ＭＳ Ｐゴシック"/>
+              </a:rPr>
+              <a:t>楽曲をジャンル</a:t>
+            </a:r>
+            <a:r>
+              <a:rPr lang="ja-JP" altLang="en-US" sz="2000" dirty="0">
+                <a:ea typeface="ＭＳ Ｐゴシック"/>
+              </a:rPr>
               <a:t>推定</a:t>
             </a:r>
-            <a:endParaRPr kumimoji="1" lang="ja-JP" altLang="en-US" sz="1600" dirty="0"/>
+            <a:endParaRPr lang="ja-JP" sz="2400" dirty="0">
+              <a:ea typeface="ＭＳ Ｐゴシック"/>
+            </a:endParaRPr>
           </a:p>
         </p:txBody>
       </p:sp>
@@ -10599,7 +10726,7 @@
         <p:spPr>
           <a:xfrm>
             <a:off x="36330" y="5565893"/>
-            <a:ext cx="1811795" cy="650500"/>
+            <a:ext cx="1811795" cy="707886"/>
           </a:xfrm>
           <a:prstGeom prst="rect">
             <a:avLst/>
@@ -10614,18 +10741,14 @@
           <a:p>
             <a:pPr algn="ctr"/>
             <a:r>
-              <a:rPr lang="ja-JP" altLang="en-US" sz="1600" dirty="0"/>
-              <a:t>楽曲</a:t>
-            </a:r>
-            <a:r>
-              <a:rPr lang="ja-JP" altLang="en-US" sz="1600" dirty="0" smtClean="0"/>
-              <a:t>投稿型</a:t>
-            </a:r>
-            <a:r>
-              <a:rPr lang="en-US" altLang="ja-JP" sz="1600" dirty="0" smtClean="0"/>
+              <a:rPr lang="ja-JP" altLang="en-US" sz="2000" dirty="0"/>
+              <a:t>楽曲投稿型</a:t>
+            </a:r>
+            <a:r>
+              <a:rPr lang="en-US" altLang="ja-JP" sz="2000" dirty="0"/>
               <a:t>SNS</a:t>
             </a:r>
-            <a:endParaRPr kumimoji="1" lang="ja-JP" altLang="en-US" sz="1600" dirty="0"/>
+            <a:endParaRPr kumimoji="1" lang="ja-JP" altLang="en-US" sz="2000" dirty="0"/>
           </a:p>
         </p:txBody>
       </p:sp>
@@ -10693,8 +10816,8 @@
         </p:nvSpPr>
         <p:spPr>
           <a:xfrm>
-            <a:off x="2629199" y="483281"/>
-            <a:ext cx="2679590" cy="646331"/>
+            <a:off x="2131863" y="710135"/>
+            <a:ext cx="3778963" cy="400110"/>
           </a:xfrm>
           <a:prstGeom prst="rect">
             <a:avLst/>
@@ -10702,25 +10825,22 @@
           <a:noFill/>
         </p:spPr>
         <p:txBody>
-          <a:bodyPr wrap="square" rtlCol="0">
+          <a:bodyPr wrap="square" lIns="91440" tIns="45720" rIns="91440" bIns="45720" rtlCol="0" anchor="t">
             <a:spAutoFit/>
           </a:bodyPr>
           <a:lstStyle/>
           <a:p>
             <a:pPr algn="ctr"/>
             <a:r>
-              <a:rPr kumimoji="1" lang="ja-JP" altLang="en-US" dirty="0" smtClean="0"/>
-              <a:t>楽曲から特徴を抽出し</a:t>
-            </a:r>
-            <a:endParaRPr kumimoji="1" lang="en-US" altLang="ja-JP" dirty="0" smtClean="0"/>
-          </a:p>
-          <a:p>
-            <a:pPr algn="ctr"/>
-            <a:r>
-              <a:rPr kumimoji="1" lang="ja-JP" altLang="en-US" dirty="0" smtClean="0"/>
-              <a:t>機械学習</a:t>
-            </a:r>
-            <a:endParaRPr kumimoji="1" lang="ja-JP" altLang="en-US" dirty="0"/>
+              <a:rPr kumimoji="1" lang="ja-JP" altLang="en-US" sz="2000" dirty="0">
+                <a:ea typeface="ＭＳ Ｐゴシック"/>
+              </a:rPr>
+              <a:t>楽曲から特徴を抽出し機械学習</a:t>
+            </a:r>
+            <a:endParaRPr lang="en-US" altLang="ja-JP" sz="2000" dirty="0">
+              <a:ea typeface="ＭＳ Ｐゴシック"/>
+              <a:cs typeface="Calibri" panose="020F0502020204030204"/>
+            </a:endParaRPr>
           </a:p>
         </p:txBody>
       </p:sp>
@@ -10732,8 +10852,8 @@
         </p:nvSpPr>
         <p:spPr>
           <a:xfrm>
-            <a:off x="1987824" y="2830609"/>
-            <a:ext cx="3808674" cy="584775"/>
+            <a:off x="1666621" y="2807260"/>
+            <a:ext cx="4595856" cy="707886"/>
           </a:xfrm>
           <a:prstGeom prst="rect">
             <a:avLst/>
@@ -10748,26 +10868,25 @@
           <a:p>
             <a:pPr algn="ctr"/>
             <a:r>
-              <a:rPr kumimoji="1" lang="ja-JP" altLang="en-US" sz="1600" dirty="0" smtClean="0"/>
+              <a:rPr kumimoji="1" lang="ja-JP" altLang="en-US" sz="2000" dirty="0"/>
               <a:t>楽曲の周波数から</a:t>
             </a:r>
-            <a:endParaRPr kumimoji="1" lang="en-US" altLang="ja-JP" sz="1600" dirty="0" smtClean="0"/>
+            <a:endParaRPr kumimoji="1" lang="en-US" altLang="ja-JP" sz="2000" dirty="0"/>
           </a:p>
           <a:p>
             <a:pPr algn="ctr"/>
             <a:r>
-              <a:rPr kumimoji="1" lang="ja-JP" altLang="en-US" sz="1600" dirty="0" smtClean="0"/>
+              <a:rPr kumimoji="1" lang="ja-JP" altLang="en-US" sz="2000" dirty="0"/>
               <a:t>スペクトログラムを作成し</a:t>
             </a:r>
             <a:r>
-              <a:rPr kumimoji="1" lang="en-US" altLang="ja-JP" sz="1600" dirty="0" smtClean="0"/>
+              <a:rPr kumimoji="1" lang="en-US" altLang="ja-JP" sz="2000" dirty="0"/>
               <a:t>CNN</a:t>
             </a:r>
             <a:r>
-              <a:rPr kumimoji="1" lang="ja-JP" altLang="en-US" sz="1600" dirty="0" smtClean="0"/>
+              <a:rPr kumimoji="1" lang="ja-JP" altLang="en-US" sz="2000" dirty="0"/>
               <a:t>で機械学習</a:t>
             </a:r>
-            <a:endParaRPr kumimoji="1" lang="ja-JP" altLang="en-US" sz="1600" dirty="0"/>
           </a:p>
         </p:txBody>
       </p:sp>
@@ -10803,15 +10922,33 @@
           </a:fontRef>
         </p:style>
         <p:txBody>
-          <a:bodyPr rtlCol="0" anchor="ctr"/>
+          <a:bodyPr lIns="91440" tIns="45720" rIns="91440" bIns="45720" rtlCol="0" anchor="ctr"/>
           <a:lstStyle/>
           <a:p>
             <a:pPr algn="ctr"/>
-            <a:r>
-              <a:rPr kumimoji="1" lang="ja-JP" altLang="en-US" dirty="0" smtClean="0"/>
-              <a:t>ジャンル推定された楽曲</a:t>
-            </a:r>
-            <a:endParaRPr kumimoji="1" lang="ja-JP" altLang="en-US" dirty="0"/>
+            <a:endParaRPr lang="ja-JP" altLang="en-US" dirty="0">
+              <a:ea typeface="ＭＳ Ｐゴシック"/>
+              <a:cs typeface="Calibri"/>
+            </a:endParaRPr>
+          </a:p>
+          <a:p>
+            <a:pPr algn="ctr"/>
+            <a:r>
+              <a:rPr kumimoji="1" lang="ja-JP" altLang="en-US" dirty="0">
+                <a:solidFill>
+                  <a:schemeClr val="tx1"/>
+                </a:solidFill>
+                <a:ea typeface="ＭＳ Ｐゴシック"/>
+              </a:rPr>
+              <a:t>モデル構築</a:t>
+            </a:r>
+            <a:endParaRPr lang="ja-JP" altLang="en-US" dirty="0">
+              <a:solidFill>
+                <a:schemeClr val="tx1"/>
+              </a:solidFill>
+              <a:ea typeface="ＭＳ Ｐゴシック"/>
+              <a:cs typeface="Calibri"/>
+            </a:endParaRPr>
           </a:p>
         </p:txBody>
       </p:sp>
@@ -10847,15 +10984,33 @@
           </a:fontRef>
         </p:style>
         <p:txBody>
-          <a:bodyPr rtlCol="0" anchor="ctr"/>
+          <a:bodyPr lIns="91440" tIns="45720" rIns="91440" bIns="45720" rtlCol="0" anchor="ctr"/>
           <a:lstStyle/>
           <a:p>
             <a:pPr algn="ctr"/>
-            <a:r>
-              <a:rPr kumimoji="1" lang="ja-JP" altLang="en-US" dirty="0" smtClean="0"/>
-              <a:t>ジャンルマッチングなどに応用</a:t>
-            </a:r>
-            <a:endParaRPr kumimoji="1" lang="ja-JP" altLang="en-US" dirty="0"/>
+            <a:endParaRPr lang="ja-JP" altLang="en-US" dirty="0">
+              <a:ea typeface="ＭＳ Ｐゴシック"/>
+              <a:cs typeface="Calibri"/>
+            </a:endParaRPr>
+          </a:p>
+          <a:p>
+            <a:pPr algn="ctr"/>
+            <a:r>
+              <a:rPr lang="ja-JP" altLang="en-US">
+                <a:solidFill>
+                  <a:schemeClr val="tx1"/>
+                </a:solidFill>
+                <a:ea typeface="ＭＳ Ｐゴシック"/>
+              </a:rPr>
+              <a:t>ジャンル推定</a:t>
+            </a:r>
+            <a:endParaRPr lang="ja-JP" altLang="en-US">
+              <a:solidFill>
+                <a:schemeClr val="tx1"/>
+              </a:solidFill>
+              <a:ea typeface="ＭＳ Ｐゴシック"/>
+              <a:cs typeface="Calibri"/>
+            </a:endParaRPr>
           </a:p>
         </p:txBody>
       </p:sp>
@@ -11223,120 +11378,55 @@
           </a:fontRef>
         </p:style>
       </p:cxnSp>
+      <p:sp>
+        <p:nvSpPr>
+          <p:cNvPr id="8" name="TextBox 7">
+            <a:extLst>
+              <a:ext uri="{FF2B5EF4-FFF2-40B4-BE49-F238E27FC236}">
+                <a16:creationId xmlns:a16="http://schemas.microsoft.com/office/drawing/2014/main" id="{6850DD20-79C5-4F16-8364-E8D80767A3E2}"/>
+              </a:ext>
+            </a:extLst>
+          </p:cNvPr>
+          <p:cNvSpPr txBox="1"/>
+          <p:nvPr/>
+        </p:nvSpPr>
+        <p:spPr>
+          <a:xfrm>
+            <a:off x="-1745" y="41880"/>
+            <a:ext cx="4898321" cy="707886"/>
+          </a:xfrm>
+          <a:prstGeom prst="rect">
+            <a:avLst/>
+          </a:prstGeom>
+          <a:noFill/>
+        </p:spPr>
+        <p:txBody>
+          <a:bodyPr rot="0" spcFirstLastPara="0" vertOverflow="overflow" horzOverflow="overflow" vert="horz" wrap="square" lIns="91440" tIns="45720" rIns="91440" bIns="45720" numCol="1" spcCol="0" rtlCol="0" fromWordArt="0" anchor="t" anchorCtr="0" forceAA="0" compatLnSpc="1">
+            <a:prstTxWarp prst="textNoShape">
+              <a:avLst/>
+            </a:prstTxWarp>
+            <a:spAutoFit/>
+          </a:bodyPr>
+          <a:lstStyle/>
+          <a:p>
+            <a:pPr algn="l"/>
+            <a:r>
+              <a:rPr lang="ja-JP" altLang="en-US" sz="4000">
+                <a:ea typeface="ＭＳ Ｐゴシック"/>
+                <a:cs typeface="Calibri"/>
+              </a:rPr>
+              <a:t>楽曲のジャンル推定</a:t>
+            </a:r>
+            <a:endParaRPr lang="en-US" sz="4000" dirty="0">
+              <a:cs typeface="Calibri"/>
+            </a:endParaRPr>
+          </a:p>
+        </p:txBody>
+      </p:sp>
     </p:spTree>
     <p:extLst>
       <p:ext uri="{BB962C8B-B14F-4D97-AF65-F5344CB8AC3E}">
         <p14:creationId xmlns:p14="http://schemas.microsoft.com/office/powerpoint/2010/main" val="2414674720"/>
-      </p:ext>
-    </p:extLst>
-  </p:cSld>
-  <p:clrMapOvr>
-    <a:masterClrMapping/>
-  </p:clrMapOvr>
-  <p:timing>
-    <p:tnLst>
-      <p:par>
-        <p:cTn id="1" dur="indefinite" restart="never" nodeType="tmRoot"/>
-      </p:par>
-    </p:tnLst>
-  </p:timing>
-</p:sld>
-</file>
-
-<file path=ppt/slides/slide7.xml><?xml version="1.0" encoding="utf-8"?>
-<p:sld xmlns:a="http://schemas.openxmlformats.org/drawingml/2006/main" xmlns:r="http://schemas.openxmlformats.org/officeDocument/2006/relationships" xmlns:p="http://schemas.openxmlformats.org/presentationml/2006/main">
-  <p:cSld>
-    <p:spTree>
-      <p:nvGrpSpPr>
-        <p:cNvPr id="1" name=""/>
-        <p:cNvGrpSpPr/>
-        <p:nvPr/>
-      </p:nvGrpSpPr>
-      <p:grpSpPr>
-        <a:xfrm>
-          <a:off x="0" y="0"/>
-          <a:ext cx="0" cy="0"/>
-          <a:chOff x="0" y="0"/>
-          <a:chExt cx="0" cy="0"/>
-        </a:xfrm>
-      </p:grpSpPr>
-      <p:sp>
-        <p:nvSpPr>
-          <p:cNvPr id="2" name="タイトル 1"/>
-          <p:cNvSpPr>
-            <a:spLocks noGrp="1"/>
-          </p:cNvSpPr>
-          <p:nvPr>
-            <p:ph type="title"/>
-          </p:nvPr>
-        </p:nvSpPr>
-        <p:spPr/>
-        <p:txBody>
-          <a:bodyPr/>
-          <a:lstStyle/>
-          <a:p>
-            <a:r>
-              <a:rPr kumimoji="1" lang="ja-JP" altLang="en-US" dirty="0" smtClean="0"/>
-              <a:t>実験</a:t>
-            </a:r>
-            <a:endParaRPr kumimoji="1" lang="ja-JP" altLang="en-US" dirty="0"/>
-          </a:p>
-        </p:txBody>
-      </p:sp>
-      <p:sp>
-        <p:nvSpPr>
-          <p:cNvPr id="3" name="コンテンツ プレースホルダー 2"/>
-          <p:cNvSpPr>
-            <a:spLocks noGrp="1"/>
-          </p:cNvSpPr>
-          <p:nvPr>
-            <p:ph idx="1"/>
-          </p:nvPr>
-        </p:nvSpPr>
-        <p:spPr/>
-        <p:txBody>
-          <a:bodyPr/>
-          <a:lstStyle/>
-          <a:p>
-            <a:pPr marL="0" indent="0" algn="just">
-              <a:buNone/>
-            </a:pPr>
-            <a:r>
-              <a:rPr kumimoji="1" lang="ja-JP" altLang="en-US" dirty="0" smtClean="0"/>
-              <a:t>単機サーバと複数サーバでジャンル推定処理を行い．その処理にかかった時間と分類精度を比較することで実現可能性を検証する．</a:t>
-            </a:r>
-            <a:endParaRPr kumimoji="1" lang="ja-JP" altLang="en-US" dirty="0"/>
-          </a:p>
-        </p:txBody>
-      </p:sp>
-      <p:sp>
-        <p:nvSpPr>
-          <p:cNvPr id="4" name="スライド番号プレースホルダー 3"/>
-          <p:cNvSpPr>
-            <a:spLocks noGrp="1"/>
-          </p:cNvSpPr>
-          <p:nvPr>
-            <p:ph type="sldNum" sz="quarter" idx="12"/>
-          </p:nvPr>
-        </p:nvSpPr>
-        <p:spPr/>
-        <p:txBody>
-          <a:bodyPr/>
-          <a:lstStyle/>
-          <a:p>
-            <a:fld id="{B4451160-128F-4DAD-AE29-4A8CC0E7B9E9}" type="slidenum">
-              <a:rPr lang="ja-JP" altLang="en-US" smtClean="0"/>
-              <a:pPr/>
-              <a:t>7</a:t>
-            </a:fld>
-            <a:endParaRPr lang="ja-JP" altLang="en-US" dirty="0"/>
-          </a:p>
-        </p:txBody>
-      </p:sp>
-    </p:spTree>
-    <p:extLst>
-      <p:ext uri="{BB962C8B-B14F-4D97-AF65-F5344CB8AC3E}">
-        <p14:creationId xmlns:p14="http://schemas.microsoft.com/office/powerpoint/2010/main" val="636665"/>
       </p:ext>
     </p:extLst>
   </p:cSld>
@@ -11379,10 +11469,9 @@
           <a:lstStyle/>
           <a:p>
             <a:r>
-              <a:rPr kumimoji="1" lang="ja-JP" altLang="en-US" dirty="0" smtClean="0"/>
+              <a:rPr kumimoji="1" lang="ja-JP" altLang="en-US" dirty="0"/>
               <a:t>楽曲ジャンル推定モデルの作成</a:t>
             </a:r>
-            <a:endParaRPr kumimoji="1" lang="ja-JP" altLang="en-US" dirty="0"/>
           </a:p>
         </p:txBody>
       </p:sp>
@@ -11398,7 +11487,7 @@
         </p:nvSpPr>
         <p:spPr/>
         <p:txBody>
-          <a:bodyPr>
+          <a:bodyPr vert="horz" lIns="91440" tIns="45720" rIns="91440" bIns="45720" rtlCol="0" anchor="t">
             <a:normAutofit/>
           </a:bodyPr>
           <a:lstStyle/>
@@ -11410,32 +11499,32 @@
               <a:buNone/>
             </a:pPr>
             <a:r>
-              <a:rPr lang="ja-JP" altLang="ja-JP" dirty="0" smtClean="0"/>
-              <a:t>ジャンル</a:t>
-            </a:r>
-            <a:r>
-              <a:rPr lang="ja-JP" altLang="ja-JP" dirty="0"/>
-              <a:t>推定モデルの作成では楽曲からメル周波数ケプストラム係数</a:t>
-            </a:r>
-            <a:r>
-              <a:rPr lang="en-US" altLang="ja-JP" dirty="0"/>
+              <a:rPr lang="ja-JP" altLang="ja-JP" dirty="0">
+                <a:ea typeface="ＭＳ Ｐゴシック"/>
+              </a:rPr>
+              <a:t>ジャンル推定モデルの作成では楽曲からメル周波数ケプストラム係数</a:t>
+            </a:r>
+            <a:r>
+              <a:rPr lang="en-US" altLang="ja-JP" dirty="0">
+                <a:ea typeface="ＭＳ Ｐゴシック"/>
+              </a:rPr>
               <a:t>(MFCC)</a:t>
             </a:r>
             <a:r>
-              <a:rPr lang="ja-JP" altLang="ja-JP" dirty="0"/>
-              <a:t>を特徴として抽出する</a:t>
-            </a:r>
-            <a:r>
-              <a:rPr lang="ja-JP" altLang="ja-JP" dirty="0" smtClean="0"/>
-              <a:t>．</a:t>
-            </a:r>
-            <a:endParaRPr lang="en-US" altLang="ja-JP" dirty="0" smtClean="0"/>
+              <a:rPr lang="ja-JP" altLang="ja-JP" dirty="0">
+                <a:ea typeface="ＭＳ Ｐゴシック"/>
+              </a:rPr>
+              <a:t>を特徴として抽出する．</a:t>
+            </a:r>
+            <a:endParaRPr lang="en-US" altLang="ja-JP" dirty="0">
+              <a:ea typeface="ＭＳ Ｐゴシック"/>
+            </a:endParaRPr>
           </a:p>
           <a:p>
             <a:pPr marL="0" indent="0" algn="just">
               <a:buNone/>
             </a:pPr>
-            <a:endParaRPr kumimoji="1" lang="en-US" altLang="ja-JP" dirty="0" smtClean="0"/>
+            <a:endParaRPr kumimoji="1" lang="en-US" altLang="ja-JP" dirty="0"/>
           </a:p>
           <a:p>
             <a:pPr marL="0" indent="0" algn="just">
@@ -11447,7 +11536,7 @@
             <a:pPr marL="0" indent="0" algn="just">
               <a:buNone/>
             </a:pPr>
-            <a:endParaRPr kumimoji="1" lang="en-US" altLang="ja-JP" dirty="0" smtClean="0"/>
+            <a:endParaRPr kumimoji="1" lang="en-US" altLang="ja-JP" dirty="0"/>
           </a:p>
           <a:p>
             <a:pPr marL="0" indent="0" algn="just">
@@ -11459,14 +11548,10 @@
             <a:pPr marL="0" indent="0" algn="just">
               <a:buNone/>
             </a:pPr>
-            <a:r>
-              <a:rPr lang="ja-JP" altLang="en-US" dirty="0"/>
-              <a:t>ジャンル推定モデルに使用したデータセット：</a:t>
-            </a:r>
-            <a:r>
-              <a:rPr lang="en-US" altLang="ja-JP" dirty="0"/>
-              <a:t>FMA_SMALL</a:t>
-            </a:r>
+            <a:endParaRPr lang="ja-JP" altLang="en-US" dirty="0">
+              <a:ea typeface="ＭＳ Ｐゴシック"/>
+              <a:cs typeface="Calibri"/>
+            </a:endParaRPr>
           </a:p>
           <a:p>
             <a:pPr marL="0" indent="0" algn="just">
@@ -11509,14 +11594,14 @@
           <p:nvPr>
             <p:extLst>
               <p:ext uri="{D42A27DB-BD31-4B8C-83A1-F6EECF244321}">
-                <p14:modId xmlns:p14="http://schemas.microsoft.com/office/powerpoint/2010/main" val="2909053899"/>
+                <p14:modId xmlns:p14="http://schemas.microsoft.com/office/powerpoint/2010/main" val="2820192740"/>
               </p:ext>
             </p:extLst>
           </p:nvPr>
         </p:nvGraphicFramePr>
         <p:xfrm>
-          <a:off x="795127" y="3013543"/>
-          <a:ext cx="7450375" cy="1137038"/>
+          <a:off x="725113" y="2946701"/>
+          <a:ext cx="7450375" cy="1330531"/>
         </p:xfrm>
         <a:graphic>
           <a:graphicData uri="http://schemas.openxmlformats.org/drawingml/2006/table">
@@ -11561,15 +11646,25 @@
                   </a:extLst>
                 </a:gridCol>
               </a:tblGrid>
-              <a:tr h="568519">
+              <a:tr h="540353">
                 <a:tc>
                   <a:txBody>
                     <a:bodyPr/>
                     <a:lstStyle/>
                     <a:p>
                       <a:r>
-                        <a:rPr kumimoji="1" lang="en-US" altLang="ja-JP" dirty="0" smtClean="0"/>
+                        <a:rPr lang="en-US" altLang="ja-JP" dirty="0"/>
                         <a:t>Electric</a:t>
+                      </a:r>
+                      <a:endParaRPr lang="ja-JP" altLang="en-US" dirty="0"/>
+                    </a:p>
+                    <a:p>
+                      <a:pPr lvl="0">
+                        <a:buNone/>
+                      </a:pPr>
+                      <a:r>
+                        <a:rPr lang="en-US" altLang="ja-JP" dirty="0"/>
+                        <a:t>58曲</a:t>
                       </a:r>
                       <a:endParaRPr kumimoji="1" lang="ja-JP" altLang="en-US" dirty="0"/>
                     </a:p>
@@ -11582,10 +11677,18 @@
                     <a:lstStyle/>
                     <a:p>
                       <a:r>
-                        <a:rPr kumimoji="1" lang="en-US" altLang="ja-JP" dirty="0" smtClean="0"/>
+                        <a:rPr kumimoji="1" lang="en-US" altLang="ja-JP" dirty="0"/>
                         <a:t>Folk</a:t>
                       </a:r>
-                      <a:endParaRPr kumimoji="1" lang="ja-JP" altLang="en-US" dirty="0"/>
+                    </a:p>
+                    <a:p>
+                      <a:pPr lvl="0">
+                        <a:buNone/>
+                      </a:pPr>
+                      <a:r>
+                        <a:rPr lang="en-US" altLang="ja-JP" dirty="0"/>
+                        <a:t>128曲</a:t>
+                      </a:r>
                     </a:p>
                   </a:txBody>
                   <a:tcPr/>
@@ -11596,10 +11699,18 @@
                     <a:lstStyle/>
                     <a:p>
                       <a:r>
-                        <a:rPr kumimoji="1" lang="en-US" altLang="ja-JP" dirty="0" smtClean="0"/>
+                        <a:rPr kumimoji="1" lang="en-US" altLang="ja-JP" dirty="0"/>
                         <a:t>Hip-Hop</a:t>
                       </a:r>
-                      <a:endParaRPr kumimoji="1" lang="ja-JP" altLang="en-US" dirty="0"/>
+                    </a:p>
+                    <a:p>
+                      <a:pPr lvl="0">
+                        <a:buNone/>
+                      </a:pPr>
+                      <a:r>
+                        <a:rPr lang="en-US" altLang="ja-JP" dirty="0"/>
+                        <a:t>63曲</a:t>
+                      </a:r>
                     </a:p>
                   </a:txBody>
                   <a:tcPr/>
@@ -11610,10 +11721,18 @@
                     <a:lstStyle/>
                     <a:p>
                       <a:r>
-                        <a:rPr kumimoji="1" lang="en-US" altLang="ja-JP" dirty="0" smtClean="0"/>
+                        <a:rPr kumimoji="1" lang="en-US" altLang="ja-JP" dirty="0"/>
                         <a:t>International</a:t>
                       </a:r>
-                      <a:endParaRPr kumimoji="1" lang="ja-JP" altLang="en-US" dirty="0"/>
+                    </a:p>
+                    <a:p>
+                      <a:pPr lvl="0">
+                        <a:buNone/>
+                      </a:pPr>
+                      <a:r>
+                        <a:rPr lang="en-US" altLang="ja-JP" dirty="0"/>
+                        <a:t>38曲</a:t>
+                      </a:r>
                     </a:p>
                   </a:txBody>
                   <a:tcPr/>
@@ -11624,10 +11743,18 @@
                     <a:lstStyle/>
                     <a:p>
                       <a:r>
-                        <a:rPr kumimoji="1" lang="en-US" altLang="ja-JP" dirty="0" smtClean="0"/>
+                        <a:rPr kumimoji="1" lang="en-US" altLang="ja-JP" dirty="0"/>
                         <a:t>Metal</a:t>
                       </a:r>
-                      <a:endParaRPr kumimoji="1" lang="ja-JP" altLang="en-US" dirty="0"/>
+                    </a:p>
+                    <a:p>
+                      <a:pPr lvl="0">
+                        <a:buNone/>
+                      </a:pPr>
+                      <a:r>
+                        <a:rPr lang="en-US" altLang="ja-JP" dirty="0"/>
+                        <a:t>72曲</a:t>
+                      </a:r>
                     </a:p>
                   </a:txBody>
                   <a:tcPr/>
@@ -11638,17 +11765,25 @@
                   </a:ext>
                 </a:extLst>
               </a:tr>
-              <a:tr h="568519">
+              <a:tr h="690451">
                 <a:tc>
                   <a:txBody>
                     <a:bodyPr/>
                     <a:lstStyle/>
                     <a:p>
                       <a:r>
-                        <a:rPr kumimoji="1" lang="en-US" altLang="ja-JP" dirty="0" smtClean="0"/>
+                        <a:rPr kumimoji="1" lang="en-US" altLang="ja-JP" dirty="0"/>
                         <a:t>Latin</a:t>
                       </a:r>
-                      <a:endParaRPr kumimoji="1" lang="ja-JP" altLang="en-US" dirty="0"/>
+                    </a:p>
+                    <a:p>
+                      <a:pPr lvl="0">
+                        <a:buNone/>
+                      </a:pPr>
+                      <a:r>
+                        <a:rPr lang="en-US" altLang="ja-JP" dirty="0"/>
+                        <a:t>40曲</a:t>
+                      </a:r>
                     </a:p>
                   </a:txBody>
                   <a:tcPr/>
@@ -11659,10 +11794,18 @@
                     <a:lstStyle/>
                     <a:p>
                       <a:r>
-                        <a:rPr kumimoji="1" lang="en-US" altLang="ja-JP" dirty="0" smtClean="0"/>
+                        <a:rPr kumimoji="1" lang="en-US" altLang="ja-JP" dirty="0"/>
                         <a:t>Pop</a:t>
                       </a:r>
-                      <a:endParaRPr kumimoji="1" lang="ja-JP" altLang="en-US" dirty="0"/>
+                    </a:p>
+                    <a:p>
+                      <a:pPr lvl="0">
+                        <a:buNone/>
+                      </a:pPr>
+                      <a:r>
+                        <a:rPr lang="en-US" altLang="ja-JP" dirty="0"/>
+                        <a:t>65曲</a:t>
+                      </a:r>
                     </a:p>
                   </a:txBody>
                   <a:tcPr/>
@@ -11673,10 +11816,18 @@
                     <a:lstStyle/>
                     <a:p>
                       <a:r>
-                        <a:rPr kumimoji="1" lang="en-US" altLang="ja-JP" dirty="0" smtClean="0"/>
+                        <a:rPr kumimoji="1" lang="en-US" altLang="ja-JP" dirty="0"/>
                         <a:t>Rock</a:t>
                       </a:r>
-                      <a:endParaRPr kumimoji="1" lang="ja-JP" altLang="en-US" dirty="0"/>
+                    </a:p>
+                    <a:p>
+                      <a:pPr lvl="0">
+                        <a:buNone/>
+                      </a:pPr>
+                      <a:r>
+                        <a:rPr lang="en-US" altLang="ja-JP" dirty="0"/>
+                        <a:t>93曲</a:t>
+                      </a:r>
                     </a:p>
                   </a:txBody>
                   <a:tcPr/>
@@ -11687,10 +11838,18 @@
                     <a:lstStyle/>
                     <a:p>
                       <a:r>
-                        <a:rPr kumimoji="1" lang="en-US" altLang="ja-JP" dirty="0" smtClean="0"/>
+                        <a:rPr kumimoji="1" lang="en-US" altLang="ja-JP" dirty="0"/>
                         <a:t>Punk</a:t>
                       </a:r>
-                      <a:endParaRPr kumimoji="1" lang="ja-JP" altLang="en-US" dirty="0"/>
+                    </a:p>
+                    <a:p>
+                      <a:pPr lvl="0">
+                        <a:buNone/>
+                      </a:pPr>
+                      <a:r>
+                        <a:rPr lang="en-US" altLang="ja-JP" dirty="0"/>
+                        <a:t>49曲</a:t>
+                      </a:r>
                     </a:p>
                   </a:txBody>
                   <a:tcPr/>
@@ -11701,10 +11860,18 @@
                     <a:lstStyle/>
                     <a:p>
                       <a:r>
-                        <a:rPr kumimoji="1" lang="en-US" altLang="ja-JP" dirty="0" err="1" smtClean="0"/>
+                        <a:rPr kumimoji="1" lang="en-US" altLang="ja-JP" dirty="0" err="1"/>
                         <a:t>Etc</a:t>
                       </a:r>
-                      <a:endParaRPr kumimoji="1" lang="ja-JP" altLang="en-US" dirty="0"/>
+                    </a:p>
+                    <a:p>
+                      <a:pPr lvl="0">
+                        <a:buNone/>
+                      </a:pPr>
+                      <a:r>
+                        <a:rPr lang="en-US" altLang="ja-JP" dirty="0"/>
+                        <a:t>120曲</a:t>
+                      </a:r>
                     </a:p>
                   </a:txBody>
                   <a:tcPr/>
@@ -11729,13 +11896,6 @@
   <p:clrMapOvr>
     <a:masterClrMapping/>
   </p:clrMapOvr>
-  <p:timing>
-    <p:tnLst>
-      <p:par>
-        <p:cTn id="1" dur="indefinite" restart="never" nodeType="tmRoot"/>
-      </p:par>
-    </p:tnLst>
-  </p:timing>
 </p:sld>
 </file>
 
@@ -11773,18 +11933,14 @@
           <a:p>
             <a:r>
               <a:rPr lang="ja-JP" altLang="en-US" dirty="0"/>
-              <a:t>楽曲ジャンル推定モデルの</a:t>
-            </a:r>
-            <a:r>
-              <a:rPr lang="ja-JP" altLang="en-US" dirty="0" smtClean="0"/>
-              <a:t>作成（</a:t>
-            </a:r>
-            <a:r>
-              <a:rPr lang="en-US" altLang="ja-JP" dirty="0" smtClean="0"/>
+              <a:t>楽曲ジャンル推定モデルの作成（</a:t>
+            </a:r>
+            <a:r>
+              <a:rPr lang="en-US" altLang="ja-JP" dirty="0"/>
               <a:t>MFCC</a:t>
             </a:r>
             <a:r>
-              <a:rPr lang="ja-JP" altLang="en-US" dirty="0" smtClean="0"/>
+              <a:rPr lang="ja-JP" altLang="en-US" dirty="0"/>
               <a:t>データの例）</a:t>
             </a:r>
             <a:endParaRPr kumimoji="1" lang="ja-JP" altLang="en-US" dirty="0"/>
@@ -11969,7 +12125,7 @@
                         </a:spcAft>
                       </a:pPr>
                       <a:r>
-                        <a:rPr lang="en-US" sz="1600" kern="0" dirty="0" smtClean="0">
+                        <a:rPr lang="en-US" sz="1600" kern="0" dirty="0">
                           <a:effectLst/>
                         </a:rPr>
                         <a:t>Roll-off</a:t>
@@ -12336,34 +12492,33 @@
           <a:lstStyle/>
           <a:p>
             <a:r>
-              <a:rPr kumimoji="1" lang="ja-JP" altLang="en-US" dirty="0" smtClean="0"/>
+              <a:rPr kumimoji="1" lang="ja-JP" altLang="en-US" dirty="0"/>
               <a:t>実験では</a:t>
             </a:r>
             <a:r>
-              <a:rPr kumimoji="1" lang="en-US" altLang="ja-JP" dirty="0" smtClean="0"/>
+              <a:rPr kumimoji="1" lang="en-US" altLang="ja-JP" dirty="0"/>
               <a:t>MFCC</a:t>
             </a:r>
             <a:r>
-              <a:rPr kumimoji="1" lang="ja-JP" altLang="en-US" dirty="0" smtClean="0"/>
+              <a:rPr kumimoji="1" lang="ja-JP" altLang="en-US" dirty="0"/>
               <a:t>係数は</a:t>
             </a:r>
             <a:r>
-              <a:rPr kumimoji="1" lang="en-US" altLang="ja-JP" dirty="0" smtClean="0"/>
+              <a:rPr kumimoji="1" lang="en-US" altLang="ja-JP" dirty="0"/>
               <a:t>20</a:t>
             </a:r>
             <a:r>
-              <a:rPr kumimoji="1" lang="ja-JP" altLang="en-US" dirty="0" smtClean="0"/>
+              <a:rPr kumimoji="1" lang="ja-JP" altLang="en-US" dirty="0"/>
               <a:t>件使用しているがここでは例として</a:t>
             </a:r>
             <a:r>
-              <a:rPr kumimoji="1" lang="en-US" altLang="ja-JP" dirty="0" smtClean="0"/>
-              <a:t>20</a:t>
-            </a:r>
-            <a:r>
-              <a:rPr kumimoji="1" lang="ja-JP" altLang="en-US" dirty="0" smtClean="0"/>
+              <a:rPr kumimoji="1" lang="en-US" altLang="ja-JP" dirty="0"/>
+              <a:t>2</a:t>
+            </a:r>
+            <a:r>
+              <a:rPr kumimoji="1" lang="ja-JP" altLang="en-US" dirty="0"/>
               <a:t>個出している</a:t>
             </a:r>
-            <a:endParaRPr kumimoji="1" lang="ja-JP" altLang="en-US" dirty="0"/>
           </a:p>
         </p:txBody>
       </p:sp>
@@ -12377,13 +12532,6 @@
   <p:clrMapOvr>
     <a:masterClrMapping/>
   </p:clrMapOvr>
-  <p:timing>
-    <p:tnLst>
-      <p:par>
-        <p:cTn id="1" dur="indefinite" restart="never" nodeType="tmRoot"/>
-      </p:par>
-    </p:tnLst>
-  </p:timing>
 </p:sld>
 </file>
 

--- a/発表用スライド/1821144_卒研発表.pptx
+++ b/発表用スライド/1821144_卒研発表.pptx
@@ -18,9 +18,9 @@
     <p:sldId id="284" r:id="rId9"/>
     <p:sldId id="285" r:id="rId10"/>
     <p:sldId id="296" r:id="rId11"/>
-    <p:sldId id="288" r:id="rId12"/>
-    <p:sldId id="298" r:id="rId13"/>
-    <p:sldId id="286" r:id="rId14"/>
+    <p:sldId id="298" r:id="rId12"/>
+    <p:sldId id="286" r:id="rId13"/>
+    <p:sldId id="288" r:id="rId14"/>
     <p:sldId id="290" r:id="rId15"/>
     <p:sldId id="292" r:id="rId16"/>
     <p:sldId id="294" r:id="rId17"/>
@@ -413,7 +413,7 @@
           <a:p>
             <a:fld id="{27571B5F-C8EC-4379-AD76-80FD414F3861}" type="datetimeFigureOut">
               <a:rPr kumimoji="1" lang="ja-JP" altLang="en-US" smtClean="0"/>
-              <a:t>2022/1/22</a:t>
+              <a:t>2022/1/24</a:t>
             </a:fld>
             <a:endParaRPr kumimoji="1" lang="ja-JP" altLang="en-US"/>
           </a:p>
@@ -1516,7 +1516,7 @@
           <a:p>
             <a:fld id="{22C6F9C5-C6AA-409B-AF03-98D7346F1423}" type="datetime1">
               <a:rPr kumimoji="1" lang="ja-JP" altLang="en-US" smtClean="0"/>
-              <a:t>2022/1/22</a:t>
+              <a:t>2022/1/24</a:t>
             </a:fld>
             <a:endParaRPr kumimoji="1" lang="ja-JP" altLang="en-US"/>
           </a:p>
@@ -1719,7 +1719,7 @@
           <a:p>
             <a:fld id="{22E0F957-B7A6-49B1-8F7C-E83B3F2002DA}" type="datetime1">
               <a:rPr kumimoji="1" lang="ja-JP" altLang="en-US" smtClean="0"/>
-              <a:t>2022/1/22</a:t>
+              <a:t>2022/1/24</a:t>
             </a:fld>
             <a:endParaRPr kumimoji="1" lang="ja-JP" altLang="en-US"/>
           </a:p>
@@ -1932,7 +1932,7 @@
           <a:p>
             <a:fld id="{DE6F7DB3-2648-413C-8B2E-93728F539CCD}" type="datetime1">
               <a:rPr kumimoji="1" lang="ja-JP" altLang="en-US" smtClean="0"/>
-              <a:t>2022/1/22</a:t>
+              <a:t>2022/1/24</a:t>
             </a:fld>
             <a:endParaRPr kumimoji="1" lang="ja-JP" altLang="en-US"/>
           </a:p>
@@ -2135,7 +2135,7 @@
           <a:p>
             <a:fld id="{A2D1DE2A-14E7-4A39-B37E-D38A93E354FC}" type="datetime1">
               <a:rPr kumimoji="1" lang="ja-JP" altLang="en-US" smtClean="0"/>
-              <a:t>2022/1/22</a:t>
+              <a:t>2022/1/24</a:t>
             </a:fld>
             <a:endParaRPr kumimoji="1" lang="ja-JP" altLang="en-US"/>
           </a:p>
@@ -2384,7 +2384,7 @@
           <a:p>
             <a:fld id="{991EEB29-6570-4D17-BF07-A0C0B34BA0FB}" type="datetime1">
               <a:rPr kumimoji="1" lang="ja-JP" altLang="en-US" smtClean="0"/>
-              <a:t>2022/1/22</a:t>
+              <a:t>2022/1/24</a:t>
             </a:fld>
             <a:endParaRPr kumimoji="1" lang="ja-JP" altLang="en-US"/>
           </a:p>
@@ -2681,7 +2681,7 @@
           <a:p>
             <a:fld id="{892B6420-66A4-43C3-BA46-EBDFB60516F0}" type="datetime1">
               <a:rPr kumimoji="1" lang="ja-JP" altLang="en-US" smtClean="0"/>
-              <a:t>2022/1/22</a:t>
+              <a:t>2022/1/24</a:t>
             </a:fld>
             <a:endParaRPr kumimoji="1" lang="ja-JP" altLang="en-US"/>
           </a:p>
@@ -3113,7 +3113,7 @@
           <a:p>
             <a:fld id="{5BE63C90-8833-49EB-8DFB-3A87587C56DF}" type="datetime1">
               <a:rPr kumimoji="1" lang="ja-JP" altLang="en-US" smtClean="0"/>
-              <a:t>2022/1/22</a:t>
+              <a:t>2022/1/24</a:t>
             </a:fld>
             <a:endParaRPr kumimoji="1" lang="ja-JP" altLang="en-US"/>
           </a:p>
@@ -3232,7 +3232,7 @@
           <a:p>
             <a:fld id="{FDB7B118-9258-4B93-98B1-2227223B18EF}" type="datetime1">
               <a:rPr kumimoji="1" lang="ja-JP" altLang="en-US" smtClean="0"/>
-              <a:t>2022/1/22</a:t>
+              <a:t>2022/1/24</a:t>
             </a:fld>
             <a:endParaRPr kumimoji="1" lang="ja-JP" altLang="en-US"/>
           </a:p>
@@ -3328,7 +3328,7 @@
           <a:p>
             <a:fld id="{9C334A37-8FFC-49D6-A0F3-FC06101E023C}" type="datetime1">
               <a:rPr kumimoji="1" lang="ja-JP" altLang="en-US" smtClean="0"/>
-              <a:t>2022/1/22</a:t>
+              <a:t>2022/1/24</a:t>
             </a:fld>
             <a:endParaRPr kumimoji="1" lang="ja-JP" altLang="en-US"/>
           </a:p>
@@ -3638,7 +3638,7 @@
           <a:p>
             <a:fld id="{0FAD949F-32A5-4343-9078-C3A89D3064D3}" type="datetime1">
               <a:rPr kumimoji="1" lang="ja-JP" altLang="en-US" smtClean="0"/>
-              <a:t>2022/1/22</a:t>
+              <a:t>2022/1/24</a:t>
             </a:fld>
             <a:endParaRPr kumimoji="1" lang="ja-JP" altLang="en-US"/>
           </a:p>
@@ -3896,7 +3896,7 @@
           <a:p>
             <a:fld id="{58C4534D-9999-497B-9C6B-5769B1D800E5}" type="datetime1">
               <a:rPr kumimoji="1" lang="ja-JP" altLang="en-US" smtClean="0"/>
-              <a:t>2022/1/22</a:t>
+              <a:t>2022/1/24</a:t>
             </a:fld>
             <a:endParaRPr kumimoji="1" lang="ja-JP" altLang="en-US"/>
           </a:p>
@@ -4142,7 +4142,7 @@
           <a:p>
             <a:fld id="{D73E1257-0E7D-4620-84B9-7FC7BB2FC946}" type="datetime1">
               <a:rPr kumimoji="1" lang="ja-JP" altLang="en-US" smtClean="0"/>
-              <a:t>2022/1/22</a:t>
+              <a:t>2022/1/24</a:t>
             </a:fld>
             <a:endParaRPr kumimoji="1" lang="ja-JP" altLang="en-US"/>
           </a:p>
@@ -4833,7 +4833,13 @@
       </p:grpSpPr>
       <p:sp>
         <p:nvSpPr>
-          <p:cNvPr id="2" name="タイトル 1"/>
+          <p:cNvPr id="2" name="Title 1">
+            <a:extLst>
+              <a:ext uri="{FF2B5EF4-FFF2-40B4-BE49-F238E27FC236}">
+                <a16:creationId xmlns:a16="http://schemas.microsoft.com/office/drawing/2014/main" id="{B7FCF1D5-D737-4D0D-8915-383AE3054CC6}"/>
+              </a:ext>
+            </a:extLst>
+          </p:cNvPr>
           <p:cNvSpPr>
             <a:spLocks noGrp="1"/>
           </p:cNvSpPr>
@@ -4847,123 +4853,53 @@
           <a:lstStyle/>
           <a:p>
             <a:r>
-              <a:rPr kumimoji="1" lang="ja-JP" altLang="en-US">
-                <a:ea typeface="ＭＳ Ｐゴシック"/>
-              </a:rPr>
-              <a:t>実験方法</a:t>
-            </a:r>
-            <a:endParaRPr kumimoji="1" lang="ja-JP" altLang="en-US" dirty="0"/>
-          </a:p>
-        </p:txBody>
-      </p:sp>
-      <p:sp>
-        <p:nvSpPr>
-          <p:cNvPr id="3" name="コンテンツ プレースホルダー 2"/>
-          <p:cNvSpPr>
-            <a:spLocks noGrp="1"/>
-          </p:cNvSpPr>
+              <a:rPr lang="ja-JP" altLang="en-US">
+                <a:cs typeface="Calibri Light"/>
+              </a:rPr>
+              <a:t>実験環境</a:t>
+            </a:r>
+            <a:endParaRPr kumimoji="1" lang="en-US"/>
+          </a:p>
+        </p:txBody>
+      </p:sp>
+      <p:pic>
+        <p:nvPicPr>
+          <p:cNvPr id="5" name="Picture 5">
+            <a:extLst>
+              <a:ext uri="{FF2B5EF4-FFF2-40B4-BE49-F238E27FC236}">
+                <a16:creationId xmlns:a16="http://schemas.microsoft.com/office/drawing/2014/main" id="{40917622-8FEB-4A17-8B92-F0F5DEEB318C}"/>
+              </a:ext>
+            </a:extLst>
+          </p:cNvPr>
+          <p:cNvPicPr>
+            <a:picLocks noGrp="1" noChangeAspect="1"/>
+          </p:cNvPicPr>
           <p:nvPr>
             <p:ph idx="1"/>
           </p:nvPr>
-        </p:nvSpPr>
+        </p:nvPicPr>
+        <p:blipFill>
+          <a:blip r:embed="rId2"/>
+          <a:stretch>
+            <a:fillRect/>
+          </a:stretch>
+        </p:blipFill>
         <p:spPr>
           <a:xfrm>
-            <a:off x="628650" y="1520243"/>
-            <a:ext cx="7886700" cy="4909750"/>
+            <a:off x="666750" y="1518650"/>
+            <a:ext cx="7810500" cy="2085975"/>
           </a:xfrm>
         </p:spPr>
-        <p:txBody>
-          <a:bodyPr vert="horz" lIns="91440" tIns="45720" rIns="91440" bIns="45720" rtlCol="0" anchor="t">
-            <a:normAutofit/>
-          </a:bodyPr>
-          <a:lstStyle/>
-          <a:p>
-            <a:pPr marL="0" indent="0" algn="just">
-              <a:buNone/>
-            </a:pPr>
-            <a:r>
-              <a:rPr lang="en-US" altLang="ja-JP" dirty="0">
-                <a:ea typeface="ＭＳ Ｐゴシック"/>
-              </a:rPr>
-              <a:t>200</a:t>
-            </a:r>
-            <a:r>
-              <a:rPr lang="ja-JP" altLang="en-US">
-                <a:ea typeface="ＭＳ Ｐゴシック"/>
-              </a:rPr>
-              <a:t>件の楽曲データを利用し，</a:t>
-            </a:r>
-            <a:r>
-              <a:rPr lang="en-US" altLang="ja-JP" dirty="0">
-                <a:ea typeface="ＭＳ Ｐゴシック"/>
-              </a:rPr>
-              <a:t>1</a:t>
-            </a:r>
-            <a:r>
-              <a:rPr lang="ja-JP" altLang="en-US">
-                <a:ea typeface="ＭＳ Ｐゴシック"/>
-              </a:rPr>
-              <a:t>台の</a:t>
-            </a:r>
-            <a:r>
-              <a:rPr lang="en-US" altLang="ja-JP" dirty="0">
-                <a:ea typeface="ＭＳ Ｐゴシック"/>
-              </a:rPr>
-              <a:t>Raspberry Pi</a:t>
-            </a:r>
-            <a:r>
-              <a:rPr lang="ja-JP" altLang="en-US">
-                <a:ea typeface="ＭＳ Ｐゴシック"/>
-              </a:rPr>
-              <a:t>でジャンル推定処理を行い，処理にかかった時間の合計とジャンル推定の分類精度を計測する．</a:t>
-            </a:r>
-            <a:endParaRPr lang="en-US" altLang="ja-JP">
-              <a:ea typeface="ＭＳ Ｐゴシック"/>
-            </a:endParaRPr>
-          </a:p>
-          <a:p>
-            <a:pPr marL="0" indent="0" algn="just">
-              <a:buNone/>
-            </a:pPr>
-            <a:r>
-              <a:rPr lang="ja-JP" altLang="en-US">
-                <a:ea typeface="ＭＳ Ｐゴシック"/>
-              </a:rPr>
-              <a:t>その後，３台の</a:t>
-            </a:r>
-            <a:r>
-              <a:rPr lang="en-US" altLang="ja-JP" dirty="0">
-                <a:ea typeface="ＭＳ Ｐゴシック"/>
-              </a:rPr>
-              <a:t>Raspberry</a:t>
-            </a:r>
-            <a:r>
-              <a:rPr lang="ja-JP" altLang="en-US" dirty="0">
-                <a:ea typeface="ＭＳ Ｐゴシック"/>
-              </a:rPr>
-              <a:t> </a:t>
-            </a:r>
-            <a:r>
-              <a:rPr lang="en-US" altLang="ja-JP" dirty="0">
-                <a:ea typeface="ＭＳ Ｐゴシック"/>
-              </a:rPr>
-              <a:t>Pi</a:t>
-            </a:r>
-            <a:r>
-              <a:rPr lang="ja-JP" altLang="en-US">
-                <a:ea typeface="ＭＳ Ｐゴシック"/>
-              </a:rPr>
-              <a:t>で同処理を行い，処理にかかった時間の合計と分類精度を計測したものをそれぞれ比較する．</a:t>
-            </a:r>
-            <a:endParaRPr lang="en-US" altLang="ja-JP">
-              <a:ea typeface="ＭＳ Ｐゴシック"/>
-            </a:endParaRPr>
-          </a:p>
-        </p:txBody>
-      </p:sp>
-      <p:sp>
-        <p:nvSpPr>
-          <p:cNvPr id="4" name="スライド番号プレースホルダー 3"/>
+      </p:pic>
+      <p:sp>
+        <p:nvSpPr>
+          <p:cNvPr id="4" name="Slide Number Placeholder 3">
+            <a:extLst>
+              <a:ext uri="{FF2B5EF4-FFF2-40B4-BE49-F238E27FC236}">
+                <a16:creationId xmlns:a16="http://schemas.microsoft.com/office/drawing/2014/main" id="{D90D3B12-D789-494D-8DA2-9728DEFFF461}"/>
+              </a:ext>
+            </a:extLst>
+          </p:cNvPr>
           <p:cNvSpPr>
             <a:spLocks noGrp="1"/>
           </p:cNvSpPr>
@@ -4988,7 +4924,7 @@
     </p:spTree>
     <p:extLst>
       <p:ext uri="{BB962C8B-B14F-4D97-AF65-F5344CB8AC3E}">
-        <p14:creationId xmlns:p14="http://schemas.microsoft.com/office/powerpoint/2010/main" val="2779179843"/>
+        <p14:creationId xmlns:p14="http://schemas.microsoft.com/office/powerpoint/2010/main" val="866522300"/>
       </p:ext>
     </p:extLst>
   </p:cSld>
@@ -5017,126 +4953,6 @@
       </p:grpSpPr>
       <p:sp>
         <p:nvSpPr>
-          <p:cNvPr id="2" name="Title 1">
-            <a:extLst>
-              <a:ext uri="{FF2B5EF4-FFF2-40B4-BE49-F238E27FC236}">
-                <a16:creationId xmlns:a16="http://schemas.microsoft.com/office/drawing/2014/main" id="{B7FCF1D5-D737-4D0D-8915-383AE3054CC6}"/>
-              </a:ext>
-            </a:extLst>
-          </p:cNvPr>
-          <p:cNvSpPr>
-            <a:spLocks noGrp="1"/>
-          </p:cNvSpPr>
-          <p:nvPr>
-            <p:ph type="title"/>
-          </p:nvPr>
-        </p:nvSpPr>
-        <p:spPr/>
-        <p:txBody>
-          <a:bodyPr/>
-          <a:lstStyle/>
-          <a:p>
-            <a:r>
-              <a:rPr lang="ja-JP" altLang="en-US">
-                <a:cs typeface="Calibri Light"/>
-              </a:rPr>
-              <a:t>実験環境</a:t>
-            </a:r>
-            <a:endParaRPr kumimoji="1" lang="en-US"/>
-          </a:p>
-        </p:txBody>
-      </p:sp>
-      <p:pic>
-        <p:nvPicPr>
-          <p:cNvPr id="5" name="Picture 5">
-            <a:extLst>
-              <a:ext uri="{FF2B5EF4-FFF2-40B4-BE49-F238E27FC236}">
-                <a16:creationId xmlns:a16="http://schemas.microsoft.com/office/drawing/2014/main" id="{40917622-8FEB-4A17-8B92-F0F5DEEB318C}"/>
-              </a:ext>
-            </a:extLst>
-          </p:cNvPr>
-          <p:cNvPicPr>
-            <a:picLocks noGrp="1" noChangeAspect="1"/>
-          </p:cNvPicPr>
-          <p:nvPr>
-            <p:ph idx="1"/>
-          </p:nvPr>
-        </p:nvPicPr>
-        <p:blipFill>
-          <a:blip r:embed="rId2"/>
-          <a:stretch>
-            <a:fillRect/>
-          </a:stretch>
-        </p:blipFill>
-        <p:spPr>
-          <a:xfrm>
-            <a:off x="666750" y="1518650"/>
-            <a:ext cx="7810500" cy="2085975"/>
-          </a:xfrm>
-        </p:spPr>
-      </p:pic>
-      <p:sp>
-        <p:nvSpPr>
-          <p:cNvPr id="4" name="Slide Number Placeholder 3">
-            <a:extLst>
-              <a:ext uri="{FF2B5EF4-FFF2-40B4-BE49-F238E27FC236}">
-                <a16:creationId xmlns:a16="http://schemas.microsoft.com/office/drawing/2014/main" id="{D90D3B12-D789-494D-8DA2-9728DEFFF461}"/>
-              </a:ext>
-            </a:extLst>
-          </p:cNvPr>
-          <p:cNvSpPr>
-            <a:spLocks noGrp="1"/>
-          </p:cNvSpPr>
-          <p:nvPr>
-            <p:ph type="sldNum" sz="quarter" idx="12"/>
-          </p:nvPr>
-        </p:nvSpPr>
-        <p:spPr/>
-        <p:txBody>
-          <a:bodyPr/>
-          <a:lstStyle/>
-          <a:p>
-            <a:fld id="{B4451160-128F-4DAD-AE29-4A8CC0E7B9E9}" type="slidenum">
-              <a:rPr lang="ja-JP" altLang="en-US" smtClean="0"/>
-              <a:pPr/>
-              <a:t>12</a:t>
-            </a:fld>
-            <a:endParaRPr lang="ja-JP" altLang="en-US" dirty="0"/>
-          </a:p>
-        </p:txBody>
-      </p:sp>
-    </p:spTree>
-    <p:extLst>
-      <p:ext uri="{BB962C8B-B14F-4D97-AF65-F5344CB8AC3E}">
-        <p14:creationId xmlns:p14="http://schemas.microsoft.com/office/powerpoint/2010/main" val="866522300"/>
-      </p:ext>
-    </p:extLst>
-  </p:cSld>
-  <p:clrMapOvr>
-    <a:masterClrMapping/>
-  </p:clrMapOvr>
-</p:sld>
-</file>
-
-<file path=ppt/slides/slide13.xml><?xml version="1.0" encoding="utf-8"?>
-<p:sld xmlns:a="http://schemas.openxmlformats.org/drawingml/2006/main" xmlns:r="http://schemas.openxmlformats.org/officeDocument/2006/relationships" xmlns:p="http://schemas.openxmlformats.org/presentationml/2006/main">
-  <p:cSld>
-    <p:spTree>
-      <p:nvGrpSpPr>
-        <p:cNvPr id="1" name=""/>
-        <p:cNvGrpSpPr/>
-        <p:nvPr/>
-      </p:nvGrpSpPr>
-      <p:grpSpPr>
-        <a:xfrm>
-          <a:off x="0" y="0"/>
-          <a:ext cx="0" cy="0"/>
-          <a:chOff x="0" y="0"/>
-          <a:chExt cx="0" cy="0"/>
-        </a:xfrm>
-      </p:grpSpPr>
-      <p:sp>
-        <p:nvSpPr>
           <p:cNvPr id="3" name="コンテンツ プレースホルダー 2"/>
           <p:cNvSpPr>
             <a:spLocks noGrp="1"/>
@@ -5210,7 +5026,7 @@
             <a:fld id="{B4451160-128F-4DAD-AE29-4A8CC0E7B9E9}" type="slidenum">
               <a:rPr lang="ja-JP" altLang="en-US" smtClean="0"/>
               <a:pPr/>
-              <a:t>13</a:t>
+              <a:t>12</a:t>
             </a:fld>
             <a:endParaRPr lang="ja-JP" altLang="en-US" dirty="0"/>
           </a:p>
@@ -5721,6 +5537,190 @@
     <p:extLst>
       <p:ext uri="{BB962C8B-B14F-4D97-AF65-F5344CB8AC3E}">
         <p14:creationId xmlns:p14="http://schemas.microsoft.com/office/powerpoint/2010/main" val="1905092805"/>
+      </p:ext>
+    </p:extLst>
+  </p:cSld>
+  <p:clrMapOvr>
+    <a:masterClrMapping/>
+  </p:clrMapOvr>
+</p:sld>
+</file>
+
+<file path=ppt/slides/slide13.xml><?xml version="1.0" encoding="utf-8"?>
+<p:sld xmlns:a="http://schemas.openxmlformats.org/drawingml/2006/main" xmlns:r="http://schemas.openxmlformats.org/officeDocument/2006/relationships" xmlns:p="http://schemas.openxmlformats.org/presentationml/2006/main">
+  <p:cSld>
+    <p:spTree>
+      <p:nvGrpSpPr>
+        <p:cNvPr id="1" name=""/>
+        <p:cNvGrpSpPr/>
+        <p:nvPr/>
+      </p:nvGrpSpPr>
+      <p:grpSpPr>
+        <a:xfrm>
+          <a:off x="0" y="0"/>
+          <a:ext cx="0" cy="0"/>
+          <a:chOff x="0" y="0"/>
+          <a:chExt cx="0" cy="0"/>
+        </a:xfrm>
+      </p:grpSpPr>
+      <p:sp>
+        <p:nvSpPr>
+          <p:cNvPr id="2" name="タイトル 1"/>
+          <p:cNvSpPr>
+            <a:spLocks noGrp="1"/>
+          </p:cNvSpPr>
+          <p:nvPr>
+            <p:ph type="title"/>
+          </p:nvPr>
+        </p:nvSpPr>
+        <p:spPr/>
+        <p:txBody>
+          <a:bodyPr/>
+          <a:lstStyle/>
+          <a:p>
+            <a:r>
+              <a:rPr kumimoji="1" lang="ja-JP" altLang="en-US">
+                <a:ea typeface="ＭＳ Ｐゴシック"/>
+              </a:rPr>
+              <a:t>実験方法</a:t>
+            </a:r>
+            <a:endParaRPr kumimoji="1" lang="ja-JP" altLang="en-US" dirty="0"/>
+          </a:p>
+        </p:txBody>
+      </p:sp>
+      <p:sp>
+        <p:nvSpPr>
+          <p:cNvPr id="3" name="コンテンツ プレースホルダー 2"/>
+          <p:cNvSpPr>
+            <a:spLocks noGrp="1"/>
+          </p:cNvSpPr>
+          <p:nvPr>
+            <p:ph idx="1"/>
+          </p:nvPr>
+        </p:nvSpPr>
+        <p:spPr>
+          <a:xfrm>
+            <a:off x="628650" y="1520243"/>
+            <a:ext cx="7886700" cy="4909750"/>
+          </a:xfrm>
+        </p:spPr>
+        <p:txBody>
+          <a:bodyPr vert="horz" lIns="91440" tIns="45720" rIns="91440" bIns="45720" rtlCol="0" anchor="t">
+            <a:normAutofit/>
+          </a:bodyPr>
+          <a:lstStyle/>
+          <a:p>
+            <a:pPr marL="0" indent="0" algn="just">
+              <a:buNone/>
+            </a:pPr>
+            <a:r>
+              <a:rPr lang="en-US" altLang="ja-JP" dirty="0">
+                <a:ea typeface="ＭＳ Ｐゴシック"/>
+              </a:rPr>
+              <a:t>200</a:t>
+            </a:r>
+            <a:r>
+              <a:rPr lang="ja-JP" altLang="en-US">
+                <a:ea typeface="ＭＳ Ｐゴシック"/>
+              </a:rPr>
+              <a:t>件の楽曲データを利用し，</a:t>
+            </a:r>
+            <a:r>
+              <a:rPr lang="en-US" altLang="ja-JP" dirty="0">
+                <a:ea typeface="ＭＳ Ｐゴシック"/>
+              </a:rPr>
+              <a:t>1</a:t>
+            </a:r>
+            <a:r>
+              <a:rPr lang="ja-JP" altLang="en-US">
+                <a:ea typeface="ＭＳ Ｐゴシック"/>
+              </a:rPr>
+              <a:t>台の</a:t>
+            </a:r>
+            <a:r>
+              <a:rPr lang="en-US" altLang="ja-JP" dirty="0">
+                <a:ea typeface="ＭＳ Ｐゴシック"/>
+              </a:rPr>
+              <a:t>Raspberry Pi</a:t>
+            </a:r>
+            <a:r>
+              <a:rPr lang="ja-JP" altLang="en-US">
+                <a:ea typeface="ＭＳ Ｐゴシック"/>
+              </a:rPr>
+              <a:t>でジャンル推定処理を行い，処理にかかった時間の合計とジャンル推定の分類精度を計測する．</a:t>
+            </a:r>
+            <a:endParaRPr lang="en-US" altLang="ja-JP">
+              <a:ea typeface="ＭＳ Ｐゴシック"/>
+            </a:endParaRPr>
+          </a:p>
+          <a:p>
+            <a:pPr marL="0" indent="0" algn="just">
+              <a:buNone/>
+            </a:pPr>
+            <a:r>
+              <a:rPr lang="ja-JP" altLang="en-US">
+                <a:ea typeface="ＭＳ Ｐゴシック"/>
+              </a:rPr>
+              <a:t>その後，３台の</a:t>
+            </a:r>
+            <a:r>
+              <a:rPr lang="en-US" altLang="ja-JP" dirty="0">
+                <a:ea typeface="ＭＳ Ｐゴシック"/>
+              </a:rPr>
+              <a:t>Raspberry</a:t>
+            </a:r>
+            <a:r>
+              <a:rPr lang="ja-JP" altLang="en-US" dirty="0">
+                <a:ea typeface="ＭＳ Ｐゴシック"/>
+              </a:rPr>
+              <a:t> </a:t>
+            </a:r>
+            <a:r>
+              <a:rPr lang="en-US" altLang="ja-JP" dirty="0">
+                <a:ea typeface="ＭＳ Ｐゴシック"/>
+              </a:rPr>
+              <a:t>Pi</a:t>
+            </a:r>
+            <a:r>
+              <a:rPr lang="ja-JP" altLang="en-US">
+                <a:ea typeface="ＭＳ Ｐゴシック"/>
+              </a:rPr>
+              <a:t>で同処理を行い，処理にかかった時間の合計と分類精度を計測したものをそれぞれ比較する．</a:t>
+            </a:r>
+            <a:endParaRPr lang="en-US" altLang="ja-JP">
+              <a:ea typeface="ＭＳ Ｐゴシック"/>
+            </a:endParaRPr>
+          </a:p>
+        </p:txBody>
+      </p:sp>
+      <p:sp>
+        <p:nvSpPr>
+          <p:cNvPr id="4" name="スライド番号プレースホルダー 3"/>
+          <p:cNvSpPr>
+            <a:spLocks noGrp="1"/>
+          </p:cNvSpPr>
+          <p:nvPr>
+            <p:ph type="sldNum" sz="quarter" idx="12"/>
+          </p:nvPr>
+        </p:nvSpPr>
+        <p:spPr/>
+        <p:txBody>
+          <a:bodyPr/>
+          <a:lstStyle/>
+          <a:p>
+            <a:fld id="{B4451160-128F-4DAD-AE29-4A8CC0E7B9E9}" type="slidenum">
+              <a:rPr lang="ja-JP" altLang="en-US" smtClean="0"/>
+              <a:pPr/>
+              <a:t>13</a:t>
+            </a:fld>
+            <a:endParaRPr lang="ja-JP" altLang="en-US" dirty="0"/>
+          </a:p>
+        </p:txBody>
+      </p:sp>
+    </p:spTree>
+    <p:extLst>
+      <p:ext uri="{BB962C8B-B14F-4D97-AF65-F5344CB8AC3E}">
+        <p14:creationId xmlns:p14="http://schemas.microsoft.com/office/powerpoint/2010/main" val="2779179843"/>
       </p:ext>
     </p:extLst>
   </p:cSld>
@@ -9122,12 +9122,24 @@
               <a:t>SNS</a:t>
             </a:r>
             <a:r>
-              <a:rPr lang="ja-JP" altLang="en-US">
+              <a:rPr lang="ja-JP" altLang="en-US" dirty="0">
                 <a:ea typeface="ＭＳ Ｐゴシック"/>
               </a:rPr>
-              <a:t>などに投稿される大量楽曲データのジャンル抽出・ジャンル推定処理を行う．</a:t>
-            </a:r>
-            <a:endParaRPr lang="en-US" altLang="ja-JP">
+              <a:t>などに投稿される大量楽曲データ</a:t>
+            </a:r>
+            <a:r>
+              <a:rPr lang="ja-JP" altLang="en-US" dirty="0" smtClean="0">
+                <a:ea typeface="ＭＳ Ｐゴシック"/>
+              </a:rPr>
+              <a:t>の特徴抽出</a:t>
+            </a:r>
+            <a:r>
+              <a:rPr lang="ja-JP" altLang="en-US" dirty="0">
+                <a:ea typeface="ＭＳ Ｐゴシック"/>
+              </a:rPr>
+              <a:t>・ジャンル推定処理を行う．</a:t>
+            </a:r>
+            <a:endParaRPr lang="en-US" altLang="ja-JP" dirty="0">
               <a:ea typeface="ＭＳ Ｐゴシック"/>
             </a:endParaRPr>
           </a:p>
@@ -9140,12 +9152,12 @@
           <a:p>
             <a:pPr algn="just"/>
             <a:r>
-              <a:rPr lang="ja-JP" altLang="en-US">
+              <a:rPr lang="ja-JP" altLang="en-US" dirty="0">
                 <a:ea typeface="ＭＳ Ｐゴシック"/>
               </a:rPr>
               <a:t>複数サーバを利用したラウンドロビン方式の負荷分散を導入した処理時間の短縮を狙う．</a:t>
             </a:r>
-            <a:endParaRPr lang="en-US" altLang="ja-JP">
+            <a:endParaRPr lang="en-US" altLang="ja-JP" dirty="0">
               <a:ea typeface="ＭＳ Ｐゴシック"/>
             </a:endParaRPr>
           </a:p>
@@ -9156,12 +9168,12 @@
           <a:p>
             <a:pPr algn="just"/>
             <a:r>
-              <a:rPr lang="ja-JP" altLang="en-US">
+              <a:rPr lang="ja-JP" altLang="en-US" dirty="0">
                 <a:ea typeface="ＭＳ Ｐゴシック"/>
               </a:rPr>
               <a:t>単一サーバと複数サーバとの処理時間・分類制度の比較による評価を行う．</a:t>
             </a:r>
-            <a:endParaRPr lang="en-US" altLang="ja-JP">
+            <a:endParaRPr lang="en-US" altLang="ja-JP" dirty="0">
               <a:ea typeface="ＭＳ Ｐゴシック"/>
             </a:endParaRPr>
           </a:p>
@@ -9302,8 +9314,8 @@
         </p:nvSpPr>
         <p:spPr>
           <a:xfrm>
-            <a:off x="106410" y="3423214"/>
-            <a:ext cx="1570748" cy="1304282"/>
+            <a:off x="106410" y="2444125"/>
+            <a:ext cx="1570748" cy="3518325"/>
           </a:xfrm>
           <a:prstGeom prst="roundRect">
             <a:avLst/>
@@ -9907,8 +9919,8 @@
         </p:nvSpPr>
         <p:spPr>
           <a:xfrm>
-            <a:off x="6448172" y="2456317"/>
-            <a:ext cx="1037816" cy="3506134"/>
+            <a:off x="7094991" y="2444125"/>
+            <a:ext cx="1533978" cy="3506134"/>
           </a:xfrm>
           <a:prstGeom prst="roundRect">
             <a:avLst/>
@@ -9944,61 +9956,6 @@
                 <a:cs typeface="Calibri"/>
               </a:rPr>
               <a:t>出力</a:t>
-            </a:r>
-          </a:p>
-        </p:txBody>
-      </p:sp>
-      <p:sp>
-        <p:nvSpPr>
-          <p:cNvPr id="21" name="Rectangle: Rounded Corners 20">
-            <a:extLst>
-              <a:ext uri="{FF2B5EF4-FFF2-40B4-BE49-F238E27FC236}">
-                <a16:creationId xmlns:a16="http://schemas.microsoft.com/office/drawing/2014/main" id="{7657E3E3-540A-4B6B-AC17-7F3DF2BFD8AF}"/>
-              </a:ext>
-            </a:extLst>
-          </p:cNvPr>
-          <p:cNvSpPr/>
-          <p:nvPr/>
-        </p:nvSpPr>
-        <p:spPr>
-          <a:xfrm>
-            <a:off x="7983805" y="2456317"/>
-            <a:ext cx="1037816" cy="3506134"/>
-          </a:xfrm>
-          <a:prstGeom prst="roundRect">
-            <a:avLst/>
-          </a:prstGeom>
-        </p:spPr>
-        <p:style>
-          <a:lnRef idx="2">
-            <a:schemeClr val="accent1">
-              <a:shade val="50000"/>
-            </a:schemeClr>
-          </a:lnRef>
-          <a:fillRef idx="1">
-            <a:schemeClr val="accent1"/>
-          </a:fillRef>
-          <a:effectRef idx="0">
-            <a:schemeClr val="accent1"/>
-          </a:effectRef>
-          <a:fontRef idx="minor">
-            <a:schemeClr val="lt1"/>
-          </a:fontRef>
-        </p:style>
-        <p:txBody>
-          <a:bodyPr lIns="91440" tIns="45720" rIns="91440" bIns="45720" rtlCol="0" anchor="ctr"/>
-          <a:lstStyle/>
-          <a:p>
-            <a:pPr algn="ctr"/>
-            <a:r>
-              <a:rPr lang="ja-JP" altLang="en-US">
-                <a:solidFill>
-                  <a:schemeClr val="tx1"/>
-                </a:solidFill>
-                <a:ea typeface="ＭＳ Ｐゴシック"/>
-                <a:cs typeface="Calibri"/>
-              </a:rPr>
-              <a:t>動画マッチング</a:t>
             </a:r>
           </a:p>
         </p:txBody>
@@ -10078,20 +10035,16 @@
       </p:sp>
       <p:cxnSp>
         <p:nvCxnSpPr>
-          <p:cNvPr id="25" name="Straight Arrow Connector 24">
-            <a:extLst>
-              <a:ext uri="{FF2B5EF4-FFF2-40B4-BE49-F238E27FC236}">
-                <a16:creationId xmlns:a16="http://schemas.microsoft.com/office/drawing/2014/main" id="{9817D8B0-2118-4ECF-B54C-5D69C8052120}"/>
-              </a:ext>
-            </a:extLst>
-          </p:cNvPr>
-          <p:cNvCxnSpPr/>
+          <p:cNvPr id="22" name="直線矢印コネクタ 21"/>
+          <p:cNvCxnSpPr>
+            <a:endCxn id="7" idx="1"/>
+          </p:cNvCxnSpPr>
           <p:nvPr/>
         </p:nvCxnSpPr>
         <p:spPr>
           <a:xfrm flipV="1">
-            <a:off x="1680472" y="2961331"/>
-            <a:ext cx="678820" cy="1144744"/>
+            <a:off x="1694196" y="2934985"/>
+            <a:ext cx="686819" cy="16142"/>
           </a:xfrm>
           <a:prstGeom prst="straightConnector1">
             <a:avLst/>
@@ -10117,22 +10070,17 @@
       </p:cxnSp>
       <p:cxnSp>
         <p:nvCxnSpPr>
-          <p:cNvPr id="26" name="Straight Arrow Connector 25">
-            <a:extLst>
-              <a:ext uri="{FF2B5EF4-FFF2-40B4-BE49-F238E27FC236}">
-                <a16:creationId xmlns:a16="http://schemas.microsoft.com/office/drawing/2014/main" id="{5F2C984D-2695-4339-9546-310FDA9C7EA4}"/>
-              </a:ext>
-            </a:extLst>
-          </p:cNvPr>
+          <p:cNvPr id="33" name="直線矢印コネクタ 32"/>
           <p:cNvCxnSpPr>
-            <a:cxnSpLocks/>
+            <a:stCxn id="6" idx="3"/>
+            <a:endCxn id="8" idx="1"/>
           </p:cNvCxnSpPr>
           <p:nvPr/>
         </p:nvCxnSpPr>
         <p:spPr>
-          <a:xfrm>
-            <a:off x="1697922" y="4088625"/>
-            <a:ext cx="661370" cy="1394286"/>
+          <a:xfrm flipV="1">
+            <a:off x="1677158" y="4197193"/>
+            <a:ext cx="703857" cy="6095"/>
           </a:xfrm>
           <a:prstGeom prst="straightConnector1">
             <a:avLst/>
@@ -10158,22 +10106,14 @@
       </p:cxnSp>
       <p:cxnSp>
         <p:nvCxnSpPr>
-          <p:cNvPr id="27" name="Straight Arrow Connector 26">
-            <a:extLst>
-              <a:ext uri="{FF2B5EF4-FFF2-40B4-BE49-F238E27FC236}">
-                <a16:creationId xmlns:a16="http://schemas.microsoft.com/office/drawing/2014/main" id="{D9DE6D2C-0F32-4393-B977-EACD7DD66690}"/>
-              </a:ext>
-            </a:extLst>
-          </p:cNvPr>
-          <p:cNvCxnSpPr>
-            <a:cxnSpLocks/>
-          </p:cNvCxnSpPr>
+          <p:cNvPr id="34" name="直線矢印コネクタ 33"/>
+          <p:cNvCxnSpPr/>
           <p:nvPr/>
         </p:nvCxnSpPr>
         <p:spPr>
-          <a:xfrm>
-            <a:off x="1706649" y="4062449"/>
-            <a:ext cx="687544" cy="85507"/>
+          <a:xfrm flipV="1">
+            <a:off x="5932236" y="2923056"/>
+            <a:ext cx="1162755" cy="1"/>
           </a:xfrm>
           <a:prstGeom prst="straightConnector1">
             <a:avLst/>
@@ -10199,22 +10139,14 @@
       </p:cxnSp>
       <p:cxnSp>
         <p:nvCxnSpPr>
-          <p:cNvPr id="28" name="Straight Arrow Connector 27">
-            <a:extLst>
-              <a:ext uri="{FF2B5EF4-FFF2-40B4-BE49-F238E27FC236}">
-                <a16:creationId xmlns:a16="http://schemas.microsoft.com/office/drawing/2014/main" id="{4333E9C8-2F26-4037-95B0-8C765A1F0A0C}"/>
-              </a:ext>
-            </a:extLst>
-          </p:cNvPr>
-          <p:cNvCxnSpPr>
-            <a:cxnSpLocks/>
-          </p:cNvCxnSpPr>
+          <p:cNvPr id="35" name="直線矢印コネクタ 34"/>
+          <p:cNvCxnSpPr/>
           <p:nvPr/>
         </p:nvCxnSpPr>
         <p:spPr>
-          <a:xfrm>
-            <a:off x="5912191" y="4236953"/>
-            <a:ext cx="547942" cy="6981"/>
+          <a:xfrm flipV="1">
+            <a:off x="1677158" y="5558489"/>
+            <a:ext cx="703857" cy="6095"/>
           </a:xfrm>
           <a:prstGeom prst="straightConnector1">
             <a:avLst/>
@@ -10240,22 +10172,14 @@
       </p:cxnSp>
       <p:cxnSp>
         <p:nvCxnSpPr>
-          <p:cNvPr id="29" name="Straight Arrow Connector 28">
-            <a:extLst>
-              <a:ext uri="{FF2B5EF4-FFF2-40B4-BE49-F238E27FC236}">
-                <a16:creationId xmlns:a16="http://schemas.microsoft.com/office/drawing/2014/main" id="{C46D4D84-CD79-4BAE-8464-326752E5CC5C}"/>
-              </a:ext>
-            </a:extLst>
-          </p:cNvPr>
-          <p:cNvCxnSpPr>
-            <a:cxnSpLocks/>
-          </p:cNvCxnSpPr>
+          <p:cNvPr id="39" name="直線矢印コネクタ 38"/>
+          <p:cNvCxnSpPr/>
           <p:nvPr/>
         </p:nvCxnSpPr>
         <p:spPr>
-          <a:xfrm>
-            <a:off x="5920916" y="3006700"/>
-            <a:ext cx="530492" cy="1219782"/>
+          <a:xfrm flipV="1">
+            <a:off x="5932236" y="5423310"/>
+            <a:ext cx="1162755" cy="27329"/>
           </a:xfrm>
           <a:prstGeom prst="straightConnector1">
             <a:avLst/>
@@ -10281,22 +10205,17 @@
       </p:cxnSp>
       <p:cxnSp>
         <p:nvCxnSpPr>
-          <p:cNvPr id="30" name="Straight Arrow Connector 29">
-            <a:extLst>
-              <a:ext uri="{FF2B5EF4-FFF2-40B4-BE49-F238E27FC236}">
-                <a16:creationId xmlns:a16="http://schemas.microsoft.com/office/drawing/2014/main" id="{A78B24FC-BF84-49A4-A40F-129C3E2FA1FE}"/>
-              </a:ext>
-            </a:extLst>
-          </p:cNvPr>
+          <p:cNvPr id="40" name="直線矢印コネクタ 39"/>
           <p:cNvCxnSpPr>
-            <a:cxnSpLocks/>
+            <a:stCxn id="8" idx="3"/>
+            <a:endCxn id="17" idx="1"/>
           </p:cNvCxnSpPr>
           <p:nvPr/>
         </p:nvCxnSpPr>
         <p:spPr>
           <a:xfrm flipV="1">
-            <a:off x="5920915" y="4243933"/>
-            <a:ext cx="530492" cy="1223271"/>
+            <a:off x="5915198" y="4197192"/>
+            <a:ext cx="1179793" cy="1"/>
           </a:xfrm>
           <a:prstGeom prst="straightConnector1">
             <a:avLst/>
@@ -10320,52 +10239,6 @@
           </a:fontRef>
         </p:style>
       </p:cxnSp>
-      <p:sp>
-        <p:nvSpPr>
-          <p:cNvPr id="31" name="Arrow: Right 30">
-            <a:extLst>
-              <a:ext uri="{FF2B5EF4-FFF2-40B4-BE49-F238E27FC236}">
-                <a16:creationId xmlns:a16="http://schemas.microsoft.com/office/drawing/2014/main" id="{BE80EB77-FC51-45C6-88DE-66B193F07E5F}"/>
-              </a:ext>
-            </a:extLst>
-          </p:cNvPr>
-          <p:cNvSpPr/>
-          <p:nvPr/>
-        </p:nvSpPr>
-        <p:spPr>
-          <a:xfrm>
-            <a:off x="7541243" y="3791993"/>
-            <a:ext cx="444984" cy="776542"/>
-          </a:xfrm>
-          <a:prstGeom prst="rightArrow">
-            <a:avLst/>
-          </a:prstGeom>
-        </p:spPr>
-        <p:style>
-          <a:lnRef idx="2">
-            <a:schemeClr val="dk1">
-              <a:shade val="50000"/>
-            </a:schemeClr>
-          </a:lnRef>
-          <a:fillRef idx="1">
-            <a:schemeClr val="dk1"/>
-          </a:fillRef>
-          <a:effectRef idx="0">
-            <a:schemeClr val="dk1"/>
-          </a:effectRef>
-          <a:fontRef idx="minor">
-            <a:schemeClr val="lt1"/>
-          </a:fontRef>
-        </p:style>
-        <p:txBody>
-          <a:bodyPr rtlCol="0" anchor="ctr"/>
-          <a:lstStyle/>
-          <a:p>
-            <a:pPr algn="ctr"/>
-            <a:endParaRPr lang="en-US"/>
-          </a:p>
-        </p:txBody>
-      </p:sp>
     </p:spTree>
     <p:extLst>
       <p:ext uri="{BB962C8B-B14F-4D97-AF65-F5344CB8AC3E}">

--- a/発表用スライド/1821144_卒研発表.pptx
+++ b/発表用スライド/1821144_卒研発表.pptx
@@ -4598,8 +4598,8 @@
               <a:rPr kumimoji="1" lang="en-US" altLang="ja-JP" dirty="0"/>
             </a:br>
             <a:r>
-              <a:rPr kumimoji="1" lang="en-US" altLang="ja-JP" dirty="0"/>
-              <a:t>web</a:t>
+              <a:rPr kumimoji="1" lang="en-US" altLang="ja-JP" dirty="0" smtClean="0"/>
+              <a:t>Web</a:t>
             </a:r>
             <a:r>
               <a:rPr kumimoji="1" lang="ja-JP" altLang="en-US" dirty="0"/>
@@ -4692,11 +4692,11 @@
           <a:lstStyle/>
           <a:p>
             <a:fld id="{B4451160-128F-4DAD-AE29-4A8CC0E7B9E9}" type="slidenum">
-              <a:rPr lang="ja-JP" altLang="en-US" smtClean="0"/>
+              <a:rPr lang="ja-JP" altLang="en-US" sz="2400" smtClean="0"/>
               <a:pPr/>
               <a:t>1</a:t>
             </a:fld>
-            <a:endParaRPr lang="ja-JP" altLang="en-US" dirty="0"/>
+            <a:endParaRPr lang="ja-JP" altLang="en-US" sz="2400" dirty="0"/>
           </a:p>
         </p:txBody>
       </p:sp>
@@ -4862,35 +4862,6 @@
           </a:p>
         </p:txBody>
       </p:sp>
-      <p:pic>
-        <p:nvPicPr>
-          <p:cNvPr id="5" name="Picture 5">
-            <a:extLst>
-              <a:ext uri="{FF2B5EF4-FFF2-40B4-BE49-F238E27FC236}">
-                <a16:creationId xmlns:a16="http://schemas.microsoft.com/office/drawing/2014/main" id="{40917622-8FEB-4A17-8B92-F0F5DEEB318C}"/>
-              </a:ext>
-            </a:extLst>
-          </p:cNvPr>
-          <p:cNvPicPr>
-            <a:picLocks noGrp="1" noChangeAspect="1"/>
-          </p:cNvPicPr>
-          <p:nvPr>
-            <p:ph idx="1"/>
-          </p:nvPr>
-        </p:nvPicPr>
-        <p:blipFill>
-          <a:blip r:embed="rId2"/>
-          <a:stretch>
-            <a:fillRect/>
-          </a:stretch>
-        </p:blipFill>
-        <p:spPr>
-          <a:xfrm>
-            <a:off x="666750" y="1518650"/>
-            <a:ext cx="7810500" cy="2085975"/>
-          </a:xfrm>
-        </p:spPr>
-      </p:pic>
       <p:sp>
         <p:nvSpPr>
           <p:cNvPr id="4" name="Slide Number Placeholder 3">
@@ -4921,6 +4892,342 @@
           </a:p>
         </p:txBody>
       </p:sp>
+      <p:graphicFrame>
+        <p:nvGraphicFramePr>
+          <p:cNvPr id="3" name="表 2"/>
+          <p:cNvGraphicFramePr>
+            <a:graphicFrameLocks noGrp="1"/>
+          </p:cNvGraphicFramePr>
+          <p:nvPr>
+            <p:extLst>
+              <p:ext uri="{D42A27DB-BD31-4B8C-83A1-F6EECF244321}">
+                <p14:modId xmlns:p14="http://schemas.microsoft.com/office/powerpoint/2010/main" val="2788228394"/>
+              </p:ext>
+            </p:extLst>
+          </p:nvPr>
+        </p:nvGraphicFramePr>
+        <p:xfrm>
+          <a:off x="628650" y="1690689"/>
+          <a:ext cx="7810500" cy="2007578"/>
+        </p:xfrm>
+        <a:graphic>
+          <a:graphicData uri="http://schemas.openxmlformats.org/drawingml/2006/table">
+            <a:tbl>
+              <a:tblPr firstRow="1" bandRow="1">
+                <a:tableStyleId>{16D9F66E-5EB9-4882-86FB-DCBF35E3C3E4}</a:tableStyleId>
+              </a:tblPr>
+              <a:tblGrid>
+                <a:gridCol w="2603500">
+                  <a:extLst>
+                    <a:ext uri="{9D8B030D-6E8A-4147-A177-3AD203B41FA5}">
+                      <a16:colId xmlns:a16="http://schemas.microsoft.com/office/drawing/2014/main" val="3152319176"/>
+                    </a:ext>
+                  </a:extLst>
+                </a:gridCol>
+                <a:gridCol w="2603500">
+                  <a:extLst>
+                    <a:ext uri="{9D8B030D-6E8A-4147-A177-3AD203B41FA5}">
+                      <a16:colId xmlns:a16="http://schemas.microsoft.com/office/drawing/2014/main" val="4125823600"/>
+                    </a:ext>
+                  </a:extLst>
+                </a:gridCol>
+                <a:gridCol w="2603500">
+                  <a:extLst>
+                    <a:ext uri="{9D8B030D-6E8A-4147-A177-3AD203B41FA5}">
+                      <a16:colId xmlns:a16="http://schemas.microsoft.com/office/drawing/2014/main" val="896573710"/>
+                    </a:ext>
+                  </a:extLst>
+                </a:gridCol>
+              </a:tblGrid>
+              <a:tr h="363473">
+                <a:tc>
+                  <a:txBody>
+                    <a:bodyPr/>
+                    <a:lstStyle/>
+                    <a:p>
+                      <a:r>
+                        <a:rPr kumimoji="1" lang="ja-JP" altLang="en-US" sz="2000" dirty="0" smtClean="0"/>
+                        <a:t>機器名</a:t>
+                      </a:r>
+                      <a:endParaRPr kumimoji="1" lang="ja-JP" altLang="en-US" sz="2000" dirty="0"/>
+                    </a:p>
+                  </a:txBody>
+                  <a:tcPr/>
+                </a:tc>
+                <a:tc>
+                  <a:txBody>
+                    <a:bodyPr/>
+                    <a:lstStyle/>
+                    <a:p>
+                      <a:r>
+                        <a:rPr kumimoji="1" lang="en-US" altLang="ja-JP" sz="2000" dirty="0" smtClean="0"/>
+                        <a:t>IP</a:t>
+                      </a:r>
+                      <a:r>
+                        <a:rPr kumimoji="1" lang="ja-JP" altLang="en-US" sz="2000" dirty="0" smtClean="0"/>
+                        <a:t>アドレス</a:t>
+                      </a:r>
+                      <a:endParaRPr kumimoji="1" lang="ja-JP" altLang="en-US" sz="2000" dirty="0"/>
+                    </a:p>
+                  </a:txBody>
+                  <a:tcPr/>
+                </a:tc>
+                <a:tc>
+                  <a:txBody>
+                    <a:bodyPr/>
+                    <a:lstStyle/>
+                    <a:p>
+                      <a:r>
+                        <a:rPr kumimoji="1" lang="en-US" altLang="ja-JP" sz="2000" dirty="0" smtClean="0"/>
+                        <a:t>Web</a:t>
+                      </a:r>
+                      <a:r>
+                        <a:rPr kumimoji="1" lang="ja-JP" altLang="en-US" sz="2000" dirty="0" smtClean="0"/>
+                        <a:t>サーバ</a:t>
+                      </a:r>
+                      <a:endParaRPr kumimoji="1" lang="ja-JP" altLang="en-US" sz="2000" dirty="0"/>
+                    </a:p>
+                  </a:txBody>
+                  <a:tcPr/>
+                </a:tc>
+                <a:extLst>
+                  <a:ext uri="{0D108BD9-81ED-4DB2-BD59-A6C34878D82A}">
+                    <a16:rowId xmlns:a16="http://schemas.microsoft.com/office/drawing/2014/main" val="4164863609"/>
+                  </a:ext>
+                </a:extLst>
+              </a:tr>
+              <a:tr h="422618">
+                <a:tc>
+                  <a:txBody>
+                    <a:bodyPr/>
+                    <a:lstStyle/>
+                    <a:p>
+                      <a:r>
+                        <a:rPr kumimoji="1" lang="en-US" altLang="ja-JP" sz="2000" dirty="0" smtClean="0"/>
+                        <a:t>Raspberry Pi1(1</a:t>
+                      </a:r>
+                      <a:r>
+                        <a:rPr kumimoji="1" lang="ja-JP" altLang="en-US" sz="2000" dirty="0" smtClean="0"/>
+                        <a:t>号機</a:t>
+                      </a:r>
+                      <a:r>
+                        <a:rPr kumimoji="1" lang="en-US" altLang="ja-JP" sz="2000" dirty="0" smtClean="0"/>
+                        <a:t>)</a:t>
+                      </a:r>
+                      <a:endParaRPr kumimoji="1" lang="ja-JP" altLang="en-US" sz="2000" dirty="0"/>
+                    </a:p>
+                  </a:txBody>
+                  <a:tcPr/>
+                </a:tc>
+                <a:tc>
+                  <a:txBody>
+                    <a:bodyPr/>
+                    <a:lstStyle/>
+                    <a:p>
+                      <a:r>
+                        <a:rPr kumimoji="1" lang="en-US" altLang="ja-JP" sz="2000" dirty="0" smtClean="0"/>
+                        <a:t>192.168.5.1</a:t>
+                      </a:r>
+                      <a:endParaRPr kumimoji="1" lang="ja-JP" altLang="en-US" sz="2000" dirty="0"/>
+                    </a:p>
+                  </a:txBody>
+                  <a:tcPr/>
+                </a:tc>
+                <a:tc>
+                  <a:txBody>
+                    <a:bodyPr/>
+                    <a:lstStyle/>
+                    <a:p>
+                      <a:r>
+                        <a:rPr kumimoji="1" lang="en-US" altLang="ja-JP" sz="2000" dirty="0" smtClean="0"/>
+                        <a:t>Nginx</a:t>
+                      </a:r>
+                      <a:endParaRPr kumimoji="1" lang="ja-JP" altLang="en-US" sz="2000" dirty="0"/>
+                    </a:p>
+                  </a:txBody>
+                  <a:tcPr/>
+                </a:tc>
+                <a:extLst>
+                  <a:ext uri="{0D108BD9-81ED-4DB2-BD59-A6C34878D82A}">
+                    <a16:rowId xmlns:a16="http://schemas.microsoft.com/office/drawing/2014/main" val="1817902211"/>
+                  </a:ext>
+                </a:extLst>
+              </a:tr>
+              <a:tr h="363473">
+                <a:tc>
+                  <a:txBody>
+                    <a:bodyPr/>
+                    <a:lstStyle/>
+                    <a:p>
+                      <a:r>
+                        <a:rPr kumimoji="1" lang="en-US" altLang="ja-JP" sz="2000" dirty="0" smtClean="0"/>
+                        <a:t>Raspberry Pi2(2</a:t>
+                      </a:r>
+                      <a:r>
+                        <a:rPr kumimoji="1" lang="ja-JP" altLang="en-US" sz="2000" dirty="0" smtClean="0"/>
+                        <a:t>号機</a:t>
+                      </a:r>
+                      <a:r>
+                        <a:rPr kumimoji="1" lang="en-US" altLang="ja-JP" sz="2000" dirty="0" smtClean="0"/>
+                        <a:t>)</a:t>
+                      </a:r>
+                      <a:endParaRPr kumimoji="1" lang="ja-JP" altLang="en-US" sz="2000" dirty="0"/>
+                    </a:p>
+                  </a:txBody>
+                  <a:tcPr/>
+                </a:tc>
+                <a:tc>
+                  <a:txBody>
+                    <a:bodyPr/>
+                    <a:lstStyle/>
+                    <a:p>
+                      <a:r>
+                        <a:rPr kumimoji="1" lang="en-US" altLang="ja-JP" sz="2000" dirty="0" smtClean="0"/>
+                        <a:t>192.168.5.2</a:t>
+                      </a:r>
+                      <a:endParaRPr kumimoji="1" lang="ja-JP" altLang="en-US" sz="2000" dirty="0"/>
+                    </a:p>
+                  </a:txBody>
+                  <a:tcPr/>
+                </a:tc>
+                <a:tc>
+                  <a:txBody>
+                    <a:bodyPr/>
+                    <a:lstStyle/>
+                    <a:p>
+                      <a:r>
+                        <a:rPr kumimoji="1" lang="en-US" altLang="ja-JP" sz="2000" dirty="0" smtClean="0"/>
+                        <a:t>Apache</a:t>
+                      </a:r>
+                      <a:endParaRPr kumimoji="1" lang="ja-JP" altLang="en-US" sz="2000" dirty="0"/>
+                    </a:p>
+                  </a:txBody>
+                  <a:tcPr/>
+                </a:tc>
+                <a:extLst>
+                  <a:ext uri="{0D108BD9-81ED-4DB2-BD59-A6C34878D82A}">
+                    <a16:rowId xmlns:a16="http://schemas.microsoft.com/office/drawing/2014/main" val="1921238789"/>
+                  </a:ext>
+                </a:extLst>
+              </a:tr>
+              <a:tr h="363473">
+                <a:tc>
+                  <a:txBody>
+                    <a:bodyPr/>
+                    <a:lstStyle/>
+                    <a:p>
+                      <a:r>
+                        <a:rPr kumimoji="1" lang="en-US" altLang="ja-JP" sz="2000" dirty="0" smtClean="0"/>
+                        <a:t>Raspberry Pi3(3</a:t>
+                      </a:r>
+                      <a:r>
+                        <a:rPr kumimoji="1" lang="ja-JP" altLang="en-US" sz="2000" dirty="0" smtClean="0"/>
+                        <a:t>号機</a:t>
+                      </a:r>
+                      <a:r>
+                        <a:rPr kumimoji="1" lang="en-US" altLang="ja-JP" sz="2000" dirty="0" smtClean="0"/>
+                        <a:t>)</a:t>
+                      </a:r>
+                      <a:endParaRPr kumimoji="1" lang="ja-JP" altLang="en-US" sz="2000" dirty="0"/>
+                    </a:p>
+                  </a:txBody>
+                  <a:tcPr/>
+                </a:tc>
+                <a:tc>
+                  <a:txBody>
+                    <a:bodyPr/>
+                    <a:lstStyle/>
+                    <a:p>
+                      <a:r>
+                        <a:rPr kumimoji="1" lang="en-US" altLang="ja-JP" sz="2000" dirty="0" smtClean="0"/>
+                        <a:t>192.168.5.3</a:t>
+                      </a:r>
+                      <a:endParaRPr kumimoji="1" lang="ja-JP" altLang="en-US" sz="2000" dirty="0"/>
+                    </a:p>
+                  </a:txBody>
+                  <a:tcPr/>
+                </a:tc>
+                <a:tc>
+                  <a:txBody>
+                    <a:bodyPr/>
+                    <a:lstStyle/>
+                    <a:p>
+                      <a:r>
+                        <a:rPr kumimoji="1" lang="en-US" altLang="ja-JP" sz="2000" dirty="0" smtClean="0"/>
+                        <a:t>Apache</a:t>
+                      </a:r>
+                      <a:endParaRPr kumimoji="1" lang="ja-JP" altLang="en-US" sz="2000" dirty="0"/>
+                    </a:p>
+                  </a:txBody>
+                  <a:tcPr/>
+                </a:tc>
+                <a:extLst>
+                  <a:ext uri="{0D108BD9-81ED-4DB2-BD59-A6C34878D82A}">
+                    <a16:rowId xmlns:a16="http://schemas.microsoft.com/office/drawing/2014/main" val="904570528"/>
+                  </a:ext>
+                </a:extLst>
+              </a:tr>
+              <a:tr h="363473">
+                <a:tc>
+                  <a:txBody>
+                    <a:bodyPr/>
+                    <a:lstStyle/>
+                    <a:p>
+                      <a:r>
+                        <a:rPr kumimoji="1" lang="en-US" altLang="ja-JP" sz="2000" dirty="0" smtClean="0"/>
+                        <a:t>Raspberry Pi4(4</a:t>
+                      </a:r>
+                      <a:r>
+                        <a:rPr kumimoji="1" lang="ja-JP" altLang="en-US" sz="2000" dirty="0" smtClean="0"/>
+                        <a:t>号機</a:t>
+                      </a:r>
+                      <a:r>
+                        <a:rPr kumimoji="1" lang="en-US" altLang="ja-JP" sz="2000" dirty="0" smtClean="0"/>
+                        <a:t>)</a:t>
+                      </a:r>
+                      <a:endParaRPr kumimoji="1" lang="ja-JP" altLang="en-US" sz="2000" dirty="0"/>
+                    </a:p>
+                  </a:txBody>
+                  <a:tcPr/>
+                </a:tc>
+                <a:tc>
+                  <a:txBody>
+                    <a:bodyPr/>
+                    <a:lstStyle/>
+                    <a:p>
+                      <a:r>
+                        <a:rPr kumimoji="1" lang="en-US" altLang="ja-JP" sz="2000" dirty="0" smtClean="0"/>
+                        <a:t>192.168.5.4</a:t>
+                      </a:r>
+                      <a:endParaRPr kumimoji="1" lang="ja-JP" altLang="en-US" sz="2000" dirty="0"/>
+                    </a:p>
+                  </a:txBody>
+                  <a:tcPr/>
+                </a:tc>
+                <a:tc>
+                  <a:txBody>
+                    <a:bodyPr/>
+                    <a:lstStyle/>
+                    <a:p>
+                      <a:r>
+                        <a:rPr kumimoji="1" lang="en-US" altLang="ja-JP" sz="2000" dirty="0" smtClean="0"/>
+                        <a:t>Apache</a:t>
+                      </a:r>
+                      <a:endParaRPr kumimoji="1" lang="ja-JP" altLang="en-US" sz="2000" dirty="0"/>
+                    </a:p>
+                  </a:txBody>
+                  <a:tcPr/>
+                </a:tc>
+                <a:extLst>
+                  <a:ext uri="{0D108BD9-81ED-4DB2-BD59-A6C34878D82A}">
+                    <a16:rowId xmlns:a16="http://schemas.microsoft.com/office/drawing/2014/main" val="2023031291"/>
+                  </a:ext>
+                </a:extLst>
+              </a:tr>
+            </a:tbl>
+          </a:graphicData>
+        </a:graphic>
+      </p:graphicFrame>
     </p:spTree>
     <p:extLst>
       <p:ext uri="{BB962C8B-B14F-4D97-AF65-F5344CB8AC3E}">
@@ -5781,7 +6088,7 @@
             <p:ph idx="1"/>
             <p:extLst>
               <p:ext uri="{D42A27DB-BD31-4B8C-83A1-F6EECF244321}">
-                <p14:modId xmlns:p14="http://schemas.microsoft.com/office/powerpoint/2010/main" val="74383391"/>
+                <p14:modId xmlns:p14="http://schemas.microsoft.com/office/powerpoint/2010/main" val="745622532"/>
               </p:ext>
             </p:extLst>
           </p:nvPr>
@@ -5794,7 +6101,7 @@
           <a:graphicData uri="http://schemas.openxmlformats.org/drawingml/2006/table">
             <a:tbl>
               <a:tblPr firstRow="1" firstCol="1" bandRow="1">
-                <a:tableStyleId>{5C22544A-7EE6-4342-B048-85BDC9FD1C3A}</a:tableStyleId>
+                <a:tableStyleId>{16D9F66E-5EB9-4882-86FB-DCBF35E3C3E4}</a:tableStyleId>
               </a:tblPr>
               <a:tblGrid>
                 <a:gridCol w="2890741">
@@ -5825,7 +6132,346 @@
                     <a:bodyPr/>
                     <a:lstStyle/>
                     <a:p>
-                      <a:pPr algn="just">
+                      <a:pPr algn="ctr">
+                        <a:spcAft>
+                          <a:spcPts val="0"/>
+                        </a:spcAft>
+                      </a:pPr>
+                      <a:r>
+                        <a:rPr lang="en-US" sz="2000" kern="100" dirty="0">
+                          <a:effectLst/>
+                        </a:rPr>
+                        <a:t>IP </a:t>
+                      </a:r>
+                      <a:r>
+                        <a:rPr lang="ja-JP" sz="2000" kern="100" dirty="0">
+                          <a:effectLst/>
+                        </a:rPr>
+                        <a:t>アドレス</a:t>
+                      </a:r>
+                      <a:endParaRPr lang="ja-JP" sz="2000" kern="100" dirty="0">
+                        <a:solidFill>
+                          <a:schemeClr val="tx1"/>
+                        </a:solidFill>
+                        <a:effectLst/>
+                        <a:latin typeface="Century" panose="02040604050505020304" pitchFamily="18" charset="0"/>
+                        <a:ea typeface="ＭＳ 明朝" panose="02020609040205080304" pitchFamily="17" charset="-128"/>
+                        <a:cs typeface="Times New Roman" panose="02020603050405020304" pitchFamily="18" charset="0"/>
+                      </a:endParaRPr>
+                    </a:p>
+                  </a:txBody>
+                  <a:tcPr marL="68580" marR="68580" marT="0" marB="0"/>
+                </a:tc>
+                <a:tc>
+                  <a:txBody>
+                    <a:bodyPr/>
+                    <a:lstStyle/>
+                    <a:p>
+                      <a:pPr algn="ctr">
+                        <a:spcAft>
+                          <a:spcPts val="0"/>
+                        </a:spcAft>
+                      </a:pPr>
+                      <a:r>
+                        <a:rPr lang="en-US" altLang="ja-JP" sz="2000" kern="100" dirty="0" err="1">
+                          <a:effectLst/>
+                        </a:rPr>
+                        <a:t>処理時間</a:t>
+                      </a:r>
+                      <a:endParaRPr lang="en-US" altLang="ja-JP" sz="2000" kern="100" dirty="0" err="1">
+                        <a:solidFill>
+                          <a:schemeClr val="tx1"/>
+                        </a:solidFill>
+                        <a:effectLst/>
+                      </a:endParaRPr>
+                    </a:p>
+                  </a:txBody>
+                  <a:tcPr marL="68580" marR="68580" marT="0" marB="0"/>
+                </a:tc>
+                <a:tc>
+                  <a:txBody>
+                    <a:bodyPr/>
+                    <a:lstStyle/>
+                    <a:p>
+                      <a:pPr algn="ctr">
+                        <a:spcAft>
+                          <a:spcPts val="0"/>
+                        </a:spcAft>
+                      </a:pPr>
+                      <a:r>
+                        <a:rPr lang="en-US" altLang="ja-JP" sz="2000" kern="100" dirty="0" err="1">
+                          <a:effectLst/>
+                        </a:rPr>
+                        <a:t>分類制度</a:t>
+                      </a:r>
+                      <a:endParaRPr lang="en-US" altLang="ja-JP" sz="2000" kern="100" dirty="0" err="1">
+                        <a:solidFill>
+                          <a:schemeClr val="tx1"/>
+                        </a:solidFill>
+                        <a:effectLst/>
+                      </a:endParaRPr>
+                    </a:p>
+                  </a:txBody>
+                  <a:tcPr marL="68580" marR="68580" marT="0" marB="0"/>
+                </a:tc>
+                <a:extLst>
+                  <a:ext uri="{0D108BD9-81ED-4DB2-BD59-A6C34878D82A}">
+                    <a16:rowId xmlns:a16="http://schemas.microsoft.com/office/drawing/2014/main" val="2597927764"/>
+                  </a:ext>
+                </a:extLst>
+              </a:tr>
+              <a:tr h="492094">
+                <a:tc>
+                  <a:txBody>
+                    <a:bodyPr/>
+                    <a:lstStyle/>
+                    <a:p>
+                      <a:pPr algn="ctr">
+                        <a:spcAft>
+                          <a:spcPts val="0"/>
+                        </a:spcAft>
+                      </a:pPr>
+                      <a:r>
+                        <a:rPr lang="en-US" sz="2400" kern="100" dirty="0">
+                          <a:effectLst/>
+                        </a:rPr>
+                        <a:t>192.168.5.3</a:t>
+                      </a:r>
+                      <a:endParaRPr lang="ja-JP" sz="2400" kern="100" dirty="0">
+                        <a:solidFill>
+                          <a:schemeClr val="tx1"/>
+                        </a:solidFill>
+                        <a:effectLst/>
+                        <a:latin typeface="Century" panose="02040604050505020304" pitchFamily="18" charset="0"/>
+                        <a:ea typeface="ＭＳ 明朝" panose="02020609040205080304" pitchFamily="17" charset="-128"/>
+                        <a:cs typeface="Times New Roman" panose="02020603050405020304" pitchFamily="18" charset="0"/>
+                      </a:endParaRPr>
+                    </a:p>
+                  </a:txBody>
+                  <a:tcPr marL="68580" marR="68580" marT="0" marB="0"/>
+                </a:tc>
+                <a:tc>
+                  <a:txBody>
+                    <a:bodyPr/>
+                    <a:lstStyle/>
+                    <a:p>
+                      <a:pPr algn="ctr"/>
+                      <a:r>
+                        <a:rPr lang="en-US" altLang="ja-JP" sz="2400" kern="100" dirty="0">
+                          <a:effectLst/>
+                        </a:rPr>
+                        <a:t>542.65秒</a:t>
+                      </a:r>
+                      <a:endParaRPr lang="en-US" altLang="ja-JP" sz="2400" kern="100" dirty="0">
+                        <a:solidFill>
+                          <a:schemeClr val="tx1"/>
+                        </a:solidFill>
+                        <a:effectLst/>
+                      </a:endParaRPr>
+                    </a:p>
+                  </a:txBody>
+                  <a:tcPr marL="68580" marR="68580" marT="0" marB="0"/>
+                </a:tc>
+                <a:tc>
+                  <a:txBody>
+                    <a:bodyPr/>
+                    <a:lstStyle/>
+                    <a:p>
+                      <a:pPr algn="ctr">
+                        <a:spcAft>
+                          <a:spcPts val="0"/>
+                        </a:spcAft>
+                        <a:tabLst>
+                          <a:tab pos="581660" algn="l"/>
+                          <a:tab pos="1163320" algn="l"/>
+                          <a:tab pos="1744980" algn="l"/>
+                          <a:tab pos="2326640" algn="l"/>
+                          <a:tab pos="2908300" algn="l"/>
+                          <a:tab pos="3489960" algn="l"/>
+                          <a:tab pos="4071620" algn="l"/>
+                          <a:tab pos="4653280" algn="l"/>
+                          <a:tab pos="5234940" algn="l"/>
+                          <a:tab pos="5816600" algn="l"/>
+                          <a:tab pos="6398260" algn="l"/>
+                          <a:tab pos="6979920" algn="l"/>
+                          <a:tab pos="7561580" algn="l"/>
+                          <a:tab pos="8143240" algn="l"/>
+                          <a:tab pos="8724900" algn="l"/>
+                          <a:tab pos="9306560" algn="l"/>
+                        </a:tabLst>
+                      </a:pPr>
+                      <a:r>
+                        <a:rPr lang="en-US" altLang="ja-JP" sz="2400" kern="0" dirty="0">
+                          <a:effectLst/>
+                        </a:rPr>
+                        <a:t>76.2%</a:t>
+                      </a:r>
+                      <a:endParaRPr lang="en-US" altLang="ja-JP" sz="2400" kern="0" dirty="0">
+                        <a:solidFill>
+                          <a:schemeClr val="tx1"/>
+                        </a:solidFill>
+                        <a:effectLst/>
+                      </a:endParaRPr>
+                    </a:p>
+                  </a:txBody>
+                  <a:tcPr marL="68580" marR="68580" marT="0" marB="0"/>
+                </a:tc>
+                <a:extLst>
+                  <a:ext uri="{0D108BD9-81ED-4DB2-BD59-A6C34878D82A}">
+                    <a16:rowId xmlns:a16="http://schemas.microsoft.com/office/drawing/2014/main" val="791028824"/>
+                  </a:ext>
+                </a:extLst>
+              </a:tr>
+            </a:tbl>
+          </a:graphicData>
+        </a:graphic>
+      </p:graphicFrame>
+      <p:sp>
+        <p:nvSpPr>
+          <p:cNvPr id="4" name="スライド番号プレースホルダー 3"/>
+          <p:cNvSpPr>
+            <a:spLocks noGrp="1"/>
+          </p:cNvSpPr>
+          <p:nvPr>
+            <p:ph type="sldNum" sz="quarter" idx="12"/>
+          </p:nvPr>
+        </p:nvSpPr>
+        <p:spPr/>
+        <p:txBody>
+          <a:bodyPr/>
+          <a:lstStyle/>
+          <a:p>
+            <a:fld id="{B4451160-128F-4DAD-AE29-4A8CC0E7B9E9}" type="slidenum">
+              <a:rPr lang="ja-JP" altLang="en-US" smtClean="0"/>
+              <a:pPr/>
+              <a:t>14</a:t>
+            </a:fld>
+            <a:endParaRPr lang="ja-JP" altLang="en-US" dirty="0"/>
+          </a:p>
+        </p:txBody>
+      </p:sp>
+      <p:sp>
+        <p:nvSpPr>
+          <p:cNvPr id="6" name="テキスト ボックス 5"/>
+          <p:cNvSpPr txBox="1"/>
+          <p:nvPr/>
+        </p:nvSpPr>
+        <p:spPr>
+          <a:xfrm>
+            <a:off x="628650" y="1432693"/>
+            <a:ext cx="7452986" cy="369332"/>
+          </a:xfrm>
+          <a:prstGeom prst="rect">
+            <a:avLst/>
+          </a:prstGeom>
+          <a:noFill/>
+        </p:spPr>
+        <p:txBody>
+          <a:bodyPr wrap="square" rtlCol="0">
+            <a:spAutoFit/>
+          </a:bodyPr>
+          <a:lstStyle/>
+          <a:p>
+            <a:r>
+              <a:rPr kumimoji="1" lang="en-US" altLang="ja-JP" dirty="0"/>
+              <a:t>1</a:t>
+            </a:r>
+            <a:r>
+              <a:rPr kumimoji="1" lang="ja-JP" altLang="en-US" dirty="0"/>
+              <a:t>台のみでの処理</a:t>
+            </a:r>
+          </a:p>
+        </p:txBody>
+      </p:sp>
+      <p:sp>
+        <p:nvSpPr>
+          <p:cNvPr id="7" name="テキスト ボックス 6"/>
+          <p:cNvSpPr txBox="1"/>
+          <p:nvPr/>
+        </p:nvSpPr>
+        <p:spPr>
+          <a:xfrm>
+            <a:off x="753826" y="3645074"/>
+            <a:ext cx="7327810" cy="369332"/>
+          </a:xfrm>
+          <a:prstGeom prst="rect">
+            <a:avLst/>
+          </a:prstGeom>
+          <a:noFill/>
+        </p:spPr>
+        <p:txBody>
+          <a:bodyPr wrap="square" rtlCol="0">
+            <a:spAutoFit/>
+          </a:bodyPr>
+          <a:lstStyle/>
+          <a:p>
+            <a:r>
+              <a:rPr kumimoji="1" lang="ja-JP" altLang="en-US" dirty="0"/>
+              <a:t>複数台での分散処理</a:t>
+            </a:r>
+          </a:p>
+        </p:txBody>
+      </p:sp>
+      <p:graphicFrame>
+        <p:nvGraphicFramePr>
+          <p:cNvPr id="10" name="コンテンツ プレースホルダー 4">
+            <a:extLst>
+              <a:ext uri="{FF2B5EF4-FFF2-40B4-BE49-F238E27FC236}">
+                <a16:creationId xmlns:a16="http://schemas.microsoft.com/office/drawing/2014/main" id="{E71DD260-C491-4C18-B39C-6721F1444BB2}"/>
+              </a:ext>
+            </a:extLst>
+          </p:cNvPr>
+          <p:cNvGraphicFramePr>
+            <a:graphicFrameLocks/>
+          </p:cNvGraphicFramePr>
+          <p:nvPr>
+            <p:extLst>
+              <p:ext uri="{D42A27DB-BD31-4B8C-83A1-F6EECF244321}">
+                <p14:modId xmlns:p14="http://schemas.microsoft.com/office/powerpoint/2010/main" val="4037078232"/>
+              </p:ext>
+            </p:extLst>
+          </p:nvPr>
+        </p:nvGraphicFramePr>
+        <p:xfrm>
+          <a:off x="714272" y="4369211"/>
+          <a:ext cx="7196837" cy="1617905"/>
+        </p:xfrm>
+        <a:graphic>
+          <a:graphicData uri="http://schemas.openxmlformats.org/drawingml/2006/table">
+            <a:tbl>
+              <a:tblPr firstRow="1" firstCol="1" bandRow="1">
+                <a:tableStyleId>{16D9F66E-5EB9-4882-86FB-DCBF35E3C3E4}</a:tableStyleId>
+              </a:tblPr>
+              <a:tblGrid>
+                <a:gridCol w="2890741">
+                  <a:extLst>
+                    <a:ext uri="{9D8B030D-6E8A-4147-A177-3AD203B41FA5}">
+                      <a16:colId xmlns:a16="http://schemas.microsoft.com/office/drawing/2014/main" val="2976876302"/>
+                    </a:ext>
+                  </a:extLst>
+                </a:gridCol>
+                <a:gridCol w="2171571">
+                  <a:extLst>
+                    <a:ext uri="{9D8B030D-6E8A-4147-A177-3AD203B41FA5}">
+                      <a16:colId xmlns:a16="http://schemas.microsoft.com/office/drawing/2014/main" val="1149382075"/>
+                    </a:ext>
+                  </a:extLst>
+                </a:gridCol>
+                <a:gridCol w="2134525">
+                  <a:extLst>
+                    <a:ext uri="{9D8B030D-6E8A-4147-A177-3AD203B41FA5}">
+                      <a16:colId xmlns:a16="http://schemas.microsoft.com/office/drawing/2014/main" val="1241327044"/>
+                    </a:ext>
+                  </a:extLst>
+                </a:gridCol>
+              </a:tblGrid>
+              <a:tr h="520625">
+                <a:tc>
+                  <a:txBody>
+                    <a:bodyPr/>
+                    <a:lstStyle/>
+                    <a:p>
+                      <a:pPr algn="ctr">
                         <a:spcAft>
                           <a:spcPts val="0"/>
                         </a:spcAft>
@@ -5857,7 +6503,7 @@
                     <a:bodyPr/>
                     <a:lstStyle/>
                     <a:p>
-                      <a:pPr algn="just">
+                      <a:pPr algn="ctr">
                         <a:spcAft>
                           <a:spcPts val="0"/>
                         </a:spcAft>
@@ -5877,7 +6523,7 @@
                     <a:bodyPr/>
                     <a:lstStyle/>
                     <a:p>
-                      <a:pPr algn="just">
+                      <a:pPr algn="ctr">
                         <a:spcAft>
                           <a:spcPts val="0"/>
                         </a:spcAft>
@@ -5904,315 +6550,7 @@
                     <a:bodyPr/>
                     <a:lstStyle/>
                     <a:p>
-                      <a:pPr algn="just">
-                        <a:spcAft>
-                          <a:spcPts val="0"/>
-                        </a:spcAft>
-                      </a:pPr>
-                      <a:r>
-                        <a:rPr lang="en-US" sz="2400" kern="100" dirty="0">
-                          <a:effectLst/>
-                        </a:rPr>
-                        <a:t>192.168.5.3</a:t>
-                      </a:r>
-                      <a:endParaRPr lang="ja-JP" sz="2400" kern="100" dirty="0">
-                        <a:effectLst/>
-                        <a:latin typeface="Century" panose="02040604050505020304" pitchFamily="18" charset="0"/>
-                        <a:ea typeface="ＭＳ 明朝" panose="02020609040205080304" pitchFamily="17" charset="-128"/>
-                        <a:cs typeface="Times New Roman" panose="02020603050405020304" pitchFamily="18" charset="0"/>
-                      </a:endParaRPr>
-                    </a:p>
-                  </a:txBody>
-                  <a:tcPr marL="68580" marR="68580" marT="0" marB="0"/>
-                </a:tc>
-                <a:tc>
-                  <a:txBody>
-                    <a:bodyPr/>
-                    <a:lstStyle/>
-                    <a:p>
-                      <a:r>
-                        <a:rPr lang="en-US" altLang="ja-JP" sz="2400" kern="100" dirty="0">
-                          <a:effectLst/>
-                        </a:rPr>
-                        <a:t>542.65秒</a:t>
-                      </a:r>
-                    </a:p>
-                  </a:txBody>
-                  <a:tcPr marL="68580" marR="68580" marT="0" marB="0"/>
-                </a:tc>
-                <a:tc>
-                  <a:txBody>
-                    <a:bodyPr/>
-                    <a:lstStyle/>
-                    <a:p>
-                      <a:pPr algn="l">
-                        <a:spcAft>
-                          <a:spcPts val="0"/>
-                        </a:spcAft>
-                        <a:tabLst>
-                          <a:tab pos="581660" algn="l"/>
-                          <a:tab pos="1163320" algn="l"/>
-                          <a:tab pos="1744980" algn="l"/>
-                          <a:tab pos="2326640" algn="l"/>
-                          <a:tab pos="2908300" algn="l"/>
-                          <a:tab pos="3489960" algn="l"/>
-                          <a:tab pos="4071620" algn="l"/>
-                          <a:tab pos="4653280" algn="l"/>
-                          <a:tab pos="5234940" algn="l"/>
-                          <a:tab pos="5816600" algn="l"/>
-                          <a:tab pos="6398260" algn="l"/>
-                          <a:tab pos="6979920" algn="l"/>
-                          <a:tab pos="7561580" algn="l"/>
-                          <a:tab pos="8143240" algn="l"/>
-                          <a:tab pos="8724900" algn="l"/>
-                          <a:tab pos="9306560" algn="l"/>
-                        </a:tabLst>
-                      </a:pPr>
-                      <a:r>
-                        <a:rPr lang="en-US" altLang="ja-JP" sz="2400" kern="0" dirty="0">
-                          <a:effectLst/>
-                        </a:rPr>
-                        <a:t>76.2%</a:t>
-                      </a:r>
-                    </a:p>
-                  </a:txBody>
-                  <a:tcPr marL="68580" marR="68580" marT="0" marB="0"/>
-                </a:tc>
-                <a:extLst>
-                  <a:ext uri="{0D108BD9-81ED-4DB2-BD59-A6C34878D82A}">
-                    <a16:rowId xmlns:a16="http://schemas.microsoft.com/office/drawing/2014/main" val="791028824"/>
-                  </a:ext>
-                </a:extLst>
-              </a:tr>
-            </a:tbl>
-          </a:graphicData>
-        </a:graphic>
-      </p:graphicFrame>
-      <p:sp>
-        <p:nvSpPr>
-          <p:cNvPr id="4" name="スライド番号プレースホルダー 3"/>
-          <p:cNvSpPr>
-            <a:spLocks noGrp="1"/>
-          </p:cNvSpPr>
-          <p:nvPr>
-            <p:ph type="sldNum" sz="quarter" idx="12"/>
-          </p:nvPr>
-        </p:nvSpPr>
-        <p:spPr/>
-        <p:txBody>
-          <a:bodyPr/>
-          <a:lstStyle/>
-          <a:p>
-            <a:fld id="{B4451160-128F-4DAD-AE29-4A8CC0E7B9E9}" type="slidenum">
-              <a:rPr lang="ja-JP" altLang="en-US" smtClean="0"/>
-              <a:pPr/>
-              <a:t>14</a:t>
-            </a:fld>
-            <a:endParaRPr lang="ja-JP" altLang="en-US" dirty="0"/>
-          </a:p>
-        </p:txBody>
-      </p:sp>
-      <p:sp>
-        <p:nvSpPr>
-          <p:cNvPr id="6" name="テキスト ボックス 5"/>
-          <p:cNvSpPr txBox="1"/>
-          <p:nvPr/>
-        </p:nvSpPr>
-        <p:spPr>
-          <a:xfrm>
-            <a:off x="628650" y="1432693"/>
-            <a:ext cx="7452986" cy="369332"/>
-          </a:xfrm>
-          <a:prstGeom prst="rect">
-            <a:avLst/>
-          </a:prstGeom>
-          <a:noFill/>
-        </p:spPr>
-        <p:txBody>
-          <a:bodyPr wrap="square" rtlCol="0">
-            <a:spAutoFit/>
-          </a:bodyPr>
-          <a:lstStyle/>
-          <a:p>
-            <a:r>
-              <a:rPr kumimoji="1" lang="en-US" altLang="ja-JP" dirty="0"/>
-              <a:t>1</a:t>
-            </a:r>
-            <a:r>
-              <a:rPr kumimoji="1" lang="ja-JP" altLang="en-US" dirty="0"/>
-              <a:t>台のみでの処理</a:t>
-            </a:r>
-          </a:p>
-        </p:txBody>
-      </p:sp>
-      <p:sp>
-        <p:nvSpPr>
-          <p:cNvPr id="7" name="テキスト ボックス 6"/>
-          <p:cNvSpPr txBox="1"/>
-          <p:nvPr/>
-        </p:nvSpPr>
-        <p:spPr>
-          <a:xfrm>
-            <a:off x="753826" y="3645074"/>
-            <a:ext cx="7327810" cy="369332"/>
-          </a:xfrm>
-          <a:prstGeom prst="rect">
-            <a:avLst/>
-          </a:prstGeom>
-          <a:noFill/>
-        </p:spPr>
-        <p:txBody>
-          <a:bodyPr wrap="square" rtlCol="0">
-            <a:spAutoFit/>
-          </a:bodyPr>
-          <a:lstStyle/>
-          <a:p>
-            <a:r>
-              <a:rPr kumimoji="1" lang="ja-JP" altLang="en-US" dirty="0"/>
-              <a:t>複数台での分散処理</a:t>
-            </a:r>
-          </a:p>
-        </p:txBody>
-      </p:sp>
-      <p:graphicFrame>
-        <p:nvGraphicFramePr>
-          <p:cNvPr id="10" name="コンテンツ プレースホルダー 4">
-            <a:extLst>
-              <a:ext uri="{FF2B5EF4-FFF2-40B4-BE49-F238E27FC236}">
-                <a16:creationId xmlns:a16="http://schemas.microsoft.com/office/drawing/2014/main" id="{E71DD260-C491-4C18-B39C-6721F1444BB2}"/>
-              </a:ext>
-            </a:extLst>
-          </p:cNvPr>
-          <p:cNvGraphicFramePr>
-            <a:graphicFrameLocks/>
-          </p:cNvGraphicFramePr>
-          <p:nvPr>
-            <p:extLst>
-              <p:ext uri="{D42A27DB-BD31-4B8C-83A1-F6EECF244321}">
-                <p14:modId xmlns:p14="http://schemas.microsoft.com/office/powerpoint/2010/main" val="1754956650"/>
-              </p:ext>
-            </p:extLst>
-          </p:nvPr>
-        </p:nvGraphicFramePr>
-        <p:xfrm>
-          <a:off x="714272" y="4369211"/>
-          <a:ext cx="7196837" cy="1617905"/>
-        </p:xfrm>
-        <a:graphic>
-          <a:graphicData uri="http://schemas.openxmlformats.org/drawingml/2006/table">
-            <a:tbl>
-              <a:tblPr firstRow="1" firstCol="1" bandRow="1">
-                <a:tableStyleId>{5C22544A-7EE6-4342-B048-85BDC9FD1C3A}</a:tableStyleId>
-              </a:tblPr>
-              <a:tblGrid>
-                <a:gridCol w="2890741">
-                  <a:extLst>
-                    <a:ext uri="{9D8B030D-6E8A-4147-A177-3AD203B41FA5}">
-                      <a16:colId xmlns:a16="http://schemas.microsoft.com/office/drawing/2014/main" val="2976876302"/>
-                    </a:ext>
-                  </a:extLst>
-                </a:gridCol>
-                <a:gridCol w="2171571">
-                  <a:extLst>
-                    <a:ext uri="{9D8B030D-6E8A-4147-A177-3AD203B41FA5}">
-                      <a16:colId xmlns:a16="http://schemas.microsoft.com/office/drawing/2014/main" val="1149382075"/>
-                    </a:ext>
-                  </a:extLst>
-                </a:gridCol>
-                <a:gridCol w="2134525">
-                  <a:extLst>
-                    <a:ext uri="{9D8B030D-6E8A-4147-A177-3AD203B41FA5}">
-                      <a16:colId xmlns:a16="http://schemas.microsoft.com/office/drawing/2014/main" val="1241327044"/>
-                    </a:ext>
-                  </a:extLst>
-                </a:gridCol>
-              </a:tblGrid>
-              <a:tr h="520625">
-                <a:tc>
-                  <a:txBody>
-                    <a:bodyPr/>
-                    <a:lstStyle/>
-                    <a:p>
-                      <a:pPr algn="just">
-                        <a:spcAft>
-                          <a:spcPts val="0"/>
-                        </a:spcAft>
-                      </a:pPr>
-                      <a:r>
-                        <a:rPr lang="en-US" sz="2000" kern="100" dirty="0">
-                          <a:effectLst/>
-                        </a:rPr>
-                        <a:t>IP </a:t>
-                      </a:r>
-                      <a:r>
-                        <a:rPr lang="ja-JP" sz="2000" kern="100" dirty="0">
-                          <a:effectLst/>
-                        </a:rPr>
-                        <a:t>アドレス</a:t>
-                      </a:r>
-                      <a:endParaRPr lang="ja-JP" sz="2000" kern="100" dirty="0">
-                        <a:effectLst/>
-                        <a:latin typeface="Century" panose="02040604050505020304" pitchFamily="18" charset="0"/>
-                        <a:ea typeface="ＭＳ 明朝" panose="02020609040205080304" pitchFamily="17" charset="-128"/>
-                        <a:cs typeface="Times New Roman" panose="02020603050405020304" pitchFamily="18" charset="0"/>
-                      </a:endParaRPr>
-                    </a:p>
-                  </a:txBody>
-                  <a:tcPr marL="68580" marR="68580" marT="0" marB="0"/>
-                </a:tc>
-                <a:tc>
-                  <a:txBody>
-                    <a:bodyPr/>
-                    <a:lstStyle/>
-                    <a:p>
-                      <a:pPr algn="just">
-                        <a:spcAft>
-                          <a:spcPts val="0"/>
-                        </a:spcAft>
-                      </a:pPr>
-                      <a:r>
-                        <a:rPr lang="en-US" altLang="ja-JP" sz="2000" kern="100" dirty="0" err="1">
-                          <a:effectLst/>
-                        </a:rPr>
-                        <a:t>処理時間</a:t>
-                      </a:r>
-                    </a:p>
-                  </a:txBody>
-                  <a:tcPr marL="68580" marR="68580" marT="0" marB="0"/>
-                </a:tc>
-                <a:tc>
-                  <a:txBody>
-                    <a:bodyPr/>
-                    <a:lstStyle/>
-                    <a:p>
-                      <a:pPr algn="just">
-                        <a:spcAft>
-                          <a:spcPts val="0"/>
-                        </a:spcAft>
-                      </a:pPr>
-                      <a:r>
-                        <a:rPr lang="en-US" altLang="ja-JP" sz="2000" kern="100" dirty="0" err="1">
-                          <a:effectLst/>
-                        </a:rPr>
-                        <a:t>分類制度</a:t>
-                      </a:r>
-                    </a:p>
-                  </a:txBody>
-                  <a:tcPr marL="68580" marR="68580" marT="0" marB="0"/>
-                </a:tc>
-                <a:extLst>
-                  <a:ext uri="{0D108BD9-81ED-4DB2-BD59-A6C34878D82A}">
-                    <a16:rowId xmlns:a16="http://schemas.microsoft.com/office/drawing/2014/main" val="2597927764"/>
-                  </a:ext>
-                </a:extLst>
-              </a:tr>
-              <a:tr h="492094">
-                <a:tc>
-                  <a:txBody>
-                    <a:bodyPr/>
-                    <a:lstStyle/>
-                    <a:p>
-                      <a:pPr algn="just">
+                      <a:pPr algn="ctr">
                         <a:spcAft>
                           <a:spcPts val="0"/>
                         </a:spcAft>
@@ -6225,13 +6563,10 @@
                       </a:r>
                       <a:endParaRPr lang="ja-JP" altLang="en-US" sz="2400" kern="100" dirty="0">
                         <a:effectLst/>
-                        <a:latin typeface="Century" panose="02040604050505020304" pitchFamily="18" charset="0"/>
-                        <a:ea typeface="ＭＳ 明朝" panose="02020609040205080304" pitchFamily="17" charset="-128"/>
-                        <a:cs typeface="Times New Roman" panose="02020603050405020304" pitchFamily="18" charset="0"/>
                       </a:endParaRPr>
                     </a:p>
                     <a:p>
-                      <a:pPr lvl="0" algn="just">
+                      <a:pPr lvl="0" algn="ctr">
                         <a:spcAft>
                           <a:spcPts val="0"/>
                         </a:spcAft>
@@ -6245,7 +6580,7 @@
                       </a:r>
                     </a:p>
                     <a:p>
-                      <a:pPr lvl="0" algn="just">
+                      <a:pPr lvl="0" algn="ctr">
                         <a:spcAft>
                           <a:spcPts val="0"/>
                         </a:spcAft>
@@ -6377,11 +6712,11 @@
           <a:lstStyle/>
           <a:p>
             <a:r>
-              <a:rPr lang="ja-JP" altLang="en-US">
+              <a:rPr lang="ja-JP" altLang="en-US" dirty="0" smtClean="0">
                 <a:ea typeface="ＭＳ Ｐゴシック"/>
                 <a:cs typeface="Calibri Light"/>
               </a:rPr>
-              <a:t>まとめと考察</a:t>
+              <a:t>まとめ</a:t>
             </a:r>
             <a:endParaRPr lang="ja-JP" altLang="en-US" dirty="0">
               <a:ea typeface="ＭＳ Ｐゴシック"/>
@@ -6411,18 +6746,58 @@
               <a:buNone/>
             </a:pPr>
             <a:r>
-              <a:rPr lang="ja-JP" altLang="en-US">
+              <a:rPr lang="ja-JP" altLang="en-US" dirty="0" smtClean="0">
                 <a:ea typeface="ＭＳ Ｐゴシック"/>
               </a:rPr>
-              <a:t>実験では，</a:t>
-            </a:r>
-            <a:r>
-              <a:rPr lang="ja-JP" altLang="ja-JP">
+              <a:t>本研究では，ラウンドロビン方式を導入した</a:t>
+            </a:r>
+            <a:r>
+              <a:rPr lang="en-US" altLang="ja-JP" dirty="0" smtClean="0">
                 <a:ea typeface="ＭＳ Ｐゴシック"/>
               </a:rPr>
+              <a:t>Web</a:t>
+            </a:r>
+            <a:r>
+              <a:rPr lang="ja-JP" altLang="en-US" dirty="0" smtClean="0">
+                <a:ea typeface="ＭＳ Ｐゴシック"/>
+              </a:rPr>
+              <a:t>楽曲分類サービスを提案した．</a:t>
+            </a:r>
+            <a:endParaRPr lang="en-US" altLang="ja-JP" dirty="0" smtClean="0">
+              <a:ea typeface="ＭＳ Ｐゴシック"/>
+            </a:endParaRPr>
+          </a:p>
+          <a:p>
+            <a:pPr marL="0" indent="0" algn="just">
+              <a:buNone/>
+            </a:pPr>
+            <a:endParaRPr lang="en-US" altLang="ja-JP" dirty="0">
+              <a:ea typeface="ＭＳ Ｐゴシック"/>
+            </a:endParaRPr>
+          </a:p>
+          <a:p>
+            <a:pPr marL="0" indent="0" algn="just">
+              <a:buNone/>
+            </a:pPr>
+            <a:r>
+              <a:rPr lang="ja-JP" altLang="en-US" dirty="0" smtClean="0">
+                <a:ea typeface="ＭＳ Ｐゴシック"/>
+              </a:rPr>
+              <a:t>実験</a:t>
+            </a:r>
+            <a:r>
+              <a:rPr lang="ja-JP" altLang="en-US" dirty="0">
+                <a:ea typeface="ＭＳ Ｐゴシック"/>
+              </a:rPr>
+              <a:t>では，</a:t>
+            </a:r>
+            <a:r>
+              <a:rPr lang="ja-JP" altLang="ja-JP" dirty="0">
+                <a:ea typeface="ＭＳ Ｐゴシック"/>
+              </a:rPr>
               <a:t>本システムを導入することでジャンル推定処理を行うことでかかる全体の処理時間は大幅に減少したことが確認できた．</a:t>
             </a:r>
-            <a:endParaRPr lang="en-US" altLang="ja-JP">
+            <a:endParaRPr lang="en-US" altLang="ja-JP" dirty="0">
               <a:ea typeface="ＭＳ Ｐゴシック"/>
             </a:endParaRPr>
           </a:p>
@@ -8590,13 +8965,15 @@
               </a:ext>
             </a:extLst>
           </p:cNvPr>
-          <p:cNvCxnSpPr/>
+          <p:cNvCxnSpPr>
+            <a:stCxn id="5" idx="6"/>
+          </p:cNvCxnSpPr>
           <p:nvPr/>
         </p:nvCxnSpPr>
         <p:spPr>
           <a:xfrm>
-            <a:off x="2479187" y="4402262"/>
-            <a:ext cx="1768643" cy="248695"/>
+            <a:off x="2431855" y="4367242"/>
+            <a:ext cx="1815975" cy="283715"/>
           </a:xfrm>
           <a:prstGeom prst="straightConnector1">
             <a:avLst/>
@@ -8628,13 +9005,14 @@
           </p:cNvPr>
           <p:cNvCxnSpPr>
             <a:cxnSpLocks/>
+            <a:stCxn id="10" idx="6"/>
           </p:cNvCxnSpPr>
           <p:nvPr/>
         </p:nvCxnSpPr>
         <p:spPr>
           <a:xfrm flipV="1">
-            <a:off x="2451138" y="4660004"/>
-            <a:ext cx="1795141" cy="518906"/>
+            <a:off x="2431854" y="4660004"/>
+            <a:ext cx="1814425" cy="520661"/>
           </a:xfrm>
           <a:prstGeom prst="straightConnector1">
             <a:avLst/>
@@ -8666,13 +9044,14 @@
           </p:cNvPr>
           <p:cNvCxnSpPr>
             <a:cxnSpLocks/>
+            <a:stCxn id="7" idx="6"/>
           </p:cNvCxnSpPr>
           <p:nvPr/>
         </p:nvCxnSpPr>
         <p:spPr>
           <a:xfrm flipV="1">
-            <a:off x="2437112" y="4631954"/>
-            <a:ext cx="1837214" cy="1416478"/>
+            <a:off x="2431855" y="4631954"/>
+            <a:ext cx="1842471" cy="1474331"/>
           </a:xfrm>
           <a:prstGeom prst="straightConnector1">
             <a:avLst/>
@@ -8704,13 +9083,14 @@
           </p:cNvPr>
           <p:cNvCxnSpPr>
             <a:cxnSpLocks/>
+            <a:endCxn id="13" idx="2"/>
           </p:cNvCxnSpPr>
           <p:nvPr/>
         </p:nvCxnSpPr>
         <p:spPr>
           <a:xfrm flipV="1">
-            <a:off x="4849334" y="4437163"/>
-            <a:ext cx="1584451" cy="1250057"/>
+            <a:off x="4849334" y="4367241"/>
+            <a:ext cx="1565489" cy="1319980"/>
           </a:xfrm>
           <a:prstGeom prst="straightConnector1">
             <a:avLst/>
@@ -8742,13 +9122,14 @@
           </p:cNvPr>
           <p:cNvCxnSpPr>
             <a:cxnSpLocks/>
+            <a:stCxn id="9" idx="6"/>
           </p:cNvCxnSpPr>
           <p:nvPr/>
         </p:nvCxnSpPr>
         <p:spPr>
           <a:xfrm flipV="1">
-            <a:off x="4882682" y="5320388"/>
-            <a:ext cx="1509673" cy="349382"/>
+            <a:off x="4872125" y="5249035"/>
+            <a:ext cx="1519908" cy="394440"/>
           </a:xfrm>
           <a:prstGeom prst="straightConnector1">
             <a:avLst/>
@@ -8780,13 +9161,15 @@
           </p:cNvPr>
           <p:cNvCxnSpPr>
             <a:cxnSpLocks/>
+            <a:stCxn id="10" idx="6"/>
+            <a:endCxn id="9" idx="2"/>
           </p:cNvCxnSpPr>
           <p:nvPr/>
         </p:nvCxnSpPr>
         <p:spPr>
           <a:xfrm>
-            <a:off x="2451138" y="5249035"/>
-            <a:ext cx="1795140" cy="420736"/>
+            <a:off x="2431854" y="5180665"/>
+            <a:ext cx="1837215" cy="462810"/>
           </a:xfrm>
           <a:prstGeom prst="straightConnector1">
             <a:avLst/>
@@ -8818,13 +9201,15 @@
           </p:cNvPr>
           <p:cNvCxnSpPr>
             <a:cxnSpLocks/>
+            <a:stCxn id="9" idx="6"/>
+            <a:endCxn id="11" idx="2"/>
           </p:cNvCxnSpPr>
           <p:nvPr/>
         </p:nvCxnSpPr>
         <p:spPr>
           <a:xfrm>
-            <a:off x="4821285" y="5669770"/>
-            <a:ext cx="1570749" cy="462810"/>
+            <a:off x="4872125" y="5643475"/>
+            <a:ext cx="1542699" cy="462809"/>
           </a:xfrm>
           <a:prstGeom prst="straightConnector1">
             <a:avLst/>
@@ -8856,13 +9241,15 @@
           </p:cNvPr>
           <p:cNvCxnSpPr>
             <a:cxnSpLocks/>
+            <a:stCxn id="7" idx="6"/>
+            <a:endCxn id="9" idx="2"/>
           </p:cNvCxnSpPr>
           <p:nvPr/>
         </p:nvCxnSpPr>
         <p:spPr>
           <a:xfrm flipV="1">
-            <a:off x="2437113" y="5690968"/>
-            <a:ext cx="1810716" cy="329414"/>
+            <a:off x="2431855" y="5643475"/>
+            <a:ext cx="1837214" cy="462810"/>
           </a:xfrm>
           <a:prstGeom prst="straightConnector1">
             <a:avLst/>
@@ -8894,13 +9281,14 @@
           </p:cNvPr>
           <p:cNvCxnSpPr>
             <a:cxnSpLocks/>
+            <a:endCxn id="5" idx="6"/>
           </p:cNvCxnSpPr>
           <p:nvPr/>
         </p:nvCxnSpPr>
         <p:spPr>
           <a:xfrm flipH="1" flipV="1">
-            <a:off x="2456437" y="4458361"/>
-            <a:ext cx="1787967" cy="1198935"/>
+            <a:off x="2431855" y="4367242"/>
+            <a:ext cx="1812550" cy="1290055"/>
           </a:xfrm>
           <a:prstGeom prst="straightConnector1">
             <a:avLst/>
@@ -8932,13 +9320,15 @@
           </p:cNvPr>
           <p:cNvCxnSpPr>
             <a:cxnSpLocks/>
+            <a:stCxn id="8" idx="6"/>
+            <a:endCxn id="11" idx="2"/>
           </p:cNvCxnSpPr>
           <p:nvPr/>
         </p:nvCxnSpPr>
         <p:spPr>
           <a:xfrm>
-            <a:off x="4849334" y="4758174"/>
-            <a:ext cx="1514650" cy="1388429"/>
+            <a:off x="4872124" y="4661756"/>
+            <a:ext cx="1542700" cy="1444528"/>
           </a:xfrm>
           <a:prstGeom prst="straightConnector1">
             <a:avLst/>
@@ -8970,13 +9360,15 @@
           </p:cNvPr>
           <p:cNvCxnSpPr>
             <a:cxnSpLocks/>
+            <a:stCxn id="8" idx="6"/>
+            <a:endCxn id="12" idx="2"/>
           </p:cNvCxnSpPr>
           <p:nvPr/>
         </p:nvCxnSpPr>
         <p:spPr>
           <a:xfrm>
-            <a:off x="4891407" y="4686501"/>
-            <a:ext cx="1504374" cy="625482"/>
+            <a:off x="4872124" y="4661756"/>
+            <a:ext cx="1542699" cy="575008"/>
           </a:xfrm>
           <a:prstGeom prst="straightConnector1">
             <a:avLst/>
@@ -9008,13 +9400,15 @@
           </p:cNvPr>
           <p:cNvCxnSpPr>
             <a:cxnSpLocks/>
+            <a:stCxn id="8" idx="6"/>
+            <a:endCxn id="13" idx="2"/>
           </p:cNvCxnSpPr>
           <p:nvPr/>
         </p:nvCxnSpPr>
         <p:spPr>
           <a:xfrm flipV="1">
-            <a:off x="4877383" y="4435611"/>
-            <a:ext cx="1514650" cy="266465"/>
+            <a:off x="4872124" y="4367241"/>
+            <a:ext cx="1542699" cy="294515"/>
           </a:xfrm>
           <a:prstGeom prst="straightConnector1">
             <a:avLst/>
@@ -9194,13 +9588,12 @@
           <a:bodyPr/>
           <a:lstStyle/>
           <a:p>
-            <a:pPr algn="just"/>
             <a:fld id="{B4451160-128F-4DAD-AE29-4A8CC0E7B9E9}" type="slidenum">
               <a:rPr kumimoji="1" lang="ja-JP" altLang="en-US" smtClean="0"/>
-              <a:pPr algn="just"/>
+              <a:pPr/>
               <a:t>5</a:t>
             </a:fld>
-            <a:endParaRPr kumimoji="1" lang="ja-JP" altLang="en-US"/>
+            <a:endParaRPr kumimoji="1" lang="ja-JP" altLang="en-US" dirty="0"/>
           </a:p>
         </p:txBody>
       </p:sp>

--- a/発表用スライド/1821144_卒研発表.pptx
+++ b/発表用スライド/1821144_卒研発表.pptx
@@ -4566,7 +4566,7 @@
         </p:spPr>
         <p:txBody>
           <a:bodyPr>
-            <a:normAutofit fontScale="90000"/>
+            <a:noAutofit/>
           </a:bodyPr>
           <a:lstStyle/>
           <a:p>
@@ -4576,45 +4576,86 @@
               </a:lnSpc>
             </a:pPr>
             <a:r>
-              <a:rPr kumimoji="1" lang="ja-JP" altLang="en-US" dirty="0"/>
-              <a:t>ラウンドロビン方式の</a:t>
-            </a:r>
-            <a:r>
-              <a:rPr kumimoji="1" lang="en-US" altLang="ja-JP" dirty="0"/>
+              <a:rPr kumimoji="1" lang="ja-JP" altLang="en-US" sz="3600" dirty="0">
+                <a:latin typeface="+mn-ea"/>
+                <a:ea typeface="+mn-ea"/>
+              </a:rPr>
+              <a:t>ラウンドロビン方式</a:t>
+            </a:r>
+            <a:r>
+              <a:rPr kumimoji="1" lang="ja-JP" altLang="en-US" sz="3600" dirty="0" smtClean="0">
+                <a:latin typeface="+mn-ea"/>
+                <a:ea typeface="+mn-ea"/>
+              </a:rPr>
+              <a:t>の負荷</a:t>
+            </a:r>
+            <a:r>
+              <a:rPr kumimoji="1" lang="ja-JP" altLang="en-US" sz="3600" dirty="0">
+                <a:latin typeface="+mn-ea"/>
+                <a:ea typeface="+mn-ea"/>
+              </a:rPr>
+              <a:t>分散を導入した</a:t>
+            </a:r>
+            <a:r>
+              <a:rPr kumimoji="1" lang="en-US" altLang="ja-JP" sz="3600" dirty="0">
+                <a:latin typeface="+mn-ea"/>
+                <a:ea typeface="+mn-ea"/>
+              </a:rPr>
               <a:t/>
             </a:r>
             <a:br>
-              <a:rPr kumimoji="1" lang="en-US" altLang="ja-JP" dirty="0"/>
+              <a:rPr kumimoji="1" lang="en-US" altLang="ja-JP" sz="3600" dirty="0">
+                <a:latin typeface="+mn-ea"/>
+                <a:ea typeface="+mn-ea"/>
+              </a:rPr>
             </a:br>
             <a:r>
-              <a:rPr kumimoji="1" lang="ja-JP" altLang="en-US" dirty="0"/>
-              <a:t>負荷分散を導入した</a:t>
-            </a:r>
-            <a:r>
-              <a:rPr kumimoji="1" lang="en-US" altLang="ja-JP" dirty="0"/>
+              <a:rPr kumimoji="1" lang="en-US" altLang="ja-JP" sz="3600" dirty="0" smtClean="0">
+                <a:latin typeface="+mn-ea"/>
+                <a:ea typeface="+mn-ea"/>
+              </a:rPr>
+              <a:t>Web</a:t>
+            </a:r>
+            <a:r>
+              <a:rPr kumimoji="1" lang="ja-JP" altLang="en-US" sz="3600" dirty="0">
+                <a:latin typeface="+mn-ea"/>
+                <a:ea typeface="+mn-ea"/>
+              </a:rPr>
+              <a:t>楽曲分類サービス</a:t>
+            </a:r>
+            <a:r>
+              <a:rPr kumimoji="1" lang="ja-JP" altLang="en-US" sz="3600" dirty="0" smtClean="0">
+                <a:latin typeface="+mn-ea"/>
+                <a:ea typeface="+mn-ea"/>
+              </a:rPr>
+              <a:t>の</a:t>
+            </a:r>
+            <a:r>
+              <a:rPr lang="en-US" altLang="ja-JP" sz="3600" dirty="0">
+                <a:latin typeface="+mn-ea"/>
+                <a:ea typeface="+mn-ea"/>
+              </a:rPr>
               <a:t/>
             </a:r>
             <a:br>
-              <a:rPr kumimoji="1" lang="en-US" altLang="ja-JP" dirty="0"/>
+              <a:rPr lang="en-US" altLang="ja-JP" sz="3600" dirty="0">
+                <a:latin typeface="+mn-ea"/>
+                <a:ea typeface="+mn-ea"/>
+              </a:rPr>
             </a:br>
             <a:r>
-              <a:rPr kumimoji="1" lang="en-US" altLang="ja-JP" dirty="0" smtClean="0"/>
-              <a:t>Web</a:t>
-            </a:r>
-            <a:r>
-              <a:rPr kumimoji="1" lang="ja-JP" altLang="en-US" dirty="0"/>
-              <a:t>楽曲分類サービスの</a:t>
-            </a:r>
-            <a:r>
-              <a:rPr kumimoji="1" lang="en-US" altLang="ja-JP" dirty="0"/>
-              <a:t/>
-            </a:r>
-            <a:br>
-              <a:rPr kumimoji="1" lang="en-US" altLang="ja-JP" dirty="0"/>
-            </a:br>
-            <a:r>
-              <a:rPr kumimoji="1" lang="ja-JP" altLang="en-US" dirty="0"/>
-              <a:t>設計と開発</a:t>
+              <a:rPr kumimoji="1" lang="ja-JP" altLang="en-US" sz="3600" dirty="0" smtClean="0">
+                <a:latin typeface="+mn-ea"/>
+                <a:ea typeface="+mn-ea"/>
+              </a:rPr>
+              <a:t>設計</a:t>
+            </a:r>
+            <a:r>
+              <a:rPr kumimoji="1" lang="ja-JP" altLang="en-US" sz="3600" dirty="0">
+                <a:latin typeface="+mn-ea"/>
+                <a:ea typeface="+mn-ea"/>
+              </a:rPr>
+              <a:t>と開発</a:t>
             </a:r>
           </a:p>
         </p:txBody>
@@ -4629,7 +4670,12 @@
             <p:ph type="subTitle" idx="1"/>
           </p:nvPr>
         </p:nvSpPr>
-        <p:spPr/>
+        <p:spPr>
+          <a:xfrm>
+            <a:off x="1143000" y="4077980"/>
+            <a:ext cx="6858000" cy="1655762"/>
+          </a:xfrm>
+        </p:spPr>
         <p:txBody>
           <a:bodyPr>
             <a:normAutofit/>
@@ -4637,42 +4683,111 @@
           <a:lstStyle/>
           <a:p>
             <a:r>
-              <a:rPr kumimoji="1" lang="ja-JP" altLang="en-US" dirty="0"/>
+              <a:rPr kumimoji="1" lang="ja-JP" altLang="en-US" dirty="0">
+                <a:latin typeface="ＭＳ ゴシック" panose="020B0609070205080204" pitchFamily="49" charset="-128"/>
+                <a:ea typeface="ＭＳ ゴシック" panose="020B0609070205080204" pitchFamily="49" charset="-128"/>
+              </a:rPr>
               <a:t>鷹野研究室</a:t>
             </a:r>
-            <a:endParaRPr kumimoji="1" lang="en-US" altLang="ja-JP" dirty="0"/>
-          </a:p>
-          <a:p>
-            <a:r>
-              <a:rPr kumimoji="1" lang="ja-JP" altLang="en-US" dirty="0"/>
-              <a:t>学籍番号：</a:t>
-            </a:r>
-            <a:r>
-              <a:rPr kumimoji="1" lang="en-US" altLang="ja-JP" dirty="0"/>
+            <a:endParaRPr kumimoji="1" lang="en-US" altLang="ja-JP" dirty="0">
+              <a:latin typeface="ＭＳ ゴシック" panose="020B0609070205080204" pitchFamily="49" charset="-128"/>
+              <a:ea typeface="ＭＳ ゴシック" panose="020B0609070205080204" pitchFamily="49" charset="-128"/>
+            </a:endParaRPr>
+          </a:p>
+          <a:p>
+            <a:r>
+              <a:rPr kumimoji="1" lang="ja-JP" altLang="en-US" dirty="0">
+                <a:latin typeface="ＭＳ ゴシック" panose="020B0609070205080204" pitchFamily="49" charset="-128"/>
+                <a:ea typeface="ＭＳ ゴシック" panose="020B0609070205080204" pitchFamily="49" charset="-128"/>
+              </a:rPr>
+              <a:t>学籍</a:t>
+            </a:r>
+            <a:r>
+              <a:rPr kumimoji="1" lang="ja-JP" altLang="en-US" dirty="0" smtClean="0">
+                <a:latin typeface="ＭＳ ゴシック" panose="020B0609070205080204" pitchFamily="49" charset="-128"/>
+                <a:ea typeface="ＭＳ ゴシック" panose="020B0609070205080204" pitchFamily="49" charset="-128"/>
+              </a:rPr>
+              <a:t>番号</a:t>
+            </a:r>
+            <a:r>
+              <a:rPr lang="ja-JP" altLang="en-US" dirty="0">
+                <a:latin typeface="ＭＳ ゴシック" panose="020B0609070205080204" pitchFamily="49" charset="-128"/>
+                <a:ea typeface="ＭＳ ゴシック" panose="020B0609070205080204" pitchFamily="49" charset="-128"/>
+              </a:rPr>
+              <a:t>：</a:t>
+            </a:r>
+            <a:r>
+              <a:rPr kumimoji="1" lang="en-US" altLang="ja-JP" dirty="0" smtClean="0">
+                <a:latin typeface="ＭＳ ゴシック" panose="020B0609070205080204" pitchFamily="49" charset="-128"/>
+                <a:ea typeface="ＭＳ ゴシック" panose="020B0609070205080204" pitchFamily="49" charset="-128"/>
+              </a:rPr>
               <a:t>1821144</a:t>
             </a:r>
             <a:r>
-              <a:rPr lang="ja-JP" altLang="en-US" dirty="0"/>
+              <a:rPr lang="ja-JP" altLang="en-US" dirty="0">
+                <a:latin typeface="ＭＳ ゴシック" panose="020B0609070205080204" pitchFamily="49" charset="-128"/>
+                <a:ea typeface="ＭＳ ゴシック" panose="020B0609070205080204" pitchFamily="49" charset="-128"/>
+              </a:rPr>
               <a:t>　</a:t>
             </a:r>
             <a:r>
-              <a:rPr kumimoji="1" lang="ja-JP" altLang="en-US" dirty="0"/>
-              <a:t>氏名：吉井  智哉　</a:t>
-            </a:r>
-            <a:endParaRPr kumimoji="1" lang="en-US" altLang="ja-JP" dirty="0"/>
-          </a:p>
-          <a:p>
-            <a:r>
-              <a:rPr kumimoji="1" lang="ja-JP" altLang="en-US" dirty="0"/>
+              <a:rPr kumimoji="1" lang="ja-JP" altLang="en-US" dirty="0" smtClean="0">
+                <a:latin typeface="ＭＳ ゴシック" panose="020B0609070205080204" pitchFamily="49" charset="-128"/>
+                <a:ea typeface="ＭＳ ゴシック" panose="020B0609070205080204" pitchFamily="49" charset="-128"/>
+              </a:rPr>
+              <a:t>氏名</a:t>
+            </a:r>
+            <a:r>
+              <a:rPr lang="ja-JP" altLang="en-US" dirty="0" smtClean="0">
+                <a:latin typeface="ＭＳ ゴシック" panose="020B0609070205080204" pitchFamily="49" charset="-128"/>
+                <a:ea typeface="ＭＳ ゴシック" panose="020B0609070205080204" pitchFamily="49" charset="-128"/>
+              </a:rPr>
+              <a:t>：</a:t>
+            </a:r>
+            <a:r>
+              <a:rPr kumimoji="1" lang="ja-JP" altLang="en-US" dirty="0" smtClean="0">
+                <a:latin typeface="ＭＳ ゴシック" panose="020B0609070205080204" pitchFamily="49" charset="-128"/>
+                <a:ea typeface="ＭＳ ゴシック" panose="020B0609070205080204" pitchFamily="49" charset="-128"/>
+              </a:rPr>
+              <a:t>吉井智</a:t>
+            </a:r>
+            <a:r>
+              <a:rPr kumimoji="1" lang="ja-JP" altLang="en-US" dirty="0">
+                <a:latin typeface="ＭＳ ゴシック" panose="020B0609070205080204" pitchFamily="49" charset="-128"/>
+                <a:ea typeface="ＭＳ ゴシック" panose="020B0609070205080204" pitchFamily="49" charset="-128"/>
+              </a:rPr>
+              <a:t>哉　</a:t>
+            </a:r>
+            <a:endParaRPr kumimoji="1" lang="en-US" altLang="ja-JP" dirty="0">
+              <a:latin typeface="ＭＳ ゴシック" panose="020B0609070205080204" pitchFamily="49" charset="-128"/>
+              <a:ea typeface="ＭＳ ゴシック" panose="020B0609070205080204" pitchFamily="49" charset="-128"/>
+            </a:endParaRPr>
+          </a:p>
+          <a:p>
+            <a:r>
+              <a:rPr kumimoji="1" lang="ja-JP" altLang="en-US" dirty="0">
+                <a:latin typeface="ＭＳ ゴシック" panose="020B0609070205080204" pitchFamily="49" charset="-128"/>
+                <a:ea typeface="ＭＳ ゴシック" panose="020B0609070205080204" pitchFamily="49" charset="-128"/>
+              </a:rPr>
               <a:t>指導教員：</a:t>
             </a:r>
             <a:r>
-              <a:rPr lang="ja-JP" altLang="en-US" dirty="0"/>
-              <a:t>鷹野　孝典</a:t>
-            </a:r>
-          </a:p>
-          <a:p>
-            <a:endParaRPr kumimoji="1" lang="ja-JP" altLang="en-US" dirty="0"/>
+              <a:rPr lang="ja-JP" altLang="en-US" dirty="0" smtClean="0">
+                <a:latin typeface="ＭＳ ゴシック" panose="020B0609070205080204" pitchFamily="49" charset="-128"/>
+                <a:ea typeface="ＭＳ ゴシック" panose="020B0609070205080204" pitchFamily="49" charset="-128"/>
+              </a:rPr>
+              <a:t>鷹野孝典教授</a:t>
+            </a:r>
+            <a:endParaRPr lang="ja-JP" altLang="en-US" dirty="0">
+              <a:latin typeface="ＭＳ ゴシック" panose="020B0609070205080204" pitchFamily="49" charset="-128"/>
+              <a:ea typeface="ＭＳ ゴシック" panose="020B0609070205080204" pitchFamily="49" charset="-128"/>
+            </a:endParaRPr>
+          </a:p>
+          <a:p>
+            <a:endParaRPr kumimoji="1" lang="ja-JP" altLang="en-US" dirty="0">
+              <a:latin typeface="ＭＳ ゴシック" panose="020B0609070205080204" pitchFamily="49" charset="-128"/>
+              <a:ea typeface="ＭＳ ゴシック" panose="020B0609070205080204" pitchFamily="49" charset="-128"/>
+            </a:endParaRPr>
           </a:p>
         </p:txBody>
       </p:sp>
@@ -4697,6 +4812,55 @@
               <a:t>1</a:t>
             </a:fld>
             <a:endParaRPr lang="ja-JP" altLang="en-US" sz="2400" dirty="0"/>
+          </a:p>
+        </p:txBody>
+      </p:sp>
+      <p:sp>
+        <p:nvSpPr>
+          <p:cNvPr id="5" name="テキスト ボックス 4"/>
+          <p:cNvSpPr txBox="1"/>
+          <p:nvPr/>
+        </p:nvSpPr>
+        <p:spPr>
+          <a:xfrm>
+            <a:off x="1861599" y="209147"/>
+            <a:ext cx="5987332" cy="646331"/>
+          </a:xfrm>
+          <a:prstGeom prst="rect">
+            <a:avLst/>
+          </a:prstGeom>
+          <a:noFill/>
+        </p:spPr>
+        <p:txBody>
+          <a:bodyPr wrap="square" rtlCol="0">
+            <a:spAutoFit/>
+          </a:bodyPr>
+          <a:lstStyle/>
+          <a:p>
+            <a:r>
+              <a:rPr lang="ja-JP" altLang="en-US" dirty="0" smtClean="0">
+                <a:latin typeface="ＭＳ ゴシック" panose="020B0609070205080204" pitchFamily="49" charset="-128"/>
+                <a:ea typeface="ＭＳ ゴシック" panose="020B0609070205080204" pitchFamily="49" charset="-128"/>
+              </a:rPr>
+              <a:t>２０２１年度　神奈川工科大学情報学部情報工学科</a:t>
+            </a:r>
+            <a:endParaRPr lang="en-US" altLang="ja-JP" dirty="0" smtClean="0">
+              <a:latin typeface="ＭＳ ゴシック" panose="020B0609070205080204" pitchFamily="49" charset="-128"/>
+              <a:ea typeface="ＭＳ ゴシック" panose="020B0609070205080204" pitchFamily="49" charset="-128"/>
+            </a:endParaRPr>
+          </a:p>
+          <a:p>
+            <a:r>
+              <a:rPr kumimoji="1" lang="ja-JP" altLang="en-US" dirty="0" smtClean="0">
+                <a:latin typeface="ＭＳ ゴシック" panose="020B0609070205080204" pitchFamily="49" charset="-128"/>
+                <a:ea typeface="ＭＳ ゴシック" panose="020B0609070205080204" pitchFamily="49" charset="-128"/>
+              </a:rPr>
+              <a:t>１月２５日卒業研究発表会</a:t>
+            </a:r>
+            <a:endParaRPr kumimoji="1" lang="ja-JP" altLang="en-US" dirty="0">
+              <a:latin typeface="ＭＳ ゴシック" panose="020B0609070205080204" pitchFamily="49" charset="-128"/>
+              <a:ea typeface="ＭＳ ゴシック" panose="020B0609070205080204" pitchFamily="49" charset="-128"/>
+            </a:endParaRPr>
           </a:p>
         </p:txBody>
       </p:sp>
@@ -4710,6 +4874,13 @@
   <p:clrMapOvr>
     <a:masterClrMapping/>
   </p:clrMapOvr>
+  <p:timing>
+    <p:tnLst>
+      <p:par>
+        <p:cTn id="1" dur="indefinite" restart="never" nodeType="tmRoot"/>
+      </p:par>
+    </p:tnLst>
+  </p:timing>
 </p:sld>
 </file>
 
@@ -8205,6 +8376,13 @@
   <p:clrMapOvr>
     <a:masterClrMapping/>
   </p:clrMapOvr>
+  <p:timing>
+    <p:tnLst>
+      <p:par>
+        <p:cTn id="1" dur="indefinite" restart="never" nodeType="tmRoot"/>
+      </p:par>
+    </p:tnLst>
+  </p:timing>
 </p:sld>
 </file>
 

--- a/発表用スライド/1821144_卒研発表.pptx
+++ b/発表用スライド/1821144_卒研発表.pptx
@@ -4838,11 +4838,18 @@
           <a:lstStyle/>
           <a:p>
             <a:r>
+              <a:rPr lang="ja-JP" altLang="en-US" dirty="0">
+                <a:latin typeface="ＭＳ ゴシック" panose="020B0609070205080204" pitchFamily="49" charset="-128"/>
+                <a:ea typeface="ＭＳ ゴシック" panose="020B0609070205080204" pitchFamily="49" charset="-128"/>
+              </a:rPr>
+              <a:t>２０２１</a:t>
+            </a:r>
+            <a:r>
               <a:rPr lang="ja-JP" altLang="en-US" dirty="0" smtClean="0">
                 <a:latin typeface="ＭＳ ゴシック" panose="020B0609070205080204" pitchFamily="49" charset="-128"/>
                 <a:ea typeface="ＭＳ ゴシック" panose="020B0609070205080204" pitchFamily="49" charset="-128"/>
               </a:rPr>
-              <a:t>２０２１年度　神奈川工科大学情報学部情報工学科</a:t>
+              <a:t>年度　神奈川工科大学情報学部情報工学科</a:t>
             </a:r>
             <a:endParaRPr lang="en-US" altLang="ja-JP" dirty="0" smtClean="0">
               <a:latin typeface="ＭＳ ゴシック" panose="020B0609070205080204" pitchFamily="49" charset="-128"/>
@@ -4851,11 +4858,32 @@
           </a:p>
           <a:p>
             <a:r>
+              <a:rPr lang="ja-JP" altLang="en-US" dirty="0" smtClean="0">
+                <a:latin typeface="ＭＳ ゴシック" panose="020B0609070205080204" pitchFamily="49" charset="-128"/>
+                <a:ea typeface="ＭＳ ゴシック" panose="020B0609070205080204" pitchFamily="49" charset="-128"/>
+              </a:rPr>
+              <a:t>１</a:t>
+            </a:r>
+            <a:r>
               <a:rPr kumimoji="1" lang="ja-JP" altLang="en-US" dirty="0" smtClean="0">
                 <a:latin typeface="ＭＳ ゴシック" panose="020B0609070205080204" pitchFamily="49" charset="-128"/>
                 <a:ea typeface="ＭＳ ゴシック" panose="020B0609070205080204" pitchFamily="49" charset="-128"/>
               </a:rPr>
-              <a:t>１月２５日卒業研究発表会</a:t>
+              <a:t>月</a:t>
+            </a:r>
+            <a:r>
+              <a:rPr lang="ja-JP" altLang="en-US" dirty="0">
+                <a:latin typeface="ＭＳ ゴシック" panose="020B0609070205080204" pitchFamily="49" charset="-128"/>
+                <a:ea typeface="ＭＳ ゴシック" panose="020B0609070205080204" pitchFamily="49" charset="-128"/>
+              </a:rPr>
+              <a:t>２５</a:t>
+            </a:r>
+            <a:r>
+              <a:rPr kumimoji="1" lang="ja-JP" altLang="en-US" dirty="0" smtClean="0">
+                <a:latin typeface="ＭＳ ゴシック" panose="020B0609070205080204" pitchFamily="49" charset="-128"/>
+                <a:ea typeface="ＭＳ ゴシック" panose="020B0609070205080204" pitchFamily="49" charset="-128"/>
+              </a:rPr>
+              <a:t>日卒業研究発表会</a:t>
             </a:r>
             <a:endParaRPr kumimoji="1" lang="ja-JP" altLang="en-US" dirty="0">
               <a:latin typeface="ＭＳ ゴシック" panose="020B0609070205080204" pitchFamily="49" charset="-128"/>
@@ -9893,19 +9921,17 @@
           </a:prstGeom>
         </p:spPr>
         <p:style>
-          <a:lnRef idx="2">
-            <a:schemeClr val="accent1">
-              <a:shade val="50000"/>
-            </a:schemeClr>
+          <a:lnRef idx="1">
+            <a:schemeClr val="accent1"/>
           </a:lnRef>
-          <a:fillRef idx="1">
+          <a:fillRef idx="2">
             <a:schemeClr val="accent1"/>
           </a:fillRef>
-          <a:effectRef idx="0">
+          <a:effectRef idx="1">
             <a:schemeClr val="accent1"/>
           </a:effectRef>
           <a:fontRef idx="minor">
-            <a:schemeClr val="lt1"/>
+            <a:schemeClr val="dk1"/>
           </a:fontRef>
         </p:style>
         <p:txBody>
@@ -9955,19 +9981,17 @@
           </a:prstGeom>
         </p:spPr>
         <p:style>
-          <a:lnRef idx="2">
-            <a:schemeClr val="accent1">
-              <a:shade val="50000"/>
-            </a:schemeClr>
+          <a:lnRef idx="1">
+            <a:schemeClr val="accent1"/>
           </a:lnRef>
-          <a:fillRef idx="1">
+          <a:fillRef idx="2">
             <a:schemeClr val="accent1"/>
           </a:fillRef>
-          <a:effectRef idx="0">
+          <a:effectRef idx="1">
             <a:schemeClr val="accent1"/>
           </a:effectRef>
           <a:fontRef idx="minor">
-            <a:schemeClr val="lt1"/>
+            <a:schemeClr val="dk1"/>
           </a:fontRef>
         </p:style>
         <p:txBody>
@@ -10001,19 +10025,17 @@
           </a:prstGeom>
         </p:spPr>
         <p:style>
-          <a:lnRef idx="2">
-            <a:schemeClr val="accent1">
-              <a:shade val="50000"/>
-            </a:schemeClr>
+          <a:lnRef idx="1">
+            <a:schemeClr val="accent1"/>
           </a:lnRef>
-          <a:fillRef idx="1">
+          <a:fillRef idx="2">
             <a:schemeClr val="accent1"/>
           </a:fillRef>
-          <a:effectRef idx="0">
+          <a:effectRef idx="1">
             <a:schemeClr val="accent1"/>
           </a:effectRef>
           <a:fontRef idx="minor">
-            <a:schemeClr val="lt1"/>
+            <a:schemeClr val="dk1"/>
           </a:fontRef>
         </p:style>
         <p:txBody>
@@ -10047,19 +10069,17 @@
           </a:prstGeom>
         </p:spPr>
         <p:style>
-          <a:lnRef idx="2">
-            <a:schemeClr val="accent1">
-              <a:shade val="50000"/>
-            </a:schemeClr>
+          <a:lnRef idx="1">
+            <a:schemeClr val="accent1"/>
           </a:lnRef>
-          <a:fillRef idx="1">
+          <a:fillRef idx="2">
             <a:schemeClr val="accent1"/>
           </a:fillRef>
-          <a:effectRef idx="0">
+          <a:effectRef idx="1">
             <a:schemeClr val="accent1"/>
           </a:effectRef>
           <a:fontRef idx="minor">
-            <a:schemeClr val="lt1"/>
+            <a:schemeClr val="dk1"/>
           </a:fontRef>
         </p:style>
         <p:txBody>
@@ -10138,17 +10158,17 @@
           </a:prstGeom>
         </p:spPr>
         <p:style>
-          <a:lnRef idx="3">
-            <a:schemeClr val="lt1"/>
+          <a:lnRef idx="1">
+            <a:schemeClr val="accent2"/>
           </a:lnRef>
-          <a:fillRef idx="1">
+          <a:fillRef idx="2">
             <a:schemeClr val="accent2"/>
           </a:fillRef>
           <a:effectRef idx="1">
             <a:schemeClr val="accent2"/>
           </a:effectRef>
           <a:fontRef idx="minor">
-            <a:schemeClr val="lt1"/>
+            <a:schemeClr val="dk1"/>
           </a:fontRef>
         </p:style>
         <p:txBody>
@@ -10198,17 +10218,17 @@
           </a:prstGeom>
         </p:spPr>
         <p:style>
-          <a:lnRef idx="3">
-            <a:schemeClr val="lt1"/>
+          <a:lnRef idx="1">
+            <a:schemeClr val="accent2"/>
           </a:lnRef>
-          <a:fillRef idx="1">
+          <a:fillRef idx="2">
             <a:schemeClr val="accent2"/>
           </a:fillRef>
           <a:effectRef idx="1">
             <a:schemeClr val="accent2"/>
           </a:effectRef>
           <a:fontRef idx="minor">
-            <a:schemeClr val="lt1"/>
+            <a:schemeClr val="dk1"/>
           </a:fontRef>
         </p:style>
         <p:txBody>
@@ -10258,17 +10278,17 @@
           </a:prstGeom>
         </p:spPr>
         <p:style>
-          <a:lnRef idx="3">
-            <a:schemeClr val="lt1"/>
+          <a:lnRef idx="1">
+            <a:schemeClr val="accent2"/>
           </a:lnRef>
-          <a:fillRef idx="1">
+          <a:fillRef idx="2">
             <a:schemeClr val="accent2"/>
           </a:fillRef>
           <a:effectRef idx="1">
             <a:schemeClr val="accent2"/>
           </a:effectRef>
           <a:fontRef idx="minor">
-            <a:schemeClr val="lt1"/>
+            <a:schemeClr val="dk1"/>
           </a:fontRef>
         </p:style>
         <p:txBody>
@@ -10318,17 +10338,17 @@
           </a:prstGeom>
         </p:spPr>
         <p:style>
-          <a:lnRef idx="3">
-            <a:schemeClr val="lt1"/>
+          <a:lnRef idx="1">
+            <a:schemeClr val="accent2"/>
           </a:lnRef>
-          <a:fillRef idx="1">
+          <a:fillRef idx="2">
             <a:schemeClr val="accent2"/>
           </a:fillRef>
           <a:effectRef idx="1">
             <a:schemeClr val="accent2"/>
           </a:effectRef>
           <a:fontRef idx="minor">
-            <a:schemeClr val="lt1"/>
+            <a:schemeClr val="dk1"/>
           </a:fontRef>
         </p:style>
         <p:txBody>
@@ -10378,17 +10398,17 @@
           </a:prstGeom>
         </p:spPr>
         <p:style>
-          <a:lnRef idx="3">
-            <a:schemeClr val="lt1"/>
+          <a:lnRef idx="1">
+            <a:schemeClr val="accent2"/>
           </a:lnRef>
-          <a:fillRef idx="1">
+          <a:fillRef idx="2">
             <a:schemeClr val="accent2"/>
           </a:fillRef>
           <a:effectRef idx="1">
             <a:schemeClr val="accent2"/>
           </a:effectRef>
           <a:fontRef idx="minor">
-            <a:schemeClr val="lt1"/>
+            <a:schemeClr val="dk1"/>
           </a:fontRef>
         </p:style>
         <p:txBody>
@@ -10438,17 +10458,17 @@
           </a:prstGeom>
         </p:spPr>
         <p:style>
-          <a:lnRef idx="3">
-            <a:schemeClr val="lt1"/>
+          <a:lnRef idx="1">
+            <a:schemeClr val="accent2"/>
           </a:lnRef>
-          <a:fillRef idx="1">
+          <a:fillRef idx="2">
             <a:schemeClr val="accent2"/>
           </a:fillRef>
           <a:effectRef idx="1">
             <a:schemeClr val="accent2"/>
           </a:effectRef>
           <a:fontRef idx="minor">
-            <a:schemeClr val="lt1"/>
+            <a:schemeClr val="dk1"/>
           </a:fontRef>
         </p:style>
         <p:txBody>
@@ -10498,19 +10518,17 @@
           </a:prstGeom>
         </p:spPr>
         <p:style>
-          <a:lnRef idx="2">
-            <a:schemeClr val="accent1">
-              <a:shade val="50000"/>
-            </a:schemeClr>
+          <a:lnRef idx="1">
+            <a:schemeClr val="accent1"/>
           </a:lnRef>
-          <a:fillRef idx="1">
+          <a:fillRef idx="2">
             <a:schemeClr val="accent1"/>
           </a:fillRef>
-          <a:effectRef idx="0">
+          <a:effectRef idx="1">
             <a:schemeClr val="accent1"/>
           </a:effectRef>
           <a:fontRef idx="minor">
-            <a:schemeClr val="lt1"/>
+            <a:schemeClr val="dk1"/>
           </a:fontRef>
         </p:style>
         <p:txBody>
@@ -11350,19 +11368,17 @@
           </a:prstGeom>
         </p:spPr>
         <p:style>
-          <a:lnRef idx="2">
-            <a:schemeClr val="accent1">
-              <a:shade val="50000"/>
-            </a:schemeClr>
+          <a:lnRef idx="1">
+            <a:schemeClr val="accent1"/>
           </a:lnRef>
-          <a:fillRef idx="1">
+          <a:fillRef idx="2">
             <a:schemeClr val="accent1"/>
           </a:fillRef>
-          <a:effectRef idx="0">
+          <a:effectRef idx="1">
             <a:schemeClr val="accent1"/>
           </a:effectRef>
           <a:fontRef idx="minor">
-            <a:schemeClr val="lt1"/>
+            <a:schemeClr val="dk1"/>
           </a:fontRef>
         </p:style>
         <p:txBody>
@@ -11412,19 +11428,17 @@
           </a:prstGeom>
         </p:spPr>
         <p:style>
-          <a:lnRef idx="2">
-            <a:schemeClr val="accent1">
-              <a:shade val="50000"/>
-            </a:schemeClr>
+          <a:lnRef idx="1">
+            <a:schemeClr val="accent1"/>
           </a:lnRef>
-          <a:fillRef idx="1">
+          <a:fillRef idx="2">
             <a:schemeClr val="accent1"/>
           </a:fillRef>
-          <a:effectRef idx="0">
+          <a:effectRef idx="1">
             <a:schemeClr val="accent1"/>
           </a:effectRef>
           <a:fontRef idx="minor">
-            <a:schemeClr val="lt1"/>
+            <a:schemeClr val="dk1"/>
           </a:fontRef>
         </p:style>
         <p:txBody>

--- a/発表用スライド/1821144_卒研発表.pptx
+++ b/発表用スライド/1821144_卒研発表.pptx
@@ -965,10 +965,10 @@
           <a:lstStyle/>
           <a:p>
             <a:r>
-              <a:rPr kumimoji="1" lang="ja-JP" altLang="en-US" smtClean="0"/>
+              <a:rPr kumimoji="1" lang="ja-JP" altLang="en-US" dirty="0" smtClean="0"/>
               <a:t>ラウンドロビンを採用した理由</a:t>
             </a:r>
-            <a:endParaRPr kumimoji="1" lang="ja-JP" altLang="en-US"/>
+            <a:endParaRPr kumimoji="1" lang="ja-JP" altLang="en-US" dirty="0"/>
           </a:p>
         </p:txBody>
       </p:sp>
@@ -1256,8 +1256,100 @@
             </a:r>
             <a:r>
               <a:rPr lang="ja-JP" altLang="ja-JP" dirty="0"/>
-              <a:t>といったテンポが遅いと推定できる曲でジャンル推定を行う．</a:t>
-            </a:r>
+              <a:t>といったテンポが遅いと推定できる曲でジャンル推定を行う</a:t>
+            </a:r>
+            <a:r>
+              <a:rPr lang="ja-JP" altLang="ja-JP" dirty="0" smtClean="0"/>
+              <a:t>．</a:t>
+            </a:r>
+            <a:endParaRPr lang="en-US" altLang="ja-JP" dirty="0" smtClean="0"/>
+          </a:p>
+          <a:p>
+            <a:pPr marL="0" marR="0" indent="0" algn="l" defTabSz="914400" rtl="0" eaLnBrk="1" fontAlgn="auto" latinLnBrk="0" hangingPunct="1">
+              <a:lnSpc>
+                <a:spcPct val="100000"/>
+              </a:lnSpc>
+              <a:spcBef>
+                <a:spcPts val="0"/>
+              </a:spcBef>
+              <a:spcAft>
+                <a:spcPts val="0"/>
+              </a:spcAft>
+              <a:buClrTx/>
+              <a:buSzTx/>
+              <a:buFontTx/>
+              <a:buNone/>
+              <a:tabLst/>
+              <a:defRPr/>
+            </a:pPr>
+            <a:endParaRPr lang="en-US" altLang="ja-JP" dirty="0" smtClean="0"/>
+          </a:p>
+          <a:p>
+            <a:pPr marL="0" marR="0" indent="0" algn="l" defTabSz="914400" rtl="0" eaLnBrk="1" fontAlgn="auto" latinLnBrk="0" hangingPunct="1">
+              <a:lnSpc>
+                <a:spcPct val="100000"/>
+              </a:lnSpc>
+              <a:spcBef>
+                <a:spcPts val="0"/>
+              </a:spcBef>
+              <a:spcAft>
+                <a:spcPts val="0"/>
+              </a:spcAft>
+              <a:buClrTx/>
+              <a:buSzTx/>
+              <a:buFontTx/>
+              <a:buNone/>
+              <a:tabLst/>
+              <a:defRPr/>
+            </a:pPr>
+            <a:r>
+              <a:rPr lang="ja-JP" altLang="en-US" dirty="0" smtClean="0"/>
+              <a:t>ジャンル推定をした意味</a:t>
+            </a:r>
+            <a:endParaRPr lang="en-US" altLang="ja-JP" dirty="0" smtClean="0"/>
+          </a:p>
+          <a:p>
+            <a:pPr marL="0" marR="0" indent="0" algn="l" defTabSz="914400" rtl="0" eaLnBrk="1" fontAlgn="auto" latinLnBrk="0" hangingPunct="1">
+              <a:lnSpc>
+                <a:spcPct val="100000"/>
+              </a:lnSpc>
+              <a:spcBef>
+                <a:spcPts val="0"/>
+              </a:spcBef>
+              <a:spcAft>
+                <a:spcPts val="0"/>
+              </a:spcAft>
+              <a:buClrTx/>
+              <a:buSzTx/>
+              <a:buFontTx/>
+              <a:buNone/>
+              <a:tabLst/>
+              <a:defRPr/>
+            </a:pPr>
+            <a:r>
+              <a:rPr lang="ja-JP" altLang="en-US" dirty="0" smtClean="0"/>
+              <a:t>例えとして好きな曲調を探すときにジャンルを使用する</a:t>
+            </a:r>
+            <a:endParaRPr lang="en-US" altLang="ja-JP" dirty="0" smtClean="0"/>
+          </a:p>
+          <a:p>
+            <a:pPr marL="0" marR="0" indent="0" algn="l" defTabSz="914400" rtl="0" eaLnBrk="1" fontAlgn="auto" latinLnBrk="0" hangingPunct="1">
+              <a:lnSpc>
+                <a:spcPct val="100000"/>
+              </a:lnSpc>
+              <a:spcBef>
+                <a:spcPts val="0"/>
+              </a:spcBef>
+              <a:spcAft>
+                <a:spcPts val="0"/>
+              </a:spcAft>
+              <a:buClrTx/>
+              <a:buSzTx/>
+              <a:buFontTx/>
+              <a:buNone/>
+              <a:tabLst/>
+              <a:defRPr/>
+            </a:pPr>
             <a:endParaRPr lang="en-US" altLang="ja-JP" dirty="0"/>
           </a:p>
           <a:p>
@@ -1302,6 +1394,94 @@
 </file>
 
 <file path=ppt/notesSlides/notesSlide6.xml><?xml version="1.0" encoding="utf-8"?>
+<p:notes xmlns:a="http://schemas.openxmlformats.org/drawingml/2006/main" xmlns:r="http://schemas.openxmlformats.org/officeDocument/2006/relationships" xmlns:p="http://schemas.openxmlformats.org/presentationml/2006/main">
+  <p:cSld>
+    <p:spTree>
+      <p:nvGrpSpPr>
+        <p:cNvPr id="1" name=""/>
+        <p:cNvGrpSpPr/>
+        <p:nvPr/>
+      </p:nvGrpSpPr>
+      <p:grpSpPr>
+        <a:xfrm>
+          <a:off x="0" y="0"/>
+          <a:ext cx="0" cy="0"/>
+          <a:chOff x="0" y="0"/>
+          <a:chExt cx="0" cy="0"/>
+        </a:xfrm>
+      </p:grpSpPr>
+      <p:sp>
+        <p:nvSpPr>
+          <p:cNvPr id="2" name="スライド イメージ プレースホルダー 1"/>
+          <p:cNvSpPr>
+            <a:spLocks noGrp="1" noRot="1" noChangeAspect="1"/>
+          </p:cNvSpPr>
+          <p:nvPr>
+            <p:ph type="sldImg"/>
+          </p:nvPr>
+        </p:nvSpPr>
+        <p:spPr/>
+      </p:sp>
+      <p:sp>
+        <p:nvSpPr>
+          <p:cNvPr id="3" name="ノート プレースホルダー 2"/>
+          <p:cNvSpPr>
+            <a:spLocks noGrp="1"/>
+          </p:cNvSpPr>
+          <p:nvPr>
+            <p:ph type="body" idx="1"/>
+          </p:nvPr>
+        </p:nvSpPr>
+        <p:spPr/>
+        <p:txBody>
+          <a:bodyPr/>
+          <a:lstStyle/>
+          <a:p>
+            <a:r>
+              <a:rPr kumimoji="1" lang="ja-JP" altLang="en-US" dirty="0" smtClean="0"/>
+              <a:t>従来についての説明</a:t>
+            </a:r>
+            <a:endParaRPr kumimoji="1" lang="ja-JP" altLang="en-US" dirty="0"/>
+          </a:p>
+        </p:txBody>
+      </p:sp>
+      <p:sp>
+        <p:nvSpPr>
+          <p:cNvPr id="4" name="スライド番号プレースホルダー 3"/>
+          <p:cNvSpPr>
+            <a:spLocks noGrp="1"/>
+          </p:cNvSpPr>
+          <p:nvPr>
+            <p:ph type="sldNum" sz="quarter" idx="10"/>
+          </p:nvPr>
+        </p:nvSpPr>
+        <p:spPr/>
+        <p:txBody>
+          <a:bodyPr/>
+          <a:lstStyle/>
+          <a:p>
+            <a:fld id="{9D828324-DCC9-430F-AD2C-1DD1805E2C40}" type="slidenum">
+              <a:rPr kumimoji="1" lang="ja-JP" altLang="en-US" smtClean="0"/>
+              <a:t>14</a:t>
+            </a:fld>
+            <a:endParaRPr kumimoji="1" lang="ja-JP" altLang="en-US"/>
+          </a:p>
+        </p:txBody>
+      </p:sp>
+    </p:spTree>
+    <p:extLst>
+      <p:ext uri="{BB962C8B-B14F-4D97-AF65-F5344CB8AC3E}">
+        <p14:creationId xmlns:p14="http://schemas.microsoft.com/office/powerpoint/2010/main" val="2770816828"/>
+      </p:ext>
+    </p:extLst>
+  </p:cSld>
+  <p:clrMapOvr>
+    <a:masterClrMapping/>
+  </p:clrMapOvr>
+</p:notes>
+</file>
+
+<file path=ppt/notesSlides/notesSlide7.xml><?xml version="1.0" encoding="utf-8"?>
 <p:notes xmlns:a="http://schemas.openxmlformats.org/drawingml/2006/main" xmlns:r="http://schemas.openxmlformats.org/officeDocument/2006/relationships" xmlns:p="http://schemas.openxmlformats.org/presentationml/2006/main">
   <p:cSld>
     <p:spTree>
@@ -4963,16 +5143,35 @@
         </p:nvSpPr>
         <p:spPr/>
         <p:txBody>
-          <a:bodyPr/>
+          <a:bodyPr>
+            <a:normAutofit/>
+          </a:bodyPr>
           <a:lstStyle/>
           <a:p>
             <a:pPr marL="0" indent="0" algn="just">
               <a:buNone/>
             </a:pPr>
             <a:r>
-              <a:rPr kumimoji="1" lang="ja-JP" altLang="en-US" dirty="0"/>
-              <a:t>単機サーバと複数サーバでジャンル推定処理を行い．その処理にかかった時間と分類精度を比較することで実現可能性を検証する．</a:t>
-            </a:r>
+              <a:rPr kumimoji="1" lang="ja-JP" altLang="en-US" sz="3200" dirty="0"/>
+              <a:t>単機サーバと複数サーバ</a:t>
+            </a:r>
+            <a:r>
+              <a:rPr kumimoji="1" lang="ja-JP" altLang="en-US" sz="3200" dirty="0" smtClean="0"/>
+              <a:t>で，ジャンル</a:t>
+            </a:r>
+            <a:r>
+              <a:rPr kumimoji="1" lang="ja-JP" altLang="en-US" sz="3200" dirty="0"/>
+              <a:t>推定処理を行い．その処理にかかった時間と分類精度を比較</a:t>
+            </a:r>
+            <a:r>
+              <a:rPr kumimoji="1" lang="ja-JP" altLang="en-US" sz="3200" dirty="0" smtClean="0"/>
+              <a:t>する</a:t>
+            </a:r>
+            <a:r>
+              <a:rPr lang="ja-JP" altLang="en-US" sz="3200" dirty="0"/>
+              <a:t>．</a:t>
+            </a:r>
+            <a:endParaRPr kumimoji="1" lang="ja-JP" altLang="en-US" sz="3200" dirty="0"/>
           </a:p>
         </p:txBody>
       </p:sp>
@@ -5010,6 +5209,13 @@
   <p:clrMapOvr>
     <a:masterClrMapping/>
   </p:clrMapOvr>
+  <p:timing>
+    <p:tnLst>
+      <p:par>
+        <p:cTn id="1" dur="indefinite" restart="never" nodeType="tmRoot"/>
+      </p:par>
+    </p:tnLst>
+  </p:timing>
 </p:sld>
 </file>
 
@@ -5427,6 +5633,40 @@
           </a:graphicData>
         </a:graphic>
       </p:graphicFrame>
+      <p:sp>
+        <p:nvSpPr>
+          <p:cNvPr id="5" name="テキスト ボックス 4"/>
+          <p:cNvSpPr txBox="1"/>
+          <p:nvPr/>
+        </p:nvSpPr>
+        <p:spPr>
+          <a:xfrm>
+            <a:off x="628650" y="4348773"/>
+            <a:ext cx="7810500" cy="461665"/>
+          </a:xfrm>
+          <a:prstGeom prst="rect">
+            <a:avLst/>
+          </a:prstGeom>
+          <a:noFill/>
+        </p:spPr>
+        <p:txBody>
+          <a:bodyPr wrap="square" rtlCol="0">
+            <a:spAutoFit/>
+          </a:bodyPr>
+          <a:lstStyle/>
+          <a:p>
+            <a:r>
+              <a:rPr kumimoji="1" lang="en-US" altLang="ja-JP" sz="2400" dirty="0" smtClean="0"/>
+              <a:t>Raspberry Pi 4B 4Gb</a:t>
+            </a:r>
+            <a:r>
+              <a:rPr kumimoji="1" lang="ja-JP" altLang="en-US" sz="2400" dirty="0" smtClean="0"/>
+              <a:t>を使用</a:t>
+            </a:r>
+            <a:endParaRPr kumimoji="1" lang="ja-JP" altLang="en-US" sz="2400" dirty="0"/>
+          </a:p>
+        </p:txBody>
+      </p:sp>
     </p:spTree>
     <p:extLst>
       <p:ext uri="{BB962C8B-B14F-4D97-AF65-F5344CB8AC3E}">
@@ -5437,6 +5677,13 @@
   <p:clrMapOvr>
     <a:masterClrMapping/>
   </p:clrMapOvr>
+  <p:timing>
+    <p:tnLst>
+      <p:par>
+        <p:cTn id="1" dur="indefinite" restart="never" nodeType="tmRoot"/>
+      </p:par>
+    </p:tnLst>
+  </p:timing>
 </p:sld>
 </file>
 
@@ -5547,7 +5794,7 @@
           <p:nvPr>
             <p:extLst>
               <p:ext uri="{D42A27DB-BD31-4B8C-83A1-F6EECF244321}">
-                <p14:modId xmlns:p14="http://schemas.microsoft.com/office/powerpoint/2010/main" val="2505802056"/>
+                <p14:modId xmlns:p14="http://schemas.microsoft.com/office/powerpoint/2010/main" val="2858857318"/>
               </p:ext>
             </p:extLst>
           </p:nvPr>
@@ -5634,16 +5881,22 @@
                         <a:t>Layer (type)                Output Shape              </a:t>
                       </a:r>
                       <a:r>
-                        <a:rPr lang="en-US" sz="2000" kern="100" dirty="0" err="1">
+                        <a:rPr lang="en-US" sz="2000" kern="100" dirty="0" err="1" smtClean="0">
                           <a:effectLst/>
                         </a:rPr>
                         <a:t>Param</a:t>
                       </a:r>
                       <a:r>
+                        <a:rPr lang="en-US" sz="2000" kern="100" dirty="0" smtClean="0">
+                          <a:effectLst/>
+                        </a:rPr>
+                        <a:t> </a:t>
+                      </a:r>
+                      <a:r>
                         <a:rPr lang="en-US" sz="2000" kern="100" dirty="0">
                           <a:effectLst/>
                         </a:rPr>
-                        <a:t> #  </a:t>
+                        <a:t>#  </a:t>
                       </a:r>
                     </a:p>
                     <a:p>
@@ -6049,6 +6302,13 @@
   <p:clrMapOvr>
     <a:masterClrMapping/>
   </p:clrMapOvr>
+  <p:timing>
+    <p:tnLst>
+      <p:par>
+        <p:cTn id="1" dur="indefinite" restart="never" nodeType="tmRoot"/>
+      </p:par>
+    </p:tnLst>
+  </p:timing>
 </p:sld>
 </file>
 
@@ -6126,7 +6386,7 @@
               <a:t>200</a:t>
             </a:r>
             <a:r>
-              <a:rPr lang="ja-JP" altLang="en-US">
+              <a:rPr lang="ja-JP" altLang="en-US" dirty="0">
                 <a:ea typeface="ＭＳ Ｐゴシック"/>
               </a:rPr>
               <a:t>件の楽曲データを利用し，</a:t>
@@ -6138,7 +6398,7 @@
               <a:t>1</a:t>
             </a:r>
             <a:r>
-              <a:rPr lang="ja-JP" altLang="en-US">
+              <a:rPr lang="ja-JP" altLang="en-US" dirty="0">
                 <a:ea typeface="ＭＳ Ｐゴシック"/>
               </a:rPr>
               <a:t>台の</a:t>
@@ -6150,12 +6410,12 @@
               <a:t>Raspberry Pi</a:t>
             </a:r>
             <a:r>
-              <a:rPr lang="ja-JP" altLang="en-US">
+              <a:rPr lang="ja-JP" altLang="en-US" dirty="0">
                 <a:ea typeface="ＭＳ Ｐゴシック"/>
               </a:rPr>
               <a:t>でジャンル推定処理を行い，処理にかかった時間の合計とジャンル推定の分類精度を計測する．</a:t>
             </a:r>
-            <a:endParaRPr lang="en-US" altLang="ja-JP">
+            <a:endParaRPr lang="en-US" altLang="ja-JP" dirty="0">
               <a:ea typeface="ＭＳ Ｐゴシック"/>
             </a:endParaRPr>
           </a:p>
@@ -6164,10 +6424,16 @@
               <a:buNone/>
             </a:pPr>
             <a:r>
-              <a:rPr lang="ja-JP" altLang="en-US">
+              <a:rPr lang="ja-JP" altLang="en-US" dirty="0" smtClean="0">
                 <a:ea typeface="ＭＳ Ｐゴシック"/>
               </a:rPr>
-              <a:t>その後，３台の</a:t>
+              <a:t>本システムを導入した，３台</a:t>
+            </a:r>
+            <a:r>
+              <a:rPr lang="ja-JP" altLang="en-US" dirty="0">
+                <a:ea typeface="ＭＳ Ｐゴシック"/>
+              </a:rPr>
+              <a:t>の</a:t>
             </a:r>
             <a:r>
               <a:rPr lang="en-US" altLang="ja-JP" dirty="0">
@@ -6188,12 +6454,12 @@
               <a:t>Pi</a:t>
             </a:r>
             <a:r>
-              <a:rPr lang="ja-JP" altLang="en-US">
+              <a:rPr lang="ja-JP" altLang="en-US" dirty="0">
                 <a:ea typeface="ＭＳ Ｐゴシック"/>
               </a:rPr>
               <a:t>で同処理を行い，処理にかかった時間の合計と分類精度を計測したものをそれぞれ比較する．</a:t>
             </a:r>
-            <a:endParaRPr lang="en-US" altLang="ja-JP">
+            <a:endParaRPr lang="en-US" altLang="ja-JP" dirty="0">
               <a:ea typeface="ＭＳ Ｐゴシック"/>
             </a:endParaRPr>
           </a:p>
@@ -6233,6 +6499,13 @@
   <p:clrMapOvr>
     <a:masterClrMapping/>
   </p:clrMapOvr>
+  <p:timing>
+    <p:tnLst>
+      <p:par>
+        <p:cTn id="1" dur="indefinite" restart="never" nodeType="tmRoot"/>
+      </p:par>
+    </p:tnLst>
+  </p:timing>
 </p:sld>
 </file>
 
@@ -6263,13 +6536,18 @@
             <p:ph type="title"/>
           </p:nvPr>
         </p:nvSpPr>
-        <p:spPr/>
+        <p:spPr>
+          <a:xfrm>
+            <a:off x="628650" y="156551"/>
+            <a:ext cx="7886700" cy="1325563"/>
+          </a:xfrm>
+        </p:spPr>
         <p:txBody>
           <a:bodyPr/>
           <a:lstStyle/>
           <a:p>
             <a:r>
-              <a:rPr kumimoji="1" lang="ja-JP" altLang="en-US">
+              <a:rPr kumimoji="1" lang="ja-JP" altLang="en-US" dirty="0">
                 <a:ea typeface="ＭＳ Ｐゴシック"/>
               </a:rPr>
               <a:t>実験結果</a:t>
@@ -6287,13 +6565,13 @@
             <p:ph idx="1"/>
             <p:extLst>
               <p:ext uri="{D42A27DB-BD31-4B8C-83A1-F6EECF244321}">
-                <p14:modId xmlns:p14="http://schemas.microsoft.com/office/powerpoint/2010/main" val="745622532"/>
+                <p14:modId xmlns:p14="http://schemas.microsoft.com/office/powerpoint/2010/main" val="3231826003"/>
               </p:ext>
             </p:extLst>
           </p:nvPr>
         </p:nvGraphicFramePr>
         <p:xfrm>
-          <a:off x="753826" y="1913361"/>
+          <a:off x="761777" y="1913361"/>
           <a:ext cx="7196837" cy="1012719"/>
         </p:xfrm>
         <a:graphic>
@@ -6398,10 +6676,16 @@
                         </a:spcAft>
                       </a:pPr>
                       <a:r>
-                        <a:rPr lang="en-US" altLang="ja-JP" sz="2000" kern="100" dirty="0" err="1">
+                        <a:rPr lang="en-US" altLang="ja-JP" sz="2000" kern="100" dirty="0" err="1" smtClean="0">
                           <a:effectLst/>
                         </a:rPr>
-                        <a:t>分類制度</a:t>
+                        <a:t>分類</a:t>
+                      </a:r>
+                      <a:r>
+                        <a:rPr lang="ja-JP" altLang="en-US" sz="2000" kern="100" dirty="0" smtClean="0">
+                          <a:effectLst/>
+                        </a:rPr>
+                        <a:t>精度</a:t>
                       </a:r>
                       <a:endParaRPr lang="en-US" altLang="ja-JP" sz="2000" kern="100" dirty="0" err="1">
                         <a:solidFill>
@@ -6558,7 +6842,7 @@
         <p:spPr>
           <a:xfrm>
             <a:off x="628650" y="1432693"/>
-            <a:ext cx="7452986" cy="369332"/>
+            <a:ext cx="7452986" cy="523220"/>
           </a:xfrm>
           <a:prstGeom prst="rect">
             <a:avLst/>
@@ -6572,13 +6856,14 @@
           <a:lstStyle/>
           <a:p>
             <a:r>
-              <a:rPr kumimoji="1" lang="en-US" altLang="ja-JP" dirty="0"/>
-              <a:t>1</a:t>
-            </a:r>
-            <a:r>
-              <a:rPr kumimoji="1" lang="ja-JP" altLang="en-US" dirty="0"/>
-              <a:t>台のみでの処理</a:t>
-            </a:r>
+              <a:rPr lang="ja-JP" altLang="en-US" sz="2800" dirty="0" smtClean="0"/>
+              <a:t>従来の</a:t>
+            </a:r>
+            <a:r>
+              <a:rPr kumimoji="1" lang="ja-JP" altLang="en-US" sz="2800" dirty="0" smtClean="0"/>
+              <a:t>処理</a:t>
+            </a:r>
+            <a:endParaRPr kumimoji="1" lang="ja-JP" altLang="en-US" sz="2800" dirty="0"/>
           </a:p>
         </p:txBody>
       </p:sp>
@@ -6590,8 +6875,8 @@
         </p:nvSpPr>
         <p:spPr>
           <a:xfrm>
-            <a:off x="753826" y="3645074"/>
-            <a:ext cx="7327810" cy="369332"/>
+            <a:off x="583299" y="3894522"/>
+            <a:ext cx="7327810" cy="523220"/>
           </a:xfrm>
           <a:prstGeom prst="rect">
             <a:avLst/>
@@ -6605,9 +6890,10 @@
           <a:lstStyle/>
           <a:p>
             <a:r>
-              <a:rPr kumimoji="1" lang="ja-JP" altLang="en-US" dirty="0"/>
-              <a:t>複数台での分散処理</a:t>
-            </a:r>
+              <a:rPr kumimoji="1" lang="ja-JP" altLang="en-US" sz="2800" dirty="0" smtClean="0"/>
+              <a:t>提案システム</a:t>
+            </a:r>
+            <a:endParaRPr kumimoji="1" lang="ja-JP" altLang="en-US" sz="2800" dirty="0"/>
           </a:p>
         </p:txBody>
       </p:sp>
@@ -6626,7 +6912,7 @@
           <p:nvPr>
             <p:extLst>
               <p:ext uri="{D42A27DB-BD31-4B8C-83A1-F6EECF244321}">
-                <p14:modId xmlns:p14="http://schemas.microsoft.com/office/powerpoint/2010/main" val="4037078232"/>
+                <p14:modId xmlns:p14="http://schemas.microsoft.com/office/powerpoint/2010/main" val="2485811928"/>
               </p:ext>
             </p:extLst>
           </p:nvPr>
@@ -6728,11 +7014,20 @@
                         </a:spcAft>
                       </a:pPr>
                       <a:r>
-                        <a:rPr lang="en-US" altLang="ja-JP" sz="2000" kern="100" dirty="0" err="1">
+                        <a:rPr lang="en-US" altLang="ja-JP" sz="2000" kern="100" dirty="0" err="1" smtClean="0">
                           <a:effectLst/>
                         </a:rPr>
-                        <a:t>分類制度</a:t>
+                        <a:t>分類</a:t>
                       </a:r>
+                      <a:r>
+                        <a:rPr lang="ja-JP" altLang="en-US" sz="2000" kern="100" dirty="0" smtClean="0">
+                          <a:effectLst/>
+                        </a:rPr>
+                        <a:t>精度</a:t>
+                      </a:r>
+                      <a:endParaRPr lang="en-US" altLang="ja-JP" sz="2000" kern="100" dirty="0" err="1">
+                        <a:effectLst/>
+                      </a:endParaRPr>
                     </a:p>
                   </a:txBody>
                   <a:tcPr marL="68580" marR="68580" marT="0" marB="0"/>
@@ -6875,6 +7170,13 @@
   <p:clrMapOvr>
     <a:masterClrMapping/>
   </p:clrMapOvr>
+  <p:timing>
+    <p:tnLst>
+      <p:par>
+        <p:cTn id="1" dur="indefinite" restart="never" nodeType="tmRoot"/>
+      </p:par>
+    </p:tnLst>
+  </p:timing>
 </p:sld>
 </file>
 
@@ -6994,7 +7296,55 @@
               <a:rPr lang="ja-JP" altLang="ja-JP" dirty="0">
                 <a:ea typeface="ＭＳ Ｐゴシック"/>
               </a:rPr>
-              <a:t>本システムを導入することでジャンル推定処理を行うことでかかる全体の処理時間は大幅に減少したことが確認できた．</a:t>
+              <a:t>本システムを導入することでジャンル推定</a:t>
+            </a:r>
+            <a:r>
+              <a:rPr lang="ja-JP" altLang="ja-JP" dirty="0" smtClean="0">
+                <a:ea typeface="ＭＳ Ｐゴシック"/>
+              </a:rPr>
+              <a:t>処理</a:t>
+            </a:r>
+            <a:r>
+              <a:rPr lang="ja-JP" altLang="en-US" dirty="0">
+                <a:ea typeface="ＭＳ Ｐゴシック"/>
+              </a:rPr>
+              <a:t>に</a:t>
+            </a:r>
+            <a:r>
+              <a:rPr lang="ja-JP" altLang="ja-JP" dirty="0" smtClean="0">
+                <a:ea typeface="ＭＳ Ｐゴシック"/>
+              </a:rPr>
+              <a:t>かかる</a:t>
+            </a:r>
+            <a:r>
+              <a:rPr lang="ja-JP" altLang="ja-JP" dirty="0">
+                <a:ea typeface="ＭＳ Ｐゴシック"/>
+              </a:rPr>
+              <a:t>全体の処理時間は大幅に</a:t>
+            </a:r>
+            <a:r>
+              <a:rPr lang="ja-JP" altLang="ja-JP" dirty="0" smtClean="0">
+                <a:ea typeface="ＭＳ Ｐゴシック"/>
+              </a:rPr>
+              <a:t>減少</a:t>
+            </a:r>
+            <a:r>
+              <a:rPr lang="ja-JP" altLang="en-US" dirty="0">
+                <a:ea typeface="ＭＳ Ｐゴシック"/>
+              </a:rPr>
+              <a:t>する</a:t>
+            </a:r>
+            <a:r>
+              <a:rPr lang="ja-JP" altLang="ja-JP" dirty="0" smtClean="0">
+                <a:ea typeface="ＭＳ Ｐゴシック"/>
+              </a:rPr>
+              <a:t>こと</a:t>
+            </a:r>
+            <a:r>
+              <a:rPr lang="ja-JP" altLang="ja-JP" dirty="0">
+                <a:ea typeface="ＭＳ Ｐゴシック"/>
+              </a:rPr>
+              <a:t>が確認できた．</a:t>
             </a:r>
             <a:endParaRPr lang="en-US" altLang="ja-JP" dirty="0">
               <a:ea typeface="ＭＳ Ｐゴシック"/>
@@ -7046,6 +7396,13 @@
   <p:clrMapOvr>
     <a:masterClrMapping/>
   </p:clrMapOvr>
+  <p:timing>
+    <p:tnLst>
+      <p:par>
+        <p:cTn id="1" dur="indefinite" restart="never" nodeType="tmRoot"/>
+      </p:par>
+    </p:tnLst>
+  </p:timing>
 </p:sld>
 </file>
 
@@ -7112,18 +7469,82 @@
               <a:buNone/>
             </a:pPr>
             <a:r>
-              <a:rPr lang="ja-JP" altLang="ja-JP">
+              <a:rPr lang="ja-JP" altLang="en-US" dirty="0" smtClean="0">
                 <a:ea typeface="ＭＳ Ｐゴシック"/>
               </a:rPr>
-              <a:t>本システムでジャンル推定のできた，楽曲コンテンツと動画コンテンツをジャンルマッチングすることで，付加価値の高い動画コ</a:t>
-            </a:r>
-            <a:r>
-              <a:rPr lang="ja-JP" altLang="en-US">
+              <a:t>・</a:t>
+            </a:r>
+            <a:r>
+              <a:rPr lang="ja-JP" altLang="ja-JP" dirty="0" smtClean="0">
                 <a:ea typeface="ＭＳ Ｐゴシック"/>
               </a:rPr>
-              <a:t>ンテンツを提供するシステムの実現が期待される．</a:t>
-            </a:r>
-            <a:endParaRPr lang="en-US" altLang="ja-JP">
+              <a:t>本システム</a:t>
+            </a:r>
+            <a:r>
+              <a:rPr lang="ja-JP" altLang="ja-JP" dirty="0">
+                <a:ea typeface="ＭＳ Ｐゴシック"/>
+              </a:rPr>
+              <a:t>でジャンル推定のできた，楽曲コンテンツと動画コンテンツをジャンルマッチングすることで，付加価値の高い動画コ</a:t>
+            </a:r>
+            <a:r>
+              <a:rPr lang="ja-JP" altLang="en-US" dirty="0">
+                <a:ea typeface="ＭＳ Ｐゴシック"/>
+              </a:rPr>
+              <a:t>ンテンツを提供するシステムの</a:t>
+            </a:r>
+            <a:r>
+              <a:rPr lang="ja-JP" altLang="en-US" dirty="0" smtClean="0">
+                <a:ea typeface="ＭＳ Ｐゴシック"/>
+              </a:rPr>
+              <a:t>実現．</a:t>
+            </a:r>
+            <a:endParaRPr lang="en-US" altLang="ja-JP" dirty="0">
+              <a:ea typeface="ＭＳ Ｐゴシック"/>
+            </a:endParaRPr>
+          </a:p>
+          <a:p>
+            <a:pPr marL="0" indent="0" algn="just">
+              <a:lnSpc>
+                <a:spcPct val="100000"/>
+              </a:lnSpc>
+              <a:buNone/>
+            </a:pPr>
+            <a:endParaRPr lang="en-US" altLang="ja-JP" dirty="0">
+              <a:ea typeface="ＭＳ Ｐゴシック"/>
+            </a:endParaRPr>
+          </a:p>
+          <a:p>
+            <a:pPr marL="0" indent="0" algn="just">
+              <a:lnSpc>
+                <a:spcPct val="100000"/>
+              </a:lnSpc>
+              <a:buNone/>
+            </a:pPr>
+            <a:r>
+              <a:rPr lang="ja-JP" altLang="en-US" dirty="0" smtClean="0">
+                <a:ea typeface="ＭＳ Ｐゴシック"/>
+              </a:rPr>
+              <a:t>・スペクトログラムを</a:t>
+            </a:r>
+            <a:r>
+              <a:rPr lang="en-US" altLang="ja-JP" dirty="0" smtClean="0">
+                <a:ea typeface="ＭＳ Ｐゴシック"/>
+              </a:rPr>
+              <a:t>CNN</a:t>
+            </a:r>
+            <a:r>
+              <a:rPr lang="ja-JP" altLang="en-US" dirty="0" smtClean="0">
+                <a:ea typeface="ＭＳ Ｐゴシック"/>
+              </a:rPr>
+              <a:t>で機械学習することで分類精度を向上させることが</a:t>
+            </a:r>
+            <a:r>
+              <a:rPr lang="ja-JP" altLang="en-US" smtClean="0">
+                <a:ea typeface="ＭＳ Ｐゴシック"/>
+              </a:rPr>
+              <a:t>期待される．</a:t>
+            </a:r>
+            <a:endParaRPr lang="en-US" altLang="ja-JP" dirty="0">
               <a:ea typeface="ＭＳ Ｐゴシック"/>
             </a:endParaRPr>
           </a:p>
@@ -7180,6 +7601,13 @@
   <p:clrMapOvr>
     <a:masterClrMapping/>
   </p:clrMapOvr>
+  <p:timing>
+    <p:tnLst>
+      <p:par>
+        <p:cTn id="1" dur="indefinite" restart="never" nodeType="tmRoot"/>
+      </p:par>
+    </p:tnLst>
+  </p:timing>
 </p:sld>
 </file>
 
@@ -7848,6 +8276,13 @@
   <p:clrMapOvr>
     <a:masterClrMapping/>
   </p:clrMapOvr>
+  <p:timing>
+    <p:tnLst>
+      <p:par>
+        <p:cTn id="1" dur="indefinite" restart="never" nodeType="tmRoot"/>
+      </p:par>
+    </p:tnLst>
+  </p:timing>
 </p:sld>
 </file>
 
@@ -7951,7 +8386,7 @@
               </a:lnSpc>
             </a:pPr>
             <a:r>
-              <a:rPr lang="ja-JP" altLang="en-US">
+              <a:rPr lang="ja-JP" altLang="en-US" dirty="0">
                 <a:ea typeface="ＭＳ Ｐゴシック"/>
               </a:rPr>
               <a:t>音楽投稿型</a:t>
@@ -7963,12 +8398,12 @@
               <a:t>SNS</a:t>
             </a:r>
             <a:r>
-              <a:rPr lang="ja-JP" altLang="en-US">
+              <a:rPr lang="ja-JP" altLang="en-US" dirty="0">
                 <a:ea typeface="ＭＳ Ｐゴシック"/>
               </a:rPr>
               <a:t>においては，投稿される楽曲が莫大な量になってきている．</a:t>
             </a:r>
-            <a:endParaRPr lang="en-US" altLang="ja-JP">
+            <a:endParaRPr lang="en-US" altLang="ja-JP" dirty="0">
               <a:ea typeface="ＭＳ Ｐゴシック"/>
             </a:endParaRPr>
           </a:p>
@@ -7985,12 +8420,36 @@
               <a:t>SNS</a:t>
             </a:r>
             <a:r>
-              <a:rPr lang="ja-JP" altLang="en-US">
+              <a:rPr lang="ja-JP" altLang="en-US" dirty="0">
                 <a:ea typeface="ＭＳ Ｐゴシック"/>
               </a:rPr>
-              <a:t>に投稿される写真から動画コンテンツを作成するようなサービスがある場合に，作成された動画コンテンツと楽曲コンテンツを組み合わせることで，より付加価値の高いコンテンツを作り出せると考えられる</a:t>
-            </a:r>
-            <a:endParaRPr lang="en-US" altLang="ja-JP">
+              <a:t>に投稿される写真</a:t>
+            </a:r>
+            <a:r>
+              <a:rPr lang="ja-JP" altLang="en-US" dirty="0" smtClean="0">
+                <a:ea typeface="ＭＳ Ｐゴシック"/>
+              </a:rPr>
+              <a:t>から</a:t>
+            </a:r>
+            <a:r>
+              <a:rPr lang="ja-JP" altLang="en-US" dirty="0">
+                <a:ea typeface="ＭＳ Ｐゴシック"/>
+              </a:rPr>
+              <a:t>，</a:t>
+            </a:r>
+            <a:r>
+              <a:rPr lang="ja-JP" altLang="en-US" dirty="0" smtClean="0">
+                <a:ea typeface="ＭＳ Ｐゴシック"/>
+              </a:rPr>
+              <a:t>動画</a:t>
+            </a:r>
+            <a:r>
+              <a:rPr lang="ja-JP" altLang="en-US" dirty="0">
+                <a:ea typeface="ＭＳ Ｐゴシック"/>
+              </a:rPr>
+              <a:t>コンテンツを作成するようなサービスがある場合に，作成された動画コンテンツと楽曲コンテンツを組み合わせることで，より付加価値の高いコンテンツを作り出せると考えられる</a:t>
+            </a:r>
+            <a:endParaRPr lang="en-US" altLang="ja-JP" dirty="0">
               <a:ea typeface="ＭＳ Ｐゴシック"/>
             </a:endParaRPr>
           </a:p>
@@ -8672,6 +9131,13 @@
   <p:clrMapOvr>
     <a:masterClrMapping/>
   </p:clrMapOvr>
+  <p:timing>
+    <p:tnLst>
+      <p:par>
+        <p:cTn id="1" dur="indefinite" restart="never" nodeType="tmRoot"/>
+      </p:par>
+    </p:tnLst>
+  </p:timing>
 </p:sld>
 </file>
 
@@ -8759,7 +9225,15 @@
             </a:pPr>
             <a:r>
               <a:rPr lang="ja-JP" altLang="en-US" dirty="0"/>
-              <a:t>楽曲ジャンル推定をユーザ投稿型の</a:t>
+              <a:t>楽曲ジャンル推定</a:t>
+            </a:r>
+            <a:r>
+              <a:rPr lang="ja-JP" altLang="en-US" dirty="0" smtClean="0"/>
+              <a:t>を，ユーザ</a:t>
+            </a:r>
+            <a:r>
+              <a:rPr lang="ja-JP" altLang="en-US" dirty="0"/>
+              <a:t>投稿型の</a:t>
             </a:r>
             <a:r>
               <a:rPr lang="en-US" altLang="ja-JP" dirty="0"/>
@@ -8767,7 +9241,15 @@
             </a:r>
             <a:r>
               <a:rPr lang="ja-JP" altLang="en-US" dirty="0"/>
-              <a:t>などで実現する場合に分散処理が必要となっている</a:t>
+              <a:t>などで実現する場合</a:t>
+            </a:r>
+            <a:r>
+              <a:rPr lang="ja-JP" altLang="en-US" dirty="0" smtClean="0"/>
+              <a:t>に，分散</a:t>
+            </a:r>
+            <a:r>
+              <a:rPr lang="ja-JP" altLang="en-US" dirty="0"/>
+              <a:t>処理が必要となっている</a:t>
             </a:r>
             <a:endParaRPr lang="en-US" altLang="ja-JP" dirty="0"/>
           </a:p>
@@ -9173,13 +9655,14 @@
           </p:cNvPr>
           <p:cNvCxnSpPr>
             <a:stCxn id="5" idx="6"/>
+            <a:endCxn id="8" idx="2"/>
           </p:cNvCxnSpPr>
           <p:nvPr/>
         </p:nvCxnSpPr>
         <p:spPr>
           <a:xfrm>
             <a:off x="2431855" y="4367242"/>
-            <a:ext cx="1815975" cy="283715"/>
+            <a:ext cx="1837213" cy="294514"/>
           </a:xfrm>
           <a:prstGeom prst="straightConnector1">
             <a:avLst/>
@@ -9212,13 +9695,14 @@
           <p:cNvCxnSpPr>
             <a:cxnSpLocks/>
             <a:stCxn id="10" idx="6"/>
+            <a:endCxn id="8" idx="2"/>
           </p:cNvCxnSpPr>
           <p:nvPr/>
         </p:nvCxnSpPr>
         <p:spPr>
           <a:xfrm flipV="1">
-            <a:off x="2431854" y="4660004"/>
-            <a:ext cx="1814425" cy="520661"/>
+            <a:off x="2431854" y="4661756"/>
+            <a:ext cx="1837214" cy="518909"/>
           </a:xfrm>
           <a:prstGeom prst="straightConnector1">
             <a:avLst/>
@@ -9251,13 +9735,14 @@
           <p:cNvCxnSpPr>
             <a:cxnSpLocks/>
             <a:stCxn id="7" idx="6"/>
+            <a:endCxn id="8" idx="2"/>
           </p:cNvCxnSpPr>
           <p:nvPr/>
         </p:nvCxnSpPr>
         <p:spPr>
           <a:xfrm flipV="1">
-            <a:off x="2431855" y="4631954"/>
-            <a:ext cx="1842471" cy="1474331"/>
+            <a:off x="2431855" y="4661756"/>
+            <a:ext cx="1837213" cy="1444529"/>
           </a:xfrm>
           <a:prstGeom prst="straightConnector1">
             <a:avLst/>
@@ -9289,14 +9774,15 @@
           </p:cNvPr>
           <p:cNvCxnSpPr>
             <a:cxnSpLocks/>
+            <a:stCxn id="9" idx="6"/>
             <a:endCxn id="13" idx="2"/>
           </p:cNvCxnSpPr>
           <p:nvPr/>
         </p:nvCxnSpPr>
         <p:spPr>
           <a:xfrm flipV="1">
-            <a:off x="4849334" y="4367241"/>
-            <a:ext cx="1565489" cy="1319980"/>
+            <a:off x="4872125" y="4367241"/>
+            <a:ext cx="1542698" cy="1276234"/>
           </a:xfrm>
           <a:prstGeom prst="straightConnector1">
             <a:avLst/>
@@ -9329,13 +9815,14 @@
           <p:cNvCxnSpPr>
             <a:cxnSpLocks/>
             <a:stCxn id="9" idx="6"/>
+            <a:endCxn id="12" idx="2"/>
           </p:cNvCxnSpPr>
           <p:nvPr/>
         </p:nvCxnSpPr>
         <p:spPr>
           <a:xfrm flipV="1">
-            <a:off x="4872125" y="5249035"/>
-            <a:ext cx="1519908" cy="394440"/>
+            <a:off x="4872125" y="5236764"/>
+            <a:ext cx="1542698" cy="406711"/>
           </a:xfrm>
           <a:prstGeom prst="straightConnector1">
             <a:avLst/>
@@ -9487,6 +9974,7 @@
           </p:cNvPr>
           <p:cNvCxnSpPr>
             <a:cxnSpLocks/>
+            <a:stCxn id="9" idx="2"/>
             <a:endCxn id="5" idx="6"/>
           </p:cNvCxnSpPr>
           <p:nvPr/>
@@ -9494,7 +9982,7 @@
         <p:spPr>
           <a:xfrm flipH="1" flipV="1">
             <a:off x="2431855" y="4367242"/>
-            <a:ext cx="1812550" cy="1290055"/>
+            <a:ext cx="1837214" cy="1276233"/>
           </a:xfrm>
           <a:prstGeom prst="straightConnector1">
             <a:avLst/>
@@ -9645,6 +10133,13 @@
   <p:clrMapOvr>
     <a:masterClrMapping/>
   </p:clrMapOvr>
+  <p:timing>
+    <p:tnLst>
+      <p:par>
+        <p:cTn id="1" dur="indefinite" restart="never" nodeType="tmRoot"/>
+      </p:par>
+    </p:tnLst>
+  </p:timing>
 </p:sld>
 </file>
 
@@ -9755,7 +10250,31 @@
               <a:rPr lang="ja-JP" altLang="en-US" dirty="0">
                 <a:ea typeface="ＭＳ Ｐゴシック"/>
               </a:rPr>
-              <a:t>複数サーバを利用したラウンドロビン方式の負荷分散を導入した処理時間の短縮を狙う．</a:t>
+              <a:t>複数サーバを利用したラウンドロビン方式の負荷分散を</a:t>
+            </a:r>
+            <a:r>
+              <a:rPr lang="ja-JP" altLang="en-US" dirty="0" smtClean="0">
+                <a:ea typeface="ＭＳ Ｐゴシック"/>
+              </a:rPr>
+              <a:t>導入</a:t>
+            </a:r>
+            <a:r>
+              <a:rPr lang="ja-JP" altLang="en-US" dirty="0">
+                <a:ea typeface="ＭＳ Ｐゴシック"/>
+              </a:rPr>
+              <a:t>することで</a:t>
+            </a:r>
+            <a:r>
+              <a:rPr lang="ja-JP" altLang="en-US" dirty="0" smtClean="0">
+                <a:ea typeface="ＭＳ Ｐゴシック"/>
+              </a:rPr>
+              <a:t>処理</a:t>
+            </a:r>
+            <a:r>
+              <a:rPr lang="ja-JP" altLang="en-US" dirty="0">
+                <a:ea typeface="ＭＳ Ｐゴシック"/>
+              </a:rPr>
+              <a:t>時間の短縮を狙う．</a:t>
             </a:r>
             <a:endParaRPr lang="en-US" altLang="ja-JP" dirty="0">
               <a:ea typeface="ＭＳ Ｐゴシック"/>
@@ -9813,6 +10332,13 @@
   <p:clrMapOvr>
     <a:masterClrMapping/>
   </p:clrMapOvr>
+  <p:timing>
+    <p:tnLst>
+      <p:par>
+        <p:cTn id="1" dur="indefinite" restart="never" nodeType="tmRoot"/>
+      </p:par>
+    </p:tnLst>
+  </p:timing>
 </p:sld>
 </file>
 
@@ -10563,8 +11089,8 @@
         </p:nvSpPr>
         <p:spPr>
           <a:xfrm>
-            <a:off x="4824812" y="174285"/>
-            <a:ext cx="4292792" cy="1631610"/>
+            <a:off x="3825455" y="199527"/>
+            <a:ext cx="5264990" cy="1360622"/>
           </a:xfrm>
           <a:prstGeom prst="roundRect">
             <a:avLst/>
@@ -10593,29 +11119,29 @@
           <a:bodyPr lIns="91440" tIns="45720" rIns="91440" bIns="45720" rtlCol="0" anchor="ctr"/>
           <a:lstStyle/>
           <a:p>
-            <a:pPr algn="ctr"/>
-            <a:r>
-              <a:rPr lang="ja-JP" sz="2400">
+            <a:pPr algn="dist"/>
+            <a:r>
+              <a:rPr lang="ja-JP" sz="2400" dirty="0">
                 <a:ea typeface="ＭＳ Ｐゴシック"/>
                 <a:cs typeface="Calibri"/>
               </a:rPr>
-              <a:t>本研究ではラウンドロビン方式を導入したWeb楽曲分類</a:t>
-            </a:r>
-            <a:endParaRPr lang="en-US" altLang="ja-JP" sz="2400">
-              <a:ea typeface="ＭＳ Ｐゴシック"/>
-              <a:cs typeface="Calibri"/>
-            </a:endParaRPr>
-          </a:p>
-          <a:p>
-            <a:pPr algn="ctr"/>
-            <a:r>
-              <a:rPr lang="ja-JP" sz="2400">
+              <a:t>本研究ではラウンドロビン方式を導入したWeb楽曲</a:t>
+            </a:r>
+            <a:r>
+              <a:rPr lang="ja-JP" sz="2400" dirty="0" smtClean="0">
                 <a:ea typeface="ＭＳ Ｐゴシック"/>
                 <a:cs typeface="Calibri"/>
               </a:rPr>
-              <a:t>サービスを提案する</a:t>
-            </a:r>
-            <a:endParaRPr lang="en-US" altLang="ja-JP" sz="2400">
+              <a:t>分類サービス</a:t>
+            </a:r>
+            <a:r>
+              <a:rPr lang="ja-JP" sz="2400" dirty="0">
+                <a:ea typeface="ＭＳ Ｐゴシック"/>
+                <a:cs typeface="Calibri"/>
+              </a:rPr>
+              <a:t>を提案する</a:t>
+            </a:r>
+            <a:endParaRPr lang="en-US" altLang="ja-JP" sz="2400" dirty="0">
               <a:ea typeface="ＭＳ Ｐゴシック"/>
               <a:cs typeface="Calibri"/>
             </a:endParaRPr>
@@ -10838,6 +11364,13 @@
   <p:clrMapOvr>
     <a:masterClrMapping/>
   </p:clrMapOvr>
+  <p:timing>
+    <p:tnLst>
+      <p:par>
+        <p:cTn id="1" dur="indefinite" restart="never" nodeType="tmRoot"/>
+      </p:par>
+    </p:tnLst>
+  </p:timing>
 </p:sld>
 </file>
 
@@ -10903,7 +11436,7 @@
         </p:blipFill>
         <p:spPr>
           <a:xfrm>
-            <a:off x="675675" y="1445430"/>
+            <a:off x="675673" y="1264442"/>
             <a:ext cx="533108" cy="468784"/>
           </a:xfrm>
           <a:prstGeom prst="rect">
@@ -10932,7 +11465,7 @@
         </p:blipFill>
         <p:spPr>
           <a:xfrm>
-            <a:off x="1105235" y="2430082"/>
+            <a:off x="1022189" y="2013510"/>
             <a:ext cx="533108" cy="468784"/>
           </a:xfrm>
           <a:prstGeom prst="rect">
@@ -10961,7 +11494,7 @@
         </p:blipFill>
         <p:spPr>
           <a:xfrm>
-            <a:off x="191093" y="2512958"/>
+            <a:off x="302408" y="2017584"/>
             <a:ext cx="533108" cy="468784"/>
           </a:xfrm>
           <a:prstGeom prst="rect">
@@ -11113,7 +11646,7 @@
         </p:blipFill>
         <p:spPr>
           <a:xfrm>
-            <a:off x="713376" y="3400211"/>
+            <a:off x="1022189" y="3583351"/>
             <a:ext cx="533108" cy="468784"/>
           </a:xfrm>
           <a:prstGeom prst="rect">
@@ -11142,7 +11675,7 @@
         </p:blipFill>
         <p:spPr>
           <a:xfrm>
-            <a:off x="1061055" y="3951003"/>
+            <a:off x="675673" y="4306128"/>
             <a:ext cx="533108" cy="468784"/>
           </a:xfrm>
           <a:prstGeom prst="rect">
@@ -11171,7 +11704,7 @@
         </p:blipFill>
         <p:spPr>
           <a:xfrm>
-            <a:off x="295481" y="3951002"/>
+            <a:off x="281694" y="3583351"/>
             <a:ext cx="533108" cy="468784"/>
           </a:xfrm>
           <a:prstGeom prst="rect">
@@ -11394,13 +11927,31 @@
           <a:p>
             <a:pPr algn="ctr"/>
             <a:r>
-              <a:rPr kumimoji="1" lang="ja-JP" altLang="en-US" dirty="0">
+              <a:rPr kumimoji="1" lang="ja-JP" altLang="en-US" dirty="0" smtClean="0">
                 <a:solidFill>
                   <a:schemeClr val="tx1"/>
                 </a:solidFill>
                 <a:ea typeface="ＭＳ Ｐゴシック"/>
               </a:rPr>
-              <a:t>モデル構築</a:t>
+              <a:t>モデル</a:t>
+            </a:r>
+            <a:endParaRPr kumimoji="1" lang="en-US" altLang="ja-JP" dirty="0" smtClean="0">
+              <a:solidFill>
+                <a:schemeClr val="tx1"/>
+              </a:solidFill>
+              <a:ea typeface="ＭＳ Ｐゴシック"/>
+            </a:endParaRPr>
+          </a:p>
+          <a:p>
+            <a:pPr algn="ctr"/>
+            <a:r>
+              <a:rPr kumimoji="1" lang="ja-JP" altLang="en-US" dirty="0" smtClean="0">
+                <a:solidFill>
+                  <a:schemeClr val="tx1"/>
+                </a:solidFill>
+                <a:ea typeface="ＭＳ Ｐゴシック"/>
+              </a:rPr>
+              <a:t>構築</a:t>
             </a:r>
             <a:endParaRPr lang="ja-JP" altLang="en-US" dirty="0">
               <a:solidFill>
@@ -11454,15 +12005,33 @@
           <a:p>
             <a:pPr algn="ctr"/>
             <a:r>
-              <a:rPr lang="ja-JP" altLang="en-US">
+              <a:rPr lang="ja-JP" altLang="en-US" dirty="0" smtClean="0">
                 <a:solidFill>
                   <a:schemeClr val="tx1"/>
                 </a:solidFill>
                 <a:ea typeface="ＭＳ Ｐゴシック"/>
               </a:rPr>
-              <a:t>ジャンル推定</a:t>
-            </a:r>
-            <a:endParaRPr lang="ja-JP" altLang="en-US">
+              <a:t>ジャンル</a:t>
+            </a:r>
+            <a:endParaRPr lang="en-US" altLang="ja-JP" dirty="0" smtClean="0">
+              <a:solidFill>
+                <a:schemeClr val="tx1"/>
+              </a:solidFill>
+              <a:ea typeface="ＭＳ Ｐゴシック"/>
+            </a:endParaRPr>
+          </a:p>
+          <a:p>
+            <a:pPr algn="ctr"/>
+            <a:r>
+              <a:rPr lang="ja-JP" altLang="en-US" dirty="0" smtClean="0">
+                <a:solidFill>
+                  <a:schemeClr val="tx1"/>
+                </a:solidFill>
+                <a:ea typeface="ＭＳ Ｐゴシック"/>
+              </a:rPr>
+              <a:t>推定</a:t>
+            </a:r>
+            <a:endParaRPr lang="ja-JP" altLang="en-US" dirty="0">
               <a:solidFill>
                 <a:schemeClr val="tx1"/>
               </a:solidFill>
@@ -11480,8 +12049,8 @@
         </p:nvSpPr>
         <p:spPr>
           <a:xfrm>
-            <a:off x="143122" y="1137947"/>
-            <a:ext cx="1598213" cy="4268566"/>
+            <a:off x="143122" y="962109"/>
+            <a:ext cx="1598213" cy="4405022"/>
           </a:xfrm>
           <a:prstGeom prst="rect">
             <a:avLst/>
@@ -11520,286 +12089,6 @@
           </a:p>
         </p:txBody>
       </p:sp>
-      <p:cxnSp>
-        <p:nvCxnSpPr>
-          <p:cNvPr id="9" name="直線矢印コネクタ 8"/>
-          <p:cNvCxnSpPr>
-            <a:endCxn id="24" idx="1"/>
-          </p:cNvCxnSpPr>
-          <p:nvPr/>
-        </p:nvCxnSpPr>
-        <p:spPr>
-          <a:xfrm flipV="1">
-            <a:off x="1758076" y="1491200"/>
-            <a:ext cx="479480" cy="870337"/>
-          </a:xfrm>
-          <a:prstGeom prst="straightConnector1">
-            <a:avLst/>
-          </a:prstGeom>
-          <a:ln>
-            <a:tailEnd type="triangle"/>
-          </a:ln>
-        </p:spPr>
-        <p:style>
-          <a:lnRef idx="1">
-            <a:schemeClr val="dk1"/>
-          </a:lnRef>
-          <a:fillRef idx="0">
-            <a:schemeClr val="dk1"/>
-          </a:fillRef>
-          <a:effectRef idx="0">
-            <a:schemeClr val="dk1"/>
-          </a:effectRef>
-          <a:fontRef idx="minor">
-            <a:schemeClr val="tx1"/>
-          </a:fontRef>
-        </p:style>
-      </p:cxnSp>
-      <p:cxnSp>
-        <p:nvCxnSpPr>
-          <p:cNvPr id="44" name="直線矢印コネクタ 43"/>
-          <p:cNvCxnSpPr>
-            <a:endCxn id="26" idx="1"/>
-          </p:cNvCxnSpPr>
-          <p:nvPr/>
-        </p:nvCxnSpPr>
-        <p:spPr>
-          <a:xfrm flipV="1">
-            <a:off x="1777091" y="2286642"/>
-            <a:ext cx="460463" cy="570410"/>
-          </a:xfrm>
-          <a:prstGeom prst="straightConnector1">
-            <a:avLst/>
-          </a:prstGeom>
-          <a:ln>
-            <a:tailEnd type="triangle"/>
-          </a:ln>
-        </p:spPr>
-        <p:style>
-          <a:lnRef idx="1">
-            <a:schemeClr val="dk1"/>
-          </a:lnRef>
-          <a:fillRef idx="0">
-            <a:schemeClr val="dk1"/>
-          </a:fillRef>
-          <a:effectRef idx="0">
-            <a:schemeClr val="dk1"/>
-          </a:effectRef>
-          <a:fontRef idx="minor">
-            <a:schemeClr val="tx1"/>
-          </a:fontRef>
-        </p:style>
-      </p:cxnSp>
-      <p:cxnSp>
-        <p:nvCxnSpPr>
-          <p:cNvPr id="45" name="直線矢印コネクタ 44"/>
-          <p:cNvCxnSpPr>
-            <a:endCxn id="32" idx="1"/>
-          </p:cNvCxnSpPr>
-          <p:nvPr/>
-        </p:nvCxnSpPr>
-        <p:spPr>
-          <a:xfrm>
-            <a:off x="1758076" y="3435336"/>
-            <a:ext cx="479480" cy="462397"/>
-          </a:xfrm>
-          <a:prstGeom prst="straightConnector1">
-            <a:avLst/>
-          </a:prstGeom>
-          <a:ln>
-            <a:tailEnd type="triangle"/>
-          </a:ln>
-        </p:spPr>
-        <p:style>
-          <a:lnRef idx="1">
-            <a:schemeClr val="dk1"/>
-          </a:lnRef>
-          <a:fillRef idx="0">
-            <a:schemeClr val="dk1"/>
-          </a:fillRef>
-          <a:effectRef idx="0">
-            <a:schemeClr val="dk1"/>
-          </a:effectRef>
-          <a:fontRef idx="minor">
-            <a:schemeClr val="tx1"/>
-          </a:fontRef>
-        </p:style>
-      </p:cxnSp>
-      <p:cxnSp>
-        <p:nvCxnSpPr>
-          <p:cNvPr id="50" name="直線矢印コネクタ 49"/>
-          <p:cNvCxnSpPr>
-            <a:endCxn id="34" idx="1"/>
-          </p:cNvCxnSpPr>
-          <p:nvPr/>
-        </p:nvCxnSpPr>
-        <p:spPr>
-          <a:xfrm>
-            <a:off x="1810353" y="4055165"/>
-            <a:ext cx="427203" cy="819370"/>
-          </a:xfrm>
-          <a:prstGeom prst="straightConnector1">
-            <a:avLst/>
-          </a:prstGeom>
-          <a:ln>
-            <a:tailEnd type="triangle"/>
-          </a:ln>
-        </p:spPr>
-        <p:style>
-          <a:lnRef idx="1">
-            <a:schemeClr val="dk1"/>
-          </a:lnRef>
-          <a:fillRef idx="0">
-            <a:schemeClr val="dk1"/>
-          </a:fillRef>
-          <a:effectRef idx="0">
-            <a:schemeClr val="dk1"/>
-          </a:effectRef>
-          <a:fontRef idx="minor">
-            <a:schemeClr val="tx1"/>
-          </a:fontRef>
-        </p:style>
-      </p:cxnSp>
-      <p:cxnSp>
-        <p:nvCxnSpPr>
-          <p:cNvPr id="53" name="直線矢印コネクタ 52"/>
-          <p:cNvCxnSpPr>
-            <a:stCxn id="34" idx="3"/>
-          </p:cNvCxnSpPr>
-          <p:nvPr/>
-        </p:nvCxnSpPr>
-        <p:spPr>
-          <a:xfrm flipV="1">
-            <a:off x="5700432" y="3884456"/>
-            <a:ext cx="502136" cy="990079"/>
-          </a:xfrm>
-          <a:prstGeom prst="straightConnector1">
-            <a:avLst/>
-          </a:prstGeom>
-          <a:ln>
-            <a:tailEnd type="triangle"/>
-          </a:ln>
-        </p:spPr>
-        <p:style>
-          <a:lnRef idx="1">
-            <a:schemeClr val="dk1"/>
-          </a:lnRef>
-          <a:fillRef idx="0">
-            <a:schemeClr val="dk1"/>
-          </a:fillRef>
-          <a:effectRef idx="0">
-            <a:schemeClr val="dk1"/>
-          </a:effectRef>
-          <a:fontRef idx="minor">
-            <a:schemeClr val="tx1"/>
-          </a:fontRef>
-        </p:style>
-      </p:cxnSp>
-      <p:cxnSp>
-        <p:nvCxnSpPr>
-          <p:cNvPr id="54" name="直線矢印コネクタ 53"/>
-          <p:cNvCxnSpPr>
-            <a:stCxn id="26" idx="3"/>
-          </p:cNvCxnSpPr>
-          <p:nvPr/>
-        </p:nvCxnSpPr>
-        <p:spPr>
-          <a:xfrm>
-            <a:off x="5796498" y="2286642"/>
-            <a:ext cx="479478" cy="659065"/>
-          </a:xfrm>
-          <a:prstGeom prst="straightConnector1">
-            <a:avLst/>
-          </a:prstGeom>
-          <a:ln>
-            <a:tailEnd type="triangle"/>
-          </a:ln>
-        </p:spPr>
-        <p:style>
-          <a:lnRef idx="1">
-            <a:schemeClr val="dk1"/>
-          </a:lnRef>
-          <a:fillRef idx="0">
-            <a:schemeClr val="dk1"/>
-          </a:fillRef>
-          <a:effectRef idx="0">
-            <a:schemeClr val="dk1"/>
-          </a:effectRef>
-          <a:fontRef idx="minor">
-            <a:schemeClr val="tx1"/>
-          </a:fontRef>
-        </p:style>
-      </p:cxnSp>
-      <p:cxnSp>
-        <p:nvCxnSpPr>
-          <p:cNvPr id="59" name="直線矢印コネクタ 58"/>
-          <p:cNvCxnSpPr>
-            <a:stCxn id="32" idx="3"/>
-          </p:cNvCxnSpPr>
-          <p:nvPr/>
-        </p:nvCxnSpPr>
-        <p:spPr>
-          <a:xfrm flipV="1">
-            <a:off x="5700432" y="3400211"/>
-            <a:ext cx="575544" cy="497522"/>
-          </a:xfrm>
-          <a:prstGeom prst="straightConnector1">
-            <a:avLst/>
-          </a:prstGeom>
-          <a:ln>
-            <a:tailEnd type="triangle"/>
-          </a:ln>
-        </p:spPr>
-        <p:style>
-          <a:lnRef idx="1">
-            <a:schemeClr val="dk1"/>
-          </a:lnRef>
-          <a:fillRef idx="0">
-            <a:schemeClr val="dk1"/>
-          </a:fillRef>
-          <a:effectRef idx="0">
-            <a:schemeClr val="dk1"/>
-          </a:effectRef>
-          <a:fontRef idx="minor">
-            <a:schemeClr val="tx1"/>
-          </a:fontRef>
-        </p:style>
-      </p:cxnSp>
-      <p:cxnSp>
-        <p:nvCxnSpPr>
-          <p:cNvPr id="61" name="直線矢印コネクタ 60"/>
-          <p:cNvCxnSpPr>
-            <a:stCxn id="24" idx="3"/>
-          </p:cNvCxnSpPr>
-          <p:nvPr/>
-        </p:nvCxnSpPr>
-        <p:spPr>
-          <a:xfrm>
-            <a:off x="5796500" y="1491200"/>
-            <a:ext cx="453225" cy="795442"/>
-          </a:xfrm>
-          <a:prstGeom prst="straightConnector1">
-            <a:avLst/>
-          </a:prstGeom>
-          <a:ln>
-            <a:tailEnd type="triangle"/>
-          </a:ln>
-        </p:spPr>
-        <p:style>
-          <a:lnRef idx="1">
-            <a:schemeClr val="dk1"/>
-          </a:lnRef>
-          <a:fillRef idx="0">
-            <a:schemeClr val="dk1"/>
-          </a:fillRef>
-          <a:effectRef idx="0">
-            <a:schemeClr val="dk1"/>
-          </a:effectRef>
-          <a:fontRef idx="minor">
-            <a:schemeClr val="tx1"/>
-          </a:fontRef>
-        </p:style>
-      </p:cxnSp>
       <p:cxnSp>
         <p:nvCxnSpPr>
           <p:cNvPr id="71" name="直線矢印コネクタ 70"/>
@@ -11881,6 +12170,301 @@
           </a:p>
         </p:txBody>
       </p:sp>
+      <p:cxnSp>
+        <p:nvCxnSpPr>
+          <p:cNvPr id="11" name="直線矢印コネクタ 10"/>
+          <p:cNvCxnSpPr>
+            <a:endCxn id="34" idx="1"/>
+          </p:cNvCxnSpPr>
+          <p:nvPr/>
+        </p:nvCxnSpPr>
+        <p:spPr>
+          <a:xfrm>
+            <a:off x="1758076" y="4874535"/>
+            <a:ext cx="479480" cy="0"/>
+          </a:xfrm>
+          <a:prstGeom prst="straightConnector1">
+            <a:avLst/>
+          </a:prstGeom>
+          <a:ln>
+            <a:tailEnd type="triangle"/>
+          </a:ln>
+        </p:spPr>
+        <p:style>
+          <a:lnRef idx="1">
+            <a:schemeClr val="dk1"/>
+          </a:lnRef>
+          <a:fillRef idx="0">
+            <a:schemeClr val="dk1"/>
+          </a:fillRef>
+          <a:effectRef idx="0">
+            <a:schemeClr val="dk1"/>
+          </a:effectRef>
+          <a:fontRef idx="minor">
+            <a:schemeClr val="tx1"/>
+          </a:fontRef>
+        </p:style>
+      </p:cxnSp>
+      <p:cxnSp>
+        <p:nvCxnSpPr>
+          <p:cNvPr id="35" name="直線矢印コネクタ 34"/>
+          <p:cNvCxnSpPr/>
+          <p:nvPr/>
+        </p:nvCxnSpPr>
+        <p:spPr>
+          <a:xfrm>
+            <a:off x="1735796" y="2286642"/>
+            <a:ext cx="479480" cy="0"/>
+          </a:xfrm>
+          <a:prstGeom prst="straightConnector1">
+            <a:avLst/>
+          </a:prstGeom>
+          <a:ln>
+            <a:tailEnd type="triangle"/>
+          </a:ln>
+        </p:spPr>
+        <p:style>
+          <a:lnRef idx="1">
+            <a:schemeClr val="dk1"/>
+          </a:lnRef>
+          <a:fillRef idx="0">
+            <a:schemeClr val="dk1"/>
+          </a:fillRef>
+          <a:effectRef idx="0">
+            <a:schemeClr val="dk1"/>
+          </a:effectRef>
+          <a:fontRef idx="minor">
+            <a:schemeClr val="tx1"/>
+          </a:fontRef>
+        </p:style>
+      </p:cxnSp>
+      <p:cxnSp>
+        <p:nvCxnSpPr>
+          <p:cNvPr id="36" name="直線矢印コネクタ 35"/>
+          <p:cNvCxnSpPr/>
+          <p:nvPr/>
+        </p:nvCxnSpPr>
+        <p:spPr>
+          <a:xfrm>
+            <a:off x="1777091" y="3868995"/>
+            <a:ext cx="479480" cy="0"/>
+          </a:xfrm>
+          <a:prstGeom prst="straightConnector1">
+            <a:avLst/>
+          </a:prstGeom>
+          <a:ln>
+            <a:tailEnd type="triangle"/>
+          </a:ln>
+        </p:spPr>
+        <p:style>
+          <a:lnRef idx="1">
+            <a:schemeClr val="dk1"/>
+          </a:lnRef>
+          <a:fillRef idx="0">
+            <a:schemeClr val="dk1"/>
+          </a:fillRef>
+          <a:effectRef idx="0">
+            <a:schemeClr val="dk1"/>
+          </a:effectRef>
+          <a:fontRef idx="minor">
+            <a:schemeClr val="tx1"/>
+          </a:fontRef>
+        </p:style>
+      </p:cxnSp>
+      <p:cxnSp>
+        <p:nvCxnSpPr>
+          <p:cNvPr id="39" name="直線矢印コネクタ 38"/>
+          <p:cNvCxnSpPr/>
+          <p:nvPr/>
+        </p:nvCxnSpPr>
+        <p:spPr>
+          <a:xfrm>
+            <a:off x="1735796" y="1455805"/>
+            <a:ext cx="479480" cy="0"/>
+          </a:xfrm>
+          <a:prstGeom prst="straightConnector1">
+            <a:avLst/>
+          </a:prstGeom>
+          <a:ln>
+            <a:tailEnd type="triangle"/>
+          </a:ln>
+        </p:spPr>
+        <p:style>
+          <a:lnRef idx="1">
+            <a:schemeClr val="dk1"/>
+          </a:lnRef>
+          <a:fillRef idx="0">
+            <a:schemeClr val="dk1"/>
+          </a:fillRef>
+          <a:effectRef idx="0">
+            <a:schemeClr val="dk1"/>
+          </a:effectRef>
+          <a:fontRef idx="minor">
+            <a:schemeClr val="tx1"/>
+          </a:fontRef>
+        </p:style>
+      </p:cxnSp>
+      <p:cxnSp>
+        <p:nvCxnSpPr>
+          <p:cNvPr id="40" name="直線矢印コネクタ 39"/>
+          <p:cNvCxnSpPr/>
+          <p:nvPr/>
+        </p:nvCxnSpPr>
+        <p:spPr>
+          <a:xfrm>
+            <a:off x="5770245" y="1453540"/>
+            <a:ext cx="479480" cy="0"/>
+          </a:xfrm>
+          <a:prstGeom prst="straightConnector1">
+            <a:avLst/>
+          </a:prstGeom>
+          <a:ln>
+            <a:tailEnd type="triangle"/>
+          </a:ln>
+        </p:spPr>
+        <p:style>
+          <a:lnRef idx="1">
+            <a:schemeClr val="dk1"/>
+          </a:lnRef>
+          <a:fillRef idx="0">
+            <a:schemeClr val="dk1"/>
+          </a:fillRef>
+          <a:effectRef idx="0">
+            <a:schemeClr val="dk1"/>
+          </a:effectRef>
+          <a:fontRef idx="minor">
+            <a:schemeClr val="tx1"/>
+          </a:fontRef>
+        </p:style>
+      </p:cxnSp>
+      <p:cxnSp>
+        <p:nvCxnSpPr>
+          <p:cNvPr id="41" name="直線矢印コネクタ 40"/>
+          <p:cNvCxnSpPr/>
+          <p:nvPr/>
+        </p:nvCxnSpPr>
+        <p:spPr>
+          <a:xfrm>
+            <a:off x="5770245" y="2209522"/>
+            <a:ext cx="479480" cy="0"/>
+          </a:xfrm>
+          <a:prstGeom prst="straightConnector1">
+            <a:avLst/>
+          </a:prstGeom>
+          <a:ln>
+            <a:tailEnd type="triangle"/>
+          </a:ln>
+        </p:spPr>
+        <p:style>
+          <a:lnRef idx="1">
+            <a:schemeClr val="dk1"/>
+          </a:lnRef>
+          <a:fillRef idx="0">
+            <a:schemeClr val="dk1"/>
+          </a:fillRef>
+          <a:effectRef idx="0">
+            <a:schemeClr val="dk1"/>
+          </a:effectRef>
+          <a:fontRef idx="minor">
+            <a:schemeClr val="tx1"/>
+          </a:fontRef>
+        </p:style>
+      </p:cxnSp>
+      <p:cxnSp>
+        <p:nvCxnSpPr>
+          <p:cNvPr id="42" name="直線矢印コネクタ 41"/>
+          <p:cNvCxnSpPr/>
+          <p:nvPr/>
+        </p:nvCxnSpPr>
+        <p:spPr>
+          <a:xfrm>
+            <a:off x="5770245" y="3868995"/>
+            <a:ext cx="479480" cy="0"/>
+          </a:xfrm>
+          <a:prstGeom prst="straightConnector1">
+            <a:avLst/>
+          </a:prstGeom>
+          <a:ln>
+            <a:tailEnd type="triangle"/>
+          </a:ln>
+        </p:spPr>
+        <p:style>
+          <a:lnRef idx="1">
+            <a:schemeClr val="dk1"/>
+          </a:lnRef>
+          <a:fillRef idx="0">
+            <a:schemeClr val="dk1"/>
+          </a:fillRef>
+          <a:effectRef idx="0">
+            <a:schemeClr val="dk1"/>
+          </a:effectRef>
+          <a:fontRef idx="minor">
+            <a:schemeClr val="tx1"/>
+          </a:fontRef>
+        </p:style>
+      </p:cxnSp>
+      <p:cxnSp>
+        <p:nvCxnSpPr>
+          <p:cNvPr id="43" name="直線矢印コネクタ 42"/>
+          <p:cNvCxnSpPr/>
+          <p:nvPr/>
+        </p:nvCxnSpPr>
+        <p:spPr>
+          <a:xfrm>
+            <a:off x="5770245" y="4828538"/>
+            <a:ext cx="479480" cy="0"/>
+          </a:xfrm>
+          <a:prstGeom prst="straightConnector1">
+            <a:avLst/>
+          </a:prstGeom>
+          <a:ln>
+            <a:tailEnd type="triangle"/>
+          </a:ln>
+        </p:spPr>
+        <p:style>
+          <a:lnRef idx="1">
+            <a:schemeClr val="dk1"/>
+          </a:lnRef>
+          <a:fillRef idx="0">
+            <a:schemeClr val="dk1"/>
+          </a:fillRef>
+          <a:effectRef idx="0">
+            <a:schemeClr val="dk1"/>
+          </a:effectRef>
+          <a:fontRef idx="minor">
+            <a:schemeClr val="tx1"/>
+          </a:fontRef>
+        </p:style>
+      </p:cxnSp>
+      <p:pic>
+        <p:nvPicPr>
+          <p:cNvPr id="47" name="図 46"/>
+          <p:cNvPicPr>
+            <a:picLocks noChangeAspect="1"/>
+          </p:cNvPicPr>
+          <p:nvPr/>
+        </p:nvPicPr>
+        <p:blipFill rotWithShape="1">
+          <a:blip r:embed="rId3">
+            <a:extLst>
+              <a:ext uri="{28A0092B-C50C-407E-A947-70E740481C1C}">
+                <a14:useLocalDpi xmlns:a14="http://schemas.microsoft.com/office/drawing/2010/main" val="0"/>
+              </a:ext>
+            </a:extLst>
+          </a:blip>
+          <a:srcRect l="38483" t="32680" r="38103" b="35667"/>
+          <a:stretch/>
+        </p:blipFill>
+        <p:spPr>
+          <a:xfrm>
+            <a:off x="713376" y="2820141"/>
+            <a:ext cx="533108" cy="468784"/>
+          </a:xfrm>
+          <a:prstGeom prst="rect">
+            <a:avLst/>
+          </a:prstGeom>
+        </p:spPr>
+      </p:pic>
     </p:spTree>
     <p:extLst>
       <p:ext uri="{BB962C8B-B14F-4D97-AF65-F5344CB8AC3E}">
@@ -11891,6 +12475,13 @@
   <p:clrMapOvr>
     <a:masterClrMapping/>
   </p:clrMapOvr>
+  <p:timing>
+    <p:tnLst>
+      <p:par>
+        <p:cTn id="1" dur="indefinite" restart="never" nodeType="tmRoot"/>
+      </p:par>
+    </p:tnLst>
+  </p:timing>
 </p:sld>
 </file>
 
@@ -12354,6 +12945,13 @@
   <p:clrMapOvr>
     <a:masterClrMapping/>
   </p:clrMapOvr>
+  <p:timing>
+    <p:tnLst>
+      <p:par>
+        <p:cTn id="1" dur="indefinite" restart="never" nodeType="tmRoot"/>
+      </p:par>
+    </p:tnLst>
+  </p:timing>
 </p:sld>
 </file>
 
@@ -12990,6 +13588,13 @@
   <p:clrMapOvr>
     <a:masterClrMapping/>
   </p:clrMapOvr>
+  <p:timing>
+    <p:tnLst>
+      <p:par>
+        <p:cTn id="1" dur="indefinite" restart="never" nodeType="tmRoot"/>
+      </p:par>
+    </p:tnLst>
+  </p:timing>
 </p:sld>
 </file>
 

--- a/発表用スライド/1821144_卒研発表.pptx
+++ b/発表用スライド/1821144_卒研発表.pptx
@@ -1439,7 +1439,21 @@
           <a:p>
             <a:r>
               <a:rPr kumimoji="1" lang="ja-JP" altLang="en-US" dirty="0" smtClean="0"/>
-              <a:t>従来についての説明</a:t>
+              <a:t>従来についての</a:t>
+            </a:r>
+            <a:r>
+              <a:rPr kumimoji="1" lang="ja-JP" altLang="en-US" dirty="0" smtClean="0"/>
+              <a:t>説明</a:t>
+            </a:r>
+            <a:endParaRPr kumimoji="1" lang="en-US" altLang="ja-JP" dirty="0" smtClean="0"/>
+          </a:p>
+          <a:p>
+            <a:endParaRPr kumimoji="1" lang="en-US" altLang="ja-JP" dirty="0" smtClean="0"/>
+          </a:p>
+          <a:p>
+            <a:r>
+              <a:rPr kumimoji="1" lang="ja-JP" altLang="en-US" smtClean="0"/>
+              <a:t>特徴抽出とジャンル推定どちらが処理時間長い？</a:t>
             </a:r>
             <a:endParaRPr kumimoji="1" lang="ja-JP" altLang="en-US" dirty="0"/>
           </a:p>
@@ -7536,13 +7550,7 @@
               <a:rPr lang="ja-JP" altLang="en-US" dirty="0" smtClean="0">
                 <a:ea typeface="ＭＳ Ｐゴシック"/>
               </a:rPr>
-              <a:t>で機械学習することで分類精度を向上させることが</a:t>
-            </a:r>
-            <a:r>
-              <a:rPr lang="ja-JP" altLang="en-US" smtClean="0">
-                <a:ea typeface="ＭＳ Ｐゴシック"/>
-              </a:rPr>
-              <a:t>期待される．</a:t>
+              <a:t>で機械学習することで分類精度を向上させることが期待される．</a:t>
             </a:r>
             <a:endParaRPr lang="en-US" altLang="ja-JP" dirty="0">
               <a:ea typeface="ＭＳ Ｐゴシック"/>
